--- a/lectures/JS-03-Browser.pptx
+++ b/lectures/JS-03-Browser.pptx
@@ -5,7 +5,7 @@
     <p:sldMasterId id="2147483648" r:id="rId1"/>
   </p:sldMasterIdLst>
   <p:notesMasterIdLst>
-    <p:notesMasterId r:id="rId38"/>
+    <p:notesMasterId r:id="rId41"/>
   </p:notesMasterIdLst>
   <p:sldIdLst>
     <p:sldId id="257" r:id="rId2"/>
@@ -38,12 +38,15 @@
     <p:sldId id="369" r:id="rId29"/>
     <p:sldId id="370" r:id="rId30"/>
     <p:sldId id="371" r:id="rId31"/>
-    <p:sldId id="372" r:id="rId32"/>
-    <p:sldId id="374" r:id="rId33"/>
-    <p:sldId id="373" r:id="rId34"/>
-    <p:sldId id="375" r:id="rId35"/>
-    <p:sldId id="376" r:id="rId36"/>
-    <p:sldId id="287" r:id="rId37"/>
+    <p:sldId id="379" r:id="rId32"/>
+    <p:sldId id="380" r:id="rId33"/>
+    <p:sldId id="372" r:id="rId34"/>
+    <p:sldId id="374" r:id="rId35"/>
+    <p:sldId id="373" r:id="rId36"/>
+    <p:sldId id="375" r:id="rId37"/>
+    <p:sldId id="376" r:id="rId38"/>
+    <p:sldId id="381" r:id="rId39"/>
+    <p:sldId id="287" r:id="rId40"/>
   </p:sldIdLst>
   <p:sldSz cx="12192000" cy="6858000"/>
   <p:notesSz cx="6858000" cy="9144000"/>
@@ -11315,7 +11318,7 @@
           <p:cNvPr id="2" name="Title 1">
             <a:extLst>
               <a:ext uri="{FF2B5EF4-FFF2-40B4-BE49-F238E27FC236}">
-                <a16:creationId xmlns:a16="http://schemas.microsoft.com/office/drawing/2014/main" id="{380E2930-8690-A37B-03FB-609A3C6EF908}"/>
+                <a16:creationId xmlns:a16="http://schemas.microsoft.com/office/drawing/2014/main" id="{AE1CCC82-FE28-567C-9CE5-DB404CDB54A3}"/>
               </a:ext>
             </a:extLst>
           </p:cNvPr>
@@ -11333,7 +11336,7 @@
           <a:p>
             <a:r>
               <a:rPr lang="en-US" dirty="0"/>
-              <a:t>Network Events</a:t>
+              <a:t>Changing CSS in the DOM</a:t>
             </a:r>
           </a:p>
         </p:txBody>
@@ -11343,7 +11346,7 @@
           <p:cNvPr id="3" name="Text Placeholder 2">
             <a:extLst>
               <a:ext uri="{FF2B5EF4-FFF2-40B4-BE49-F238E27FC236}">
-                <a16:creationId xmlns:a16="http://schemas.microsoft.com/office/drawing/2014/main" id="{FD1AFC66-5937-348D-8081-6ABD2AA0BEA3}"/>
+                <a16:creationId xmlns:a16="http://schemas.microsoft.com/office/drawing/2014/main" id="{A25ABA4A-B14F-0694-6DE1-2E8CA8439D73}"/>
               </a:ext>
             </a:extLst>
           </p:cNvPr>
@@ -11366,7 +11369,7 @@
     </p:spTree>
     <p:extLst>
       <p:ext uri="{BB962C8B-B14F-4D97-AF65-F5344CB8AC3E}">
-        <p14:creationId xmlns:p14="http://schemas.microsoft.com/office/powerpoint/2010/main" val="1916173950"/>
+        <p14:creationId xmlns:p14="http://schemas.microsoft.com/office/powerpoint/2010/main" val="298440459"/>
       </p:ext>
     </p:extLst>
   </p:cSld>
@@ -11395,6 +11398,526 @@
       </p:grpSpPr>
       <p:sp>
         <p:nvSpPr>
+          <p:cNvPr id="5" name="TextBox 4">
+            <a:extLst>
+              <a:ext uri="{FF2B5EF4-FFF2-40B4-BE49-F238E27FC236}">
+                <a16:creationId xmlns:a16="http://schemas.microsoft.com/office/drawing/2014/main" id="{4AA037FF-087C-9134-C2E3-C37F3C1926AB}"/>
+              </a:ext>
+            </a:extLst>
+          </p:cNvPr>
+          <p:cNvSpPr txBox="1"/>
+          <p:nvPr/>
+        </p:nvSpPr>
+        <p:spPr>
+          <a:xfrm>
+            <a:off x="598418" y="391591"/>
+            <a:ext cx="10995164" cy="4247317"/>
+          </a:xfrm>
+          <a:prstGeom prst="rect">
+            <a:avLst/>
+          </a:prstGeom>
+          <a:noFill/>
+        </p:spPr>
+        <p:txBody>
+          <a:bodyPr wrap="square">
+            <a:spAutoFit/>
+          </a:bodyPr>
+          <a:lstStyle/>
+          <a:p>
+            <a:r>
+              <a:rPr lang="en-US" b="1" dirty="0">
+                <a:solidFill>
+                  <a:srgbClr val="FFC000"/>
+                </a:solidFill>
+                <a:latin typeface="Courier New" panose="02070309020205020404" pitchFamily="49" charset="0"/>
+                <a:cs typeface="Courier New" panose="02070309020205020404" pitchFamily="49" charset="0"/>
+              </a:rPr>
+              <a:t>&lt;h1 id="fun"&gt;A header&lt;/h1&gt;</a:t>
+            </a:r>
+          </a:p>
+          <a:p>
+            <a:r>
+              <a:rPr lang="en-US" b="1" dirty="0">
+                <a:latin typeface="Courier New" panose="02070309020205020404" pitchFamily="49" charset="0"/>
+                <a:cs typeface="Courier New" panose="02070309020205020404" pitchFamily="49" charset="0"/>
+              </a:rPr>
+              <a:t>&lt;p&gt;</a:t>
+            </a:r>
+          </a:p>
+          <a:p>
+            <a:r>
+              <a:rPr lang="en-US" b="1" dirty="0">
+                <a:latin typeface="Courier New" panose="02070309020205020404" pitchFamily="49" charset="0"/>
+                <a:cs typeface="Courier New" panose="02070309020205020404" pitchFamily="49" charset="0"/>
+              </a:rPr>
+              <a:t>&lt;button id="poof"&gt;Hide&lt;/button&gt;</a:t>
+            </a:r>
+          </a:p>
+          <a:p>
+            <a:r>
+              <a:rPr lang="en-US" b="1" dirty="0">
+                <a:latin typeface="Courier New" panose="02070309020205020404" pitchFamily="49" charset="0"/>
+                <a:cs typeface="Courier New" panose="02070309020205020404" pitchFamily="49" charset="0"/>
+              </a:rPr>
+              <a:t>&lt;button id="show"&gt;Show&lt;/button&gt;</a:t>
+            </a:r>
+          </a:p>
+          <a:p>
+            <a:r>
+              <a:rPr lang="en-US" b="1" dirty="0">
+                <a:latin typeface="Courier New" panose="02070309020205020404" pitchFamily="49" charset="0"/>
+                <a:cs typeface="Courier New" panose="02070309020205020404" pitchFamily="49" charset="0"/>
+              </a:rPr>
+              <a:t>&lt;/p&gt;</a:t>
+            </a:r>
+          </a:p>
+          <a:p>
+            <a:r>
+              <a:rPr lang="en-US" b="1" dirty="0">
+                <a:latin typeface="Courier New" panose="02070309020205020404" pitchFamily="49" charset="0"/>
+                <a:cs typeface="Courier New" panose="02070309020205020404" pitchFamily="49" charset="0"/>
+              </a:rPr>
+              <a:t>&lt;script&gt;</a:t>
+            </a:r>
+          </a:p>
+          <a:p>
+            <a:r>
+              <a:rPr lang="en-US" b="1" dirty="0">
+                <a:latin typeface="Courier New" panose="02070309020205020404" pitchFamily="49" charset="0"/>
+                <a:cs typeface="Courier New" panose="02070309020205020404" pitchFamily="49" charset="0"/>
+              </a:rPr>
+              <a:t>     </a:t>
+            </a:r>
+            <a:r>
+              <a:rPr lang="en-US" b="1" dirty="0" err="1">
+                <a:latin typeface="Courier New" panose="02070309020205020404" pitchFamily="49" charset="0"/>
+                <a:cs typeface="Courier New" panose="02070309020205020404" pitchFamily="49" charset="0"/>
+              </a:rPr>
+              <a:t>document.getElementById</a:t>
+            </a:r>
+            <a:r>
+              <a:rPr lang="en-US" b="1" dirty="0">
+                <a:latin typeface="Courier New" panose="02070309020205020404" pitchFamily="49" charset="0"/>
+                <a:cs typeface="Courier New" panose="02070309020205020404" pitchFamily="49" charset="0"/>
+              </a:rPr>
+              <a:t>('show').</a:t>
+            </a:r>
+            <a:r>
+              <a:rPr lang="en-US" b="1" dirty="0" err="1">
+                <a:latin typeface="Courier New" panose="02070309020205020404" pitchFamily="49" charset="0"/>
+                <a:cs typeface="Courier New" panose="02070309020205020404" pitchFamily="49" charset="0"/>
+              </a:rPr>
+              <a:t>addEventListener</a:t>
+            </a:r>
+            <a:r>
+              <a:rPr lang="en-US" b="1" dirty="0">
+                <a:latin typeface="Courier New" panose="02070309020205020404" pitchFamily="49" charset="0"/>
+                <a:cs typeface="Courier New" panose="02070309020205020404" pitchFamily="49" charset="0"/>
+              </a:rPr>
+              <a:t>('click', </a:t>
+            </a:r>
+          </a:p>
+          <a:p>
+            <a:r>
+              <a:rPr lang="en-US" b="1" dirty="0">
+                <a:latin typeface="Courier New" panose="02070309020205020404" pitchFamily="49" charset="0"/>
+                <a:cs typeface="Courier New" panose="02070309020205020404" pitchFamily="49" charset="0"/>
+              </a:rPr>
+              <a:t>         function () {</a:t>
+            </a:r>
+          </a:p>
+          <a:p>
+            <a:r>
+              <a:rPr lang="en-US" b="1" dirty="0">
+                <a:solidFill>
+                  <a:srgbClr val="FFC000"/>
+                </a:solidFill>
+                <a:latin typeface="Courier New" panose="02070309020205020404" pitchFamily="49" charset="0"/>
+                <a:cs typeface="Courier New" panose="02070309020205020404" pitchFamily="49" charset="0"/>
+              </a:rPr>
+              <a:t>             </a:t>
+            </a:r>
+            <a:r>
+              <a:rPr lang="en-US" b="1" dirty="0" err="1">
+                <a:solidFill>
+                  <a:srgbClr val="FFC000"/>
+                </a:solidFill>
+                <a:latin typeface="Courier New" panose="02070309020205020404" pitchFamily="49" charset="0"/>
+                <a:cs typeface="Courier New" panose="02070309020205020404" pitchFamily="49" charset="0"/>
+              </a:rPr>
+              <a:t>document.getElementById</a:t>
+            </a:r>
+            <a:r>
+              <a:rPr lang="en-US" b="1" dirty="0">
+                <a:solidFill>
+                  <a:srgbClr val="FFC000"/>
+                </a:solidFill>
+                <a:latin typeface="Courier New" panose="02070309020205020404" pitchFamily="49" charset="0"/>
+                <a:cs typeface="Courier New" panose="02070309020205020404" pitchFamily="49" charset="0"/>
+              </a:rPr>
+              <a:t>('fun').</a:t>
+            </a:r>
+            <a:r>
+              <a:rPr lang="en-US" b="1" dirty="0" err="1">
+                <a:solidFill>
+                  <a:srgbClr val="FFC000"/>
+                </a:solidFill>
+                <a:latin typeface="Courier New" panose="02070309020205020404" pitchFamily="49" charset="0"/>
+                <a:cs typeface="Courier New" panose="02070309020205020404" pitchFamily="49" charset="0"/>
+              </a:rPr>
+              <a:t>style.display</a:t>
+            </a:r>
+            <a:r>
+              <a:rPr lang="en-US" b="1" dirty="0">
+                <a:solidFill>
+                  <a:srgbClr val="FFC000"/>
+                </a:solidFill>
+                <a:latin typeface="Courier New" panose="02070309020205020404" pitchFamily="49" charset="0"/>
+                <a:cs typeface="Courier New" panose="02070309020205020404" pitchFamily="49" charset="0"/>
+              </a:rPr>
+              <a:t> = 'block';</a:t>
+            </a:r>
+          </a:p>
+          <a:p>
+            <a:r>
+              <a:rPr lang="en-US" b="1" dirty="0">
+                <a:latin typeface="Courier New" panose="02070309020205020404" pitchFamily="49" charset="0"/>
+                <a:cs typeface="Courier New" panose="02070309020205020404" pitchFamily="49" charset="0"/>
+              </a:rPr>
+              <a:t>         }</a:t>
+            </a:r>
+          </a:p>
+          <a:p>
+            <a:r>
+              <a:rPr lang="en-US" b="1" dirty="0">
+                <a:latin typeface="Courier New" panose="02070309020205020404" pitchFamily="49" charset="0"/>
+                <a:cs typeface="Courier New" panose="02070309020205020404" pitchFamily="49" charset="0"/>
+              </a:rPr>
+              <a:t>     );</a:t>
+            </a:r>
+          </a:p>
+          <a:p>
+            <a:r>
+              <a:rPr lang="en-US" b="1" dirty="0">
+                <a:latin typeface="Courier New" panose="02070309020205020404" pitchFamily="49" charset="0"/>
+                <a:cs typeface="Courier New" panose="02070309020205020404" pitchFamily="49" charset="0"/>
+              </a:rPr>
+              <a:t>     </a:t>
+            </a:r>
+            <a:r>
+              <a:rPr lang="en-US" b="1" dirty="0" err="1">
+                <a:latin typeface="Courier New" panose="02070309020205020404" pitchFamily="49" charset="0"/>
+                <a:cs typeface="Courier New" panose="02070309020205020404" pitchFamily="49" charset="0"/>
+              </a:rPr>
+              <a:t>document.getElementById</a:t>
+            </a:r>
+            <a:r>
+              <a:rPr lang="en-US" b="1" dirty="0">
+                <a:latin typeface="Courier New" panose="02070309020205020404" pitchFamily="49" charset="0"/>
+                <a:cs typeface="Courier New" panose="02070309020205020404" pitchFamily="49" charset="0"/>
+              </a:rPr>
+              <a:t>('poof').</a:t>
+            </a:r>
+            <a:r>
+              <a:rPr lang="en-US" b="1" dirty="0" err="1">
+                <a:latin typeface="Courier New" panose="02070309020205020404" pitchFamily="49" charset="0"/>
+                <a:cs typeface="Courier New" panose="02070309020205020404" pitchFamily="49" charset="0"/>
+              </a:rPr>
+              <a:t>addEventListener</a:t>
+            </a:r>
+            <a:r>
+              <a:rPr lang="en-US" b="1" dirty="0">
+                <a:latin typeface="Courier New" panose="02070309020205020404" pitchFamily="49" charset="0"/>
+                <a:cs typeface="Courier New" panose="02070309020205020404" pitchFamily="49" charset="0"/>
+              </a:rPr>
+              <a:t>('click', </a:t>
+            </a:r>
+          </a:p>
+          <a:p>
+            <a:r>
+              <a:rPr lang="en-US" b="1" dirty="0">
+                <a:solidFill>
+                  <a:srgbClr val="FFC000"/>
+                </a:solidFill>
+                <a:latin typeface="Courier New" panose="02070309020205020404" pitchFamily="49" charset="0"/>
+                <a:cs typeface="Courier New" panose="02070309020205020404" pitchFamily="49" charset="0"/>
+              </a:rPr>
+              <a:t>         (event) =&gt; </a:t>
+            </a:r>
+            <a:r>
+              <a:rPr lang="en-US" b="1" dirty="0" err="1">
+                <a:solidFill>
+                  <a:srgbClr val="FFC000"/>
+                </a:solidFill>
+                <a:latin typeface="Courier New" panose="02070309020205020404" pitchFamily="49" charset="0"/>
+                <a:cs typeface="Courier New" panose="02070309020205020404" pitchFamily="49" charset="0"/>
+              </a:rPr>
+              <a:t>document.getElementById</a:t>
+            </a:r>
+            <a:r>
+              <a:rPr lang="en-US" b="1" dirty="0">
+                <a:solidFill>
+                  <a:srgbClr val="FFC000"/>
+                </a:solidFill>
+                <a:latin typeface="Courier New" panose="02070309020205020404" pitchFamily="49" charset="0"/>
+                <a:cs typeface="Courier New" panose="02070309020205020404" pitchFamily="49" charset="0"/>
+              </a:rPr>
+              <a:t>('fun').</a:t>
+            </a:r>
+            <a:r>
+              <a:rPr lang="en-US" b="1" dirty="0" err="1">
+                <a:solidFill>
+                  <a:srgbClr val="FFC000"/>
+                </a:solidFill>
+                <a:latin typeface="Courier New" panose="02070309020205020404" pitchFamily="49" charset="0"/>
+                <a:cs typeface="Courier New" panose="02070309020205020404" pitchFamily="49" charset="0"/>
+              </a:rPr>
+              <a:t>style.display</a:t>
+            </a:r>
+            <a:r>
+              <a:rPr lang="en-US" b="1" dirty="0">
+                <a:solidFill>
+                  <a:srgbClr val="FFC000"/>
+                </a:solidFill>
+                <a:latin typeface="Courier New" panose="02070309020205020404" pitchFamily="49" charset="0"/>
+                <a:cs typeface="Courier New" panose="02070309020205020404" pitchFamily="49" charset="0"/>
+              </a:rPr>
+              <a:t> = 'none'</a:t>
+            </a:r>
+          </a:p>
+          <a:p>
+            <a:r>
+              <a:rPr lang="en-US" b="1" dirty="0">
+                <a:latin typeface="Courier New" panose="02070309020205020404" pitchFamily="49" charset="0"/>
+                <a:cs typeface="Courier New" panose="02070309020205020404" pitchFamily="49" charset="0"/>
+              </a:rPr>
+              <a:t>     );</a:t>
+            </a:r>
+          </a:p>
+          <a:p>
+            <a:r>
+              <a:rPr lang="en-US" b="1" dirty="0">
+                <a:latin typeface="Courier New" panose="02070309020205020404" pitchFamily="49" charset="0"/>
+                <a:cs typeface="Courier New" panose="02070309020205020404" pitchFamily="49" charset="0"/>
+              </a:rPr>
+              <a:t>&lt;/script&gt;</a:t>
+            </a:r>
+          </a:p>
+        </p:txBody>
+      </p:sp>
+      <p:sp>
+        <p:nvSpPr>
+          <p:cNvPr id="6" name="TextBox 5">
+            <a:extLst>
+              <a:ext uri="{FF2B5EF4-FFF2-40B4-BE49-F238E27FC236}">
+                <a16:creationId xmlns:a16="http://schemas.microsoft.com/office/drawing/2014/main" id="{0F993931-DB73-5F9D-9548-090AE428C1E0}"/>
+              </a:ext>
+            </a:extLst>
+          </p:cNvPr>
+          <p:cNvSpPr txBox="1"/>
+          <p:nvPr/>
+        </p:nvSpPr>
+        <p:spPr>
+          <a:xfrm>
+            <a:off x="6096000" y="534496"/>
+            <a:ext cx="5369155" cy="369332"/>
+          </a:xfrm>
+          <a:prstGeom prst="rect">
+            <a:avLst/>
+          </a:prstGeom>
+          <a:noFill/>
+        </p:spPr>
+        <p:txBody>
+          <a:bodyPr wrap="square">
+            <a:spAutoFit/>
+          </a:bodyPr>
+          <a:lstStyle/>
+          <a:p>
+            <a:r>
+              <a:rPr lang="en-US" dirty="0">
+                <a:solidFill>
+                  <a:srgbClr val="FFFF00"/>
+                </a:solidFill>
+              </a:rPr>
+              <a:t>https://www.dj4e.com/code/browser/13-css.htm</a:t>
+            </a:r>
+          </a:p>
+        </p:txBody>
+      </p:sp>
+      <p:pic>
+        <p:nvPicPr>
+          <p:cNvPr id="8" name="Picture 7" descr="A screenshot of a website&#10;&#10;Description automatically generated">
+            <a:extLst>
+              <a:ext uri="{FF2B5EF4-FFF2-40B4-BE49-F238E27FC236}">
+                <a16:creationId xmlns:a16="http://schemas.microsoft.com/office/drawing/2014/main" id="{7E8D6971-0BF4-9029-3E11-6A85AD52AF84}"/>
+              </a:ext>
+            </a:extLst>
+          </p:cNvPr>
+          <p:cNvPicPr>
+            <a:picLocks noChangeAspect="1"/>
+          </p:cNvPicPr>
+          <p:nvPr/>
+        </p:nvPicPr>
+        <p:blipFill>
+          <a:blip r:embed="rId2"/>
+          <a:stretch>
+            <a:fillRect/>
+          </a:stretch>
+        </p:blipFill>
+        <p:spPr>
+          <a:xfrm>
+            <a:off x="3212431" y="4591310"/>
+            <a:ext cx="3327259" cy="2002517"/>
+          </a:xfrm>
+          <a:prstGeom prst="rect">
+            <a:avLst/>
+          </a:prstGeom>
+        </p:spPr>
+      </p:pic>
+      <p:pic>
+        <p:nvPicPr>
+          <p:cNvPr id="10" name="Picture 9" descr="A screenshot of a computer&#10;&#10;Description automatically generated">
+            <a:extLst>
+              <a:ext uri="{FF2B5EF4-FFF2-40B4-BE49-F238E27FC236}">
+                <a16:creationId xmlns:a16="http://schemas.microsoft.com/office/drawing/2014/main" id="{823EAE8C-2D41-C466-A744-9BE4FB70DCC5}"/>
+              </a:ext>
+            </a:extLst>
+          </p:cNvPr>
+          <p:cNvPicPr>
+            <a:picLocks noChangeAspect="1"/>
+          </p:cNvPicPr>
+          <p:nvPr/>
+        </p:nvPicPr>
+        <p:blipFill rotWithShape="1">
+          <a:blip r:embed="rId3"/>
+          <a:srcRect l="1" r="39326" b="52899"/>
+          <a:stretch/>
+        </p:blipFill>
+        <p:spPr>
+          <a:xfrm>
+            <a:off x="7226902" y="4591310"/>
+            <a:ext cx="3327259" cy="2002517"/>
+          </a:xfrm>
+          <a:prstGeom prst="rect">
+            <a:avLst/>
+          </a:prstGeom>
+        </p:spPr>
+      </p:pic>
+    </p:spTree>
+    <p:extLst>
+      <p:ext uri="{BB962C8B-B14F-4D97-AF65-F5344CB8AC3E}">
+        <p14:creationId xmlns:p14="http://schemas.microsoft.com/office/powerpoint/2010/main" val="819583215"/>
+      </p:ext>
+    </p:extLst>
+  </p:cSld>
+  <p:clrMapOvr>
+    <a:masterClrMapping/>
+  </p:clrMapOvr>
+</p:sld>
+</file>
+
+<file path=ppt/slides/slide33.xml><?xml version="1.0" encoding="utf-8"?>
+<p:sld xmlns:a="http://schemas.openxmlformats.org/drawingml/2006/main" xmlns:r="http://schemas.openxmlformats.org/officeDocument/2006/relationships" xmlns:p="http://schemas.openxmlformats.org/presentationml/2006/main">
+  <p:cSld>
+    <p:spTree>
+      <p:nvGrpSpPr>
+        <p:cNvPr id="1" name=""/>
+        <p:cNvGrpSpPr/>
+        <p:nvPr/>
+      </p:nvGrpSpPr>
+      <p:grpSpPr>
+        <a:xfrm>
+          <a:off x="0" y="0"/>
+          <a:ext cx="0" cy="0"/>
+          <a:chOff x="0" y="0"/>
+          <a:chExt cx="0" cy="0"/>
+        </a:xfrm>
+      </p:grpSpPr>
+      <p:sp>
+        <p:nvSpPr>
+          <p:cNvPr id="2" name="Title 1">
+            <a:extLst>
+              <a:ext uri="{FF2B5EF4-FFF2-40B4-BE49-F238E27FC236}">
+                <a16:creationId xmlns:a16="http://schemas.microsoft.com/office/drawing/2014/main" id="{380E2930-8690-A37B-03FB-609A3C6EF908}"/>
+              </a:ext>
+            </a:extLst>
+          </p:cNvPr>
+          <p:cNvSpPr>
+            <a:spLocks noGrp="1"/>
+          </p:cNvSpPr>
+          <p:nvPr>
+            <p:ph type="title"/>
+          </p:nvPr>
+        </p:nvSpPr>
+        <p:spPr/>
+        <p:txBody>
+          <a:bodyPr/>
+          <a:lstStyle/>
+          <a:p>
+            <a:r>
+              <a:rPr lang="en-US" dirty="0"/>
+              <a:t>Network Events</a:t>
+            </a:r>
+          </a:p>
+        </p:txBody>
+      </p:sp>
+      <p:sp>
+        <p:nvSpPr>
+          <p:cNvPr id="3" name="Text Placeholder 2">
+            <a:extLst>
+              <a:ext uri="{FF2B5EF4-FFF2-40B4-BE49-F238E27FC236}">
+                <a16:creationId xmlns:a16="http://schemas.microsoft.com/office/drawing/2014/main" id="{FD1AFC66-5937-348D-8081-6ABD2AA0BEA3}"/>
+              </a:ext>
+            </a:extLst>
+          </p:cNvPr>
+          <p:cNvSpPr>
+            <a:spLocks noGrp="1"/>
+          </p:cNvSpPr>
+          <p:nvPr>
+            <p:ph type="body" idx="1"/>
+          </p:nvPr>
+        </p:nvSpPr>
+        <p:spPr/>
+        <p:txBody>
+          <a:bodyPr/>
+          <a:lstStyle/>
+          <a:p>
+            <a:endParaRPr lang="en-US"/>
+          </a:p>
+        </p:txBody>
+      </p:sp>
+    </p:spTree>
+    <p:extLst>
+      <p:ext uri="{BB962C8B-B14F-4D97-AF65-F5344CB8AC3E}">
+        <p14:creationId xmlns:p14="http://schemas.microsoft.com/office/powerpoint/2010/main" val="1916173950"/>
+      </p:ext>
+    </p:extLst>
+  </p:cSld>
+  <p:clrMapOvr>
+    <a:masterClrMapping/>
+  </p:clrMapOvr>
+</p:sld>
+</file>
+
+<file path=ppt/slides/slide34.xml><?xml version="1.0" encoding="utf-8"?>
+<p:sld xmlns:a="http://schemas.openxmlformats.org/drawingml/2006/main" xmlns:r="http://schemas.openxmlformats.org/officeDocument/2006/relationships" xmlns:p="http://schemas.openxmlformats.org/presentationml/2006/main">
+  <p:cSld>
+    <p:spTree>
+      <p:nvGrpSpPr>
+        <p:cNvPr id="1" name=""/>
+        <p:cNvGrpSpPr/>
+        <p:nvPr/>
+      </p:nvGrpSpPr>
+      <p:grpSpPr>
+        <a:xfrm>
+          <a:off x="0" y="0"/>
+          <a:ext cx="0" cy="0"/>
+          <a:chOff x="0" y="0"/>
+          <a:chExt cx="0" cy="0"/>
+        </a:xfrm>
+      </p:grpSpPr>
+      <p:sp>
+        <p:nvSpPr>
           <p:cNvPr id="4" name="Title 3">
             <a:extLst>
               <a:ext uri="{FF2B5EF4-FFF2-40B4-BE49-F238E27FC236}">
@@ -11495,7 +12018,7 @@
 </p:sld>
 </file>
 
-<file path=ppt/slides/slide33.xml><?xml version="1.0" encoding="utf-8"?>
+<file path=ppt/slides/slide35.xml><?xml version="1.0" encoding="utf-8"?>
 <p:sld xmlns:a="http://schemas.openxmlformats.org/drawingml/2006/main" xmlns:r="http://schemas.openxmlformats.org/officeDocument/2006/relationships" xmlns:p="http://schemas.openxmlformats.org/presentationml/2006/main">
   <p:cSld>
     <p:spTree>
@@ -12403,7 +12926,7 @@
                   <a:srgbClr val="FFFF00"/>
                 </a:solidFill>
               </a:rPr>
-              <a:t>https://www.dj4e.com/code/browser/13-fetch.htm</a:t>
+              <a:t>https://www.dj4e.com/code/browser/14-fetch.htm</a:t>
             </a:r>
           </a:p>
         </p:txBody>
@@ -12838,7 +13361,7 @@
 </p:sld>
 </file>
 
-<file path=ppt/slides/slide34.xml><?xml version="1.0" encoding="utf-8"?>
+<file path=ppt/slides/slide36.xml><?xml version="1.0" encoding="utf-8"?>
 <p:sld xmlns:a="http://schemas.openxmlformats.org/drawingml/2006/main" xmlns:r="http://schemas.openxmlformats.org/officeDocument/2006/relationships" xmlns:p="http://schemas.openxmlformats.org/presentationml/2006/main">
   <p:cSld>
     <p:spTree>
@@ -13196,7 +13719,7 @@
                   <a:srgbClr val="FFFF00"/>
                 </a:solidFill>
               </a:rPr>
-              <a:t>https://www.dj4e.com/code/browser/13-fetch.htm</a:t>
+              <a:t>https://www.dj4e.com/code/browser/14-fetch.htm</a:t>
             </a:r>
           </a:p>
         </p:txBody>
@@ -13422,7 +13945,7 @@
 </p:sld>
 </file>
 
-<file path=ppt/slides/slide35.xml><?xml version="1.0" encoding="utf-8"?>
+<file path=ppt/slides/slide37.xml><?xml version="1.0" encoding="utf-8"?>
 <p:sld xmlns:a="http://schemas.openxmlformats.org/drawingml/2006/main" xmlns:r="http://schemas.openxmlformats.org/officeDocument/2006/relationships" xmlns:p="http://schemas.openxmlformats.org/presentationml/2006/main">
   <p:cSld>
     <p:spTree>
@@ -13764,7 +14287,7 @@
                   <a:srgbClr val="FFFF00"/>
                 </a:solidFill>
               </a:rPr>
-              <a:t>https://www.dj4e.com/code/browser/14-fetch.htm</a:t>
+              <a:t>https://www.dj4e.com/code/browser/15-fetch.htm</a:t>
             </a:r>
           </a:p>
         </p:txBody>
@@ -13902,7 +14425,147 @@
 </p:sld>
 </file>
 
-<file path=ppt/slides/slide36.xml><?xml version="1.0" encoding="utf-8"?>
+<file path=ppt/slides/slide38.xml><?xml version="1.0" encoding="utf-8"?>
+<p:sld xmlns:a="http://schemas.openxmlformats.org/drawingml/2006/main" xmlns:r="http://schemas.openxmlformats.org/officeDocument/2006/relationships" xmlns:p="http://schemas.openxmlformats.org/presentationml/2006/main">
+  <p:cSld>
+    <p:spTree>
+      <p:nvGrpSpPr>
+        <p:cNvPr id="1" name=""/>
+        <p:cNvGrpSpPr/>
+        <p:nvPr/>
+      </p:nvGrpSpPr>
+      <p:grpSpPr>
+        <a:xfrm>
+          <a:off x="0" y="0"/>
+          <a:ext cx="0" cy="0"/>
+          <a:chOff x="0" y="0"/>
+          <a:chExt cx="0" cy="0"/>
+        </a:xfrm>
+      </p:grpSpPr>
+      <p:sp>
+        <p:nvSpPr>
+          <p:cNvPr id="2" name="Title 1">
+            <a:extLst>
+              <a:ext uri="{FF2B5EF4-FFF2-40B4-BE49-F238E27FC236}">
+                <a16:creationId xmlns:a16="http://schemas.microsoft.com/office/drawing/2014/main" id="{C5350CC9-AA59-7810-C29C-FD041C61030F}"/>
+              </a:ext>
+            </a:extLst>
+          </p:cNvPr>
+          <p:cNvSpPr>
+            <a:spLocks noGrp="1"/>
+          </p:cNvSpPr>
+          <p:nvPr>
+            <p:ph type="title"/>
+          </p:nvPr>
+        </p:nvSpPr>
+        <p:spPr/>
+        <p:txBody>
+          <a:bodyPr/>
+          <a:lstStyle/>
+          <a:p>
+            <a:r>
+              <a:rPr lang="en-US" dirty="0"/>
+              <a:t>Summary</a:t>
+            </a:r>
+          </a:p>
+        </p:txBody>
+      </p:sp>
+      <p:sp>
+        <p:nvSpPr>
+          <p:cNvPr id="3" name="Content Placeholder 2">
+            <a:extLst>
+              <a:ext uri="{FF2B5EF4-FFF2-40B4-BE49-F238E27FC236}">
+                <a16:creationId xmlns:a16="http://schemas.microsoft.com/office/drawing/2014/main" id="{55D16943-FA1E-031F-D641-E929A1EF050F}"/>
+              </a:ext>
+            </a:extLst>
+          </p:cNvPr>
+          <p:cNvSpPr>
+            <a:spLocks noGrp="1"/>
+          </p:cNvSpPr>
+          <p:nvPr>
+            <p:ph idx="1"/>
+          </p:nvPr>
+        </p:nvSpPr>
+        <p:spPr/>
+        <p:txBody>
+          <a:bodyPr>
+            <a:normAutofit lnSpcReduction="10000"/>
+          </a:bodyPr>
+          <a:lstStyle/>
+          <a:p>
+            <a:r>
+              <a:rPr lang="en-US" dirty="0"/>
+              <a:t>Document Object Model (DOM)</a:t>
+            </a:r>
+          </a:p>
+          <a:p>
+            <a:r>
+              <a:rPr lang="en-US" dirty="0"/>
+              <a:t>Browser Window</a:t>
+            </a:r>
+          </a:p>
+          <a:p>
+            <a:r>
+              <a:rPr lang="en-US" dirty="0"/>
+              <a:t>UI Event Handlers</a:t>
+            </a:r>
+          </a:p>
+          <a:p>
+            <a:r>
+              <a:rPr lang="en-US" dirty="0"/>
+              <a:t>DOM Event Handlers</a:t>
+            </a:r>
+          </a:p>
+          <a:p>
+            <a:r>
+              <a:rPr lang="en-US" dirty="0"/>
+              <a:t>Window Event Handlers</a:t>
+            </a:r>
+          </a:p>
+          <a:p>
+            <a:r>
+              <a:rPr lang="en-US"/>
+              <a:t>Selecting and changing </a:t>
+            </a:r>
+            <a:r>
+              <a:rPr lang="en-US" dirty="0"/>
+              <a:t>an element / tag</a:t>
+            </a:r>
+          </a:p>
+          <a:p>
+            <a:r>
+              <a:rPr lang="en-US" dirty="0"/>
+              <a:t>Adding an element/tag to the DOM</a:t>
+            </a:r>
+          </a:p>
+          <a:p>
+            <a:r>
+              <a:rPr lang="en-US" dirty="0"/>
+              <a:t>Changing the CSS of an element</a:t>
+            </a:r>
+          </a:p>
+          <a:p>
+            <a:r>
+              <a:rPr lang="en-US" dirty="0"/>
+              <a:t>Making network requests from JavaScript</a:t>
+            </a:r>
+          </a:p>
+        </p:txBody>
+      </p:sp>
+    </p:spTree>
+    <p:extLst>
+      <p:ext uri="{BB962C8B-B14F-4D97-AF65-F5344CB8AC3E}">
+        <p14:creationId xmlns:p14="http://schemas.microsoft.com/office/powerpoint/2010/main" val="1251442569"/>
+      </p:ext>
+    </p:extLst>
+  </p:cSld>
+  <p:clrMapOvr>
+    <a:masterClrMapping/>
+  </p:clrMapOvr>
+</p:sld>
+</file>
+
+<file path=ppt/slides/slide39.xml><?xml version="1.0" encoding="utf-8"?>
 <p:sld xmlns:a="http://schemas.openxmlformats.org/drawingml/2006/main" xmlns:r="http://schemas.openxmlformats.org/officeDocument/2006/relationships" xmlns:p="http://schemas.openxmlformats.org/presentationml/2006/main">
   <p:cSld>
     <p:spTree>

--- a/lectures/JS-03-Browser.pptx
+++ b/lectures/JS-03-Browser.pptx
@@ -5,7 +5,7 @@
     <p:sldMasterId id="2147483648" r:id="rId1"/>
   </p:sldMasterIdLst>
   <p:notesMasterIdLst>
-    <p:notesMasterId r:id="rId41"/>
+    <p:notesMasterId r:id="rId42"/>
   </p:notesMasterIdLst>
   <p:sldIdLst>
     <p:sldId id="257" r:id="rId2"/>
@@ -31,22 +31,23 @@
     <p:sldId id="362" r:id="rId22"/>
     <p:sldId id="343" r:id="rId23"/>
     <p:sldId id="344" r:id="rId24"/>
-    <p:sldId id="365" r:id="rId25"/>
-    <p:sldId id="366" r:id="rId26"/>
-    <p:sldId id="367" r:id="rId27"/>
-    <p:sldId id="368" r:id="rId28"/>
-    <p:sldId id="369" r:id="rId29"/>
-    <p:sldId id="370" r:id="rId30"/>
-    <p:sldId id="371" r:id="rId31"/>
-    <p:sldId id="379" r:id="rId32"/>
-    <p:sldId id="380" r:id="rId33"/>
-    <p:sldId id="372" r:id="rId34"/>
-    <p:sldId id="374" r:id="rId35"/>
-    <p:sldId id="373" r:id="rId36"/>
-    <p:sldId id="375" r:id="rId37"/>
-    <p:sldId id="376" r:id="rId38"/>
-    <p:sldId id="381" r:id="rId39"/>
-    <p:sldId id="287" r:id="rId40"/>
+    <p:sldId id="379" r:id="rId25"/>
+    <p:sldId id="380" r:id="rId26"/>
+    <p:sldId id="365" r:id="rId27"/>
+    <p:sldId id="366" r:id="rId28"/>
+    <p:sldId id="367" r:id="rId29"/>
+    <p:sldId id="368" r:id="rId30"/>
+    <p:sldId id="369" r:id="rId31"/>
+    <p:sldId id="370" r:id="rId32"/>
+    <p:sldId id="382" r:id="rId33"/>
+    <p:sldId id="371" r:id="rId34"/>
+    <p:sldId id="372" r:id="rId35"/>
+    <p:sldId id="374" r:id="rId36"/>
+    <p:sldId id="373" r:id="rId37"/>
+    <p:sldId id="375" r:id="rId38"/>
+    <p:sldId id="376" r:id="rId39"/>
+    <p:sldId id="381" r:id="rId40"/>
+    <p:sldId id="287" r:id="rId41"/>
   </p:sldIdLst>
   <p:sldSz cx="12192000" cy="6858000"/>
   <p:notesSz cx="6858000" cy="9144000"/>
@@ -235,7 +236,7 @@
           <a:p>
             <a:fld id="{F8062002-FE47-E44A-9934-27B168626197}" type="datetimeFigureOut">
               <a:rPr lang="en-US" smtClean="0"/>
-              <a:t>7/6/23</a:t>
+              <a:t>7/11/23</a:t>
             </a:fld>
             <a:endParaRPr lang="en-US"/>
           </a:p>
@@ -933,7 +934,7 @@
           <a:p>
             <a:fld id="{34CC170A-699D-BB45-AC18-C528FA229D18}" type="datetimeFigureOut">
               <a:rPr lang="en-US" smtClean="0"/>
-              <a:t>7/6/23</a:t>
+              <a:t>7/11/23</a:t>
             </a:fld>
             <a:endParaRPr lang="en-US"/>
           </a:p>
@@ -1131,7 +1132,7 @@
           <a:p>
             <a:fld id="{34CC170A-699D-BB45-AC18-C528FA229D18}" type="datetimeFigureOut">
               <a:rPr lang="en-US" smtClean="0"/>
-              <a:t>7/6/23</a:t>
+              <a:t>7/11/23</a:t>
             </a:fld>
             <a:endParaRPr lang="en-US"/>
           </a:p>
@@ -1406,7 +1407,7 @@
           <a:p>
             <a:fld id="{34CC170A-699D-BB45-AC18-C528FA229D18}" type="datetimeFigureOut">
               <a:rPr lang="en-US" smtClean="0"/>
-              <a:t>7/6/23</a:t>
+              <a:t>7/11/23</a:t>
             </a:fld>
             <a:endParaRPr lang="en-US"/>
           </a:p>
@@ -1547,7 +1548,7 @@
           <a:p>
             <a:fld id="{34CC170A-699D-BB45-AC18-C528FA229D18}" type="datetimeFigureOut">
               <a:rPr lang="en-US" smtClean="0"/>
-              <a:t>7/6/23</a:t>
+              <a:t>7/11/23</a:t>
             </a:fld>
             <a:endParaRPr lang="en-US"/>
           </a:p>
@@ -1660,7 +1661,7 @@
           <a:p>
             <a:fld id="{34CC170A-699D-BB45-AC18-C528FA229D18}" type="datetimeFigureOut">
               <a:rPr lang="en-US" smtClean="0"/>
-              <a:t>7/6/23</a:t>
+              <a:t>7/11/23</a:t>
             </a:fld>
             <a:endParaRPr lang="en-US"/>
           </a:p>
@@ -1901,7 +1902,7 @@
           <a:p>
             <a:fld id="{34CC170A-699D-BB45-AC18-C528FA229D18}" type="datetimeFigureOut">
               <a:rPr lang="en-US" smtClean="0"/>
-              <a:t>7/6/23</a:t>
+              <a:t>7/11/23</a:t>
             </a:fld>
             <a:endParaRPr lang="en-US"/>
           </a:p>
@@ -2908,7 +2909,7 @@
           <a:p>
             <a:r>
               <a:rPr lang="en-US" dirty="0"/>
-              <a:t>We see the DOM "through" the Window</a:t>
+              <a:t>We view the DOM "through" the Window</a:t>
             </a:r>
           </a:p>
         </p:txBody>
@@ -5240,7 +5241,7 @@
           <a:p>
             <a:r>
               <a:rPr lang="en-US" dirty="0"/>
-              <a:t>Lets not just </a:t>
+              <a:t>Let's not just </a:t>
             </a:r>
             <a:r>
               <a:rPr lang="en-US" dirty="0" err="1"/>
@@ -9202,7 +9203,7 @@
           <p:cNvPr id="2" name="Title 1">
             <a:extLst>
               <a:ext uri="{FF2B5EF4-FFF2-40B4-BE49-F238E27FC236}">
-                <a16:creationId xmlns:a16="http://schemas.microsoft.com/office/drawing/2014/main" id="{0F1BF1C1-0854-8BE7-638F-7CDDF0D51076}"/>
+                <a16:creationId xmlns:a16="http://schemas.microsoft.com/office/drawing/2014/main" id="{AE1CCC82-FE28-567C-9CE5-DB404CDB54A3}"/>
               </a:ext>
             </a:extLst>
           </p:cNvPr>
@@ -9220,7 +9221,7 @@
           <a:p>
             <a:r>
               <a:rPr lang="en-US" dirty="0"/>
-              <a:t>Browser Events</a:t>
+              <a:t>Changing CSS in the DOM</a:t>
             </a:r>
           </a:p>
         </p:txBody>
@@ -9230,7 +9231,7 @@
           <p:cNvPr id="3" name="Text Placeholder 2">
             <a:extLst>
               <a:ext uri="{FF2B5EF4-FFF2-40B4-BE49-F238E27FC236}">
-                <a16:creationId xmlns:a16="http://schemas.microsoft.com/office/drawing/2014/main" id="{C0D953AA-C206-7B9C-27E6-ABFDA18AD271}"/>
+                <a16:creationId xmlns:a16="http://schemas.microsoft.com/office/drawing/2014/main" id="{A25ABA4A-B14F-0694-6DE1-2E8CA8439D73}"/>
               </a:ext>
             </a:extLst>
           </p:cNvPr>
@@ -9253,7 +9254,7 @@
     </p:spTree>
     <p:extLst>
       <p:ext uri="{BB962C8B-B14F-4D97-AF65-F5344CB8AC3E}">
-        <p14:creationId xmlns:p14="http://schemas.microsoft.com/office/powerpoint/2010/main" val="3814814065"/>
+        <p14:creationId xmlns:p14="http://schemas.microsoft.com/office/powerpoint/2010/main" val="933861151"/>
       </p:ext>
     </p:extLst>
   </p:cSld>
@@ -9282,62 +9283,323 @@
       </p:grpSpPr>
       <p:sp>
         <p:nvSpPr>
-          <p:cNvPr id="4" name="Title 3">
-            <a:extLst>
-              <a:ext uri="{FF2B5EF4-FFF2-40B4-BE49-F238E27FC236}">
-                <a16:creationId xmlns:a16="http://schemas.microsoft.com/office/drawing/2014/main" id="{2C2FE6F5-3BD1-4B95-82D6-E97E60A2D195}"/>
-              </a:ext>
-            </a:extLst>
-          </p:cNvPr>
-          <p:cNvSpPr>
-            <a:spLocks noGrp="1"/>
-          </p:cNvSpPr>
-          <p:nvPr>
-            <p:ph type="title"/>
-          </p:nvPr>
+          <p:cNvPr id="5" name="TextBox 4">
+            <a:extLst>
+              <a:ext uri="{FF2B5EF4-FFF2-40B4-BE49-F238E27FC236}">
+                <a16:creationId xmlns:a16="http://schemas.microsoft.com/office/drawing/2014/main" id="{4AA037FF-087C-9134-C2E3-C37F3C1926AB}"/>
+              </a:ext>
+            </a:extLst>
+          </p:cNvPr>
+          <p:cNvSpPr txBox="1"/>
+          <p:nvPr/>
         </p:nvSpPr>
-        <p:spPr/>
+        <p:spPr>
+          <a:xfrm>
+            <a:off x="598418" y="391591"/>
+            <a:ext cx="10995164" cy="4247317"/>
+          </a:xfrm>
+          <a:prstGeom prst="rect">
+            <a:avLst/>
+          </a:prstGeom>
+          <a:noFill/>
+        </p:spPr>
         <p:txBody>
-          <a:bodyPr/>
+          <a:bodyPr wrap="square">
+            <a:spAutoFit/>
+          </a:bodyPr>
           <a:lstStyle/>
           <a:p>
             <a:r>
-              <a:rPr lang="en-US" dirty="0"/>
-              <a:t>We have been using events all along</a:t>
-            </a:r>
-          </a:p>
-        </p:txBody>
-      </p:sp>
-      <p:sp>
-        <p:nvSpPr>
-          <p:cNvPr id="5" name="Content Placeholder 4">
-            <a:extLst>
-              <a:ext uri="{FF2B5EF4-FFF2-40B4-BE49-F238E27FC236}">
-                <a16:creationId xmlns:a16="http://schemas.microsoft.com/office/drawing/2014/main" id="{74560F81-CF53-DBC2-353C-2A9174285392}"/>
-              </a:ext>
-            </a:extLst>
-          </p:cNvPr>
-          <p:cNvSpPr>
-            <a:spLocks noGrp="1"/>
-          </p:cNvSpPr>
-          <p:nvPr>
-            <p:ph idx="1"/>
-          </p:nvPr>
-        </p:nvSpPr>
-        <p:spPr/>
-        <p:txBody>
-          <a:bodyPr/>
-          <a:lstStyle/>
-          <a:p>
-            <a:r>
-              <a:rPr lang="en-US" dirty="0"/>
-              <a:t>Register a Click Event handler via an onclick attribute</a:t>
-            </a:r>
-          </a:p>
-          <a:p>
-            <a:r>
-              <a:rPr lang="en-US" dirty="0"/>
-              <a:t>Setting a timer to run some of our code at some point in the future</a:t>
+              <a:rPr lang="en-US" b="1" dirty="0">
+                <a:solidFill>
+                  <a:srgbClr val="FFC000"/>
+                </a:solidFill>
+                <a:latin typeface="Courier New" panose="02070309020205020404" pitchFamily="49" charset="0"/>
+                <a:cs typeface="Courier New" panose="02070309020205020404" pitchFamily="49" charset="0"/>
+              </a:rPr>
+              <a:t>&lt;h1 id="fun"&gt;A header&lt;/h1&gt;</a:t>
+            </a:r>
+          </a:p>
+          <a:p>
+            <a:r>
+              <a:rPr lang="en-US" b="1" dirty="0">
+                <a:latin typeface="Courier New" panose="02070309020205020404" pitchFamily="49" charset="0"/>
+                <a:cs typeface="Courier New" panose="02070309020205020404" pitchFamily="49" charset="0"/>
+              </a:rPr>
+              <a:t>&lt;p&gt;</a:t>
+            </a:r>
+          </a:p>
+          <a:p>
+            <a:r>
+              <a:rPr lang="en-US" b="1" dirty="0">
+                <a:latin typeface="Courier New" panose="02070309020205020404" pitchFamily="49" charset="0"/>
+                <a:cs typeface="Courier New" panose="02070309020205020404" pitchFamily="49" charset="0"/>
+              </a:rPr>
+              <a:t>&lt;button id="poof"&gt;Hide&lt;/button&gt;</a:t>
+            </a:r>
+          </a:p>
+          <a:p>
+            <a:r>
+              <a:rPr lang="en-US" b="1" dirty="0">
+                <a:latin typeface="Courier New" panose="02070309020205020404" pitchFamily="49" charset="0"/>
+                <a:cs typeface="Courier New" panose="02070309020205020404" pitchFamily="49" charset="0"/>
+              </a:rPr>
+              <a:t>&lt;button id="show"&gt;Show&lt;/button&gt;</a:t>
+            </a:r>
+          </a:p>
+          <a:p>
+            <a:r>
+              <a:rPr lang="en-US" b="1" dirty="0">
+                <a:latin typeface="Courier New" panose="02070309020205020404" pitchFamily="49" charset="0"/>
+                <a:cs typeface="Courier New" panose="02070309020205020404" pitchFamily="49" charset="0"/>
+              </a:rPr>
+              <a:t>&lt;/p&gt;</a:t>
+            </a:r>
+          </a:p>
+          <a:p>
+            <a:r>
+              <a:rPr lang="en-US" b="1" dirty="0">
+                <a:latin typeface="Courier New" panose="02070309020205020404" pitchFamily="49" charset="0"/>
+                <a:cs typeface="Courier New" panose="02070309020205020404" pitchFamily="49" charset="0"/>
+              </a:rPr>
+              <a:t>&lt;script&gt;</a:t>
+            </a:r>
+          </a:p>
+          <a:p>
+            <a:r>
+              <a:rPr lang="en-US" b="1" dirty="0">
+                <a:latin typeface="Courier New" panose="02070309020205020404" pitchFamily="49" charset="0"/>
+                <a:cs typeface="Courier New" panose="02070309020205020404" pitchFamily="49" charset="0"/>
+              </a:rPr>
+              <a:t>     </a:t>
+            </a:r>
+            <a:r>
+              <a:rPr lang="en-US" b="1" dirty="0" err="1">
+                <a:latin typeface="Courier New" panose="02070309020205020404" pitchFamily="49" charset="0"/>
+                <a:cs typeface="Courier New" panose="02070309020205020404" pitchFamily="49" charset="0"/>
+              </a:rPr>
+              <a:t>document.getElementById</a:t>
+            </a:r>
+            <a:r>
+              <a:rPr lang="en-US" b="1" dirty="0">
+                <a:latin typeface="Courier New" panose="02070309020205020404" pitchFamily="49" charset="0"/>
+                <a:cs typeface="Courier New" panose="02070309020205020404" pitchFamily="49" charset="0"/>
+              </a:rPr>
+              <a:t>('show').</a:t>
+            </a:r>
+            <a:r>
+              <a:rPr lang="en-US" b="1" dirty="0" err="1">
+                <a:latin typeface="Courier New" panose="02070309020205020404" pitchFamily="49" charset="0"/>
+                <a:cs typeface="Courier New" panose="02070309020205020404" pitchFamily="49" charset="0"/>
+              </a:rPr>
+              <a:t>addEventListener</a:t>
+            </a:r>
+            <a:r>
+              <a:rPr lang="en-US" b="1" dirty="0">
+                <a:latin typeface="Courier New" panose="02070309020205020404" pitchFamily="49" charset="0"/>
+                <a:cs typeface="Courier New" panose="02070309020205020404" pitchFamily="49" charset="0"/>
+              </a:rPr>
+              <a:t>('click', </a:t>
+            </a:r>
+          </a:p>
+          <a:p>
+            <a:r>
+              <a:rPr lang="en-US" b="1" dirty="0">
+                <a:latin typeface="Courier New" panose="02070309020205020404" pitchFamily="49" charset="0"/>
+                <a:cs typeface="Courier New" panose="02070309020205020404" pitchFamily="49" charset="0"/>
+              </a:rPr>
+              <a:t>         function </a:t>
+            </a:r>
+            <a:r>
+              <a:rPr lang="en-US" b="1">
+                <a:latin typeface="Courier New" panose="02070309020205020404" pitchFamily="49" charset="0"/>
+                <a:cs typeface="Courier New" panose="02070309020205020404" pitchFamily="49" charset="0"/>
+              </a:rPr>
+              <a:t>(event) </a:t>
+            </a:r>
+            <a:r>
+              <a:rPr lang="en-US" b="1" dirty="0">
+                <a:latin typeface="Courier New" panose="02070309020205020404" pitchFamily="49" charset="0"/>
+                <a:cs typeface="Courier New" panose="02070309020205020404" pitchFamily="49" charset="0"/>
+              </a:rPr>
+              <a:t>{</a:t>
+            </a:r>
+          </a:p>
+          <a:p>
+            <a:r>
+              <a:rPr lang="en-US" b="1" dirty="0">
+                <a:solidFill>
+                  <a:srgbClr val="FFC000"/>
+                </a:solidFill>
+                <a:latin typeface="Courier New" panose="02070309020205020404" pitchFamily="49" charset="0"/>
+                <a:cs typeface="Courier New" panose="02070309020205020404" pitchFamily="49" charset="0"/>
+              </a:rPr>
+              <a:t>             </a:t>
+            </a:r>
+            <a:r>
+              <a:rPr lang="en-US" b="1" dirty="0" err="1">
+                <a:solidFill>
+                  <a:srgbClr val="FFC000"/>
+                </a:solidFill>
+                <a:latin typeface="Courier New" panose="02070309020205020404" pitchFamily="49" charset="0"/>
+                <a:cs typeface="Courier New" panose="02070309020205020404" pitchFamily="49" charset="0"/>
+              </a:rPr>
+              <a:t>document.getElementById</a:t>
+            </a:r>
+            <a:r>
+              <a:rPr lang="en-US" b="1" dirty="0">
+                <a:solidFill>
+                  <a:srgbClr val="FFC000"/>
+                </a:solidFill>
+                <a:latin typeface="Courier New" panose="02070309020205020404" pitchFamily="49" charset="0"/>
+                <a:cs typeface="Courier New" panose="02070309020205020404" pitchFamily="49" charset="0"/>
+              </a:rPr>
+              <a:t>('fun').</a:t>
+            </a:r>
+            <a:r>
+              <a:rPr lang="en-US" b="1" dirty="0" err="1">
+                <a:solidFill>
+                  <a:srgbClr val="FFC000"/>
+                </a:solidFill>
+                <a:latin typeface="Courier New" panose="02070309020205020404" pitchFamily="49" charset="0"/>
+                <a:cs typeface="Courier New" panose="02070309020205020404" pitchFamily="49" charset="0"/>
+              </a:rPr>
+              <a:t>style.display</a:t>
+            </a:r>
+            <a:r>
+              <a:rPr lang="en-US" b="1" dirty="0">
+                <a:solidFill>
+                  <a:srgbClr val="FFC000"/>
+                </a:solidFill>
+                <a:latin typeface="Courier New" panose="02070309020205020404" pitchFamily="49" charset="0"/>
+                <a:cs typeface="Courier New" panose="02070309020205020404" pitchFamily="49" charset="0"/>
+              </a:rPr>
+              <a:t> = 'block';</a:t>
+            </a:r>
+          </a:p>
+          <a:p>
+            <a:r>
+              <a:rPr lang="en-US" b="1" dirty="0">
+                <a:latin typeface="Courier New" panose="02070309020205020404" pitchFamily="49" charset="0"/>
+                <a:cs typeface="Courier New" panose="02070309020205020404" pitchFamily="49" charset="0"/>
+              </a:rPr>
+              <a:t>         }</a:t>
+            </a:r>
+          </a:p>
+          <a:p>
+            <a:r>
+              <a:rPr lang="en-US" b="1" dirty="0">
+                <a:latin typeface="Courier New" panose="02070309020205020404" pitchFamily="49" charset="0"/>
+                <a:cs typeface="Courier New" panose="02070309020205020404" pitchFamily="49" charset="0"/>
+              </a:rPr>
+              <a:t>     );</a:t>
+            </a:r>
+          </a:p>
+          <a:p>
+            <a:r>
+              <a:rPr lang="en-US" b="1" dirty="0">
+                <a:latin typeface="Courier New" panose="02070309020205020404" pitchFamily="49" charset="0"/>
+                <a:cs typeface="Courier New" panose="02070309020205020404" pitchFamily="49" charset="0"/>
+              </a:rPr>
+              <a:t>     </a:t>
+            </a:r>
+            <a:r>
+              <a:rPr lang="en-US" b="1" dirty="0" err="1">
+                <a:latin typeface="Courier New" panose="02070309020205020404" pitchFamily="49" charset="0"/>
+                <a:cs typeface="Courier New" panose="02070309020205020404" pitchFamily="49" charset="0"/>
+              </a:rPr>
+              <a:t>document.getElementById</a:t>
+            </a:r>
+            <a:r>
+              <a:rPr lang="en-US" b="1" dirty="0">
+                <a:latin typeface="Courier New" panose="02070309020205020404" pitchFamily="49" charset="0"/>
+                <a:cs typeface="Courier New" panose="02070309020205020404" pitchFamily="49" charset="0"/>
+              </a:rPr>
+              <a:t>('poof').</a:t>
+            </a:r>
+            <a:r>
+              <a:rPr lang="en-US" b="1" dirty="0" err="1">
+                <a:latin typeface="Courier New" panose="02070309020205020404" pitchFamily="49" charset="0"/>
+                <a:cs typeface="Courier New" panose="02070309020205020404" pitchFamily="49" charset="0"/>
+              </a:rPr>
+              <a:t>addEventListener</a:t>
+            </a:r>
+            <a:r>
+              <a:rPr lang="en-US" b="1" dirty="0">
+                <a:latin typeface="Courier New" panose="02070309020205020404" pitchFamily="49" charset="0"/>
+                <a:cs typeface="Courier New" panose="02070309020205020404" pitchFamily="49" charset="0"/>
+              </a:rPr>
+              <a:t>('click', </a:t>
+            </a:r>
+          </a:p>
+          <a:p>
+            <a:r>
+              <a:rPr lang="en-US" b="1" dirty="0">
+                <a:solidFill>
+                  <a:srgbClr val="FFC000"/>
+                </a:solidFill>
+                <a:latin typeface="Courier New" panose="02070309020205020404" pitchFamily="49" charset="0"/>
+                <a:cs typeface="Courier New" panose="02070309020205020404" pitchFamily="49" charset="0"/>
+              </a:rPr>
+              <a:t>         (event) =&gt; </a:t>
+            </a:r>
+            <a:r>
+              <a:rPr lang="en-US" b="1" dirty="0" err="1">
+                <a:solidFill>
+                  <a:srgbClr val="FFC000"/>
+                </a:solidFill>
+                <a:latin typeface="Courier New" panose="02070309020205020404" pitchFamily="49" charset="0"/>
+                <a:cs typeface="Courier New" panose="02070309020205020404" pitchFamily="49" charset="0"/>
+              </a:rPr>
+              <a:t>document.getElementById</a:t>
+            </a:r>
+            <a:r>
+              <a:rPr lang="en-US" b="1" dirty="0">
+                <a:solidFill>
+                  <a:srgbClr val="FFC000"/>
+                </a:solidFill>
+                <a:latin typeface="Courier New" panose="02070309020205020404" pitchFamily="49" charset="0"/>
+                <a:cs typeface="Courier New" panose="02070309020205020404" pitchFamily="49" charset="0"/>
+              </a:rPr>
+              <a:t>('fun').</a:t>
+            </a:r>
+            <a:r>
+              <a:rPr lang="en-US" b="1" dirty="0" err="1">
+                <a:solidFill>
+                  <a:srgbClr val="FFC000"/>
+                </a:solidFill>
+                <a:latin typeface="Courier New" panose="02070309020205020404" pitchFamily="49" charset="0"/>
+                <a:cs typeface="Courier New" panose="02070309020205020404" pitchFamily="49" charset="0"/>
+              </a:rPr>
+              <a:t>style.display</a:t>
+            </a:r>
+            <a:r>
+              <a:rPr lang="en-US" b="1" dirty="0">
+                <a:solidFill>
+                  <a:srgbClr val="FFC000"/>
+                </a:solidFill>
+                <a:latin typeface="Courier New" panose="02070309020205020404" pitchFamily="49" charset="0"/>
+                <a:cs typeface="Courier New" panose="02070309020205020404" pitchFamily="49" charset="0"/>
+              </a:rPr>
+              <a:t> = 'none'</a:t>
+            </a:r>
+          </a:p>
+          <a:p>
+            <a:r>
+              <a:rPr lang="en-US" b="1" dirty="0">
+                <a:latin typeface="Courier New" panose="02070309020205020404" pitchFamily="49" charset="0"/>
+                <a:cs typeface="Courier New" panose="02070309020205020404" pitchFamily="49" charset="0"/>
+              </a:rPr>
+              <a:t>     );</a:t>
+            </a:r>
+          </a:p>
+          <a:p>
+            <a:r>
+              <a:rPr lang="en-US" b="1" dirty="0">
+                <a:latin typeface="Courier New" panose="02070309020205020404" pitchFamily="49" charset="0"/>
+                <a:cs typeface="Courier New" panose="02070309020205020404" pitchFamily="49" charset="0"/>
+              </a:rPr>
+              <a:t>&lt;/script&gt;</a:t>
             </a:r>
           </a:p>
         </p:txBody>
@@ -9347,7 +9609,7 @@
           <p:cNvPr id="6" name="TextBox 5">
             <a:extLst>
               <a:ext uri="{FF2B5EF4-FFF2-40B4-BE49-F238E27FC236}">
-                <a16:creationId xmlns:a16="http://schemas.microsoft.com/office/drawing/2014/main" id="{52D9016E-6B2A-435B-012E-AE29951683C8}"/>
+                <a16:creationId xmlns:a16="http://schemas.microsoft.com/office/drawing/2014/main" id="{0F993931-DB73-5F9D-9548-090AE428C1E0}"/>
               </a:ext>
             </a:extLst>
           </p:cNvPr>
@@ -9356,18 +9618,13 @@
         </p:nvSpPr>
         <p:spPr>
           <a:xfrm>
-            <a:off x="1056862" y="3606431"/>
-            <a:ext cx="4787348" cy="1600438"/>
+            <a:off x="6096000" y="534496"/>
+            <a:ext cx="5369155" cy="369332"/>
           </a:xfrm>
           <a:prstGeom prst="rect">
             <a:avLst/>
           </a:prstGeom>
           <a:noFill/>
-          <a:ln>
-            <a:solidFill>
-              <a:schemeClr val="tx1"/>
-            </a:solidFill>
-          </a:ln>
         </p:spPr>
         <p:txBody>
           <a:bodyPr wrap="square">
@@ -9376,338 +9633,79 @@
           <a:lstStyle/>
           <a:p>
             <a:r>
-              <a:rPr lang="en-US" sz="1400" b="1" dirty="0">
-                <a:latin typeface="Courier New" panose="02070309020205020404" pitchFamily="49" charset="0"/>
-                <a:cs typeface="Courier New" panose="02070309020205020404" pitchFamily="49" charset="0"/>
-              </a:rPr>
-              <a:t>&lt;h1&gt;A header&lt;/h1&gt;</a:t>
-            </a:r>
-          </a:p>
-          <a:p>
-            <a:r>
-              <a:rPr lang="en-US" sz="1400" b="1" dirty="0">
-                <a:latin typeface="Courier New" panose="02070309020205020404" pitchFamily="49" charset="0"/>
-                <a:cs typeface="Courier New" panose="02070309020205020404" pitchFamily="49" charset="0"/>
-              </a:rPr>
-              <a:t>&lt;p&gt;&lt;a </a:t>
-            </a:r>
-            <a:r>
-              <a:rPr lang="en-US" sz="1400" b="1" dirty="0">
+              <a:rPr lang="en-US" dirty="0">
                 <a:solidFill>
-                  <a:srgbClr val="FFC000"/>
+                  <a:srgbClr val="FFFF00"/>
                 </a:solidFill>
-                <a:latin typeface="Courier New" panose="02070309020205020404" pitchFamily="49" charset="0"/>
-                <a:cs typeface="Courier New" panose="02070309020205020404" pitchFamily="49" charset="0"/>
-              </a:rPr>
-              <a:t>onclick="</a:t>
-            </a:r>
-            <a:r>
-              <a:rPr lang="en-US" sz="1400" b="1" dirty="0" err="1">
-                <a:solidFill>
-                  <a:srgbClr val="FFC000"/>
-                </a:solidFill>
-                <a:latin typeface="Courier New" panose="02070309020205020404" pitchFamily="49" charset="0"/>
-                <a:cs typeface="Courier New" panose="02070309020205020404" pitchFamily="49" charset="0"/>
-              </a:rPr>
-              <a:t>myFunc</a:t>
-            </a:r>
-            <a:r>
-              <a:rPr lang="en-US" sz="1400" b="1" dirty="0">
-                <a:solidFill>
-                  <a:srgbClr val="FFC000"/>
-                </a:solidFill>
-                <a:latin typeface="Courier New" panose="02070309020205020404" pitchFamily="49" charset="0"/>
-                <a:cs typeface="Courier New" panose="02070309020205020404" pitchFamily="49" charset="0"/>
-              </a:rPr>
-              <a:t>();"</a:t>
-            </a:r>
-            <a:r>
-              <a:rPr lang="en-US" sz="1400" b="1" dirty="0">
-                <a:latin typeface="Courier New" panose="02070309020205020404" pitchFamily="49" charset="0"/>
-                <a:cs typeface="Courier New" panose="02070309020205020404" pitchFamily="49" charset="0"/>
-              </a:rPr>
-              <a:t>&gt;Click Me&lt;/a&gt;&lt;/p&gt;</a:t>
-            </a:r>
-          </a:p>
-          <a:p>
-            <a:r>
-              <a:rPr lang="en-US" sz="1400" b="1" dirty="0">
-                <a:latin typeface="Courier New" panose="02070309020205020404" pitchFamily="49" charset="0"/>
-                <a:cs typeface="Courier New" panose="02070309020205020404" pitchFamily="49" charset="0"/>
-              </a:rPr>
-              <a:t>&lt;script&gt;</a:t>
-            </a:r>
-          </a:p>
-          <a:p>
-            <a:r>
-              <a:rPr lang="en-US" sz="1400" b="1" dirty="0">
-                <a:latin typeface="Courier New" panose="02070309020205020404" pitchFamily="49" charset="0"/>
-                <a:cs typeface="Courier New" panose="02070309020205020404" pitchFamily="49" charset="0"/>
-              </a:rPr>
-              <a:t>    function </a:t>
-            </a:r>
-            <a:r>
-              <a:rPr lang="en-US" sz="1400" b="1" dirty="0" err="1">
-                <a:latin typeface="Courier New" panose="02070309020205020404" pitchFamily="49" charset="0"/>
-                <a:cs typeface="Courier New" panose="02070309020205020404" pitchFamily="49" charset="0"/>
-              </a:rPr>
-              <a:t>myFunc</a:t>
-            </a:r>
-            <a:r>
-              <a:rPr lang="en-US" sz="1400" b="1" dirty="0">
-                <a:latin typeface="Courier New" panose="02070309020205020404" pitchFamily="49" charset="0"/>
-                <a:cs typeface="Courier New" panose="02070309020205020404" pitchFamily="49" charset="0"/>
-              </a:rPr>
-              <a:t>() {</a:t>
-            </a:r>
-          </a:p>
-          <a:p>
-            <a:r>
-              <a:rPr lang="en-US" sz="1400" b="1" dirty="0">
-                <a:latin typeface="Courier New" panose="02070309020205020404" pitchFamily="49" charset="0"/>
-                <a:cs typeface="Courier New" panose="02070309020205020404" pitchFamily="49" charset="0"/>
-              </a:rPr>
-              <a:t>        </a:t>
-            </a:r>
-            <a:r>
-              <a:rPr lang="en-US" sz="1400" b="1" dirty="0" err="1">
-                <a:latin typeface="Courier New" panose="02070309020205020404" pitchFamily="49" charset="0"/>
-                <a:cs typeface="Courier New" panose="02070309020205020404" pitchFamily="49" charset="0"/>
-              </a:rPr>
-              <a:t>console.log</a:t>
-            </a:r>
-            <a:r>
-              <a:rPr lang="en-US" sz="1400" b="1" dirty="0">
-                <a:latin typeface="Courier New" panose="02070309020205020404" pitchFamily="49" charset="0"/>
-                <a:cs typeface="Courier New" panose="02070309020205020404" pitchFamily="49" charset="0"/>
-              </a:rPr>
-              <a:t>("I was clicked");</a:t>
-            </a:r>
-          </a:p>
-          <a:p>
-            <a:r>
-              <a:rPr lang="en-US" sz="1400" b="1" dirty="0">
-                <a:latin typeface="Courier New" panose="02070309020205020404" pitchFamily="49" charset="0"/>
-                <a:cs typeface="Courier New" panose="02070309020205020404" pitchFamily="49" charset="0"/>
-              </a:rPr>
-              <a:t>    }</a:t>
-            </a:r>
-          </a:p>
-          <a:p>
-            <a:r>
-              <a:rPr lang="en-US" sz="1400" b="1" dirty="0">
-                <a:latin typeface="Courier New" panose="02070309020205020404" pitchFamily="49" charset="0"/>
-                <a:cs typeface="Courier New" panose="02070309020205020404" pitchFamily="49" charset="0"/>
-              </a:rPr>
-              <a:t>&lt;/script&gt;</a:t>
+              </a:rPr>
+              <a:t>https://www.dj4e.com/code/browser/13-css.htm</a:t>
             </a:r>
           </a:p>
         </p:txBody>
       </p:sp>
-      <p:sp>
-        <p:nvSpPr>
-          <p:cNvPr id="7" name="TextBox 6">
-            <a:extLst>
-              <a:ext uri="{FF2B5EF4-FFF2-40B4-BE49-F238E27FC236}">
-                <a16:creationId xmlns:a16="http://schemas.microsoft.com/office/drawing/2014/main" id="{B32F99E4-5DFD-3119-53FD-D6F2DDB22551}"/>
-              </a:ext>
-            </a:extLst>
-          </p:cNvPr>
-          <p:cNvSpPr txBox="1"/>
-          <p:nvPr/>
-        </p:nvSpPr>
+      <p:pic>
+        <p:nvPicPr>
+          <p:cNvPr id="8" name="Picture 7" descr="A screenshot of a website&#10;&#10;Description automatically generated">
+            <a:extLst>
+              <a:ext uri="{FF2B5EF4-FFF2-40B4-BE49-F238E27FC236}">
+                <a16:creationId xmlns:a16="http://schemas.microsoft.com/office/drawing/2014/main" id="{7E8D6971-0BF4-9029-3E11-6A85AD52AF84}"/>
+              </a:ext>
+            </a:extLst>
+          </p:cNvPr>
+          <p:cNvPicPr>
+            <a:picLocks noChangeAspect="1"/>
+          </p:cNvPicPr>
+          <p:nvPr/>
+        </p:nvPicPr>
+        <p:blipFill>
+          <a:blip r:embed="rId2"/>
+          <a:stretch>
+            <a:fillRect/>
+          </a:stretch>
+        </p:blipFill>
         <p:spPr>
           <a:xfrm>
-            <a:off x="6689037" y="3390988"/>
-            <a:ext cx="4124737" cy="2031325"/>
+            <a:off x="3212431" y="4591310"/>
+            <a:ext cx="3327259" cy="2002517"/>
           </a:xfrm>
           <a:prstGeom prst="rect">
             <a:avLst/>
           </a:prstGeom>
-          <a:noFill/>
-          <a:ln>
-            <a:solidFill>
-              <a:schemeClr val="tx1"/>
-            </a:solidFill>
-          </a:ln>
-        </p:spPr>
-        <p:txBody>
-          <a:bodyPr wrap="square">
-            <a:spAutoFit/>
-          </a:bodyPr>
-          <a:lstStyle/>
-          <a:p>
-            <a:r>
-              <a:rPr lang="en-US" sz="1400" b="1" dirty="0">
-                <a:latin typeface="Courier New" panose="02070309020205020404" pitchFamily="49" charset="0"/>
-                <a:cs typeface="Courier New" panose="02070309020205020404" pitchFamily="49" charset="0"/>
-              </a:rPr>
-              <a:t>&lt;h1&gt;A header&lt;/h1&gt;</a:t>
-            </a:r>
-          </a:p>
-          <a:p>
-            <a:r>
-              <a:rPr lang="en-US" sz="1400" b="1" dirty="0">
-                <a:latin typeface="Courier New" panose="02070309020205020404" pitchFamily="49" charset="0"/>
-                <a:cs typeface="Courier New" panose="02070309020205020404" pitchFamily="49" charset="0"/>
-              </a:rPr>
-              <a:t>&lt;p&gt;A Paragraph&lt;/a&gt;</a:t>
-            </a:r>
-          </a:p>
-          <a:p>
-            <a:r>
-              <a:rPr lang="en-US" sz="1400" b="1" dirty="0">
-                <a:latin typeface="Courier New" panose="02070309020205020404" pitchFamily="49" charset="0"/>
-                <a:cs typeface="Courier New" panose="02070309020205020404" pitchFamily="49" charset="0"/>
-              </a:rPr>
-              <a:t>&lt;script&gt;</a:t>
-            </a:r>
-          </a:p>
-          <a:p>
-            <a:r>
-              <a:rPr lang="en-US" sz="1400" b="1" dirty="0">
-                <a:latin typeface="Courier New" panose="02070309020205020404" pitchFamily="49" charset="0"/>
-                <a:cs typeface="Courier New" panose="02070309020205020404" pitchFamily="49" charset="0"/>
-              </a:rPr>
-              <a:t>    function </a:t>
-            </a:r>
-            <a:r>
-              <a:rPr lang="en-US" sz="1400" b="1" dirty="0" err="1">
-                <a:latin typeface="Courier New" panose="02070309020205020404" pitchFamily="49" charset="0"/>
-                <a:cs typeface="Courier New" panose="02070309020205020404" pitchFamily="49" charset="0"/>
-              </a:rPr>
-              <a:t>myFunc</a:t>
-            </a:r>
-            <a:r>
-              <a:rPr lang="en-US" sz="1400" b="1" dirty="0">
-                <a:latin typeface="Courier New" panose="02070309020205020404" pitchFamily="49" charset="0"/>
-                <a:cs typeface="Courier New" panose="02070309020205020404" pitchFamily="49" charset="0"/>
-              </a:rPr>
-              <a:t>() {</a:t>
-            </a:r>
-          </a:p>
-          <a:p>
-            <a:r>
-              <a:rPr lang="en-US" sz="1400" b="1" dirty="0">
-                <a:latin typeface="Courier New" panose="02070309020205020404" pitchFamily="49" charset="0"/>
-                <a:cs typeface="Courier New" panose="02070309020205020404" pitchFamily="49" charset="0"/>
-              </a:rPr>
-              <a:t>        </a:t>
-            </a:r>
-            <a:r>
-              <a:rPr lang="en-US" sz="1400" b="1" dirty="0" err="1">
-                <a:latin typeface="Courier New" panose="02070309020205020404" pitchFamily="49" charset="0"/>
-                <a:cs typeface="Courier New" panose="02070309020205020404" pitchFamily="49" charset="0"/>
-              </a:rPr>
-              <a:t>console.log</a:t>
-            </a:r>
-            <a:r>
-              <a:rPr lang="en-US" sz="1400" b="1" dirty="0">
-                <a:latin typeface="Courier New" panose="02070309020205020404" pitchFamily="49" charset="0"/>
-                <a:cs typeface="Courier New" panose="02070309020205020404" pitchFamily="49" charset="0"/>
-              </a:rPr>
-              <a:t>("I was called");</a:t>
-            </a:r>
-          </a:p>
-          <a:p>
-            <a:r>
-              <a:rPr lang="en-US" sz="1400" b="1" dirty="0">
-                <a:latin typeface="Courier New" panose="02070309020205020404" pitchFamily="49" charset="0"/>
-                <a:cs typeface="Courier New" panose="02070309020205020404" pitchFamily="49" charset="0"/>
-              </a:rPr>
-              <a:t>    }</a:t>
-            </a:r>
-          </a:p>
-          <a:p>
-            <a:r>
-              <a:rPr lang="en-US" sz="1400" b="1" dirty="0">
-                <a:solidFill>
-                  <a:srgbClr val="FFC000"/>
-                </a:solidFill>
-                <a:latin typeface="Courier New" panose="02070309020205020404" pitchFamily="49" charset="0"/>
-                <a:cs typeface="Courier New" panose="02070309020205020404" pitchFamily="49" charset="0"/>
-              </a:rPr>
-              <a:t>    </a:t>
-            </a:r>
-            <a:r>
-              <a:rPr lang="en-US" sz="1400" b="1" dirty="0" err="1">
-                <a:solidFill>
-                  <a:srgbClr val="FFC000"/>
-                </a:solidFill>
-                <a:latin typeface="Courier New" panose="02070309020205020404" pitchFamily="49" charset="0"/>
-                <a:cs typeface="Courier New" panose="02070309020205020404" pitchFamily="49" charset="0"/>
-              </a:rPr>
-              <a:t>setTimeout</a:t>
-            </a:r>
-            <a:r>
-              <a:rPr lang="en-US" sz="1400" b="1" dirty="0">
-                <a:solidFill>
-                  <a:srgbClr val="FFC000"/>
-                </a:solidFill>
-                <a:latin typeface="Courier New" panose="02070309020205020404" pitchFamily="49" charset="0"/>
-                <a:cs typeface="Courier New" panose="02070309020205020404" pitchFamily="49" charset="0"/>
-              </a:rPr>
-              <a:t>(</a:t>
-            </a:r>
-            <a:r>
-              <a:rPr lang="en-US" sz="1400" b="1" dirty="0" err="1">
-                <a:solidFill>
-                  <a:srgbClr val="FFC000"/>
-                </a:solidFill>
-                <a:latin typeface="Courier New" panose="02070309020205020404" pitchFamily="49" charset="0"/>
-                <a:cs typeface="Courier New" panose="02070309020205020404" pitchFamily="49" charset="0"/>
-              </a:rPr>
-              <a:t>myFunc</a:t>
-            </a:r>
-            <a:r>
-              <a:rPr lang="en-US" sz="1400" b="1" dirty="0">
-                <a:solidFill>
-                  <a:srgbClr val="FFC000"/>
-                </a:solidFill>
-                <a:latin typeface="Courier New" panose="02070309020205020404" pitchFamily="49" charset="0"/>
-                <a:cs typeface="Courier New" panose="02070309020205020404" pitchFamily="49" charset="0"/>
-              </a:rPr>
-              <a:t>, 5000);</a:t>
-            </a:r>
-          </a:p>
-          <a:p>
-            <a:r>
-              <a:rPr lang="en-US" sz="1400" b="1" dirty="0">
-                <a:latin typeface="Courier New" panose="02070309020205020404" pitchFamily="49" charset="0"/>
-                <a:cs typeface="Courier New" panose="02070309020205020404" pitchFamily="49" charset="0"/>
-              </a:rPr>
-              <a:t>    </a:t>
-            </a:r>
-            <a:r>
-              <a:rPr lang="en-US" sz="1400" b="1" dirty="0" err="1">
-                <a:latin typeface="Courier New" panose="02070309020205020404" pitchFamily="49" charset="0"/>
-                <a:cs typeface="Courier New" panose="02070309020205020404" pitchFamily="49" charset="0"/>
-              </a:rPr>
-              <a:t>console.log</a:t>
-            </a:r>
-            <a:r>
-              <a:rPr lang="en-US" sz="1400" b="1" dirty="0">
-                <a:latin typeface="Courier New" panose="02070309020205020404" pitchFamily="49" charset="0"/>
-                <a:cs typeface="Courier New" panose="02070309020205020404" pitchFamily="49" charset="0"/>
-              </a:rPr>
-              <a:t>("Timer started...");</a:t>
-            </a:r>
-          </a:p>
-          <a:p>
-            <a:r>
-              <a:rPr lang="en-US" sz="1400" b="1" dirty="0">
-                <a:latin typeface="Courier New" panose="02070309020205020404" pitchFamily="49" charset="0"/>
-                <a:cs typeface="Courier New" panose="02070309020205020404" pitchFamily="49" charset="0"/>
-              </a:rPr>
-              <a:t>&lt;/script&gt;</a:t>
-            </a:r>
-          </a:p>
-        </p:txBody>
-      </p:sp>
+        </p:spPr>
+      </p:pic>
+      <p:pic>
+        <p:nvPicPr>
+          <p:cNvPr id="10" name="Picture 9" descr="A screenshot of a computer&#10;&#10;Description automatically generated">
+            <a:extLst>
+              <a:ext uri="{FF2B5EF4-FFF2-40B4-BE49-F238E27FC236}">
+                <a16:creationId xmlns:a16="http://schemas.microsoft.com/office/drawing/2014/main" id="{823EAE8C-2D41-C466-A744-9BE4FB70DCC5}"/>
+              </a:ext>
+            </a:extLst>
+          </p:cNvPr>
+          <p:cNvPicPr>
+            <a:picLocks noChangeAspect="1"/>
+          </p:cNvPicPr>
+          <p:nvPr/>
+        </p:nvPicPr>
+        <p:blipFill rotWithShape="1">
+          <a:blip r:embed="rId3"/>
+          <a:srcRect l="1" r="39326" b="52899"/>
+          <a:stretch/>
+        </p:blipFill>
+        <p:spPr>
+          <a:xfrm>
+            <a:off x="7226902" y="4591310"/>
+            <a:ext cx="3327259" cy="2002517"/>
+          </a:xfrm>
+          <a:prstGeom prst="rect">
+            <a:avLst/>
+          </a:prstGeom>
+        </p:spPr>
+      </p:pic>
     </p:spTree>
     <p:extLst>
       <p:ext uri="{BB962C8B-B14F-4D97-AF65-F5344CB8AC3E}">
-        <p14:creationId xmlns:p14="http://schemas.microsoft.com/office/powerpoint/2010/main" val="3561933049"/>
+        <p14:creationId xmlns:p14="http://schemas.microsoft.com/office/powerpoint/2010/main" val="769670882"/>
       </p:ext>
     </p:extLst>
   </p:cSld>
@@ -9739,7 +9737,7 @@
           <p:cNvPr id="2" name="Title 1">
             <a:extLst>
               <a:ext uri="{FF2B5EF4-FFF2-40B4-BE49-F238E27FC236}">
-                <a16:creationId xmlns:a16="http://schemas.microsoft.com/office/drawing/2014/main" id="{068D01B6-6898-CC93-6C69-4AC625225A31}"/>
+                <a16:creationId xmlns:a16="http://schemas.microsoft.com/office/drawing/2014/main" id="{0F1BF1C1-0854-8BE7-638F-7CDDF0D51076}"/>
               </a:ext>
             </a:extLst>
           </p:cNvPr>
@@ -9757,17 +9755,17 @@
           <a:p>
             <a:r>
               <a:rPr lang="en-US" dirty="0"/>
-              <a:t>Event Registration System</a:t>
+              <a:t>Browser Events</a:t>
             </a:r>
           </a:p>
         </p:txBody>
       </p:sp>
       <p:sp>
         <p:nvSpPr>
-          <p:cNvPr id="3" name="Content Placeholder 2">
-            <a:extLst>
-              <a:ext uri="{FF2B5EF4-FFF2-40B4-BE49-F238E27FC236}">
-                <a16:creationId xmlns:a16="http://schemas.microsoft.com/office/drawing/2014/main" id="{98C03098-79E4-9634-B876-773CCC08A9B0}"/>
+          <p:cNvPr id="3" name="Text Placeholder 2">
+            <a:extLst>
+              <a:ext uri="{FF2B5EF4-FFF2-40B4-BE49-F238E27FC236}">
+                <a16:creationId xmlns:a16="http://schemas.microsoft.com/office/drawing/2014/main" id="{C0D953AA-C206-7B9C-27E6-ABFDA18AD271}"/>
               </a:ext>
             </a:extLst>
           </p:cNvPr>
@@ -9775,7 +9773,7 @@
             <a:spLocks noGrp="1"/>
           </p:cNvSpPr>
           <p:nvPr>
-            <p:ph idx="1"/>
+            <p:ph type="body" idx="1"/>
           </p:nvPr>
         </p:nvSpPr>
         <p:spPr/>
@@ -9783,31 +9781,14 @@
           <a:bodyPr/>
           <a:lstStyle/>
           <a:p>
-            <a:r>
-              <a:rPr lang="en-US" dirty="0"/>
-              <a:t>We can directly interact with the event registration system</a:t>
-            </a:r>
-          </a:p>
-          <a:p>
-            <a:pPr lvl="1"/>
-            <a:r>
-              <a:rPr lang="en-US" dirty="0"/>
-              <a:t>Add an event to an element (tag)</a:t>
-            </a:r>
-          </a:p>
-          <a:p>
-            <a:pPr lvl="1"/>
-            <a:r>
-              <a:rPr lang="en-US" dirty="0"/>
-              <a:t>Add an event to the DOM/Window to know when something happens</a:t>
-            </a:r>
+            <a:endParaRPr lang="en-US"/>
           </a:p>
         </p:txBody>
       </p:sp>
     </p:spTree>
     <p:extLst>
       <p:ext uri="{BB962C8B-B14F-4D97-AF65-F5344CB8AC3E}">
-        <p14:creationId xmlns:p14="http://schemas.microsoft.com/office/powerpoint/2010/main" val="830652334"/>
+        <p14:creationId xmlns:p14="http://schemas.microsoft.com/office/powerpoint/2010/main" val="3814814065"/>
       </p:ext>
     </p:extLst>
   </p:cSld>
@@ -9836,10 +9817,72 @@
       </p:grpSpPr>
       <p:sp>
         <p:nvSpPr>
-          <p:cNvPr id="4" name="TextBox 3">
-            <a:extLst>
-              <a:ext uri="{FF2B5EF4-FFF2-40B4-BE49-F238E27FC236}">
-                <a16:creationId xmlns:a16="http://schemas.microsoft.com/office/drawing/2014/main" id="{54EDACA5-D251-E3A3-5247-FD902FA23A67}"/>
+          <p:cNvPr id="4" name="Title 3">
+            <a:extLst>
+              <a:ext uri="{FF2B5EF4-FFF2-40B4-BE49-F238E27FC236}">
+                <a16:creationId xmlns:a16="http://schemas.microsoft.com/office/drawing/2014/main" id="{2C2FE6F5-3BD1-4B95-82D6-E97E60A2D195}"/>
+              </a:ext>
+            </a:extLst>
+          </p:cNvPr>
+          <p:cNvSpPr>
+            <a:spLocks noGrp="1"/>
+          </p:cNvSpPr>
+          <p:nvPr>
+            <p:ph type="title"/>
+          </p:nvPr>
+        </p:nvSpPr>
+        <p:spPr/>
+        <p:txBody>
+          <a:bodyPr/>
+          <a:lstStyle/>
+          <a:p>
+            <a:r>
+              <a:rPr lang="en-US" dirty="0"/>
+              <a:t>We have been using events all along</a:t>
+            </a:r>
+          </a:p>
+        </p:txBody>
+      </p:sp>
+      <p:sp>
+        <p:nvSpPr>
+          <p:cNvPr id="5" name="Content Placeholder 4">
+            <a:extLst>
+              <a:ext uri="{FF2B5EF4-FFF2-40B4-BE49-F238E27FC236}">
+                <a16:creationId xmlns:a16="http://schemas.microsoft.com/office/drawing/2014/main" id="{74560F81-CF53-DBC2-353C-2A9174285392}"/>
+              </a:ext>
+            </a:extLst>
+          </p:cNvPr>
+          <p:cNvSpPr>
+            <a:spLocks noGrp="1"/>
+          </p:cNvSpPr>
+          <p:nvPr>
+            <p:ph idx="1"/>
+          </p:nvPr>
+        </p:nvSpPr>
+        <p:spPr/>
+        <p:txBody>
+          <a:bodyPr/>
+          <a:lstStyle/>
+          <a:p>
+            <a:r>
+              <a:rPr lang="en-US" dirty="0"/>
+              <a:t>Register a Click Event handler via an onclick attribute</a:t>
+            </a:r>
+          </a:p>
+          <a:p>
+            <a:r>
+              <a:rPr lang="en-US" dirty="0"/>
+              <a:t>Setting a timer to run some of our code at some point in the future</a:t>
+            </a:r>
+          </a:p>
+        </p:txBody>
+      </p:sp>
+      <p:sp>
+        <p:nvSpPr>
+          <p:cNvPr id="6" name="TextBox 5">
+            <a:extLst>
+              <a:ext uri="{FF2B5EF4-FFF2-40B4-BE49-F238E27FC236}">
+                <a16:creationId xmlns:a16="http://schemas.microsoft.com/office/drawing/2014/main" id="{52D9016E-6B2A-435B-012E-AE29951683C8}"/>
               </a:ext>
             </a:extLst>
           </p:cNvPr>
@@ -9848,7 +9891,7 @@
         </p:nvSpPr>
         <p:spPr>
           <a:xfrm>
-            <a:off x="997227" y="950414"/>
+            <a:off x="1056862" y="3606431"/>
             <a:ext cx="4787348" cy="1600438"/>
           </a:xfrm>
           <a:prstGeom prst="rect">
@@ -9998,10 +10041,10 @@
       </p:sp>
       <p:sp>
         <p:nvSpPr>
-          <p:cNvPr id="5" name="TextBox 4">
-            <a:extLst>
-              <a:ext uri="{FF2B5EF4-FFF2-40B4-BE49-F238E27FC236}">
-                <a16:creationId xmlns:a16="http://schemas.microsoft.com/office/drawing/2014/main" id="{B62C2627-0497-33D9-8673-AF16965120ED}"/>
+          <p:cNvPr id="7" name="TextBox 6">
+            <a:extLst>
+              <a:ext uri="{FF2B5EF4-FFF2-40B4-BE49-F238E27FC236}">
+                <a16:creationId xmlns:a16="http://schemas.microsoft.com/office/drawing/2014/main" id="{B32F99E4-5DFD-3119-53FD-D6F2DDB22551}"/>
               </a:ext>
             </a:extLst>
           </p:cNvPr>
@@ -10010,8 +10053,8 @@
         </p:nvSpPr>
         <p:spPr>
           <a:xfrm>
-            <a:off x="1080054" y="3904605"/>
-            <a:ext cx="4787348" cy="2031325"/>
+            <a:off x="6689037" y="3390988"/>
+            <a:ext cx="4124737" cy="2031325"/>
           </a:xfrm>
           <a:prstGeom prst="rect">
             <a:avLst/>
@@ -10043,8 +10086,74 @@
                 <a:latin typeface="Courier New" panose="02070309020205020404" pitchFamily="49" charset="0"/>
                 <a:cs typeface="Courier New" panose="02070309020205020404" pitchFamily="49" charset="0"/>
               </a:rPr>
-              <a:t>&lt;p&gt;&lt;a </a:t>
-            </a:r>
+              <a:t>&lt;p&gt;A Paragraph&lt;/a&gt;</a:t>
+            </a:r>
+          </a:p>
+          <a:p>
+            <a:r>
+              <a:rPr lang="en-US" sz="1400" b="1" dirty="0">
+                <a:latin typeface="Courier New" panose="02070309020205020404" pitchFamily="49" charset="0"/>
+                <a:cs typeface="Courier New" panose="02070309020205020404" pitchFamily="49" charset="0"/>
+              </a:rPr>
+              <a:t>&lt;script&gt;</a:t>
+            </a:r>
+          </a:p>
+          <a:p>
+            <a:r>
+              <a:rPr lang="en-US" sz="1400" b="1" dirty="0">
+                <a:latin typeface="Courier New" panose="02070309020205020404" pitchFamily="49" charset="0"/>
+                <a:cs typeface="Courier New" panose="02070309020205020404" pitchFamily="49" charset="0"/>
+              </a:rPr>
+              <a:t>    function </a:t>
+            </a:r>
+            <a:r>
+              <a:rPr lang="en-US" sz="1400" b="1" dirty="0" err="1">
+                <a:latin typeface="Courier New" panose="02070309020205020404" pitchFamily="49" charset="0"/>
+                <a:cs typeface="Courier New" panose="02070309020205020404" pitchFamily="49" charset="0"/>
+              </a:rPr>
+              <a:t>myFunc</a:t>
+            </a:r>
+            <a:r>
+              <a:rPr lang="en-US" sz="1400" b="1" dirty="0">
+                <a:latin typeface="Courier New" panose="02070309020205020404" pitchFamily="49" charset="0"/>
+                <a:cs typeface="Courier New" panose="02070309020205020404" pitchFamily="49" charset="0"/>
+              </a:rPr>
+              <a:t>() {</a:t>
+            </a:r>
+          </a:p>
+          <a:p>
+            <a:r>
+              <a:rPr lang="en-US" sz="1400" b="1" dirty="0">
+                <a:latin typeface="Courier New" panose="02070309020205020404" pitchFamily="49" charset="0"/>
+                <a:cs typeface="Courier New" panose="02070309020205020404" pitchFamily="49" charset="0"/>
+              </a:rPr>
+              <a:t>        </a:t>
+            </a:r>
+            <a:r>
+              <a:rPr lang="en-US" sz="1400" b="1" dirty="0" err="1">
+                <a:latin typeface="Courier New" panose="02070309020205020404" pitchFamily="49" charset="0"/>
+                <a:cs typeface="Courier New" panose="02070309020205020404" pitchFamily="49" charset="0"/>
+              </a:rPr>
+              <a:t>console.log</a:t>
+            </a:r>
+            <a:r>
+              <a:rPr lang="en-US" sz="1400" b="1" dirty="0">
+                <a:latin typeface="Courier New" panose="02070309020205020404" pitchFamily="49" charset="0"/>
+                <a:cs typeface="Courier New" panose="02070309020205020404" pitchFamily="49" charset="0"/>
+              </a:rPr>
+              <a:t>("I was called");</a:t>
+            </a:r>
+          </a:p>
+          <a:p>
+            <a:r>
+              <a:rPr lang="en-US" sz="1400" b="1" dirty="0">
+                <a:latin typeface="Courier New" panose="02070309020205020404" pitchFamily="49" charset="0"/>
+                <a:cs typeface="Courier New" panose="02070309020205020404" pitchFamily="49" charset="0"/>
+              </a:rPr>
+              <a:t>    }</a:t>
+            </a:r>
+          </a:p>
+          <a:p>
             <a:r>
               <a:rPr lang="en-US" sz="1400" b="1" dirty="0">
                 <a:solidFill>
@@ -10053,86 +10162,6 @@
                 <a:latin typeface="Courier New" panose="02070309020205020404" pitchFamily="49" charset="0"/>
                 <a:cs typeface="Courier New" panose="02070309020205020404" pitchFamily="49" charset="0"/>
               </a:rPr>
-              <a:t>id="zap"</a:t>
-            </a:r>
-            <a:r>
-              <a:rPr lang="en-US" sz="1400" b="1" dirty="0">
-                <a:latin typeface="Courier New" panose="02070309020205020404" pitchFamily="49" charset="0"/>
-                <a:cs typeface="Courier New" panose="02070309020205020404" pitchFamily="49" charset="0"/>
-              </a:rPr>
-              <a:t>&gt;Click Me&lt;/a&gt;&lt;/p&gt;</a:t>
-            </a:r>
-          </a:p>
-          <a:p>
-            <a:r>
-              <a:rPr lang="en-US" sz="1400" b="1" dirty="0">
-                <a:latin typeface="Courier New" panose="02070309020205020404" pitchFamily="49" charset="0"/>
-                <a:cs typeface="Courier New" panose="02070309020205020404" pitchFamily="49" charset="0"/>
-              </a:rPr>
-              <a:t>&lt;script&gt;</a:t>
-            </a:r>
-          </a:p>
-          <a:p>
-            <a:r>
-              <a:rPr lang="en-US" sz="1400" b="1" dirty="0">
-                <a:latin typeface="Courier New" panose="02070309020205020404" pitchFamily="49" charset="0"/>
-                <a:cs typeface="Courier New" panose="02070309020205020404" pitchFamily="49" charset="0"/>
-              </a:rPr>
-              <a:t>    function </a:t>
-            </a:r>
-            <a:r>
-              <a:rPr lang="en-US" sz="1400" b="1" dirty="0" err="1">
-                <a:latin typeface="Courier New" panose="02070309020205020404" pitchFamily="49" charset="0"/>
-                <a:cs typeface="Courier New" panose="02070309020205020404" pitchFamily="49" charset="0"/>
-              </a:rPr>
-              <a:t>myFunc</a:t>
-            </a:r>
-            <a:r>
-              <a:rPr lang="en-US" sz="1400" b="1" dirty="0">
-                <a:latin typeface="Courier New" panose="02070309020205020404" pitchFamily="49" charset="0"/>
-                <a:cs typeface="Courier New" panose="02070309020205020404" pitchFamily="49" charset="0"/>
-              </a:rPr>
-              <a:t>() {</a:t>
-            </a:r>
-          </a:p>
-          <a:p>
-            <a:r>
-              <a:rPr lang="en-US" sz="1400" b="1" dirty="0">
-                <a:latin typeface="Courier New" panose="02070309020205020404" pitchFamily="49" charset="0"/>
-                <a:cs typeface="Courier New" panose="02070309020205020404" pitchFamily="49" charset="0"/>
-              </a:rPr>
-              <a:t>        </a:t>
-            </a:r>
-            <a:r>
-              <a:rPr lang="en-US" sz="1400" b="1" dirty="0" err="1">
-                <a:latin typeface="Courier New" panose="02070309020205020404" pitchFamily="49" charset="0"/>
-                <a:cs typeface="Courier New" panose="02070309020205020404" pitchFamily="49" charset="0"/>
-              </a:rPr>
-              <a:t>console.log</a:t>
-            </a:r>
-            <a:r>
-              <a:rPr lang="en-US" sz="1400" b="1" dirty="0">
-                <a:latin typeface="Courier New" panose="02070309020205020404" pitchFamily="49" charset="0"/>
-                <a:cs typeface="Courier New" panose="02070309020205020404" pitchFamily="49" charset="0"/>
-              </a:rPr>
-              <a:t>("I was clicked");</a:t>
-            </a:r>
-          </a:p>
-          <a:p>
-            <a:r>
-              <a:rPr lang="en-US" sz="1400" b="1" dirty="0">
-                <a:latin typeface="Courier New" panose="02070309020205020404" pitchFamily="49" charset="0"/>
-                <a:cs typeface="Courier New" panose="02070309020205020404" pitchFamily="49" charset="0"/>
-              </a:rPr>
-              <a:t>    }</a:t>
-            </a:r>
-          </a:p>
-          <a:p>
-            <a:r>
-              <a:rPr lang="en-US" sz="1400" b="1" dirty="0">
-                <a:latin typeface="Courier New" panose="02070309020205020404" pitchFamily="49" charset="0"/>
-                <a:cs typeface="Courier New" panose="02070309020205020404" pitchFamily="49" charset="0"/>
-              </a:rPr>
               <a:t>    </a:t>
             </a:r>
             <a:r>
@@ -10143,7 +10172,7 @@
                 <a:latin typeface="Courier New" panose="02070309020205020404" pitchFamily="49" charset="0"/>
                 <a:cs typeface="Courier New" panose="02070309020205020404" pitchFamily="49" charset="0"/>
               </a:rPr>
-              <a:t>document.getElementById</a:t>
+              <a:t>setTimeout</a:t>
             </a:r>
             <a:r>
               <a:rPr lang="en-US" sz="1400" b="1" dirty="0">
@@ -10153,10 +10182,18 @@
                 <a:latin typeface="Courier New" panose="02070309020205020404" pitchFamily="49" charset="0"/>
                 <a:cs typeface="Courier New" panose="02070309020205020404" pitchFamily="49" charset="0"/>
               </a:rPr>
-              <a:t>('zap')</a:t>
-            </a:r>
-          </a:p>
-          <a:p>
+              <a:t>(</a:t>
+            </a:r>
+            <a:r>
+              <a:rPr lang="en-US" sz="1400" b="1" dirty="0" err="1">
+                <a:solidFill>
+                  <a:srgbClr val="FFC000"/>
+                </a:solidFill>
+                <a:latin typeface="Courier New" panose="02070309020205020404" pitchFamily="49" charset="0"/>
+                <a:cs typeface="Courier New" panose="02070309020205020404" pitchFamily="49" charset="0"/>
+              </a:rPr>
+              <a:t>myFunc</a:t>
+            </a:r>
             <a:r>
               <a:rPr lang="en-US" sz="1400" b="1" dirty="0">
                 <a:solidFill>
@@ -10165,164 +10202,39 @@
                 <a:latin typeface="Courier New" panose="02070309020205020404" pitchFamily="49" charset="0"/>
                 <a:cs typeface="Courier New" panose="02070309020205020404" pitchFamily="49" charset="0"/>
               </a:rPr>
-              <a:t>        .</a:t>
+              <a:t>, 5000);</a:t>
+            </a:r>
+          </a:p>
+          <a:p>
+            <a:r>
+              <a:rPr lang="en-US" sz="1400" b="1" dirty="0">
+                <a:latin typeface="Courier New" panose="02070309020205020404" pitchFamily="49" charset="0"/>
+                <a:cs typeface="Courier New" panose="02070309020205020404" pitchFamily="49" charset="0"/>
+              </a:rPr>
+              <a:t>    </a:t>
             </a:r>
             <a:r>
               <a:rPr lang="en-US" sz="1400" b="1" dirty="0" err="1">
-                <a:solidFill>
-                  <a:srgbClr val="FFC000"/>
-                </a:solidFill>
-                <a:latin typeface="Courier New" panose="02070309020205020404" pitchFamily="49" charset="0"/>
-                <a:cs typeface="Courier New" panose="02070309020205020404" pitchFamily="49" charset="0"/>
-              </a:rPr>
-              <a:t>addEventListener</a:t>
+                <a:latin typeface="Courier New" panose="02070309020205020404" pitchFamily="49" charset="0"/>
+                <a:cs typeface="Courier New" panose="02070309020205020404" pitchFamily="49" charset="0"/>
+              </a:rPr>
+              <a:t>console.log</a:t>
             </a:r>
             <a:r>
               <a:rPr lang="en-US" sz="1400" b="1" dirty="0">
-                <a:solidFill>
-                  <a:srgbClr val="FFC000"/>
-                </a:solidFill>
-                <a:latin typeface="Courier New" panose="02070309020205020404" pitchFamily="49" charset="0"/>
-                <a:cs typeface="Courier New" panose="02070309020205020404" pitchFamily="49" charset="0"/>
-              </a:rPr>
-              <a:t>('click', </a:t>
-            </a:r>
-            <a:r>
-              <a:rPr lang="en-US" sz="1400" b="1" dirty="0" err="1">
-                <a:solidFill>
-                  <a:srgbClr val="FFC000"/>
-                </a:solidFill>
-                <a:latin typeface="Courier New" panose="02070309020205020404" pitchFamily="49" charset="0"/>
-                <a:cs typeface="Courier New" panose="02070309020205020404" pitchFamily="49" charset="0"/>
-              </a:rPr>
-              <a:t>myFunc</a:t>
-            </a:r>
+                <a:latin typeface="Courier New" panose="02070309020205020404" pitchFamily="49" charset="0"/>
+                <a:cs typeface="Courier New" panose="02070309020205020404" pitchFamily="49" charset="0"/>
+              </a:rPr>
+              <a:t>("Timer started...");</a:t>
+            </a:r>
+          </a:p>
+          <a:p>
             <a:r>
               <a:rPr lang="en-US" sz="1400" b="1" dirty="0">
-                <a:solidFill>
-                  <a:srgbClr val="FFC000"/>
-                </a:solidFill>
-                <a:latin typeface="Courier New" panose="02070309020205020404" pitchFamily="49" charset="0"/>
-                <a:cs typeface="Courier New" panose="02070309020205020404" pitchFamily="49" charset="0"/>
-              </a:rPr>
-              <a:t>);</a:t>
-            </a:r>
-          </a:p>
-          <a:p>
-            <a:r>
-              <a:rPr lang="en-US" sz="1400" b="1" dirty="0">
                 <a:latin typeface="Courier New" panose="02070309020205020404" pitchFamily="49" charset="0"/>
                 <a:cs typeface="Courier New" panose="02070309020205020404" pitchFamily="49" charset="0"/>
               </a:rPr>
               <a:t>&lt;/script&gt;</a:t>
-            </a:r>
-          </a:p>
-        </p:txBody>
-      </p:sp>
-      <p:pic>
-        <p:nvPicPr>
-          <p:cNvPr id="7" name="Picture 6" descr="A screenshot of a computer&#10;&#10;Description automatically generated">
-            <a:extLst>
-              <a:ext uri="{FF2B5EF4-FFF2-40B4-BE49-F238E27FC236}">
-                <a16:creationId xmlns:a16="http://schemas.microsoft.com/office/drawing/2014/main" id="{D825C284-8149-AB9C-BD82-3D47ED889571}"/>
-              </a:ext>
-            </a:extLst>
-          </p:cNvPr>
-          <p:cNvPicPr>
-            <a:picLocks noChangeAspect="1"/>
-          </p:cNvPicPr>
-          <p:nvPr/>
-        </p:nvPicPr>
-        <p:blipFill>
-          <a:blip r:embed="rId2"/>
-          <a:stretch>
-            <a:fillRect/>
-          </a:stretch>
-        </p:blipFill>
-        <p:spPr>
-          <a:xfrm>
-            <a:off x="6841436" y="401411"/>
-            <a:ext cx="4697896" cy="5830424"/>
-          </a:xfrm>
-          <a:prstGeom prst="rect">
-            <a:avLst/>
-          </a:prstGeom>
-        </p:spPr>
-      </p:pic>
-      <p:sp>
-        <p:nvSpPr>
-          <p:cNvPr id="8" name="TextBox 7">
-            <a:extLst>
-              <a:ext uri="{FF2B5EF4-FFF2-40B4-BE49-F238E27FC236}">
-                <a16:creationId xmlns:a16="http://schemas.microsoft.com/office/drawing/2014/main" id="{06FA1B46-2807-C1CE-939F-48C23891E3EF}"/>
-              </a:ext>
-            </a:extLst>
-          </p:cNvPr>
-          <p:cNvSpPr txBox="1"/>
-          <p:nvPr/>
-        </p:nvSpPr>
-        <p:spPr>
-          <a:xfrm>
-            <a:off x="217557" y="3244334"/>
-            <a:ext cx="5369155" cy="369332"/>
-          </a:xfrm>
-          <a:prstGeom prst="rect">
-            <a:avLst/>
-          </a:prstGeom>
-          <a:noFill/>
-        </p:spPr>
-        <p:txBody>
-          <a:bodyPr wrap="square">
-            <a:spAutoFit/>
-          </a:bodyPr>
-          <a:lstStyle/>
-          <a:p>
-            <a:r>
-              <a:rPr lang="en-US" dirty="0">
-                <a:solidFill>
-                  <a:srgbClr val="FFFF00"/>
-                </a:solidFill>
-              </a:rPr>
-              <a:t>https://www.dj4e.com/code/browser/10-event.htm</a:t>
-            </a:r>
-          </a:p>
-        </p:txBody>
-      </p:sp>
-      <p:sp>
-        <p:nvSpPr>
-          <p:cNvPr id="9" name="TextBox 8">
-            <a:extLst>
-              <a:ext uri="{FF2B5EF4-FFF2-40B4-BE49-F238E27FC236}">
-                <a16:creationId xmlns:a16="http://schemas.microsoft.com/office/drawing/2014/main" id="{F8E64F9D-D085-FA22-C306-C87FC7CC1E3A}"/>
-              </a:ext>
-            </a:extLst>
-          </p:cNvPr>
-          <p:cNvSpPr txBox="1"/>
-          <p:nvPr/>
-        </p:nvSpPr>
-        <p:spPr>
-          <a:xfrm>
-            <a:off x="217556" y="401411"/>
-            <a:ext cx="5369155" cy="369332"/>
-          </a:xfrm>
-          <a:prstGeom prst="rect">
-            <a:avLst/>
-          </a:prstGeom>
-          <a:noFill/>
-        </p:spPr>
-        <p:txBody>
-          <a:bodyPr wrap="square">
-            <a:spAutoFit/>
-          </a:bodyPr>
-          <a:lstStyle/>
-          <a:p>
-            <a:r>
-              <a:rPr lang="en-US" dirty="0">
-                <a:solidFill>
-                  <a:srgbClr val="FFFF00"/>
-                </a:solidFill>
-              </a:rPr>
-              <a:t>https://www.dj4e.com/code/browser/03-event.htm</a:t>
             </a:r>
           </a:p>
         </p:txBody>
@@ -10330,7 +10242,7 @@
     </p:spTree>
     <p:extLst>
       <p:ext uri="{BB962C8B-B14F-4D97-AF65-F5344CB8AC3E}">
-        <p14:creationId xmlns:p14="http://schemas.microsoft.com/office/powerpoint/2010/main" val="4206870425"/>
+        <p14:creationId xmlns:p14="http://schemas.microsoft.com/office/powerpoint/2010/main" val="3561933049"/>
       </p:ext>
     </p:extLst>
   </p:cSld>
@@ -10359,364 +10271,78 @@
       </p:grpSpPr>
       <p:sp>
         <p:nvSpPr>
-          <p:cNvPr id="4" name="TextBox 3">
-            <a:extLst>
-              <a:ext uri="{FF2B5EF4-FFF2-40B4-BE49-F238E27FC236}">
-                <a16:creationId xmlns:a16="http://schemas.microsoft.com/office/drawing/2014/main" id="{54EDACA5-D251-E3A3-5247-FD902FA23A67}"/>
-              </a:ext>
-            </a:extLst>
-          </p:cNvPr>
-          <p:cNvSpPr txBox="1"/>
-          <p:nvPr/>
+          <p:cNvPr id="2" name="Title 1">
+            <a:extLst>
+              <a:ext uri="{FF2B5EF4-FFF2-40B4-BE49-F238E27FC236}">
+                <a16:creationId xmlns:a16="http://schemas.microsoft.com/office/drawing/2014/main" id="{068D01B6-6898-CC93-6C69-4AC625225A31}"/>
+              </a:ext>
+            </a:extLst>
+          </p:cNvPr>
+          <p:cNvSpPr>
+            <a:spLocks noGrp="1"/>
+          </p:cNvSpPr>
+          <p:nvPr>
+            <p:ph type="title"/>
+          </p:nvPr>
         </p:nvSpPr>
-        <p:spPr>
-          <a:xfrm>
-            <a:off x="344253" y="1230010"/>
-            <a:ext cx="5909180" cy="2308324"/>
-          </a:xfrm>
-          <a:prstGeom prst="rect">
-            <a:avLst/>
-          </a:prstGeom>
-          <a:noFill/>
-          <a:ln>
-            <a:solidFill>
-              <a:schemeClr val="tx1"/>
-            </a:solidFill>
-          </a:ln>
-        </p:spPr>
+        <p:spPr/>
         <p:txBody>
-          <a:bodyPr wrap="square">
-            <a:spAutoFit/>
-          </a:bodyPr>
+          <a:bodyPr/>
           <a:lstStyle/>
           <a:p>
             <a:r>
-              <a:rPr lang="en-US" sz="1600" b="1" dirty="0">
-                <a:latin typeface="Courier New" panose="02070309020205020404" pitchFamily="49" charset="0"/>
-                <a:cs typeface="Courier New" panose="02070309020205020404" pitchFamily="49" charset="0"/>
-              </a:rPr>
-              <a:t>&lt;h1&gt;A header&lt;/h1&gt;</a:t>
-            </a:r>
-          </a:p>
-          <a:p>
-            <a:r>
-              <a:rPr lang="en-US" sz="1600" b="1" dirty="0">
-                <a:latin typeface="Courier New" panose="02070309020205020404" pitchFamily="49" charset="0"/>
-                <a:cs typeface="Courier New" panose="02070309020205020404" pitchFamily="49" charset="0"/>
-              </a:rPr>
-              <a:t>&lt;script&gt;</a:t>
-            </a:r>
-          </a:p>
-          <a:p>
-            <a:r>
-              <a:rPr lang="en-US" sz="1600" b="1" dirty="0">
-                <a:latin typeface="Courier New" panose="02070309020205020404" pitchFamily="49" charset="0"/>
-                <a:cs typeface="Courier New" panose="02070309020205020404" pitchFamily="49" charset="0"/>
-              </a:rPr>
-              <a:t>    function </a:t>
-            </a:r>
-            <a:r>
-              <a:rPr lang="en-US" sz="1600" b="1" dirty="0" err="1">
-                <a:latin typeface="Courier New" panose="02070309020205020404" pitchFamily="49" charset="0"/>
-                <a:cs typeface="Courier New" panose="02070309020205020404" pitchFamily="49" charset="0"/>
-              </a:rPr>
-              <a:t>myFunc</a:t>
-            </a:r>
-            <a:r>
-              <a:rPr lang="en-US" sz="1600" b="1" dirty="0">
-                <a:latin typeface="Courier New" panose="02070309020205020404" pitchFamily="49" charset="0"/>
-                <a:cs typeface="Courier New" panose="02070309020205020404" pitchFamily="49" charset="0"/>
-              </a:rPr>
-              <a:t>() {</a:t>
-            </a:r>
-          </a:p>
-          <a:p>
-            <a:r>
-              <a:rPr lang="en-US" sz="1600" b="1" dirty="0">
-                <a:latin typeface="Courier New" panose="02070309020205020404" pitchFamily="49" charset="0"/>
-                <a:cs typeface="Courier New" panose="02070309020205020404" pitchFamily="49" charset="0"/>
-              </a:rPr>
-              <a:t>        </a:t>
-            </a:r>
-            <a:r>
-              <a:rPr lang="en-US" sz="1600" b="1" dirty="0" err="1">
-                <a:latin typeface="Courier New" panose="02070309020205020404" pitchFamily="49" charset="0"/>
-                <a:cs typeface="Courier New" panose="02070309020205020404" pitchFamily="49" charset="0"/>
-              </a:rPr>
-              <a:t>console.log</a:t>
-            </a:r>
-            <a:r>
-              <a:rPr lang="en-US" sz="1600" b="1" dirty="0">
-                <a:latin typeface="Courier New" panose="02070309020205020404" pitchFamily="49" charset="0"/>
-                <a:cs typeface="Courier New" panose="02070309020205020404" pitchFamily="49" charset="0"/>
-              </a:rPr>
-              <a:t>("Window size", </a:t>
-            </a:r>
-          </a:p>
-          <a:p>
-            <a:r>
-              <a:rPr lang="en-US" sz="1600" b="1" dirty="0">
-                <a:latin typeface="Courier New" panose="02070309020205020404" pitchFamily="49" charset="0"/>
-                <a:cs typeface="Courier New" panose="02070309020205020404" pitchFamily="49" charset="0"/>
-              </a:rPr>
-              <a:t>            </a:t>
-            </a:r>
-            <a:r>
-              <a:rPr lang="en-US" sz="1600" b="1" dirty="0" err="1">
-                <a:latin typeface="Courier New" panose="02070309020205020404" pitchFamily="49" charset="0"/>
-                <a:cs typeface="Courier New" panose="02070309020205020404" pitchFamily="49" charset="0"/>
-              </a:rPr>
-              <a:t>window.innerHeight</a:t>
-            </a:r>
-            <a:r>
-              <a:rPr lang="en-US" sz="1600" b="1" dirty="0">
-                <a:latin typeface="Courier New" panose="02070309020205020404" pitchFamily="49" charset="0"/>
-                <a:cs typeface="Courier New" panose="02070309020205020404" pitchFamily="49" charset="0"/>
-              </a:rPr>
-              <a:t>,</a:t>
-            </a:r>
-          </a:p>
-          <a:p>
-            <a:r>
-              <a:rPr lang="en-US" sz="1600" b="1" dirty="0">
-                <a:latin typeface="Courier New" panose="02070309020205020404" pitchFamily="49" charset="0"/>
-                <a:cs typeface="Courier New" panose="02070309020205020404" pitchFamily="49" charset="0"/>
-              </a:rPr>
-              <a:t>            </a:t>
-            </a:r>
-            <a:r>
-              <a:rPr lang="en-US" sz="1600" b="1" dirty="0" err="1">
-                <a:latin typeface="Courier New" panose="02070309020205020404" pitchFamily="49" charset="0"/>
-                <a:cs typeface="Courier New" panose="02070309020205020404" pitchFamily="49" charset="0"/>
-              </a:rPr>
-              <a:t>window.innerWidth</a:t>
-            </a:r>
-            <a:r>
-              <a:rPr lang="en-US" sz="1600" b="1" dirty="0">
-                <a:latin typeface="Courier New" panose="02070309020205020404" pitchFamily="49" charset="0"/>
-                <a:cs typeface="Courier New" panose="02070309020205020404" pitchFamily="49" charset="0"/>
-              </a:rPr>
-              <a:t>);</a:t>
-            </a:r>
-          </a:p>
-          <a:p>
-            <a:r>
-              <a:rPr lang="en-US" sz="1600" b="1" dirty="0">
-                <a:latin typeface="Courier New" panose="02070309020205020404" pitchFamily="49" charset="0"/>
-                <a:cs typeface="Courier New" panose="02070309020205020404" pitchFamily="49" charset="0"/>
-              </a:rPr>
-              <a:t>    }</a:t>
-            </a:r>
-          </a:p>
-          <a:p>
-            <a:r>
-              <a:rPr lang="en-US" sz="1600" b="1" dirty="0">
-                <a:solidFill>
-                  <a:srgbClr val="FFC000"/>
-                </a:solidFill>
-                <a:latin typeface="Courier New" panose="02070309020205020404" pitchFamily="49" charset="0"/>
-                <a:cs typeface="Courier New" panose="02070309020205020404" pitchFamily="49" charset="0"/>
-              </a:rPr>
-              <a:t>    </a:t>
-            </a:r>
-            <a:r>
-              <a:rPr lang="en-US" sz="1600" b="1" dirty="0" err="1">
-                <a:solidFill>
-                  <a:srgbClr val="FFC000"/>
-                </a:solidFill>
-                <a:latin typeface="Courier New" panose="02070309020205020404" pitchFamily="49" charset="0"/>
-                <a:cs typeface="Courier New" panose="02070309020205020404" pitchFamily="49" charset="0"/>
-              </a:rPr>
-              <a:t>window.addEventListener</a:t>
-            </a:r>
-            <a:r>
-              <a:rPr lang="en-US" sz="1600" b="1" dirty="0">
-                <a:solidFill>
-                  <a:srgbClr val="FFC000"/>
-                </a:solidFill>
-                <a:latin typeface="Courier New" panose="02070309020205020404" pitchFamily="49" charset="0"/>
-                <a:cs typeface="Courier New" panose="02070309020205020404" pitchFamily="49" charset="0"/>
-              </a:rPr>
-              <a:t>('resize', </a:t>
-            </a:r>
-            <a:r>
-              <a:rPr lang="en-US" sz="1600" b="1" dirty="0" err="1">
-                <a:solidFill>
-                  <a:srgbClr val="FFC000"/>
-                </a:solidFill>
-                <a:latin typeface="Courier New" panose="02070309020205020404" pitchFamily="49" charset="0"/>
-                <a:cs typeface="Courier New" panose="02070309020205020404" pitchFamily="49" charset="0"/>
-              </a:rPr>
-              <a:t>myFunc</a:t>
-            </a:r>
-            <a:r>
-              <a:rPr lang="en-US" sz="1600" b="1" dirty="0">
-                <a:solidFill>
-                  <a:srgbClr val="FFC000"/>
-                </a:solidFill>
-                <a:latin typeface="Courier New" panose="02070309020205020404" pitchFamily="49" charset="0"/>
-                <a:cs typeface="Courier New" panose="02070309020205020404" pitchFamily="49" charset="0"/>
-              </a:rPr>
-              <a:t>);</a:t>
-            </a:r>
-          </a:p>
-          <a:p>
-            <a:r>
-              <a:rPr lang="en-US" sz="1600" b="1" dirty="0">
-                <a:latin typeface="Courier New" panose="02070309020205020404" pitchFamily="49" charset="0"/>
-                <a:cs typeface="Courier New" panose="02070309020205020404" pitchFamily="49" charset="0"/>
-              </a:rPr>
-              <a:t>&lt;/script&gt;</a:t>
+              <a:rPr lang="en-US" dirty="0"/>
+              <a:t>Event Registration System</a:t>
             </a:r>
           </a:p>
         </p:txBody>
       </p:sp>
       <p:sp>
         <p:nvSpPr>
-          <p:cNvPr id="9" name="TextBox 8">
-            <a:extLst>
-              <a:ext uri="{FF2B5EF4-FFF2-40B4-BE49-F238E27FC236}">
-                <a16:creationId xmlns:a16="http://schemas.microsoft.com/office/drawing/2014/main" id="{F8E64F9D-D085-FA22-C306-C87FC7CC1E3A}"/>
-              </a:ext>
-            </a:extLst>
-          </p:cNvPr>
-          <p:cNvSpPr txBox="1"/>
-          <p:nvPr/>
+          <p:cNvPr id="3" name="Content Placeholder 2">
+            <a:extLst>
+              <a:ext uri="{FF2B5EF4-FFF2-40B4-BE49-F238E27FC236}">
+                <a16:creationId xmlns:a16="http://schemas.microsoft.com/office/drawing/2014/main" id="{98C03098-79E4-9634-B876-773CCC08A9B0}"/>
+              </a:ext>
+            </a:extLst>
+          </p:cNvPr>
+          <p:cNvSpPr>
+            <a:spLocks noGrp="1"/>
+          </p:cNvSpPr>
+          <p:nvPr>
+            <p:ph idx="1"/>
+          </p:nvPr>
         </p:nvSpPr>
-        <p:spPr>
-          <a:xfrm>
-            <a:off x="217556" y="401411"/>
-            <a:ext cx="5369155" cy="369332"/>
-          </a:xfrm>
-          <a:prstGeom prst="rect">
-            <a:avLst/>
-          </a:prstGeom>
-          <a:noFill/>
-        </p:spPr>
+        <p:spPr/>
         <p:txBody>
-          <a:bodyPr wrap="square">
-            <a:spAutoFit/>
-          </a:bodyPr>
+          <a:bodyPr/>
           <a:lstStyle/>
           <a:p>
             <a:r>
-              <a:rPr lang="en-US" dirty="0">
-                <a:solidFill>
-                  <a:srgbClr val="FFFF00"/>
-                </a:solidFill>
-              </a:rPr>
-              <a:t>https://www.dj4e.com/code/browser/11-resize.htm</a:t>
+              <a:rPr lang="en-US" dirty="0"/>
+              <a:t>We can directly interact with the event registration system</a:t>
+            </a:r>
+          </a:p>
+          <a:p>
+            <a:pPr lvl="1"/>
+            <a:r>
+              <a:rPr lang="en-US" dirty="0"/>
+              <a:t>Add an event to an element (tag)</a:t>
+            </a:r>
+          </a:p>
+          <a:p>
+            <a:pPr lvl="1"/>
+            <a:r>
+              <a:rPr lang="en-US" dirty="0"/>
+              <a:t>Add an event to the DOM/Window to know when something happens</a:t>
             </a:r>
           </a:p>
         </p:txBody>
       </p:sp>
-      <p:pic>
-        <p:nvPicPr>
-          <p:cNvPr id="3" name="Picture 2" descr="A screenshot of a computer&#10;&#10;Description automatically generated">
-            <a:extLst>
-              <a:ext uri="{FF2B5EF4-FFF2-40B4-BE49-F238E27FC236}">
-                <a16:creationId xmlns:a16="http://schemas.microsoft.com/office/drawing/2014/main" id="{6ECE9CF6-468C-2C37-313B-5E0DB45D6EA5}"/>
-              </a:ext>
-            </a:extLst>
-          </p:cNvPr>
-          <p:cNvPicPr>
-            <a:picLocks noChangeAspect="1"/>
-          </p:cNvPicPr>
-          <p:nvPr/>
-        </p:nvPicPr>
-        <p:blipFill rotWithShape="1">
-          <a:blip r:embed="rId2"/>
-          <a:srcRect b="33686"/>
-          <a:stretch/>
-        </p:blipFill>
-        <p:spPr>
-          <a:xfrm>
-            <a:off x="1543325" y="4204066"/>
-            <a:ext cx="3511037" cy="2085994"/>
-          </a:xfrm>
-          <a:prstGeom prst="rect">
-            <a:avLst/>
-          </a:prstGeom>
-        </p:spPr>
-      </p:pic>
-      <p:pic>
-        <p:nvPicPr>
-          <p:cNvPr id="10" name="Picture 9">
-            <a:extLst>
-              <a:ext uri="{FF2B5EF4-FFF2-40B4-BE49-F238E27FC236}">
-                <a16:creationId xmlns:a16="http://schemas.microsoft.com/office/drawing/2014/main" id="{C1AD5058-4C46-61CB-1E1C-C1C198C88DF4}"/>
-              </a:ext>
-            </a:extLst>
-          </p:cNvPr>
-          <p:cNvPicPr>
-            <a:picLocks noChangeAspect="1"/>
-          </p:cNvPicPr>
-          <p:nvPr/>
-        </p:nvPicPr>
-        <p:blipFill>
-          <a:blip r:embed="rId3"/>
-          <a:stretch>
-            <a:fillRect/>
-          </a:stretch>
-        </p:blipFill>
-        <p:spPr>
-          <a:xfrm>
-            <a:off x="6749497" y="1230010"/>
-            <a:ext cx="4602186" cy="4571298"/>
-          </a:xfrm>
-          <a:prstGeom prst="rect">
-            <a:avLst/>
-          </a:prstGeom>
-        </p:spPr>
-      </p:pic>
-      <p:cxnSp>
-        <p:nvCxnSpPr>
-          <p:cNvPr id="11" name="Straight Arrow Connector 10">
-            <a:extLst>
-              <a:ext uri="{FF2B5EF4-FFF2-40B4-BE49-F238E27FC236}">
-                <a16:creationId xmlns:a16="http://schemas.microsoft.com/office/drawing/2014/main" id="{33780302-3651-8E6F-558C-02CCFF8D8DBF}"/>
-              </a:ext>
-            </a:extLst>
-          </p:cNvPr>
-          <p:cNvCxnSpPr>
-            <a:cxnSpLocks/>
-          </p:cNvCxnSpPr>
-          <p:nvPr/>
-        </p:nvCxnSpPr>
-        <p:spPr>
-          <a:xfrm flipH="1">
-            <a:off x="8975035" y="1918252"/>
-            <a:ext cx="745435" cy="655983"/>
-          </a:xfrm>
-          <a:prstGeom prst="straightConnector1">
-            <a:avLst/>
-          </a:prstGeom>
-          <a:ln w="57150">
-            <a:solidFill>
-              <a:srgbClr val="FFC000"/>
-            </a:solidFill>
-            <a:tailEnd type="triangle"/>
-          </a:ln>
-        </p:spPr>
-        <p:style>
-          <a:lnRef idx="1">
-            <a:schemeClr val="accent1"/>
-          </a:lnRef>
-          <a:fillRef idx="0">
-            <a:schemeClr val="accent1"/>
-          </a:fillRef>
-          <a:effectRef idx="0">
-            <a:schemeClr val="accent1"/>
-          </a:effectRef>
-          <a:fontRef idx="minor">
-            <a:schemeClr val="tx1"/>
-          </a:fontRef>
-        </p:style>
-      </p:cxnSp>
     </p:spTree>
     <p:extLst>
       <p:ext uri="{BB962C8B-B14F-4D97-AF65-F5344CB8AC3E}">
-        <p14:creationId xmlns:p14="http://schemas.microsoft.com/office/powerpoint/2010/main" val="3950637298"/>
+        <p14:creationId xmlns:p14="http://schemas.microsoft.com/office/powerpoint/2010/main" val="830652334"/>
       </p:ext>
     </p:extLst>
   </p:cSld>
@@ -10745,96 +10371,493 @@
       </p:grpSpPr>
       <p:sp>
         <p:nvSpPr>
-          <p:cNvPr id="2" name="Title 1">
-            <a:extLst>
-              <a:ext uri="{FF2B5EF4-FFF2-40B4-BE49-F238E27FC236}">
-                <a16:creationId xmlns:a16="http://schemas.microsoft.com/office/drawing/2014/main" id="{9FEC7C83-320B-DA8D-65C1-2EFEFC4AB9BE}"/>
-              </a:ext>
-            </a:extLst>
-          </p:cNvPr>
-          <p:cNvSpPr>
-            <a:spLocks noGrp="1"/>
-          </p:cNvSpPr>
-          <p:nvPr>
-            <p:ph type="title"/>
-          </p:nvPr>
+          <p:cNvPr id="4" name="TextBox 3">
+            <a:extLst>
+              <a:ext uri="{FF2B5EF4-FFF2-40B4-BE49-F238E27FC236}">
+                <a16:creationId xmlns:a16="http://schemas.microsoft.com/office/drawing/2014/main" id="{54EDACA5-D251-E3A3-5247-FD902FA23A67}"/>
+              </a:ext>
+            </a:extLst>
+          </p:cNvPr>
+          <p:cNvSpPr txBox="1"/>
+          <p:nvPr/>
         </p:nvSpPr>
-        <p:spPr/>
+        <p:spPr>
+          <a:xfrm>
+            <a:off x="997227" y="950414"/>
+            <a:ext cx="4787348" cy="1600438"/>
+          </a:xfrm>
+          <a:prstGeom prst="rect">
+            <a:avLst/>
+          </a:prstGeom>
+          <a:noFill/>
+          <a:ln>
+            <a:solidFill>
+              <a:schemeClr val="tx1"/>
+            </a:solidFill>
+          </a:ln>
+        </p:spPr>
         <p:txBody>
-          <a:bodyPr/>
+          <a:bodyPr wrap="square">
+            <a:spAutoFit/>
+          </a:bodyPr>
           <a:lstStyle/>
           <a:p>
             <a:r>
-              <a:rPr lang="en-US" dirty="0"/>
-              <a:t>Content Load Complete Event</a:t>
+              <a:rPr lang="en-US" sz="1400" b="1" dirty="0">
+                <a:latin typeface="Courier New" panose="02070309020205020404" pitchFamily="49" charset="0"/>
+                <a:cs typeface="Courier New" panose="02070309020205020404" pitchFamily="49" charset="0"/>
+              </a:rPr>
+              <a:t>&lt;h1&gt;A header&lt;/h1&gt;</a:t>
+            </a:r>
+          </a:p>
+          <a:p>
+            <a:r>
+              <a:rPr lang="en-US" sz="1400" b="1" dirty="0">
+                <a:latin typeface="Courier New" panose="02070309020205020404" pitchFamily="49" charset="0"/>
+                <a:cs typeface="Courier New" panose="02070309020205020404" pitchFamily="49" charset="0"/>
+              </a:rPr>
+              <a:t>&lt;p&gt;&lt;a </a:t>
+            </a:r>
+            <a:r>
+              <a:rPr lang="en-US" sz="1400" b="1" dirty="0">
+                <a:solidFill>
+                  <a:srgbClr val="FFC000"/>
+                </a:solidFill>
+                <a:latin typeface="Courier New" panose="02070309020205020404" pitchFamily="49" charset="0"/>
+                <a:cs typeface="Courier New" panose="02070309020205020404" pitchFamily="49" charset="0"/>
+              </a:rPr>
+              <a:t>onclick="</a:t>
+            </a:r>
+            <a:r>
+              <a:rPr lang="en-US" sz="1400" b="1" dirty="0" err="1">
+                <a:solidFill>
+                  <a:srgbClr val="FFC000"/>
+                </a:solidFill>
+                <a:latin typeface="Courier New" panose="02070309020205020404" pitchFamily="49" charset="0"/>
+                <a:cs typeface="Courier New" panose="02070309020205020404" pitchFamily="49" charset="0"/>
+              </a:rPr>
+              <a:t>myFunc</a:t>
+            </a:r>
+            <a:r>
+              <a:rPr lang="en-US" sz="1400" b="1" dirty="0">
+                <a:solidFill>
+                  <a:srgbClr val="FFC000"/>
+                </a:solidFill>
+                <a:latin typeface="Courier New" panose="02070309020205020404" pitchFamily="49" charset="0"/>
+                <a:cs typeface="Courier New" panose="02070309020205020404" pitchFamily="49" charset="0"/>
+              </a:rPr>
+              <a:t>();"</a:t>
+            </a:r>
+            <a:r>
+              <a:rPr lang="en-US" sz="1400" b="1" dirty="0">
+                <a:latin typeface="Courier New" panose="02070309020205020404" pitchFamily="49" charset="0"/>
+                <a:cs typeface="Courier New" panose="02070309020205020404" pitchFamily="49" charset="0"/>
+              </a:rPr>
+              <a:t>&gt;Click Me&lt;/a&gt;&lt;/p&gt;</a:t>
+            </a:r>
+          </a:p>
+          <a:p>
+            <a:r>
+              <a:rPr lang="en-US" sz="1400" b="1" dirty="0">
+                <a:latin typeface="Courier New" panose="02070309020205020404" pitchFamily="49" charset="0"/>
+                <a:cs typeface="Courier New" panose="02070309020205020404" pitchFamily="49" charset="0"/>
+              </a:rPr>
+              <a:t>&lt;script&gt;</a:t>
+            </a:r>
+          </a:p>
+          <a:p>
+            <a:r>
+              <a:rPr lang="en-US" sz="1400" b="1" dirty="0">
+                <a:latin typeface="Courier New" panose="02070309020205020404" pitchFamily="49" charset="0"/>
+                <a:cs typeface="Courier New" panose="02070309020205020404" pitchFamily="49" charset="0"/>
+              </a:rPr>
+              <a:t>    function </a:t>
+            </a:r>
+            <a:r>
+              <a:rPr lang="en-US" sz="1400" b="1" dirty="0" err="1">
+                <a:latin typeface="Courier New" panose="02070309020205020404" pitchFamily="49" charset="0"/>
+                <a:cs typeface="Courier New" panose="02070309020205020404" pitchFamily="49" charset="0"/>
+              </a:rPr>
+              <a:t>myFunc</a:t>
+            </a:r>
+            <a:r>
+              <a:rPr lang="en-US" sz="1400" b="1" dirty="0">
+                <a:latin typeface="Courier New" panose="02070309020205020404" pitchFamily="49" charset="0"/>
+                <a:cs typeface="Courier New" panose="02070309020205020404" pitchFamily="49" charset="0"/>
+              </a:rPr>
+              <a:t>() {</a:t>
+            </a:r>
+          </a:p>
+          <a:p>
+            <a:r>
+              <a:rPr lang="en-US" sz="1400" b="1" dirty="0">
+                <a:latin typeface="Courier New" panose="02070309020205020404" pitchFamily="49" charset="0"/>
+                <a:cs typeface="Courier New" panose="02070309020205020404" pitchFamily="49" charset="0"/>
+              </a:rPr>
+              <a:t>        </a:t>
+            </a:r>
+            <a:r>
+              <a:rPr lang="en-US" sz="1400" b="1" dirty="0" err="1">
+                <a:latin typeface="Courier New" panose="02070309020205020404" pitchFamily="49" charset="0"/>
+                <a:cs typeface="Courier New" panose="02070309020205020404" pitchFamily="49" charset="0"/>
+              </a:rPr>
+              <a:t>console.log</a:t>
+            </a:r>
+            <a:r>
+              <a:rPr lang="en-US" sz="1400" b="1" dirty="0">
+                <a:latin typeface="Courier New" panose="02070309020205020404" pitchFamily="49" charset="0"/>
+                <a:cs typeface="Courier New" panose="02070309020205020404" pitchFamily="49" charset="0"/>
+              </a:rPr>
+              <a:t>("I was clicked");</a:t>
+            </a:r>
+          </a:p>
+          <a:p>
+            <a:r>
+              <a:rPr lang="en-US" sz="1400" b="1" dirty="0">
+                <a:latin typeface="Courier New" panose="02070309020205020404" pitchFamily="49" charset="0"/>
+                <a:cs typeface="Courier New" panose="02070309020205020404" pitchFamily="49" charset="0"/>
+              </a:rPr>
+              <a:t>    }</a:t>
+            </a:r>
+          </a:p>
+          <a:p>
+            <a:r>
+              <a:rPr lang="en-US" sz="1400" b="1" dirty="0">
+                <a:latin typeface="Courier New" panose="02070309020205020404" pitchFamily="49" charset="0"/>
+                <a:cs typeface="Courier New" panose="02070309020205020404" pitchFamily="49" charset="0"/>
+              </a:rPr>
+              <a:t>&lt;/script&gt;</a:t>
             </a:r>
           </a:p>
         </p:txBody>
       </p:sp>
       <p:sp>
         <p:nvSpPr>
-          <p:cNvPr id="3" name="Content Placeholder 2">
-            <a:extLst>
-              <a:ext uri="{FF2B5EF4-FFF2-40B4-BE49-F238E27FC236}">
-                <a16:creationId xmlns:a16="http://schemas.microsoft.com/office/drawing/2014/main" id="{66A58496-AB20-643E-4082-26743A81D399}"/>
-              </a:ext>
-            </a:extLst>
-          </p:cNvPr>
-          <p:cNvSpPr>
-            <a:spLocks noGrp="1"/>
-          </p:cNvSpPr>
-          <p:nvPr>
-            <p:ph idx="1"/>
-          </p:nvPr>
+          <p:cNvPr id="5" name="TextBox 4">
+            <a:extLst>
+              <a:ext uri="{FF2B5EF4-FFF2-40B4-BE49-F238E27FC236}">
+                <a16:creationId xmlns:a16="http://schemas.microsoft.com/office/drawing/2014/main" id="{B62C2627-0497-33D9-8673-AF16965120ED}"/>
+              </a:ext>
+            </a:extLst>
+          </p:cNvPr>
+          <p:cNvSpPr txBox="1"/>
+          <p:nvPr/>
         </p:nvSpPr>
-        <p:spPr/>
+        <p:spPr>
+          <a:xfrm>
+            <a:off x="1080054" y="3904605"/>
+            <a:ext cx="4787348" cy="2031325"/>
+          </a:xfrm>
+          <a:prstGeom prst="rect">
+            <a:avLst/>
+          </a:prstGeom>
+          <a:noFill/>
+          <a:ln>
+            <a:solidFill>
+              <a:schemeClr val="tx1"/>
+            </a:solidFill>
+          </a:ln>
+        </p:spPr>
         <p:txBody>
-          <a:bodyPr/>
+          <a:bodyPr wrap="square">
+            <a:spAutoFit/>
+          </a:bodyPr>
           <a:lstStyle/>
           <a:p>
             <a:r>
-              <a:rPr lang="en-US" dirty="0"/>
-              <a:t>Modern web pages are complex</a:t>
-            </a:r>
-          </a:p>
-          <a:p>
-            <a:pPr lvl="1"/>
-            <a:r>
-              <a:rPr lang="en-US" dirty="0"/>
-              <a:t>HTML</a:t>
-            </a:r>
-          </a:p>
-          <a:p>
-            <a:pPr lvl="1"/>
-            <a:r>
-              <a:rPr lang="en-US" dirty="0"/>
-              <a:t>CSS</a:t>
-            </a:r>
-          </a:p>
-          <a:p>
-            <a:pPr lvl="1"/>
-            <a:r>
-              <a:rPr lang="en-US" dirty="0"/>
-              <a:t>Images</a:t>
-            </a:r>
-          </a:p>
-          <a:p>
-            <a:pPr lvl="1"/>
-            <a:r>
-              <a:rPr lang="en-US" dirty="0"/>
-              <a:t>JavaScript libraries</a:t>
-            </a:r>
-          </a:p>
-          <a:p>
-            <a:r>
-              <a:rPr lang="en-US" dirty="0"/>
-              <a:t>To display a page, sometimes &gt; 100 assets are downloaded</a:t>
-            </a:r>
-          </a:p>
-          <a:p>
-            <a:r>
-              <a:rPr lang="en-US" dirty="0"/>
-              <a:t>There is a special DOM event that triggers when the browser is done</a:t>
+              <a:rPr lang="en-US" sz="1400" b="1" dirty="0">
+                <a:latin typeface="Courier New" panose="02070309020205020404" pitchFamily="49" charset="0"/>
+                <a:cs typeface="Courier New" panose="02070309020205020404" pitchFamily="49" charset="0"/>
+              </a:rPr>
+              <a:t>&lt;h1&gt;A header&lt;/h1&gt;</a:t>
+            </a:r>
+          </a:p>
+          <a:p>
+            <a:r>
+              <a:rPr lang="en-US" sz="1400" b="1" dirty="0">
+                <a:latin typeface="Courier New" panose="02070309020205020404" pitchFamily="49" charset="0"/>
+                <a:cs typeface="Courier New" panose="02070309020205020404" pitchFamily="49" charset="0"/>
+              </a:rPr>
+              <a:t>&lt;p&gt;&lt;a </a:t>
+            </a:r>
+            <a:r>
+              <a:rPr lang="en-US" sz="1400" b="1" dirty="0">
+                <a:solidFill>
+                  <a:srgbClr val="FFC000"/>
+                </a:solidFill>
+                <a:latin typeface="Courier New" panose="02070309020205020404" pitchFamily="49" charset="0"/>
+                <a:cs typeface="Courier New" panose="02070309020205020404" pitchFamily="49" charset="0"/>
+              </a:rPr>
+              <a:t>id="zap"</a:t>
+            </a:r>
+            <a:r>
+              <a:rPr lang="en-US" sz="1400" b="1" dirty="0">
+                <a:latin typeface="Courier New" panose="02070309020205020404" pitchFamily="49" charset="0"/>
+                <a:cs typeface="Courier New" panose="02070309020205020404" pitchFamily="49" charset="0"/>
+              </a:rPr>
+              <a:t>&gt;Click Me&lt;/a&gt;&lt;/p&gt;</a:t>
+            </a:r>
+          </a:p>
+          <a:p>
+            <a:r>
+              <a:rPr lang="en-US" sz="1400" b="1" dirty="0">
+                <a:latin typeface="Courier New" panose="02070309020205020404" pitchFamily="49" charset="0"/>
+                <a:cs typeface="Courier New" panose="02070309020205020404" pitchFamily="49" charset="0"/>
+              </a:rPr>
+              <a:t>&lt;script&gt;</a:t>
+            </a:r>
+          </a:p>
+          <a:p>
+            <a:r>
+              <a:rPr lang="en-US" sz="1400" b="1" dirty="0">
+                <a:latin typeface="Courier New" panose="02070309020205020404" pitchFamily="49" charset="0"/>
+                <a:cs typeface="Courier New" panose="02070309020205020404" pitchFamily="49" charset="0"/>
+              </a:rPr>
+              <a:t>    function </a:t>
+            </a:r>
+            <a:r>
+              <a:rPr lang="en-US" sz="1400" b="1" dirty="0" err="1">
+                <a:latin typeface="Courier New" panose="02070309020205020404" pitchFamily="49" charset="0"/>
+                <a:cs typeface="Courier New" panose="02070309020205020404" pitchFamily="49" charset="0"/>
+              </a:rPr>
+              <a:t>myFunc</a:t>
+            </a:r>
+            <a:r>
+              <a:rPr lang="en-US" sz="1400" b="1" dirty="0">
+                <a:latin typeface="Courier New" panose="02070309020205020404" pitchFamily="49" charset="0"/>
+                <a:cs typeface="Courier New" panose="02070309020205020404" pitchFamily="49" charset="0"/>
+              </a:rPr>
+              <a:t>() {</a:t>
+            </a:r>
+          </a:p>
+          <a:p>
+            <a:r>
+              <a:rPr lang="en-US" sz="1400" b="1" dirty="0">
+                <a:latin typeface="Courier New" panose="02070309020205020404" pitchFamily="49" charset="0"/>
+                <a:cs typeface="Courier New" panose="02070309020205020404" pitchFamily="49" charset="0"/>
+              </a:rPr>
+              <a:t>        </a:t>
+            </a:r>
+            <a:r>
+              <a:rPr lang="en-US" sz="1400" b="1" dirty="0" err="1">
+                <a:latin typeface="Courier New" panose="02070309020205020404" pitchFamily="49" charset="0"/>
+                <a:cs typeface="Courier New" panose="02070309020205020404" pitchFamily="49" charset="0"/>
+              </a:rPr>
+              <a:t>console.log</a:t>
+            </a:r>
+            <a:r>
+              <a:rPr lang="en-US" sz="1400" b="1" dirty="0">
+                <a:latin typeface="Courier New" panose="02070309020205020404" pitchFamily="49" charset="0"/>
+                <a:cs typeface="Courier New" panose="02070309020205020404" pitchFamily="49" charset="0"/>
+              </a:rPr>
+              <a:t>("I was clicked");</a:t>
+            </a:r>
+          </a:p>
+          <a:p>
+            <a:r>
+              <a:rPr lang="en-US" sz="1400" b="1" dirty="0">
+                <a:latin typeface="Courier New" panose="02070309020205020404" pitchFamily="49" charset="0"/>
+                <a:cs typeface="Courier New" panose="02070309020205020404" pitchFamily="49" charset="0"/>
+              </a:rPr>
+              <a:t>    }</a:t>
+            </a:r>
+          </a:p>
+          <a:p>
+            <a:r>
+              <a:rPr lang="en-US" sz="1400" b="1" dirty="0">
+                <a:latin typeface="Courier New" panose="02070309020205020404" pitchFamily="49" charset="0"/>
+                <a:cs typeface="Courier New" panose="02070309020205020404" pitchFamily="49" charset="0"/>
+              </a:rPr>
+              <a:t>    </a:t>
+            </a:r>
+            <a:r>
+              <a:rPr lang="en-US" sz="1400" b="1" dirty="0" err="1">
+                <a:solidFill>
+                  <a:srgbClr val="FFC000"/>
+                </a:solidFill>
+                <a:latin typeface="Courier New" panose="02070309020205020404" pitchFamily="49" charset="0"/>
+                <a:cs typeface="Courier New" panose="02070309020205020404" pitchFamily="49" charset="0"/>
+              </a:rPr>
+              <a:t>document.getElementById</a:t>
+            </a:r>
+            <a:r>
+              <a:rPr lang="en-US" sz="1400" b="1" dirty="0">
+                <a:solidFill>
+                  <a:srgbClr val="FFC000"/>
+                </a:solidFill>
+                <a:latin typeface="Courier New" panose="02070309020205020404" pitchFamily="49" charset="0"/>
+                <a:cs typeface="Courier New" panose="02070309020205020404" pitchFamily="49" charset="0"/>
+              </a:rPr>
+              <a:t>('zap')</a:t>
+            </a:r>
+          </a:p>
+          <a:p>
+            <a:r>
+              <a:rPr lang="en-US" sz="1400" b="1" dirty="0">
+                <a:solidFill>
+                  <a:srgbClr val="FFC000"/>
+                </a:solidFill>
+                <a:latin typeface="Courier New" panose="02070309020205020404" pitchFamily="49" charset="0"/>
+                <a:cs typeface="Courier New" panose="02070309020205020404" pitchFamily="49" charset="0"/>
+              </a:rPr>
+              <a:t>        .</a:t>
+            </a:r>
+            <a:r>
+              <a:rPr lang="en-US" sz="1400" b="1" dirty="0" err="1">
+                <a:solidFill>
+                  <a:srgbClr val="FFC000"/>
+                </a:solidFill>
+                <a:latin typeface="Courier New" panose="02070309020205020404" pitchFamily="49" charset="0"/>
+                <a:cs typeface="Courier New" panose="02070309020205020404" pitchFamily="49" charset="0"/>
+              </a:rPr>
+              <a:t>addEventListener</a:t>
+            </a:r>
+            <a:r>
+              <a:rPr lang="en-US" sz="1400" b="1" dirty="0">
+                <a:solidFill>
+                  <a:srgbClr val="FFC000"/>
+                </a:solidFill>
+                <a:latin typeface="Courier New" panose="02070309020205020404" pitchFamily="49" charset="0"/>
+                <a:cs typeface="Courier New" panose="02070309020205020404" pitchFamily="49" charset="0"/>
+              </a:rPr>
+              <a:t>('click', </a:t>
+            </a:r>
+            <a:r>
+              <a:rPr lang="en-US" sz="1400" b="1" dirty="0" err="1">
+                <a:solidFill>
+                  <a:srgbClr val="FFC000"/>
+                </a:solidFill>
+                <a:latin typeface="Courier New" panose="02070309020205020404" pitchFamily="49" charset="0"/>
+                <a:cs typeface="Courier New" panose="02070309020205020404" pitchFamily="49" charset="0"/>
+              </a:rPr>
+              <a:t>myFunc</a:t>
+            </a:r>
+            <a:r>
+              <a:rPr lang="en-US" sz="1400" b="1" dirty="0">
+                <a:solidFill>
+                  <a:srgbClr val="FFC000"/>
+                </a:solidFill>
+                <a:latin typeface="Courier New" panose="02070309020205020404" pitchFamily="49" charset="0"/>
+                <a:cs typeface="Courier New" panose="02070309020205020404" pitchFamily="49" charset="0"/>
+              </a:rPr>
+              <a:t>);</a:t>
+            </a:r>
+          </a:p>
+          <a:p>
+            <a:r>
+              <a:rPr lang="en-US" sz="1400" b="1" dirty="0">
+                <a:latin typeface="Courier New" panose="02070309020205020404" pitchFamily="49" charset="0"/>
+                <a:cs typeface="Courier New" panose="02070309020205020404" pitchFamily="49" charset="0"/>
+              </a:rPr>
+              <a:t>&lt;/script&gt;</a:t>
+            </a:r>
+          </a:p>
+        </p:txBody>
+      </p:sp>
+      <p:pic>
+        <p:nvPicPr>
+          <p:cNvPr id="7" name="Picture 6" descr="A screenshot of a computer&#10;&#10;Description automatically generated">
+            <a:extLst>
+              <a:ext uri="{FF2B5EF4-FFF2-40B4-BE49-F238E27FC236}">
+                <a16:creationId xmlns:a16="http://schemas.microsoft.com/office/drawing/2014/main" id="{D825C284-8149-AB9C-BD82-3D47ED889571}"/>
+              </a:ext>
+            </a:extLst>
+          </p:cNvPr>
+          <p:cNvPicPr>
+            <a:picLocks noChangeAspect="1"/>
+          </p:cNvPicPr>
+          <p:nvPr/>
+        </p:nvPicPr>
+        <p:blipFill>
+          <a:blip r:embed="rId2"/>
+          <a:stretch>
+            <a:fillRect/>
+          </a:stretch>
+        </p:blipFill>
+        <p:spPr>
+          <a:xfrm>
+            <a:off x="6841436" y="401411"/>
+            <a:ext cx="4697896" cy="5830424"/>
+          </a:xfrm>
+          <a:prstGeom prst="rect">
+            <a:avLst/>
+          </a:prstGeom>
+        </p:spPr>
+      </p:pic>
+      <p:sp>
+        <p:nvSpPr>
+          <p:cNvPr id="8" name="TextBox 7">
+            <a:extLst>
+              <a:ext uri="{FF2B5EF4-FFF2-40B4-BE49-F238E27FC236}">
+                <a16:creationId xmlns:a16="http://schemas.microsoft.com/office/drawing/2014/main" id="{06FA1B46-2807-C1CE-939F-48C23891E3EF}"/>
+              </a:ext>
+            </a:extLst>
+          </p:cNvPr>
+          <p:cNvSpPr txBox="1"/>
+          <p:nvPr/>
+        </p:nvSpPr>
+        <p:spPr>
+          <a:xfrm>
+            <a:off x="217557" y="3244334"/>
+            <a:ext cx="5369155" cy="369332"/>
+          </a:xfrm>
+          <a:prstGeom prst="rect">
+            <a:avLst/>
+          </a:prstGeom>
+          <a:noFill/>
+        </p:spPr>
+        <p:txBody>
+          <a:bodyPr wrap="square">
+            <a:spAutoFit/>
+          </a:bodyPr>
+          <a:lstStyle/>
+          <a:p>
+            <a:r>
+              <a:rPr lang="en-US" dirty="0">
+                <a:solidFill>
+                  <a:srgbClr val="FFFF00"/>
+                </a:solidFill>
+              </a:rPr>
+              <a:t>https://www.dj4e.com/code/browser/10-event.htm</a:t>
+            </a:r>
+          </a:p>
+        </p:txBody>
+      </p:sp>
+      <p:sp>
+        <p:nvSpPr>
+          <p:cNvPr id="9" name="TextBox 8">
+            <a:extLst>
+              <a:ext uri="{FF2B5EF4-FFF2-40B4-BE49-F238E27FC236}">
+                <a16:creationId xmlns:a16="http://schemas.microsoft.com/office/drawing/2014/main" id="{F8E64F9D-D085-FA22-C306-C87FC7CC1E3A}"/>
+              </a:ext>
+            </a:extLst>
+          </p:cNvPr>
+          <p:cNvSpPr txBox="1"/>
+          <p:nvPr/>
+        </p:nvSpPr>
+        <p:spPr>
+          <a:xfrm>
+            <a:off x="217556" y="401411"/>
+            <a:ext cx="5369155" cy="369332"/>
+          </a:xfrm>
+          <a:prstGeom prst="rect">
+            <a:avLst/>
+          </a:prstGeom>
+          <a:noFill/>
+        </p:spPr>
+        <p:txBody>
+          <a:bodyPr wrap="square">
+            <a:spAutoFit/>
+          </a:bodyPr>
+          <a:lstStyle/>
+          <a:p>
+            <a:r>
+              <a:rPr lang="en-US" dirty="0">
+                <a:solidFill>
+                  <a:srgbClr val="FFFF00"/>
+                </a:solidFill>
+              </a:rPr>
+              <a:t>https://www.dj4e.com/code/browser/03-event.htm</a:t>
             </a:r>
           </a:p>
         </p:txBody>
@@ -10842,7 +10865,7 @@
     </p:spTree>
     <p:extLst>
       <p:ext uri="{BB962C8B-B14F-4D97-AF65-F5344CB8AC3E}">
-        <p14:creationId xmlns:p14="http://schemas.microsoft.com/office/powerpoint/2010/main" val="3611293615"/>
+        <p14:creationId xmlns:p14="http://schemas.microsoft.com/office/powerpoint/2010/main" val="4206870425"/>
       </p:ext>
     </p:extLst>
   </p:cSld>
@@ -10920,7 +10943,7 @@
           <a:p>
             <a:r>
               <a:rPr lang="en-US" dirty="0"/>
-              <a:t>As the document is being parsed </a:t>
+              <a:t>Inline as the document is being parsed </a:t>
             </a:r>
           </a:p>
           <a:p>
@@ -10997,7 +11020,7 @@
         <p:spPr>
           <a:xfrm>
             <a:off x="344253" y="1230010"/>
-            <a:ext cx="9743964" cy="2031325"/>
+            <a:ext cx="5909180" cy="2308324"/>
           </a:xfrm>
           <a:prstGeom prst="rect">
             <a:avLst/>
@@ -11016,7 +11039,7 @@
           <a:lstStyle/>
           <a:p>
             <a:r>
-              <a:rPr lang="en-US" b="1" dirty="0">
+              <a:rPr lang="en-US" sz="1600" b="1" dirty="0">
                 <a:latin typeface="Courier New" panose="02070309020205020404" pitchFamily="49" charset="0"/>
                 <a:cs typeface="Courier New" panose="02070309020205020404" pitchFamily="49" charset="0"/>
               </a:rPr>
@@ -11025,7 +11048,7 @@
           </a:p>
           <a:p>
             <a:r>
-              <a:rPr lang="en-US" b="1" dirty="0">
+              <a:rPr lang="en-US" sz="1600" b="1" dirty="0">
                 <a:latin typeface="Courier New" panose="02070309020205020404" pitchFamily="49" charset="0"/>
                 <a:cs typeface="Courier New" panose="02070309020205020404" pitchFamily="49" charset="0"/>
               </a:rPr>
@@ -11034,21 +11057,21 @@
           </a:p>
           <a:p>
             <a:r>
-              <a:rPr lang="en-US" b="1" dirty="0">
+              <a:rPr lang="en-US" sz="1600" b="1" dirty="0">
                 <a:latin typeface="Courier New" panose="02070309020205020404" pitchFamily="49" charset="0"/>
                 <a:cs typeface="Courier New" panose="02070309020205020404" pitchFamily="49" charset="0"/>
               </a:rPr>
               <a:t>    function </a:t>
             </a:r>
             <a:r>
-              <a:rPr lang="en-US" b="1" dirty="0" err="1">
+              <a:rPr lang="en-US" sz="1600" b="1" dirty="0" err="1">
                 <a:latin typeface="Courier New" panose="02070309020205020404" pitchFamily="49" charset="0"/>
                 <a:cs typeface="Courier New" panose="02070309020205020404" pitchFamily="49" charset="0"/>
               </a:rPr>
               <a:t>myFunc</a:t>
             </a:r>
             <a:r>
-              <a:rPr lang="en-US" b="1" dirty="0">
+              <a:rPr lang="en-US" sz="1600" b="1" dirty="0">
                 <a:latin typeface="Courier New" panose="02070309020205020404" pitchFamily="49" charset="0"/>
                 <a:cs typeface="Courier New" panose="02070309020205020404" pitchFamily="49" charset="0"/>
               </a:rPr>
@@ -11057,30 +11080,76 @@
           </a:p>
           <a:p>
             <a:r>
-              <a:rPr lang="en-US" b="1" dirty="0">
+              <a:rPr lang="en-US" sz="1600" b="1" dirty="0">
                 <a:latin typeface="Courier New" panose="02070309020205020404" pitchFamily="49" charset="0"/>
                 <a:cs typeface="Courier New" panose="02070309020205020404" pitchFamily="49" charset="0"/>
               </a:rPr>
               <a:t>        </a:t>
             </a:r>
             <a:r>
-              <a:rPr lang="en-US" b="1" dirty="0" err="1">
+              <a:rPr lang="en-US" sz="1600" b="1" dirty="0" err="1">
                 <a:latin typeface="Courier New" panose="02070309020205020404" pitchFamily="49" charset="0"/>
                 <a:cs typeface="Courier New" panose="02070309020205020404" pitchFamily="49" charset="0"/>
               </a:rPr>
               <a:t>console.log</a:t>
             </a:r>
             <a:r>
-              <a:rPr lang="en-US" b="1" dirty="0">
-                <a:latin typeface="Courier New" panose="02070309020205020404" pitchFamily="49" charset="0"/>
-                <a:cs typeface="Courier New" panose="02070309020205020404" pitchFamily="49" charset="0"/>
-              </a:rPr>
-              <a:t>("The DOM has landed!");</a:t>
-            </a:r>
-          </a:p>
-          <a:p>
-            <a:r>
-              <a:rPr lang="en-US" b="1" dirty="0">
+              <a:rPr lang="en-US" sz="1600" b="1" dirty="0">
+                <a:latin typeface="Courier New" panose="02070309020205020404" pitchFamily="49" charset="0"/>
+                <a:cs typeface="Courier New" panose="02070309020205020404" pitchFamily="49" charset="0"/>
+              </a:rPr>
+              <a:t>("Window size", </a:t>
+            </a:r>
+          </a:p>
+          <a:p>
+            <a:r>
+              <a:rPr lang="en-US" sz="1600" b="1" dirty="0">
+                <a:latin typeface="Courier New" panose="02070309020205020404" pitchFamily="49" charset="0"/>
+                <a:cs typeface="Courier New" panose="02070309020205020404" pitchFamily="49" charset="0"/>
+              </a:rPr>
+              <a:t>            </a:t>
+            </a:r>
+            <a:r>
+              <a:rPr lang="en-US" sz="1600" b="1" dirty="0" err="1">
+                <a:latin typeface="Courier New" panose="02070309020205020404" pitchFamily="49" charset="0"/>
+                <a:cs typeface="Courier New" panose="02070309020205020404" pitchFamily="49" charset="0"/>
+              </a:rPr>
+              <a:t>window.innerHeight</a:t>
+            </a:r>
+            <a:r>
+              <a:rPr lang="en-US" sz="1600" b="1" dirty="0">
+                <a:latin typeface="Courier New" panose="02070309020205020404" pitchFamily="49" charset="0"/>
+                <a:cs typeface="Courier New" panose="02070309020205020404" pitchFamily="49" charset="0"/>
+              </a:rPr>
+              <a:t>,</a:t>
+            </a:r>
+          </a:p>
+          <a:p>
+            <a:r>
+              <a:rPr lang="en-US" sz="1600" b="1" dirty="0">
+                <a:latin typeface="Courier New" panose="02070309020205020404" pitchFamily="49" charset="0"/>
+                <a:cs typeface="Courier New" panose="02070309020205020404" pitchFamily="49" charset="0"/>
+              </a:rPr>
+              <a:t>            </a:t>
+            </a:r>
+            <a:r>
+              <a:rPr lang="en-US" sz="1600" b="1" dirty="0" err="1">
+                <a:latin typeface="Courier New" panose="02070309020205020404" pitchFamily="49" charset="0"/>
+                <a:cs typeface="Courier New" panose="02070309020205020404" pitchFamily="49" charset="0"/>
+              </a:rPr>
+              <a:t>window.innerWidth</a:t>
+            </a:r>
+            <a:r>
+              <a:rPr lang="en-US" sz="1600" b="1" dirty="0">
+                <a:latin typeface="Courier New" panose="02070309020205020404" pitchFamily="49" charset="0"/>
+                <a:cs typeface="Courier New" panose="02070309020205020404" pitchFamily="49" charset="0"/>
+              </a:rPr>
+              <a:t>);</a:t>
+            </a:r>
+          </a:p>
+          <a:p>
+            <a:r>
+              <a:rPr lang="en-US" sz="1600" b="1" dirty="0">
                 <a:latin typeface="Courier New" panose="02070309020205020404" pitchFamily="49" charset="0"/>
                 <a:cs typeface="Courier New" panose="02070309020205020404" pitchFamily="49" charset="0"/>
               </a:rPr>
@@ -11089,7 +11158,7 @@
           </a:p>
           <a:p>
             <a:r>
-              <a:rPr lang="en-US" b="1" dirty="0">
+              <a:rPr lang="en-US" sz="1600" b="1" dirty="0">
                 <a:solidFill>
                   <a:srgbClr val="FFC000"/>
                 </a:solidFill>
@@ -11099,69 +11168,49 @@
               <a:t>    </a:t>
             </a:r>
             <a:r>
-              <a:rPr lang="en-US" b="1" dirty="0" err="1">
+              <a:rPr lang="en-US" sz="1600" b="1" dirty="0" err="1">
                 <a:solidFill>
                   <a:srgbClr val="FFC000"/>
                 </a:solidFill>
                 <a:latin typeface="Courier New" panose="02070309020205020404" pitchFamily="49" charset="0"/>
                 <a:cs typeface="Courier New" panose="02070309020205020404" pitchFamily="49" charset="0"/>
               </a:rPr>
-              <a:t>document.addEventListener</a:t>
-            </a:r>
-            <a:r>
-              <a:rPr lang="en-US" b="1" dirty="0">
+              <a:t>window.addEventListener</a:t>
+            </a:r>
+            <a:r>
+              <a:rPr lang="en-US" sz="1600" b="1" dirty="0">
                 <a:solidFill>
                   <a:srgbClr val="FFC000"/>
                 </a:solidFill>
                 <a:latin typeface="Courier New" panose="02070309020205020404" pitchFamily="49" charset="0"/>
                 <a:cs typeface="Courier New" panose="02070309020205020404" pitchFamily="49" charset="0"/>
               </a:rPr>
-              <a:t>('</a:t>
-            </a:r>
-            <a:r>
-              <a:rPr lang="en-US" b="1" dirty="0" err="1">
+              <a:t>('resize', </a:t>
+            </a:r>
+            <a:r>
+              <a:rPr lang="en-US" sz="1600" b="1" dirty="0" err="1">
                 <a:solidFill>
                   <a:srgbClr val="FFC000"/>
                 </a:solidFill>
                 <a:latin typeface="Courier New" panose="02070309020205020404" pitchFamily="49" charset="0"/>
                 <a:cs typeface="Courier New" panose="02070309020205020404" pitchFamily="49" charset="0"/>
               </a:rPr>
-              <a:t>DOMContentLoaded</a:t>
-            </a:r>
-            <a:r>
-              <a:rPr lang="en-US" b="1" dirty="0">
+              <a:t>myFunc</a:t>
+            </a:r>
+            <a:r>
+              <a:rPr lang="en-US" sz="1600" b="1" dirty="0">
                 <a:solidFill>
                   <a:srgbClr val="FFC000"/>
                 </a:solidFill>
                 <a:latin typeface="Courier New" panose="02070309020205020404" pitchFamily="49" charset="0"/>
                 <a:cs typeface="Courier New" panose="02070309020205020404" pitchFamily="49" charset="0"/>
               </a:rPr>
-              <a:t>', </a:t>
-            </a:r>
-            <a:r>
-              <a:rPr lang="en-US" b="1" dirty="0" err="1">
-                <a:solidFill>
-                  <a:srgbClr val="FFC000"/>
-                </a:solidFill>
-                <a:latin typeface="Courier New" panose="02070309020205020404" pitchFamily="49" charset="0"/>
-                <a:cs typeface="Courier New" panose="02070309020205020404" pitchFamily="49" charset="0"/>
-              </a:rPr>
-              <a:t>myFunc</a:t>
-            </a:r>
-            <a:r>
-              <a:rPr lang="en-US" b="1" dirty="0">
-                <a:solidFill>
-                  <a:srgbClr val="FFC000"/>
-                </a:solidFill>
-                <a:latin typeface="Courier New" panose="02070309020205020404" pitchFamily="49" charset="0"/>
-                <a:cs typeface="Courier New" panose="02070309020205020404" pitchFamily="49" charset="0"/>
-              </a:rPr>
               <a:t>);</a:t>
             </a:r>
           </a:p>
           <a:p>
             <a:r>
-              <a:rPr lang="en-US" b="1" dirty="0">
+              <a:rPr lang="en-US" sz="1600" b="1" dirty="0">
                 <a:latin typeface="Courier New" panose="02070309020205020404" pitchFamily="49" charset="0"/>
                 <a:cs typeface="Courier New" panose="02070309020205020404" pitchFamily="49" charset="0"/>
               </a:rPr>
@@ -11204,11 +11253,70 @@
                   <a:srgbClr val="FFFF00"/>
                 </a:solidFill>
               </a:rPr>
-              <a:t>https://www.dj4e.com/code/browser/12-loaded.htm</a:t>
+              <a:t>https://www.dj4e.com/code/browser/11-resize.htm</a:t>
             </a:r>
           </a:p>
         </p:txBody>
       </p:sp>
+      <p:pic>
+        <p:nvPicPr>
+          <p:cNvPr id="3" name="Picture 2" descr="A screenshot of a computer&#10;&#10;Description automatically generated">
+            <a:extLst>
+              <a:ext uri="{FF2B5EF4-FFF2-40B4-BE49-F238E27FC236}">
+                <a16:creationId xmlns:a16="http://schemas.microsoft.com/office/drawing/2014/main" id="{6ECE9CF6-468C-2C37-313B-5E0DB45D6EA5}"/>
+              </a:ext>
+            </a:extLst>
+          </p:cNvPr>
+          <p:cNvPicPr>
+            <a:picLocks noChangeAspect="1"/>
+          </p:cNvPicPr>
+          <p:nvPr/>
+        </p:nvPicPr>
+        <p:blipFill rotWithShape="1">
+          <a:blip r:embed="rId2"/>
+          <a:srcRect b="33686"/>
+          <a:stretch/>
+        </p:blipFill>
+        <p:spPr>
+          <a:xfrm>
+            <a:off x="1543325" y="4204066"/>
+            <a:ext cx="3511037" cy="2085994"/>
+          </a:xfrm>
+          <a:prstGeom prst="rect">
+            <a:avLst/>
+          </a:prstGeom>
+        </p:spPr>
+      </p:pic>
+      <p:pic>
+        <p:nvPicPr>
+          <p:cNvPr id="10" name="Picture 9">
+            <a:extLst>
+              <a:ext uri="{FF2B5EF4-FFF2-40B4-BE49-F238E27FC236}">
+                <a16:creationId xmlns:a16="http://schemas.microsoft.com/office/drawing/2014/main" id="{C1AD5058-4C46-61CB-1E1C-C1C198C88DF4}"/>
+              </a:ext>
+            </a:extLst>
+          </p:cNvPr>
+          <p:cNvPicPr>
+            <a:picLocks noChangeAspect="1"/>
+          </p:cNvPicPr>
+          <p:nvPr/>
+        </p:nvPicPr>
+        <p:blipFill>
+          <a:blip r:embed="rId3"/>
+          <a:stretch>
+            <a:fillRect/>
+          </a:stretch>
+        </p:blipFill>
+        <p:spPr>
+          <a:xfrm>
+            <a:off x="6749497" y="1230010"/>
+            <a:ext cx="4602186" cy="4571298"/>
+          </a:xfrm>
+          <a:prstGeom prst="rect">
+            <a:avLst/>
+          </a:prstGeom>
+        </p:spPr>
+      </p:pic>
       <p:cxnSp>
         <p:nvCxnSpPr>
           <p:cNvPr id="11" name="Straight Arrow Connector 10">
@@ -11253,40 +11361,10 @@
           </a:fontRef>
         </p:style>
       </p:cxnSp>
-      <p:pic>
-        <p:nvPicPr>
-          <p:cNvPr id="5" name="Picture 4" descr="A screenshot of a browser window&#10;&#10;Description automatically generated">
-            <a:extLst>
-              <a:ext uri="{FF2B5EF4-FFF2-40B4-BE49-F238E27FC236}">
-                <a16:creationId xmlns:a16="http://schemas.microsoft.com/office/drawing/2014/main" id="{2D8B178A-AD28-95F5-8670-88CC1110EA86}"/>
-              </a:ext>
-            </a:extLst>
-          </p:cNvPr>
-          <p:cNvPicPr>
-            <a:picLocks noChangeAspect="1"/>
-          </p:cNvPicPr>
-          <p:nvPr/>
-        </p:nvPicPr>
-        <p:blipFill>
-          <a:blip r:embed="rId2"/>
-          <a:stretch>
-            <a:fillRect/>
-          </a:stretch>
-        </p:blipFill>
-        <p:spPr>
-          <a:xfrm>
-            <a:off x="7739270" y="3553363"/>
-            <a:ext cx="3962400" cy="2692400"/>
-          </a:xfrm>
-          <a:prstGeom prst="rect">
-            <a:avLst/>
-          </a:prstGeom>
-        </p:spPr>
-      </p:pic>
     </p:spTree>
     <p:extLst>
       <p:ext uri="{BB962C8B-B14F-4D97-AF65-F5344CB8AC3E}">
-        <p14:creationId xmlns:p14="http://schemas.microsoft.com/office/powerpoint/2010/main" val="1400557533"/>
+        <p14:creationId xmlns:p14="http://schemas.microsoft.com/office/powerpoint/2010/main" val="3950637298"/>
       </p:ext>
     </p:extLst>
   </p:cSld>
@@ -11318,7 +11396,7 @@
           <p:cNvPr id="2" name="Title 1">
             <a:extLst>
               <a:ext uri="{FF2B5EF4-FFF2-40B4-BE49-F238E27FC236}">
-                <a16:creationId xmlns:a16="http://schemas.microsoft.com/office/drawing/2014/main" id="{AE1CCC82-FE28-567C-9CE5-DB404CDB54A3}"/>
+                <a16:creationId xmlns:a16="http://schemas.microsoft.com/office/drawing/2014/main" id="{9FEC7C83-320B-DA8D-65C1-2EFEFC4AB9BE}"/>
               </a:ext>
             </a:extLst>
           </p:cNvPr>
@@ -11336,17 +11414,17 @@
           <a:p>
             <a:r>
               <a:rPr lang="en-US" dirty="0"/>
-              <a:t>Changing CSS in the DOM</a:t>
+              <a:t>Content Load Complete Event</a:t>
             </a:r>
           </a:p>
         </p:txBody>
       </p:sp>
       <p:sp>
         <p:nvSpPr>
-          <p:cNvPr id="3" name="Text Placeholder 2">
-            <a:extLst>
-              <a:ext uri="{FF2B5EF4-FFF2-40B4-BE49-F238E27FC236}">
-                <a16:creationId xmlns:a16="http://schemas.microsoft.com/office/drawing/2014/main" id="{A25ABA4A-B14F-0694-6DE1-2E8CA8439D73}"/>
+          <p:cNvPr id="3" name="Content Placeholder 2">
+            <a:extLst>
+              <a:ext uri="{FF2B5EF4-FFF2-40B4-BE49-F238E27FC236}">
+                <a16:creationId xmlns:a16="http://schemas.microsoft.com/office/drawing/2014/main" id="{66A58496-AB20-643E-4082-26743A81D399}"/>
               </a:ext>
             </a:extLst>
           </p:cNvPr>
@@ -11354,7 +11432,7 @@
             <a:spLocks noGrp="1"/>
           </p:cNvSpPr>
           <p:nvPr>
-            <p:ph type="body" idx="1"/>
+            <p:ph idx="1"/>
           </p:nvPr>
         </p:nvSpPr>
         <p:spPr/>
@@ -11362,14 +11440,57 @@
           <a:bodyPr/>
           <a:lstStyle/>
           <a:p>
-            <a:endParaRPr lang="en-US"/>
+            <a:r>
+              <a:rPr lang="en-US" dirty="0"/>
+              <a:t>Modern web pages are complex</a:t>
+            </a:r>
+          </a:p>
+          <a:p>
+            <a:pPr lvl="1"/>
+            <a:r>
+              <a:rPr lang="en-US" dirty="0"/>
+              <a:t>HTML</a:t>
+            </a:r>
+          </a:p>
+          <a:p>
+            <a:pPr lvl="1"/>
+            <a:r>
+              <a:rPr lang="en-US" dirty="0"/>
+              <a:t>CSS</a:t>
+            </a:r>
+          </a:p>
+          <a:p>
+            <a:pPr lvl="1"/>
+            <a:r>
+              <a:rPr lang="en-US" dirty="0"/>
+              <a:t>Images</a:t>
+            </a:r>
+          </a:p>
+          <a:p>
+            <a:pPr lvl="1"/>
+            <a:r>
+              <a:rPr lang="en-US" dirty="0"/>
+              <a:t>JavaScript libraries</a:t>
+            </a:r>
+          </a:p>
+          <a:p>
+            <a:r>
+              <a:rPr lang="en-US" dirty="0"/>
+              <a:t>To display a page, sometimes &gt; 100 assets are downloaded</a:t>
+            </a:r>
+          </a:p>
+          <a:p>
+            <a:r>
+              <a:rPr lang="en-US" dirty="0"/>
+              <a:t>There is a special DOM event that triggers when the browser is done</a:t>
+            </a:r>
           </a:p>
         </p:txBody>
       </p:sp>
     </p:spTree>
     <p:extLst>
       <p:ext uri="{BB962C8B-B14F-4D97-AF65-F5344CB8AC3E}">
-        <p14:creationId xmlns:p14="http://schemas.microsoft.com/office/powerpoint/2010/main" val="298440459"/>
+        <p14:creationId xmlns:p14="http://schemas.microsoft.com/office/powerpoint/2010/main" val="3611293615"/>
       </p:ext>
     </p:extLst>
   </p:cSld>
@@ -11396,360 +11517,12 @@
           <a:chExt cx="0" cy="0"/>
         </a:xfrm>
       </p:grpSpPr>
-      <p:sp>
-        <p:nvSpPr>
-          <p:cNvPr id="5" name="TextBox 4">
-            <a:extLst>
-              <a:ext uri="{FF2B5EF4-FFF2-40B4-BE49-F238E27FC236}">
-                <a16:creationId xmlns:a16="http://schemas.microsoft.com/office/drawing/2014/main" id="{4AA037FF-087C-9134-C2E3-C37F3C1926AB}"/>
-              </a:ext>
-            </a:extLst>
-          </p:cNvPr>
-          <p:cNvSpPr txBox="1"/>
-          <p:nvPr/>
-        </p:nvSpPr>
-        <p:spPr>
-          <a:xfrm>
-            <a:off x="598418" y="391591"/>
-            <a:ext cx="10995164" cy="4247317"/>
-          </a:xfrm>
-          <a:prstGeom prst="rect">
-            <a:avLst/>
-          </a:prstGeom>
-          <a:noFill/>
-        </p:spPr>
-        <p:txBody>
-          <a:bodyPr wrap="square">
-            <a:spAutoFit/>
-          </a:bodyPr>
-          <a:lstStyle/>
-          <a:p>
-            <a:r>
-              <a:rPr lang="en-US" b="1" dirty="0">
-                <a:solidFill>
-                  <a:srgbClr val="FFC000"/>
-                </a:solidFill>
-                <a:latin typeface="Courier New" panose="02070309020205020404" pitchFamily="49" charset="0"/>
-                <a:cs typeface="Courier New" panose="02070309020205020404" pitchFamily="49" charset="0"/>
-              </a:rPr>
-              <a:t>&lt;h1 id="fun"&gt;A header&lt;/h1&gt;</a:t>
-            </a:r>
-          </a:p>
-          <a:p>
-            <a:r>
-              <a:rPr lang="en-US" b="1" dirty="0">
-                <a:latin typeface="Courier New" panose="02070309020205020404" pitchFamily="49" charset="0"/>
-                <a:cs typeface="Courier New" panose="02070309020205020404" pitchFamily="49" charset="0"/>
-              </a:rPr>
-              <a:t>&lt;p&gt;</a:t>
-            </a:r>
-          </a:p>
-          <a:p>
-            <a:r>
-              <a:rPr lang="en-US" b="1" dirty="0">
-                <a:latin typeface="Courier New" panose="02070309020205020404" pitchFamily="49" charset="0"/>
-                <a:cs typeface="Courier New" panose="02070309020205020404" pitchFamily="49" charset="0"/>
-              </a:rPr>
-              <a:t>&lt;button id="poof"&gt;Hide&lt;/button&gt;</a:t>
-            </a:r>
-          </a:p>
-          <a:p>
-            <a:r>
-              <a:rPr lang="en-US" b="1" dirty="0">
-                <a:latin typeface="Courier New" panose="02070309020205020404" pitchFamily="49" charset="0"/>
-                <a:cs typeface="Courier New" panose="02070309020205020404" pitchFamily="49" charset="0"/>
-              </a:rPr>
-              <a:t>&lt;button id="show"&gt;Show&lt;/button&gt;</a:t>
-            </a:r>
-          </a:p>
-          <a:p>
-            <a:r>
-              <a:rPr lang="en-US" b="1" dirty="0">
-                <a:latin typeface="Courier New" panose="02070309020205020404" pitchFamily="49" charset="0"/>
-                <a:cs typeface="Courier New" panose="02070309020205020404" pitchFamily="49" charset="0"/>
-              </a:rPr>
-              <a:t>&lt;/p&gt;</a:t>
-            </a:r>
-          </a:p>
-          <a:p>
-            <a:r>
-              <a:rPr lang="en-US" b="1" dirty="0">
-                <a:latin typeface="Courier New" panose="02070309020205020404" pitchFamily="49" charset="0"/>
-                <a:cs typeface="Courier New" panose="02070309020205020404" pitchFamily="49" charset="0"/>
-              </a:rPr>
-              <a:t>&lt;script&gt;</a:t>
-            </a:r>
-          </a:p>
-          <a:p>
-            <a:r>
-              <a:rPr lang="en-US" b="1" dirty="0">
-                <a:latin typeface="Courier New" panose="02070309020205020404" pitchFamily="49" charset="0"/>
-                <a:cs typeface="Courier New" panose="02070309020205020404" pitchFamily="49" charset="0"/>
-              </a:rPr>
-              <a:t>     </a:t>
-            </a:r>
-            <a:r>
-              <a:rPr lang="en-US" b="1" dirty="0" err="1">
-                <a:latin typeface="Courier New" panose="02070309020205020404" pitchFamily="49" charset="0"/>
-                <a:cs typeface="Courier New" panose="02070309020205020404" pitchFamily="49" charset="0"/>
-              </a:rPr>
-              <a:t>document.getElementById</a:t>
-            </a:r>
-            <a:r>
-              <a:rPr lang="en-US" b="1" dirty="0">
-                <a:latin typeface="Courier New" panose="02070309020205020404" pitchFamily="49" charset="0"/>
-                <a:cs typeface="Courier New" panose="02070309020205020404" pitchFamily="49" charset="0"/>
-              </a:rPr>
-              <a:t>('show').</a:t>
-            </a:r>
-            <a:r>
-              <a:rPr lang="en-US" b="1" dirty="0" err="1">
-                <a:latin typeface="Courier New" panose="02070309020205020404" pitchFamily="49" charset="0"/>
-                <a:cs typeface="Courier New" panose="02070309020205020404" pitchFamily="49" charset="0"/>
-              </a:rPr>
-              <a:t>addEventListener</a:t>
-            </a:r>
-            <a:r>
-              <a:rPr lang="en-US" b="1" dirty="0">
-                <a:latin typeface="Courier New" panose="02070309020205020404" pitchFamily="49" charset="0"/>
-                <a:cs typeface="Courier New" panose="02070309020205020404" pitchFamily="49" charset="0"/>
-              </a:rPr>
-              <a:t>('click', </a:t>
-            </a:r>
-          </a:p>
-          <a:p>
-            <a:r>
-              <a:rPr lang="en-US" b="1" dirty="0">
-                <a:latin typeface="Courier New" panose="02070309020205020404" pitchFamily="49" charset="0"/>
-                <a:cs typeface="Courier New" panose="02070309020205020404" pitchFamily="49" charset="0"/>
-              </a:rPr>
-              <a:t>         function () {</a:t>
-            </a:r>
-          </a:p>
-          <a:p>
-            <a:r>
-              <a:rPr lang="en-US" b="1" dirty="0">
-                <a:solidFill>
-                  <a:srgbClr val="FFC000"/>
-                </a:solidFill>
-                <a:latin typeface="Courier New" panose="02070309020205020404" pitchFamily="49" charset="0"/>
-                <a:cs typeface="Courier New" panose="02070309020205020404" pitchFamily="49" charset="0"/>
-              </a:rPr>
-              <a:t>             </a:t>
-            </a:r>
-            <a:r>
-              <a:rPr lang="en-US" b="1" dirty="0" err="1">
-                <a:solidFill>
-                  <a:srgbClr val="FFC000"/>
-                </a:solidFill>
-                <a:latin typeface="Courier New" panose="02070309020205020404" pitchFamily="49" charset="0"/>
-                <a:cs typeface="Courier New" panose="02070309020205020404" pitchFamily="49" charset="0"/>
-              </a:rPr>
-              <a:t>document.getElementById</a:t>
-            </a:r>
-            <a:r>
-              <a:rPr lang="en-US" b="1" dirty="0">
-                <a:solidFill>
-                  <a:srgbClr val="FFC000"/>
-                </a:solidFill>
-                <a:latin typeface="Courier New" panose="02070309020205020404" pitchFamily="49" charset="0"/>
-                <a:cs typeface="Courier New" panose="02070309020205020404" pitchFamily="49" charset="0"/>
-              </a:rPr>
-              <a:t>('fun').</a:t>
-            </a:r>
-            <a:r>
-              <a:rPr lang="en-US" b="1" dirty="0" err="1">
-                <a:solidFill>
-                  <a:srgbClr val="FFC000"/>
-                </a:solidFill>
-                <a:latin typeface="Courier New" panose="02070309020205020404" pitchFamily="49" charset="0"/>
-                <a:cs typeface="Courier New" panose="02070309020205020404" pitchFamily="49" charset="0"/>
-              </a:rPr>
-              <a:t>style.display</a:t>
-            </a:r>
-            <a:r>
-              <a:rPr lang="en-US" b="1" dirty="0">
-                <a:solidFill>
-                  <a:srgbClr val="FFC000"/>
-                </a:solidFill>
-                <a:latin typeface="Courier New" panose="02070309020205020404" pitchFamily="49" charset="0"/>
-                <a:cs typeface="Courier New" panose="02070309020205020404" pitchFamily="49" charset="0"/>
-              </a:rPr>
-              <a:t> = 'block';</a:t>
-            </a:r>
-          </a:p>
-          <a:p>
-            <a:r>
-              <a:rPr lang="en-US" b="1" dirty="0">
-                <a:latin typeface="Courier New" panose="02070309020205020404" pitchFamily="49" charset="0"/>
-                <a:cs typeface="Courier New" panose="02070309020205020404" pitchFamily="49" charset="0"/>
-              </a:rPr>
-              <a:t>         }</a:t>
-            </a:r>
-          </a:p>
-          <a:p>
-            <a:r>
-              <a:rPr lang="en-US" b="1" dirty="0">
-                <a:latin typeface="Courier New" panose="02070309020205020404" pitchFamily="49" charset="0"/>
-                <a:cs typeface="Courier New" panose="02070309020205020404" pitchFamily="49" charset="0"/>
-              </a:rPr>
-              <a:t>     );</a:t>
-            </a:r>
-          </a:p>
-          <a:p>
-            <a:r>
-              <a:rPr lang="en-US" b="1" dirty="0">
-                <a:latin typeface="Courier New" panose="02070309020205020404" pitchFamily="49" charset="0"/>
-                <a:cs typeface="Courier New" panose="02070309020205020404" pitchFamily="49" charset="0"/>
-              </a:rPr>
-              <a:t>     </a:t>
-            </a:r>
-            <a:r>
-              <a:rPr lang="en-US" b="1" dirty="0" err="1">
-                <a:latin typeface="Courier New" panose="02070309020205020404" pitchFamily="49" charset="0"/>
-                <a:cs typeface="Courier New" panose="02070309020205020404" pitchFamily="49" charset="0"/>
-              </a:rPr>
-              <a:t>document.getElementById</a:t>
-            </a:r>
-            <a:r>
-              <a:rPr lang="en-US" b="1" dirty="0">
-                <a:latin typeface="Courier New" panose="02070309020205020404" pitchFamily="49" charset="0"/>
-                <a:cs typeface="Courier New" panose="02070309020205020404" pitchFamily="49" charset="0"/>
-              </a:rPr>
-              <a:t>('poof').</a:t>
-            </a:r>
-            <a:r>
-              <a:rPr lang="en-US" b="1" dirty="0" err="1">
-                <a:latin typeface="Courier New" panose="02070309020205020404" pitchFamily="49" charset="0"/>
-                <a:cs typeface="Courier New" panose="02070309020205020404" pitchFamily="49" charset="0"/>
-              </a:rPr>
-              <a:t>addEventListener</a:t>
-            </a:r>
-            <a:r>
-              <a:rPr lang="en-US" b="1" dirty="0">
-                <a:latin typeface="Courier New" panose="02070309020205020404" pitchFamily="49" charset="0"/>
-                <a:cs typeface="Courier New" panose="02070309020205020404" pitchFamily="49" charset="0"/>
-              </a:rPr>
-              <a:t>('click', </a:t>
-            </a:r>
-          </a:p>
-          <a:p>
-            <a:r>
-              <a:rPr lang="en-US" b="1" dirty="0">
-                <a:solidFill>
-                  <a:srgbClr val="FFC000"/>
-                </a:solidFill>
-                <a:latin typeface="Courier New" panose="02070309020205020404" pitchFamily="49" charset="0"/>
-                <a:cs typeface="Courier New" panose="02070309020205020404" pitchFamily="49" charset="0"/>
-              </a:rPr>
-              <a:t>         (event) =&gt; </a:t>
-            </a:r>
-            <a:r>
-              <a:rPr lang="en-US" b="1" dirty="0" err="1">
-                <a:solidFill>
-                  <a:srgbClr val="FFC000"/>
-                </a:solidFill>
-                <a:latin typeface="Courier New" panose="02070309020205020404" pitchFamily="49" charset="0"/>
-                <a:cs typeface="Courier New" panose="02070309020205020404" pitchFamily="49" charset="0"/>
-              </a:rPr>
-              <a:t>document.getElementById</a:t>
-            </a:r>
-            <a:r>
-              <a:rPr lang="en-US" b="1" dirty="0">
-                <a:solidFill>
-                  <a:srgbClr val="FFC000"/>
-                </a:solidFill>
-                <a:latin typeface="Courier New" panose="02070309020205020404" pitchFamily="49" charset="0"/>
-                <a:cs typeface="Courier New" panose="02070309020205020404" pitchFamily="49" charset="0"/>
-              </a:rPr>
-              <a:t>('fun').</a:t>
-            </a:r>
-            <a:r>
-              <a:rPr lang="en-US" b="1" dirty="0" err="1">
-                <a:solidFill>
-                  <a:srgbClr val="FFC000"/>
-                </a:solidFill>
-                <a:latin typeface="Courier New" panose="02070309020205020404" pitchFamily="49" charset="0"/>
-                <a:cs typeface="Courier New" panose="02070309020205020404" pitchFamily="49" charset="0"/>
-              </a:rPr>
-              <a:t>style.display</a:t>
-            </a:r>
-            <a:r>
-              <a:rPr lang="en-US" b="1" dirty="0">
-                <a:solidFill>
-                  <a:srgbClr val="FFC000"/>
-                </a:solidFill>
-                <a:latin typeface="Courier New" panose="02070309020205020404" pitchFamily="49" charset="0"/>
-                <a:cs typeface="Courier New" panose="02070309020205020404" pitchFamily="49" charset="0"/>
-              </a:rPr>
-              <a:t> = 'none'</a:t>
-            </a:r>
-          </a:p>
-          <a:p>
-            <a:r>
-              <a:rPr lang="en-US" b="1" dirty="0">
-                <a:latin typeface="Courier New" panose="02070309020205020404" pitchFamily="49" charset="0"/>
-                <a:cs typeface="Courier New" panose="02070309020205020404" pitchFamily="49" charset="0"/>
-              </a:rPr>
-              <a:t>     );</a:t>
-            </a:r>
-          </a:p>
-          <a:p>
-            <a:r>
-              <a:rPr lang="en-US" b="1" dirty="0">
-                <a:latin typeface="Courier New" panose="02070309020205020404" pitchFamily="49" charset="0"/>
-                <a:cs typeface="Courier New" panose="02070309020205020404" pitchFamily="49" charset="0"/>
-              </a:rPr>
-              <a:t>&lt;/script&gt;</a:t>
-            </a:r>
-          </a:p>
-        </p:txBody>
-      </p:sp>
-      <p:sp>
-        <p:nvSpPr>
-          <p:cNvPr id="6" name="TextBox 5">
-            <a:extLst>
-              <a:ext uri="{FF2B5EF4-FFF2-40B4-BE49-F238E27FC236}">
-                <a16:creationId xmlns:a16="http://schemas.microsoft.com/office/drawing/2014/main" id="{0F993931-DB73-5F9D-9548-090AE428C1E0}"/>
-              </a:ext>
-            </a:extLst>
-          </p:cNvPr>
-          <p:cNvSpPr txBox="1"/>
-          <p:nvPr/>
-        </p:nvSpPr>
-        <p:spPr>
-          <a:xfrm>
-            <a:off x="6096000" y="534496"/>
-            <a:ext cx="5369155" cy="369332"/>
-          </a:xfrm>
-          <a:prstGeom prst="rect">
-            <a:avLst/>
-          </a:prstGeom>
-          <a:noFill/>
-        </p:spPr>
-        <p:txBody>
-          <a:bodyPr wrap="square">
-            <a:spAutoFit/>
-          </a:bodyPr>
-          <a:lstStyle/>
-          <a:p>
-            <a:r>
-              <a:rPr lang="en-US" dirty="0">
-                <a:solidFill>
-                  <a:srgbClr val="FFFF00"/>
-                </a:solidFill>
-              </a:rPr>
-              <a:t>https://www.dj4e.com/code/browser/13-css.htm</a:t>
-            </a:r>
-          </a:p>
-        </p:txBody>
-      </p:sp>
       <p:pic>
         <p:nvPicPr>
-          <p:cNvPr id="8" name="Picture 7" descr="A screenshot of a website&#10;&#10;Description automatically generated">
-            <a:extLst>
-              <a:ext uri="{FF2B5EF4-FFF2-40B4-BE49-F238E27FC236}">
-                <a16:creationId xmlns:a16="http://schemas.microsoft.com/office/drawing/2014/main" id="{7E8D6971-0BF4-9029-3E11-6A85AD52AF84}"/>
+          <p:cNvPr id="5" name="Picture 4" descr="A screenshot of a computer&#10;&#10;Description automatically generated">
+            <a:extLst>
+              <a:ext uri="{FF2B5EF4-FFF2-40B4-BE49-F238E27FC236}">
+                <a16:creationId xmlns:a16="http://schemas.microsoft.com/office/drawing/2014/main" id="{174F1ECF-85E7-97C1-BC24-565FD3A0AE15}"/>
               </a:ext>
             </a:extLst>
           </p:cNvPr>
@@ -11766,37 +11539,8 @@
         </p:blipFill>
         <p:spPr>
           <a:xfrm>
-            <a:off x="3212431" y="4591310"/>
-            <a:ext cx="3327259" cy="2002517"/>
-          </a:xfrm>
-          <a:prstGeom prst="rect">
-            <a:avLst/>
-          </a:prstGeom>
-        </p:spPr>
-      </p:pic>
-      <p:pic>
-        <p:nvPicPr>
-          <p:cNvPr id="10" name="Picture 9" descr="A screenshot of a computer&#10;&#10;Description automatically generated">
-            <a:extLst>
-              <a:ext uri="{FF2B5EF4-FFF2-40B4-BE49-F238E27FC236}">
-                <a16:creationId xmlns:a16="http://schemas.microsoft.com/office/drawing/2014/main" id="{823EAE8C-2D41-C466-A744-9BE4FB70DCC5}"/>
-              </a:ext>
-            </a:extLst>
-          </p:cNvPr>
-          <p:cNvPicPr>
-            <a:picLocks noChangeAspect="1"/>
-          </p:cNvPicPr>
-          <p:nvPr/>
-        </p:nvPicPr>
-        <p:blipFill rotWithShape="1">
-          <a:blip r:embed="rId3"/>
-          <a:srcRect l="1" r="39326" b="52899"/>
-          <a:stretch/>
-        </p:blipFill>
-        <p:spPr>
-          <a:xfrm>
-            <a:off x="7226902" y="4591310"/>
-            <a:ext cx="3327259" cy="2002517"/>
+            <a:off x="1779838" y="367162"/>
+            <a:ext cx="8632324" cy="6123675"/>
           </a:xfrm>
           <a:prstGeom prst="rect">
             <a:avLst/>
@@ -11806,7 +11550,7 @@
     </p:spTree>
     <p:extLst>
       <p:ext uri="{BB962C8B-B14F-4D97-AF65-F5344CB8AC3E}">
-        <p14:creationId xmlns:p14="http://schemas.microsoft.com/office/powerpoint/2010/main" val="819583215"/>
+        <p14:creationId xmlns:p14="http://schemas.microsoft.com/office/powerpoint/2010/main" val="2753585304"/>
       </p:ext>
     </p:extLst>
   </p:cSld>
@@ -11835,61 +11579,309 @@
       </p:grpSpPr>
       <p:sp>
         <p:nvSpPr>
-          <p:cNvPr id="2" name="Title 1">
-            <a:extLst>
-              <a:ext uri="{FF2B5EF4-FFF2-40B4-BE49-F238E27FC236}">
-                <a16:creationId xmlns:a16="http://schemas.microsoft.com/office/drawing/2014/main" id="{380E2930-8690-A37B-03FB-609A3C6EF908}"/>
-              </a:ext>
-            </a:extLst>
-          </p:cNvPr>
-          <p:cNvSpPr>
-            <a:spLocks noGrp="1"/>
-          </p:cNvSpPr>
-          <p:nvPr>
-            <p:ph type="title"/>
-          </p:nvPr>
+          <p:cNvPr id="4" name="TextBox 3">
+            <a:extLst>
+              <a:ext uri="{FF2B5EF4-FFF2-40B4-BE49-F238E27FC236}">
+                <a16:creationId xmlns:a16="http://schemas.microsoft.com/office/drawing/2014/main" id="{54EDACA5-D251-E3A3-5247-FD902FA23A67}"/>
+              </a:ext>
+            </a:extLst>
+          </p:cNvPr>
+          <p:cNvSpPr txBox="1"/>
+          <p:nvPr/>
         </p:nvSpPr>
-        <p:spPr/>
+        <p:spPr>
+          <a:xfrm>
+            <a:off x="344253" y="1230010"/>
+            <a:ext cx="9743964" cy="2031325"/>
+          </a:xfrm>
+          <a:prstGeom prst="rect">
+            <a:avLst/>
+          </a:prstGeom>
+          <a:noFill/>
+          <a:ln>
+            <a:solidFill>
+              <a:schemeClr val="tx1"/>
+            </a:solidFill>
+          </a:ln>
+        </p:spPr>
         <p:txBody>
-          <a:bodyPr/>
+          <a:bodyPr wrap="square">
+            <a:spAutoFit/>
+          </a:bodyPr>
           <a:lstStyle/>
           <a:p>
             <a:r>
-              <a:rPr lang="en-US" dirty="0"/>
-              <a:t>Network Events</a:t>
+              <a:rPr lang="en-US" b="1" dirty="0">
+                <a:latin typeface="Courier New" panose="02070309020205020404" pitchFamily="49" charset="0"/>
+                <a:cs typeface="Courier New" panose="02070309020205020404" pitchFamily="49" charset="0"/>
+              </a:rPr>
+              <a:t>&lt;h1&gt;A header&lt;/h1&gt;</a:t>
+            </a:r>
+          </a:p>
+          <a:p>
+            <a:r>
+              <a:rPr lang="en-US" b="1" dirty="0">
+                <a:latin typeface="Courier New" panose="02070309020205020404" pitchFamily="49" charset="0"/>
+                <a:cs typeface="Courier New" panose="02070309020205020404" pitchFamily="49" charset="0"/>
+              </a:rPr>
+              <a:t>&lt;script&gt;</a:t>
+            </a:r>
+          </a:p>
+          <a:p>
+            <a:r>
+              <a:rPr lang="en-US" b="1" dirty="0">
+                <a:latin typeface="Courier New" panose="02070309020205020404" pitchFamily="49" charset="0"/>
+                <a:cs typeface="Courier New" panose="02070309020205020404" pitchFamily="49" charset="0"/>
+              </a:rPr>
+              <a:t>    function </a:t>
+            </a:r>
+            <a:r>
+              <a:rPr lang="en-US" b="1" dirty="0" err="1">
+                <a:latin typeface="Courier New" panose="02070309020205020404" pitchFamily="49" charset="0"/>
+                <a:cs typeface="Courier New" panose="02070309020205020404" pitchFamily="49" charset="0"/>
+              </a:rPr>
+              <a:t>myFunc</a:t>
+            </a:r>
+            <a:r>
+              <a:rPr lang="en-US" b="1" dirty="0">
+                <a:latin typeface="Courier New" panose="02070309020205020404" pitchFamily="49" charset="0"/>
+                <a:cs typeface="Courier New" panose="02070309020205020404" pitchFamily="49" charset="0"/>
+              </a:rPr>
+              <a:t>() {</a:t>
+            </a:r>
+          </a:p>
+          <a:p>
+            <a:r>
+              <a:rPr lang="en-US" b="1" dirty="0">
+                <a:latin typeface="Courier New" panose="02070309020205020404" pitchFamily="49" charset="0"/>
+                <a:cs typeface="Courier New" panose="02070309020205020404" pitchFamily="49" charset="0"/>
+              </a:rPr>
+              <a:t>        </a:t>
+            </a:r>
+            <a:r>
+              <a:rPr lang="en-US" b="1" dirty="0" err="1">
+                <a:latin typeface="Courier New" panose="02070309020205020404" pitchFamily="49" charset="0"/>
+                <a:cs typeface="Courier New" panose="02070309020205020404" pitchFamily="49" charset="0"/>
+              </a:rPr>
+              <a:t>console.log</a:t>
+            </a:r>
+            <a:r>
+              <a:rPr lang="en-US" b="1" dirty="0">
+                <a:latin typeface="Courier New" panose="02070309020205020404" pitchFamily="49" charset="0"/>
+                <a:cs typeface="Courier New" panose="02070309020205020404" pitchFamily="49" charset="0"/>
+              </a:rPr>
+              <a:t>("The DOM has landed!");</a:t>
+            </a:r>
+          </a:p>
+          <a:p>
+            <a:r>
+              <a:rPr lang="en-US" b="1" dirty="0">
+                <a:latin typeface="Courier New" panose="02070309020205020404" pitchFamily="49" charset="0"/>
+                <a:cs typeface="Courier New" panose="02070309020205020404" pitchFamily="49" charset="0"/>
+              </a:rPr>
+              <a:t>    }</a:t>
+            </a:r>
+          </a:p>
+          <a:p>
+            <a:r>
+              <a:rPr lang="en-US" b="1" dirty="0">
+                <a:solidFill>
+                  <a:srgbClr val="FFC000"/>
+                </a:solidFill>
+                <a:latin typeface="Courier New" panose="02070309020205020404" pitchFamily="49" charset="0"/>
+                <a:cs typeface="Courier New" panose="02070309020205020404" pitchFamily="49" charset="0"/>
+              </a:rPr>
+              <a:t>    </a:t>
+            </a:r>
+            <a:r>
+              <a:rPr lang="en-US" b="1" dirty="0" err="1">
+                <a:solidFill>
+                  <a:srgbClr val="FFC000"/>
+                </a:solidFill>
+                <a:latin typeface="Courier New" panose="02070309020205020404" pitchFamily="49" charset="0"/>
+                <a:cs typeface="Courier New" panose="02070309020205020404" pitchFamily="49" charset="0"/>
+              </a:rPr>
+              <a:t>document.addEventListener</a:t>
+            </a:r>
+            <a:r>
+              <a:rPr lang="en-US" b="1" dirty="0">
+                <a:solidFill>
+                  <a:srgbClr val="FFC000"/>
+                </a:solidFill>
+                <a:latin typeface="Courier New" panose="02070309020205020404" pitchFamily="49" charset="0"/>
+                <a:cs typeface="Courier New" panose="02070309020205020404" pitchFamily="49" charset="0"/>
+              </a:rPr>
+              <a:t>('</a:t>
+            </a:r>
+            <a:r>
+              <a:rPr lang="en-US" b="1" dirty="0" err="1">
+                <a:solidFill>
+                  <a:srgbClr val="FFC000"/>
+                </a:solidFill>
+                <a:latin typeface="Courier New" panose="02070309020205020404" pitchFamily="49" charset="0"/>
+                <a:cs typeface="Courier New" panose="02070309020205020404" pitchFamily="49" charset="0"/>
+              </a:rPr>
+              <a:t>DOMContentLoaded</a:t>
+            </a:r>
+            <a:r>
+              <a:rPr lang="en-US" b="1" dirty="0">
+                <a:solidFill>
+                  <a:srgbClr val="FFC000"/>
+                </a:solidFill>
+                <a:latin typeface="Courier New" panose="02070309020205020404" pitchFamily="49" charset="0"/>
+                <a:cs typeface="Courier New" panose="02070309020205020404" pitchFamily="49" charset="0"/>
+              </a:rPr>
+              <a:t>', </a:t>
+            </a:r>
+            <a:r>
+              <a:rPr lang="en-US" b="1" dirty="0" err="1">
+                <a:solidFill>
+                  <a:srgbClr val="FFC000"/>
+                </a:solidFill>
+                <a:latin typeface="Courier New" panose="02070309020205020404" pitchFamily="49" charset="0"/>
+                <a:cs typeface="Courier New" panose="02070309020205020404" pitchFamily="49" charset="0"/>
+              </a:rPr>
+              <a:t>myFunc</a:t>
+            </a:r>
+            <a:r>
+              <a:rPr lang="en-US" b="1" dirty="0">
+                <a:solidFill>
+                  <a:srgbClr val="FFC000"/>
+                </a:solidFill>
+                <a:latin typeface="Courier New" panose="02070309020205020404" pitchFamily="49" charset="0"/>
+                <a:cs typeface="Courier New" panose="02070309020205020404" pitchFamily="49" charset="0"/>
+              </a:rPr>
+              <a:t>);</a:t>
+            </a:r>
+          </a:p>
+          <a:p>
+            <a:r>
+              <a:rPr lang="en-US" b="1" dirty="0">
+                <a:latin typeface="Courier New" panose="02070309020205020404" pitchFamily="49" charset="0"/>
+                <a:cs typeface="Courier New" panose="02070309020205020404" pitchFamily="49" charset="0"/>
+              </a:rPr>
+              <a:t>&lt;/script&gt;</a:t>
             </a:r>
           </a:p>
         </p:txBody>
       </p:sp>
       <p:sp>
         <p:nvSpPr>
-          <p:cNvPr id="3" name="Text Placeholder 2">
-            <a:extLst>
-              <a:ext uri="{FF2B5EF4-FFF2-40B4-BE49-F238E27FC236}">
-                <a16:creationId xmlns:a16="http://schemas.microsoft.com/office/drawing/2014/main" id="{FD1AFC66-5937-348D-8081-6ABD2AA0BEA3}"/>
-              </a:ext>
-            </a:extLst>
-          </p:cNvPr>
-          <p:cNvSpPr>
-            <a:spLocks noGrp="1"/>
-          </p:cNvSpPr>
-          <p:nvPr>
-            <p:ph type="body" idx="1"/>
-          </p:nvPr>
+          <p:cNvPr id="9" name="TextBox 8">
+            <a:extLst>
+              <a:ext uri="{FF2B5EF4-FFF2-40B4-BE49-F238E27FC236}">
+                <a16:creationId xmlns:a16="http://schemas.microsoft.com/office/drawing/2014/main" id="{F8E64F9D-D085-FA22-C306-C87FC7CC1E3A}"/>
+              </a:ext>
+            </a:extLst>
+          </p:cNvPr>
+          <p:cNvSpPr txBox="1"/>
+          <p:nvPr/>
         </p:nvSpPr>
-        <p:spPr/>
+        <p:spPr>
+          <a:xfrm>
+            <a:off x="217556" y="401411"/>
+            <a:ext cx="5369155" cy="369332"/>
+          </a:xfrm>
+          <a:prstGeom prst="rect">
+            <a:avLst/>
+          </a:prstGeom>
+          <a:noFill/>
+        </p:spPr>
         <p:txBody>
-          <a:bodyPr/>
+          <a:bodyPr wrap="square">
+            <a:spAutoFit/>
+          </a:bodyPr>
           <a:lstStyle/>
           <a:p>
-            <a:endParaRPr lang="en-US"/>
+            <a:r>
+              <a:rPr lang="en-US" dirty="0">
+                <a:solidFill>
+                  <a:srgbClr val="FFFF00"/>
+                </a:solidFill>
+              </a:rPr>
+              <a:t>https://www.dj4e.com/code/browser/12-loaded.htm</a:t>
+            </a:r>
           </a:p>
         </p:txBody>
       </p:sp>
+      <p:cxnSp>
+        <p:nvCxnSpPr>
+          <p:cNvPr id="11" name="Straight Arrow Connector 10">
+            <a:extLst>
+              <a:ext uri="{FF2B5EF4-FFF2-40B4-BE49-F238E27FC236}">
+                <a16:creationId xmlns:a16="http://schemas.microsoft.com/office/drawing/2014/main" id="{33780302-3651-8E6F-558C-02CCFF8D8DBF}"/>
+              </a:ext>
+            </a:extLst>
+          </p:cNvPr>
+          <p:cNvCxnSpPr>
+            <a:cxnSpLocks/>
+          </p:cNvCxnSpPr>
+          <p:nvPr/>
+        </p:nvCxnSpPr>
+        <p:spPr>
+          <a:xfrm flipH="1">
+            <a:off x="8975035" y="1918252"/>
+            <a:ext cx="745435" cy="655983"/>
+          </a:xfrm>
+          <a:prstGeom prst="straightConnector1">
+            <a:avLst/>
+          </a:prstGeom>
+          <a:ln w="57150">
+            <a:solidFill>
+              <a:srgbClr val="FFC000"/>
+            </a:solidFill>
+            <a:tailEnd type="triangle"/>
+          </a:ln>
+        </p:spPr>
+        <p:style>
+          <a:lnRef idx="1">
+            <a:schemeClr val="accent1"/>
+          </a:lnRef>
+          <a:fillRef idx="0">
+            <a:schemeClr val="accent1"/>
+          </a:fillRef>
+          <a:effectRef idx="0">
+            <a:schemeClr val="accent1"/>
+          </a:effectRef>
+          <a:fontRef idx="minor">
+            <a:schemeClr val="tx1"/>
+          </a:fontRef>
+        </p:style>
+      </p:cxnSp>
+      <p:pic>
+        <p:nvPicPr>
+          <p:cNvPr id="5" name="Picture 4" descr="A screenshot of a browser window&#10;&#10;Description automatically generated">
+            <a:extLst>
+              <a:ext uri="{FF2B5EF4-FFF2-40B4-BE49-F238E27FC236}">
+                <a16:creationId xmlns:a16="http://schemas.microsoft.com/office/drawing/2014/main" id="{2D8B178A-AD28-95F5-8670-88CC1110EA86}"/>
+              </a:ext>
+            </a:extLst>
+          </p:cNvPr>
+          <p:cNvPicPr>
+            <a:picLocks noChangeAspect="1"/>
+          </p:cNvPicPr>
+          <p:nvPr/>
+        </p:nvPicPr>
+        <p:blipFill>
+          <a:blip r:embed="rId2"/>
+          <a:stretch>
+            <a:fillRect/>
+          </a:stretch>
+        </p:blipFill>
+        <p:spPr>
+          <a:xfrm>
+            <a:off x="7739270" y="3553363"/>
+            <a:ext cx="3962400" cy="2692400"/>
+          </a:xfrm>
+          <a:prstGeom prst="rect">
+            <a:avLst/>
+          </a:prstGeom>
+        </p:spPr>
+      </p:pic>
     </p:spTree>
     <p:extLst>
       <p:ext uri="{BB962C8B-B14F-4D97-AF65-F5344CB8AC3E}">
-        <p14:creationId xmlns:p14="http://schemas.microsoft.com/office/powerpoint/2010/main" val="1916173950"/>
+        <p14:creationId xmlns:p14="http://schemas.microsoft.com/office/powerpoint/2010/main" val="1400557533"/>
       </p:ext>
     </p:extLst>
   </p:cSld>
@@ -11918,6 +11910,89 @@
       </p:grpSpPr>
       <p:sp>
         <p:nvSpPr>
+          <p:cNvPr id="2" name="Title 1">
+            <a:extLst>
+              <a:ext uri="{FF2B5EF4-FFF2-40B4-BE49-F238E27FC236}">
+                <a16:creationId xmlns:a16="http://schemas.microsoft.com/office/drawing/2014/main" id="{380E2930-8690-A37B-03FB-609A3C6EF908}"/>
+              </a:ext>
+            </a:extLst>
+          </p:cNvPr>
+          <p:cNvSpPr>
+            <a:spLocks noGrp="1"/>
+          </p:cNvSpPr>
+          <p:nvPr>
+            <p:ph type="title"/>
+          </p:nvPr>
+        </p:nvSpPr>
+        <p:spPr/>
+        <p:txBody>
+          <a:bodyPr/>
+          <a:lstStyle/>
+          <a:p>
+            <a:r>
+              <a:rPr lang="en-US" dirty="0"/>
+              <a:t>Network Events</a:t>
+            </a:r>
+          </a:p>
+        </p:txBody>
+      </p:sp>
+      <p:sp>
+        <p:nvSpPr>
+          <p:cNvPr id="3" name="Text Placeholder 2">
+            <a:extLst>
+              <a:ext uri="{FF2B5EF4-FFF2-40B4-BE49-F238E27FC236}">
+                <a16:creationId xmlns:a16="http://schemas.microsoft.com/office/drawing/2014/main" id="{FD1AFC66-5937-348D-8081-6ABD2AA0BEA3}"/>
+              </a:ext>
+            </a:extLst>
+          </p:cNvPr>
+          <p:cNvSpPr>
+            <a:spLocks noGrp="1"/>
+          </p:cNvSpPr>
+          <p:nvPr>
+            <p:ph type="body" idx="1"/>
+          </p:nvPr>
+        </p:nvSpPr>
+        <p:spPr/>
+        <p:txBody>
+          <a:bodyPr/>
+          <a:lstStyle/>
+          <a:p>
+            <a:endParaRPr lang="en-US"/>
+          </a:p>
+        </p:txBody>
+      </p:sp>
+    </p:spTree>
+    <p:extLst>
+      <p:ext uri="{BB962C8B-B14F-4D97-AF65-F5344CB8AC3E}">
+        <p14:creationId xmlns:p14="http://schemas.microsoft.com/office/powerpoint/2010/main" val="1916173950"/>
+      </p:ext>
+    </p:extLst>
+  </p:cSld>
+  <p:clrMapOvr>
+    <a:masterClrMapping/>
+  </p:clrMapOvr>
+</p:sld>
+</file>
+
+<file path=ppt/slides/slide35.xml><?xml version="1.0" encoding="utf-8"?>
+<p:sld xmlns:a="http://schemas.openxmlformats.org/drawingml/2006/main" xmlns:r="http://schemas.openxmlformats.org/officeDocument/2006/relationships" xmlns:p="http://schemas.openxmlformats.org/presentationml/2006/main">
+  <p:cSld>
+    <p:spTree>
+      <p:nvGrpSpPr>
+        <p:cNvPr id="1" name=""/>
+        <p:cNvGrpSpPr/>
+        <p:nvPr/>
+      </p:nvGrpSpPr>
+      <p:grpSpPr>
+        <a:xfrm>
+          <a:off x="0" y="0"/>
+          <a:ext cx="0" cy="0"/>
+          <a:chOff x="0" y="0"/>
+          <a:chExt cx="0" cy="0"/>
+        </a:xfrm>
+      </p:grpSpPr>
+      <p:sp>
+        <p:nvSpPr>
           <p:cNvPr id="4" name="Title 3">
             <a:extLst>
               <a:ext uri="{FF2B5EF4-FFF2-40B4-BE49-F238E27FC236}">
@@ -12018,7 +12093,7 @@
 </p:sld>
 </file>
 
-<file path=ppt/slides/slide35.xml><?xml version="1.0" encoding="utf-8"?>
+<file path=ppt/slides/slide36.xml><?xml version="1.0" encoding="utf-8"?>
 <p:sld xmlns:a="http://schemas.openxmlformats.org/drawingml/2006/main" xmlns:r="http://schemas.openxmlformats.org/officeDocument/2006/relationships" xmlns:p="http://schemas.openxmlformats.org/presentationml/2006/main">
   <p:cSld>
     <p:spTree>
@@ -13361,590 +13436,6 @@
 </p:sld>
 </file>
 
-<file path=ppt/slides/slide36.xml><?xml version="1.0" encoding="utf-8"?>
-<p:sld xmlns:a="http://schemas.openxmlformats.org/drawingml/2006/main" xmlns:r="http://schemas.openxmlformats.org/officeDocument/2006/relationships" xmlns:p="http://schemas.openxmlformats.org/presentationml/2006/main">
-  <p:cSld>
-    <p:spTree>
-      <p:nvGrpSpPr>
-        <p:cNvPr id="1" name=""/>
-        <p:cNvGrpSpPr/>
-        <p:nvPr/>
-      </p:nvGrpSpPr>
-      <p:grpSpPr>
-        <a:xfrm>
-          <a:off x="0" y="0"/>
-          <a:ext cx="0" cy="0"/>
-          <a:chOff x="0" y="0"/>
-          <a:chExt cx="0" cy="0"/>
-        </a:xfrm>
-      </p:grpSpPr>
-      <p:sp>
-        <p:nvSpPr>
-          <p:cNvPr id="6" name="Rectangle 5">
-            <a:extLst>
-              <a:ext uri="{FF2B5EF4-FFF2-40B4-BE49-F238E27FC236}">
-                <a16:creationId xmlns:a16="http://schemas.microsoft.com/office/drawing/2014/main" id="{6387946E-7CA3-4E9E-42EE-FE681F1412A8}"/>
-              </a:ext>
-            </a:extLst>
-          </p:cNvPr>
-          <p:cNvSpPr/>
-          <p:nvPr/>
-        </p:nvSpPr>
-        <p:spPr>
-          <a:xfrm>
-            <a:off x="356706" y="563312"/>
-            <a:ext cx="5369155" cy="5062236"/>
-          </a:xfrm>
-          <a:prstGeom prst="rect">
-            <a:avLst/>
-          </a:prstGeom>
-          <a:solidFill>
-            <a:srgbClr val="002060"/>
-          </a:solidFill>
-          <a:ln w="38100">
-            <a:solidFill>
-              <a:schemeClr val="bg1"/>
-            </a:solidFill>
-          </a:ln>
-        </p:spPr>
-        <p:style>
-          <a:lnRef idx="2">
-            <a:schemeClr val="accent1">
-              <a:shade val="50000"/>
-            </a:schemeClr>
-          </a:lnRef>
-          <a:fillRef idx="1">
-            <a:schemeClr val="accent1"/>
-          </a:fillRef>
-          <a:effectRef idx="0">
-            <a:schemeClr val="accent1"/>
-          </a:effectRef>
-          <a:fontRef idx="minor">
-            <a:schemeClr val="lt1"/>
-          </a:fontRef>
-        </p:style>
-        <p:txBody>
-          <a:bodyPr/>
-          <a:lstStyle/>
-          <a:p>
-            <a:pPr algn="r">
-              <a:defRPr/>
-            </a:pPr>
-            <a:r>
-              <a:rPr lang="en-US" sz="1867" dirty="0">
-                <a:sym typeface="Helvetica" charset="0"/>
-              </a:rPr>
-              <a:t>Server</a:t>
-            </a:r>
-          </a:p>
-        </p:txBody>
-      </p:sp>
-      <p:sp>
-        <p:nvSpPr>
-          <p:cNvPr id="2" name="TextBox 1">
-            <a:extLst>
-              <a:ext uri="{FF2B5EF4-FFF2-40B4-BE49-F238E27FC236}">
-                <a16:creationId xmlns:a16="http://schemas.microsoft.com/office/drawing/2014/main" id="{2525C7EC-E60F-E844-6FF8-F891ADE1AD52}"/>
-              </a:ext>
-            </a:extLst>
-          </p:cNvPr>
-          <p:cNvSpPr txBox="1"/>
-          <p:nvPr/>
-        </p:nvSpPr>
-        <p:spPr>
-          <a:xfrm>
-            <a:off x="518423" y="1329259"/>
-            <a:ext cx="5874165" cy="2462213"/>
-          </a:xfrm>
-          <a:prstGeom prst="rect">
-            <a:avLst/>
-          </a:prstGeom>
-          <a:noFill/>
-        </p:spPr>
-        <p:txBody>
-          <a:bodyPr wrap="square">
-            <a:spAutoFit/>
-          </a:bodyPr>
-          <a:lstStyle/>
-          <a:p>
-            <a:r>
-              <a:rPr lang="en-US" sz="1400" b="1" dirty="0">
-                <a:latin typeface="Courier New" panose="02070309020205020404" pitchFamily="49" charset="0"/>
-                <a:cs typeface="Courier New" panose="02070309020205020404" pitchFamily="49" charset="0"/>
-              </a:rPr>
-              <a:t>&lt;p&gt;A Paragraph&lt;/p&gt;</a:t>
-            </a:r>
-          </a:p>
-          <a:p>
-            <a:r>
-              <a:rPr lang="en-US" sz="1400" b="1" dirty="0">
-                <a:latin typeface="Courier New" panose="02070309020205020404" pitchFamily="49" charset="0"/>
-                <a:cs typeface="Courier New" panose="02070309020205020404" pitchFamily="49" charset="0"/>
-              </a:rPr>
-              <a:t>&lt;script&gt;</a:t>
-            </a:r>
-          </a:p>
-          <a:p>
-            <a:r>
-              <a:rPr lang="en-US" sz="1400" b="1" dirty="0">
-                <a:latin typeface="Courier New" panose="02070309020205020404" pitchFamily="49" charset="0"/>
-                <a:cs typeface="Courier New" panose="02070309020205020404" pitchFamily="49" charset="0"/>
-              </a:rPr>
-              <a:t>    fetch('</a:t>
-            </a:r>
-            <a:r>
-              <a:rPr lang="en-US" sz="1400" b="1" dirty="0" err="1">
-                <a:latin typeface="Courier New" panose="02070309020205020404" pitchFamily="49" charset="0"/>
-                <a:cs typeface="Courier New" panose="02070309020205020404" pitchFamily="49" charset="0"/>
-              </a:rPr>
-              <a:t>secret.txt</a:t>
-            </a:r>
-            <a:r>
-              <a:rPr lang="en-US" sz="1400" b="1" dirty="0">
-                <a:latin typeface="Courier New" panose="02070309020205020404" pitchFamily="49" charset="0"/>
-                <a:cs typeface="Courier New" panose="02070309020205020404" pitchFamily="49" charset="0"/>
-              </a:rPr>
-              <a:t>')</a:t>
-            </a:r>
-          </a:p>
-          <a:p>
-            <a:r>
-              <a:rPr lang="en-US" sz="1400" b="1" dirty="0">
-                <a:latin typeface="Courier New" panose="02070309020205020404" pitchFamily="49" charset="0"/>
-                <a:cs typeface="Courier New" panose="02070309020205020404" pitchFamily="49" charset="0"/>
-              </a:rPr>
-              <a:t>        .</a:t>
-            </a:r>
-            <a:r>
-              <a:rPr lang="en-US" sz="1400" b="1" dirty="0">
-                <a:solidFill>
-                  <a:srgbClr val="FFC000"/>
-                </a:solidFill>
-                <a:latin typeface="Courier New" panose="02070309020205020404" pitchFamily="49" charset="0"/>
-                <a:cs typeface="Courier New" panose="02070309020205020404" pitchFamily="49" charset="0"/>
-              </a:rPr>
-              <a:t>then</a:t>
-            </a:r>
-            <a:r>
-              <a:rPr lang="en-US" sz="1400" b="1" dirty="0">
-                <a:latin typeface="Courier New" panose="02070309020205020404" pitchFamily="49" charset="0"/>
-                <a:cs typeface="Courier New" panose="02070309020205020404" pitchFamily="49" charset="0"/>
-              </a:rPr>
-              <a:t>(response =&gt; {</a:t>
-            </a:r>
-          </a:p>
-          <a:p>
-            <a:r>
-              <a:rPr lang="en-US" sz="1400" b="1" dirty="0">
-                <a:latin typeface="Courier New" panose="02070309020205020404" pitchFamily="49" charset="0"/>
-                <a:cs typeface="Courier New" panose="02070309020205020404" pitchFamily="49" charset="0"/>
-              </a:rPr>
-              <a:t>            </a:t>
-            </a:r>
-            <a:r>
-              <a:rPr lang="en-US" sz="1400" b="1" dirty="0" err="1">
-                <a:latin typeface="Courier New" panose="02070309020205020404" pitchFamily="49" charset="0"/>
-                <a:cs typeface="Courier New" panose="02070309020205020404" pitchFamily="49" charset="0"/>
-              </a:rPr>
-              <a:t>console.log</a:t>
-            </a:r>
-            <a:r>
-              <a:rPr lang="en-US" sz="1400" b="1" dirty="0">
-                <a:latin typeface="Courier New" panose="02070309020205020404" pitchFamily="49" charset="0"/>
-                <a:cs typeface="Courier New" panose="02070309020205020404" pitchFamily="49" charset="0"/>
-              </a:rPr>
-              <a:t>(response);</a:t>
-            </a:r>
-          </a:p>
-          <a:p>
-            <a:r>
-              <a:rPr lang="en-US" sz="1400" b="1" dirty="0">
-                <a:latin typeface="Courier New" panose="02070309020205020404" pitchFamily="49" charset="0"/>
-                <a:cs typeface="Courier New" panose="02070309020205020404" pitchFamily="49" charset="0"/>
-              </a:rPr>
-              <a:t>            return </a:t>
-            </a:r>
-            <a:r>
-              <a:rPr lang="en-US" sz="1400" b="1" dirty="0" err="1">
-                <a:latin typeface="Courier New" panose="02070309020205020404" pitchFamily="49" charset="0"/>
-                <a:cs typeface="Courier New" panose="02070309020205020404" pitchFamily="49" charset="0"/>
-              </a:rPr>
-              <a:t>response.text</a:t>
-            </a:r>
-            <a:r>
-              <a:rPr lang="en-US" sz="1400" b="1" dirty="0">
-                <a:latin typeface="Courier New" panose="02070309020205020404" pitchFamily="49" charset="0"/>
-                <a:cs typeface="Courier New" panose="02070309020205020404" pitchFamily="49" charset="0"/>
-              </a:rPr>
-              <a:t>()</a:t>
-            </a:r>
-          </a:p>
-          <a:p>
-            <a:r>
-              <a:rPr lang="en-US" sz="1400" b="1" dirty="0">
-                <a:latin typeface="Courier New" panose="02070309020205020404" pitchFamily="49" charset="0"/>
-                <a:cs typeface="Courier New" panose="02070309020205020404" pitchFamily="49" charset="0"/>
-              </a:rPr>
-              <a:t>        }) </a:t>
-            </a:r>
-          </a:p>
-          <a:p>
-            <a:r>
-              <a:rPr lang="en-US" sz="1400" b="1" dirty="0">
-                <a:latin typeface="Courier New" panose="02070309020205020404" pitchFamily="49" charset="0"/>
-                <a:cs typeface="Courier New" panose="02070309020205020404" pitchFamily="49" charset="0"/>
-              </a:rPr>
-              <a:t>        .</a:t>
-            </a:r>
-            <a:r>
-              <a:rPr lang="en-US" sz="1400" b="1" dirty="0">
-                <a:solidFill>
-                  <a:srgbClr val="FFC000"/>
-                </a:solidFill>
-                <a:latin typeface="Courier New" panose="02070309020205020404" pitchFamily="49" charset="0"/>
-                <a:cs typeface="Courier New" panose="02070309020205020404" pitchFamily="49" charset="0"/>
-              </a:rPr>
-              <a:t>then</a:t>
-            </a:r>
-            <a:r>
-              <a:rPr lang="en-US" sz="1400" b="1" dirty="0">
-                <a:latin typeface="Courier New" panose="02070309020205020404" pitchFamily="49" charset="0"/>
-                <a:cs typeface="Courier New" panose="02070309020205020404" pitchFamily="49" charset="0"/>
-              </a:rPr>
-              <a:t>(</a:t>
-            </a:r>
-            <a:r>
-              <a:rPr lang="en-US" sz="1400" b="1" dirty="0" err="1">
-                <a:latin typeface="Courier New" panose="02070309020205020404" pitchFamily="49" charset="0"/>
-                <a:cs typeface="Courier New" panose="02070309020205020404" pitchFamily="49" charset="0"/>
-              </a:rPr>
-              <a:t>textString</a:t>
-            </a:r>
-            <a:r>
-              <a:rPr lang="en-US" sz="1400" b="1" dirty="0">
-                <a:latin typeface="Courier New" panose="02070309020205020404" pitchFamily="49" charset="0"/>
-                <a:cs typeface="Courier New" panose="02070309020205020404" pitchFamily="49" charset="0"/>
-              </a:rPr>
-              <a:t> =&gt; {</a:t>
-            </a:r>
-          </a:p>
-          <a:p>
-            <a:r>
-              <a:rPr lang="en-US" sz="1400" b="1" dirty="0">
-                <a:latin typeface="Courier New" panose="02070309020205020404" pitchFamily="49" charset="0"/>
-                <a:cs typeface="Courier New" panose="02070309020205020404" pitchFamily="49" charset="0"/>
-              </a:rPr>
-              <a:t>            </a:t>
-            </a:r>
-            <a:r>
-              <a:rPr lang="en-US" sz="1400" b="1" dirty="0" err="1">
-                <a:latin typeface="Courier New" panose="02070309020205020404" pitchFamily="49" charset="0"/>
-                <a:cs typeface="Courier New" panose="02070309020205020404" pitchFamily="49" charset="0"/>
-              </a:rPr>
-              <a:t>console.log</a:t>
-            </a:r>
-            <a:r>
-              <a:rPr lang="en-US" sz="1400" b="1" dirty="0">
-                <a:latin typeface="Courier New" panose="02070309020205020404" pitchFamily="49" charset="0"/>
-                <a:cs typeface="Courier New" panose="02070309020205020404" pitchFamily="49" charset="0"/>
-              </a:rPr>
-              <a:t>(</a:t>
-            </a:r>
-            <a:r>
-              <a:rPr lang="en-US" sz="1400" b="1" dirty="0" err="1">
-                <a:latin typeface="Courier New" panose="02070309020205020404" pitchFamily="49" charset="0"/>
-                <a:cs typeface="Courier New" panose="02070309020205020404" pitchFamily="49" charset="0"/>
-              </a:rPr>
-              <a:t>textString</a:t>
-            </a:r>
-            <a:r>
-              <a:rPr lang="en-US" sz="1400" b="1" dirty="0">
-                <a:latin typeface="Courier New" panose="02070309020205020404" pitchFamily="49" charset="0"/>
-                <a:cs typeface="Courier New" panose="02070309020205020404" pitchFamily="49" charset="0"/>
-              </a:rPr>
-              <a:t>);</a:t>
-            </a:r>
-          </a:p>
-          <a:p>
-            <a:r>
-              <a:rPr lang="en-US" sz="1400" b="1" dirty="0">
-                <a:latin typeface="Courier New" panose="02070309020205020404" pitchFamily="49" charset="0"/>
-                <a:cs typeface="Courier New" panose="02070309020205020404" pitchFamily="49" charset="0"/>
-              </a:rPr>
-              <a:t>        });</a:t>
-            </a:r>
-          </a:p>
-          <a:p>
-            <a:r>
-              <a:rPr lang="en-US" sz="1400" b="1" dirty="0">
-                <a:latin typeface="Courier New" panose="02070309020205020404" pitchFamily="49" charset="0"/>
-                <a:cs typeface="Courier New" panose="02070309020205020404" pitchFamily="49" charset="0"/>
-              </a:rPr>
-              <a:t>&lt;/script&gt;</a:t>
-            </a:r>
-          </a:p>
-        </p:txBody>
-      </p:sp>
-      <p:sp>
-        <p:nvSpPr>
-          <p:cNvPr id="3" name="TextBox 2">
-            <a:extLst>
-              <a:ext uri="{FF2B5EF4-FFF2-40B4-BE49-F238E27FC236}">
-                <a16:creationId xmlns:a16="http://schemas.microsoft.com/office/drawing/2014/main" id="{2A841704-72CA-21B7-F163-798C4C85C488}"/>
-              </a:ext>
-            </a:extLst>
-          </p:cNvPr>
-          <p:cNvSpPr txBox="1"/>
-          <p:nvPr/>
-        </p:nvSpPr>
-        <p:spPr>
-          <a:xfrm>
-            <a:off x="545549" y="832670"/>
-            <a:ext cx="5369155" cy="369332"/>
-          </a:xfrm>
-          <a:prstGeom prst="rect">
-            <a:avLst/>
-          </a:prstGeom>
-          <a:noFill/>
-        </p:spPr>
-        <p:txBody>
-          <a:bodyPr wrap="square">
-            <a:spAutoFit/>
-          </a:bodyPr>
-          <a:lstStyle/>
-          <a:p>
-            <a:r>
-              <a:rPr lang="en-US" dirty="0">
-                <a:solidFill>
-                  <a:srgbClr val="FFFF00"/>
-                </a:solidFill>
-              </a:rPr>
-              <a:t>https://www.dj4e.com/code/browser/14-fetch.htm</a:t>
-            </a:r>
-          </a:p>
-        </p:txBody>
-      </p:sp>
-      <p:sp>
-        <p:nvSpPr>
-          <p:cNvPr id="18" name="TextBox 17">
-            <a:extLst>
-              <a:ext uri="{FF2B5EF4-FFF2-40B4-BE49-F238E27FC236}">
-                <a16:creationId xmlns:a16="http://schemas.microsoft.com/office/drawing/2014/main" id="{D28F9E72-B70B-AA93-D300-2B13475D5D79}"/>
-              </a:ext>
-            </a:extLst>
-          </p:cNvPr>
-          <p:cNvSpPr txBox="1"/>
-          <p:nvPr/>
-        </p:nvSpPr>
-        <p:spPr>
-          <a:xfrm>
-            <a:off x="545549" y="4578274"/>
-            <a:ext cx="5874165" cy="307777"/>
-          </a:xfrm>
-          <a:prstGeom prst="rect">
-            <a:avLst/>
-          </a:prstGeom>
-          <a:noFill/>
-        </p:spPr>
-        <p:txBody>
-          <a:bodyPr wrap="square">
-            <a:spAutoFit/>
-          </a:bodyPr>
-          <a:lstStyle/>
-          <a:p>
-            <a:r>
-              <a:rPr lang="en-US" sz="1400" b="1" dirty="0">
-                <a:latin typeface="Courier New" panose="02070309020205020404" pitchFamily="49" charset="0"/>
-                <a:cs typeface="Courier New" panose="02070309020205020404" pitchFamily="49" charset="0"/>
-              </a:rPr>
-              <a:t>The secret (of course) is 42</a:t>
-            </a:r>
-          </a:p>
-        </p:txBody>
-      </p:sp>
-      <p:sp>
-        <p:nvSpPr>
-          <p:cNvPr id="19" name="TextBox 18">
-            <a:extLst>
-              <a:ext uri="{FF2B5EF4-FFF2-40B4-BE49-F238E27FC236}">
-                <a16:creationId xmlns:a16="http://schemas.microsoft.com/office/drawing/2014/main" id="{5A5B1A41-5AF5-479D-BB23-CA807731A4D8}"/>
-              </a:ext>
-            </a:extLst>
-          </p:cNvPr>
-          <p:cNvSpPr txBox="1"/>
-          <p:nvPr/>
-        </p:nvSpPr>
-        <p:spPr>
-          <a:xfrm>
-            <a:off x="518423" y="4091586"/>
-            <a:ext cx="5369155" cy="369332"/>
-          </a:xfrm>
-          <a:prstGeom prst="rect">
-            <a:avLst/>
-          </a:prstGeom>
-          <a:noFill/>
-        </p:spPr>
-        <p:txBody>
-          <a:bodyPr wrap="square">
-            <a:spAutoFit/>
-          </a:bodyPr>
-          <a:lstStyle/>
-          <a:p>
-            <a:r>
-              <a:rPr lang="en-US" dirty="0">
-                <a:solidFill>
-                  <a:srgbClr val="FFFF00"/>
-                </a:solidFill>
-              </a:rPr>
-              <a:t>https://www.dj4e.com/code/browser/</a:t>
-            </a:r>
-            <a:r>
-              <a:rPr lang="en-US" dirty="0" err="1">
-                <a:solidFill>
-                  <a:srgbClr val="FFFF00"/>
-                </a:solidFill>
-              </a:rPr>
-              <a:t>secret.txt</a:t>
-            </a:r>
-            <a:endParaRPr lang="en-US" dirty="0">
-              <a:solidFill>
-                <a:srgbClr val="FFFF00"/>
-              </a:solidFill>
-            </a:endParaRPr>
-          </a:p>
-        </p:txBody>
-      </p:sp>
-      <p:pic>
-        <p:nvPicPr>
-          <p:cNvPr id="8" name="Picture 7" descr="A screenshot of a computer program&#10;&#10;Description automatically generated">
-            <a:extLst>
-              <a:ext uri="{FF2B5EF4-FFF2-40B4-BE49-F238E27FC236}">
-                <a16:creationId xmlns:a16="http://schemas.microsoft.com/office/drawing/2014/main" id="{1FE4A401-580A-3F6B-5164-074669524D53}"/>
-              </a:ext>
-            </a:extLst>
-          </p:cNvPr>
-          <p:cNvPicPr>
-            <a:picLocks noChangeAspect="1"/>
-          </p:cNvPicPr>
-          <p:nvPr/>
-        </p:nvPicPr>
-        <p:blipFill>
-          <a:blip r:embed="rId2"/>
-          <a:stretch>
-            <a:fillRect/>
-          </a:stretch>
-        </p:blipFill>
-        <p:spPr>
-          <a:xfrm>
-            <a:off x="5901747" y="860736"/>
-            <a:ext cx="6046192" cy="4621372"/>
-          </a:xfrm>
-          <a:prstGeom prst="rect">
-            <a:avLst/>
-          </a:prstGeom>
-        </p:spPr>
-      </p:pic>
-      <p:cxnSp>
-        <p:nvCxnSpPr>
-          <p:cNvPr id="9" name="Straight Arrow Connector 8">
-            <a:extLst>
-              <a:ext uri="{FF2B5EF4-FFF2-40B4-BE49-F238E27FC236}">
-                <a16:creationId xmlns:a16="http://schemas.microsoft.com/office/drawing/2014/main" id="{901D6024-8587-D151-8601-E9496D4F5E93}"/>
-              </a:ext>
-            </a:extLst>
-          </p:cNvPr>
-          <p:cNvCxnSpPr>
-            <a:cxnSpLocks/>
-          </p:cNvCxnSpPr>
-          <p:nvPr/>
-        </p:nvCxnSpPr>
-        <p:spPr>
-          <a:xfrm>
-            <a:off x="4293704" y="2335696"/>
-            <a:ext cx="1802296" cy="1341782"/>
-          </a:xfrm>
-          <a:prstGeom prst="straightConnector1">
-            <a:avLst/>
-          </a:prstGeom>
-          <a:ln w="38100">
-            <a:solidFill>
-              <a:srgbClr val="FFC000"/>
-            </a:solidFill>
-            <a:tailEnd type="triangle"/>
-          </a:ln>
-        </p:spPr>
-        <p:style>
-          <a:lnRef idx="1">
-            <a:schemeClr val="accent1"/>
-          </a:lnRef>
-          <a:fillRef idx="0">
-            <a:schemeClr val="accent1"/>
-          </a:fillRef>
-          <a:effectRef idx="0">
-            <a:schemeClr val="accent1"/>
-          </a:effectRef>
-          <a:fontRef idx="minor">
-            <a:schemeClr val="tx1"/>
-          </a:fontRef>
-        </p:style>
-      </p:cxnSp>
-      <p:cxnSp>
-        <p:nvCxnSpPr>
-          <p:cNvPr id="12" name="Straight Arrow Connector 11">
-            <a:extLst>
-              <a:ext uri="{FF2B5EF4-FFF2-40B4-BE49-F238E27FC236}">
-                <a16:creationId xmlns:a16="http://schemas.microsoft.com/office/drawing/2014/main" id="{2C01683E-C1AE-20C0-F7ED-1319B16E22A5}"/>
-              </a:ext>
-            </a:extLst>
-          </p:cNvPr>
-          <p:cNvCxnSpPr>
-            <a:cxnSpLocks/>
-          </p:cNvCxnSpPr>
-          <p:nvPr/>
-        </p:nvCxnSpPr>
-        <p:spPr>
-          <a:xfrm>
-            <a:off x="4462670" y="3230217"/>
-            <a:ext cx="1633330" cy="1480931"/>
-          </a:xfrm>
-          <a:prstGeom prst="straightConnector1">
-            <a:avLst/>
-          </a:prstGeom>
-          <a:ln w="38100">
-            <a:solidFill>
-              <a:srgbClr val="FFC000"/>
-            </a:solidFill>
-            <a:tailEnd type="triangle"/>
-          </a:ln>
-        </p:spPr>
-        <p:style>
-          <a:lnRef idx="1">
-            <a:schemeClr val="accent1"/>
-          </a:lnRef>
-          <a:fillRef idx="0">
-            <a:schemeClr val="accent1"/>
-          </a:fillRef>
-          <a:effectRef idx="0">
-            <a:schemeClr val="accent1"/>
-          </a:effectRef>
-          <a:fontRef idx="minor">
-            <a:schemeClr val="tx1"/>
-          </a:fontRef>
-        </p:style>
-      </p:cxnSp>
-    </p:spTree>
-    <p:extLst>
-      <p:ext uri="{BB962C8B-B14F-4D97-AF65-F5344CB8AC3E}">
-        <p14:creationId xmlns:p14="http://schemas.microsoft.com/office/powerpoint/2010/main" val="2012650983"/>
-      </p:ext>
-    </p:extLst>
-  </p:cSld>
-  <p:clrMapOvr>
-    <a:masterClrMapping/>
-  </p:clrMapOvr>
-</p:sld>
-</file>
-
 <file path=ppt/slides/slide37.xml><?xml version="1.0" encoding="utf-8"?>
 <p:sld xmlns:a="http://schemas.openxmlformats.org/drawingml/2006/main" xmlns:r="http://schemas.openxmlformats.org/officeDocument/2006/relationships" xmlns:p="http://schemas.openxmlformats.org/presentationml/2006/main">
   <p:cSld>
@@ -14038,7 +13529,7 @@
         <p:spPr>
           <a:xfrm>
             <a:off x="518423" y="1329259"/>
-            <a:ext cx="5037551" cy="2246769"/>
+            <a:ext cx="5874165" cy="2462213"/>
           </a:xfrm>
           <a:prstGeom prst="rect">
             <a:avLst/>
@@ -14062,13 +13553,10 @@
           <a:p>
             <a:r>
               <a:rPr lang="en-US" sz="1400" b="1" dirty="0">
-                <a:solidFill>
-                  <a:srgbClr val="FFC000"/>
-                </a:solidFill>
-                <a:latin typeface="Courier New" panose="02070309020205020404" pitchFamily="49" charset="0"/>
-                <a:cs typeface="Courier New" panose="02070309020205020404" pitchFamily="49" charset="0"/>
-              </a:rPr>
-              <a:t>&lt;p id="zap"&gt;&lt;/p&gt;</a:t>
+                <a:latin typeface="Courier New" panose="02070309020205020404" pitchFamily="49" charset="0"/>
+                <a:cs typeface="Courier New" panose="02070309020205020404" pitchFamily="49" charset="0"/>
+              </a:rPr>
+              <a:t>&lt;script&gt;</a:t>
             </a:r>
           </a:p>
           <a:p>
@@ -14077,79 +13565,31 @@
                 <a:latin typeface="Courier New" panose="02070309020205020404" pitchFamily="49" charset="0"/>
                 <a:cs typeface="Courier New" panose="02070309020205020404" pitchFamily="49" charset="0"/>
               </a:rPr>
-              <a:t>&lt;script&gt;</a:t>
-            </a:r>
-          </a:p>
-          <a:p>
+              <a:t>    fetch('</a:t>
+            </a:r>
+            <a:r>
+              <a:rPr lang="en-US" sz="1400" b="1" dirty="0" err="1">
+                <a:latin typeface="Courier New" panose="02070309020205020404" pitchFamily="49" charset="0"/>
+                <a:cs typeface="Courier New" panose="02070309020205020404" pitchFamily="49" charset="0"/>
+              </a:rPr>
+              <a:t>secret.txt</a:t>
+            </a:r>
             <a:r>
               <a:rPr lang="en-US" sz="1400" b="1" dirty="0">
                 <a:latin typeface="Courier New" panose="02070309020205020404" pitchFamily="49" charset="0"/>
                 <a:cs typeface="Courier New" panose="02070309020205020404" pitchFamily="49" charset="0"/>
               </a:rPr>
-              <a:t>    fetch('</a:t>
-            </a:r>
-            <a:r>
-              <a:rPr lang="en-US" sz="1400" b="1" dirty="0" err="1">
-                <a:latin typeface="Courier New" panose="02070309020205020404" pitchFamily="49" charset="0"/>
-                <a:cs typeface="Courier New" panose="02070309020205020404" pitchFamily="49" charset="0"/>
-              </a:rPr>
-              <a:t>secret.txt</a:t>
-            </a:r>
+              <a:t>')</a:t>
+            </a:r>
+          </a:p>
+          <a:p>
             <a:r>
               <a:rPr lang="en-US" sz="1400" b="1" dirty="0">
                 <a:latin typeface="Courier New" panose="02070309020205020404" pitchFamily="49" charset="0"/>
                 <a:cs typeface="Courier New" panose="02070309020205020404" pitchFamily="49" charset="0"/>
               </a:rPr>
-              <a:t>')</a:t>
-            </a:r>
-          </a:p>
-          <a:p>
-            <a:r>
-              <a:rPr lang="en-US" sz="1400" b="1" dirty="0">
-                <a:latin typeface="Courier New" panose="02070309020205020404" pitchFamily="49" charset="0"/>
-                <a:cs typeface="Courier New" panose="02070309020205020404" pitchFamily="49" charset="0"/>
-              </a:rPr>
-              <a:t>        .then(response =&gt; </a:t>
-            </a:r>
-            <a:r>
-              <a:rPr lang="en-US" sz="1400" b="1" dirty="0" err="1">
-                <a:latin typeface="Courier New" panose="02070309020205020404" pitchFamily="49" charset="0"/>
-                <a:cs typeface="Courier New" panose="02070309020205020404" pitchFamily="49" charset="0"/>
-              </a:rPr>
-              <a:t>response.text</a:t>
-            </a:r>
-            <a:r>
-              <a:rPr lang="en-US" sz="1400" b="1" dirty="0">
-                <a:latin typeface="Courier New" panose="02070309020205020404" pitchFamily="49" charset="0"/>
-                <a:cs typeface="Courier New" panose="02070309020205020404" pitchFamily="49" charset="0"/>
-              </a:rPr>
-              <a:t>() )</a:t>
-            </a:r>
-          </a:p>
-          <a:p>
-            <a:r>
-              <a:rPr lang="en-US" sz="1400" b="1" dirty="0">
-                <a:latin typeface="Courier New" panose="02070309020205020404" pitchFamily="49" charset="0"/>
-                <a:cs typeface="Courier New" panose="02070309020205020404" pitchFamily="49" charset="0"/>
-              </a:rPr>
-              <a:t>        .then(</a:t>
-            </a:r>
-            <a:r>
-              <a:rPr lang="en-US" sz="1400" b="1" dirty="0" err="1">
-                <a:latin typeface="Courier New" panose="02070309020205020404" pitchFamily="49" charset="0"/>
-                <a:cs typeface="Courier New" panose="02070309020205020404" pitchFamily="49" charset="0"/>
-              </a:rPr>
-              <a:t>textString</a:t>
-            </a:r>
-            <a:r>
-              <a:rPr lang="en-US" sz="1400" b="1" dirty="0">
-                <a:latin typeface="Courier New" panose="02070309020205020404" pitchFamily="49" charset="0"/>
-                <a:cs typeface="Courier New" panose="02070309020205020404" pitchFamily="49" charset="0"/>
-              </a:rPr>
-              <a:t> =&gt; {</a:t>
-            </a:r>
-          </a:p>
-          <a:p>
+              <a:t>        .</a:t>
+            </a:r>
             <a:r>
               <a:rPr lang="en-US" sz="1400" b="1" dirty="0">
                 <a:solidFill>
@@ -14158,17 +13598,78 @@
                 <a:latin typeface="Courier New" panose="02070309020205020404" pitchFamily="49" charset="0"/>
                 <a:cs typeface="Courier New" panose="02070309020205020404" pitchFamily="49" charset="0"/>
               </a:rPr>
+              <a:t>then</a:t>
+            </a:r>
+            <a:r>
+              <a:rPr lang="en-US" sz="1400" b="1" dirty="0">
+                <a:latin typeface="Courier New" panose="02070309020205020404" pitchFamily="49" charset="0"/>
+                <a:cs typeface="Courier New" panose="02070309020205020404" pitchFamily="49" charset="0"/>
+              </a:rPr>
+              <a:t>(response =&gt; {</a:t>
+            </a:r>
+          </a:p>
+          <a:p>
+            <a:r>
+              <a:rPr lang="en-US" sz="1400" b="1" dirty="0">
+                <a:latin typeface="Courier New" panose="02070309020205020404" pitchFamily="49" charset="0"/>
+                <a:cs typeface="Courier New" panose="02070309020205020404" pitchFamily="49" charset="0"/>
+              </a:rPr>
               <a:t>            </a:t>
             </a:r>
             <a:r>
               <a:rPr lang="en-US" sz="1400" b="1" dirty="0" err="1">
-                <a:solidFill>
-                  <a:srgbClr val="FFC000"/>
-                </a:solidFill>
-                <a:latin typeface="Courier New" panose="02070309020205020404" pitchFamily="49" charset="0"/>
-                <a:cs typeface="Courier New" panose="02070309020205020404" pitchFamily="49" charset="0"/>
-              </a:rPr>
-              <a:t>document.getElementById</a:t>
+                <a:latin typeface="Courier New" panose="02070309020205020404" pitchFamily="49" charset="0"/>
+                <a:cs typeface="Courier New" panose="02070309020205020404" pitchFamily="49" charset="0"/>
+              </a:rPr>
+              <a:t>console.log</a:t>
+            </a:r>
+            <a:r>
+              <a:rPr lang="en-US" sz="1400" b="1" dirty="0">
+                <a:latin typeface="Courier New" panose="02070309020205020404" pitchFamily="49" charset="0"/>
+                <a:cs typeface="Courier New" panose="02070309020205020404" pitchFamily="49" charset="0"/>
+              </a:rPr>
+              <a:t>(response);</a:t>
+            </a:r>
+          </a:p>
+          <a:p>
+            <a:r>
+              <a:rPr lang="en-US" sz="1400" b="1" dirty="0">
+                <a:latin typeface="Courier New" panose="02070309020205020404" pitchFamily="49" charset="0"/>
+                <a:cs typeface="Courier New" panose="02070309020205020404" pitchFamily="49" charset="0"/>
+              </a:rPr>
+              <a:t>            return </a:t>
+            </a:r>
+            <a:r>
+              <a:rPr lang="en-US" sz="1400" b="1" dirty="0" err="1">
+                <a:latin typeface="Courier New" panose="02070309020205020404" pitchFamily="49" charset="0"/>
+                <a:cs typeface="Courier New" panose="02070309020205020404" pitchFamily="49" charset="0"/>
+              </a:rPr>
+              <a:t>response.text</a:t>
+            </a:r>
+            <a:r>
+              <a:rPr lang="en-US" sz="1400" b="1" dirty="0">
+                <a:latin typeface="Courier New" panose="02070309020205020404" pitchFamily="49" charset="0"/>
+                <a:cs typeface="Courier New" panose="02070309020205020404" pitchFamily="49" charset="0"/>
+              </a:rPr>
+              <a:t>()</a:t>
+            </a:r>
+          </a:p>
+          <a:p>
+            <a:r>
+              <a:rPr lang="en-US" sz="1400" b="1" dirty="0">
+                <a:latin typeface="Courier New" panose="02070309020205020404" pitchFamily="49" charset="0"/>
+                <a:cs typeface="Courier New" panose="02070309020205020404" pitchFamily="49" charset="0"/>
+              </a:rPr>
+              <a:t>        }) </a:t>
+            </a:r>
+          </a:p>
+          <a:p>
+            <a:r>
+              <a:rPr lang="en-US" sz="1400" b="1" dirty="0">
+                <a:latin typeface="Courier New" panose="02070309020205020404" pitchFamily="49" charset="0"/>
+                <a:cs typeface="Courier New" panose="02070309020205020404" pitchFamily="49" charset="0"/>
+              </a:rPr>
+              <a:t>        .</a:t>
             </a:r>
             <a:r>
               <a:rPr lang="en-US" sz="1400" b="1" dirty="0">
@@ -14178,45 +13679,54 @@
                 <a:latin typeface="Courier New" panose="02070309020205020404" pitchFamily="49" charset="0"/>
                 <a:cs typeface="Courier New" panose="02070309020205020404" pitchFamily="49" charset="0"/>
               </a:rPr>
-              <a:t>("zap")</a:t>
-            </a:r>
-          </a:p>
-          <a:p>
+              <a:t>then</a:t>
+            </a:r>
             <a:r>
               <a:rPr lang="en-US" sz="1400" b="1" dirty="0">
-                <a:solidFill>
-                  <a:srgbClr val="FFC000"/>
-                </a:solidFill>
-                <a:latin typeface="Courier New" panose="02070309020205020404" pitchFamily="49" charset="0"/>
-                <a:cs typeface="Courier New" panose="02070309020205020404" pitchFamily="49" charset="0"/>
-              </a:rPr>
-              <a:t>                .</a:t>
+                <a:latin typeface="Courier New" panose="02070309020205020404" pitchFamily="49" charset="0"/>
+                <a:cs typeface="Courier New" panose="02070309020205020404" pitchFamily="49" charset="0"/>
+              </a:rPr>
+              <a:t>(</a:t>
             </a:r>
             <a:r>
               <a:rPr lang="en-US" sz="1400" b="1" dirty="0" err="1">
-                <a:solidFill>
-                  <a:srgbClr val="FFC000"/>
-                </a:solidFill>
-                <a:latin typeface="Courier New" panose="02070309020205020404" pitchFamily="49" charset="0"/>
-                <a:cs typeface="Courier New" panose="02070309020205020404" pitchFamily="49" charset="0"/>
-              </a:rPr>
-              <a:t>innerText</a:t>
+                <a:latin typeface="Courier New" panose="02070309020205020404" pitchFamily="49" charset="0"/>
+                <a:cs typeface="Courier New" panose="02070309020205020404" pitchFamily="49" charset="0"/>
+              </a:rPr>
+              <a:t>textString</a:t>
             </a:r>
             <a:r>
               <a:rPr lang="en-US" sz="1400" b="1" dirty="0">
-                <a:solidFill>
-                  <a:srgbClr val="FFC000"/>
-                </a:solidFill>
-                <a:latin typeface="Courier New" panose="02070309020205020404" pitchFamily="49" charset="0"/>
-                <a:cs typeface="Courier New" panose="02070309020205020404" pitchFamily="49" charset="0"/>
-              </a:rPr>
-              <a:t> = </a:t>
+                <a:latin typeface="Courier New" panose="02070309020205020404" pitchFamily="49" charset="0"/>
+                <a:cs typeface="Courier New" panose="02070309020205020404" pitchFamily="49" charset="0"/>
+              </a:rPr>
+              <a:t> =&gt; {</a:t>
+            </a:r>
+          </a:p>
+          <a:p>
+            <a:r>
+              <a:rPr lang="en-US" sz="1400" b="1" dirty="0">
+                <a:latin typeface="Courier New" panose="02070309020205020404" pitchFamily="49" charset="0"/>
+                <a:cs typeface="Courier New" panose="02070309020205020404" pitchFamily="49" charset="0"/>
+              </a:rPr>
+              <a:t>            </a:t>
             </a:r>
             <a:r>
               <a:rPr lang="en-US" sz="1400" b="1" dirty="0" err="1">
-                <a:solidFill>
-                  <a:srgbClr val="FFC000"/>
-                </a:solidFill>
+                <a:latin typeface="Courier New" panose="02070309020205020404" pitchFamily="49" charset="0"/>
+                <a:cs typeface="Courier New" panose="02070309020205020404" pitchFamily="49" charset="0"/>
+              </a:rPr>
+              <a:t>console.log</a:t>
+            </a:r>
+            <a:r>
+              <a:rPr lang="en-US" sz="1400" b="1" dirty="0">
+                <a:latin typeface="Courier New" panose="02070309020205020404" pitchFamily="49" charset="0"/>
+                <a:cs typeface="Courier New" panose="02070309020205020404" pitchFamily="49" charset="0"/>
+              </a:rPr>
+              <a:t>(</a:t>
+            </a:r>
+            <a:r>
+              <a:rPr lang="en-US" sz="1400" b="1" dirty="0" err="1">
                 <a:latin typeface="Courier New" panose="02070309020205020404" pitchFamily="49" charset="0"/>
                 <a:cs typeface="Courier New" panose="02070309020205020404" pitchFamily="49" charset="0"/>
               </a:rPr>
@@ -14224,13 +13734,10 @@
             </a:r>
             <a:r>
               <a:rPr lang="en-US" sz="1400" b="1" dirty="0">
-                <a:solidFill>
-                  <a:srgbClr val="FFC000"/>
-                </a:solidFill>
-                <a:latin typeface="Courier New" panose="02070309020205020404" pitchFamily="49" charset="0"/>
-                <a:cs typeface="Courier New" panose="02070309020205020404" pitchFamily="49" charset="0"/>
-              </a:rPr>
-              <a:t>;</a:t>
+                <a:latin typeface="Courier New" panose="02070309020205020404" pitchFamily="49" charset="0"/>
+                <a:cs typeface="Courier New" panose="02070309020205020404" pitchFamily="49" charset="0"/>
+              </a:rPr>
+              <a:t>);</a:t>
             </a:r>
           </a:p>
           <a:p>
@@ -14287,7 +13794,7 @@
                   <a:srgbClr val="FFFF00"/>
                 </a:solidFill>
               </a:rPr>
-              <a:t>https://www.dj4e.com/code/browser/15-fetch.htm</a:t>
+              <a:t>https://www.dj4e.com/code/browser/14-fetch.htm</a:t>
             </a:r>
           </a:p>
         </p:txBody>
@@ -14307,7 +13814,7 @@
         <p:spPr>
           <a:xfrm>
             <a:off x="545549" y="4578274"/>
-            <a:ext cx="5010425" cy="307777"/>
+            <a:ext cx="5874165" cy="307777"/>
           </a:xfrm>
           <a:prstGeom prst="rect">
             <a:avLst/>
@@ -14384,10 +13891,10 @@
       </p:sp>
       <p:pic>
         <p:nvPicPr>
-          <p:cNvPr id="22" name="Picture 21" descr="A screenshot of a computer&#10;&#10;Description automatically generated">
-            <a:extLst>
-              <a:ext uri="{FF2B5EF4-FFF2-40B4-BE49-F238E27FC236}">
-                <a16:creationId xmlns:a16="http://schemas.microsoft.com/office/drawing/2014/main" id="{C40B34B2-999C-B70D-F280-907118568A37}"/>
+          <p:cNvPr id="8" name="Picture 7" descr="A screenshot of a computer program&#10;&#10;Description automatically generated">
+            <a:extLst>
+              <a:ext uri="{FF2B5EF4-FFF2-40B4-BE49-F238E27FC236}">
+                <a16:creationId xmlns:a16="http://schemas.microsoft.com/office/drawing/2014/main" id="{1FE4A401-580A-3F6B-5164-074669524D53}"/>
               </a:ext>
             </a:extLst>
           </p:cNvPr>
@@ -14404,18 +13911,106 @@
         </p:blipFill>
         <p:spPr>
           <a:xfrm>
-            <a:off x="6608557" y="1139094"/>
-            <a:ext cx="4851400" cy="3556000"/>
+            <a:off x="5901747" y="860736"/>
+            <a:ext cx="6046192" cy="4621372"/>
           </a:xfrm>
           <a:prstGeom prst="rect">
             <a:avLst/>
           </a:prstGeom>
         </p:spPr>
       </p:pic>
+      <p:cxnSp>
+        <p:nvCxnSpPr>
+          <p:cNvPr id="9" name="Straight Arrow Connector 8">
+            <a:extLst>
+              <a:ext uri="{FF2B5EF4-FFF2-40B4-BE49-F238E27FC236}">
+                <a16:creationId xmlns:a16="http://schemas.microsoft.com/office/drawing/2014/main" id="{901D6024-8587-D151-8601-E9496D4F5E93}"/>
+              </a:ext>
+            </a:extLst>
+          </p:cNvPr>
+          <p:cNvCxnSpPr>
+            <a:cxnSpLocks/>
+          </p:cNvCxnSpPr>
+          <p:nvPr/>
+        </p:nvCxnSpPr>
+        <p:spPr>
+          <a:xfrm>
+            <a:off x="4293704" y="2335696"/>
+            <a:ext cx="1802296" cy="1341782"/>
+          </a:xfrm>
+          <a:prstGeom prst="straightConnector1">
+            <a:avLst/>
+          </a:prstGeom>
+          <a:ln w="38100">
+            <a:solidFill>
+              <a:srgbClr val="FFC000"/>
+            </a:solidFill>
+            <a:tailEnd type="triangle"/>
+          </a:ln>
+        </p:spPr>
+        <p:style>
+          <a:lnRef idx="1">
+            <a:schemeClr val="accent1"/>
+          </a:lnRef>
+          <a:fillRef idx="0">
+            <a:schemeClr val="accent1"/>
+          </a:fillRef>
+          <a:effectRef idx="0">
+            <a:schemeClr val="accent1"/>
+          </a:effectRef>
+          <a:fontRef idx="minor">
+            <a:schemeClr val="tx1"/>
+          </a:fontRef>
+        </p:style>
+      </p:cxnSp>
+      <p:cxnSp>
+        <p:nvCxnSpPr>
+          <p:cNvPr id="12" name="Straight Arrow Connector 11">
+            <a:extLst>
+              <a:ext uri="{FF2B5EF4-FFF2-40B4-BE49-F238E27FC236}">
+                <a16:creationId xmlns:a16="http://schemas.microsoft.com/office/drawing/2014/main" id="{2C01683E-C1AE-20C0-F7ED-1319B16E22A5}"/>
+              </a:ext>
+            </a:extLst>
+          </p:cNvPr>
+          <p:cNvCxnSpPr>
+            <a:cxnSpLocks/>
+          </p:cNvCxnSpPr>
+          <p:nvPr/>
+        </p:nvCxnSpPr>
+        <p:spPr>
+          <a:xfrm>
+            <a:off x="4462670" y="3230217"/>
+            <a:ext cx="1633330" cy="1480931"/>
+          </a:xfrm>
+          <a:prstGeom prst="straightConnector1">
+            <a:avLst/>
+          </a:prstGeom>
+          <a:ln w="38100">
+            <a:solidFill>
+              <a:srgbClr val="FFC000"/>
+            </a:solidFill>
+            <a:tailEnd type="triangle"/>
+          </a:ln>
+        </p:spPr>
+        <p:style>
+          <a:lnRef idx="1">
+            <a:schemeClr val="accent1"/>
+          </a:lnRef>
+          <a:fillRef idx="0">
+            <a:schemeClr val="accent1"/>
+          </a:fillRef>
+          <a:effectRef idx="0">
+            <a:schemeClr val="accent1"/>
+          </a:effectRef>
+          <a:fontRef idx="minor">
+            <a:schemeClr val="tx1"/>
+          </a:fontRef>
+        </p:style>
+      </p:cxnSp>
     </p:spTree>
     <p:extLst>
       <p:ext uri="{BB962C8B-B14F-4D97-AF65-F5344CB8AC3E}">
-        <p14:creationId xmlns:p14="http://schemas.microsoft.com/office/powerpoint/2010/main" val="2567580441"/>
+        <p14:creationId xmlns:p14="http://schemas.microsoft.com/office/powerpoint/2010/main" val="2012650983"/>
       </p:ext>
     </p:extLst>
   </p:cSld>
@@ -14444,118 +14039,458 @@
       </p:grpSpPr>
       <p:sp>
         <p:nvSpPr>
-          <p:cNvPr id="2" name="Title 1">
-            <a:extLst>
-              <a:ext uri="{FF2B5EF4-FFF2-40B4-BE49-F238E27FC236}">
-                <a16:creationId xmlns:a16="http://schemas.microsoft.com/office/drawing/2014/main" id="{C5350CC9-AA59-7810-C29C-FD041C61030F}"/>
-              </a:ext>
-            </a:extLst>
-          </p:cNvPr>
-          <p:cNvSpPr>
-            <a:spLocks noGrp="1"/>
-          </p:cNvSpPr>
-          <p:nvPr>
-            <p:ph type="title"/>
-          </p:nvPr>
+          <p:cNvPr id="6" name="Rectangle 5">
+            <a:extLst>
+              <a:ext uri="{FF2B5EF4-FFF2-40B4-BE49-F238E27FC236}">
+                <a16:creationId xmlns:a16="http://schemas.microsoft.com/office/drawing/2014/main" id="{6387946E-7CA3-4E9E-42EE-FE681F1412A8}"/>
+              </a:ext>
+            </a:extLst>
+          </p:cNvPr>
+          <p:cNvSpPr/>
+          <p:nvPr/>
         </p:nvSpPr>
-        <p:spPr/>
+        <p:spPr>
+          <a:xfrm>
+            <a:off x="356706" y="563312"/>
+            <a:ext cx="5369155" cy="5062236"/>
+          </a:xfrm>
+          <a:prstGeom prst="rect">
+            <a:avLst/>
+          </a:prstGeom>
+          <a:solidFill>
+            <a:srgbClr val="002060"/>
+          </a:solidFill>
+          <a:ln w="38100">
+            <a:solidFill>
+              <a:schemeClr val="bg1"/>
+            </a:solidFill>
+          </a:ln>
+        </p:spPr>
+        <p:style>
+          <a:lnRef idx="2">
+            <a:schemeClr val="accent1">
+              <a:shade val="50000"/>
+            </a:schemeClr>
+          </a:lnRef>
+          <a:fillRef idx="1">
+            <a:schemeClr val="accent1"/>
+          </a:fillRef>
+          <a:effectRef idx="0">
+            <a:schemeClr val="accent1"/>
+          </a:effectRef>
+          <a:fontRef idx="minor">
+            <a:schemeClr val="lt1"/>
+          </a:fontRef>
+        </p:style>
         <p:txBody>
           <a:bodyPr/>
           <a:lstStyle/>
           <a:p>
-            <a:r>
-              <a:rPr lang="en-US" dirty="0"/>
-              <a:t>Summary</a:t>
+            <a:pPr algn="r">
+              <a:defRPr/>
+            </a:pPr>
+            <a:r>
+              <a:rPr lang="en-US" sz="1867" dirty="0">
+                <a:sym typeface="Helvetica" charset="0"/>
+              </a:rPr>
+              <a:t>Server</a:t>
             </a:r>
           </a:p>
         </p:txBody>
       </p:sp>
       <p:sp>
         <p:nvSpPr>
-          <p:cNvPr id="3" name="Content Placeholder 2">
-            <a:extLst>
-              <a:ext uri="{FF2B5EF4-FFF2-40B4-BE49-F238E27FC236}">
-                <a16:creationId xmlns:a16="http://schemas.microsoft.com/office/drawing/2014/main" id="{55D16943-FA1E-031F-D641-E929A1EF050F}"/>
-              </a:ext>
-            </a:extLst>
-          </p:cNvPr>
-          <p:cNvSpPr>
-            <a:spLocks noGrp="1"/>
-          </p:cNvSpPr>
-          <p:nvPr>
-            <p:ph idx="1"/>
-          </p:nvPr>
+          <p:cNvPr id="2" name="TextBox 1">
+            <a:extLst>
+              <a:ext uri="{FF2B5EF4-FFF2-40B4-BE49-F238E27FC236}">
+                <a16:creationId xmlns:a16="http://schemas.microsoft.com/office/drawing/2014/main" id="{2525C7EC-E60F-E844-6FF8-F891ADE1AD52}"/>
+              </a:ext>
+            </a:extLst>
+          </p:cNvPr>
+          <p:cNvSpPr txBox="1"/>
+          <p:nvPr/>
         </p:nvSpPr>
-        <p:spPr/>
+        <p:spPr>
+          <a:xfrm>
+            <a:off x="518423" y="1329259"/>
+            <a:ext cx="5037551" cy="2246769"/>
+          </a:xfrm>
+          <a:prstGeom prst="rect">
+            <a:avLst/>
+          </a:prstGeom>
+          <a:noFill/>
+        </p:spPr>
         <p:txBody>
-          <a:bodyPr>
-            <a:normAutofit lnSpcReduction="10000"/>
+          <a:bodyPr wrap="square">
+            <a:spAutoFit/>
           </a:bodyPr>
           <a:lstStyle/>
           <a:p>
             <a:r>
-              <a:rPr lang="en-US" dirty="0"/>
-              <a:t>Document Object Model (DOM)</a:t>
-            </a:r>
-          </a:p>
-          <a:p>
-            <a:r>
-              <a:rPr lang="en-US" dirty="0"/>
-              <a:t>Browser Window</a:t>
-            </a:r>
-          </a:p>
-          <a:p>
-            <a:r>
-              <a:rPr lang="en-US" dirty="0"/>
-              <a:t>UI Event Handlers</a:t>
-            </a:r>
-          </a:p>
-          <a:p>
-            <a:r>
-              <a:rPr lang="en-US" dirty="0"/>
-              <a:t>DOM Event Handlers</a:t>
-            </a:r>
-          </a:p>
-          <a:p>
-            <a:r>
-              <a:rPr lang="en-US" dirty="0"/>
-              <a:t>Window Event Handlers</a:t>
-            </a:r>
-          </a:p>
-          <a:p>
-            <a:r>
-              <a:rPr lang="en-US"/>
-              <a:t>Selecting and changing </a:t>
-            </a:r>
-            <a:r>
-              <a:rPr lang="en-US" dirty="0"/>
-              <a:t>an element / tag</a:t>
-            </a:r>
-          </a:p>
-          <a:p>
-            <a:r>
-              <a:rPr lang="en-US" dirty="0"/>
-              <a:t>Adding an element/tag to the DOM</a:t>
-            </a:r>
-          </a:p>
-          <a:p>
-            <a:r>
-              <a:rPr lang="en-US" dirty="0"/>
-              <a:t>Changing the CSS of an element</a:t>
-            </a:r>
-          </a:p>
-          <a:p>
-            <a:r>
-              <a:rPr lang="en-US" dirty="0"/>
-              <a:t>Making network requests from JavaScript</a:t>
+              <a:rPr lang="en-US" sz="1400" b="1" dirty="0">
+                <a:latin typeface="Courier New" panose="02070309020205020404" pitchFamily="49" charset="0"/>
+                <a:cs typeface="Courier New" panose="02070309020205020404" pitchFamily="49" charset="0"/>
+              </a:rPr>
+              <a:t>&lt;p&gt;A Paragraph&lt;/p&gt;</a:t>
+            </a:r>
+          </a:p>
+          <a:p>
+            <a:r>
+              <a:rPr lang="en-US" sz="1400" b="1" dirty="0">
+                <a:solidFill>
+                  <a:srgbClr val="FFC000"/>
+                </a:solidFill>
+                <a:latin typeface="Courier New" panose="02070309020205020404" pitchFamily="49" charset="0"/>
+                <a:cs typeface="Courier New" panose="02070309020205020404" pitchFamily="49" charset="0"/>
+              </a:rPr>
+              <a:t>&lt;p id="zap"&gt;&lt;/p&gt;</a:t>
+            </a:r>
+          </a:p>
+          <a:p>
+            <a:r>
+              <a:rPr lang="en-US" sz="1400" b="1" dirty="0">
+                <a:latin typeface="Courier New" panose="02070309020205020404" pitchFamily="49" charset="0"/>
+                <a:cs typeface="Courier New" panose="02070309020205020404" pitchFamily="49" charset="0"/>
+              </a:rPr>
+              <a:t>&lt;script&gt;</a:t>
+            </a:r>
+          </a:p>
+          <a:p>
+            <a:r>
+              <a:rPr lang="en-US" sz="1400" b="1" dirty="0">
+                <a:latin typeface="Courier New" panose="02070309020205020404" pitchFamily="49" charset="0"/>
+                <a:cs typeface="Courier New" panose="02070309020205020404" pitchFamily="49" charset="0"/>
+              </a:rPr>
+              <a:t>    fetch('</a:t>
+            </a:r>
+            <a:r>
+              <a:rPr lang="en-US" sz="1400" b="1" dirty="0" err="1">
+                <a:latin typeface="Courier New" panose="02070309020205020404" pitchFamily="49" charset="0"/>
+                <a:cs typeface="Courier New" panose="02070309020205020404" pitchFamily="49" charset="0"/>
+              </a:rPr>
+              <a:t>secret.txt</a:t>
+            </a:r>
+            <a:r>
+              <a:rPr lang="en-US" sz="1400" b="1" dirty="0">
+                <a:latin typeface="Courier New" panose="02070309020205020404" pitchFamily="49" charset="0"/>
+                <a:cs typeface="Courier New" panose="02070309020205020404" pitchFamily="49" charset="0"/>
+              </a:rPr>
+              <a:t>')</a:t>
+            </a:r>
+          </a:p>
+          <a:p>
+            <a:r>
+              <a:rPr lang="en-US" sz="1400" b="1" dirty="0">
+                <a:latin typeface="Courier New" panose="02070309020205020404" pitchFamily="49" charset="0"/>
+                <a:cs typeface="Courier New" panose="02070309020205020404" pitchFamily="49" charset="0"/>
+              </a:rPr>
+              <a:t>        .then(response =&gt; </a:t>
+            </a:r>
+            <a:r>
+              <a:rPr lang="en-US" sz="1400" b="1" dirty="0" err="1">
+                <a:latin typeface="Courier New" panose="02070309020205020404" pitchFamily="49" charset="0"/>
+                <a:cs typeface="Courier New" panose="02070309020205020404" pitchFamily="49" charset="0"/>
+              </a:rPr>
+              <a:t>response.text</a:t>
+            </a:r>
+            <a:r>
+              <a:rPr lang="en-US" sz="1400" b="1" dirty="0">
+                <a:latin typeface="Courier New" panose="02070309020205020404" pitchFamily="49" charset="0"/>
+                <a:cs typeface="Courier New" panose="02070309020205020404" pitchFamily="49" charset="0"/>
+              </a:rPr>
+              <a:t>() )</a:t>
+            </a:r>
+          </a:p>
+          <a:p>
+            <a:r>
+              <a:rPr lang="en-US" sz="1400" b="1" dirty="0">
+                <a:latin typeface="Courier New" panose="02070309020205020404" pitchFamily="49" charset="0"/>
+                <a:cs typeface="Courier New" panose="02070309020205020404" pitchFamily="49" charset="0"/>
+              </a:rPr>
+              <a:t>        .then(</a:t>
+            </a:r>
+            <a:r>
+              <a:rPr lang="en-US" sz="1400" b="1" dirty="0" err="1">
+                <a:latin typeface="Courier New" panose="02070309020205020404" pitchFamily="49" charset="0"/>
+                <a:cs typeface="Courier New" panose="02070309020205020404" pitchFamily="49" charset="0"/>
+              </a:rPr>
+              <a:t>textString</a:t>
+            </a:r>
+            <a:r>
+              <a:rPr lang="en-US" sz="1400" b="1" dirty="0">
+                <a:latin typeface="Courier New" panose="02070309020205020404" pitchFamily="49" charset="0"/>
+                <a:cs typeface="Courier New" panose="02070309020205020404" pitchFamily="49" charset="0"/>
+              </a:rPr>
+              <a:t> =&gt; {</a:t>
+            </a:r>
+          </a:p>
+          <a:p>
+            <a:r>
+              <a:rPr lang="en-US" sz="1400" b="1" dirty="0">
+                <a:solidFill>
+                  <a:srgbClr val="FFC000"/>
+                </a:solidFill>
+                <a:latin typeface="Courier New" panose="02070309020205020404" pitchFamily="49" charset="0"/>
+                <a:cs typeface="Courier New" panose="02070309020205020404" pitchFamily="49" charset="0"/>
+              </a:rPr>
+              <a:t>            </a:t>
+            </a:r>
+            <a:r>
+              <a:rPr lang="en-US" sz="1400" b="1" dirty="0" err="1">
+                <a:solidFill>
+                  <a:srgbClr val="FFC000"/>
+                </a:solidFill>
+                <a:latin typeface="Courier New" panose="02070309020205020404" pitchFamily="49" charset="0"/>
+                <a:cs typeface="Courier New" panose="02070309020205020404" pitchFamily="49" charset="0"/>
+              </a:rPr>
+              <a:t>document.getElementById</a:t>
+            </a:r>
+            <a:r>
+              <a:rPr lang="en-US" sz="1400" b="1" dirty="0">
+                <a:solidFill>
+                  <a:srgbClr val="FFC000"/>
+                </a:solidFill>
+                <a:latin typeface="Courier New" panose="02070309020205020404" pitchFamily="49" charset="0"/>
+                <a:cs typeface="Courier New" panose="02070309020205020404" pitchFamily="49" charset="0"/>
+              </a:rPr>
+              <a:t>("zap")</a:t>
+            </a:r>
+          </a:p>
+          <a:p>
+            <a:r>
+              <a:rPr lang="en-US" sz="1400" b="1" dirty="0">
+                <a:solidFill>
+                  <a:srgbClr val="FFC000"/>
+                </a:solidFill>
+                <a:latin typeface="Courier New" panose="02070309020205020404" pitchFamily="49" charset="0"/>
+                <a:cs typeface="Courier New" panose="02070309020205020404" pitchFamily="49" charset="0"/>
+              </a:rPr>
+              <a:t>                .</a:t>
+            </a:r>
+            <a:r>
+              <a:rPr lang="en-US" sz="1400" b="1" dirty="0" err="1">
+                <a:solidFill>
+                  <a:srgbClr val="FFC000"/>
+                </a:solidFill>
+                <a:latin typeface="Courier New" panose="02070309020205020404" pitchFamily="49" charset="0"/>
+                <a:cs typeface="Courier New" panose="02070309020205020404" pitchFamily="49" charset="0"/>
+              </a:rPr>
+              <a:t>innerText</a:t>
+            </a:r>
+            <a:r>
+              <a:rPr lang="en-US" sz="1400" b="1" dirty="0">
+                <a:solidFill>
+                  <a:srgbClr val="FFC000"/>
+                </a:solidFill>
+                <a:latin typeface="Courier New" panose="02070309020205020404" pitchFamily="49" charset="0"/>
+                <a:cs typeface="Courier New" panose="02070309020205020404" pitchFamily="49" charset="0"/>
+              </a:rPr>
+              <a:t> = </a:t>
+            </a:r>
+            <a:r>
+              <a:rPr lang="en-US" sz="1400" b="1" dirty="0" err="1">
+                <a:solidFill>
+                  <a:srgbClr val="FFC000"/>
+                </a:solidFill>
+                <a:latin typeface="Courier New" panose="02070309020205020404" pitchFamily="49" charset="0"/>
+                <a:cs typeface="Courier New" panose="02070309020205020404" pitchFamily="49" charset="0"/>
+              </a:rPr>
+              <a:t>textString</a:t>
+            </a:r>
+            <a:r>
+              <a:rPr lang="en-US" sz="1400" b="1" dirty="0">
+                <a:solidFill>
+                  <a:srgbClr val="FFC000"/>
+                </a:solidFill>
+                <a:latin typeface="Courier New" panose="02070309020205020404" pitchFamily="49" charset="0"/>
+                <a:cs typeface="Courier New" panose="02070309020205020404" pitchFamily="49" charset="0"/>
+              </a:rPr>
+              <a:t>;</a:t>
+            </a:r>
+          </a:p>
+          <a:p>
+            <a:r>
+              <a:rPr lang="en-US" sz="1400" b="1" dirty="0">
+                <a:latin typeface="Courier New" panose="02070309020205020404" pitchFamily="49" charset="0"/>
+                <a:cs typeface="Courier New" panose="02070309020205020404" pitchFamily="49" charset="0"/>
+              </a:rPr>
+              <a:t>        });</a:t>
+            </a:r>
+          </a:p>
+          <a:p>
+            <a:r>
+              <a:rPr lang="en-US" sz="1400" b="1" dirty="0">
+                <a:latin typeface="Courier New" panose="02070309020205020404" pitchFamily="49" charset="0"/>
+                <a:cs typeface="Courier New" panose="02070309020205020404" pitchFamily="49" charset="0"/>
+              </a:rPr>
+              <a:t>&lt;/script&gt;</a:t>
             </a:r>
           </a:p>
         </p:txBody>
       </p:sp>
+      <p:sp>
+        <p:nvSpPr>
+          <p:cNvPr id="3" name="TextBox 2">
+            <a:extLst>
+              <a:ext uri="{FF2B5EF4-FFF2-40B4-BE49-F238E27FC236}">
+                <a16:creationId xmlns:a16="http://schemas.microsoft.com/office/drawing/2014/main" id="{2A841704-72CA-21B7-F163-798C4C85C488}"/>
+              </a:ext>
+            </a:extLst>
+          </p:cNvPr>
+          <p:cNvSpPr txBox="1"/>
+          <p:nvPr/>
+        </p:nvSpPr>
+        <p:spPr>
+          <a:xfrm>
+            <a:off x="545549" y="832670"/>
+            <a:ext cx="5369155" cy="369332"/>
+          </a:xfrm>
+          <a:prstGeom prst="rect">
+            <a:avLst/>
+          </a:prstGeom>
+          <a:noFill/>
+        </p:spPr>
+        <p:txBody>
+          <a:bodyPr wrap="square">
+            <a:spAutoFit/>
+          </a:bodyPr>
+          <a:lstStyle/>
+          <a:p>
+            <a:r>
+              <a:rPr lang="en-US" dirty="0">
+                <a:solidFill>
+                  <a:srgbClr val="FFFF00"/>
+                </a:solidFill>
+              </a:rPr>
+              <a:t>https://www.dj4e.com/code/browser/15-fetch.htm</a:t>
+            </a:r>
+          </a:p>
+        </p:txBody>
+      </p:sp>
+      <p:sp>
+        <p:nvSpPr>
+          <p:cNvPr id="18" name="TextBox 17">
+            <a:extLst>
+              <a:ext uri="{FF2B5EF4-FFF2-40B4-BE49-F238E27FC236}">
+                <a16:creationId xmlns:a16="http://schemas.microsoft.com/office/drawing/2014/main" id="{D28F9E72-B70B-AA93-D300-2B13475D5D79}"/>
+              </a:ext>
+            </a:extLst>
+          </p:cNvPr>
+          <p:cNvSpPr txBox="1"/>
+          <p:nvPr/>
+        </p:nvSpPr>
+        <p:spPr>
+          <a:xfrm>
+            <a:off x="545549" y="4578274"/>
+            <a:ext cx="5010425" cy="307777"/>
+          </a:xfrm>
+          <a:prstGeom prst="rect">
+            <a:avLst/>
+          </a:prstGeom>
+          <a:noFill/>
+        </p:spPr>
+        <p:txBody>
+          <a:bodyPr wrap="square">
+            <a:spAutoFit/>
+          </a:bodyPr>
+          <a:lstStyle/>
+          <a:p>
+            <a:r>
+              <a:rPr lang="en-US" sz="1400" b="1" dirty="0">
+                <a:latin typeface="Courier New" panose="02070309020205020404" pitchFamily="49" charset="0"/>
+                <a:cs typeface="Courier New" panose="02070309020205020404" pitchFamily="49" charset="0"/>
+              </a:rPr>
+              <a:t>The secret (of course) is 42</a:t>
+            </a:r>
+          </a:p>
+        </p:txBody>
+      </p:sp>
+      <p:sp>
+        <p:nvSpPr>
+          <p:cNvPr id="19" name="TextBox 18">
+            <a:extLst>
+              <a:ext uri="{FF2B5EF4-FFF2-40B4-BE49-F238E27FC236}">
+                <a16:creationId xmlns:a16="http://schemas.microsoft.com/office/drawing/2014/main" id="{5A5B1A41-5AF5-479D-BB23-CA807731A4D8}"/>
+              </a:ext>
+            </a:extLst>
+          </p:cNvPr>
+          <p:cNvSpPr txBox="1"/>
+          <p:nvPr/>
+        </p:nvSpPr>
+        <p:spPr>
+          <a:xfrm>
+            <a:off x="518423" y="4091586"/>
+            <a:ext cx="5369155" cy="369332"/>
+          </a:xfrm>
+          <a:prstGeom prst="rect">
+            <a:avLst/>
+          </a:prstGeom>
+          <a:noFill/>
+        </p:spPr>
+        <p:txBody>
+          <a:bodyPr wrap="square">
+            <a:spAutoFit/>
+          </a:bodyPr>
+          <a:lstStyle/>
+          <a:p>
+            <a:r>
+              <a:rPr lang="en-US" dirty="0">
+                <a:solidFill>
+                  <a:srgbClr val="FFFF00"/>
+                </a:solidFill>
+              </a:rPr>
+              <a:t>https://www.dj4e.com/code/browser/</a:t>
+            </a:r>
+            <a:r>
+              <a:rPr lang="en-US" dirty="0" err="1">
+                <a:solidFill>
+                  <a:srgbClr val="FFFF00"/>
+                </a:solidFill>
+              </a:rPr>
+              <a:t>secret.txt</a:t>
+            </a:r>
+            <a:endParaRPr lang="en-US" dirty="0">
+              <a:solidFill>
+                <a:srgbClr val="FFFF00"/>
+              </a:solidFill>
+            </a:endParaRPr>
+          </a:p>
+        </p:txBody>
+      </p:sp>
+      <p:pic>
+        <p:nvPicPr>
+          <p:cNvPr id="22" name="Picture 21" descr="A screenshot of a computer&#10;&#10;Description automatically generated">
+            <a:extLst>
+              <a:ext uri="{FF2B5EF4-FFF2-40B4-BE49-F238E27FC236}">
+                <a16:creationId xmlns:a16="http://schemas.microsoft.com/office/drawing/2014/main" id="{C40B34B2-999C-B70D-F280-907118568A37}"/>
+              </a:ext>
+            </a:extLst>
+          </p:cNvPr>
+          <p:cNvPicPr>
+            <a:picLocks noChangeAspect="1"/>
+          </p:cNvPicPr>
+          <p:nvPr/>
+        </p:nvPicPr>
+        <p:blipFill>
+          <a:blip r:embed="rId2"/>
+          <a:stretch>
+            <a:fillRect/>
+          </a:stretch>
+        </p:blipFill>
+        <p:spPr>
+          <a:xfrm>
+            <a:off x="6608557" y="1139094"/>
+            <a:ext cx="4851400" cy="3556000"/>
+          </a:xfrm>
+          <a:prstGeom prst="rect">
+            <a:avLst/>
+          </a:prstGeom>
+        </p:spPr>
+      </p:pic>
     </p:spTree>
     <p:extLst>
       <p:ext uri="{BB962C8B-B14F-4D97-AF65-F5344CB8AC3E}">
-        <p14:creationId xmlns:p14="http://schemas.microsoft.com/office/powerpoint/2010/main" val="1251442569"/>
+        <p14:creationId xmlns:p14="http://schemas.microsoft.com/office/powerpoint/2010/main" val="2567580441"/>
       </p:ext>
     </p:extLst>
   </p:cSld>
@@ -14584,10 +14519,10 @@
       </p:grpSpPr>
       <p:sp>
         <p:nvSpPr>
-          <p:cNvPr id="35841" name="Title 1">
-            <a:extLst>
-              <a:ext uri="{FF2B5EF4-FFF2-40B4-BE49-F238E27FC236}">
-                <a16:creationId xmlns:a16="http://schemas.microsoft.com/office/drawing/2014/main" id="{648E4DB9-5D6F-66B6-2EDA-60AEB44533DA}"/>
+          <p:cNvPr id="2" name="Title 1">
+            <a:extLst>
+              <a:ext uri="{FF2B5EF4-FFF2-40B4-BE49-F238E27FC236}">
+                <a16:creationId xmlns:a16="http://schemas.microsoft.com/office/drawing/2014/main" id="{C5350CC9-AA59-7810-C29C-FD041C61030F}"/>
               </a:ext>
             </a:extLst>
           </p:cNvPr>
@@ -14598,33 +14533,24 @@
             <p:ph type="title"/>
           </p:nvPr>
         </p:nvSpPr>
-        <p:spPr>
-          <a:xfrm>
-            <a:off x="1132418" y="482600"/>
-            <a:ext cx="9927167" cy="711200"/>
-          </a:xfrm>
-        </p:spPr>
+        <p:spPr/>
         <p:txBody>
           <a:bodyPr/>
           <a:lstStyle/>
           <a:p>
             <a:r>
-              <a:rPr lang="en-US" altLang="en-US">
-                <a:solidFill>
-                  <a:srgbClr val="FFCC66"/>
-                </a:solidFill>
-              </a:rPr>
-              <a:t>Additional Source Information</a:t>
+              <a:rPr lang="en-US" dirty="0"/>
+              <a:t>Summary</a:t>
             </a:r>
           </a:p>
         </p:txBody>
       </p:sp>
       <p:sp>
         <p:nvSpPr>
-          <p:cNvPr id="35842" name="Content Placeholder 2">
-            <a:extLst>
-              <a:ext uri="{FF2B5EF4-FFF2-40B4-BE49-F238E27FC236}">
-                <a16:creationId xmlns:a16="http://schemas.microsoft.com/office/drawing/2014/main" id="{A952151C-FB10-03A9-1C8B-3BB5F998E785}"/>
+          <p:cNvPr id="3" name="Content Placeholder 2">
+            <a:extLst>
+              <a:ext uri="{FF2B5EF4-FFF2-40B4-BE49-F238E27FC236}">
+                <a16:creationId xmlns:a16="http://schemas.microsoft.com/office/drawing/2014/main" id="{55D16943-FA1E-031F-D641-E929A1EF050F}"/>
               </a:ext>
             </a:extLst>
           </p:cNvPr>
@@ -14635,72 +14561,82 @@
             <p:ph idx="1"/>
           </p:nvPr>
         </p:nvSpPr>
-        <p:spPr>
-          <a:xfrm>
-            <a:off x="1132418" y="1498600"/>
-            <a:ext cx="9927167" cy="4464051"/>
-          </a:xfrm>
-        </p:spPr>
+        <p:spPr/>
         <p:txBody>
-          <a:bodyPr anchor="t"/>
+          <a:bodyPr>
+            <a:normAutofit lnSpcReduction="10000"/>
+          </a:bodyPr>
           <a:lstStyle/>
           <a:p>
-            <a:pPr algn="l">
-              <a:buFontTx/>
-              <a:buChar char="•"/>
-            </a:pPr>
-            <a:r>
-              <a:rPr lang="en-US" altLang="en-US" sz="1467" dirty="0"/>
-              <a:t>https://</a:t>
-            </a:r>
-            <a:r>
-              <a:rPr lang="en-US" altLang="en-US" sz="1467" dirty="0" err="1"/>
-              <a:t>commons.wikimedia.org</a:t>
-            </a:r>
-            <a:r>
-              <a:rPr lang="en-US" altLang="en-US" sz="1467" dirty="0"/>
-              <a:t>/wiki/</a:t>
-            </a:r>
-            <a:r>
-              <a:rPr lang="en-US" altLang="en-US" sz="1467" dirty="0" err="1"/>
-              <a:t>File:Mouse_pointer_or_cursor.png</a:t>
-            </a:r>
-            <a:endParaRPr lang="en-US" altLang="en-US" sz="1467" dirty="0"/>
-          </a:p>
-          <a:p>
-            <a:pPr algn="l">
-              <a:buFontTx/>
-              <a:buChar char="•"/>
-            </a:pPr>
-            <a:r>
-              <a:rPr lang="en-US" altLang="en-US" sz="1467" dirty="0"/>
-              <a:t>https://</a:t>
-            </a:r>
-            <a:r>
-              <a:rPr lang="en-US" altLang="en-US" sz="1467" dirty="0" err="1"/>
-              <a:t>en.wikipedia.org</a:t>
-            </a:r>
-            <a:r>
-              <a:rPr lang="en-US" altLang="en-US" sz="1467" dirty="0"/>
-              <a:t>/wiki/</a:t>
-            </a:r>
-            <a:r>
-              <a:rPr lang="en-US" altLang="en-US" sz="1467" dirty="0" err="1"/>
-              <a:t>Spinning_pinwheel</a:t>
-            </a:r>
-            <a:r>
-              <a:rPr lang="en-US" altLang="en-US" sz="1467" dirty="0"/>
-              <a:t>#/media/File:OS_X_10.11_Beta_Beach_Ball.jpg</a:t>
+            <a:r>
+              <a:rPr lang="en-US" dirty="0"/>
+              <a:t>Document Object Model (DOM)</a:t>
+            </a:r>
+          </a:p>
+          <a:p>
+            <a:r>
+              <a:rPr lang="en-US" dirty="0"/>
+              <a:t>Browser Window</a:t>
+            </a:r>
+          </a:p>
+          <a:p>
+            <a:r>
+              <a:rPr lang="en-US" dirty="0"/>
+              <a:t>UI Event Handlers</a:t>
+            </a:r>
+          </a:p>
+          <a:p>
+            <a:r>
+              <a:rPr lang="en-US" dirty="0"/>
+              <a:t>DOM Event Handlers</a:t>
+            </a:r>
+          </a:p>
+          <a:p>
+            <a:r>
+              <a:rPr lang="en-US" dirty="0"/>
+              <a:t>Window Event Handlers</a:t>
+            </a:r>
+          </a:p>
+          <a:p>
+            <a:r>
+              <a:rPr lang="en-US"/>
+              <a:t>Selecting and changing </a:t>
+            </a:r>
+            <a:r>
+              <a:rPr lang="en-US" dirty="0"/>
+              <a:t>an element / tag</a:t>
+            </a:r>
+          </a:p>
+          <a:p>
+            <a:r>
+              <a:rPr lang="en-US" dirty="0"/>
+              <a:t>Adding an element/tag to the DOM</a:t>
+            </a:r>
+          </a:p>
+          <a:p>
+            <a:r>
+              <a:rPr lang="en-US" dirty="0"/>
+              <a:t>Changing the CSS of an element</a:t>
+            </a:r>
+          </a:p>
+          <a:p>
+            <a:r>
+              <a:rPr lang="en-US" dirty="0"/>
+              <a:t>Making network requests from JavaScript</a:t>
             </a:r>
           </a:p>
         </p:txBody>
       </p:sp>
     </p:spTree>
+    <p:extLst>
+      <p:ext uri="{BB962C8B-B14F-4D97-AF65-F5344CB8AC3E}">
+        <p14:creationId xmlns:p14="http://schemas.microsoft.com/office/powerpoint/2010/main" val="1251442569"/>
+      </p:ext>
+    </p:extLst>
   </p:cSld>
   <p:clrMapOvr>
     <a:masterClrMapping/>
   </p:clrMapOvr>
-  <p:transition spd="slow"/>
 </p:sld>
 </file>
 
@@ -15607,6 +15543,145 @@
   <p:clrMapOvr>
     <a:masterClrMapping/>
   </p:clrMapOvr>
+</p:sld>
+</file>
+
+<file path=ppt/slides/slide40.xml><?xml version="1.0" encoding="utf-8"?>
+<p:sld xmlns:a="http://schemas.openxmlformats.org/drawingml/2006/main" xmlns:r="http://schemas.openxmlformats.org/officeDocument/2006/relationships" xmlns:p="http://schemas.openxmlformats.org/presentationml/2006/main">
+  <p:cSld>
+    <p:spTree>
+      <p:nvGrpSpPr>
+        <p:cNvPr id="1" name=""/>
+        <p:cNvGrpSpPr/>
+        <p:nvPr/>
+      </p:nvGrpSpPr>
+      <p:grpSpPr>
+        <a:xfrm>
+          <a:off x="0" y="0"/>
+          <a:ext cx="0" cy="0"/>
+          <a:chOff x="0" y="0"/>
+          <a:chExt cx="0" cy="0"/>
+        </a:xfrm>
+      </p:grpSpPr>
+      <p:sp>
+        <p:nvSpPr>
+          <p:cNvPr id="35841" name="Title 1">
+            <a:extLst>
+              <a:ext uri="{FF2B5EF4-FFF2-40B4-BE49-F238E27FC236}">
+                <a16:creationId xmlns:a16="http://schemas.microsoft.com/office/drawing/2014/main" id="{648E4DB9-5D6F-66B6-2EDA-60AEB44533DA}"/>
+              </a:ext>
+            </a:extLst>
+          </p:cNvPr>
+          <p:cNvSpPr>
+            <a:spLocks noGrp="1"/>
+          </p:cNvSpPr>
+          <p:nvPr>
+            <p:ph type="title"/>
+          </p:nvPr>
+        </p:nvSpPr>
+        <p:spPr>
+          <a:xfrm>
+            <a:off x="1132418" y="482600"/>
+            <a:ext cx="9927167" cy="711200"/>
+          </a:xfrm>
+        </p:spPr>
+        <p:txBody>
+          <a:bodyPr/>
+          <a:lstStyle/>
+          <a:p>
+            <a:r>
+              <a:rPr lang="en-US" altLang="en-US">
+                <a:solidFill>
+                  <a:srgbClr val="FFCC66"/>
+                </a:solidFill>
+              </a:rPr>
+              <a:t>Additional Source Information</a:t>
+            </a:r>
+          </a:p>
+        </p:txBody>
+      </p:sp>
+      <p:sp>
+        <p:nvSpPr>
+          <p:cNvPr id="35842" name="Content Placeholder 2">
+            <a:extLst>
+              <a:ext uri="{FF2B5EF4-FFF2-40B4-BE49-F238E27FC236}">
+                <a16:creationId xmlns:a16="http://schemas.microsoft.com/office/drawing/2014/main" id="{A952151C-FB10-03A9-1C8B-3BB5F998E785}"/>
+              </a:ext>
+            </a:extLst>
+          </p:cNvPr>
+          <p:cNvSpPr>
+            <a:spLocks noGrp="1"/>
+          </p:cNvSpPr>
+          <p:nvPr>
+            <p:ph idx="1"/>
+          </p:nvPr>
+        </p:nvSpPr>
+        <p:spPr>
+          <a:xfrm>
+            <a:off x="1132418" y="1498600"/>
+            <a:ext cx="9927167" cy="4464051"/>
+          </a:xfrm>
+        </p:spPr>
+        <p:txBody>
+          <a:bodyPr anchor="t"/>
+          <a:lstStyle/>
+          <a:p>
+            <a:pPr algn="l">
+              <a:buFontTx/>
+              <a:buChar char="•"/>
+            </a:pPr>
+            <a:r>
+              <a:rPr lang="en-US" altLang="en-US" sz="1467" dirty="0"/>
+              <a:t>https://</a:t>
+            </a:r>
+            <a:r>
+              <a:rPr lang="en-US" altLang="en-US" sz="1467" dirty="0" err="1"/>
+              <a:t>commons.wikimedia.org</a:t>
+            </a:r>
+            <a:r>
+              <a:rPr lang="en-US" altLang="en-US" sz="1467" dirty="0"/>
+              <a:t>/wiki/</a:t>
+            </a:r>
+            <a:r>
+              <a:rPr lang="en-US" altLang="en-US" sz="1467" dirty="0" err="1"/>
+              <a:t>File:Mouse_pointer_or_cursor.png</a:t>
+            </a:r>
+            <a:endParaRPr lang="en-US" altLang="en-US" sz="1467" dirty="0"/>
+          </a:p>
+          <a:p>
+            <a:pPr algn="l">
+              <a:buFontTx/>
+              <a:buChar char="•"/>
+            </a:pPr>
+            <a:r>
+              <a:rPr lang="en-US" altLang="en-US" sz="1467" dirty="0"/>
+              <a:t>https://</a:t>
+            </a:r>
+            <a:r>
+              <a:rPr lang="en-US" altLang="en-US" sz="1467" dirty="0" err="1"/>
+              <a:t>en.wikipedia.org</a:t>
+            </a:r>
+            <a:r>
+              <a:rPr lang="en-US" altLang="en-US" sz="1467" dirty="0"/>
+              <a:t>/wiki/</a:t>
+            </a:r>
+            <a:r>
+              <a:rPr lang="en-US" altLang="en-US" sz="1467" dirty="0" err="1"/>
+              <a:t>Spinning_pinwheel</a:t>
+            </a:r>
+            <a:r>
+              <a:rPr lang="en-US" altLang="en-US" sz="1467" dirty="0"/>
+              <a:t>#/media/File:OS_X_10.11_Beta_Beach_Ball.jpg</a:t>
+            </a:r>
+          </a:p>
+        </p:txBody>
+      </p:sp>
+    </p:spTree>
+  </p:cSld>
+  <p:clrMapOvr>
+    <a:masterClrMapping/>
+  </p:clrMapOvr>
+  <p:transition spd="slow"/>
 </p:sld>
 </file>
 
@@ -17742,6 +17817,52 @@
           </a:fontRef>
         </p:style>
       </p:cxnSp>
+      <p:cxnSp>
+        <p:nvCxnSpPr>
+          <p:cNvPr id="8" name="Straight Arrow Connector 7">
+            <a:extLst>
+              <a:ext uri="{FF2B5EF4-FFF2-40B4-BE49-F238E27FC236}">
+                <a16:creationId xmlns:a16="http://schemas.microsoft.com/office/drawing/2014/main" id="{ED41F397-F8B9-F55B-2613-CC0E9CAE5F7D}"/>
+              </a:ext>
+            </a:extLst>
+          </p:cNvPr>
+          <p:cNvCxnSpPr>
+            <a:cxnSpLocks/>
+            <a:stCxn id="78" idx="2"/>
+            <a:endCxn id="79" idx="0"/>
+          </p:cNvCxnSpPr>
+          <p:nvPr/>
+        </p:nvCxnSpPr>
+        <p:spPr>
+          <a:xfrm flipH="1">
+            <a:off x="2843743" y="2707034"/>
+            <a:ext cx="73024" cy="423333"/>
+          </a:xfrm>
+          <a:prstGeom prst="straightConnector1">
+            <a:avLst/>
+          </a:prstGeom>
+          <a:ln w="38100">
+            <a:solidFill>
+              <a:srgbClr val="FFFF00"/>
+            </a:solidFill>
+            <a:tailEnd type="triangle"/>
+          </a:ln>
+        </p:spPr>
+        <p:style>
+          <a:lnRef idx="1">
+            <a:schemeClr val="accent1"/>
+          </a:lnRef>
+          <a:fillRef idx="0">
+            <a:schemeClr val="accent1"/>
+          </a:fillRef>
+          <a:effectRef idx="0">
+            <a:schemeClr val="accent1"/>
+          </a:effectRef>
+          <a:fontRef idx="minor">
+            <a:schemeClr val="tx1"/>
+          </a:fontRef>
+        </p:style>
+      </p:cxnSp>
     </p:spTree>
     <p:extLst>
       <p:ext uri="{BB962C8B-B14F-4D97-AF65-F5344CB8AC3E}">
@@ -18682,7 +18803,7 @@
         </p:nvSpPr>
         <p:spPr bwMode="auto">
           <a:xfrm>
-            <a:off x="991026" y="3130367"/>
+            <a:off x="991026" y="3602607"/>
             <a:ext cx="813239" cy="289385"/>
           </a:xfrm>
           <a:prstGeom prst="roundRect">
@@ -18756,9 +18877,9 @@
           <p:nvPr/>
         </p:nvCxnSpPr>
         <p:spPr>
-          <a:xfrm>
-            <a:off x="1804265" y="3275060"/>
-            <a:ext cx="329336" cy="417282"/>
+          <a:xfrm flipV="1">
+            <a:off x="1804265" y="3692342"/>
+            <a:ext cx="329336" cy="54958"/>
           </a:xfrm>
           <a:prstGeom prst="straightConnector1">
             <a:avLst/>
@@ -18877,6 +18998,98 @@
           <a:xfrm flipH="1" flipV="1">
             <a:off x="692151" y="2245786"/>
             <a:ext cx="387349" cy="169701"/>
+          </a:xfrm>
+          <a:prstGeom prst="straightConnector1">
+            <a:avLst/>
+          </a:prstGeom>
+          <a:ln w="38100">
+            <a:solidFill>
+              <a:srgbClr val="FFFF00"/>
+            </a:solidFill>
+            <a:tailEnd type="triangle"/>
+          </a:ln>
+        </p:spPr>
+        <p:style>
+          <a:lnRef idx="1">
+            <a:schemeClr val="accent1"/>
+          </a:lnRef>
+          <a:fillRef idx="0">
+            <a:schemeClr val="accent1"/>
+          </a:fillRef>
+          <a:effectRef idx="0">
+            <a:schemeClr val="accent1"/>
+          </a:effectRef>
+          <a:fontRef idx="minor">
+            <a:schemeClr val="tx1"/>
+          </a:fontRef>
+        </p:style>
+      </p:cxnSp>
+      <p:cxnSp>
+        <p:nvCxnSpPr>
+          <p:cNvPr id="8" name="Straight Arrow Connector 7">
+            <a:extLst>
+              <a:ext uri="{FF2B5EF4-FFF2-40B4-BE49-F238E27FC236}">
+                <a16:creationId xmlns:a16="http://schemas.microsoft.com/office/drawing/2014/main" id="{FF74E989-F759-39C5-D0CD-0531B085F2DF}"/>
+              </a:ext>
+            </a:extLst>
+          </p:cNvPr>
+          <p:cNvCxnSpPr>
+            <a:cxnSpLocks/>
+            <a:stCxn id="78" idx="2"/>
+            <a:endCxn id="79" idx="0"/>
+          </p:cNvCxnSpPr>
+          <p:nvPr/>
+        </p:nvCxnSpPr>
+        <p:spPr>
+          <a:xfrm flipH="1">
+            <a:off x="2843743" y="2707034"/>
+            <a:ext cx="73024" cy="423333"/>
+          </a:xfrm>
+          <a:prstGeom prst="straightConnector1">
+            <a:avLst/>
+          </a:prstGeom>
+          <a:ln w="38100">
+            <a:solidFill>
+              <a:srgbClr val="FFFF00"/>
+            </a:solidFill>
+            <a:tailEnd type="triangle"/>
+          </a:ln>
+        </p:spPr>
+        <p:style>
+          <a:lnRef idx="1">
+            <a:schemeClr val="accent1"/>
+          </a:lnRef>
+          <a:fillRef idx="0">
+            <a:schemeClr val="accent1"/>
+          </a:fillRef>
+          <a:effectRef idx="0">
+            <a:schemeClr val="accent1"/>
+          </a:effectRef>
+          <a:fontRef idx="minor">
+            <a:schemeClr val="tx1"/>
+          </a:fontRef>
+        </p:style>
+      </p:cxnSp>
+      <p:cxnSp>
+        <p:nvCxnSpPr>
+          <p:cNvPr id="12" name="Straight Arrow Connector 11">
+            <a:extLst>
+              <a:ext uri="{FF2B5EF4-FFF2-40B4-BE49-F238E27FC236}">
+                <a16:creationId xmlns:a16="http://schemas.microsoft.com/office/drawing/2014/main" id="{1E2110A0-52EC-1842-E916-987B519BEF35}"/>
+              </a:ext>
+            </a:extLst>
+          </p:cNvPr>
+          <p:cNvCxnSpPr>
+            <a:cxnSpLocks/>
+            <a:stCxn id="79" idx="0"/>
+            <a:endCxn id="5" idx="0"/>
+          </p:cNvCxnSpPr>
+          <p:nvPr/>
+        </p:nvCxnSpPr>
+        <p:spPr>
+          <a:xfrm flipH="1">
+            <a:off x="1397646" y="3130367"/>
+            <a:ext cx="1446097" cy="472240"/>
           </a:xfrm>
           <a:prstGeom prst="straightConnector1">
             <a:avLst/>

--- a/lectures/JS-03-Browser.pptx
+++ b/lectures/JS-03-Browser.pptx
@@ -5,7 +5,7 @@
     <p:sldMasterId id="2147483648" r:id="rId1"/>
   </p:sldMasterIdLst>
   <p:notesMasterIdLst>
-    <p:notesMasterId r:id="rId42"/>
+    <p:notesMasterId r:id="rId45"/>
   </p:notesMasterIdLst>
   <p:sldIdLst>
     <p:sldId id="257" r:id="rId2"/>
@@ -46,8 +46,11 @@
     <p:sldId id="373" r:id="rId37"/>
     <p:sldId id="375" r:id="rId38"/>
     <p:sldId id="376" r:id="rId39"/>
-    <p:sldId id="381" r:id="rId40"/>
-    <p:sldId id="287" r:id="rId41"/>
+    <p:sldId id="383" r:id="rId40"/>
+    <p:sldId id="384" r:id="rId41"/>
+    <p:sldId id="385" r:id="rId42"/>
+    <p:sldId id="381" r:id="rId43"/>
+    <p:sldId id="287" r:id="rId44"/>
   </p:sldIdLst>
   <p:sldSz cx="12192000" cy="6858000"/>
   <p:notesSz cx="6858000" cy="9144000"/>
@@ -236,7 +239,7 @@
           <a:p>
             <a:fld id="{F8062002-FE47-E44A-9934-27B168626197}" type="datetimeFigureOut">
               <a:rPr lang="en-US" smtClean="0"/>
-              <a:t>7/11/23</a:t>
+              <a:t>4/6/25</a:t>
             </a:fld>
             <a:endParaRPr lang="en-US"/>
           </a:p>
@@ -934,7 +937,7 @@
           <a:p>
             <a:fld id="{34CC170A-699D-BB45-AC18-C528FA229D18}" type="datetimeFigureOut">
               <a:rPr lang="en-US" smtClean="0"/>
-              <a:t>7/11/23</a:t>
+              <a:t>4/6/25</a:t>
             </a:fld>
             <a:endParaRPr lang="en-US"/>
           </a:p>
@@ -1132,7 +1135,7 @@
           <a:p>
             <a:fld id="{34CC170A-699D-BB45-AC18-C528FA229D18}" type="datetimeFigureOut">
               <a:rPr lang="en-US" smtClean="0"/>
-              <a:t>7/11/23</a:t>
+              <a:t>4/6/25</a:t>
             </a:fld>
             <a:endParaRPr lang="en-US"/>
           </a:p>
@@ -1407,7 +1410,7 @@
           <a:p>
             <a:fld id="{34CC170A-699D-BB45-AC18-C528FA229D18}" type="datetimeFigureOut">
               <a:rPr lang="en-US" smtClean="0"/>
-              <a:t>7/11/23</a:t>
+              <a:t>4/6/25</a:t>
             </a:fld>
             <a:endParaRPr lang="en-US"/>
           </a:p>
@@ -1548,7 +1551,7 @@
           <a:p>
             <a:fld id="{34CC170A-699D-BB45-AC18-C528FA229D18}" type="datetimeFigureOut">
               <a:rPr lang="en-US" smtClean="0"/>
-              <a:t>7/11/23</a:t>
+              <a:t>4/6/25</a:t>
             </a:fld>
             <a:endParaRPr lang="en-US"/>
           </a:p>
@@ -1661,7 +1664,7 @@
           <a:p>
             <a:fld id="{34CC170A-699D-BB45-AC18-C528FA229D18}" type="datetimeFigureOut">
               <a:rPr lang="en-US" smtClean="0"/>
-              <a:t>7/11/23</a:t>
+              <a:t>4/6/25</a:t>
             </a:fld>
             <a:endParaRPr lang="en-US"/>
           </a:p>
@@ -1902,7 +1905,7 @@
           <a:p>
             <a:fld id="{34CC170A-699D-BB45-AC18-C528FA229D18}" type="datetimeFigureOut">
               <a:rPr lang="en-US" smtClean="0"/>
-              <a:t>7/11/23</a:t>
+              <a:t>4/6/25</a:t>
             </a:fld>
             <a:endParaRPr lang="en-US"/>
           </a:p>
@@ -8067,7 +8070,7 @@
         </p:spPr>
         <p:txBody>
           <a:bodyPr>
-            <a:normAutofit lnSpcReduction="10000"/>
+            <a:normAutofit fontScale="92500" lnSpcReduction="20000"/>
           </a:bodyPr>
           <a:lstStyle/>
           <a:p>
@@ -8141,6 +8144,18 @@
             <a:r>
               <a:rPr lang="en-US" altLang="en-US" dirty="0"/>
               <a:t>Timers</a:t>
+            </a:r>
+          </a:p>
+          <a:p>
+            <a:pPr marL="694261" indent="-457200">
+              <a:spcBef>
+                <a:spcPts val="1733"/>
+              </a:spcBef>
+              <a:buSzPct val="171000"/>
+            </a:pPr>
+            <a:r>
+              <a:rPr lang="en-US" altLang="en-US" dirty="0"/>
+              <a:t>User-created tags (Web Components)</a:t>
             </a:r>
           </a:p>
         </p:txBody>
@@ -14505,7 +14520,13 @@
   <p:cSld>
     <p:spTree>
       <p:nvGrpSpPr>
-        <p:cNvPr id="1" name=""/>
+        <p:cNvPr id="1" name="">
+          <a:extLst>
+            <a:ext uri="{FF2B5EF4-FFF2-40B4-BE49-F238E27FC236}">
+              <a16:creationId xmlns:a16="http://schemas.microsoft.com/office/drawing/2014/main" id="{F6D4816C-FBBD-3074-AA2D-0463C15B613E}"/>
+            </a:ext>
+          </a:extLst>
+        </p:cNvPr>
         <p:cNvGrpSpPr/>
         <p:nvPr/>
       </p:nvGrpSpPr>
@@ -14522,7 +14543,7 @@
           <p:cNvPr id="2" name="Title 1">
             <a:extLst>
               <a:ext uri="{FF2B5EF4-FFF2-40B4-BE49-F238E27FC236}">
-                <a16:creationId xmlns:a16="http://schemas.microsoft.com/office/drawing/2014/main" id="{C5350CC9-AA59-7810-C29C-FD041C61030F}"/>
+                <a16:creationId xmlns:a16="http://schemas.microsoft.com/office/drawing/2014/main" id="{3966D557-A702-9B86-963C-5E0C8D2CC099}"/>
               </a:ext>
             </a:extLst>
           </p:cNvPr>
@@ -14540,17 +14561,17 @@
           <a:p>
             <a:r>
               <a:rPr lang="en-US" dirty="0"/>
-              <a:t>Summary</a:t>
+              <a:t>User-Created Tags</a:t>
             </a:r>
           </a:p>
         </p:txBody>
       </p:sp>
       <p:sp>
         <p:nvSpPr>
-          <p:cNvPr id="3" name="Content Placeholder 2">
-            <a:extLst>
-              <a:ext uri="{FF2B5EF4-FFF2-40B4-BE49-F238E27FC236}">
-                <a16:creationId xmlns:a16="http://schemas.microsoft.com/office/drawing/2014/main" id="{55D16943-FA1E-031F-D641-E929A1EF050F}"/>
+          <p:cNvPr id="3" name="Text Placeholder 2">
+            <a:extLst>
+              <a:ext uri="{FF2B5EF4-FFF2-40B4-BE49-F238E27FC236}">
+                <a16:creationId xmlns:a16="http://schemas.microsoft.com/office/drawing/2014/main" id="{BEC2CE02-2ABA-3AA9-C498-875ABB008A6B}"/>
               </a:ext>
             </a:extLst>
           </p:cNvPr>
@@ -14558,71 +14579,17 @@
             <a:spLocks noGrp="1"/>
           </p:cNvSpPr>
           <p:nvPr>
-            <p:ph idx="1"/>
+            <p:ph type="body" idx="1"/>
           </p:nvPr>
         </p:nvSpPr>
         <p:spPr/>
         <p:txBody>
-          <a:bodyPr>
-            <a:normAutofit lnSpcReduction="10000"/>
-          </a:bodyPr>
+          <a:bodyPr/>
           <a:lstStyle/>
           <a:p>
             <a:r>
               <a:rPr lang="en-US" dirty="0"/>
-              <a:t>Document Object Model (DOM)</a:t>
-            </a:r>
-          </a:p>
-          <a:p>
-            <a:r>
-              <a:rPr lang="en-US" dirty="0"/>
-              <a:t>Browser Window</a:t>
-            </a:r>
-          </a:p>
-          <a:p>
-            <a:r>
-              <a:rPr lang="en-US" dirty="0"/>
-              <a:t>UI Event Handlers</a:t>
-            </a:r>
-          </a:p>
-          <a:p>
-            <a:r>
-              <a:rPr lang="en-US" dirty="0"/>
-              <a:t>DOM Event Handlers</a:t>
-            </a:r>
-          </a:p>
-          <a:p>
-            <a:r>
-              <a:rPr lang="en-US" dirty="0"/>
-              <a:t>Window Event Handlers</a:t>
-            </a:r>
-          </a:p>
-          <a:p>
-            <a:r>
-              <a:rPr lang="en-US"/>
-              <a:t>Selecting and changing </a:t>
-            </a:r>
-            <a:r>
-              <a:rPr lang="en-US" dirty="0"/>
-              <a:t>an element / tag</a:t>
-            </a:r>
-          </a:p>
-          <a:p>
-            <a:r>
-              <a:rPr lang="en-US" dirty="0"/>
-              <a:t>Adding an element/tag to the DOM</a:t>
-            </a:r>
-          </a:p>
-          <a:p>
-            <a:r>
-              <a:rPr lang="en-US" dirty="0"/>
-              <a:t>Changing the CSS of an element</a:t>
-            </a:r>
-          </a:p>
-          <a:p>
-            <a:r>
-              <a:rPr lang="en-US" dirty="0"/>
-              <a:t>Making network requests from JavaScript</a:t>
+              <a:t>(a.k.a. web components)</a:t>
             </a:r>
           </a:p>
         </p:txBody>
@@ -14630,7 +14597,7 @@
     </p:spTree>
     <p:extLst>
       <p:ext uri="{BB962C8B-B14F-4D97-AF65-F5344CB8AC3E}">
-        <p14:creationId xmlns:p14="http://schemas.microsoft.com/office/powerpoint/2010/main" val="1251442569"/>
+        <p14:creationId xmlns:p14="http://schemas.microsoft.com/office/powerpoint/2010/main" val="1049815411"/>
       </p:ext>
     </p:extLst>
   </p:cSld>
@@ -15547,6 +15514,380 @@
 </file>
 
 <file path=ppt/slides/slide40.xml><?xml version="1.0" encoding="utf-8"?>
+<p:sld xmlns:a="http://schemas.openxmlformats.org/drawingml/2006/main" xmlns:r="http://schemas.openxmlformats.org/officeDocument/2006/relationships" xmlns:p="http://schemas.openxmlformats.org/presentationml/2006/main">
+  <p:cSld>
+    <p:spTree>
+      <p:nvGrpSpPr>
+        <p:cNvPr id="1" name=""/>
+        <p:cNvGrpSpPr/>
+        <p:nvPr/>
+      </p:nvGrpSpPr>
+      <p:grpSpPr>
+        <a:xfrm>
+          <a:off x="0" y="0"/>
+          <a:ext cx="0" cy="0"/>
+          <a:chOff x="0" y="0"/>
+          <a:chExt cx="0" cy="0"/>
+        </a:xfrm>
+      </p:grpSpPr>
+      <p:sp>
+        <p:nvSpPr>
+          <p:cNvPr id="4" name="Title 3">
+            <a:extLst>
+              <a:ext uri="{FF2B5EF4-FFF2-40B4-BE49-F238E27FC236}">
+                <a16:creationId xmlns:a16="http://schemas.microsoft.com/office/drawing/2014/main" id="{4903610D-1FC1-BF55-6F59-59C5C62DDE30}"/>
+              </a:ext>
+            </a:extLst>
+          </p:cNvPr>
+          <p:cNvSpPr>
+            <a:spLocks noGrp="1"/>
+          </p:cNvSpPr>
+          <p:nvPr>
+            <p:ph type="title"/>
+          </p:nvPr>
+        </p:nvSpPr>
+        <p:spPr/>
+        <p:txBody>
+          <a:bodyPr/>
+          <a:lstStyle/>
+          <a:p>
+            <a:r>
+              <a:rPr lang="en-US" dirty="0"/>
+              <a:t>Programmers hate to repeat themselves</a:t>
+            </a:r>
+          </a:p>
+        </p:txBody>
+      </p:sp>
+      <p:sp>
+        <p:nvSpPr>
+          <p:cNvPr id="5" name="Content Placeholder 4">
+            <a:extLst>
+              <a:ext uri="{FF2B5EF4-FFF2-40B4-BE49-F238E27FC236}">
+                <a16:creationId xmlns:a16="http://schemas.microsoft.com/office/drawing/2014/main" id="{BFA32F81-4F2F-3596-9E9F-8105B90CBCCC}"/>
+              </a:ext>
+            </a:extLst>
+          </p:cNvPr>
+          <p:cNvSpPr>
+            <a:spLocks noGrp="1"/>
+          </p:cNvSpPr>
+          <p:nvPr>
+            <p:ph idx="1"/>
+          </p:nvPr>
+        </p:nvSpPr>
+        <p:spPr/>
+        <p:txBody>
+          <a:bodyPr/>
+          <a:lstStyle/>
+          <a:p>
+            <a:r>
+              <a:rPr lang="en-US" dirty="0"/>
+              <a:t>Repetition causes errors</a:t>
+            </a:r>
+          </a:p>
+          <a:p>
+            <a:r>
+              <a:rPr lang="en-US" dirty="0"/>
+              <a:t>Cut-paste-change only gets us so far – especially when there is a bug the the code we started with</a:t>
+            </a:r>
+          </a:p>
+          <a:p>
+            <a:r>
+              <a:rPr lang="en-US" dirty="0"/>
+              <a:t>This leads to lots of ways to "D.R.Y" – Don't Repeat Yourself</a:t>
+            </a:r>
+          </a:p>
+          <a:p>
+            <a:pPr lvl="1"/>
+            <a:r>
+              <a:rPr lang="en-US" dirty="0"/>
+              <a:t> Functions</a:t>
+            </a:r>
+          </a:p>
+          <a:p>
+            <a:pPr lvl="1"/>
+            <a:r>
+              <a:rPr lang="en-US" dirty="0"/>
+              <a:t>Object Oriented Approach </a:t>
+            </a:r>
+          </a:p>
+          <a:p>
+            <a:pPr lvl="1"/>
+            <a:r>
+              <a:rPr lang="en-US" dirty="0"/>
+              <a:t>Class based views</a:t>
+            </a:r>
+          </a:p>
+          <a:p>
+            <a:pPr lvl="1"/>
+            <a:r>
+              <a:rPr lang="en-US" dirty="0"/>
+              <a:t>{% </a:t>
+            </a:r>
+            <a:r>
+              <a:rPr lang="en-US" dirty="0" err="1"/>
+              <a:t>url</a:t>
+            </a:r>
+            <a:r>
+              <a:rPr lang="en-US" dirty="0"/>
+              <a:t> </a:t>
+            </a:r>
+          </a:p>
+          <a:p>
+            <a:pPr lvl="1"/>
+            <a:r>
+              <a:rPr lang="en-US" dirty="0"/>
+              <a:t>Base and extended templates</a:t>
+            </a:r>
+          </a:p>
+          <a:p>
+            <a:pPr lvl="1"/>
+            <a:r>
+              <a:rPr lang="en-US" dirty="0"/>
+              <a:t>…</a:t>
+            </a:r>
+          </a:p>
+        </p:txBody>
+      </p:sp>
+    </p:spTree>
+    <p:extLst>
+      <p:ext uri="{BB962C8B-B14F-4D97-AF65-F5344CB8AC3E}">
+        <p14:creationId xmlns:p14="http://schemas.microsoft.com/office/powerpoint/2010/main" val="1300867994"/>
+      </p:ext>
+    </p:extLst>
+  </p:cSld>
+  <p:clrMapOvr>
+    <a:masterClrMapping/>
+  </p:clrMapOvr>
+</p:sld>
+</file>
+
+<file path=ppt/slides/slide41.xml><?xml version="1.0" encoding="utf-8"?>
+<p:sld xmlns:a="http://schemas.openxmlformats.org/drawingml/2006/main" xmlns:r="http://schemas.openxmlformats.org/officeDocument/2006/relationships" xmlns:p="http://schemas.openxmlformats.org/presentationml/2006/main">
+  <p:cSld>
+    <p:spTree>
+      <p:nvGrpSpPr>
+        <p:cNvPr id="1" name=""/>
+        <p:cNvGrpSpPr/>
+        <p:nvPr/>
+      </p:nvGrpSpPr>
+      <p:grpSpPr>
+        <a:xfrm>
+          <a:off x="0" y="0"/>
+          <a:ext cx="0" cy="0"/>
+          <a:chOff x="0" y="0"/>
+          <a:chExt cx="0" cy="0"/>
+        </a:xfrm>
+      </p:grpSpPr>
+      <p:sp>
+        <p:nvSpPr>
+          <p:cNvPr id="2" name="Title 1">
+            <a:extLst>
+              <a:ext uri="{FF2B5EF4-FFF2-40B4-BE49-F238E27FC236}">
+                <a16:creationId xmlns:a16="http://schemas.microsoft.com/office/drawing/2014/main" id="{BA017366-9C60-59B0-22E9-C74108CB7790}"/>
+              </a:ext>
+            </a:extLst>
+          </p:cNvPr>
+          <p:cNvSpPr>
+            <a:spLocks noGrp="1"/>
+          </p:cNvSpPr>
+          <p:nvPr>
+            <p:ph type="title"/>
+          </p:nvPr>
+        </p:nvSpPr>
+        <p:spPr/>
+        <p:txBody>
+          <a:bodyPr/>
+          <a:lstStyle/>
+          <a:p>
+            <a:r>
+              <a:rPr lang="en-US" dirty="0"/>
+              <a:t>Evolving MVC</a:t>
+            </a:r>
+          </a:p>
+        </p:txBody>
+      </p:sp>
+      <p:sp>
+        <p:nvSpPr>
+          <p:cNvPr id="3" name="Content Placeholder 2">
+            <a:extLst>
+              <a:ext uri="{FF2B5EF4-FFF2-40B4-BE49-F238E27FC236}">
+                <a16:creationId xmlns:a16="http://schemas.microsoft.com/office/drawing/2014/main" id="{6F2EFD27-959A-B7F6-E0CD-5B906F8762C9}"/>
+              </a:ext>
+            </a:extLst>
+          </p:cNvPr>
+          <p:cNvSpPr>
+            <a:spLocks noGrp="1"/>
+          </p:cNvSpPr>
+          <p:nvPr>
+            <p:ph idx="1"/>
+          </p:nvPr>
+        </p:nvSpPr>
+        <p:spPr/>
+        <p:txBody>
+          <a:bodyPr/>
+          <a:lstStyle/>
+          <a:p>
+            <a:endParaRPr lang="en-US"/>
+          </a:p>
+        </p:txBody>
+      </p:sp>
+    </p:spTree>
+    <p:extLst>
+      <p:ext uri="{BB962C8B-B14F-4D97-AF65-F5344CB8AC3E}">
+        <p14:creationId xmlns:p14="http://schemas.microsoft.com/office/powerpoint/2010/main" val="4235659435"/>
+      </p:ext>
+    </p:extLst>
+  </p:cSld>
+  <p:clrMapOvr>
+    <a:masterClrMapping/>
+  </p:clrMapOvr>
+</p:sld>
+</file>
+
+<file path=ppt/slides/slide42.xml><?xml version="1.0" encoding="utf-8"?>
+<p:sld xmlns:a="http://schemas.openxmlformats.org/drawingml/2006/main" xmlns:r="http://schemas.openxmlformats.org/officeDocument/2006/relationships" xmlns:p="http://schemas.openxmlformats.org/presentationml/2006/main">
+  <p:cSld>
+    <p:spTree>
+      <p:nvGrpSpPr>
+        <p:cNvPr id="1" name=""/>
+        <p:cNvGrpSpPr/>
+        <p:nvPr/>
+      </p:nvGrpSpPr>
+      <p:grpSpPr>
+        <a:xfrm>
+          <a:off x="0" y="0"/>
+          <a:ext cx="0" cy="0"/>
+          <a:chOff x="0" y="0"/>
+          <a:chExt cx="0" cy="0"/>
+        </a:xfrm>
+      </p:grpSpPr>
+      <p:sp>
+        <p:nvSpPr>
+          <p:cNvPr id="2" name="Title 1">
+            <a:extLst>
+              <a:ext uri="{FF2B5EF4-FFF2-40B4-BE49-F238E27FC236}">
+                <a16:creationId xmlns:a16="http://schemas.microsoft.com/office/drawing/2014/main" id="{C5350CC9-AA59-7810-C29C-FD041C61030F}"/>
+              </a:ext>
+            </a:extLst>
+          </p:cNvPr>
+          <p:cNvSpPr>
+            <a:spLocks noGrp="1"/>
+          </p:cNvSpPr>
+          <p:nvPr>
+            <p:ph type="title"/>
+          </p:nvPr>
+        </p:nvSpPr>
+        <p:spPr/>
+        <p:txBody>
+          <a:bodyPr/>
+          <a:lstStyle/>
+          <a:p>
+            <a:r>
+              <a:rPr lang="en-US" dirty="0"/>
+              <a:t>Summary</a:t>
+            </a:r>
+          </a:p>
+        </p:txBody>
+      </p:sp>
+      <p:sp>
+        <p:nvSpPr>
+          <p:cNvPr id="3" name="Content Placeholder 2">
+            <a:extLst>
+              <a:ext uri="{FF2B5EF4-FFF2-40B4-BE49-F238E27FC236}">
+                <a16:creationId xmlns:a16="http://schemas.microsoft.com/office/drawing/2014/main" id="{55D16943-FA1E-031F-D641-E929A1EF050F}"/>
+              </a:ext>
+            </a:extLst>
+          </p:cNvPr>
+          <p:cNvSpPr>
+            <a:spLocks noGrp="1"/>
+          </p:cNvSpPr>
+          <p:nvPr>
+            <p:ph idx="1"/>
+          </p:nvPr>
+        </p:nvSpPr>
+        <p:spPr/>
+        <p:txBody>
+          <a:bodyPr>
+            <a:normAutofit fontScale="92500" lnSpcReduction="20000"/>
+          </a:bodyPr>
+          <a:lstStyle/>
+          <a:p>
+            <a:r>
+              <a:rPr lang="en-US" dirty="0"/>
+              <a:t>Document Object Model (DOM)</a:t>
+            </a:r>
+          </a:p>
+          <a:p>
+            <a:r>
+              <a:rPr lang="en-US" dirty="0"/>
+              <a:t>Browser Window</a:t>
+            </a:r>
+          </a:p>
+          <a:p>
+            <a:r>
+              <a:rPr lang="en-US" dirty="0"/>
+              <a:t>UI Event Handlers</a:t>
+            </a:r>
+          </a:p>
+          <a:p>
+            <a:r>
+              <a:rPr lang="en-US" dirty="0"/>
+              <a:t>DOM Event Handlers</a:t>
+            </a:r>
+          </a:p>
+          <a:p>
+            <a:r>
+              <a:rPr lang="en-US" dirty="0"/>
+              <a:t>Window Event Handlers</a:t>
+            </a:r>
+          </a:p>
+          <a:p>
+            <a:r>
+              <a:rPr lang="en-US" dirty="0"/>
+              <a:t>Selecting and changing an element / tag</a:t>
+            </a:r>
+          </a:p>
+          <a:p>
+            <a:r>
+              <a:rPr lang="en-US" dirty="0"/>
+              <a:t>Adding an element/tag to the DOM</a:t>
+            </a:r>
+          </a:p>
+          <a:p>
+            <a:r>
+              <a:rPr lang="en-US" dirty="0"/>
+              <a:t>Changing the CSS of an element</a:t>
+            </a:r>
+          </a:p>
+          <a:p>
+            <a:r>
+              <a:rPr lang="en-US" dirty="0"/>
+              <a:t>Making network requests from JavaScript</a:t>
+            </a:r>
+          </a:p>
+          <a:p>
+            <a:r>
+              <a:rPr lang="en-US"/>
+              <a:t>Creating our own HTML tags</a:t>
+            </a:r>
+            <a:endParaRPr lang="en-US" dirty="0"/>
+          </a:p>
+        </p:txBody>
+      </p:sp>
+    </p:spTree>
+    <p:extLst>
+      <p:ext uri="{BB962C8B-B14F-4D97-AF65-F5344CB8AC3E}">
+        <p14:creationId xmlns:p14="http://schemas.microsoft.com/office/powerpoint/2010/main" val="1251442569"/>
+      </p:ext>
+    </p:extLst>
+  </p:cSld>
+  <p:clrMapOvr>
+    <a:masterClrMapping/>
+  </p:clrMapOvr>
+</p:sld>
+</file>
+
+<file path=ppt/slides/slide43.xml><?xml version="1.0" encoding="utf-8"?>
 <p:sld xmlns:a="http://schemas.openxmlformats.org/drawingml/2006/main" xmlns:r="http://schemas.openxmlformats.org/officeDocument/2006/relationships" xmlns:p="http://schemas.openxmlformats.org/presentationml/2006/main">
   <p:cSld>
     <p:spTree>

--- a/lectures/JS-03-Browser.pptx
+++ b/lectures/JS-03-Browser.pptx
@@ -5,7 +5,7 @@
     <p:sldMasterId id="2147483648" r:id="rId1"/>
   </p:sldMasterIdLst>
   <p:notesMasterIdLst>
-    <p:notesMasterId r:id="rId45"/>
+    <p:notesMasterId r:id="rId51"/>
   </p:notesMasterIdLst>
   <p:sldIdLst>
     <p:sldId id="257" r:id="rId2"/>
@@ -48,9 +48,15 @@
     <p:sldId id="376" r:id="rId39"/>
     <p:sldId id="383" r:id="rId40"/>
     <p:sldId id="384" r:id="rId41"/>
-    <p:sldId id="385" r:id="rId42"/>
-    <p:sldId id="381" r:id="rId43"/>
-    <p:sldId id="287" r:id="rId44"/>
+    <p:sldId id="264" r:id="rId42"/>
+    <p:sldId id="386" r:id="rId43"/>
+    <p:sldId id="388" r:id="rId44"/>
+    <p:sldId id="387" r:id="rId45"/>
+    <p:sldId id="385" r:id="rId46"/>
+    <p:sldId id="390" r:id="rId47"/>
+    <p:sldId id="389" r:id="rId48"/>
+    <p:sldId id="381" r:id="rId49"/>
+    <p:sldId id="287" r:id="rId50"/>
   </p:sldIdLst>
   <p:sldSz cx="12192000" cy="6858000"/>
   <p:notesSz cx="6858000" cy="9144000"/>
@@ -239,7 +245,7 @@
           <a:p>
             <a:fld id="{F8062002-FE47-E44A-9934-27B168626197}" type="datetimeFigureOut">
               <a:rPr lang="en-US" smtClean="0"/>
-              <a:t>4/6/25</a:t>
+              <a:t>4/7/25</a:t>
             </a:fld>
             <a:endParaRPr lang="en-US"/>
           </a:p>
@@ -790,6 +796,237 @@
 </p:notes>
 </file>
 
+<file path=ppt/notesSlides/notesSlide4.xml><?xml version="1.0" encoding="utf-8"?>
+<p:notes xmlns:a="http://schemas.openxmlformats.org/drawingml/2006/main" xmlns:r="http://schemas.openxmlformats.org/officeDocument/2006/relationships" xmlns:p="http://schemas.openxmlformats.org/presentationml/2006/main" showMasterSp="0" showMasterPhAnim="0">
+  <p:cSld>
+    <p:spTree>
+      <p:nvGrpSpPr>
+        <p:cNvPr id="1" name="Shape 195"/>
+        <p:cNvGrpSpPr/>
+        <p:nvPr/>
+      </p:nvGrpSpPr>
+      <p:grpSpPr>
+        <a:xfrm>
+          <a:off x="0" y="0"/>
+          <a:ext cx="0" cy="0"/>
+          <a:chOff x="0" y="0"/>
+          <a:chExt cx="0" cy="0"/>
+        </a:xfrm>
+      </p:grpSpPr>
+      <p:sp>
+        <p:nvSpPr>
+          <p:cNvPr id="196" name="Google Shape;196;p9:notes"/>
+          <p:cNvSpPr txBox="1">
+            <a:spLocks noGrp="1"/>
+          </p:cNvSpPr>
+          <p:nvPr>
+            <p:ph type="body" idx="1"/>
+          </p:nvPr>
+        </p:nvSpPr>
+        <p:spPr>
+          <a:xfrm>
+            <a:off x="685800" y="4400550"/>
+            <a:ext cx="5486400" cy="3600450"/>
+          </a:xfrm>
+          <a:prstGeom prst="rect">
+            <a:avLst/>
+          </a:prstGeom>
+        </p:spPr>
+        <p:txBody>
+          <a:bodyPr spcFirstLastPara="1" wrap="square" lIns="91425" tIns="45700" rIns="91425" bIns="45700" anchor="t" anchorCtr="0">
+            <a:noAutofit/>
+          </a:bodyPr>
+          <a:lstStyle/>
+          <a:p>
+            <a:pPr marL="0" lvl="0" indent="0" algn="l" rtl="0">
+              <a:spcBef>
+                <a:spcPts val="0"/>
+              </a:spcBef>
+              <a:spcAft>
+                <a:spcPts val="0"/>
+              </a:spcAft>
+              <a:buNone/>
+            </a:pPr>
+            <a:endParaRPr/>
+          </a:p>
+        </p:txBody>
+      </p:sp>
+      <p:sp>
+        <p:nvSpPr>
+          <p:cNvPr id="197" name="Google Shape;197;p9:notes"/>
+          <p:cNvSpPr>
+            <a:spLocks noGrp="1" noRot="1" noChangeAspect="1"/>
+          </p:cNvSpPr>
+          <p:nvPr>
+            <p:ph type="sldImg" idx="2"/>
+          </p:nvPr>
+        </p:nvSpPr>
+        <p:spPr>
+          <a:xfrm>
+            <a:off x="685800" y="1143000"/>
+            <a:ext cx="5486400" cy="3086100"/>
+          </a:xfrm>
+          <a:custGeom>
+            <a:avLst/>
+            <a:gdLst/>
+            <a:ahLst/>
+            <a:cxnLst/>
+            <a:rect l="l" t="t" r="r" b="b"/>
+            <a:pathLst>
+              <a:path w="120000" h="120000" extrusionOk="0">
+                <a:moveTo>
+                  <a:pt x="0" y="0"/>
+                </a:moveTo>
+                <a:lnTo>
+                  <a:pt x="120000" y="0"/>
+                </a:lnTo>
+                <a:lnTo>
+                  <a:pt x="120000" y="120000"/>
+                </a:lnTo>
+                <a:lnTo>
+                  <a:pt x="0" y="120000"/>
+                </a:lnTo>
+                <a:close/>
+              </a:path>
+            </a:pathLst>
+          </a:custGeom>
+        </p:spPr>
+      </p:sp>
+    </p:spTree>
+  </p:cSld>
+  <p:clrMapOvr>
+    <a:masterClrMapping/>
+  </p:clrMapOvr>
+</p:notes>
+</file>
+
+<file path=ppt/notesSlides/notesSlide5.xml><?xml version="1.0" encoding="utf-8"?>
+<p:notes xmlns:a="http://schemas.openxmlformats.org/drawingml/2006/main" xmlns:r="http://schemas.openxmlformats.org/officeDocument/2006/relationships" xmlns:p="http://schemas.openxmlformats.org/presentationml/2006/main" showMasterSp="0" showMasterPhAnim="0">
+  <p:cSld>
+    <p:spTree>
+      <p:nvGrpSpPr>
+        <p:cNvPr id="1" name="Shape 195">
+          <a:extLst>
+            <a:ext uri="{FF2B5EF4-FFF2-40B4-BE49-F238E27FC236}">
+              <a16:creationId xmlns:a16="http://schemas.microsoft.com/office/drawing/2014/main" id="{83261ADE-3D7D-725C-697C-C3B2F2A89B9C}"/>
+            </a:ext>
+          </a:extLst>
+        </p:cNvPr>
+        <p:cNvGrpSpPr/>
+        <p:nvPr/>
+      </p:nvGrpSpPr>
+      <p:grpSpPr>
+        <a:xfrm>
+          <a:off x="0" y="0"/>
+          <a:ext cx="0" cy="0"/>
+          <a:chOff x="0" y="0"/>
+          <a:chExt cx="0" cy="0"/>
+        </a:xfrm>
+      </p:grpSpPr>
+      <p:sp>
+        <p:nvSpPr>
+          <p:cNvPr id="196" name="Google Shape;196;p9:notes">
+            <a:extLst>
+              <a:ext uri="{FF2B5EF4-FFF2-40B4-BE49-F238E27FC236}">
+                <a16:creationId xmlns:a16="http://schemas.microsoft.com/office/drawing/2014/main" id="{0CCB294C-C2D0-9C8A-4540-D56884F4FCFE}"/>
+              </a:ext>
+            </a:extLst>
+          </p:cNvPr>
+          <p:cNvSpPr txBox="1">
+            <a:spLocks noGrp="1"/>
+          </p:cNvSpPr>
+          <p:nvPr>
+            <p:ph type="body" idx="1"/>
+          </p:nvPr>
+        </p:nvSpPr>
+        <p:spPr>
+          <a:xfrm>
+            <a:off x="685800" y="4400550"/>
+            <a:ext cx="5486400" cy="3600450"/>
+          </a:xfrm>
+          <a:prstGeom prst="rect">
+            <a:avLst/>
+          </a:prstGeom>
+        </p:spPr>
+        <p:txBody>
+          <a:bodyPr spcFirstLastPara="1" wrap="square" lIns="91425" tIns="45700" rIns="91425" bIns="45700" anchor="t" anchorCtr="0">
+            <a:noAutofit/>
+          </a:bodyPr>
+          <a:lstStyle/>
+          <a:p>
+            <a:pPr marL="0" lvl="0" indent="0" algn="l" rtl="0">
+              <a:spcBef>
+                <a:spcPts val="0"/>
+              </a:spcBef>
+              <a:spcAft>
+                <a:spcPts val="0"/>
+              </a:spcAft>
+              <a:buNone/>
+            </a:pPr>
+            <a:endParaRPr/>
+          </a:p>
+        </p:txBody>
+      </p:sp>
+      <p:sp>
+        <p:nvSpPr>
+          <p:cNvPr id="197" name="Google Shape;197;p9:notes">
+            <a:extLst>
+              <a:ext uri="{FF2B5EF4-FFF2-40B4-BE49-F238E27FC236}">
+                <a16:creationId xmlns:a16="http://schemas.microsoft.com/office/drawing/2014/main" id="{88EE6F31-77C0-B3D7-0420-C2E25D3D8254}"/>
+              </a:ext>
+            </a:extLst>
+          </p:cNvPr>
+          <p:cNvSpPr>
+            <a:spLocks noGrp="1" noRot="1" noChangeAspect="1"/>
+          </p:cNvSpPr>
+          <p:nvPr>
+            <p:ph type="sldImg" idx="2"/>
+          </p:nvPr>
+        </p:nvSpPr>
+        <p:spPr>
+          <a:xfrm>
+            <a:off x="685800" y="1143000"/>
+            <a:ext cx="5486400" cy="3086100"/>
+          </a:xfrm>
+          <a:custGeom>
+            <a:avLst/>
+            <a:gdLst/>
+            <a:ahLst/>
+            <a:cxnLst/>
+            <a:rect l="l" t="t" r="r" b="b"/>
+            <a:pathLst>
+              <a:path w="120000" h="120000" extrusionOk="0">
+                <a:moveTo>
+                  <a:pt x="0" y="0"/>
+                </a:moveTo>
+                <a:lnTo>
+                  <a:pt x="120000" y="0"/>
+                </a:lnTo>
+                <a:lnTo>
+                  <a:pt x="120000" y="120000"/>
+                </a:lnTo>
+                <a:lnTo>
+                  <a:pt x="0" y="120000"/>
+                </a:lnTo>
+                <a:close/>
+              </a:path>
+            </a:pathLst>
+          </a:custGeom>
+        </p:spPr>
+      </p:sp>
+    </p:spTree>
+    <p:extLst>
+      <p:ext uri="{BB962C8B-B14F-4D97-AF65-F5344CB8AC3E}">
+        <p14:creationId xmlns:p14="http://schemas.microsoft.com/office/powerpoint/2010/main" val="3201963597"/>
+      </p:ext>
+    </p:extLst>
+  </p:cSld>
+  <p:clrMapOvr>
+    <a:masterClrMapping/>
+  </p:clrMapOvr>
+</p:notes>
+</file>
+
 <file path=ppt/slideLayouts/slideLayout1.xml><?xml version="1.0" encoding="utf-8"?>
 <p:sldLayout xmlns:a="http://schemas.openxmlformats.org/drawingml/2006/main" xmlns:r="http://schemas.openxmlformats.org/officeDocument/2006/relationships" xmlns:p="http://schemas.openxmlformats.org/presentationml/2006/main" type="title" preserve="1">
   <p:cSld name="Title Slide">
@@ -937,7 +1174,7 @@
           <a:p>
             <a:fld id="{34CC170A-699D-BB45-AC18-C528FA229D18}" type="datetimeFigureOut">
               <a:rPr lang="en-US" smtClean="0"/>
-              <a:t>4/6/25</a:t>
+              <a:t>4/7/25</a:t>
             </a:fld>
             <a:endParaRPr lang="en-US"/>
           </a:p>
@@ -1135,7 +1372,7 @@
           <a:p>
             <a:fld id="{34CC170A-699D-BB45-AC18-C528FA229D18}" type="datetimeFigureOut">
               <a:rPr lang="en-US" smtClean="0"/>
-              <a:t>4/6/25</a:t>
+              <a:t>4/7/25</a:t>
             </a:fld>
             <a:endParaRPr lang="en-US"/>
           </a:p>
@@ -1410,7 +1647,7 @@
           <a:p>
             <a:fld id="{34CC170A-699D-BB45-AC18-C528FA229D18}" type="datetimeFigureOut">
               <a:rPr lang="en-US" smtClean="0"/>
-              <a:t>4/6/25</a:t>
+              <a:t>4/7/25</a:t>
             </a:fld>
             <a:endParaRPr lang="en-US"/>
           </a:p>
@@ -1551,7 +1788,7 @@
           <a:p>
             <a:fld id="{34CC170A-699D-BB45-AC18-C528FA229D18}" type="datetimeFigureOut">
               <a:rPr lang="en-US" smtClean="0"/>
-              <a:t>4/6/25</a:t>
+              <a:t>4/7/25</a:t>
             </a:fld>
             <a:endParaRPr lang="en-US"/>
           </a:p>
@@ -1664,7 +1901,7 @@
           <a:p>
             <a:fld id="{34CC170A-699D-BB45-AC18-C528FA229D18}" type="datetimeFigureOut">
               <a:rPr lang="en-US" smtClean="0"/>
-              <a:t>4/6/25</a:t>
+              <a:t>4/7/25</a:t>
             </a:fld>
             <a:endParaRPr lang="en-US"/>
           </a:p>
@@ -1905,7 +2142,7 @@
           <a:p>
             <a:fld id="{34CC170A-699D-BB45-AC18-C528FA229D18}" type="datetimeFigureOut">
               <a:rPr lang="en-US" smtClean="0"/>
-              <a:t>4/6/25</a:t>
+              <a:t>4/7/25</a:t>
             </a:fld>
             <a:endParaRPr lang="en-US"/>
           </a:p>
@@ -15666,7 +15903,7 @@
   <p:cSld>
     <p:spTree>
       <p:nvGrpSpPr>
-        <p:cNvPr id="1" name=""/>
+        <p:cNvPr id="1" name="Shape 198"/>
         <p:cNvGrpSpPr/>
         <p:nvPr/>
       </p:nvGrpSpPr>
@@ -15680,63 +15917,2514 @@
       </p:grpSpPr>
       <p:sp>
         <p:nvSpPr>
-          <p:cNvPr id="2" name="Title 1">
-            <a:extLst>
-              <a:ext uri="{FF2B5EF4-FFF2-40B4-BE49-F238E27FC236}">
-                <a16:creationId xmlns:a16="http://schemas.microsoft.com/office/drawing/2014/main" id="{BA017366-9C60-59B0-22E9-C74108CB7790}"/>
-              </a:ext>
-            </a:extLst>
-          </p:cNvPr>
-          <p:cNvSpPr>
-            <a:spLocks noGrp="1"/>
-          </p:cNvSpPr>
-          <p:nvPr>
-            <p:ph type="title"/>
-          </p:nvPr>
+          <p:cNvPr id="199" name="Google Shape;199;p9"/>
+          <p:cNvSpPr/>
+          <p:nvPr/>
         </p:nvSpPr>
-        <p:spPr/>
+        <p:spPr>
+          <a:xfrm>
+            <a:off x="4733342" y="278098"/>
+            <a:ext cx="7215642" cy="6347791"/>
+          </a:xfrm>
+          <a:prstGeom prst="rect">
+            <a:avLst/>
+          </a:prstGeom>
+          <a:solidFill>
+            <a:schemeClr val="accent1"/>
+          </a:solidFill>
+          <a:ln w="38100" cap="flat" cmpd="sng">
+            <a:solidFill>
+              <a:schemeClr val="lt1"/>
+            </a:solidFill>
+            <a:prstDash val="solid"/>
+            <a:miter lim="800000"/>
+            <a:headEnd type="none" w="sm" len="sm"/>
+            <a:tailEnd type="none" w="sm" len="sm"/>
+          </a:ln>
+        </p:spPr>
         <p:txBody>
-          <a:bodyPr/>
+          <a:bodyPr spcFirstLastPara="1" wrap="square" lIns="91425" tIns="45700" rIns="91425" bIns="45700" anchor="t" anchorCtr="0">
+            <a:noAutofit/>
+          </a:bodyPr>
           <a:lstStyle/>
           <a:p>
-            <a:r>
-              <a:rPr lang="en-US" dirty="0"/>
-              <a:t>Evolving MVC</a:t>
-            </a:r>
+            <a:pPr marL="0" marR="0" lvl="0" indent="0" algn="r" rtl="0">
+              <a:spcBef>
+                <a:spcPts val="0"/>
+              </a:spcBef>
+              <a:spcAft>
+                <a:spcPts val="0"/>
+              </a:spcAft>
+              <a:buNone/>
+            </a:pPr>
+            <a:r>
+              <a:rPr lang="en-US" sz="1800" b="0" i="0" u="none" strike="noStrike" cap="none">
+                <a:solidFill>
+                  <a:schemeClr val="lt1"/>
+                </a:solidFill>
+                <a:latin typeface="Calibri"/>
+                <a:ea typeface="Calibri"/>
+                <a:cs typeface="Calibri"/>
+                <a:sym typeface="Calibri"/>
+              </a:rPr>
+              <a:t>Linux</a:t>
+            </a:r>
+            <a:endParaRPr/>
           </a:p>
         </p:txBody>
       </p:sp>
       <p:sp>
         <p:nvSpPr>
-          <p:cNvPr id="3" name="Content Placeholder 2">
-            <a:extLst>
-              <a:ext uri="{FF2B5EF4-FFF2-40B4-BE49-F238E27FC236}">
-                <a16:creationId xmlns:a16="http://schemas.microsoft.com/office/drawing/2014/main" id="{6F2EFD27-959A-B7F6-E0CD-5B906F8762C9}"/>
-              </a:ext>
-            </a:extLst>
-          </p:cNvPr>
-          <p:cNvSpPr>
-            <a:spLocks noGrp="1"/>
-          </p:cNvSpPr>
-          <p:nvPr>
-            <p:ph idx="1"/>
-          </p:nvPr>
+          <p:cNvPr id="200" name="Google Shape;200;p9"/>
+          <p:cNvSpPr/>
+          <p:nvPr/>
         </p:nvSpPr>
-        <p:spPr/>
+        <p:spPr>
+          <a:xfrm>
+            <a:off x="873960" y="278098"/>
+            <a:ext cx="2465935" cy="6347791"/>
+          </a:xfrm>
+          <a:prstGeom prst="rect">
+            <a:avLst/>
+          </a:prstGeom>
+          <a:solidFill>
+            <a:schemeClr val="accent1"/>
+          </a:solidFill>
+          <a:ln w="38100" cap="flat" cmpd="sng">
+            <a:solidFill>
+              <a:schemeClr val="lt1"/>
+            </a:solidFill>
+            <a:prstDash val="solid"/>
+            <a:miter lim="800000"/>
+            <a:headEnd type="none" w="sm" len="sm"/>
+            <a:tailEnd type="none" w="sm" len="sm"/>
+          </a:ln>
+        </p:spPr>
         <p:txBody>
-          <a:bodyPr/>
+          <a:bodyPr spcFirstLastPara="1" wrap="square" lIns="91425" tIns="45700" rIns="91425" bIns="45700" anchor="t" anchorCtr="0">
+            <a:noAutofit/>
+          </a:bodyPr>
           <a:lstStyle/>
           <a:p>
-            <a:endParaRPr lang="en-US"/>
+            <a:pPr marL="0" marR="0" lvl="0" indent="0" algn="r" rtl="0">
+              <a:spcBef>
+                <a:spcPts val="0"/>
+              </a:spcBef>
+              <a:spcAft>
+                <a:spcPts val="0"/>
+              </a:spcAft>
+              <a:buNone/>
+            </a:pPr>
+            <a:r>
+              <a:rPr lang="en-US" sz="1800" b="0" i="0" u="none" strike="noStrike" cap="none">
+                <a:solidFill>
+                  <a:schemeClr val="lt1"/>
+                </a:solidFill>
+                <a:latin typeface="Calibri"/>
+                <a:ea typeface="Calibri"/>
+                <a:cs typeface="Calibri"/>
+                <a:sym typeface="Calibri"/>
+              </a:rPr>
+              <a:t>Browser</a:t>
+            </a:r>
+            <a:endParaRPr/>
           </a:p>
         </p:txBody>
       </p:sp>
+      <p:sp>
+        <p:nvSpPr>
+          <p:cNvPr id="201" name="Google Shape;201;p9"/>
+          <p:cNvSpPr/>
+          <p:nvPr/>
+        </p:nvSpPr>
+        <p:spPr>
+          <a:xfrm>
+            <a:off x="5987216" y="870579"/>
+            <a:ext cx="5702276" cy="5548575"/>
+          </a:xfrm>
+          <a:prstGeom prst="rect">
+            <a:avLst/>
+          </a:prstGeom>
+          <a:solidFill>
+            <a:srgbClr val="002060"/>
+          </a:solidFill>
+          <a:ln w="38100" cap="flat" cmpd="sng">
+            <a:solidFill>
+              <a:schemeClr val="dk1"/>
+            </a:solidFill>
+            <a:prstDash val="solid"/>
+            <a:miter lim="800000"/>
+            <a:headEnd type="none" w="sm" len="sm"/>
+            <a:tailEnd type="none" w="sm" len="sm"/>
+          </a:ln>
+        </p:spPr>
+        <p:txBody>
+          <a:bodyPr spcFirstLastPara="1" wrap="square" lIns="91425" tIns="45700" rIns="91425" bIns="45700" anchor="t" anchorCtr="0">
+            <a:noAutofit/>
+          </a:bodyPr>
+          <a:lstStyle/>
+          <a:p>
+            <a:pPr marL="0" marR="0" lvl="0" indent="0" algn="r" rtl="0">
+              <a:spcBef>
+                <a:spcPts val="0"/>
+              </a:spcBef>
+              <a:spcAft>
+                <a:spcPts val="0"/>
+              </a:spcAft>
+              <a:buNone/>
+            </a:pPr>
+            <a:r>
+              <a:rPr lang="en-US" sz="1800" b="0" i="0" u="none" strike="noStrike" cap="none">
+                <a:solidFill>
+                  <a:schemeClr val="lt1"/>
+                </a:solidFill>
+                <a:latin typeface="Calibri"/>
+                <a:ea typeface="Calibri"/>
+                <a:cs typeface="Calibri"/>
+                <a:sym typeface="Calibri"/>
+              </a:rPr>
+              <a:t>Django</a:t>
+            </a:r>
+            <a:endParaRPr sz="1800" b="0" i="0" u="none" strike="noStrike" cap="none">
+              <a:solidFill>
+                <a:schemeClr val="lt1"/>
+              </a:solidFill>
+              <a:latin typeface="Calibri"/>
+              <a:ea typeface="Calibri"/>
+              <a:cs typeface="Calibri"/>
+              <a:sym typeface="Calibri"/>
+            </a:endParaRPr>
+          </a:p>
+        </p:txBody>
+      </p:sp>
+      <p:sp>
+        <p:nvSpPr>
+          <p:cNvPr id="202" name="Google Shape;202;p9"/>
+          <p:cNvSpPr txBox="1"/>
+          <p:nvPr/>
+        </p:nvSpPr>
+        <p:spPr>
+          <a:xfrm>
+            <a:off x="5987216" y="404858"/>
+            <a:ext cx="1295291" cy="369332"/>
+          </a:xfrm>
+          <a:prstGeom prst="rect">
+            <a:avLst/>
+          </a:prstGeom>
+          <a:solidFill>
+            <a:schemeClr val="dk1"/>
+          </a:solidFill>
+          <a:ln>
+            <a:noFill/>
+          </a:ln>
+        </p:spPr>
+        <p:txBody>
+          <a:bodyPr spcFirstLastPara="1" wrap="square" lIns="91425" tIns="45700" rIns="91425" bIns="45700" anchor="t" anchorCtr="0">
+            <a:spAutoFit/>
+          </a:bodyPr>
+          <a:lstStyle/>
+          <a:p>
+            <a:pPr marL="0" marR="0" lvl="0" indent="0" algn="l" rtl="0">
+              <a:spcBef>
+                <a:spcPts val="0"/>
+              </a:spcBef>
+              <a:spcAft>
+                <a:spcPts val="0"/>
+              </a:spcAft>
+              <a:buNone/>
+            </a:pPr>
+            <a:r>
+              <a:rPr lang="en-US" sz="1800" b="0" i="0" u="none" strike="noStrike" cap="none">
+                <a:solidFill>
+                  <a:schemeClr val="lt1"/>
+                </a:solidFill>
+                <a:latin typeface="Calibri"/>
+                <a:ea typeface="Calibri"/>
+                <a:cs typeface="Calibri"/>
+                <a:sym typeface="Calibri"/>
+              </a:rPr>
+              <a:t>WGSIConfig</a:t>
+            </a:r>
+            <a:endParaRPr sz="1800">
+              <a:solidFill>
+                <a:schemeClr val="lt1"/>
+              </a:solidFill>
+              <a:latin typeface="Calibri"/>
+              <a:ea typeface="Calibri"/>
+              <a:cs typeface="Calibri"/>
+              <a:sym typeface="Calibri"/>
+            </a:endParaRPr>
+          </a:p>
+        </p:txBody>
+      </p:sp>
+      <p:sp>
+        <p:nvSpPr>
+          <p:cNvPr id="203" name="Google Shape;203;p9"/>
+          <p:cNvSpPr/>
+          <p:nvPr/>
+        </p:nvSpPr>
+        <p:spPr>
+          <a:xfrm>
+            <a:off x="6347167" y="1101696"/>
+            <a:ext cx="1086678" cy="1033669"/>
+          </a:xfrm>
+          <a:prstGeom prst="roundRect">
+            <a:avLst>
+              <a:gd name="adj" fmla="val 16667"/>
+            </a:avLst>
+          </a:prstGeom>
+          <a:solidFill>
+            <a:srgbClr val="0070C0"/>
+          </a:solidFill>
+          <a:ln w="9525" cap="flat" cmpd="sng">
+            <a:solidFill>
+              <a:schemeClr val="dk1"/>
+            </a:solidFill>
+            <a:prstDash val="solid"/>
+            <a:miter lim="800000"/>
+            <a:headEnd type="none" w="sm" len="sm"/>
+            <a:tailEnd type="none" w="sm" len="sm"/>
+          </a:ln>
+        </p:spPr>
+        <p:txBody>
+          <a:bodyPr spcFirstLastPara="1" wrap="square" lIns="91425" tIns="45700" rIns="91425" bIns="45700" anchor="ctr" anchorCtr="0">
+            <a:noAutofit/>
+          </a:bodyPr>
+          <a:lstStyle/>
+          <a:p>
+            <a:pPr marL="0" marR="0" lvl="0" indent="0" algn="ctr" rtl="0">
+              <a:spcBef>
+                <a:spcPts val="0"/>
+              </a:spcBef>
+              <a:spcAft>
+                <a:spcPts val="0"/>
+              </a:spcAft>
+              <a:buNone/>
+            </a:pPr>
+            <a:r>
+              <a:rPr lang="en-US" sz="1800">
+                <a:solidFill>
+                  <a:schemeClr val="lt1"/>
+                </a:solidFill>
+                <a:latin typeface="Calibri"/>
+                <a:ea typeface="Calibri"/>
+                <a:cs typeface="Calibri"/>
+                <a:sym typeface="Calibri"/>
+              </a:rPr>
+              <a:t>Routing</a:t>
+            </a:r>
+            <a:endParaRPr/>
+          </a:p>
+        </p:txBody>
+      </p:sp>
+      <p:sp>
+        <p:nvSpPr>
+          <p:cNvPr id="204" name="Google Shape;204;p9"/>
+          <p:cNvSpPr/>
+          <p:nvPr/>
+        </p:nvSpPr>
+        <p:spPr>
+          <a:xfrm>
+            <a:off x="6347167" y="2675805"/>
+            <a:ext cx="1086678" cy="1033669"/>
+          </a:xfrm>
+          <a:prstGeom prst="roundRect">
+            <a:avLst>
+              <a:gd name="adj" fmla="val 16667"/>
+            </a:avLst>
+          </a:prstGeom>
+          <a:solidFill>
+            <a:srgbClr val="FF7F00"/>
+          </a:solidFill>
+          <a:ln w="9525" cap="flat" cmpd="sng">
+            <a:solidFill>
+              <a:schemeClr val="dk1"/>
+            </a:solidFill>
+            <a:prstDash val="solid"/>
+            <a:miter lim="800000"/>
+            <a:headEnd type="none" w="sm" len="sm"/>
+            <a:tailEnd type="none" w="sm" len="sm"/>
+          </a:ln>
+        </p:spPr>
+        <p:txBody>
+          <a:bodyPr spcFirstLastPara="1" wrap="square" lIns="91425" tIns="45700" rIns="91425" bIns="45700" anchor="ctr" anchorCtr="0">
+            <a:noAutofit/>
+          </a:bodyPr>
+          <a:lstStyle/>
+          <a:p>
+            <a:pPr marL="0" marR="0" lvl="0" indent="0" algn="ctr" rtl="0">
+              <a:spcBef>
+                <a:spcPts val="0"/>
+              </a:spcBef>
+              <a:spcAft>
+                <a:spcPts val="0"/>
+              </a:spcAft>
+              <a:buNone/>
+            </a:pPr>
+            <a:r>
+              <a:rPr lang="en-US" sz="1800">
+                <a:solidFill>
+                  <a:schemeClr val="dk1"/>
+                </a:solidFill>
+                <a:latin typeface="Calibri"/>
+                <a:ea typeface="Calibri"/>
+                <a:cs typeface="Calibri"/>
+                <a:sym typeface="Calibri"/>
+              </a:rPr>
+              <a:t>Views</a:t>
+            </a:r>
+            <a:endParaRPr/>
+          </a:p>
+        </p:txBody>
+      </p:sp>
+      <p:sp>
+        <p:nvSpPr>
+          <p:cNvPr id="205" name="Google Shape;205;p9"/>
+          <p:cNvSpPr/>
+          <p:nvPr/>
+        </p:nvSpPr>
+        <p:spPr>
+          <a:xfrm>
+            <a:off x="9813128" y="4173528"/>
+            <a:ext cx="1577009" cy="646266"/>
+          </a:xfrm>
+          <a:prstGeom prst="can">
+            <a:avLst>
+              <a:gd name="adj" fmla="val 25000"/>
+            </a:avLst>
+          </a:prstGeom>
+          <a:solidFill>
+            <a:srgbClr val="0070C0"/>
+          </a:solidFill>
+          <a:ln w="12700" cap="flat" cmpd="sng">
+            <a:solidFill>
+              <a:srgbClr val="1D7F66"/>
+            </a:solidFill>
+            <a:prstDash val="solid"/>
+            <a:miter lim="800000"/>
+            <a:headEnd type="none" w="sm" len="sm"/>
+            <a:tailEnd type="none" w="sm" len="sm"/>
+          </a:ln>
+        </p:spPr>
+        <p:txBody>
+          <a:bodyPr spcFirstLastPara="1" wrap="square" lIns="91425" tIns="45700" rIns="91425" bIns="45700" anchor="ctr" anchorCtr="0">
+            <a:noAutofit/>
+          </a:bodyPr>
+          <a:lstStyle/>
+          <a:p>
+            <a:pPr marL="0" marR="0" lvl="0" indent="0" algn="ctr" rtl="0">
+              <a:spcBef>
+                <a:spcPts val="0"/>
+              </a:spcBef>
+              <a:spcAft>
+                <a:spcPts val="0"/>
+              </a:spcAft>
+              <a:buNone/>
+            </a:pPr>
+            <a:r>
+              <a:rPr lang="en-US" sz="1800">
+                <a:solidFill>
+                  <a:schemeClr val="lt1"/>
+                </a:solidFill>
+                <a:latin typeface="Calibri"/>
+                <a:ea typeface="Calibri"/>
+                <a:cs typeface="Calibri"/>
+                <a:sym typeface="Calibri"/>
+              </a:rPr>
+              <a:t>Database</a:t>
+            </a:r>
+            <a:endParaRPr/>
+          </a:p>
+        </p:txBody>
+      </p:sp>
+      <p:sp>
+        <p:nvSpPr>
+          <p:cNvPr id="206" name="Google Shape;206;p9"/>
+          <p:cNvSpPr/>
+          <p:nvPr/>
+        </p:nvSpPr>
+        <p:spPr>
+          <a:xfrm>
+            <a:off x="10090027" y="2904193"/>
+            <a:ext cx="1367113" cy="516836"/>
+          </a:xfrm>
+          <a:prstGeom prst="roundRect">
+            <a:avLst>
+              <a:gd name="adj" fmla="val 16667"/>
+            </a:avLst>
+          </a:prstGeom>
+          <a:gradFill>
+            <a:gsLst>
+              <a:gs pos="0">
+                <a:srgbClr val="9A9A9A"/>
+              </a:gs>
+              <a:gs pos="50000">
+                <a:srgbClr val="8D8D8D"/>
+              </a:gs>
+              <a:gs pos="100000">
+                <a:srgbClr val="787878"/>
+              </a:gs>
+            </a:gsLst>
+            <a:lin ang="5400000" scaled="0"/>
+          </a:gradFill>
+          <a:ln w="9525" cap="flat" cmpd="sng">
+            <a:solidFill>
+              <a:schemeClr val="dk1"/>
+            </a:solidFill>
+            <a:prstDash val="solid"/>
+            <a:miter lim="800000"/>
+            <a:headEnd type="none" w="sm" len="sm"/>
+            <a:tailEnd type="none" w="sm" len="sm"/>
+          </a:ln>
+        </p:spPr>
+        <p:txBody>
+          <a:bodyPr spcFirstLastPara="1" wrap="square" lIns="91425" tIns="45700" rIns="91425" bIns="45700" anchor="ctr" anchorCtr="0">
+            <a:noAutofit/>
+          </a:bodyPr>
+          <a:lstStyle/>
+          <a:p>
+            <a:pPr marL="0" marR="0" lvl="0" indent="0" algn="ctr" rtl="0">
+              <a:spcBef>
+                <a:spcPts val="0"/>
+              </a:spcBef>
+              <a:spcAft>
+                <a:spcPts val="0"/>
+              </a:spcAft>
+              <a:buNone/>
+            </a:pPr>
+            <a:r>
+              <a:rPr lang="en-US" sz="1800" dirty="0">
+                <a:solidFill>
+                  <a:schemeClr val="dk1"/>
+                </a:solidFill>
+                <a:latin typeface="Calibri"/>
+                <a:ea typeface="Calibri"/>
+                <a:cs typeface="Calibri"/>
+                <a:sym typeface="Calibri"/>
+              </a:rPr>
+              <a:t>Templates</a:t>
+            </a:r>
+            <a:endParaRPr sz="1800" dirty="0">
+              <a:solidFill>
+                <a:schemeClr val="dk1"/>
+              </a:solidFill>
+              <a:latin typeface="Calibri"/>
+              <a:ea typeface="Calibri"/>
+              <a:cs typeface="Calibri"/>
+              <a:sym typeface="Calibri"/>
+            </a:endParaRPr>
+          </a:p>
+        </p:txBody>
+      </p:sp>
+      <p:sp>
+        <p:nvSpPr>
+          <p:cNvPr id="207" name="Google Shape;207;p9"/>
+          <p:cNvSpPr/>
+          <p:nvPr/>
+        </p:nvSpPr>
+        <p:spPr>
+          <a:xfrm>
+            <a:off x="7933975" y="404637"/>
+            <a:ext cx="1603514" cy="369554"/>
+          </a:xfrm>
+          <a:prstGeom prst="roundRect">
+            <a:avLst>
+              <a:gd name="adj" fmla="val 16667"/>
+            </a:avLst>
+          </a:prstGeom>
+          <a:gradFill>
+            <a:gsLst>
+              <a:gs pos="0">
+                <a:srgbClr val="9A9A9A"/>
+              </a:gs>
+              <a:gs pos="50000">
+                <a:srgbClr val="8D8D8D"/>
+              </a:gs>
+              <a:gs pos="100000">
+                <a:srgbClr val="787878"/>
+              </a:gs>
+            </a:gsLst>
+            <a:lin ang="5400000" scaled="0"/>
+          </a:gradFill>
+          <a:ln w="9525" cap="flat" cmpd="sng">
+            <a:solidFill>
+              <a:schemeClr val="dk1"/>
+            </a:solidFill>
+            <a:prstDash val="solid"/>
+            <a:miter lim="800000"/>
+            <a:headEnd type="none" w="sm" len="sm"/>
+            <a:tailEnd type="none" w="sm" len="sm"/>
+          </a:ln>
+        </p:spPr>
+        <p:txBody>
+          <a:bodyPr spcFirstLastPara="1" wrap="square" lIns="91425" tIns="45700" rIns="91425" bIns="45700" anchor="ctr" anchorCtr="0">
+            <a:noAutofit/>
+          </a:bodyPr>
+          <a:lstStyle/>
+          <a:p>
+            <a:pPr marL="0" marR="0" lvl="0" indent="0" algn="ctr" rtl="0">
+              <a:spcBef>
+                <a:spcPts val="0"/>
+              </a:spcBef>
+              <a:spcAft>
+                <a:spcPts val="0"/>
+              </a:spcAft>
+              <a:buNone/>
+            </a:pPr>
+            <a:r>
+              <a:rPr lang="en-US" sz="1800">
+                <a:solidFill>
+                  <a:schemeClr val="dk1"/>
+                </a:solidFill>
+                <a:latin typeface="Calibri"/>
+                <a:ea typeface="Calibri"/>
+                <a:cs typeface="Calibri"/>
+                <a:sym typeface="Calibri"/>
+              </a:rPr>
+              <a:t>settings.py</a:t>
+            </a:r>
+            <a:endParaRPr sz="1800">
+              <a:solidFill>
+                <a:schemeClr val="dk1"/>
+              </a:solidFill>
+              <a:latin typeface="Calibri"/>
+              <a:ea typeface="Calibri"/>
+              <a:cs typeface="Calibri"/>
+              <a:sym typeface="Calibri"/>
+            </a:endParaRPr>
+          </a:p>
+        </p:txBody>
+      </p:sp>
+      <p:cxnSp>
+        <p:nvCxnSpPr>
+          <p:cNvPr id="208" name="Google Shape;208;p9"/>
+          <p:cNvCxnSpPr/>
+          <p:nvPr/>
+        </p:nvCxnSpPr>
+        <p:spPr>
+          <a:xfrm flipH="1">
+            <a:off x="7208365" y="589414"/>
+            <a:ext cx="725611" cy="110"/>
+          </a:xfrm>
+          <a:prstGeom prst="straightConnector1">
+            <a:avLst/>
+          </a:prstGeom>
+          <a:noFill/>
+          <a:ln w="38100" cap="flat" cmpd="sng">
+            <a:solidFill>
+              <a:schemeClr val="lt1"/>
+            </a:solidFill>
+            <a:prstDash val="solid"/>
+            <a:miter lim="800000"/>
+            <a:headEnd type="none" w="sm" len="sm"/>
+            <a:tailEnd type="triangle" w="med" len="med"/>
+          </a:ln>
+        </p:spPr>
+      </p:cxnSp>
+      <p:sp>
+        <p:nvSpPr>
+          <p:cNvPr id="209" name="Google Shape;209;p9"/>
+          <p:cNvSpPr/>
+          <p:nvPr/>
+        </p:nvSpPr>
+        <p:spPr>
+          <a:xfrm>
+            <a:off x="4999929" y="404637"/>
+            <a:ext cx="516835" cy="6105958"/>
+          </a:xfrm>
+          <a:prstGeom prst="rect">
+            <a:avLst/>
+          </a:prstGeom>
+          <a:solidFill>
+            <a:srgbClr val="002060"/>
+          </a:solidFill>
+          <a:ln w="38100" cap="flat" cmpd="sng">
+            <a:solidFill>
+              <a:schemeClr val="dk1"/>
+            </a:solidFill>
+            <a:prstDash val="solid"/>
+            <a:miter lim="800000"/>
+            <a:headEnd type="none" w="sm" len="sm"/>
+            <a:tailEnd type="none" w="sm" len="sm"/>
+          </a:ln>
+        </p:spPr>
+        <p:txBody>
+          <a:bodyPr spcFirstLastPara="1" wrap="square" lIns="91425" tIns="45700" rIns="91425" bIns="45700" anchor="b" anchorCtr="0">
+            <a:noAutofit/>
+          </a:bodyPr>
+          <a:lstStyle/>
+          <a:p>
+            <a:pPr marL="0" marR="0" lvl="0" indent="0" algn="ctr" rtl="0">
+              <a:spcBef>
+                <a:spcPts val="0"/>
+              </a:spcBef>
+              <a:spcAft>
+                <a:spcPts val="0"/>
+              </a:spcAft>
+              <a:buNone/>
+            </a:pPr>
+            <a:r>
+              <a:rPr lang="en-US" sz="1800">
+                <a:solidFill>
+                  <a:schemeClr val="lt1"/>
+                </a:solidFill>
+                <a:latin typeface="Calibri"/>
+                <a:ea typeface="Calibri"/>
+                <a:cs typeface="Calibri"/>
+                <a:sym typeface="Calibri"/>
+              </a:rPr>
+              <a:t>N</a:t>
+            </a:r>
+            <a:endParaRPr/>
+          </a:p>
+          <a:p>
+            <a:pPr marL="0" marR="0" lvl="0" indent="0" algn="ctr" rtl="0">
+              <a:spcBef>
+                <a:spcPts val="0"/>
+              </a:spcBef>
+              <a:spcAft>
+                <a:spcPts val="0"/>
+              </a:spcAft>
+              <a:buNone/>
+            </a:pPr>
+            <a:r>
+              <a:rPr lang="en-US" sz="1800">
+                <a:solidFill>
+                  <a:schemeClr val="lt1"/>
+                </a:solidFill>
+                <a:latin typeface="Calibri"/>
+                <a:ea typeface="Calibri"/>
+                <a:cs typeface="Calibri"/>
+                <a:sym typeface="Calibri"/>
+              </a:rPr>
+              <a:t>G</a:t>
+            </a:r>
+            <a:endParaRPr/>
+          </a:p>
+          <a:p>
+            <a:pPr marL="0" marR="0" lvl="0" indent="0" algn="ctr" rtl="0">
+              <a:spcBef>
+                <a:spcPts val="0"/>
+              </a:spcBef>
+              <a:spcAft>
+                <a:spcPts val="0"/>
+              </a:spcAft>
+              <a:buNone/>
+            </a:pPr>
+            <a:r>
+              <a:rPr lang="en-US" sz="1800">
+                <a:solidFill>
+                  <a:schemeClr val="lt1"/>
+                </a:solidFill>
+                <a:latin typeface="Calibri"/>
+                <a:ea typeface="Calibri"/>
+                <a:cs typeface="Calibri"/>
+                <a:sym typeface="Calibri"/>
+              </a:rPr>
+              <a:t>I</a:t>
+            </a:r>
+            <a:endParaRPr/>
+          </a:p>
+          <a:p>
+            <a:pPr marL="0" marR="0" lvl="0" indent="0" algn="ctr" rtl="0">
+              <a:spcBef>
+                <a:spcPts val="0"/>
+              </a:spcBef>
+              <a:spcAft>
+                <a:spcPts val="0"/>
+              </a:spcAft>
+              <a:buNone/>
+            </a:pPr>
+            <a:r>
+              <a:rPr lang="en-US" sz="1800">
+                <a:solidFill>
+                  <a:schemeClr val="lt1"/>
+                </a:solidFill>
+                <a:latin typeface="Calibri"/>
+                <a:ea typeface="Calibri"/>
+                <a:cs typeface="Calibri"/>
+                <a:sym typeface="Calibri"/>
+              </a:rPr>
+              <a:t>N</a:t>
+            </a:r>
+            <a:br>
+              <a:rPr lang="en-US" sz="1800">
+                <a:solidFill>
+                  <a:schemeClr val="lt1"/>
+                </a:solidFill>
+                <a:latin typeface="Calibri"/>
+                <a:ea typeface="Calibri"/>
+                <a:cs typeface="Calibri"/>
+                <a:sym typeface="Calibri"/>
+              </a:rPr>
+            </a:br>
+            <a:r>
+              <a:rPr lang="en-US" sz="1800">
+                <a:solidFill>
+                  <a:schemeClr val="lt1"/>
+                </a:solidFill>
+                <a:latin typeface="Calibri"/>
+                <a:ea typeface="Calibri"/>
+                <a:cs typeface="Calibri"/>
+                <a:sym typeface="Calibri"/>
+              </a:rPr>
+              <a:t>X</a:t>
+            </a:r>
+            <a:endParaRPr/>
+          </a:p>
+          <a:p>
+            <a:pPr marL="0" marR="0" lvl="0" indent="0" algn="ctr" rtl="0">
+              <a:spcBef>
+                <a:spcPts val="0"/>
+              </a:spcBef>
+              <a:spcAft>
+                <a:spcPts val="0"/>
+              </a:spcAft>
+              <a:buNone/>
+            </a:pPr>
+            <a:endParaRPr sz="1800">
+              <a:solidFill>
+                <a:schemeClr val="lt1"/>
+              </a:solidFill>
+              <a:latin typeface="Calibri"/>
+              <a:ea typeface="Calibri"/>
+              <a:cs typeface="Calibri"/>
+              <a:sym typeface="Calibri"/>
+            </a:endParaRPr>
+          </a:p>
+        </p:txBody>
+      </p:sp>
+      <p:cxnSp>
+        <p:nvCxnSpPr>
+          <p:cNvPr id="210" name="Google Shape;210;p9"/>
+          <p:cNvCxnSpPr>
+            <a:stCxn id="211" idx="1"/>
+            <a:endCxn id="203" idx="3"/>
+          </p:cNvCxnSpPr>
+          <p:nvPr/>
+        </p:nvCxnSpPr>
+        <p:spPr>
+          <a:xfrm flipH="1">
+            <a:off x="7433812" y="1610800"/>
+            <a:ext cx="1404900" cy="7800"/>
+          </a:xfrm>
+          <a:prstGeom prst="straightConnector1">
+            <a:avLst/>
+          </a:prstGeom>
+          <a:noFill/>
+          <a:ln w="38100" cap="flat" cmpd="sng">
+            <a:solidFill>
+              <a:schemeClr val="lt1"/>
+            </a:solidFill>
+            <a:prstDash val="solid"/>
+            <a:miter lim="800000"/>
+            <a:headEnd type="none" w="sm" len="sm"/>
+            <a:tailEnd type="triangle" w="med" len="med"/>
+          </a:ln>
+        </p:spPr>
+      </p:cxnSp>
+      <p:cxnSp>
+        <p:nvCxnSpPr>
+          <p:cNvPr id="212" name="Google Shape;212;p9"/>
+          <p:cNvCxnSpPr>
+            <a:stCxn id="213" idx="1"/>
+            <a:endCxn id="204" idx="3"/>
+          </p:cNvCxnSpPr>
+          <p:nvPr/>
+        </p:nvCxnSpPr>
+        <p:spPr>
+          <a:xfrm flipH="1">
+            <a:off x="7433824" y="2574964"/>
+            <a:ext cx="1026000" cy="617700"/>
+          </a:xfrm>
+          <a:prstGeom prst="straightConnector1">
+            <a:avLst/>
+          </a:prstGeom>
+          <a:noFill/>
+          <a:ln w="38100" cap="flat" cmpd="sng">
+            <a:solidFill>
+              <a:schemeClr val="lt1"/>
+            </a:solidFill>
+            <a:prstDash val="solid"/>
+            <a:miter lim="800000"/>
+            <a:headEnd type="none" w="sm" len="sm"/>
+            <a:tailEnd type="triangle" w="med" len="med"/>
+          </a:ln>
+        </p:spPr>
+      </p:cxnSp>
+      <p:cxnSp>
+        <p:nvCxnSpPr>
+          <p:cNvPr id="214" name="Google Shape;214;p9"/>
+          <p:cNvCxnSpPr>
+            <a:stCxn id="206" idx="1"/>
+            <a:endCxn id="204" idx="3"/>
+          </p:cNvCxnSpPr>
+          <p:nvPr/>
+        </p:nvCxnSpPr>
+        <p:spPr>
+          <a:xfrm flipH="1">
+            <a:off x="7433827" y="3162611"/>
+            <a:ext cx="2656200" cy="30000"/>
+          </a:xfrm>
+          <a:prstGeom prst="straightConnector1">
+            <a:avLst/>
+          </a:prstGeom>
+          <a:noFill/>
+          <a:ln w="38100" cap="flat" cmpd="sng">
+            <a:solidFill>
+              <a:schemeClr val="lt1"/>
+            </a:solidFill>
+            <a:prstDash val="solid"/>
+            <a:miter lim="800000"/>
+            <a:headEnd type="none" w="sm" len="sm"/>
+            <a:tailEnd type="triangle" w="med" len="med"/>
+          </a:ln>
+        </p:spPr>
+      </p:cxnSp>
+      <p:cxnSp>
+        <p:nvCxnSpPr>
+          <p:cNvPr id="215" name="Google Shape;215;p9"/>
+          <p:cNvCxnSpPr>
+            <a:stCxn id="216" idx="1"/>
+            <a:endCxn id="204" idx="3"/>
+          </p:cNvCxnSpPr>
+          <p:nvPr/>
+        </p:nvCxnSpPr>
+        <p:spPr>
+          <a:xfrm rot="10800000">
+            <a:off x="7433824" y="3192750"/>
+            <a:ext cx="1026000" cy="523200"/>
+          </a:xfrm>
+          <a:prstGeom prst="straightConnector1">
+            <a:avLst/>
+          </a:prstGeom>
+          <a:noFill/>
+          <a:ln w="38100" cap="flat" cmpd="sng">
+            <a:solidFill>
+              <a:schemeClr val="lt1"/>
+            </a:solidFill>
+            <a:prstDash val="solid"/>
+            <a:miter lim="800000"/>
+            <a:headEnd type="none" w="sm" len="sm"/>
+            <a:tailEnd type="triangle" w="med" len="med"/>
+          </a:ln>
+        </p:spPr>
+      </p:cxnSp>
+      <p:cxnSp>
+        <p:nvCxnSpPr>
+          <p:cNvPr id="217" name="Google Shape;217;p9"/>
+          <p:cNvCxnSpPr>
+            <a:stCxn id="205" idx="2"/>
+            <a:endCxn id="218" idx="3"/>
+          </p:cNvCxnSpPr>
+          <p:nvPr/>
+        </p:nvCxnSpPr>
+        <p:spPr>
+          <a:xfrm flipH="1">
+            <a:off x="9208028" y="4496661"/>
+            <a:ext cx="605100" cy="435300"/>
+          </a:xfrm>
+          <a:prstGeom prst="straightConnector1">
+            <a:avLst/>
+          </a:prstGeom>
+          <a:noFill/>
+          <a:ln w="38100" cap="flat" cmpd="sng">
+            <a:solidFill>
+              <a:schemeClr val="lt1"/>
+            </a:solidFill>
+            <a:prstDash val="solid"/>
+            <a:miter lim="800000"/>
+            <a:headEnd type="triangle" w="med" len="med"/>
+            <a:tailEnd type="triangle" w="med" len="med"/>
+          </a:ln>
+        </p:spPr>
+      </p:cxnSp>
+      <p:sp>
+        <p:nvSpPr>
+          <p:cNvPr id="211" name="Google Shape;211;p9"/>
+          <p:cNvSpPr/>
+          <p:nvPr/>
+        </p:nvSpPr>
+        <p:spPr>
+          <a:xfrm>
+            <a:off x="8838712" y="1385733"/>
+            <a:ext cx="1439996" cy="450133"/>
+          </a:xfrm>
+          <a:prstGeom prst="roundRect">
+            <a:avLst>
+              <a:gd name="adj" fmla="val 16667"/>
+            </a:avLst>
+          </a:prstGeom>
+          <a:gradFill>
+            <a:gsLst>
+              <a:gs pos="0">
+                <a:srgbClr val="9A9A9A"/>
+              </a:gs>
+              <a:gs pos="50000">
+                <a:srgbClr val="8D8D8D"/>
+              </a:gs>
+              <a:gs pos="100000">
+                <a:srgbClr val="787878"/>
+              </a:gs>
+            </a:gsLst>
+            <a:lin ang="5400000" scaled="0"/>
+          </a:gradFill>
+          <a:ln w="9525" cap="flat" cmpd="sng">
+            <a:solidFill>
+              <a:schemeClr val="dk1"/>
+            </a:solidFill>
+            <a:prstDash val="solid"/>
+            <a:miter lim="800000"/>
+            <a:headEnd type="none" w="sm" len="sm"/>
+            <a:tailEnd type="none" w="sm" len="sm"/>
+          </a:ln>
+        </p:spPr>
+        <p:txBody>
+          <a:bodyPr spcFirstLastPara="1" wrap="square" lIns="91425" tIns="45700" rIns="91425" bIns="45700" anchor="ctr" anchorCtr="0">
+            <a:noAutofit/>
+          </a:bodyPr>
+          <a:lstStyle/>
+          <a:p>
+            <a:pPr marL="0" marR="0" lvl="0" indent="0" algn="ctr" rtl="0">
+              <a:spcBef>
+                <a:spcPts val="0"/>
+              </a:spcBef>
+              <a:spcAft>
+                <a:spcPts val="0"/>
+              </a:spcAft>
+              <a:buNone/>
+            </a:pPr>
+            <a:r>
+              <a:rPr lang="en-US" sz="1800">
+                <a:solidFill>
+                  <a:schemeClr val="dk1"/>
+                </a:solidFill>
+                <a:latin typeface="Calibri"/>
+                <a:ea typeface="Calibri"/>
+                <a:cs typeface="Calibri"/>
+                <a:sym typeface="Calibri"/>
+              </a:rPr>
+              <a:t>urls.py</a:t>
+            </a:r>
+            <a:endParaRPr sz="1800">
+              <a:solidFill>
+                <a:schemeClr val="dk1"/>
+              </a:solidFill>
+              <a:latin typeface="Calibri"/>
+              <a:ea typeface="Calibri"/>
+              <a:cs typeface="Calibri"/>
+              <a:sym typeface="Calibri"/>
+            </a:endParaRPr>
+          </a:p>
+        </p:txBody>
+      </p:sp>
+      <p:sp>
+        <p:nvSpPr>
+          <p:cNvPr id="213" name="Google Shape;213;p9"/>
+          <p:cNvSpPr/>
+          <p:nvPr/>
+        </p:nvSpPr>
+        <p:spPr>
+          <a:xfrm>
+            <a:off x="8459824" y="2316546"/>
+            <a:ext cx="1308844" cy="516836"/>
+          </a:xfrm>
+          <a:prstGeom prst="roundRect">
+            <a:avLst>
+              <a:gd name="adj" fmla="val 16667"/>
+            </a:avLst>
+          </a:prstGeom>
+          <a:gradFill>
+            <a:gsLst>
+              <a:gs pos="0">
+                <a:srgbClr val="9A9A9A"/>
+              </a:gs>
+              <a:gs pos="50000">
+                <a:srgbClr val="8D8D8D"/>
+              </a:gs>
+              <a:gs pos="100000">
+                <a:srgbClr val="787878"/>
+              </a:gs>
+            </a:gsLst>
+            <a:lin ang="5400000" scaled="0"/>
+          </a:gradFill>
+          <a:ln w="9525" cap="flat" cmpd="sng">
+            <a:solidFill>
+              <a:schemeClr val="dk1"/>
+            </a:solidFill>
+            <a:prstDash val="solid"/>
+            <a:miter lim="800000"/>
+            <a:headEnd type="none" w="sm" len="sm"/>
+            <a:tailEnd type="none" w="sm" len="sm"/>
+          </a:ln>
+        </p:spPr>
+        <p:txBody>
+          <a:bodyPr spcFirstLastPara="1" wrap="square" lIns="91425" tIns="45700" rIns="91425" bIns="45700" anchor="ctr" anchorCtr="0">
+            <a:noAutofit/>
+          </a:bodyPr>
+          <a:lstStyle/>
+          <a:p>
+            <a:pPr marL="0" marR="0" lvl="0" indent="0" algn="ctr" rtl="0">
+              <a:spcBef>
+                <a:spcPts val="0"/>
+              </a:spcBef>
+              <a:spcAft>
+                <a:spcPts val="0"/>
+              </a:spcAft>
+              <a:buNone/>
+            </a:pPr>
+            <a:r>
+              <a:rPr lang="en-US" sz="1800">
+                <a:solidFill>
+                  <a:schemeClr val="dk1"/>
+                </a:solidFill>
+                <a:latin typeface="Calibri"/>
+                <a:ea typeface="Calibri"/>
+                <a:cs typeface="Calibri"/>
+                <a:sym typeface="Calibri"/>
+              </a:rPr>
+              <a:t>views.py</a:t>
+            </a:r>
+            <a:endParaRPr sz="1800">
+              <a:solidFill>
+                <a:schemeClr val="dk1"/>
+              </a:solidFill>
+              <a:latin typeface="Calibri"/>
+              <a:ea typeface="Calibri"/>
+              <a:cs typeface="Calibri"/>
+              <a:sym typeface="Calibri"/>
+            </a:endParaRPr>
+          </a:p>
+        </p:txBody>
+      </p:sp>
+      <p:sp>
+        <p:nvSpPr>
+          <p:cNvPr id="216" name="Google Shape;216;p9"/>
+          <p:cNvSpPr/>
+          <p:nvPr/>
+        </p:nvSpPr>
+        <p:spPr>
+          <a:xfrm>
+            <a:off x="8459824" y="3465107"/>
+            <a:ext cx="1355820" cy="501686"/>
+          </a:xfrm>
+          <a:prstGeom prst="roundRect">
+            <a:avLst>
+              <a:gd name="adj" fmla="val 16667"/>
+            </a:avLst>
+          </a:prstGeom>
+          <a:gradFill>
+            <a:gsLst>
+              <a:gs pos="0">
+                <a:srgbClr val="9A9A9A"/>
+              </a:gs>
+              <a:gs pos="50000">
+                <a:srgbClr val="8D8D8D"/>
+              </a:gs>
+              <a:gs pos="100000">
+                <a:srgbClr val="787878"/>
+              </a:gs>
+            </a:gsLst>
+            <a:lin ang="5400000" scaled="0"/>
+          </a:gradFill>
+          <a:ln w="9525" cap="flat" cmpd="sng">
+            <a:solidFill>
+              <a:schemeClr val="dk1"/>
+            </a:solidFill>
+            <a:prstDash val="solid"/>
+            <a:miter lim="800000"/>
+            <a:headEnd type="none" w="sm" len="sm"/>
+            <a:tailEnd type="none" w="sm" len="sm"/>
+          </a:ln>
+        </p:spPr>
+        <p:txBody>
+          <a:bodyPr spcFirstLastPara="1" wrap="square" lIns="91425" tIns="45700" rIns="91425" bIns="45700" anchor="ctr" anchorCtr="0">
+            <a:noAutofit/>
+          </a:bodyPr>
+          <a:lstStyle/>
+          <a:p>
+            <a:pPr marL="0" marR="0" lvl="0" indent="0" algn="ctr" rtl="0">
+              <a:spcBef>
+                <a:spcPts val="0"/>
+              </a:spcBef>
+              <a:spcAft>
+                <a:spcPts val="0"/>
+              </a:spcAft>
+              <a:buNone/>
+            </a:pPr>
+            <a:r>
+              <a:rPr lang="en-US" sz="1800">
+                <a:solidFill>
+                  <a:schemeClr val="dk1"/>
+                </a:solidFill>
+                <a:latin typeface="Calibri"/>
+                <a:ea typeface="Calibri"/>
+                <a:cs typeface="Calibri"/>
+                <a:sym typeface="Calibri"/>
+              </a:rPr>
+              <a:t>forms.py</a:t>
+            </a:r>
+            <a:endParaRPr sz="1800">
+              <a:solidFill>
+                <a:schemeClr val="dk1"/>
+              </a:solidFill>
+              <a:latin typeface="Calibri"/>
+              <a:ea typeface="Calibri"/>
+              <a:cs typeface="Calibri"/>
+              <a:sym typeface="Calibri"/>
+            </a:endParaRPr>
+          </a:p>
+        </p:txBody>
+      </p:sp>
+      <p:sp>
+        <p:nvSpPr>
+          <p:cNvPr id="218" name="Google Shape;218;p9"/>
+          <p:cNvSpPr/>
+          <p:nvPr/>
+        </p:nvSpPr>
+        <p:spPr>
+          <a:xfrm>
+            <a:off x="8121287" y="4415134"/>
+            <a:ext cx="1086678" cy="1033669"/>
+          </a:xfrm>
+          <a:prstGeom prst="roundRect">
+            <a:avLst>
+              <a:gd name="adj" fmla="val 16667"/>
+            </a:avLst>
+          </a:prstGeom>
+          <a:solidFill>
+            <a:srgbClr val="0070C0"/>
+          </a:solidFill>
+          <a:ln w="9525" cap="flat" cmpd="sng">
+            <a:solidFill>
+              <a:schemeClr val="dk1"/>
+            </a:solidFill>
+            <a:prstDash val="solid"/>
+            <a:miter lim="800000"/>
+            <a:headEnd type="none" w="sm" len="sm"/>
+            <a:tailEnd type="none" w="sm" len="sm"/>
+          </a:ln>
+        </p:spPr>
+        <p:txBody>
+          <a:bodyPr spcFirstLastPara="1" wrap="square" lIns="91425" tIns="45700" rIns="91425" bIns="45700" anchor="ctr" anchorCtr="0">
+            <a:noAutofit/>
+          </a:bodyPr>
+          <a:lstStyle/>
+          <a:p>
+            <a:pPr marL="0" marR="0" lvl="0" indent="0" algn="ctr" rtl="0">
+              <a:spcBef>
+                <a:spcPts val="0"/>
+              </a:spcBef>
+              <a:spcAft>
+                <a:spcPts val="0"/>
+              </a:spcAft>
+              <a:buNone/>
+            </a:pPr>
+            <a:r>
+              <a:rPr lang="en-US" sz="1800">
+                <a:solidFill>
+                  <a:schemeClr val="lt1"/>
+                </a:solidFill>
+                <a:latin typeface="Calibri"/>
+                <a:ea typeface="Calibri"/>
+                <a:cs typeface="Calibri"/>
+                <a:sym typeface="Calibri"/>
+              </a:rPr>
+              <a:t>Models</a:t>
+            </a:r>
+            <a:endParaRPr/>
+          </a:p>
+        </p:txBody>
+      </p:sp>
+      <p:cxnSp>
+        <p:nvCxnSpPr>
+          <p:cNvPr id="219" name="Google Shape;219;p9"/>
+          <p:cNvCxnSpPr>
+            <a:stCxn id="220" idx="1"/>
+            <a:endCxn id="218" idx="3"/>
+          </p:cNvCxnSpPr>
+          <p:nvPr/>
+        </p:nvCxnSpPr>
+        <p:spPr>
+          <a:xfrm rot="10800000">
+            <a:off x="9207828" y="4931903"/>
+            <a:ext cx="682500" cy="516900"/>
+          </a:xfrm>
+          <a:prstGeom prst="straightConnector1">
+            <a:avLst/>
+          </a:prstGeom>
+          <a:noFill/>
+          <a:ln w="38100" cap="flat" cmpd="sng">
+            <a:solidFill>
+              <a:schemeClr val="lt1"/>
+            </a:solidFill>
+            <a:prstDash val="solid"/>
+            <a:miter lim="800000"/>
+            <a:headEnd type="none" w="sm" len="sm"/>
+            <a:tailEnd type="triangle" w="med" len="med"/>
+          </a:ln>
+        </p:spPr>
+      </p:cxnSp>
+      <p:cxnSp>
+        <p:nvCxnSpPr>
+          <p:cNvPr id="221" name="Google Shape;221;p9"/>
+          <p:cNvCxnSpPr>
+            <a:endCxn id="204" idx="0"/>
+          </p:cNvCxnSpPr>
+          <p:nvPr/>
+        </p:nvCxnSpPr>
+        <p:spPr>
+          <a:xfrm>
+            <a:off x="6890506" y="2135505"/>
+            <a:ext cx="0" cy="540300"/>
+          </a:xfrm>
+          <a:prstGeom prst="straightConnector1">
+            <a:avLst/>
+          </a:prstGeom>
+          <a:noFill/>
+          <a:ln w="38100" cap="flat" cmpd="sng">
+            <a:solidFill>
+              <a:srgbClr val="FFFF00"/>
+            </a:solidFill>
+            <a:prstDash val="solid"/>
+            <a:miter lim="800000"/>
+            <a:headEnd type="none" w="sm" len="sm"/>
+            <a:tailEnd type="triangle" w="med" len="med"/>
+          </a:ln>
+        </p:spPr>
+      </p:cxnSp>
+      <p:cxnSp>
+        <p:nvCxnSpPr>
+          <p:cNvPr id="222" name="Google Shape;222;p9"/>
+          <p:cNvCxnSpPr>
+            <a:stCxn id="218" idx="0"/>
+            <a:endCxn id="204" idx="2"/>
+          </p:cNvCxnSpPr>
+          <p:nvPr/>
+        </p:nvCxnSpPr>
+        <p:spPr>
+          <a:xfrm rot="10800000">
+            <a:off x="6890426" y="3709534"/>
+            <a:ext cx="1774200" cy="705600"/>
+          </a:xfrm>
+          <a:prstGeom prst="straightConnector1">
+            <a:avLst/>
+          </a:prstGeom>
+          <a:noFill/>
+          <a:ln w="38100" cap="flat" cmpd="sng">
+            <a:solidFill>
+              <a:schemeClr val="lt1"/>
+            </a:solidFill>
+            <a:prstDash val="solid"/>
+            <a:miter lim="800000"/>
+            <a:headEnd type="triangle" w="med" len="med"/>
+            <a:tailEnd type="triangle" w="med" len="med"/>
+          </a:ln>
+        </p:spPr>
+      </p:cxnSp>
+      <p:sp>
+        <p:nvSpPr>
+          <p:cNvPr id="223" name="Google Shape;223;p9"/>
+          <p:cNvSpPr/>
+          <p:nvPr/>
+        </p:nvSpPr>
+        <p:spPr>
+          <a:xfrm>
+            <a:off x="3585593" y="2064215"/>
+            <a:ext cx="934720" cy="653442"/>
+          </a:xfrm>
+          <a:prstGeom prst="cloudCallout">
+            <a:avLst>
+              <a:gd name="adj1" fmla="val 906"/>
+              <a:gd name="adj2" fmla="val -1249"/>
+            </a:avLst>
+          </a:prstGeom>
+          <a:solidFill>
+            <a:srgbClr val="FEFEFE"/>
+          </a:solidFill>
+          <a:ln>
+            <a:noFill/>
+          </a:ln>
+        </p:spPr>
+        <p:txBody>
+          <a:bodyPr spcFirstLastPara="1" wrap="square" lIns="91425" tIns="45700" rIns="91425" bIns="45700" anchor="ctr" anchorCtr="0">
+            <a:noAutofit/>
+          </a:bodyPr>
+          <a:lstStyle/>
+          <a:p>
+            <a:pPr marL="0" marR="0" lvl="0" indent="0" algn="ctr" rtl="0">
+              <a:spcBef>
+                <a:spcPts val="0"/>
+              </a:spcBef>
+              <a:spcAft>
+                <a:spcPts val="0"/>
+              </a:spcAft>
+              <a:buNone/>
+            </a:pPr>
+            <a:endParaRPr sz="1800">
+              <a:solidFill>
+                <a:schemeClr val="lt1"/>
+              </a:solidFill>
+              <a:latin typeface="Calibri"/>
+              <a:ea typeface="Calibri"/>
+              <a:cs typeface="Calibri"/>
+              <a:sym typeface="Calibri"/>
+            </a:endParaRPr>
+          </a:p>
+        </p:txBody>
+      </p:sp>
+      <p:sp>
+        <p:nvSpPr>
+          <p:cNvPr id="220" name="Google Shape;220;p9"/>
+          <p:cNvSpPr/>
+          <p:nvPr/>
+        </p:nvSpPr>
+        <p:spPr>
+          <a:xfrm>
+            <a:off x="9890328" y="5197960"/>
+            <a:ext cx="1357391" cy="501686"/>
+          </a:xfrm>
+          <a:prstGeom prst="roundRect">
+            <a:avLst>
+              <a:gd name="adj" fmla="val 16667"/>
+            </a:avLst>
+          </a:prstGeom>
+          <a:gradFill>
+            <a:gsLst>
+              <a:gs pos="0">
+                <a:srgbClr val="9A9A9A"/>
+              </a:gs>
+              <a:gs pos="50000">
+                <a:srgbClr val="8D8D8D"/>
+              </a:gs>
+              <a:gs pos="100000">
+                <a:srgbClr val="787878"/>
+              </a:gs>
+            </a:gsLst>
+            <a:lin ang="5400000" scaled="0"/>
+          </a:gradFill>
+          <a:ln w="9525" cap="flat" cmpd="sng">
+            <a:solidFill>
+              <a:schemeClr val="dk1"/>
+            </a:solidFill>
+            <a:prstDash val="solid"/>
+            <a:miter lim="800000"/>
+            <a:headEnd type="none" w="sm" len="sm"/>
+            <a:tailEnd type="none" w="sm" len="sm"/>
+          </a:ln>
+        </p:spPr>
+        <p:txBody>
+          <a:bodyPr spcFirstLastPara="1" wrap="square" lIns="91425" tIns="45700" rIns="91425" bIns="45700" anchor="ctr" anchorCtr="0">
+            <a:noAutofit/>
+          </a:bodyPr>
+          <a:lstStyle/>
+          <a:p>
+            <a:pPr marL="0" marR="0" lvl="0" indent="0" algn="ctr" rtl="0">
+              <a:spcBef>
+                <a:spcPts val="0"/>
+              </a:spcBef>
+              <a:spcAft>
+                <a:spcPts val="0"/>
+              </a:spcAft>
+              <a:buNone/>
+            </a:pPr>
+            <a:r>
+              <a:rPr lang="en-US" sz="1800">
+                <a:solidFill>
+                  <a:schemeClr val="dk1"/>
+                </a:solidFill>
+                <a:latin typeface="Calibri"/>
+                <a:ea typeface="Calibri"/>
+                <a:cs typeface="Calibri"/>
+                <a:sym typeface="Calibri"/>
+              </a:rPr>
+              <a:t>models.py</a:t>
+            </a:r>
+            <a:endParaRPr sz="1800">
+              <a:solidFill>
+                <a:schemeClr val="dk1"/>
+              </a:solidFill>
+              <a:latin typeface="Calibri"/>
+              <a:ea typeface="Calibri"/>
+              <a:cs typeface="Calibri"/>
+              <a:sym typeface="Calibri"/>
+            </a:endParaRPr>
+          </a:p>
+        </p:txBody>
+      </p:sp>
+      <p:sp>
+        <p:nvSpPr>
+          <p:cNvPr id="224" name="Google Shape;224;p9"/>
+          <p:cNvSpPr/>
+          <p:nvPr/>
+        </p:nvSpPr>
+        <p:spPr>
+          <a:xfrm>
+            <a:off x="1078762" y="404637"/>
+            <a:ext cx="516835" cy="6105958"/>
+          </a:xfrm>
+          <a:prstGeom prst="rect">
+            <a:avLst/>
+          </a:prstGeom>
+          <a:solidFill>
+            <a:srgbClr val="002060"/>
+          </a:solidFill>
+          <a:ln w="38100" cap="flat" cmpd="sng">
+            <a:solidFill>
+              <a:schemeClr val="dk1"/>
+            </a:solidFill>
+            <a:prstDash val="solid"/>
+            <a:miter lim="800000"/>
+            <a:headEnd type="none" w="sm" len="sm"/>
+            <a:tailEnd type="none" w="sm" len="sm"/>
+          </a:ln>
+        </p:spPr>
+        <p:txBody>
+          <a:bodyPr spcFirstLastPara="1" wrap="square" lIns="91425" tIns="45700" rIns="91425" bIns="45700" anchor="ctr" anchorCtr="0">
+            <a:noAutofit/>
+          </a:bodyPr>
+          <a:lstStyle/>
+          <a:p>
+            <a:pPr marL="0" marR="0" lvl="0" indent="0" algn="ctr" rtl="0">
+              <a:spcBef>
+                <a:spcPts val="0"/>
+              </a:spcBef>
+              <a:spcAft>
+                <a:spcPts val="0"/>
+              </a:spcAft>
+              <a:buNone/>
+            </a:pPr>
+            <a:r>
+              <a:rPr lang="en-US" sz="1800">
+                <a:solidFill>
+                  <a:schemeClr val="lt1"/>
+                </a:solidFill>
+                <a:latin typeface="Calibri"/>
+                <a:ea typeface="Calibri"/>
+                <a:cs typeface="Calibri"/>
+                <a:sym typeface="Calibri"/>
+              </a:rPr>
+              <a:t>D</a:t>
+            </a:r>
+            <a:endParaRPr/>
+          </a:p>
+          <a:p>
+            <a:pPr marL="0" marR="0" lvl="0" indent="0" algn="ctr" rtl="0">
+              <a:spcBef>
+                <a:spcPts val="0"/>
+              </a:spcBef>
+              <a:spcAft>
+                <a:spcPts val="0"/>
+              </a:spcAft>
+              <a:buNone/>
+            </a:pPr>
+            <a:r>
+              <a:rPr lang="en-US" sz="1800">
+                <a:solidFill>
+                  <a:schemeClr val="lt1"/>
+                </a:solidFill>
+                <a:latin typeface="Calibri"/>
+                <a:ea typeface="Calibri"/>
+                <a:cs typeface="Calibri"/>
+                <a:sym typeface="Calibri"/>
+              </a:rPr>
+              <a:t>O</a:t>
+            </a:r>
+            <a:endParaRPr/>
+          </a:p>
+          <a:p>
+            <a:pPr marL="0" marR="0" lvl="0" indent="0" algn="ctr" rtl="0">
+              <a:spcBef>
+                <a:spcPts val="0"/>
+              </a:spcBef>
+              <a:spcAft>
+                <a:spcPts val="0"/>
+              </a:spcAft>
+              <a:buNone/>
+            </a:pPr>
+            <a:r>
+              <a:rPr lang="en-US" sz="1800">
+                <a:solidFill>
+                  <a:schemeClr val="lt1"/>
+                </a:solidFill>
+                <a:latin typeface="Calibri"/>
+                <a:ea typeface="Calibri"/>
+                <a:cs typeface="Calibri"/>
+                <a:sym typeface="Calibri"/>
+              </a:rPr>
+              <a:t>M</a:t>
+            </a:r>
+            <a:endParaRPr/>
+          </a:p>
+        </p:txBody>
+      </p:sp>
+      <p:sp>
+        <p:nvSpPr>
+          <p:cNvPr id="225" name="Google Shape;225;p9"/>
+          <p:cNvSpPr/>
+          <p:nvPr/>
+        </p:nvSpPr>
+        <p:spPr>
+          <a:xfrm>
+            <a:off x="2088487" y="2703730"/>
+            <a:ext cx="1230519" cy="947790"/>
+          </a:xfrm>
+          <a:prstGeom prst="roundRect">
+            <a:avLst>
+              <a:gd name="adj" fmla="val 16667"/>
+            </a:avLst>
+          </a:prstGeom>
+          <a:solidFill>
+            <a:srgbClr val="002060"/>
+          </a:solidFill>
+          <a:ln>
+            <a:noFill/>
+          </a:ln>
+        </p:spPr>
+        <p:txBody>
+          <a:bodyPr spcFirstLastPara="1" wrap="square" lIns="91425" tIns="45700" rIns="91425" bIns="45700" anchor="ctr" anchorCtr="0">
+            <a:noAutofit/>
+          </a:bodyPr>
+          <a:lstStyle/>
+          <a:p>
+            <a:pPr marL="0" marR="0" lvl="0" indent="0" algn="ctr" rtl="0">
+              <a:spcBef>
+                <a:spcPts val="0"/>
+              </a:spcBef>
+              <a:spcAft>
+                <a:spcPts val="0"/>
+              </a:spcAft>
+              <a:buNone/>
+            </a:pPr>
+            <a:r>
+              <a:rPr lang="en-US" sz="1800">
+                <a:solidFill>
+                  <a:schemeClr val="lt1"/>
+                </a:solidFill>
+                <a:latin typeface="Calibri"/>
+                <a:ea typeface="Calibri"/>
+                <a:cs typeface="Calibri"/>
+                <a:sym typeface="Calibri"/>
+              </a:rPr>
+              <a:t>Parse</a:t>
+            </a:r>
+            <a:endParaRPr/>
+          </a:p>
+          <a:p>
+            <a:pPr marL="0" marR="0" lvl="0" indent="0" algn="ctr" rtl="0">
+              <a:spcBef>
+                <a:spcPts val="0"/>
+              </a:spcBef>
+              <a:spcAft>
+                <a:spcPts val="0"/>
+              </a:spcAft>
+              <a:buNone/>
+            </a:pPr>
+            <a:r>
+              <a:rPr lang="en-US" sz="1800">
+                <a:solidFill>
+                  <a:schemeClr val="lt1"/>
+                </a:solidFill>
+                <a:latin typeface="Calibri"/>
+                <a:ea typeface="Calibri"/>
+                <a:cs typeface="Calibri"/>
+                <a:sym typeface="Calibri"/>
+              </a:rPr>
+              <a:t>Response</a:t>
+            </a:r>
+            <a:endParaRPr/>
+          </a:p>
+        </p:txBody>
+      </p:sp>
+      <p:sp>
+        <p:nvSpPr>
+          <p:cNvPr id="226" name="Google Shape;226;p9"/>
+          <p:cNvSpPr/>
+          <p:nvPr/>
+        </p:nvSpPr>
+        <p:spPr>
+          <a:xfrm>
+            <a:off x="1908003" y="4073744"/>
+            <a:ext cx="1419280" cy="2345410"/>
+          </a:xfrm>
+          <a:prstGeom prst="rect">
+            <a:avLst/>
+          </a:prstGeom>
+          <a:solidFill>
+            <a:srgbClr val="7F7F7F"/>
+          </a:solidFill>
+          <a:ln w="28575" cap="flat" cmpd="sng">
+            <a:solidFill>
+              <a:schemeClr val="lt1"/>
+            </a:solidFill>
+            <a:prstDash val="solid"/>
+            <a:miter lim="800000"/>
+            <a:headEnd type="none" w="sm" len="sm"/>
+            <a:tailEnd type="none" w="sm" len="sm"/>
+          </a:ln>
+        </p:spPr>
+        <p:txBody>
+          <a:bodyPr spcFirstLastPara="1" wrap="square" lIns="91425" tIns="45700" rIns="91425" bIns="45700" anchor="b" anchorCtr="0">
+            <a:noAutofit/>
+          </a:bodyPr>
+          <a:lstStyle/>
+          <a:p>
+            <a:pPr marL="0" marR="0" lvl="0" indent="0" algn="l" rtl="0">
+              <a:spcBef>
+                <a:spcPts val="0"/>
+              </a:spcBef>
+              <a:spcAft>
+                <a:spcPts val="0"/>
+              </a:spcAft>
+              <a:buNone/>
+            </a:pPr>
+            <a:r>
+              <a:rPr lang="en-US" sz="1800">
+                <a:solidFill>
+                  <a:schemeClr val="lt1"/>
+                </a:solidFill>
+                <a:latin typeface="Calibri"/>
+                <a:ea typeface="Calibri"/>
+                <a:cs typeface="Calibri"/>
+                <a:sym typeface="Calibri"/>
+              </a:rPr>
+              <a:t>Javascript</a:t>
+            </a:r>
+            <a:endParaRPr sz="1800">
+              <a:solidFill>
+                <a:schemeClr val="lt1"/>
+              </a:solidFill>
+              <a:latin typeface="Calibri"/>
+              <a:ea typeface="Calibri"/>
+              <a:cs typeface="Calibri"/>
+              <a:sym typeface="Calibri"/>
+            </a:endParaRPr>
+          </a:p>
+        </p:txBody>
+      </p:sp>
+      <p:pic>
+        <p:nvPicPr>
+          <p:cNvPr id="227" name="Google Shape;227;p9"/>
+          <p:cNvPicPr preferRelativeResize="0"/>
+          <p:nvPr/>
+        </p:nvPicPr>
+        <p:blipFill rotWithShape="1">
+          <a:blip r:embed="rId3">
+            <a:alphaModFix/>
+          </a:blip>
+          <a:srcRect/>
+          <a:stretch/>
+        </p:blipFill>
+        <p:spPr>
+          <a:xfrm>
+            <a:off x="-412497" y="2609953"/>
+            <a:ext cx="1473755" cy="1105316"/>
+          </a:xfrm>
+          <a:prstGeom prst="rect">
+            <a:avLst/>
+          </a:prstGeom>
+          <a:noFill/>
+          <a:ln>
+            <a:noFill/>
+          </a:ln>
+        </p:spPr>
+      </p:pic>
+      <p:sp>
+        <p:nvSpPr>
+          <p:cNvPr id="228" name="Google Shape;228;p9"/>
+          <p:cNvSpPr/>
+          <p:nvPr/>
+        </p:nvSpPr>
+        <p:spPr>
+          <a:xfrm>
+            <a:off x="8102028" y="5683135"/>
+            <a:ext cx="1319815" cy="501686"/>
+          </a:xfrm>
+          <a:prstGeom prst="roundRect">
+            <a:avLst>
+              <a:gd name="adj" fmla="val 16667"/>
+            </a:avLst>
+          </a:prstGeom>
+          <a:gradFill>
+            <a:gsLst>
+              <a:gs pos="0">
+                <a:srgbClr val="9A9A9A"/>
+              </a:gs>
+              <a:gs pos="50000">
+                <a:srgbClr val="8D8D8D"/>
+              </a:gs>
+              <a:gs pos="100000">
+                <a:srgbClr val="787878"/>
+              </a:gs>
+            </a:gsLst>
+            <a:lin ang="5400000" scaled="0"/>
+          </a:gradFill>
+          <a:ln w="9525" cap="flat" cmpd="sng">
+            <a:solidFill>
+              <a:schemeClr val="dk1"/>
+            </a:solidFill>
+            <a:prstDash val="solid"/>
+            <a:miter lim="800000"/>
+            <a:headEnd type="none" w="sm" len="sm"/>
+            <a:tailEnd type="none" w="sm" len="sm"/>
+          </a:ln>
+        </p:spPr>
+        <p:txBody>
+          <a:bodyPr spcFirstLastPara="1" wrap="square" lIns="91425" tIns="45700" rIns="91425" bIns="45700" anchor="ctr" anchorCtr="0">
+            <a:noAutofit/>
+          </a:bodyPr>
+          <a:lstStyle/>
+          <a:p>
+            <a:pPr marL="0" marR="0" lvl="0" indent="0" algn="ctr" rtl="0">
+              <a:spcBef>
+                <a:spcPts val="0"/>
+              </a:spcBef>
+              <a:spcAft>
+                <a:spcPts val="0"/>
+              </a:spcAft>
+              <a:buNone/>
+            </a:pPr>
+            <a:r>
+              <a:rPr lang="en-US" sz="1800">
+                <a:solidFill>
+                  <a:schemeClr val="dk1"/>
+                </a:solidFill>
+                <a:latin typeface="Calibri"/>
+                <a:ea typeface="Calibri"/>
+                <a:cs typeface="Calibri"/>
+                <a:sym typeface="Calibri"/>
+              </a:rPr>
+              <a:t>admin.py</a:t>
+            </a:r>
+            <a:endParaRPr sz="1800">
+              <a:solidFill>
+                <a:schemeClr val="dk1"/>
+              </a:solidFill>
+              <a:latin typeface="Calibri"/>
+              <a:ea typeface="Calibri"/>
+              <a:cs typeface="Calibri"/>
+              <a:sym typeface="Calibri"/>
+            </a:endParaRPr>
+          </a:p>
+        </p:txBody>
+      </p:sp>
+      <p:sp>
+        <p:nvSpPr>
+          <p:cNvPr id="229" name="Google Shape;229;p9"/>
+          <p:cNvSpPr/>
+          <p:nvPr/>
+        </p:nvSpPr>
+        <p:spPr>
+          <a:xfrm>
+            <a:off x="6396262" y="4400416"/>
+            <a:ext cx="1086678" cy="592481"/>
+          </a:xfrm>
+          <a:prstGeom prst="roundRect">
+            <a:avLst>
+              <a:gd name="adj" fmla="val 16667"/>
+            </a:avLst>
+          </a:prstGeom>
+          <a:solidFill>
+            <a:srgbClr val="FF7F00"/>
+          </a:solidFill>
+          <a:ln w="9525" cap="flat" cmpd="sng">
+            <a:solidFill>
+              <a:schemeClr val="dk1"/>
+            </a:solidFill>
+            <a:prstDash val="solid"/>
+            <a:miter lim="800000"/>
+            <a:headEnd type="none" w="sm" len="sm"/>
+            <a:tailEnd type="none" w="sm" len="sm"/>
+          </a:ln>
+        </p:spPr>
+        <p:txBody>
+          <a:bodyPr spcFirstLastPara="1" wrap="square" lIns="91425" tIns="45700" rIns="91425" bIns="45700" anchor="ctr" anchorCtr="0">
+            <a:noAutofit/>
+          </a:bodyPr>
+          <a:lstStyle/>
+          <a:p>
+            <a:pPr marL="0" marR="0" lvl="0" indent="0" algn="ctr" rtl="0">
+              <a:spcBef>
+                <a:spcPts val="0"/>
+              </a:spcBef>
+              <a:spcAft>
+                <a:spcPts val="0"/>
+              </a:spcAft>
+              <a:buNone/>
+            </a:pPr>
+            <a:r>
+              <a:rPr lang="en-US" sz="1800">
+                <a:solidFill>
+                  <a:schemeClr val="dk1"/>
+                </a:solidFill>
+                <a:latin typeface="Calibri"/>
+                <a:ea typeface="Calibri"/>
+                <a:cs typeface="Calibri"/>
+                <a:sym typeface="Calibri"/>
+              </a:rPr>
+              <a:t>Shell</a:t>
+            </a:r>
+            <a:endParaRPr/>
+          </a:p>
+        </p:txBody>
+      </p:sp>
+      <p:cxnSp>
+        <p:nvCxnSpPr>
+          <p:cNvPr id="230" name="Google Shape;230;p9"/>
+          <p:cNvCxnSpPr>
+            <a:endCxn id="203" idx="1"/>
+          </p:cNvCxnSpPr>
+          <p:nvPr/>
+        </p:nvCxnSpPr>
+        <p:spPr>
+          <a:xfrm>
+            <a:off x="1337167" y="1543230"/>
+            <a:ext cx="5010000" cy="75300"/>
+          </a:xfrm>
+          <a:prstGeom prst="straightConnector1">
+            <a:avLst/>
+          </a:prstGeom>
+          <a:noFill/>
+          <a:ln w="38100" cap="flat" cmpd="sng">
+            <a:solidFill>
+              <a:srgbClr val="FFFF00"/>
+            </a:solidFill>
+            <a:prstDash val="solid"/>
+            <a:miter lim="800000"/>
+            <a:headEnd type="none" w="sm" len="sm"/>
+            <a:tailEnd type="triangle" w="med" len="med"/>
+          </a:ln>
+        </p:spPr>
+      </p:cxnSp>
+      <p:cxnSp>
+        <p:nvCxnSpPr>
+          <p:cNvPr id="231" name="Google Shape;231;p9"/>
+          <p:cNvCxnSpPr>
+            <a:stCxn id="204" idx="1"/>
+            <a:endCxn id="225" idx="3"/>
+          </p:cNvCxnSpPr>
+          <p:nvPr/>
+        </p:nvCxnSpPr>
+        <p:spPr>
+          <a:xfrm rot="10800000">
+            <a:off x="3318967" y="3177640"/>
+            <a:ext cx="3028200" cy="15000"/>
+          </a:xfrm>
+          <a:prstGeom prst="straightConnector1">
+            <a:avLst/>
+          </a:prstGeom>
+          <a:noFill/>
+          <a:ln w="38100" cap="flat" cmpd="sng">
+            <a:solidFill>
+              <a:srgbClr val="FFFF00"/>
+            </a:solidFill>
+            <a:prstDash val="solid"/>
+            <a:miter lim="800000"/>
+            <a:headEnd type="none" w="sm" len="sm"/>
+            <a:tailEnd type="triangle" w="med" len="med"/>
+          </a:ln>
+        </p:spPr>
+      </p:cxnSp>
+      <p:cxnSp>
+        <p:nvCxnSpPr>
+          <p:cNvPr id="232" name="Google Shape;232;p9"/>
+          <p:cNvCxnSpPr>
+            <a:stCxn id="225" idx="1"/>
+            <a:endCxn id="224" idx="3"/>
+          </p:cNvCxnSpPr>
+          <p:nvPr/>
+        </p:nvCxnSpPr>
+        <p:spPr>
+          <a:xfrm flipH="1">
+            <a:off x="1595587" y="3177625"/>
+            <a:ext cx="492900" cy="279900"/>
+          </a:xfrm>
+          <a:prstGeom prst="straightConnector1">
+            <a:avLst/>
+          </a:prstGeom>
+          <a:noFill/>
+          <a:ln w="38100" cap="flat" cmpd="sng">
+            <a:solidFill>
+              <a:srgbClr val="FFFF00"/>
+            </a:solidFill>
+            <a:prstDash val="solid"/>
+            <a:miter lim="800000"/>
+            <a:headEnd type="none" w="sm" len="sm"/>
+            <a:tailEnd type="triangle" w="med" len="med"/>
+          </a:ln>
+        </p:spPr>
+      </p:cxnSp>
+      <p:sp>
+        <p:nvSpPr>
+          <p:cNvPr id="233" name="Google Shape;233;p9"/>
+          <p:cNvSpPr/>
+          <p:nvPr/>
+        </p:nvSpPr>
+        <p:spPr>
+          <a:xfrm>
+            <a:off x="6428560" y="5430454"/>
+            <a:ext cx="1086678" cy="592481"/>
+          </a:xfrm>
+          <a:prstGeom prst="roundRect">
+            <a:avLst>
+              <a:gd name="adj" fmla="val 16667"/>
+            </a:avLst>
+          </a:prstGeom>
+          <a:solidFill>
+            <a:srgbClr val="FF7F00"/>
+          </a:solidFill>
+          <a:ln w="9525" cap="flat" cmpd="sng">
+            <a:solidFill>
+              <a:schemeClr val="dk1"/>
+            </a:solidFill>
+            <a:prstDash val="solid"/>
+            <a:miter lim="800000"/>
+            <a:headEnd type="none" w="sm" len="sm"/>
+            <a:tailEnd type="none" w="sm" len="sm"/>
+          </a:ln>
+        </p:spPr>
+        <p:txBody>
+          <a:bodyPr spcFirstLastPara="1" wrap="square" lIns="91425" tIns="45700" rIns="91425" bIns="45700" anchor="ctr" anchorCtr="0">
+            <a:noAutofit/>
+          </a:bodyPr>
+          <a:lstStyle/>
+          <a:p>
+            <a:pPr marL="0" marR="0" lvl="0" indent="0" algn="ctr" rtl="0">
+              <a:spcBef>
+                <a:spcPts val="0"/>
+              </a:spcBef>
+              <a:spcAft>
+                <a:spcPts val="0"/>
+              </a:spcAft>
+              <a:buNone/>
+            </a:pPr>
+            <a:r>
+              <a:rPr lang="en-US" sz="1800">
+                <a:solidFill>
+                  <a:schemeClr val="dk1"/>
+                </a:solidFill>
+                <a:latin typeface="Calibri"/>
+                <a:ea typeface="Calibri"/>
+                <a:cs typeface="Calibri"/>
+                <a:sym typeface="Calibri"/>
+              </a:rPr>
+              <a:t>/admin</a:t>
+            </a:r>
+            <a:endParaRPr/>
+          </a:p>
+        </p:txBody>
+      </p:sp>
+      <p:cxnSp>
+        <p:nvCxnSpPr>
+          <p:cNvPr id="234" name="Google Shape;234;p9"/>
+          <p:cNvCxnSpPr>
+            <a:stCxn id="218" idx="1"/>
+            <a:endCxn id="229" idx="3"/>
+          </p:cNvCxnSpPr>
+          <p:nvPr/>
+        </p:nvCxnSpPr>
+        <p:spPr>
+          <a:xfrm rot="10800000">
+            <a:off x="7482887" y="4696768"/>
+            <a:ext cx="638400" cy="235200"/>
+          </a:xfrm>
+          <a:prstGeom prst="straightConnector1">
+            <a:avLst/>
+          </a:prstGeom>
+          <a:noFill/>
+          <a:ln w="38100" cap="flat" cmpd="sng">
+            <a:solidFill>
+              <a:schemeClr val="lt1"/>
+            </a:solidFill>
+            <a:prstDash val="solid"/>
+            <a:miter lim="800000"/>
+            <a:headEnd type="none" w="sm" len="sm"/>
+            <a:tailEnd type="triangle" w="med" len="med"/>
+          </a:ln>
+        </p:spPr>
+      </p:cxnSp>
+      <p:cxnSp>
+        <p:nvCxnSpPr>
+          <p:cNvPr id="235" name="Google Shape;235;p9"/>
+          <p:cNvCxnSpPr>
+            <a:stCxn id="218" idx="1"/>
+            <a:endCxn id="233" idx="3"/>
+          </p:cNvCxnSpPr>
+          <p:nvPr/>
+        </p:nvCxnSpPr>
+        <p:spPr>
+          <a:xfrm flipH="1">
+            <a:off x="7515287" y="4931968"/>
+            <a:ext cx="606000" cy="794700"/>
+          </a:xfrm>
+          <a:prstGeom prst="straightConnector1">
+            <a:avLst/>
+          </a:prstGeom>
+          <a:noFill/>
+          <a:ln w="38100" cap="flat" cmpd="sng">
+            <a:solidFill>
+              <a:schemeClr val="lt1"/>
+            </a:solidFill>
+            <a:prstDash val="solid"/>
+            <a:miter lim="800000"/>
+            <a:headEnd type="triangle" w="med" len="med"/>
+            <a:tailEnd type="triangle" w="med" len="med"/>
+          </a:ln>
+        </p:spPr>
+      </p:cxnSp>
+      <p:cxnSp>
+        <p:nvCxnSpPr>
+          <p:cNvPr id="236" name="Google Shape;236;p9"/>
+          <p:cNvCxnSpPr>
+            <a:stCxn id="228" idx="1"/>
+            <a:endCxn id="233" idx="3"/>
+          </p:cNvCxnSpPr>
+          <p:nvPr/>
+        </p:nvCxnSpPr>
+        <p:spPr>
+          <a:xfrm rot="10800000">
+            <a:off x="7515228" y="5726678"/>
+            <a:ext cx="586800" cy="207300"/>
+          </a:xfrm>
+          <a:prstGeom prst="straightConnector1">
+            <a:avLst/>
+          </a:prstGeom>
+          <a:noFill/>
+          <a:ln w="38100" cap="flat" cmpd="sng">
+            <a:solidFill>
+              <a:schemeClr val="lt1"/>
+            </a:solidFill>
+            <a:prstDash val="solid"/>
+            <a:miter lim="800000"/>
+            <a:headEnd type="none" w="sm" len="sm"/>
+            <a:tailEnd type="triangle" w="med" len="med"/>
+          </a:ln>
+        </p:spPr>
+      </p:cxnSp>
+      <p:cxnSp>
+        <p:nvCxnSpPr>
+          <p:cNvPr id="237" name="Google Shape;237;p9"/>
+          <p:cNvCxnSpPr>
+            <a:stCxn id="220" idx="1"/>
+            <a:endCxn id="228" idx="3"/>
+          </p:cNvCxnSpPr>
+          <p:nvPr/>
+        </p:nvCxnSpPr>
+        <p:spPr>
+          <a:xfrm flipH="1">
+            <a:off x="9421728" y="5448803"/>
+            <a:ext cx="468600" cy="485100"/>
+          </a:xfrm>
+          <a:prstGeom prst="straightConnector1">
+            <a:avLst/>
+          </a:prstGeom>
+          <a:noFill/>
+          <a:ln w="38100" cap="flat" cmpd="sng">
+            <a:solidFill>
+              <a:schemeClr val="lt1"/>
+            </a:solidFill>
+            <a:prstDash val="solid"/>
+            <a:miter lim="800000"/>
+            <a:headEnd type="none" w="sm" len="sm"/>
+            <a:tailEnd type="triangle" w="med" len="med"/>
+          </a:ln>
+        </p:spPr>
+      </p:cxnSp>
+      <p:cxnSp>
+        <p:nvCxnSpPr>
+          <p:cNvPr id="238" name="Google Shape;238;p9"/>
+          <p:cNvCxnSpPr>
+            <a:endCxn id="239" idx="2"/>
+          </p:cNvCxnSpPr>
+          <p:nvPr/>
+        </p:nvCxnSpPr>
+        <p:spPr>
+          <a:xfrm rot="10800000" flipH="1">
+            <a:off x="691331" y="1668102"/>
+            <a:ext cx="345600" cy="1384500"/>
+          </a:xfrm>
+          <a:prstGeom prst="straightConnector1">
+            <a:avLst/>
+          </a:prstGeom>
+          <a:noFill/>
+          <a:ln w="38100" cap="flat" cmpd="sng">
+            <a:solidFill>
+              <a:srgbClr val="FFFF00"/>
+            </a:solidFill>
+            <a:prstDash val="solid"/>
+            <a:miter lim="800000"/>
+            <a:headEnd type="none" w="sm" len="sm"/>
+            <a:tailEnd type="triangle" w="med" len="med"/>
+          </a:ln>
+        </p:spPr>
+      </p:cxnSp>
+      <p:cxnSp>
+        <p:nvCxnSpPr>
+          <p:cNvPr id="240" name="Google Shape;240;p9"/>
+          <p:cNvCxnSpPr>
+            <a:stCxn id="224" idx="1"/>
+          </p:cNvCxnSpPr>
+          <p:nvPr/>
+        </p:nvCxnSpPr>
+        <p:spPr>
+          <a:xfrm rot="10800000">
+            <a:off x="669262" y="3052616"/>
+            <a:ext cx="409500" cy="405000"/>
+          </a:xfrm>
+          <a:prstGeom prst="straightConnector1">
+            <a:avLst/>
+          </a:prstGeom>
+          <a:noFill/>
+          <a:ln w="38100" cap="flat" cmpd="sng">
+            <a:solidFill>
+              <a:srgbClr val="FFFF00"/>
+            </a:solidFill>
+            <a:prstDash val="solid"/>
+            <a:miter lim="800000"/>
+            <a:headEnd type="none" w="sm" len="sm"/>
+            <a:tailEnd type="triangle" w="med" len="med"/>
+          </a:ln>
+        </p:spPr>
+      </p:cxnSp>
+      <p:sp>
+        <p:nvSpPr>
+          <p:cNvPr id="239" name="Google Shape;239;p9"/>
+          <p:cNvSpPr/>
+          <p:nvPr/>
+        </p:nvSpPr>
+        <p:spPr>
+          <a:xfrm>
+            <a:off x="692725" y="1396262"/>
+            <a:ext cx="688412" cy="271840"/>
+          </a:xfrm>
+          <a:prstGeom prst="roundRect">
+            <a:avLst>
+              <a:gd name="adj" fmla="val 16667"/>
+            </a:avLst>
+          </a:prstGeom>
+          <a:gradFill>
+            <a:gsLst>
+              <a:gs pos="0">
+                <a:srgbClr val="9A9A9A"/>
+              </a:gs>
+              <a:gs pos="50000">
+                <a:srgbClr val="8D8D8D"/>
+              </a:gs>
+              <a:gs pos="100000">
+                <a:srgbClr val="787878"/>
+              </a:gs>
+            </a:gsLst>
+            <a:lin ang="5400000" scaled="0"/>
+          </a:gradFill>
+          <a:ln w="9525" cap="flat" cmpd="sng">
+            <a:solidFill>
+              <a:schemeClr val="dk1"/>
+            </a:solidFill>
+            <a:prstDash val="solid"/>
+            <a:miter lim="800000"/>
+            <a:headEnd type="none" w="sm" len="sm"/>
+            <a:tailEnd type="none" w="sm" len="sm"/>
+          </a:ln>
+        </p:spPr>
+        <p:txBody>
+          <a:bodyPr spcFirstLastPara="1" wrap="square" lIns="91425" tIns="45700" rIns="91425" bIns="45700" anchor="ctr" anchorCtr="0">
+            <a:noAutofit/>
+          </a:bodyPr>
+          <a:lstStyle/>
+          <a:p>
+            <a:pPr marL="0" marR="0" lvl="0" indent="0" algn="ctr" rtl="0">
+              <a:spcBef>
+                <a:spcPts val="0"/>
+              </a:spcBef>
+              <a:spcAft>
+                <a:spcPts val="0"/>
+              </a:spcAft>
+              <a:buNone/>
+            </a:pPr>
+            <a:r>
+              <a:rPr lang="en-US" sz="1800">
+                <a:solidFill>
+                  <a:schemeClr val="dk1"/>
+                </a:solidFill>
+                <a:latin typeface="Calibri"/>
+                <a:ea typeface="Calibri"/>
+                <a:cs typeface="Calibri"/>
+                <a:sym typeface="Calibri"/>
+              </a:rPr>
+              <a:t>Click</a:t>
+            </a:r>
+            <a:endParaRPr/>
+          </a:p>
+        </p:txBody>
+      </p:sp>
+      <p:cxnSp>
+        <p:nvCxnSpPr>
+          <p:cNvPr id="241" name="Google Shape;241;p9"/>
+          <p:cNvCxnSpPr/>
+          <p:nvPr/>
+        </p:nvCxnSpPr>
+        <p:spPr>
+          <a:xfrm>
+            <a:off x="6890506" y="2135365"/>
+            <a:ext cx="196094" cy="540440"/>
+          </a:xfrm>
+          <a:prstGeom prst="straightConnector1">
+            <a:avLst/>
+          </a:prstGeom>
+          <a:noFill/>
+          <a:ln w="38100" cap="flat" cmpd="sng">
+            <a:solidFill>
+              <a:srgbClr val="FFFF00"/>
+            </a:solidFill>
+            <a:prstDash val="solid"/>
+            <a:miter lim="800000"/>
+            <a:headEnd type="none" w="sm" len="sm"/>
+            <a:tailEnd type="triangle" w="med" len="med"/>
+          </a:ln>
+        </p:spPr>
+      </p:cxnSp>
+      <p:cxnSp>
+        <p:nvCxnSpPr>
+          <p:cNvPr id="242" name="Google Shape;242;p9"/>
+          <p:cNvCxnSpPr/>
+          <p:nvPr/>
+        </p:nvCxnSpPr>
+        <p:spPr>
+          <a:xfrm flipH="1">
+            <a:off x="6629400" y="2135365"/>
+            <a:ext cx="261106" cy="540440"/>
+          </a:xfrm>
+          <a:prstGeom prst="straightConnector1">
+            <a:avLst/>
+          </a:prstGeom>
+          <a:noFill/>
+          <a:ln w="38100" cap="flat" cmpd="sng">
+            <a:solidFill>
+              <a:srgbClr val="FFFF00"/>
+            </a:solidFill>
+            <a:prstDash val="solid"/>
+            <a:miter lim="800000"/>
+            <a:headEnd type="none" w="sm" len="sm"/>
+            <a:tailEnd type="triangle" w="med" len="med"/>
+          </a:ln>
+        </p:spPr>
+      </p:cxnSp>
+      <p:cxnSp>
+        <p:nvCxnSpPr>
+          <p:cNvPr id="243" name="Google Shape;243;p9"/>
+          <p:cNvCxnSpPr>
+            <a:stCxn id="216" idx="3"/>
+            <a:endCxn id="206" idx="2"/>
+          </p:cNvCxnSpPr>
+          <p:nvPr/>
+        </p:nvCxnSpPr>
+        <p:spPr>
+          <a:xfrm rot="10800000" flipH="1">
+            <a:off x="9815644" y="3421050"/>
+            <a:ext cx="957900" cy="294900"/>
+          </a:xfrm>
+          <a:prstGeom prst="straightConnector1">
+            <a:avLst/>
+          </a:prstGeom>
+          <a:noFill/>
+          <a:ln w="38100" cap="flat" cmpd="sng">
+            <a:solidFill>
+              <a:schemeClr val="lt1"/>
+            </a:solidFill>
+            <a:prstDash val="solid"/>
+            <a:miter lim="800000"/>
+            <a:headEnd type="none" w="sm" len="sm"/>
+            <a:tailEnd type="triangle" w="med" len="med"/>
+          </a:ln>
+        </p:spPr>
+      </p:cxnSp>
+      <p:cxnSp>
+        <p:nvCxnSpPr>
+          <p:cNvPr id="244" name="Google Shape;244;p9"/>
+          <p:cNvCxnSpPr>
+            <a:stCxn id="218" idx="0"/>
+            <a:endCxn id="216" idx="2"/>
+          </p:cNvCxnSpPr>
+          <p:nvPr/>
+        </p:nvCxnSpPr>
+        <p:spPr>
+          <a:xfrm rot="10800000" flipH="1">
+            <a:off x="8664626" y="3966934"/>
+            <a:ext cx="473100" cy="448200"/>
+          </a:xfrm>
+          <a:prstGeom prst="straightConnector1">
+            <a:avLst/>
+          </a:prstGeom>
+          <a:noFill/>
+          <a:ln w="38100" cap="flat" cmpd="sng">
+            <a:solidFill>
+              <a:schemeClr val="lt1"/>
+            </a:solidFill>
+            <a:prstDash val="solid"/>
+            <a:miter lim="800000"/>
+            <a:headEnd type="none" w="sm" len="sm"/>
+            <a:tailEnd type="triangle" w="med" len="med"/>
+          </a:ln>
+        </p:spPr>
+      </p:cxnSp>
+      <p:sp>
+        <p:nvSpPr>
+          <p:cNvPr id="2" name="Google Shape;206;p9">
+            <a:extLst>
+              <a:ext uri="{FF2B5EF4-FFF2-40B4-BE49-F238E27FC236}">
+                <a16:creationId xmlns:a16="http://schemas.microsoft.com/office/drawing/2014/main" id="{E993F6C9-66C6-ABF5-D930-E083E5C46409}"/>
+              </a:ext>
+            </a:extLst>
+          </p:cNvPr>
+          <p:cNvSpPr/>
+          <p:nvPr/>
+        </p:nvSpPr>
+        <p:spPr>
+          <a:xfrm>
+            <a:off x="2062024" y="4315641"/>
+            <a:ext cx="1094309" cy="381127"/>
+          </a:xfrm>
+          <a:prstGeom prst="roundRect">
+            <a:avLst>
+              <a:gd name="adj" fmla="val 16667"/>
+            </a:avLst>
+          </a:prstGeom>
+          <a:gradFill>
+            <a:gsLst>
+              <a:gs pos="0">
+                <a:srgbClr val="9A9A9A"/>
+              </a:gs>
+              <a:gs pos="50000">
+                <a:srgbClr val="8D8D8D"/>
+              </a:gs>
+              <a:gs pos="100000">
+                <a:srgbClr val="787878"/>
+              </a:gs>
+            </a:gsLst>
+            <a:lin ang="5400000" scaled="0"/>
+          </a:gradFill>
+          <a:ln w="9525" cap="flat" cmpd="sng">
+            <a:solidFill>
+              <a:schemeClr val="dk1"/>
+            </a:solidFill>
+            <a:prstDash val="solid"/>
+            <a:miter lim="800000"/>
+            <a:headEnd type="none" w="sm" len="sm"/>
+            <a:tailEnd type="none" w="sm" len="sm"/>
+          </a:ln>
+        </p:spPr>
+        <p:txBody>
+          <a:bodyPr spcFirstLastPara="1" wrap="square" lIns="91425" tIns="45700" rIns="91425" bIns="45700" anchor="ctr" anchorCtr="0">
+            <a:noAutofit/>
+          </a:bodyPr>
+          <a:lstStyle/>
+          <a:p>
+            <a:pPr marL="0" marR="0" lvl="0" indent="0" algn="ctr" rtl="0">
+              <a:spcBef>
+                <a:spcPts val="0"/>
+              </a:spcBef>
+              <a:spcAft>
+                <a:spcPts val="0"/>
+              </a:spcAft>
+              <a:buNone/>
+            </a:pPr>
+            <a:r>
+              <a:rPr lang="en-US" sz="1600" dirty="0">
+                <a:solidFill>
+                  <a:schemeClr val="dk1"/>
+                </a:solidFill>
+                <a:latin typeface="Calibri"/>
+                <a:ea typeface="Calibri"/>
+                <a:cs typeface="Calibri"/>
+                <a:sym typeface="Calibri"/>
+              </a:rPr>
+              <a:t>Templates</a:t>
+            </a:r>
+            <a:endParaRPr sz="1600" dirty="0">
+              <a:solidFill>
+                <a:schemeClr val="dk1"/>
+              </a:solidFill>
+              <a:latin typeface="Calibri"/>
+              <a:ea typeface="Calibri"/>
+              <a:cs typeface="Calibri"/>
+              <a:sym typeface="Calibri"/>
+            </a:endParaRPr>
+          </a:p>
+        </p:txBody>
+      </p:sp>
+      <p:cxnSp>
+        <p:nvCxnSpPr>
+          <p:cNvPr id="3" name="Google Shape;232;p9">
+            <a:extLst>
+              <a:ext uri="{FF2B5EF4-FFF2-40B4-BE49-F238E27FC236}">
+                <a16:creationId xmlns:a16="http://schemas.microsoft.com/office/drawing/2014/main" id="{AD5BC718-FCF3-1764-9074-2687CA254352}"/>
+              </a:ext>
+            </a:extLst>
+          </p:cNvPr>
+          <p:cNvCxnSpPr>
+            <a:cxnSpLocks/>
+            <a:stCxn id="2" idx="1"/>
+            <a:endCxn id="224" idx="3"/>
+          </p:cNvCxnSpPr>
+          <p:nvPr/>
+        </p:nvCxnSpPr>
+        <p:spPr>
+          <a:xfrm flipH="1" flipV="1">
+            <a:off x="1595597" y="3457616"/>
+            <a:ext cx="466427" cy="1048589"/>
+          </a:xfrm>
+          <a:prstGeom prst="straightConnector1">
+            <a:avLst/>
+          </a:prstGeom>
+          <a:noFill/>
+          <a:ln w="38100" cap="flat" cmpd="sng">
+            <a:solidFill>
+              <a:srgbClr val="FFFF00"/>
+            </a:solidFill>
+            <a:prstDash val="solid"/>
+            <a:miter lim="800000"/>
+            <a:headEnd type="none" w="sm" len="sm"/>
+            <a:tailEnd type="triangle" w="med" len="med"/>
+          </a:ln>
+        </p:spPr>
+      </p:cxnSp>
+      <p:cxnSp>
+        <p:nvCxnSpPr>
+          <p:cNvPr id="6" name="Google Shape;232;p9">
+            <a:extLst>
+              <a:ext uri="{FF2B5EF4-FFF2-40B4-BE49-F238E27FC236}">
+                <a16:creationId xmlns:a16="http://schemas.microsoft.com/office/drawing/2014/main" id="{968B53DE-8E76-6CFB-6659-9F6CF195D853}"/>
+              </a:ext>
+            </a:extLst>
+          </p:cNvPr>
+          <p:cNvCxnSpPr>
+            <a:cxnSpLocks/>
+            <a:stCxn id="225" idx="2"/>
+            <a:endCxn id="2" idx="0"/>
+          </p:cNvCxnSpPr>
+          <p:nvPr/>
+        </p:nvCxnSpPr>
+        <p:spPr>
+          <a:xfrm flipH="1">
+            <a:off x="2609179" y="3651520"/>
+            <a:ext cx="94568" cy="664121"/>
+          </a:xfrm>
+          <a:prstGeom prst="straightConnector1">
+            <a:avLst/>
+          </a:prstGeom>
+          <a:noFill/>
+          <a:ln w="38100" cap="flat" cmpd="sng">
+            <a:solidFill>
+              <a:srgbClr val="FFFF00"/>
+            </a:solidFill>
+            <a:prstDash val="solid"/>
+            <a:miter lim="800000"/>
+            <a:headEnd type="none" w="sm" len="sm"/>
+            <a:tailEnd type="triangle" w="med" len="med"/>
+          </a:ln>
+        </p:spPr>
+      </p:cxnSp>
     </p:spTree>
-    <p:extLst>
-      <p:ext uri="{BB962C8B-B14F-4D97-AF65-F5344CB8AC3E}">
-        <p14:creationId xmlns:p14="http://schemas.microsoft.com/office/powerpoint/2010/main" val="4235659435"/>
-      </p:ext>
-    </p:extLst>
   </p:cSld>
   <p:clrMapOvr>
     <a:masterClrMapping/>
@@ -15763,6 +18451,4852 @@
       </p:grpSpPr>
       <p:sp>
         <p:nvSpPr>
+          <p:cNvPr id="4" name="Title 3">
+            <a:extLst>
+              <a:ext uri="{FF2B5EF4-FFF2-40B4-BE49-F238E27FC236}">
+                <a16:creationId xmlns:a16="http://schemas.microsoft.com/office/drawing/2014/main" id="{2FF31D75-4695-84DA-9E3F-58572CE998E8}"/>
+              </a:ext>
+            </a:extLst>
+          </p:cNvPr>
+          <p:cNvSpPr>
+            <a:spLocks noGrp="1"/>
+          </p:cNvSpPr>
+          <p:nvPr>
+            <p:ph type="title"/>
+          </p:nvPr>
+        </p:nvSpPr>
+        <p:spPr/>
+        <p:txBody>
+          <a:bodyPr/>
+          <a:lstStyle/>
+          <a:p>
+            <a:r>
+              <a:rPr lang="en-US" dirty="0"/>
+              <a:t>Templates in the Server</a:t>
+            </a:r>
+          </a:p>
+        </p:txBody>
+      </p:sp>
+      <p:sp>
+        <p:nvSpPr>
+          <p:cNvPr id="5" name="TextBox 4">
+            <a:extLst>
+              <a:ext uri="{FF2B5EF4-FFF2-40B4-BE49-F238E27FC236}">
+                <a16:creationId xmlns:a16="http://schemas.microsoft.com/office/drawing/2014/main" id="{F1A0B6CD-882E-324A-51BA-1F0BA8952B28}"/>
+              </a:ext>
+            </a:extLst>
+          </p:cNvPr>
+          <p:cNvSpPr txBox="1"/>
+          <p:nvPr/>
+        </p:nvSpPr>
+        <p:spPr>
+          <a:xfrm>
+            <a:off x="838200" y="1829862"/>
+            <a:ext cx="7629012" cy="1477328"/>
+          </a:xfrm>
+          <a:prstGeom prst="rect">
+            <a:avLst/>
+          </a:prstGeom>
+          <a:noFill/>
+          <a:ln>
+            <a:solidFill>
+              <a:srgbClr val="FFFF00"/>
+            </a:solidFill>
+          </a:ln>
+        </p:spPr>
+        <p:txBody>
+          <a:bodyPr wrap="none" rtlCol="0">
+            <a:spAutoFit/>
+          </a:bodyPr>
+          <a:lstStyle/>
+          <a:p>
+            <a:r>
+              <a:rPr lang="en-US" b="1" dirty="0">
+                <a:latin typeface="Courier New" panose="02070309020205020404" pitchFamily="49" charset="0"/>
+                <a:cs typeface="Courier New" panose="02070309020205020404" pitchFamily="49" charset="0"/>
+              </a:rPr>
+              <a:t>from </a:t>
+            </a:r>
+            <a:r>
+              <a:rPr lang="en-US" b="1" dirty="0" err="1">
+                <a:latin typeface="Courier New" panose="02070309020205020404" pitchFamily="49" charset="0"/>
+                <a:cs typeface="Courier New" panose="02070309020205020404" pitchFamily="49" charset="0"/>
+              </a:rPr>
+              <a:t>django.shortcuts</a:t>
+            </a:r>
+            <a:r>
+              <a:rPr lang="en-US" b="1" dirty="0">
+                <a:latin typeface="Courier New" panose="02070309020205020404" pitchFamily="49" charset="0"/>
+                <a:cs typeface="Courier New" panose="02070309020205020404" pitchFamily="49" charset="0"/>
+              </a:rPr>
+              <a:t> import render</a:t>
+            </a:r>
+          </a:p>
+          <a:p>
+            <a:endParaRPr lang="en-US" b="1" dirty="0">
+              <a:latin typeface="Courier New" panose="02070309020205020404" pitchFamily="49" charset="0"/>
+              <a:cs typeface="Courier New" panose="02070309020205020404" pitchFamily="49" charset="0"/>
+            </a:endParaRPr>
+          </a:p>
+          <a:p>
+            <a:r>
+              <a:rPr lang="en-US" b="1" dirty="0">
+                <a:latin typeface="Courier New" panose="02070309020205020404" pitchFamily="49" charset="0"/>
+                <a:cs typeface="Courier New" panose="02070309020205020404" pitchFamily="49" charset="0"/>
+              </a:rPr>
+              <a:t>def guess(request) :</a:t>
+            </a:r>
+          </a:p>
+          <a:p>
+            <a:r>
+              <a:rPr lang="en-US" b="1" dirty="0">
+                <a:latin typeface="Courier New" panose="02070309020205020404" pitchFamily="49" charset="0"/>
+                <a:cs typeface="Courier New" panose="02070309020205020404" pitchFamily="49" charset="0"/>
+              </a:rPr>
+              <a:t>    context = {</a:t>
+            </a:r>
+            <a:r>
+              <a:rPr lang="en-US" b="1" dirty="0">
+                <a:solidFill>
+                  <a:srgbClr val="FFC000"/>
+                </a:solidFill>
+                <a:latin typeface="Courier New" panose="02070309020205020404" pitchFamily="49" charset="0"/>
+                <a:cs typeface="Courier New" panose="02070309020205020404" pitchFamily="49" charset="0"/>
+              </a:rPr>
+              <a:t>'zap' : '42' </a:t>
+            </a:r>
+            <a:r>
+              <a:rPr lang="en-US" b="1" dirty="0">
+                <a:latin typeface="Courier New" panose="02070309020205020404" pitchFamily="49" charset="0"/>
+                <a:cs typeface="Courier New" panose="02070309020205020404" pitchFamily="49" charset="0"/>
+              </a:rPr>
+              <a:t>}</a:t>
+            </a:r>
+          </a:p>
+          <a:p>
+            <a:r>
+              <a:rPr lang="en-US" b="1" dirty="0">
+                <a:latin typeface="Courier New" panose="02070309020205020404" pitchFamily="49" charset="0"/>
+                <a:cs typeface="Courier New" panose="02070309020205020404" pitchFamily="49" charset="0"/>
+              </a:rPr>
+              <a:t>    return </a:t>
+            </a:r>
+            <a:r>
+              <a:rPr lang="en-US" b="1" dirty="0">
+                <a:solidFill>
+                  <a:srgbClr val="FFFF00"/>
+                </a:solidFill>
+                <a:latin typeface="Courier New" panose="02070309020205020404" pitchFamily="49" charset="0"/>
+                <a:cs typeface="Courier New" panose="02070309020205020404" pitchFamily="49" charset="0"/>
+              </a:rPr>
+              <a:t>render</a:t>
+            </a:r>
+            <a:r>
+              <a:rPr lang="en-US" b="1" dirty="0">
+                <a:latin typeface="Courier New" panose="02070309020205020404" pitchFamily="49" charset="0"/>
+                <a:cs typeface="Courier New" panose="02070309020205020404" pitchFamily="49" charset="0"/>
+              </a:rPr>
+              <a:t>(request, '</a:t>
+            </a:r>
+            <a:r>
+              <a:rPr lang="en-US" b="1" dirty="0" err="1">
+                <a:latin typeface="Courier New" panose="02070309020205020404" pitchFamily="49" charset="0"/>
+                <a:cs typeface="Courier New" panose="02070309020205020404" pitchFamily="49" charset="0"/>
+              </a:rPr>
+              <a:t>tmpl</a:t>
+            </a:r>
+            <a:r>
+              <a:rPr lang="en-US" b="1" dirty="0">
+                <a:latin typeface="Courier New" panose="02070309020205020404" pitchFamily="49" charset="0"/>
+                <a:cs typeface="Courier New" panose="02070309020205020404" pitchFamily="49" charset="0"/>
+              </a:rPr>
+              <a:t>/</a:t>
+            </a:r>
+            <a:r>
+              <a:rPr lang="en-US" b="1" dirty="0" err="1">
+                <a:latin typeface="Courier New" panose="02070309020205020404" pitchFamily="49" charset="0"/>
+                <a:cs typeface="Courier New" panose="02070309020205020404" pitchFamily="49" charset="0"/>
+              </a:rPr>
+              <a:t>guess.html</a:t>
+            </a:r>
+            <a:r>
+              <a:rPr lang="en-US" b="1" dirty="0">
+                <a:latin typeface="Courier New" panose="02070309020205020404" pitchFamily="49" charset="0"/>
+                <a:cs typeface="Courier New" panose="02070309020205020404" pitchFamily="49" charset="0"/>
+              </a:rPr>
+              <a:t>', context)</a:t>
+            </a:r>
+          </a:p>
+        </p:txBody>
+      </p:sp>
+      <p:sp>
+        <p:nvSpPr>
+          <p:cNvPr id="6" name="TextBox 5">
+            <a:extLst>
+              <a:ext uri="{FF2B5EF4-FFF2-40B4-BE49-F238E27FC236}">
+                <a16:creationId xmlns:a16="http://schemas.microsoft.com/office/drawing/2014/main" id="{454C8DEA-351D-1DED-3AAD-1AB39A09F2D0}"/>
+              </a:ext>
+            </a:extLst>
+          </p:cNvPr>
+          <p:cNvSpPr txBox="1"/>
+          <p:nvPr/>
+        </p:nvSpPr>
+        <p:spPr>
+          <a:xfrm>
+            <a:off x="6702251" y="3848518"/>
+            <a:ext cx="5009705" cy="2308324"/>
+          </a:xfrm>
+          <a:prstGeom prst="rect">
+            <a:avLst/>
+          </a:prstGeom>
+          <a:noFill/>
+          <a:ln>
+            <a:solidFill>
+              <a:srgbClr val="FFFF00"/>
+            </a:solidFill>
+          </a:ln>
+        </p:spPr>
+        <p:txBody>
+          <a:bodyPr wrap="none" rtlCol="0">
+            <a:spAutoFit/>
+          </a:bodyPr>
+          <a:lstStyle/>
+          <a:p>
+            <a:r>
+              <a:rPr lang="en-US" b="1" dirty="0">
+                <a:latin typeface="Courier New" panose="02070309020205020404" pitchFamily="49" charset="0"/>
+                <a:cs typeface="Courier New" panose="02070309020205020404" pitchFamily="49" charset="0"/>
+              </a:rPr>
+              <a:t>&lt;html&gt;</a:t>
+            </a:r>
+          </a:p>
+          <a:p>
+            <a:r>
+              <a:rPr lang="en-US" b="1" dirty="0">
+                <a:latin typeface="Courier New" panose="02070309020205020404" pitchFamily="49" charset="0"/>
+                <a:cs typeface="Courier New" panose="02070309020205020404" pitchFamily="49" charset="0"/>
+              </a:rPr>
+              <a:t>&lt;head&gt;</a:t>
+            </a:r>
+          </a:p>
+          <a:p>
+            <a:r>
+              <a:rPr lang="en-US" b="1" dirty="0">
+                <a:latin typeface="Courier New" panose="02070309020205020404" pitchFamily="49" charset="0"/>
+                <a:cs typeface="Courier New" panose="02070309020205020404" pitchFamily="49" charset="0"/>
+              </a:rPr>
+              <a:t>    &lt;title&gt;A simple page&lt;/title&gt;</a:t>
+            </a:r>
+          </a:p>
+          <a:p>
+            <a:r>
+              <a:rPr lang="en-US" b="1" dirty="0">
+                <a:latin typeface="Courier New" panose="02070309020205020404" pitchFamily="49" charset="0"/>
+                <a:cs typeface="Courier New" panose="02070309020205020404" pitchFamily="49" charset="0"/>
+              </a:rPr>
+              <a:t>&lt;/head&gt;</a:t>
+            </a:r>
+          </a:p>
+          <a:p>
+            <a:r>
+              <a:rPr lang="en-US" b="1" dirty="0">
+                <a:latin typeface="Courier New" panose="02070309020205020404" pitchFamily="49" charset="0"/>
+                <a:cs typeface="Courier New" panose="02070309020205020404" pitchFamily="49" charset="0"/>
+              </a:rPr>
+              <a:t>&lt;body&gt;</a:t>
+            </a:r>
+          </a:p>
+          <a:p>
+            <a:r>
+              <a:rPr lang="en-US" b="1" dirty="0">
+                <a:latin typeface="Courier New" panose="02070309020205020404" pitchFamily="49" charset="0"/>
+                <a:cs typeface="Courier New" panose="02070309020205020404" pitchFamily="49" charset="0"/>
+              </a:rPr>
+              <a:t>    &lt;p&gt;Your guess was </a:t>
+            </a:r>
+            <a:r>
+              <a:rPr lang="en-US" b="1" dirty="0">
+                <a:solidFill>
+                  <a:srgbClr val="FFC000"/>
+                </a:solidFill>
+                <a:latin typeface="Courier New" panose="02070309020205020404" pitchFamily="49" charset="0"/>
+                <a:cs typeface="Courier New" panose="02070309020205020404" pitchFamily="49" charset="0"/>
+              </a:rPr>
+              <a:t>{{ zap }}</a:t>
+            </a:r>
+            <a:r>
+              <a:rPr lang="en-US" b="1" dirty="0">
+                <a:latin typeface="Courier New" panose="02070309020205020404" pitchFamily="49" charset="0"/>
+                <a:cs typeface="Courier New" panose="02070309020205020404" pitchFamily="49" charset="0"/>
+              </a:rPr>
+              <a:t>&lt;/p&gt;</a:t>
+            </a:r>
+          </a:p>
+          <a:p>
+            <a:r>
+              <a:rPr lang="en-US" b="1" dirty="0">
+                <a:latin typeface="Courier New" panose="02070309020205020404" pitchFamily="49" charset="0"/>
+                <a:cs typeface="Courier New" panose="02070309020205020404" pitchFamily="49" charset="0"/>
+              </a:rPr>
+              <a:t>&lt;/body&gt;</a:t>
+            </a:r>
+          </a:p>
+          <a:p>
+            <a:r>
+              <a:rPr lang="en-US" b="1" dirty="0">
+                <a:latin typeface="Courier New" panose="02070309020205020404" pitchFamily="49" charset="0"/>
+                <a:cs typeface="Courier New" panose="02070309020205020404" pitchFamily="49" charset="0"/>
+              </a:rPr>
+              <a:t>&lt;/html&gt;</a:t>
+            </a:r>
+          </a:p>
+        </p:txBody>
+      </p:sp>
+    </p:spTree>
+    <p:extLst>
+      <p:ext uri="{BB962C8B-B14F-4D97-AF65-F5344CB8AC3E}">
+        <p14:creationId xmlns:p14="http://schemas.microsoft.com/office/powerpoint/2010/main" val="3745907647"/>
+      </p:ext>
+    </p:extLst>
+  </p:cSld>
+  <p:clrMapOvr>
+    <a:masterClrMapping/>
+  </p:clrMapOvr>
+</p:sld>
+</file>
+
+<file path=ppt/slides/slide43.xml><?xml version="1.0" encoding="utf-8"?>
+<p:sld xmlns:a="http://schemas.openxmlformats.org/drawingml/2006/main" xmlns:r="http://schemas.openxmlformats.org/officeDocument/2006/relationships" xmlns:p="http://schemas.openxmlformats.org/presentationml/2006/main">
+  <p:cSld>
+    <p:spTree>
+      <p:nvGrpSpPr>
+        <p:cNvPr id="1" name="">
+          <a:extLst>
+            <a:ext uri="{FF2B5EF4-FFF2-40B4-BE49-F238E27FC236}">
+              <a16:creationId xmlns:a16="http://schemas.microsoft.com/office/drawing/2014/main" id="{64DBFABE-EB58-4263-30C8-A0F66E153C8A}"/>
+            </a:ext>
+          </a:extLst>
+        </p:cNvPr>
+        <p:cNvGrpSpPr/>
+        <p:nvPr/>
+      </p:nvGrpSpPr>
+      <p:grpSpPr>
+        <a:xfrm>
+          <a:off x="0" y="0"/>
+          <a:ext cx="0" cy="0"/>
+          <a:chOff x="0" y="0"/>
+          <a:chExt cx="0" cy="0"/>
+        </a:xfrm>
+      </p:grpSpPr>
+      <p:sp>
+        <p:nvSpPr>
+          <p:cNvPr id="4" name="Title 3">
+            <a:extLst>
+              <a:ext uri="{FF2B5EF4-FFF2-40B4-BE49-F238E27FC236}">
+                <a16:creationId xmlns:a16="http://schemas.microsoft.com/office/drawing/2014/main" id="{7BBE7D28-B294-3493-5634-F6992D079C0A}"/>
+              </a:ext>
+            </a:extLst>
+          </p:cNvPr>
+          <p:cNvSpPr>
+            <a:spLocks noGrp="1"/>
+          </p:cNvSpPr>
+          <p:nvPr>
+            <p:ph type="title"/>
+          </p:nvPr>
+        </p:nvSpPr>
+        <p:spPr/>
+        <p:txBody>
+          <a:bodyPr/>
+          <a:lstStyle/>
+          <a:p>
+            <a:r>
+              <a:rPr lang="en-US" dirty="0"/>
+              <a:t>Templates in the Browser</a:t>
+            </a:r>
+          </a:p>
+        </p:txBody>
+      </p:sp>
+      <p:sp>
+        <p:nvSpPr>
+          <p:cNvPr id="6" name="TextBox 5">
+            <a:extLst>
+              <a:ext uri="{FF2B5EF4-FFF2-40B4-BE49-F238E27FC236}">
+                <a16:creationId xmlns:a16="http://schemas.microsoft.com/office/drawing/2014/main" id="{B99D8EAF-EC2C-3936-1C72-4DB8EE2CE13A}"/>
+              </a:ext>
+            </a:extLst>
+          </p:cNvPr>
+          <p:cNvSpPr txBox="1"/>
+          <p:nvPr/>
+        </p:nvSpPr>
+        <p:spPr>
+          <a:xfrm>
+            <a:off x="425799" y="1757977"/>
+            <a:ext cx="11340402" cy="3785652"/>
+          </a:xfrm>
+          <a:prstGeom prst="rect">
+            <a:avLst/>
+          </a:prstGeom>
+          <a:noFill/>
+          <a:ln>
+            <a:noFill/>
+          </a:ln>
+        </p:spPr>
+        <p:txBody>
+          <a:bodyPr wrap="square" rtlCol="0">
+            <a:spAutoFit/>
+          </a:bodyPr>
+          <a:lstStyle/>
+          <a:p>
+            <a:r>
+              <a:rPr lang="en-US" sz="1600" b="1" dirty="0">
+                <a:latin typeface="Courier New" panose="02070309020205020404" pitchFamily="49" charset="0"/>
+                <a:cs typeface="Courier New" panose="02070309020205020404" pitchFamily="49" charset="0"/>
+              </a:rPr>
+              <a:t>&lt;</a:t>
+            </a:r>
+            <a:r>
+              <a:rPr lang="en-US" sz="1600" b="1" dirty="0" err="1">
+                <a:latin typeface="Courier New" panose="02070309020205020404" pitchFamily="49" charset="0"/>
+                <a:cs typeface="Courier New" panose="02070309020205020404" pitchFamily="49" charset="0"/>
+              </a:rPr>
+              <a:t>ul</a:t>
+            </a:r>
+            <a:r>
+              <a:rPr lang="en-US" sz="1600" b="1" dirty="0">
+                <a:latin typeface="Courier New" panose="02070309020205020404" pitchFamily="49" charset="0"/>
+                <a:cs typeface="Courier New" panose="02070309020205020404" pitchFamily="49" charset="0"/>
+              </a:rPr>
+              <a:t>&gt;</a:t>
+            </a:r>
+          </a:p>
+          <a:p>
+            <a:r>
+              <a:rPr lang="en-US" sz="1600" b="1" dirty="0">
+                <a:latin typeface="Courier New" panose="02070309020205020404" pitchFamily="49" charset="0"/>
+                <a:cs typeface="Courier New" panose="02070309020205020404" pitchFamily="49" charset="0"/>
+              </a:rPr>
+              <a:t>    &lt;li&gt;&lt;</a:t>
+            </a:r>
+            <a:r>
+              <a:rPr lang="en-US" sz="1600" b="1" dirty="0">
+                <a:solidFill>
+                  <a:srgbClr val="FFFF00"/>
+                </a:solidFill>
+                <a:latin typeface="Courier New" panose="02070309020205020404" pitchFamily="49" charset="0"/>
+                <a:cs typeface="Courier New" panose="02070309020205020404" pitchFamily="49" charset="0"/>
+              </a:rPr>
+              <a:t>dj4e-greeting</a:t>
+            </a:r>
+            <a:r>
+              <a:rPr lang="en-US" sz="1600" b="1" dirty="0">
+                <a:latin typeface="Courier New" panose="02070309020205020404" pitchFamily="49" charset="0"/>
+                <a:cs typeface="Courier New" panose="02070309020205020404" pitchFamily="49" charset="0"/>
+              </a:rPr>
+              <a:t>&gt;&lt;/dj4e-greeting&gt;&lt;/li&gt;</a:t>
+            </a:r>
+          </a:p>
+          <a:p>
+            <a:r>
+              <a:rPr lang="en-US" sz="1600" b="1" dirty="0">
+                <a:latin typeface="Courier New" panose="02070309020205020404" pitchFamily="49" charset="0"/>
+                <a:cs typeface="Courier New" panose="02070309020205020404" pitchFamily="49" charset="0"/>
+              </a:rPr>
+              <a:t>    &lt;li&gt;&lt;</a:t>
+            </a:r>
+            <a:r>
+              <a:rPr lang="en-US" sz="1600" b="1" dirty="0">
+                <a:solidFill>
+                  <a:srgbClr val="FFFF00"/>
+                </a:solidFill>
+                <a:latin typeface="Courier New" panose="02070309020205020404" pitchFamily="49" charset="0"/>
+                <a:cs typeface="Courier New" panose="02070309020205020404" pitchFamily="49" charset="0"/>
+              </a:rPr>
+              <a:t>dj4e-greeting</a:t>
+            </a:r>
+            <a:r>
+              <a:rPr lang="en-US" sz="1600" b="1" dirty="0">
+                <a:latin typeface="Courier New" panose="02070309020205020404" pitchFamily="49" charset="0"/>
+                <a:cs typeface="Courier New" panose="02070309020205020404" pitchFamily="49" charset="0"/>
+              </a:rPr>
+              <a:t> </a:t>
+            </a:r>
+            <a:r>
+              <a:rPr lang="en-US" sz="1600" b="1" dirty="0">
+                <a:solidFill>
+                  <a:srgbClr val="FFC000"/>
+                </a:solidFill>
+                <a:latin typeface="Courier New" panose="02070309020205020404" pitchFamily="49" charset="0"/>
+                <a:cs typeface="Courier New" panose="02070309020205020404" pitchFamily="49" charset="0"/>
+              </a:rPr>
+              <a:t>name="World"</a:t>
+            </a:r>
+            <a:r>
+              <a:rPr lang="en-US" sz="1600" b="1" dirty="0">
+                <a:latin typeface="Courier New" panose="02070309020205020404" pitchFamily="49" charset="0"/>
+                <a:cs typeface="Courier New" panose="02070309020205020404" pitchFamily="49" charset="0"/>
+              </a:rPr>
+              <a:t>&gt;&lt;/</a:t>
+            </a:r>
+            <a:r>
+              <a:rPr lang="en-US" sz="1600" b="1" dirty="0">
+                <a:solidFill>
+                  <a:srgbClr val="FFFF00"/>
+                </a:solidFill>
+                <a:latin typeface="Courier New" panose="02070309020205020404" pitchFamily="49" charset="0"/>
+                <a:cs typeface="Courier New" panose="02070309020205020404" pitchFamily="49" charset="0"/>
+              </a:rPr>
+              <a:t>dj4e-greeting</a:t>
+            </a:r>
+            <a:r>
+              <a:rPr lang="en-US" sz="1600" b="1" dirty="0">
+                <a:latin typeface="Courier New" panose="02070309020205020404" pitchFamily="49" charset="0"/>
+                <a:cs typeface="Courier New" panose="02070309020205020404" pitchFamily="49" charset="0"/>
+              </a:rPr>
+              <a:t>&gt;&lt;/li&gt;</a:t>
+            </a:r>
+          </a:p>
+          <a:p>
+            <a:r>
+              <a:rPr lang="en-US" sz="1600" b="1" dirty="0">
+                <a:latin typeface="Courier New" panose="02070309020205020404" pitchFamily="49" charset="0"/>
+                <a:cs typeface="Courier New" panose="02070309020205020404" pitchFamily="49" charset="0"/>
+              </a:rPr>
+              <a:t>    &lt;li&gt;&lt;</a:t>
+            </a:r>
+            <a:r>
+              <a:rPr lang="en-US" sz="1600" b="1" dirty="0">
+                <a:solidFill>
+                  <a:srgbClr val="FFFF00"/>
+                </a:solidFill>
+                <a:latin typeface="Courier New" panose="02070309020205020404" pitchFamily="49" charset="0"/>
+                <a:cs typeface="Courier New" panose="02070309020205020404" pitchFamily="49" charset="0"/>
+              </a:rPr>
+              <a:t>dj4e-greeting</a:t>
+            </a:r>
+            <a:r>
+              <a:rPr lang="en-US" sz="1600" b="1" dirty="0">
+                <a:latin typeface="Courier New" panose="02070309020205020404" pitchFamily="49" charset="0"/>
+                <a:cs typeface="Courier New" panose="02070309020205020404" pitchFamily="49" charset="0"/>
+              </a:rPr>
+              <a:t> </a:t>
+            </a:r>
+            <a:r>
+              <a:rPr lang="en-US" sz="1600" b="1" dirty="0">
+                <a:solidFill>
+                  <a:srgbClr val="FFC000"/>
+                </a:solidFill>
+                <a:latin typeface="Courier New" panose="02070309020205020404" pitchFamily="49" charset="0"/>
+                <a:cs typeface="Courier New" panose="02070309020205020404" pitchFamily="49" charset="0"/>
+              </a:rPr>
+              <a:t>name="First" </a:t>
+            </a:r>
+            <a:r>
+              <a:rPr lang="en-US" sz="1600" b="1" dirty="0">
+                <a:latin typeface="Courier New" panose="02070309020205020404" pitchFamily="49" charset="0"/>
+                <a:cs typeface="Courier New" panose="02070309020205020404" pitchFamily="49" charset="0"/>
+              </a:rPr>
+              <a:t>id="</a:t>
+            </a:r>
+            <a:r>
+              <a:rPr lang="en-US" sz="1600" b="1" dirty="0">
+                <a:solidFill>
+                  <a:srgbClr val="92D050"/>
+                </a:solidFill>
+                <a:latin typeface="Courier New" panose="02070309020205020404" pitchFamily="49" charset="0"/>
+                <a:cs typeface="Courier New" panose="02070309020205020404" pitchFamily="49" charset="0"/>
+              </a:rPr>
+              <a:t>1234</a:t>
+            </a:r>
+            <a:r>
+              <a:rPr lang="en-US" sz="1600" b="1" dirty="0">
+                <a:latin typeface="Courier New" panose="02070309020205020404" pitchFamily="49" charset="0"/>
+                <a:cs typeface="Courier New" panose="02070309020205020404" pitchFamily="49" charset="0"/>
+              </a:rPr>
+              <a:t>"&gt;&lt;/</a:t>
+            </a:r>
+            <a:r>
+              <a:rPr lang="en-US" sz="1600" b="1" dirty="0">
+                <a:solidFill>
+                  <a:srgbClr val="FFFF00"/>
+                </a:solidFill>
+                <a:latin typeface="Courier New" panose="02070309020205020404" pitchFamily="49" charset="0"/>
+                <a:cs typeface="Courier New" panose="02070309020205020404" pitchFamily="49" charset="0"/>
+              </a:rPr>
+              <a:t>dj4e-greeting</a:t>
+            </a:r>
+            <a:r>
+              <a:rPr lang="en-US" sz="1600" b="1" dirty="0">
+                <a:latin typeface="Courier New" panose="02070309020205020404" pitchFamily="49" charset="0"/>
+                <a:cs typeface="Courier New" panose="02070309020205020404" pitchFamily="49" charset="0"/>
+              </a:rPr>
+              <a:t>&gt;&lt;/li&gt;</a:t>
+            </a:r>
+          </a:p>
+          <a:p>
+            <a:r>
+              <a:rPr lang="en-US" sz="1600" b="1" dirty="0">
+                <a:latin typeface="Courier New" panose="02070309020205020404" pitchFamily="49" charset="0"/>
+                <a:cs typeface="Courier New" panose="02070309020205020404" pitchFamily="49" charset="0"/>
+              </a:rPr>
+              <a:t>&lt;/</a:t>
+            </a:r>
+            <a:r>
+              <a:rPr lang="en-US" sz="1600" b="1" dirty="0" err="1">
+                <a:latin typeface="Courier New" panose="02070309020205020404" pitchFamily="49" charset="0"/>
+                <a:cs typeface="Courier New" panose="02070309020205020404" pitchFamily="49" charset="0"/>
+              </a:rPr>
+              <a:t>ul</a:t>
+            </a:r>
+            <a:r>
+              <a:rPr lang="en-US" sz="1600" b="1" dirty="0">
+                <a:latin typeface="Courier New" panose="02070309020205020404" pitchFamily="49" charset="0"/>
+                <a:cs typeface="Courier New" panose="02070309020205020404" pitchFamily="49" charset="0"/>
+              </a:rPr>
+              <a:t>&gt;</a:t>
+            </a:r>
+          </a:p>
+          <a:p>
+            <a:endParaRPr lang="en-US" sz="1600" b="1" dirty="0">
+              <a:latin typeface="Courier New" panose="02070309020205020404" pitchFamily="49" charset="0"/>
+              <a:cs typeface="Courier New" panose="02070309020205020404" pitchFamily="49" charset="0"/>
+            </a:endParaRPr>
+          </a:p>
+          <a:p>
+            <a:r>
+              <a:rPr lang="en-US" sz="1600" b="1" dirty="0">
+                <a:latin typeface="Courier New" panose="02070309020205020404" pitchFamily="49" charset="0"/>
+                <a:cs typeface="Courier New" panose="02070309020205020404" pitchFamily="49" charset="0"/>
+              </a:rPr>
+              <a:t>&lt;button onclick="</a:t>
+            </a:r>
+            <a:r>
+              <a:rPr lang="en-US" sz="1600" b="1" dirty="0" err="1">
+                <a:latin typeface="Courier New" panose="02070309020205020404" pitchFamily="49" charset="0"/>
+                <a:cs typeface="Courier New" panose="02070309020205020404" pitchFamily="49" charset="0"/>
+              </a:rPr>
+              <a:t>doChange</a:t>
+            </a:r>
+            <a:r>
+              <a:rPr lang="en-US" sz="1600" b="1" dirty="0">
+                <a:latin typeface="Courier New" panose="02070309020205020404" pitchFamily="49" charset="0"/>
+                <a:cs typeface="Courier New" panose="02070309020205020404" pitchFamily="49" charset="0"/>
+              </a:rPr>
+              <a:t>();"&gt;Click Me&lt;/button&gt;</a:t>
+            </a:r>
+          </a:p>
+          <a:p>
+            <a:endParaRPr lang="en-US" sz="1600" b="1" dirty="0">
+              <a:latin typeface="Courier New" panose="02070309020205020404" pitchFamily="49" charset="0"/>
+              <a:cs typeface="Courier New" panose="02070309020205020404" pitchFamily="49" charset="0"/>
+            </a:endParaRPr>
+          </a:p>
+          <a:p>
+            <a:r>
+              <a:rPr lang="en-US" sz="1600" b="1" dirty="0">
+                <a:latin typeface="Courier New" panose="02070309020205020404" pitchFamily="49" charset="0"/>
+                <a:cs typeface="Courier New" panose="02070309020205020404" pitchFamily="49" charset="0"/>
+              </a:rPr>
+              <a:t>&lt;script type="module" </a:t>
+            </a:r>
+            <a:r>
+              <a:rPr lang="en-US" sz="1600" b="1" dirty="0" err="1">
+                <a:latin typeface="Courier New" panose="02070309020205020404" pitchFamily="49" charset="0"/>
+                <a:cs typeface="Courier New" panose="02070309020205020404" pitchFamily="49" charset="0"/>
+              </a:rPr>
+              <a:t>src</a:t>
+            </a:r>
+            <a:r>
+              <a:rPr lang="en-US" sz="1600" b="1" dirty="0">
+                <a:latin typeface="Courier New" panose="02070309020205020404" pitchFamily="49" charset="0"/>
+                <a:cs typeface="Courier New" panose="02070309020205020404" pitchFamily="49" charset="0"/>
+              </a:rPr>
+              <a:t>="./</a:t>
+            </a:r>
+            <a:r>
+              <a:rPr lang="en-US" sz="1600" b="1" dirty="0">
+                <a:solidFill>
+                  <a:srgbClr val="FFC000"/>
+                </a:solidFill>
+                <a:latin typeface="Courier New" panose="02070309020205020404" pitchFamily="49" charset="0"/>
+                <a:cs typeface="Courier New" panose="02070309020205020404" pitchFamily="49" charset="0"/>
+              </a:rPr>
+              <a:t>16-dj4e-greet.js</a:t>
+            </a:r>
+            <a:r>
+              <a:rPr lang="en-US" sz="1600" b="1" dirty="0">
+                <a:latin typeface="Courier New" panose="02070309020205020404" pitchFamily="49" charset="0"/>
+                <a:cs typeface="Courier New" panose="02070309020205020404" pitchFamily="49" charset="0"/>
+              </a:rPr>
+              <a:t>"&gt;&lt;/script&gt;</a:t>
+            </a:r>
+          </a:p>
+          <a:p>
+            <a:endParaRPr lang="en-US" sz="1600" b="1" dirty="0">
+              <a:latin typeface="Courier New" panose="02070309020205020404" pitchFamily="49" charset="0"/>
+              <a:cs typeface="Courier New" panose="02070309020205020404" pitchFamily="49" charset="0"/>
+            </a:endParaRPr>
+          </a:p>
+          <a:p>
+            <a:r>
+              <a:rPr lang="en-US" sz="1600" b="1" dirty="0">
+                <a:latin typeface="Courier New" panose="02070309020205020404" pitchFamily="49" charset="0"/>
+                <a:cs typeface="Courier New" panose="02070309020205020404" pitchFamily="49" charset="0"/>
+              </a:rPr>
+              <a:t>&lt;script&gt;</a:t>
+            </a:r>
+          </a:p>
+          <a:p>
+            <a:r>
+              <a:rPr lang="en-US" sz="1600" b="1" dirty="0">
+                <a:latin typeface="Courier New" panose="02070309020205020404" pitchFamily="49" charset="0"/>
+                <a:cs typeface="Courier New" panose="02070309020205020404" pitchFamily="49" charset="0"/>
+              </a:rPr>
+              <a:t>    function </a:t>
+            </a:r>
+            <a:r>
+              <a:rPr lang="en-US" sz="1600" b="1" dirty="0" err="1">
+                <a:latin typeface="Courier New" panose="02070309020205020404" pitchFamily="49" charset="0"/>
+                <a:cs typeface="Courier New" panose="02070309020205020404" pitchFamily="49" charset="0"/>
+              </a:rPr>
+              <a:t>doChange</a:t>
+            </a:r>
+            <a:r>
+              <a:rPr lang="en-US" sz="1600" b="1" dirty="0">
+                <a:latin typeface="Courier New" panose="02070309020205020404" pitchFamily="49" charset="0"/>
+                <a:cs typeface="Courier New" panose="02070309020205020404" pitchFamily="49" charset="0"/>
+              </a:rPr>
+              <a:t>() {</a:t>
+            </a:r>
+          </a:p>
+          <a:p>
+            <a:r>
+              <a:rPr lang="en-US" sz="1600" b="1" dirty="0">
+                <a:latin typeface="Courier New" panose="02070309020205020404" pitchFamily="49" charset="0"/>
+                <a:cs typeface="Courier New" panose="02070309020205020404" pitchFamily="49" charset="0"/>
+              </a:rPr>
+              <a:t>        </a:t>
+            </a:r>
+            <a:r>
+              <a:rPr lang="en-US" sz="1600" b="1" dirty="0" err="1">
+                <a:latin typeface="Courier New" panose="02070309020205020404" pitchFamily="49" charset="0"/>
+                <a:cs typeface="Courier New" panose="02070309020205020404" pitchFamily="49" charset="0"/>
+              </a:rPr>
+              <a:t>document.getElementById</a:t>
+            </a:r>
+            <a:r>
+              <a:rPr lang="en-US" sz="1600" b="1" dirty="0">
+                <a:latin typeface="Courier New" panose="02070309020205020404" pitchFamily="49" charset="0"/>
+                <a:cs typeface="Courier New" panose="02070309020205020404" pitchFamily="49" charset="0"/>
+              </a:rPr>
+              <a:t>('</a:t>
+            </a:r>
+            <a:r>
+              <a:rPr lang="en-US" sz="1600" b="1" dirty="0">
+                <a:solidFill>
+                  <a:srgbClr val="92D050"/>
+                </a:solidFill>
+                <a:latin typeface="Courier New" panose="02070309020205020404" pitchFamily="49" charset="0"/>
+                <a:cs typeface="Courier New" panose="02070309020205020404" pitchFamily="49" charset="0"/>
+              </a:rPr>
+              <a:t>1234</a:t>
+            </a:r>
+            <a:r>
+              <a:rPr lang="en-US" sz="1600" b="1" dirty="0">
+                <a:latin typeface="Courier New" panose="02070309020205020404" pitchFamily="49" charset="0"/>
+                <a:cs typeface="Courier New" panose="02070309020205020404" pitchFamily="49" charset="0"/>
+              </a:rPr>
+              <a:t>').</a:t>
+            </a:r>
+            <a:r>
+              <a:rPr lang="en-US" sz="1600" b="1" dirty="0" err="1">
+                <a:latin typeface="Courier New" panose="02070309020205020404" pitchFamily="49" charset="0"/>
+                <a:cs typeface="Courier New" panose="02070309020205020404" pitchFamily="49" charset="0"/>
+              </a:rPr>
+              <a:t>setAttribute</a:t>
+            </a:r>
+            <a:r>
+              <a:rPr lang="en-US" sz="1600" b="1" dirty="0">
+                <a:latin typeface="Courier New" panose="02070309020205020404" pitchFamily="49" charset="0"/>
+                <a:cs typeface="Courier New" panose="02070309020205020404" pitchFamily="49" charset="0"/>
+              </a:rPr>
+              <a:t>(</a:t>
+            </a:r>
+            <a:r>
+              <a:rPr lang="en-US" sz="1600" b="1" dirty="0">
+                <a:solidFill>
+                  <a:srgbClr val="FFC000"/>
+                </a:solidFill>
+                <a:latin typeface="Courier New" panose="02070309020205020404" pitchFamily="49" charset="0"/>
+                <a:cs typeface="Courier New" panose="02070309020205020404" pitchFamily="49" charset="0"/>
+              </a:rPr>
+              <a:t>'name'</a:t>
+            </a:r>
+            <a:r>
+              <a:rPr lang="en-US" sz="1600" b="1" dirty="0">
+                <a:latin typeface="Courier New" panose="02070309020205020404" pitchFamily="49" charset="0"/>
+                <a:cs typeface="Courier New" panose="02070309020205020404" pitchFamily="49" charset="0"/>
+              </a:rPr>
+              <a:t>, 'Second');</a:t>
+            </a:r>
+          </a:p>
+          <a:p>
+            <a:r>
+              <a:rPr lang="en-US" sz="1600" b="1" dirty="0">
+                <a:latin typeface="Courier New" panose="02070309020205020404" pitchFamily="49" charset="0"/>
+                <a:cs typeface="Courier New" panose="02070309020205020404" pitchFamily="49" charset="0"/>
+              </a:rPr>
+              <a:t>    }</a:t>
+            </a:r>
+          </a:p>
+          <a:p>
+            <a:r>
+              <a:rPr lang="en-US" sz="1600" b="1" dirty="0">
+                <a:latin typeface="Courier New" panose="02070309020205020404" pitchFamily="49" charset="0"/>
+                <a:cs typeface="Courier New" panose="02070309020205020404" pitchFamily="49" charset="0"/>
+              </a:rPr>
+              <a:t>&lt;/script&gt;</a:t>
+            </a:r>
+          </a:p>
+        </p:txBody>
+      </p:sp>
+      <p:pic>
+        <p:nvPicPr>
+          <p:cNvPr id="3" name="Picture 2" descr="A screenshot of a phone&#10;&#10;AI-generated content may be incorrect.">
+            <a:extLst>
+              <a:ext uri="{FF2B5EF4-FFF2-40B4-BE49-F238E27FC236}">
+                <a16:creationId xmlns:a16="http://schemas.microsoft.com/office/drawing/2014/main" id="{A704A6C9-0B7D-DE76-ACEF-C079F5F9E7E2}"/>
+              </a:ext>
+            </a:extLst>
+          </p:cNvPr>
+          <p:cNvPicPr>
+            <a:picLocks noChangeAspect="1"/>
+          </p:cNvPicPr>
+          <p:nvPr/>
+        </p:nvPicPr>
+        <p:blipFill>
+          <a:blip r:embed="rId2"/>
+          <a:stretch>
+            <a:fillRect/>
+          </a:stretch>
+        </p:blipFill>
+        <p:spPr>
+          <a:xfrm>
+            <a:off x="9081878" y="590859"/>
+            <a:ext cx="2489200" cy="1930400"/>
+          </a:xfrm>
+          <a:prstGeom prst="rect">
+            <a:avLst/>
+          </a:prstGeom>
+        </p:spPr>
+      </p:pic>
+      <p:sp>
+        <p:nvSpPr>
+          <p:cNvPr id="2" name="TextBox 1">
+            <a:extLst>
+              <a:ext uri="{FF2B5EF4-FFF2-40B4-BE49-F238E27FC236}">
+                <a16:creationId xmlns:a16="http://schemas.microsoft.com/office/drawing/2014/main" id="{8894DE92-8A52-1CF5-54BE-45EC3C0BDA4F}"/>
+              </a:ext>
+            </a:extLst>
+          </p:cNvPr>
+          <p:cNvSpPr txBox="1"/>
+          <p:nvPr/>
+        </p:nvSpPr>
+        <p:spPr>
+          <a:xfrm>
+            <a:off x="6531365" y="5543629"/>
+            <a:ext cx="5039713" cy="369332"/>
+          </a:xfrm>
+          <a:prstGeom prst="rect">
+            <a:avLst/>
+          </a:prstGeom>
+          <a:noFill/>
+        </p:spPr>
+        <p:txBody>
+          <a:bodyPr wrap="none" rtlCol="0">
+            <a:spAutoFit/>
+          </a:bodyPr>
+          <a:lstStyle/>
+          <a:p>
+            <a:r>
+              <a:rPr lang="en-US" dirty="0">
+                <a:solidFill>
+                  <a:srgbClr val="92D050"/>
+                </a:solidFill>
+              </a:rPr>
+              <a:t>https://www.dj4e.com/code/browser/16-greet.htm</a:t>
+            </a:r>
+          </a:p>
+        </p:txBody>
+      </p:sp>
+    </p:spTree>
+    <p:extLst>
+      <p:ext uri="{BB962C8B-B14F-4D97-AF65-F5344CB8AC3E}">
+        <p14:creationId xmlns:p14="http://schemas.microsoft.com/office/powerpoint/2010/main" val="1783081768"/>
+      </p:ext>
+    </p:extLst>
+  </p:cSld>
+  <p:clrMapOvr>
+    <a:masterClrMapping/>
+  </p:clrMapOvr>
+</p:sld>
+</file>
+
+<file path=ppt/slides/slide44.xml><?xml version="1.0" encoding="utf-8"?>
+<p:sld xmlns:a="http://schemas.openxmlformats.org/drawingml/2006/main" xmlns:r="http://schemas.openxmlformats.org/officeDocument/2006/relationships" xmlns:p="http://schemas.openxmlformats.org/presentationml/2006/main">
+  <p:cSld>
+    <p:spTree>
+      <p:nvGrpSpPr>
+        <p:cNvPr id="1" name="">
+          <a:extLst>
+            <a:ext uri="{FF2B5EF4-FFF2-40B4-BE49-F238E27FC236}">
+              <a16:creationId xmlns:a16="http://schemas.microsoft.com/office/drawing/2014/main" id="{F427211D-F3EF-415B-A107-A96120226400}"/>
+            </a:ext>
+          </a:extLst>
+        </p:cNvPr>
+        <p:cNvGrpSpPr/>
+        <p:nvPr/>
+      </p:nvGrpSpPr>
+      <p:grpSpPr>
+        <a:xfrm>
+          <a:off x="0" y="0"/>
+          <a:ext cx="0" cy="0"/>
+          <a:chOff x="0" y="0"/>
+          <a:chExt cx="0" cy="0"/>
+        </a:xfrm>
+      </p:grpSpPr>
+      <p:sp>
+        <p:nvSpPr>
+          <p:cNvPr id="6" name="TextBox 5">
+            <a:extLst>
+              <a:ext uri="{FF2B5EF4-FFF2-40B4-BE49-F238E27FC236}">
+                <a16:creationId xmlns:a16="http://schemas.microsoft.com/office/drawing/2014/main" id="{F93EC6FE-F8AB-D4C2-ED96-F005E30D524D}"/>
+              </a:ext>
+            </a:extLst>
+          </p:cNvPr>
+          <p:cNvSpPr txBox="1"/>
+          <p:nvPr/>
+        </p:nvSpPr>
+        <p:spPr>
+          <a:xfrm>
+            <a:off x="546798" y="622997"/>
+            <a:ext cx="11340402" cy="5262979"/>
+          </a:xfrm>
+          <a:prstGeom prst="rect">
+            <a:avLst/>
+          </a:prstGeom>
+          <a:noFill/>
+          <a:ln>
+            <a:noFill/>
+          </a:ln>
+        </p:spPr>
+        <p:txBody>
+          <a:bodyPr wrap="square" rtlCol="0">
+            <a:spAutoFit/>
+          </a:bodyPr>
+          <a:lstStyle/>
+          <a:p>
+            <a:r>
+              <a:rPr lang="en-US" sz="1400" b="1" dirty="0">
+                <a:latin typeface="Courier New" panose="02070309020205020404" pitchFamily="49" charset="0"/>
+                <a:cs typeface="Courier New" panose="02070309020205020404" pitchFamily="49" charset="0"/>
+              </a:rPr>
+              <a:t>import {html, </a:t>
+            </a:r>
+            <a:r>
+              <a:rPr lang="en-US" sz="1400" b="1" dirty="0" err="1">
+                <a:latin typeface="Courier New" panose="02070309020205020404" pitchFamily="49" charset="0"/>
+                <a:cs typeface="Courier New" panose="02070309020205020404" pitchFamily="49" charset="0"/>
+              </a:rPr>
+              <a:t>LitElement</a:t>
+            </a:r>
+            <a:r>
+              <a:rPr lang="en-US" sz="1400" b="1" dirty="0">
+                <a:latin typeface="Courier New" panose="02070309020205020404" pitchFamily="49" charset="0"/>
+                <a:cs typeface="Courier New" panose="02070309020205020404" pitchFamily="49" charset="0"/>
+              </a:rPr>
+              <a:t>} from 'https://</a:t>
+            </a:r>
+            <a:r>
+              <a:rPr lang="en-US" sz="1400" b="1" dirty="0" err="1">
+                <a:latin typeface="Courier New" panose="02070309020205020404" pitchFamily="49" charset="0"/>
+                <a:cs typeface="Courier New" panose="02070309020205020404" pitchFamily="49" charset="0"/>
+              </a:rPr>
+              <a:t>cdn.jsdelivr.net</a:t>
+            </a:r>
+            <a:r>
+              <a:rPr lang="en-US" sz="1400" b="1" dirty="0">
+                <a:latin typeface="Courier New" panose="02070309020205020404" pitchFamily="49" charset="0"/>
+                <a:cs typeface="Courier New" panose="02070309020205020404" pitchFamily="49" charset="0"/>
+              </a:rPr>
+              <a:t>/</a:t>
+            </a:r>
+            <a:r>
+              <a:rPr lang="en-US" sz="1400" b="1" dirty="0" err="1">
+                <a:latin typeface="Courier New" panose="02070309020205020404" pitchFamily="49" charset="0"/>
+                <a:cs typeface="Courier New" panose="02070309020205020404" pitchFamily="49" charset="0"/>
+              </a:rPr>
+              <a:t>gh</a:t>
+            </a:r>
+            <a:r>
+              <a:rPr lang="en-US" sz="1400" b="1" dirty="0">
+                <a:latin typeface="Courier New" panose="02070309020205020404" pitchFamily="49" charset="0"/>
+                <a:cs typeface="Courier New" panose="02070309020205020404" pitchFamily="49" charset="0"/>
+              </a:rPr>
+              <a:t>/lit/dist@2.4.0/core/lit-</a:t>
+            </a:r>
+            <a:r>
+              <a:rPr lang="en-US" sz="1400" b="1" dirty="0" err="1">
+                <a:latin typeface="Courier New" panose="02070309020205020404" pitchFamily="49" charset="0"/>
+                <a:cs typeface="Courier New" panose="02070309020205020404" pitchFamily="49" charset="0"/>
+              </a:rPr>
+              <a:t>core.min.js</a:t>
+            </a:r>
+            <a:r>
+              <a:rPr lang="en-US" sz="1400" b="1" dirty="0">
+                <a:latin typeface="Courier New" panose="02070309020205020404" pitchFamily="49" charset="0"/>
+                <a:cs typeface="Courier New" panose="02070309020205020404" pitchFamily="49" charset="0"/>
+              </a:rPr>
+              <a:t>';</a:t>
+            </a:r>
+          </a:p>
+          <a:p>
+            <a:endParaRPr lang="en-US" sz="1400" b="1" dirty="0">
+              <a:latin typeface="Courier New" panose="02070309020205020404" pitchFamily="49" charset="0"/>
+              <a:cs typeface="Courier New" panose="02070309020205020404" pitchFamily="49" charset="0"/>
+            </a:endParaRPr>
+          </a:p>
+          <a:p>
+            <a:r>
+              <a:rPr lang="en-US" sz="1400" b="1" dirty="0">
+                <a:latin typeface="Courier New" panose="02070309020205020404" pitchFamily="49" charset="0"/>
+                <a:cs typeface="Courier New" panose="02070309020205020404" pitchFamily="49" charset="0"/>
+              </a:rPr>
+              <a:t>export </a:t>
+            </a:r>
+            <a:r>
+              <a:rPr lang="en-US" sz="1400" b="1" dirty="0">
+                <a:solidFill>
+                  <a:srgbClr val="FFFF00"/>
+                </a:solidFill>
+                <a:latin typeface="Courier New" panose="02070309020205020404" pitchFamily="49" charset="0"/>
+                <a:cs typeface="Courier New" panose="02070309020205020404" pitchFamily="49" charset="0"/>
+              </a:rPr>
+              <a:t>class</a:t>
+            </a:r>
+            <a:r>
+              <a:rPr lang="en-US" sz="1400" b="1" dirty="0">
+                <a:latin typeface="Courier New" panose="02070309020205020404" pitchFamily="49" charset="0"/>
+                <a:cs typeface="Courier New" panose="02070309020205020404" pitchFamily="49" charset="0"/>
+              </a:rPr>
+              <a:t> </a:t>
+            </a:r>
+            <a:r>
+              <a:rPr lang="en-US" sz="1400" b="1" dirty="0" err="1">
+                <a:latin typeface="Courier New" panose="02070309020205020404" pitchFamily="49" charset="0"/>
+                <a:cs typeface="Courier New" panose="02070309020205020404" pitchFamily="49" charset="0"/>
+              </a:rPr>
+              <a:t>SimpleGreeting</a:t>
+            </a:r>
+            <a:r>
+              <a:rPr lang="en-US" sz="1400" b="1" dirty="0">
+                <a:latin typeface="Courier New" panose="02070309020205020404" pitchFamily="49" charset="0"/>
+                <a:cs typeface="Courier New" panose="02070309020205020404" pitchFamily="49" charset="0"/>
+              </a:rPr>
+              <a:t> extends </a:t>
+            </a:r>
+            <a:r>
+              <a:rPr lang="en-US" sz="1400" b="1" dirty="0" err="1">
+                <a:latin typeface="Courier New" panose="02070309020205020404" pitchFamily="49" charset="0"/>
+                <a:cs typeface="Courier New" panose="02070309020205020404" pitchFamily="49" charset="0"/>
+              </a:rPr>
+              <a:t>LitElement</a:t>
+            </a:r>
+            <a:r>
+              <a:rPr lang="en-US" sz="1400" b="1" dirty="0">
+                <a:latin typeface="Courier New" panose="02070309020205020404" pitchFamily="49" charset="0"/>
+                <a:cs typeface="Courier New" panose="02070309020205020404" pitchFamily="49" charset="0"/>
+              </a:rPr>
+              <a:t> {</a:t>
+            </a:r>
+          </a:p>
+          <a:p>
+            <a:endParaRPr lang="en-US" sz="1400" b="1" dirty="0">
+              <a:latin typeface="Courier New" panose="02070309020205020404" pitchFamily="49" charset="0"/>
+              <a:cs typeface="Courier New" panose="02070309020205020404" pitchFamily="49" charset="0"/>
+            </a:endParaRPr>
+          </a:p>
+          <a:p>
+            <a:r>
+              <a:rPr lang="en-US" sz="1400" b="1" dirty="0">
+                <a:latin typeface="Courier New" panose="02070309020205020404" pitchFamily="49" charset="0"/>
+                <a:cs typeface="Courier New" panose="02070309020205020404" pitchFamily="49" charset="0"/>
+              </a:rPr>
+              <a:t>  static get properties() {</a:t>
+            </a:r>
+          </a:p>
+          <a:p>
+            <a:r>
+              <a:rPr lang="en-US" sz="1400" b="1" dirty="0">
+                <a:latin typeface="Courier New" panose="02070309020205020404" pitchFamily="49" charset="0"/>
+                <a:cs typeface="Courier New" panose="02070309020205020404" pitchFamily="49" charset="0"/>
+              </a:rPr>
+              <a:t>    return {</a:t>
+            </a:r>
+          </a:p>
+          <a:p>
+            <a:r>
+              <a:rPr lang="en-US" sz="1400" b="1" dirty="0">
+                <a:latin typeface="Courier New" panose="02070309020205020404" pitchFamily="49" charset="0"/>
+                <a:cs typeface="Courier New" panose="02070309020205020404" pitchFamily="49" charset="0"/>
+              </a:rPr>
+              <a:t>      </a:t>
+            </a:r>
+            <a:r>
+              <a:rPr lang="en-US" sz="1400" b="1" dirty="0">
+                <a:solidFill>
+                  <a:srgbClr val="FFC000"/>
+                </a:solidFill>
+                <a:latin typeface="Courier New" panose="02070309020205020404" pitchFamily="49" charset="0"/>
+                <a:cs typeface="Courier New" panose="02070309020205020404" pitchFamily="49" charset="0"/>
+              </a:rPr>
+              <a:t>name</a:t>
+            </a:r>
+            <a:r>
+              <a:rPr lang="en-US" sz="1400" b="1" dirty="0">
+                <a:latin typeface="Courier New" panose="02070309020205020404" pitchFamily="49" charset="0"/>
+                <a:cs typeface="Courier New" panose="02070309020205020404" pitchFamily="49" charset="0"/>
+              </a:rPr>
+              <a:t>: {type: String}</a:t>
+            </a:r>
+          </a:p>
+          <a:p>
+            <a:r>
+              <a:rPr lang="en-US" sz="1400" b="1" dirty="0">
+                <a:latin typeface="Courier New" panose="02070309020205020404" pitchFamily="49" charset="0"/>
+                <a:cs typeface="Courier New" panose="02070309020205020404" pitchFamily="49" charset="0"/>
+              </a:rPr>
+              <a:t>    }</a:t>
+            </a:r>
+          </a:p>
+          <a:p>
+            <a:r>
+              <a:rPr lang="en-US" sz="1400" b="1" dirty="0">
+                <a:latin typeface="Courier New" panose="02070309020205020404" pitchFamily="49" charset="0"/>
+                <a:cs typeface="Courier New" panose="02070309020205020404" pitchFamily="49" charset="0"/>
+              </a:rPr>
+              <a:t>  }</a:t>
+            </a:r>
+          </a:p>
+          <a:p>
+            <a:endParaRPr lang="en-US" sz="1400" b="1" dirty="0">
+              <a:latin typeface="Courier New" panose="02070309020205020404" pitchFamily="49" charset="0"/>
+              <a:cs typeface="Courier New" panose="02070309020205020404" pitchFamily="49" charset="0"/>
+            </a:endParaRPr>
+          </a:p>
+          <a:p>
+            <a:r>
+              <a:rPr lang="en-US" sz="1400" b="1" dirty="0">
+                <a:latin typeface="Courier New" panose="02070309020205020404" pitchFamily="49" charset="0"/>
+                <a:cs typeface="Courier New" panose="02070309020205020404" pitchFamily="49" charset="0"/>
+              </a:rPr>
+              <a:t>  constructor() {</a:t>
+            </a:r>
+          </a:p>
+          <a:p>
+            <a:r>
+              <a:rPr lang="en-US" sz="1400" b="1" dirty="0">
+                <a:latin typeface="Courier New" panose="02070309020205020404" pitchFamily="49" charset="0"/>
+                <a:cs typeface="Courier New" panose="02070309020205020404" pitchFamily="49" charset="0"/>
+              </a:rPr>
+              <a:t>    super();</a:t>
+            </a:r>
+          </a:p>
+          <a:p>
+            <a:r>
+              <a:rPr lang="en-US" sz="1400" b="1" dirty="0">
+                <a:latin typeface="Courier New" panose="02070309020205020404" pitchFamily="49" charset="0"/>
+                <a:cs typeface="Courier New" panose="02070309020205020404" pitchFamily="49" charset="0"/>
+              </a:rPr>
+              <a:t>    </a:t>
+            </a:r>
+            <a:r>
+              <a:rPr lang="en-US" sz="1400" b="1" dirty="0" err="1">
+                <a:latin typeface="Courier New" panose="02070309020205020404" pitchFamily="49" charset="0"/>
+                <a:cs typeface="Courier New" panose="02070309020205020404" pitchFamily="49" charset="0"/>
+              </a:rPr>
+              <a:t>this.</a:t>
+            </a:r>
+            <a:r>
+              <a:rPr lang="en-US" sz="1400" b="1" dirty="0" err="1">
+                <a:solidFill>
+                  <a:srgbClr val="FFC000"/>
+                </a:solidFill>
+                <a:latin typeface="Courier New" panose="02070309020205020404" pitchFamily="49" charset="0"/>
+                <a:cs typeface="Courier New" panose="02070309020205020404" pitchFamily="49" charset="0"/>
+              </a:rPr>
+              <a:t>name</a:t>
+            </a:r>
+            <a:r>
+              <a:rPr lang="en-US" sz="1400" b="1" dirty="0">
+                <a:latin typeface="Courier New" panose="02070309020205020404" pitchFamily="49" charset="0"/>
+                <a:cs typeface="Courier New" panose="02070309020205020404" pitchFamily="49" charset="0"/>
+              </a:rPr>
+              <a:t> = 'Somebody';</a:t>
+            </a:r>
+          </a:p>
+          <a:p>
+            <a:r>
+              <a:rPr lang="en-US" sz="1400" b="1" dirty="0">
+                <a:latin typeface="Courier New" panose="02070309020205020404" pitchFamily="49" charset="0"/>
+                <a:cs typeface="Courier New" panose="02070309020205020404" pitchFamily="49" charset="0"/>
+              </a:rPr>
+              <a:t>  }</a:t>
+            </a:r>
+          </a:p>
+          <a:p>
+            <a:endParaRPr lang="en-US" sz="1400" b="1" dirty="0">
+              <a:latin typeface="Courier New" panose="02070309020205020404" pitchFamily="49" charset="0"/>
+              <a:cs typeface="Courier New" panose="02070309020205020404" pitchFamily="49" charset="0"/>
+            </a:endParaRPr>
+          </a:p>
+          <a:p>
+            <a:r>
+              <a:rPr lang="en-US" sz="1400" b="1" dirty="0">
+                <a:latin typeface="Courier New" panose="02070309020205020404" pitchFamily="49" charset="0"/>
+                <a:cs typeface="Courier New" panose="02070309020205020404" pitchFamily="49" charset="0"/>
+              </a:rPr>
+              <a:t>  // Don't use Shadow-DOM </a:t>
+            </a:r>
+          </a:p>
+          <a:p>
+            <a:r>
+              <a:rPr lang="en-US" sz="1400" b="1" dirty="0">
+                <a:latin typeface="Courier New" panose="02070309020205020404" pitchFamily="49" charset="0"/>
+                <a:cs typeface="Courier New" panose="02070309020205020404" pitchFamily="49" charset="0"/>
+              </a:rPr>
+              <a:t>  </a:t>
+            </a:r>
+            <a:r>
+              <a:rPr lang="en-US" sz="1400" b="1" dirty="0" err="1">
+                <a:latin typeface="Courier New" panose="02070309020205020404" pitchFamily="49" charset="0"/>
+                <a:cs typeface="Courier New" panose="02070309020205020404" pitchFamily="49" charset="0"/>
+              </a:rPr>
+              <a:t>createRenderRoot</a:t>
+            </a:r>
+            <a:r>
+              <a:rPr lang="en-US" sz="1400" b="1" dirty="0">
+                <a:latin typeface="Courier New" panose="02070309020205020404" pitchFamily="49" charset="0"/>
+                <a:cs typeface="Courier New" panose="02070309020205020404" pitchFamily="49" charset="0"/>
+              </a:rPr>
+              <a:t>() { return this;}</a:t>
+            </a:r>
+          </a:p>
+          <a:p>
+            <a:endParaRPr lang="en-US" sz="1400" b="1" dirty="0">
+              <a:latin typeface="Courier New" panose="02070309020205020404" pitchFamily="49" charset="0"/>
+              <a:cs typeface="Courier New" panose="02070309020205020404" pitchFamily="49" charset="0"/>
+            </a:endParaRPr>
+          </a:p>
+          <a:p>
+            <a:r>
+              <a:rPr lang="en-US" sz="1400" b="1" dirty="0">
+                <a:latin typeface="Courier New" panose="02070309020205020404" pitchFamily="49" charset="0"/>
+                <a:cs typeface="Courier New" panose="02070309020205020404" pitchFamily="49" charset="0"/>
+              </a:rPr>
+              <a:t>  </a:t>
+            </a:r>
+            <a:r>
+              <a:rPr lang="en-US" sz="1400" b="1" dirty="0">
+                <a:solidFill>
+                  <a:srgbClr val="FFFF00"/>
+                </a:solidFill>
+                <a:latin typeface="Courier New" panose="02070309020205020404" pitchFamily="49" charset="0"/>
+                <a:cs typeface="Courier New" panose="02070309020205020404" pitchFamily="49" charset="0"/>
+              </a:rPr>
+              <a:t>render</a:t>
+            </a:r>
+            <a:r>
+              <a:rPr lang="en-US" sz="1400" b="1" dirty="0">
+                <a:latin typeface="Courier New" panose="02070309020205020404" pitchFamily="49" charset="0"/>
+                <a:cs typeface="Courier New" panose="02070309020205020404" pitchFamily="49" charset="0"/>
+              </a:rPr>
+              <a:t>() {</a:t>
+            </a:r>
+          </a:p>
+          <a:p>
+            <a:r>
+              <a:rPr lang="en-US" sz="1400" b="1" dirty="0">
+                <a:latin typeface="Courier New" panose="02070309020205020404" pitchFamily="49" charset="0"/>
+                <a:cs typeface="Courier New" panose="02070309020205020404" pitchFamily="49" charset="0"/>
+              </a:rPr>
+              <a:t>    return html`&lt;p&gt;Hello, </a:t>
+            </a:r>
+            <a:r>
+              <a:rPr lang="en-US" sz="1400" b="1" dirty="0">
+                <a:solidFill>
+                  <a:srgbClr val="FFC000"/>
+                </a:solidFill>
+                <a:latin typeface="Courier New" panose="02070309020205020404" pitchFamily="49" charset="0"/>
+                <a:cs typeface="Courier New" panose="02070309020205020404" pitchFamily="49" charset="0"/>
+              </a:rPr>
+              <a:t>${</a:t>
+            </a:r>
+            <a:r>
+              <a:rPr lang="en-US" sz="1400" b="1" dirty="0" err="1">
+                <a:solidFill>
+                  <a:srgbClr val="FFC000"/>
+                </a:solidFill>
+                <a:latin typeface="Courier New" panose="02070309020205020404" pitchFamily="49" charset="0"/>
+                <a:cs typeface="Courier New" panose="02070309020205020404" pitchFamily="49" charset="0"/>
+              </a:rPr>
+              <a:t>this.name</a:t>
+            </a:r>
+            <a:r>
+              <a:rPr lang="en-US" sz="1400" b="1" dirty="0">
+                <a:solidFill>
+                  <a:srgbClr val="FFC000"/>
+                </a:solidFill>
+                <a:latin typeface="Courier New" panose="02070309020205020404" pitchFamily="49" charset="0"/>
+                <a:cs typeface="Courier New" panose="02070309020205020404" pitchFamily="49" charset="0"/>
+              </a:rPr>
+              <a:t>}</a:t>
+            </a:r>
+            <a:r>
+              <a:rPr lang="en-US" sz="1400" b="1" dirty="0">
+                <a:latin typeface="Courier New" panose="02070309020205020404" pitchFamily="49" charset="0"/>
+                <a:cs typeface="Courier New" panose="02070309020205020404" pitchFamily="49" charset="0"/>
+              </a:rPr>
+              <a:t>!&lt;/p&gt;`;</a:t>
+            </a:r>
+          </a:p>
+          <a:p>
+            <a:r>
+              <a:rPr lang="en-US" sz="1400" b="1" dirty="0">
+                <a:latin typeface="Courier New" panose="02070309020205020404" pitchFamily="49" charset="0"/>
+                <a:cs typeface="Courier New" panose="02070309020205020404" pitchFamily="49" charset="0"/>
+              </a:rPr>
+              <a:t>  }</a:t>
+            </a:r>
+          </a:p>
+          <a:p>
+            <a:r>
+              <a:rPr lang="en-US" sz="1400" b="1" dirty="0">
+                <a:latin typeface="Courier New" panose="02070309020205020404" pitchFamily="49" charset="0"/>
+                <a:cs typeface="Courier New" panose="02070309020205020404" pitchFamily="49" charset="0"/>
+              </a:rPr>
+              <a:t>}</a:t>
+            </a:r>
+          </a:p>
+          <a:p>
+            <a:endParaRPr lang="en-US" sz="1400" b="1" dirty="0">
+              <a:latin typeface="Courier New" panose="02070309020205020404" pitchFamily="49" charset="0"/>
+              <a:cs typeface="Courier New" panose="02070309020205020404" pitchFamily="49" charset="0"/>
+            </a:endParaRPr>
+          </a:p>
+          <a:p>
+            <a:r>
+              <a:rPr lang="en-US" sz="1400" b="1" dirty="0" err="1">
+                <a:latin typeface="Courier New" panose="02070309020205020404" pitchFamily="49" charset="0"/>
+                <a:cs typeface="Courier New" panose="02070309020205020404" pitchFamily="49" charset="0"/>
+              </a:rPr>
+              <a:t>customElements.define</a:t>
+            </a:r>
+            <a:r>
+              <a:rPr lang="en-US" sz="1400" b="1" dirty="0">
+                <a:latin typeface="Courier New" panose="02070309020205020404" pitchFamily="49" charset="0"/>
+                <a:cs typeface="Courier New" panose="02070309020205020404" pitchFamily="49" charset="0"/>
+              </a:rPr>
+              <a:t>('</a:t>
+            </a:r>
+            <a:r>
+              <a:rPr lang="en-US" sz="1400" b="1" dirty="0">
+                <a:solidFill>
+                  <a:srgbClr val="FFFF00"/>
+                </a:solidFill>
+                <a:latin typeface="Courier New" panose="02070309020205020404" pitchFamily="49" charset="0"/>
+                <a:cs typeface="Courier New" panose="02070309020205020404" pitchFamily="49" charset="0"/>
+              </a:rPr>
+              <a:t>dj4e-greeting</a:t>
+            </a:r>
+            <a:r>
+              <a:rPr lang="en-US" sz="1400" b="1" dirty="0">
+                <a:latin typeface="Courier New" panose="02070309020205020404" pitchFamily="49" charset="0"/>
+                <a:cs typeface="Courier New" panose="02070309020205020404" pitchFamily="49" charset="0"/>
+              </a:rPr>
+              <a:t>', </a:t>
+            </a:r>
+            <a:r>
+              <a:rPr lang="en-US" sz="1400" b="1" dirty="0" err="1">
+                <a:latin typeface="Courier New" panose="02070309020205020404" pitchFamily="49" charset="0"/>
+                <a:cs typeface="Courier New" panose="02070309020205020404" pitchFamily="49" charset="0"/>
+              </a:rPr>
+              <a:t>SimpleGreeting</a:t>
+            </a:r>
+            <a:r>
+              <a:rPr lang="en-US" sz="1400" b="1" dirty="0">
+                <a:latin typeface="Courier New" panose="02070309020205020404" pitchFamily="49" charset="0"/>
+                <a:cs typeface="Courier New" panose="02070309020205020404" pitchFamily="49" charset="0"/>
+              </a:rPr>
+              <a:t>);</a:t>
+            </a:r>
+          </a:p>
+        </p:txBody>
+      </p:sp>
+      <p:sp>
+        <p:nvSpPr>
+          <p:cNvPr id="4" name="Title 3">
+            <a:extLst>
+              <a:ext uri="{FF2B5EF4-FFF2-40B4-BE49-F238E27FC236}">
+                <a16:creationId xmlns:a16="http://schemas.microsoft.com/office/drawing/2014/main" id="{80A2553E-6DF8-FA91-32A2-98FB6691B89E}"/>
+              </a:ext>
+            </a:extLst>
+          </p:cNvPr>
+          <p:cNvSpPr>
+            <a:spLocks noGrp="1"/>
+          </p:cNvSpPr>
+          <p:nvPr>
+            <p:ph type="title"/>
+          </p:nvPr>
+        </p:nvSpPr>
+        <p:spPr>
+          <a:xfrm>
+            <a:off x="7581899" y="1489668"/>
+            <a:ext cx="4008455" cy="1325563"/>
+          </a:xfrm>
+        </p:spPr>
+        <p:txBody>
+          <a:bodyPr/>
+          <a:lstStyle/>
+          <a:p>
+            <a:r>
+              <a:rPr lang="en-US" dirty="0"/>
+              <a:t>Templates in the Browser</a:t>
+            </a:r>
+          </a:p>
+        </p:txBody>
+      </p:sp>
+      <p:pic>
+        <p:nvPicPr>
+          <p:cNvPr id="7" name="Picture 6" descr="A screenshot of a phone&#10;&#10;AI-generated content may be incorrect.">
+            <a:extLst>
+              <a:ext uri="{FF2B5EF4-FFF2-40B4-BE49-F238E27FC236}">
+                <a16:creationId xmlns:a16="http://schemas.microsoft.com/office/drawing/2014/main" id="{4A847ACE-14E3-F0AE-BE3E-B0DA00FB5911}"/>
+              </a:ext>
+            </a:extLst>
+          </p:cNvPr>
+          <p:cNvPicPr>
+            <a:picLocks noChangeAspect="1"/>
+          </p:cNvPicPr>
+          <p:nvPr/>
+        </p:nvPicPr>
+        <p:blipFill>
+          <a:blip r:embed="rId2"/>
+          <a:stretch>
+            <a:fillRect/>
+          </a:stretch>
+        </p:blipFill>
+        <p:spPr>
+          <a:xfrm>
+            <a:off x="8792318" y="3562659"/>
+            <a:ext cx="2489200" cy="1930400"/>
+          </a:xfrm>
+          <a:prstGeom prst="rect">
+            <a:avLst/>
+          </a:prstGeom>
+        </p:spPr>
+      </p:pic>
+    </p:spTree>
+    <p:extLst>
+      <p:ext uri="{BB962C8B-B14F-4D97-AF65-F5344CB8AC3E}">
+        <p14:creationId xmlns:p14="http://schemas.microsoft.com/office/powerpoint/2010/main" val="1868513849"/>
+      </p:ext>
+    </p:extLst>
+  </p:cSld>
+  <p:clrMapOvr>
+    <a:masterClrMapping/>
+  </p:clrMapOvr>
+</p:sld>
+</file>
+
+<file path=ppt/slides/slide45.xml><?xml version="1.0" encoding="utf-8"?>
+<p:sld xmlns:a="http://schemas.openxmlformats.org/drawingml/2006/main" xmlns:r="http://schemas.openxmlformats.org/officeDocument/2006/relationships" xmlns:p="http://schemas.openxmlformats.org/presentationml/2006/main">
+  <p:cSld>
+    <p:spTree>
+      <p:nvGrpSpPr>
+        <p:cNvPr id="1" name=""/>
+        <p:cNvGrpSpPr/>
+        <p:nvPr/>
+      </p:nvGrpSpPr>
+      <p:grpSpPr>
+        <a:xfrm>
+          <a:off x="0" y="0"/>
+          <a:ext cx="0" cy="0"/>
+          <a:chOff x="0" y="0"/>
+          <a:chExt cx="0" cy="0"/>
+        </a:xfrm>
+      </p:grpSpPr>
+      <p:sp>
+        <p:nvSpPr>
+          <p:cNvPr id="2" name="Title 1">
+            <a:extLst>
+              <a:ext uri="{FF2B5EF4-FFF2-40B4-BE49-F238E27FC236}">
+                <a16:creationId xmlns:a16="http://schemas.microsoft.com/office/drawing/2014/main" id="{BA017366-9C60-59B0-22E9-C74108CB7790}"/>
+              </a:ext>
+            </a:extLst>
+          </p:cNvPr>
+          <p:cNvSpPr>
+            <a:spLocks noGrp="1"/>
+          </p:cNvSpPr>
+          <p:nvPr>
+            <p:ph type="title"/>
+          </p:nvPr>
+        </p:nvSpPr>
+        <p:spPr/>
+        <p:txBody>
+          <a:bodyPr/>
+          <a:lstStyle/>
+          <a:p>
+            <a:r>
+              <a:rPr lang="en-US" dirty="0"/>
+              <a:t>Custom Component Ecosystems</a:t>
+            </a:r>
+          </a:p>
+        </p:txBody>
+      </p:sp>
+      <p:sp>
+        <p:nvSpPr>
+          <p:cNvPr id="3" name="Content Placeholder 2">
+            <a:extLst>
+              <a:ext uri="{FF2B5EF4-FFF2-40B4-BE49-F238E27FC236}">
+                <a16:creationId xmlns:a16="http://schemas.microsoft.com/office/drawing/2014/main" id="{6F2EFD27-959A-B7F6-E0CD-5B906F8762C9}"/>
+              </a:ext>
+            </a:extLst>
+          </p:cNvPr>
+          <p:cNvSpPr>
+            <a:spLocks noGrp="1"/>
+          </p:cNvSpPr>
+          <p:nvPr>
+            <p:ph idx="1"/>
+          </p:nvPr>
+        </p:nvSpPr>
+        <p:spPr/>
+        <p:txBody>
+          <a:bodyPr/>
+          <a:lstStyle/>
+          <a:p>
+            <a:r>
+              <a:rPr lang="en-US" dirty="0"/>
+              <a:t>There are many frameworks that lets us create virtual html tags and use them throughout our markup</a:t>
+            </a:r>
+          </a:p>
+          <a:p>
+            <a:pPr lvl="1"/>
+            <a:r>
+              <a:rPr lang="en-US" dirty="0"/>
+              <a:t>React</a:t>
+            </a:r>
+          </a:p>
+          <a:p>
+            <a:pPr lvl="1"/>
+            <a:r>
+              <a:rPr lang="en-US" dirty="0"/>
+              <a:t>Vue</a:t>
+            </a:r>
+          </a:p>
+          <a:p>
+            <a:pPr lvl="1"/>
+            <a:r>
+              <a:rPr lang="en-US" dirty="0"/>
+              <a:t>Svelte</a:t>
+            </a:r>
+          </a:p>
+          <a:p>
+            <a:pPr lvl="1"/>
+            <a:r>
+              <a:rPr lang="en-US" dirty="0"/>
+              <a:t>…</a:t>
+            </a:r>
+          </a:p>
+          <a:p>
+            <a:pPr lvl="1"/>
+            <a:endParaRPr lang="en-US" dirty="0"/>
+          </a:p>
+          <a:p>
+            <a:r>
+              <a:rPr lang="en-US" dirty="0"/>
+              <a:t>LIT is one of the simpler of these</a:t>
+            </a:r>
+            <a:br>
+              <a:rPr lang="en-US" dirty="0"/>
+            </a:br>
+            <a:r>
+              <a:rPr lang="en-US" dirty="0"/>
+              <a:t>"tag" frameworks</a:t>
+            </a:r>
+          </a:p>
+          <a:p>
+            <a:endParaRPr lang="en-US" dirty="0"/>
+          </a:p>
+        </p:txBody>
+      </p:sp>
+      <p:sp>
+        <p:nvSpPr>
+          <p:cNvPr id="4" name="TextBox 3">
+            <a:extLst>
+              <a:ext uri="{FF2B5EF4-FFF2-40B4-BE49-F238E27FC236}">
+                <a16:creationId xmlns:a16="http://schemas.microsoft.com/office/drawing/2014/main" id="{55E7FFF5-CB0F-4A44-F0BF-F8DBBF43AED5}"/>
+              </a:ext>
+            </a:extLst>
+          </p:cNvPr>
+          <p:cNvSpPr txBox="1"/>
+          <p:nvPr/>
+        </p:nvSpPr>
+        <p:spPr>
+          <a:xfrm>
+            <a:off x="7231100" y="2654751"/>
+            <a:ext cx="3836307" cy="3323987"/>
+          </a:xfrm>
+          <a:prstGeom prst="rect">
+            <a:avLst/>
+          </a:prstGeom>
+          <a:noFill/>
+          <a:ln>
+            <a:solidFill>
+              <a:srgbClr val="FFFF00"/>
+            </a:solidFill>
+          </a:ln>
+        </p:spPr>
+        <p:txBody>
+          <a:bodyPr wrap="none" rtlCol="0">
+            <a:spAutoFit/>
+          </a:bodyPr>
+          <a:lstStyle/>
+          <a:p>
+            <a:r>
+              <a:rPr lang="en-US" sz="1400" b="1" dirty="0">
+                <a:latin typeface="Courier New" panose="02070309020205020404" pitchFamily="49" charset="0"/>
+                <a:cs typeface="Courier New" panose="02070309020205020404" pitchFamily="49" charset="0"/>
+              </a:rPr>
+              <a:t>import React from 'react';</a:t>
+            </a:r>
+          </a:p>
+          <a:p>
+            <a:endParaRPr lang="en-US" sz="1400" b="1" dirty="0">
+              <a:latin typeface="Courier New" panose="02070309020205020404" pitchFamily="49" charset="0"/>
+              <a:cs typeface="Courier New" panose="02070309020205020404" pitchFamily="49" charset="0"/>
+            </a:endParaRPr>
+          </a:p>
+          <a:p>
+            <a:r>
+              <a:rPr lang="en-US" sz="1400" b="1" dirty="0">
+                <a:latin typeface="Courier New" panose="02070309020205020404" pitchFamily="49" charset="0"/>
+                <a:cs typeface="Courier New" panose="02070309020205020404" pitchFamily="49" charset="0"/>
+              </a:rPr>
+              <a:t>function </a:t>
+            </a:r>
+            <a:r>
+              <a:rPr lang="en-US" sz="1400" b="1" dirty="0" err="1">
+                <a:latin typeface="Courier New" panose="02070309020205020404" pitchFamily="49" charset="0"/>
+                <a:cs typeface="Courier New" panose="02070309020205020404" pitchFamily="49" charset="0"/>
+              </a:rPr>
+              <a:t>MyButton</a:t>
+            </a:r>
+            <a:r>
+              <a:rPr lang="en-US" sz="1400" b="1" dirty="0">
+                <a:latin typeface="Courier New" panose="02070309020205020404" pitchFamily="49" charset="0"/>
+                <a:cs typeface="Courier New" panose="02070309020205020404" pitchFamily="49" charset="0"/>
+              </a:rPr>
+              <a:t>() {</a:t>
+            </a:r>
+          </a:p>
+          <a:p>
+            <a:r>
+              <a:rPr lang="en-US" sz="1400" b="1" dirty="0">
+                <a:latin typeface="Courier New" panose="02070309020205020404" pitchFamily="49" charset="0"/>
+                <a:cs typeface="Courier New" panose="02070309020205020404" pitchFamily="49" charset="0"/>
+              </a:rPr>
+              <a:t>  const </a:t>
+            </a:r>
+            <a:r>
+              <a:rPr lang="en-US" sz="1400" b="1" dirty="0" err="1">
+                <a:latin typeface="Courier New" panose="02070309020205020404" pitchFamily="49" charset="0"/>
+                <a:cs typeface="Courier New" panose="02070309020205020404" pitchFamily="49" charset="0"/>
+              </a:rPr>
+              <a:t>handleClick</a:t>
+            </a:r>
+            <a:r>
+              <a:rPr lang="en-US" sz="1400" b="1" dirty="0">
+                <a:latin typeface="Courier New" panose="02070309020205020404" pitchFamily="49" charset="0"/>
+                <a:cs typeface="Courier New" panose="02070309020205020404" pitchFamily="49" charset="0"/>
+              </a:rPr>
+              <a:t> = () =&gt; {</a:t>
+            </a:r>
+          </a:p>
+          <a:p>
+            <a:r>
+              <a:rPr lang="en-US" sz="1400" b="1" dirty="0">
+                <a:latin typeface="Courier New" panose="02070309020205020404" pitchFamily="49" charset="0"/>
+                <a:cs typeface="Courier New" panose="02070309020205020404" pitchFamily="49" charset="0"/>
+              </a:rPr>
+              <a:t>    alert('Button clicked!');</a:t>
+            </a:r>
+          </a:p>
+          <a:p>
+            <a:r>
+              <a:rPr lang="en-US" sz="1400" b="1" dirty="0">
+                <a:latin typeface="Courier New" panose="02070309020205020404" pitchFamily="49" charset="0"/>
+                <a:cs typeface="Courier New" panose="02070309020205020404" pitchFamily="49" charset="0"/>
+              </a:rPr>
+              <a:t>  };</a:t>
+            </a:r>
+          </a:p>
+          <a:p>
+            <a:endParaRPr lang="en-US" sz="1400" b="1" dirty="0">
+              <a:latin typeface="Courier New" panose="02070309020205020404" pitchFamily="49" charset="0"/>
+              <a:cs typeface="Courier New" panose="02070309020205020404" pitchFamily="49" charset="0"/>
+            </a:endParaRPr>
+          </a:p>
+          <a:p>
+            <a:r>
+              <a:rPr lang="en-US" sz="1400" b="1" dirty="0">
+                <a:latin typeface="Courier New" panose="02070309020205020404" pitchFamily="49" charset="0"/>
+                <a:cs typeface="Courier New" panose="02070309020205020404" pitchFamily="49" charset="0"/>
+              </a:rPr>
+              <a:t>  return (</a:t>
+            </a:r>
+          </a:p>
+          <a:p>
+            <a:r>
+              <a:rPr lang="en-US" sz="1400" b="1" dirty="0">
+                <a:latin typeface="Courier New" panose="02070309020205020404" pitchFamily="49" charset="0"/>
+                <a:cs typeface="Courier New" panose="02070309020205020404" pitchFamily="49" charset="0"/>
+              </a:rPr>
+              <a:t>    &lt;button </a:t>
+            </a:r>
+            <a:r>
+              <a:rPr lang="en-US" sz="1400" b="1" dirty="0" err="1">
+                <a:latin typeface="Courier New" panose="02070309020205020404" pitchFamily="49" charset="0"/>
+                <a:cs typeface="Courier New" panose="02070309020205020404" pitchFamily="49" charset="0"/>
+              </a:rPr>
+              <a:t>onClick</a:t>
+            </a:r>
+            <a:r>
+              <a:rPr lang="en-US" sz="1400" b="1" dirty="0">
+                <a:latin typeface="Courier New" panose="02070309020205020404" pitchFamily="49" charset="0"/>
+                <a:cs typeface="Courier New" panose="02070309020205020404" pitchFamily="49" charset="0"/>
+              </a:rPr>
+              <a:t>={</a:t>
+            </a:r>
+            <a:r>
+              <a:rPr lang="en-US" sz="1400" b="1" dirty="0" err="1">
+                <a:latin typeface="Courier New" panose="02070309020205020404" pitchFamily="49" charset="0"/>
+                <a:cs typeface="Courier New" panose="02070309020205020404" pitchFamily="49" charset="0"/>
+              </a:rPr>
+              <a:t>handleClick</a:t>
+            </a:r>
+            <a:r>
+              <a:rPr lang="en-US" sz="1400" b="1" dirty="0">
+                <a:latin typeface="Courier New" panose="02070309020205020404" pitchFamily="49" charset="0"/>
+                <a:cs typeface="Courier New" panose="02070309020205020404" pitchFamily="49" charset="0"/>
+              </a:rPr>
+              <a:t>}&gt;</a:t>
+            </a:r>
+          </a:p>
+          <a:p>
+            <a:r>
+              <a:rPr lang="en-US" sz="1400" b="1" dirty="0">
+                <a:latin typeface="Courier New" panose="02070309020205020404" pitchFamily="49" charset="0"/>
+                <a:cs typeface="Courier New" panose="02070309020205020404" pitchFamily="49" charset="0"/>
+              </a:rPr>
+              <a:t>      Click Me</a:t>
+            </a:r>
+          </a:p>
+          <a:p>
+            <a:r>
+              <a:rPr lang="en-US" sz="1400" b="1" dirty="0">
+                <a:latin typeface="Courier New" panose="02070309020205020404" pitchFamily="49" charset="0"/>
+                <a:cs typeface="Courier New" panose="02070309020205020404" pitchFamily="49" charset="0"/>
+              </a:rPr>
+              <a:t>    &lt;/button&gt;</a:t>
+            </a:r>
+          </a:p>
+          <a:p>
+            <a:r>
+              <a:rPr lang="en-US" sz="1400" b="1" dirty="0">
+                <a:latin typeface="Courier New" panose="02070309020205020404" pitchFamily="49" charset="0"/>
+                <a:cs typeface="Courier New" panose="02070309020205020404" pitchFamily="49" charset="0"/>
+              </a:rPr>
+              <a:t>  );</a:t>
+            </a:r>
+          </a:p>
+          <a:p>
+            <a:r>
+              <a:rPr lang="en-US" sz="1400" b="1" dirty="0">
+                <a:latin typeface="Courier New" panose="02070309020205020404" pitchFamily="49" charset="0"/>
+                <a:cs typeface="Courier New" panose="02070309020205020404" pitchFamily="49" charset="0"/>
+              </a:rPr>
+              <a:t>}</a:t>
+            </a:r>
+          </a:p>
+          <a:p>
+            <a:endParaRPr lang="en-US" sz="1400" b="1" dirty="0">
+              <a:latin typeface="Courier New" panose="02070309020205020404" pitchFamily="49" charset="0"/>
+              <a:cs typeface="Courier New" panose="02070309020205020404" pitchFamily="49" charset="0"/>
+            </a:endParaRPr>
+          </a:p>
+          <a:p>
+            <a:r>
+              <a:rPr lang="en-US" sz="1400" b="1" dirty="0">
+                <a:latin typeface="Courier New" panose="02070309020205020404" pitchFamily="49" charset="0"/>
+                <a:cs typeface="Courier New" panose="02070309020205020404" pitchFamily="49" charset="0"/>
+              </a:rPr>
+              <a:t>export default </a:t>
+            </a:r>
+            <a:r>
+              <a:rPr lang="en-US" sz="1400" b="1" dirty="0" err="1">
+                <a:latin typeface="Courier New" panose="02070309020205020404" pitchFamily="49" charset="0"/>
+                <a:cs typeface="Courier New" panose="02070309020205020404" pitchFamily="49" charset="0"/>
+              </a:rPr>
+              <a:t>MyButton</a:t>
+            </a:r>
+            <a:r>
+              <a:rPr lang="en-US" sz="1400" b="1" dirty="0">
+                <a:latin typeface="Courier New" panose="02070309020205020404" pitchFamily="49" charset="0"/>
+                <a:cs typeface="Courier New" panose="02070309020205020404" pitchFamily="49" charset="0"/>
+              </a:rPr>
+              <a:t>;</a:t>
+            </a:r>
+          </a:p>
+        </p:txBody>
+      </p:sp>
+    </p:spTree>
+    <p:extLst>
+      <p:ext uri="{BB962C8B-B14F-4D97-AF65-F5344CB8AC3E}">
+        <p14:creationId xmlns:p14="http://schemas.microsoft.com/office/powerpoint/2010/main" val="4235659435"/>
+      </p:ext>
+    </p:extLst>
+  </p:cSld>
+  <p:clrMapOvr>
+    <a:masterClrMapping/>
+  </p:clrMapOvr>
+</p:sld>
+</file>
+
+<file path=ppt/slides/slide46.xml><?xml version="1.0" encoding="utf-8"?>
+<p:sld xmlns:a="http://schemas.openxmlformats.org/drawingml/2006/main" xmlns:r="http://schemas.openxmlformats.org/officeDocument/2006/relationships" xmlns:p="http://schemas.openxmlformats.org/presentationml/2006/main">
+  <p:cSld>
+    <p:spTree>
+      <p:nvGrpSpPr>
+        <p:cNvPr id="1" name=""/>
+        <p:cNvGrpSpPr/>
+        <p:nvPr/>
+      </p:nvGrpSpPr>
+      <p:grpSpPr>
+        <a:xfrm>
+          <a:off x="0" y="0"/>
+          <a:ext cx="0" cy="0"/>
+          <a:chOff x="0" y="0"/>
+          <a:chExt cx="0" cy="0"/>
+        </a:xfrm>
+      </p:grpSpPr>
+      <p:sp>
+        <p:nvSpPr>
+          <p:cNvPr id="2" name="Title 1">
+            <a:extLst>
+              <a:ext uri="{FF2B5EF4-FFF2-40B4-BE49-F238E27FC236}">
+                <a16:creationId xmlns:a16="http://schemas.microsoft.com/office/drawing/2014/main" id="{977CE5AA-E8DC-384B-187C-676891C9D0B7}"/>
+              </a:ext>
+            </a:extLst>
+          </p:cNvPr>
+          <p:cNvSpPr>
+            <a:spLocks noGrp="1"/>
+          </p:cNvSpPr>
+          <p:nvPr>
+            <p:ph type="title"/>
+          </p:nvPr>
+        </p:nvSpPr>
+        <p:spPr/>
+        <p:txBody>
+          <a:bodyPr/>
+          <a:lstStyle/>
+          <a:p>
+            <a:r>
+              <a:rPr lang="en-US" dirty="0"/>
+              <a:t>Evolving Architecture of Web Applications</a:t>
+            </a:r>
+          </a:p>
+        </p:txBody>
+      </p:sp>
+      <p:sp>
+        <p:nvSpPr>
+          <p:cNvPr id="3" name="Content Placeholder 2">
+            <a:extLst>
+              <a:ext uri="{FF2B5EF4-FFF2-40B4-BE49-F238E27FC236}">
+                <a16:creationId xmlns:a16="http://schemas.microsoft.com/office/drawing/2014/main" id="{B2ADC658-C255-CF4E-C07B-753EC3BB0B6E}"/>
+              </a:ext>
+            </a:extLst>
+          </p:cNvPr>
+          <p:cNvSpPr>
+            <a:spLocks noGrp="1"/>
+          </p:cNvSpPr>
+          <p:nvPr>
+            <p:ph idx="1"/>
+          </p:nvPr>
+        </p:nvSpPr>
+        <p:spPr/>
+        <p:txBody>
+          <a:bodyPr/>
+          <a:lstStyle/>
+          <a:p>
+            <a:r>
+              <a:rPr lang="en-US" dirty="0"/>
+              <a:t>As the capabilities in the browser become increasingly powerful and easier to use, there is a trend towards moving portions of MVC into the browser</a:t>
+            </a:r>
+          </a:p>
+          <a:p>
+            <a:r>
+              <a:rPr lang="en-US" dirty="0"/>
+              <a:t>At the extreme the Controller and View move into the browser and the Model is written from the View code running in the browser using web services</a:t>
+            </a:r>
+          </a:p>
+          <a:p>
+            <a:endParaRPr lang="en-US" dirty="0"/>
+          </a:p>
+          <a:p>
+            <a:r>
+              <a:rPr lang="en-US" dirty="0"/>
+              <a:t>Which is the next topic in this class </a:t>
+            </a:r>
+            <a:r>
+              <a:rPr lang="en-US" dirty="0">
+                <a:sym typeface="Wingdings" pitchFamily="2" charset="2"/>
+              </a:rPr>
+              <a:t></a:t>
+            </a:r>
+            <a:endParaRPr lang="en-US" dirty="0"/>
+          </a:p>
+        </p:txBody>
+      </p:sp>
+    </p:spTree>
+    <p:extLst>
+      <p:ext uri="{BB962C8B-B14F-4D97-AF65-F5344CB8AC3E}">
+        <p14:creationId xmlns:p14="http://schemas.microsoft.com/office/powerpoint/2010/main" val="2040727918"/>
+      </p:ext>
+    </p:extLst>
+  </p:cSld>
+  <p:clrMapOvr>
+    <a:masterClrMapping/>
+  </p:clrMapOvr>
+</p:sld>
+</file>
+
+<file path=ppt/slides/slide47.xml><?xml version="1.0" encoding="utf-8"?>
+<p:sld xmlns:a="http://schemas.openxmlformats.org/drawingml/2006/main" xmlns:r="http://schemas.openxmlformats.org/officeDocument/2006/relationships" xmlns:p="http://schemas.openxmlformats.org/presentationml/2006/main">
+  <p:cSld>
+    <p:spTree>
+      <p:nvGrpSpPr>
+        <p:cNvPr id="1" name="Shape 198">
+          <a:extLst>
+            <a:ext uri="{FF2B5EF4-FFF2-40B4-BE49-F238E27FC236}">
+              <a16:creationId xmlns:a16="http://schemas.microsoft.com/office/drawing/2014/main" id="{5E091637-9CB8-1961-058A-83079EDBBB02}"/>
+            </a:ext>
+          </a:extLst>
+        </p:cNvPr>
+        <p:cNvGrpSpPr/>
+        <p:nvPr/>
+      </p:nvGrpSpPr>
+      <p:grpSpPr>
+        <a:xfrm>
+          <a:off x="0" y="0"/>
+          <a:ext cx="0" cy="0"/>
+          <a:chOff x="0" y="0"/>
+          <a:chExt cx="0" cy="0"/>
+        </a:xfrm>
+      </p:grpSpPr>
+      <p:sp>
+        <p:nvSpPr>
+          <p:cNvPr id="199" name="Google Shape;199;p9">
+            <a:extLst>
+              <a:ext uri="{FF2B5EF4-FFF2-40B4-BE49-F238E27FC236}">
+                <a16:creationId xmlns:a16="http://schemas.microsoft.com/office/drawing/2014/main" id="{DAE63C83-A428-376B-E6E7-912B21CFF3C7}"/>
+              </a:ext>
+            </a:extLst>
+          </p:cNvPr>
+          <p:cNvSpPr/>
+          <p:nvPr/>
+        </p:nvSpPr>
+        <p:spPr>
+          <a:xfrm>
+            <a:off x="4733342" y="278098"/>
+            <a:ext cx="7215642" cy="6347791"/>
+          </a:xfrm>
+          <a:prstGeom prst="rect">
+            <a:avLst/>
+          </a:prstGeom>
+          <a:solidFill>
+            <a:schemeClr val="accent1"/>
+          </a:solidFill>
+          <a:ln w="38100" cap="flat" cmpd="sng">
+            <a:solidFill>
+              <a:schemeClr val="lt1"/>
+            </a:solidFill>
+            <a:prstDash val="solid"/>
+            <a:miter lim="800000"/>
+            <a:headEnd type="none" w="sm" len="sm"/>
+            <a:tailEnd type="none" w="sm" len="sm"/>
+          </a:ln>
+        </p:spPr>
+        <p:txBody>
+          <a:bodyPr spcFirstLastPara="1" wrap="square" lIns="91425" tIns="45700" rIns="91425" bIns="45700" anchor="t" anchorCtr="0">
+            <a:noAutofit/>
+          </a:bodyPr>
+          <a:lstStyle/>
+          <a:p>
+            <a:pPr marL="0" marR="0" lvl="0" indent="0" algn="r" rtl="0">
+              <a:spcBef>
+                <a:spcPts val="0"/>
+              </a:spcBef>
+              <a:spcAft>
+                <a:spcPts val="0"/>
+              </a:spcAft>
+              <a:buNone/>
+            </a:pPr>
+            <a:r>
+              <a:rPr lang="en-US" sz="1800" b="0" i="0" u="none" strike="noStrike" cap="none">
+                <a:solidFill>
+                  <a:schemeClr val="lt1"/>
+                </a:solidFill>
+                <a:latin typeface="Calibri"/>
+                <a:ea typeface="Calibri"/>
+                <a:cs typeface="Calibri"/>
+                <a:sym typeface="Calibri"/>
+              </a:rPr>
+              <a:t>Linux</a:t>
+            </a:r>
+            <a:endParaRPr/>
+          </a:p>
+        </p:txBody>
+      </p:sp>
+      <p:sp>
+        <p:nvSpPr>
+          <p:cNvPr id="200" name="Google Shape;200;p9">
+            <a:extLst>
+              <a:ext uri="{FF2B5EF4-FFF2-40B4-BE49-F238E27FC236}">
+                <a16:creationId xmlns:a16="http://schemas.microsoft.com/office/drawing/2014/main" id="{6662972C-362E-7959-3191-EDCD6FF64BF7}"/>
+              </a:ext>
+            </a:extLst>
+          </p:cNvPr>
+          <p:cNvSpPr/>
+          <p:nvPr/>
+        </p:nvSpPr>
+        <p:spPr>
+          <a:xfrm>
+            <a:off x="873960" y="278098"/>
+            <a:ext cx="2465935" cy="6347791"/>
+          </a:xfrm>
+          <a:prstGeom prst="rect">
+            <a:avLst/>
+          </a:prstGeom>
+          <a:solidFill>
+            <a:schemeClr val="accent1"/>
+          </a:solidFill>
+          <a:ln w="38100" cap="flat" cmpd="sng">
+            <a:solidFill>
+              <a:schemeClr val="lt1"/>
+            </a:solidFill>
+            <a:prstDash val="solid"/>
+            <a:miter lim="800000"/>
+            <a:headEnd type="none" w="sm" len="sm"/>
+            <a:tailEnd type="none" w="sm" len="sm"/>
+          </a:ln>
+        </p:spPr>
+        <p:txBody>
+          <a:bodyPr spcFirstLastPara="1" wrap="square" lIns="91425" tIns="45700" rIns="91425" bIns="45700" anchor="t" anchorCtr="0">
+            <a:noAutofit/>
+          </a:bodyPr>
+          <a:lstStyle/>
+          <a:p>
+            <a:pPr marL="0" marR="0" lvl="0" indent="0" algn="r" rtl="0">
+              <a:spcBef>
+                <a:spcPts val="0"/>
+              </a:spcBef>
+              <a:spcAft>
+                <a:spcPts val="0"/>
+              </a:spcAft>
+              <a:buNone/>
+            </a:pPr>
+            <a:r>
+              <a:rPr lang="en-US" sz="1800" b="0" i="0" u="none" strike="noStrike" cap="none">
+                <a:solidFill>
+                  <a:schemeClr val="lt1"/>
+                </a:solidFill>
+                <a:latin typeface="Calibri"/>
+                <a:ea typeface="Calibri"/>
+                <a:cs typeface="Calibri"/>
+                <a:sym typeface="Calibri"/>
+              </a:rPr>
+              <a:t>Browser</a:t>
+            </a:r>
+            <a:endParaRPr/>
+          </a:p>
+        </p:txBody>
+      </p:sp>
+      <p:sp>
+        <p:nvSpPr>
+          <p:cNvPr id="201" name="Google Shape;201;p9">
+            <a:extLst>
+              <a:ext uri="{FF2B5EF4-FFF2-40B4-BE49-F238E27FC236}">
+                <a16:creationId xmlns:a16="http://schemas.microsoft.com/office/drawing/2014/main" id="{1BF0814A-D24D-B59C-38EE-CF36B3596382}"/>
+              </a:ext>
+            </a:extLst>
+          </p:cNvPr>
+          <p:cNvSpPr/>
+          <p:nvPr/>
+        </p:nvSpPr>
+        <p:spPr>
+          <a:xfrm>
+            <a:off x="5987216" y="870579"/>
+            <a:ext cx="5702276" cy="5548575"/>
+          </a:xfrm>
+          <a:prstGeom prst="rect">
+            <a:avLst/>
+          </a:prstGeom>
+          <a:solidFill>
+            <a:srgbClr val="002060"/>
+          </a:solidFill>
+          <a:ln w="38100" cap="flat" cmpd="sng">
+            <a:solidFill>
+              <a:schemeClr val="dk1"/>
+            </a:solidFill>
+            <a:prstDash val="solid"/>
+            <a:miter lim="800000"/>
+            <a:headEnd type="none" w="sm" len="sm"/>
+            <a:tailEnd type="none" w="sm" len="sm"/>
+          </a:ln>
+        </p:spPr>
+        <p:txBody>
+          <a:bodyPr spcFirstLastPara="1" wrap="square" lIns="91425" tIns="45700" rIns="91425" bIns="45700" anchor="t" anchorCtr="0">
+            <a:noAutofit/>
+          </a:bodyPr>
+          <a:lstStyle/>
+          <a:p>
+            <a:pPr marL="0" marR="0" lvl="0" indent="0" algn="r" rtl="0">
+              <a:spcBef>
+                <a:spcPts val="0"/>
+              </a:spcBef>
+              <a:spcAft>
+                <a:spcPts val="0"/>
+              </a:spcAft>
+              <a:buNone/>
+            </a:pPr>
+            <a:r>
+              <a:rPr lang="en-US" sz="1800" b="0" i="0" u="none" strike="noStrike" cap="none">
+                <a:solidFill>
+                  <a:schemeClr val="lt1"/>
+                </a:solidFill>
+                <a:latin typeface="Calibri"/>
+                <a:ea typeface="Calibri"/>
+                <a:cs typeface="Calibri"/>
+                <a:sym typeface="Calibri"/>
+              </a:rPr>
+              <a:t>Django</a:t>
+            </a:r>
+            <a:endParaRPr sz="1800" b="0" i="0" u="none" strike="noStrike" cap="none">
+              <a:solidFill>
+                <a:schemeClr val="lt1"/>
+              </a:solidFill>
+              <a:latin typeface="Calibri"/>
+              <a:ea typeface="Calibri"/>
+              <a:cs typeface="Calibri"/>
+              <a:sym typeface="Calibri"/>
+            </a:endParaRPr>
+          </a:p>
+        </p:txBody>
+      </p:sp>
+      <p:sp>
+        <p:nvSpPr>
+          <p:cNvPr id="202" name="Google Shape;202;p9">
+            <a:extLst>
+              <a:ext uri="{FF2B5EF4-FFF2-40B4-BE49-F238E27FC236}">
+                <a16:creationId xmlns:a16="http://schemas.microsoft.com/office/drawing/2014/main" id="{CD0E13DB-2D5E-4CDB-FF4A-A5245FE6C1E0}"/>
+              </a:ext>
+            </a:extLst>
+          </p:cNvPr>
+          <p:cNvSpPr txBox="1"/>
+          <p:nvPr/>
+        </p:nvSpPr>
+        <p:spPr>
+          <a:xfrm>
+            <a:off x="5987216" y="404858"/>
+            <a:ext cx="1295291" cy="369332"/>
+          </a:xfrm>
+          <a:prstGeom prst="rect">
+            <a:avLst/>
+          </a:prstGeom>
+          <a:solidFill>
+            <a:schemeClr val="dk1"/>
+          </a:solidFill>
+          <a:ln>
+            <a:noFill/>
+          </a:ln>
+        </p:spPr>
+        <p:txBody>
+          <a:bodyPr spcFirstLastPara="1" wrap="square" lIns="91425" tIns="45700" rIns="91425" bIns="45700" anchor="t" anchorCtr="0">
+            <a:spAutoFit/>
+          </a:bodyPr>
+          <a:lstStyle/>
+          <a:p>
+            <a:pPr marL="0" marR="0" lvl="0" indent="0" algn="l" rtl="0">
+              <a:spcBef>
+                <a:spcPts val="0"/>
+              </a:spcBef>
+              <a:spcAft>
+                <a:spcPts val="0"/>
+              </a:spcAft>
+              <a:buNone/>
+            </a:pPr>
+            <a:r>
+              <a:rPr lang="en-US" sz="1800" b="0" i="0" u="none" strike="noStrike" cap="none">
+                <a:solidFill>
+                  <a:schemeClr val="lt1"/>
+                </a:solidFill>
+                <a:latin typeface="Calibri"/>
+                <a:ea typeface="Calibri"/>
+                <a:cs typeface="Calibri"/>
+                <a:sym typeface="Calibri"/>
+              </a:rPr>
+              <a:t>WGSIConfig</a:t>
+            </a:r>
+            <a:endParaRPr sz="1800">
+              <a:solidFill>
+                <a:schemeClr val="lt1"/>
+              </a:solidFill>
+              <a:latin typeface="Calibri"/>
+              <a:ea typeface="Calibri"/>
+              <a:cs typeface="Calibri"/>
+              <a:sym typeface="Calibri"/>
+            </a:endParaRPr>
+          </a:p>
+        </p:txBody>
+      </p:sp>
+      <p:sp>
+        <p:nvSpPr>
+          <p:cNvPr id="203" name="Google Shape;203;p9">
+            <a:extLst>
+              <a:ext uri="{FF2B5EF4-FFF2-40B4-BE49-F238E27FC236}">
+                <a16:creationId xmlns:a16="http://schemas.microsoft.com/office/drawing/2014/main" id="{BE26CCE7-59E6-DB09-7255-A53804E77EE6}"/>
+              </a:ext>
+            </a:extLst>
+          </p:cNvPr>
+          <p:cNvSpPr/>
+          <p:nvPr/>
+        </p:nvSpPr>
+        <p:spPr>
+          <a:xfrm>
+            <a:off x="6347167" y="1101696"/>
+            <a:ext cx="1086678" cy="1033669"/>
+          </a:xfrm>
+          <a:prstGeom prst="roundRect">
+            <a:avLst>
+              <a:gd name="adj" fmla="val 16667"/>
+            </a:avLst>
+          </a:prstGeom>
+          <a:solidFill>
+            <a:srgbClr val="0070C0"/>
+          </a:solidFill>
+          <a:ln w="9525" cap="flat" cmpd="sng">
+            <a:solidFill>
+              <a:schemeClr val="dk1"/>
+            </a:solidFill>
+            <a:prstDash val="solid"/>
+            <a:miter lim="800000"/>
+            <a:headEnd type="none" w="sm" len="sm"/>
+            <a:tailEnd type="none" w="sm" len="sm"/>
+          </a:ln>
+        </p:spPr>
+        <p:txBody>
+          <a:bodyPr spcFirstLastPara="1" wrap="square" lIns="91425" tIns="45700" rIns="91425" bIns="45700" anchor="ctr" anchorCtr="0">
+            <a:noAutofit/>
+          </a:bodyPr>
+          <a:lstStyle/>
+          <a:p>
+            <a:pPr marL="0" marR="0" lvl="0" indent="0" algn="ctr" rtl="0">
+              <a:spcBef>
+                <a:spcPts val="0"/>
+              </a:spcBef>
+              <a:spcAft>
+                <a:spcPts val="0"/>
+              </a:spcAft>
+              <a:buNone/>
+            </a:pPr>
+            <a:r>
+              <a:rPr lang="en-US" sz="1800">
+                <a:solidFill>
+                  <a:schemeClr val="lt1"/>
+                </a:solidFill>
+                <a:latin typeface="Calibri"/>
+                <a:ea typeface="Calibri"/>
+                <a:cs typeface="Calibri"/>
+                <a:sym typeface="Calibri"/>
+              </a:rPr>
+              <a:t>Routing</a:t>
+            </a:r>
+            <a:endParaRPr/>
+          </a:p>
+        </p:txBody>
+      </p:sp>
+      <p:sp>
+        <p:nvSpPr>
+          <p:cNvPr id="204" name="Google Shape;204;p9">
+            <a:extLst>
+              <a:ext uri="{FF2B5EF4-FFF2-40B4-BE49-F238E27FC236}">
+                <a16:creationId xmlns:a16="http://schemas.microsoft.com/office/drawing/2014/main" id="{4F297450-D7FD-C10E-8D6B-F1CF048AE18B}"/>
+              </a:ext>
+            </a:extLst>
+          </p:cNvPr>
+          <p:cNvSpPr/>
+          <p:nvPr/>
+        </p:nvSpPr>
+        <p:spPr>
+          <a:xfrm>
+            <a:off x="6347167" y="2675805"/>
+            <a:ext cx="1086678" cy="1033669"/>
+          </a:xfrm>
+          <a:prstGeom prst="roundRect">
+            <a:avLst>
+              <a:gd name="adj" fmla="val 16667"/>
+            </a:avLst>
+          </a:prstGeom>
+          <a:solidFill>
+            <a:srgbClr val="FF7F00"/>
+          </a:solidFill>
+          <a:ln w="9525" cap="flat" cmpd="sng">
+            <a:solidFill>
+              <a:schemeClr val="dk1"/>
+            </a:solidFill>
+            <a:prstDash val="solid"/>
+            <a:miter lim="800000"/>
+            <a:headEnd type="none" w="sm" len="sm"/>
+            <a:tailEnd type="none" w="sm" len="sm"/>
+          </a:ln>
+        </p:spPr>
+        <p:txBody>
+          <a:bodyPr spcFirstLastPara="1" wrap="square" lIns="91425" tIns="45700" rIns="91425" bIns="45700" anchor="ctr" anchorCtr="0">
+            <a:noAutofit/>
+          </a:bodyPr>
+          <a:lstStyle/>
+          <a:p>
+            <a:pPr marL="0" marR="0" lvl="0" indent="0" algn="ctr" rtl="0">
+              <a:spcBef>
+                <a:spcPts val="0"/>
+              </a:spcBef>
+              <a:spcAft>
+                <a:spcPts val="0"/>
+              </a:spcAft>
+              <a:buNone/>
+            </a:pPr>
+            <a:r>
+              <a:rPr lang="en-US" sz="1800">
+                <a:solidFill>
+                  <a:schemeClr val="dk1"/>
+                </a:solidFill>
+                <a:latin typeface="Calibri"/>
+                <a:ea typeface="Calibri"/>
+                <a:cs typeface="Calibri"/>
+                <a:sym typeface="Calibri"/>
+              </a:rPr>
+              <a:t>Views</a:t>
+            </a:r>
+            <a:endParaRPr/>
+          </a:p>
+        </p:txBody>
+      </p:sp>
+      <p:sp>
+        <p:nvSpPr>
+          <p:cNvPr id="205" name="Google Shape;205;p9">
+            <a:extLst>
+              <a:ext uri="{FF2B5EF4-FFF2-40B4-BE49-F238E27FC236}">
+                <a16:creationId xmlns:a16="http://schemas.microsoft.com/office/drawing/2014/main" id="{4A8BF60F-FB65-7FEA-78FE-147BE9B297FB}"/>
+              </a:ext>
+            </a:extLst>
+          </p:cNvPr>
+          <p:cNvSpPr/>
+          <p:nvPr/>
+        </p:nvSpPr>
+        <p:spPr>
+          <a:xfrm>
+            <a:off x="9813128" y="4173528"/>
+            <a:ext cx="1577009" cy="646266"/>
+          </a:xfrm>
+          <a:prstGeom prst="can">
+            <a:avLst>
+              <a:gd name="adj" fmla="val 25000"/>
+            </a:avLst>
+          </a:prstGeom>
+          <a:solidFill>
+            <a:srgbClr val="0070C0"/>
+          </a:solidFill>
+          <a:ln w="12700" cap="flat" cmpd="sng">
+            <a:solidFill>
+              <a:srgbClr val="1D7F66"/>
+            </a:solidFill>
+            <a:prstDash val="solid"/>
+            <a:miter lim="800000"/>
+            <a:headEnd type="none" w="sm" len="sm"/>
+            <a:tailEnd type="none" w="sm" len="sm"/>
+          </a:ln>
+        </p:spPr>
+        <p:txBody>
+          <a:bodyPr spcFirstLastPara="1" wrap="square" lIns="91425" tIns="45700" rIns="91425" bIns="45700" anchor="ctr" anchorCtr="0">
+            <a:noAutofit/>
+          </a:bodyPr>
+          <a:lstStyle/>
+          <a:p>
+            <a:pPr marL="0" marR="0" lvl="0" indent="0" algn="ctr" rtl="0">
+              <a:spcBef>
+                <a:spcPts val="0"/>
+              </a:spcBef>
+              <a:spcAft>
+                <a:spcPts val="0"/>
+              </a:spcAft>
+              <a:buNone/>
+            </a:pPr>
+            <a:r>
+              <a:rPr lang="en-US" sz="1800">
+                <a:solidFill>
+                  <a:schemeClr val="lt1"/>
+                </a:solidFill>
+                <a:latin typeface="Calibri"/>
+                <a:ea typeface="Calibri"/>
+                <a:cs typeface="Calibri"/>
+                <a:sym typeface="Calibri"/>
+              </a:rPr>
+              <a:t>Database</a:t>
+            </a:r>
+            <a:endParaRPr/>
+          </a:p>
+        </p:txBody>
+      </p:sp>
+      <p:sp>
+        <p:nvSpPr>
+          <p:cNvPr id="207" name="Google Shape;207;p9">
+            <a:extLst>
+              <a:ext uri="{FF2B5EF4-FFF2-40B4-BE49-F238E27FC236}">
+                <a16:creationId xmlns:a16="http://schemas.microsoft.com/office/drawing/2014/main" id="{364FF2C7-9491-E194-9F33-1037D1B8B8EF}"/>
+              </a:ext>
+            </a:extLst>
+          </p:cNvPr>
+          <p:cNvSpPr/>
+          <p:nvPr/>
+        </p:nvSpPr>
+        <p:spPr>
+          <a:xfrm>
+            <a:off x="7933975" y="404637"/>
+            <a:ext cx="1603514" cy="369554"/>
+          </a:xfrm>
+          <a:prstGeom prst="roundRect">
+            <a:avLst>
+              <a:gd name="adj" fmla="val 16667"/>
+            </a:avLst>
+          </a:prstGeom>
+          <a:gradFill>
+            <a:gsLst>
+              <a:gs pos="0">
+                <a:srgbClr val="9A9A9A"/>
+              </a:gs>
+              <a:gs pos="50000">
+                <a:srgbClr val="8D8D8D"/>
+              </a:gs>
+              <a:gs pos="100000">
+                <a:srgbClr val="787878"/>
+              </a:gs>
+            </a:gsLst>
+            <a:lin ang="5400000" scaled="0"/>
+          </a:gradFill>
+          <a:ln w="9525" cap="flat" cmpd="sng">
+            <a:solidFill>
+              <a:schemeClr val="dk1"/>
+            </a:solidFill>
+            <a:prstDash val="solid"/>
+            <a:miter lim="800000"/>
+            <a:headEnd type="none" w="sm" len="sm"/>
+            <a:tailEnd type="none" w="sm" len="sm"/>
+          </a:ln>
+        </p:spPr>
+        <p:txBody>
+          <a:bodyPr spcFirstLastPara="1" wrap="square" lIns="91425" tIns="45700" rIns="91425" bIns="45700" anchor="ctr" anchorCtr="0">
+            <a:noAutofit/>
+          </a:bodyPr>
+          <a:lstStyle/>
+          <a:p>
+            <a:pPr marL="0" marR="0" lvl="0" indent="0" algn="ctr" rtl="0">
+              <a:spcBef>
+                <a:spcPts val="0"/>
+              </a:spcBef>
+              <a:spcAft>
+                <a:spcPts val="0"/>
+              </a:spcAft>
+              <a:buNone/>
+            </a:pPr>
+            <a:r>
+              <a:rPr lang="en-US" sz="1800">
+                <a:solidFill>
+                  <a:schemeClr val="dk1"/>
+                </a:solidFill>
+                <a:latin typeface="Calibri"/>
+                <a:ea typeface="Calibri"/>
+                <a:cs typeface="Calibri"/>
+                <a:sym typeface="Calibri"/>
+              </a:rPr>
+              <a:t>settings.py</a:t>
+            </a:r>
+            <a:endParaRPr sz="1800">
+              <a:solidFill>
+                <a:schemeClr val="dk1"/>
+              </a:solidFill>
+              <a:latin typeface="Calibri"/>
+              <a:ea typeface="Calibri"/>
+              <a:cs typeface="Calibri"/>
+              <a:sym typeface="Calibri"/>
+            </a:endParaRPr>
+          </a:p>
+        </p:txBody>
+      </p:sp>
+      <p:cxnSp>
+        <p:nvCxnSpPr>
+          <p:cNvPr id="208" name="Google Shape;208;p9">
+            <a:extLst>
+              <a:ext uri="{FF2B5EF4-FFF2-40B4-BE49-F238E27FC236}">
+                <a16:creationId xmlns:a16="http://schemas.microsoft.com/office/drawing/2014/main" id="{B36D5254-4CF9-8602-7853-F5AEAB8180D6}"/>
+              </a:ext>
+            </a:extLst>
+          </p:cNvPr>
+          <p:cNvCxnSpPr/>
+          <p:nvPr/>
+        </p:nvCxnSpPr>
+        <p:spPr>
+          <a:xfrm flipH="1">
+            <a:off x="7208365" y="589414"/>
+            <a:ext cx="725611" cy="110"/>
+          </a:xfrm>
+          <a:prstGeom prst="straightConnector1">
+            <a:avLst/>
+          </a:prstGeom>
+          <a:noFill/>
+          <a:ln w="38100" cap="flat" cmpd="sng">
+            <a:solidFill>
+              <a:schemeClr val="lt1"/>
+            </a:solidFill>
+            <a:prstDash val="solid"/>
+            <a:miter lim="800000"/>
+            <a:headEnd type="none" w="sm" len="sm"/>
+            <a:tailEnd type="triangle" w="med" len="med"/>
+          </a:ln>
+        </p:spPr>
+      </p:cxnSp>
+      <p:sp>
+        <p:nvSpPr>
+          <p:cNvPr id="209" name="Google Shape;209;p9">
+            <a:extLst>
+              <a:ext uri="{FF2B5EF4-FFF2-40B4-BE49-F238E27FC236}">
+                <a16:creationId xmlns:a16="http://schemas.microsoft.com/office/drawing/2014/main" id="{FEA9D997-81E6-2745-3F0F-DBCFF7271015}"/>
+              </a:ext>
+            </a:extLst>
+          </p:cNvPr>
+          <p:cNvSpPr/>
+          <p:nvPr/>
+        </p:nvSpPr>
+        <p:spPr>
+          <a:xfrm>
+            <a:off x="4999929" y="404637"/>
+            <a:ext cx="516835" cy="6105958"/>
+          </a:xfrm>
+          <a:prstGeom prst="rect">
+            <a:avLst/>
+          </a:prstGeom>
+          <a:solidFill>
+            <a:srgbClr val="002060"/>
+          </a:solidFill>
+          <a:ln w="38100" cap="flat" cmpd="sng">
+            <a:solidFill>
+              <a:schemeClr val="dk1"/>
+            </a:solidFill>
+            <a:prstDash val="solid"/>
+            <a:miter lim="800000"/>
+            <a:headEnd type="none" w="sm" len="sm"/>
+            <a:tailEnd type="none" w="sm" len="sm"/>
+          </a:ln>
+        </p:spPr>
+        <p:txBody>
+          <a:bodyPr spcFirstLastPara="1" wrap="square" lIns="91425" tIns="45700" rIns="91425" bIns="45700" anchor="b" anchorCtr="0">
+            <a:noAutofit/>
+          </a:bodyPr>
+          <a:lstStyle/>
+          <a:p>
+            <a:pPr marL="0" marR="0" lvl="0" indent="0" algn="ctr" rtl="0">
+              <a:spcBef>
+                <a:spcPts val="0"/>
+              </a:spcBef>
+              <a:spcAft>
+                <a:spcPts val="0"/>
+              </a:spcAft>
+              <a:buNone/>
+            </a:pPr>
+            <a:r>
+              <a:rPr lang="en-US" sz="1800">
+                <a:solidFill>
+                  <a:schemeClr val="lt1"/>
+                </a:solidFill>
+                <a:latin typeface="Calibri"/>
+                <a:ea typeface="Calibri"/>
+                <a:cs typeface="Calibri"/>
+                <a:sym typeface="Calibri"/>
+              </a:rPr>
+              <a:t>N</a:t>
+            </a:r>
+            <a:endParaRPr/>
+          </a:p>
+          <a:p>
+            <a:pPr marL="0" marR="0" lvl="0" indent="0" algn="ctr" rtl="0">
+              <a:spcBef>
+                <a:spcPts val="0"/>
+              </a:spcBef>
+              <a:spcAft>
+                <a:spcPts val="0"/>
+              </a:spcAft>
+              <a:buNone/>
+            </a:pPr>
+            <a:r>
+              <a:rPr lang="en-US" sz="1800">
+                <a:solidFill>
+                  <a:schemeClr val="lt1"/>
+                </a:solidFill>
+                <a:latin typeface="Calibri"/>
+                <a:ea typeface="Calibri"/>
+                <a:cs typeface="Calibri"/>
+                <a:sym typeface="Calibri"/>
+              </a:rPr>
+              <a:t>G</a:t>
+            </a:r>
+            <a:endParaRPr/>
+          </a:p>
+          <a:p>
+            <a:pPr marL="0" marR="0" lvl="0" indent="0" algn="ctr" rtl="0">
+              <a:spcBef>
+                <a:spcPts val="0"/>
+              </a:spcBef>
+              <a:spcAft>
+                <a:spcPts val="0"/>
+              </a:spcAft>
+              <a:buNone/>
+            </a:pPr>
+            <a:r>
+              <a:rPr lang="en-US" sz="1800">
+                <a:solidFill>
+                  <a:schemeClr val="lt1"/>
+                </a:solidFill>
+                <a:latin typeface="Calibri"/>
+                <a:ea typeface="Calibri"/>
+                <a:cs typeface="Calibri"/>
+                <a:sym typeface="Calibri"/>
+              </a:rPr>
+              <a:t>I</a:t>
+            </a:r>
+            <a:endParaRPr/>
+          </a:p>
+          <a:p>
+            <a:pPr marL="0" marR="0" lvl="0" indent="0" algn="ctr" rtl="0">
+              <a:spcBef>
+                <a:spcPts val="0"/>
+              </a:spcBef>
+              <a:spcAft>
+                <a:spcPts val="0"/>
+              </a:spcAft>
+              <a:buNone/>
+            </a:pPr>
+            <a:r>
+              <a:rPr lang="en-US" sz="1800">
+                <a:solidFill>
+                  <a:schemeClr val="lt1"/>
+                </a:solidFill>
+                <a:latin typeface="Calibri"/>
+                <a:ea typeface="Calibri"/>
+                <a:cs typeface="Calibri"/>
+                <a:sym typeface="Calibri"/>
+              </a:rPr>
+              <a:t>N</a:t>
+            </a:r>
+            <a:br>
+              <a:rPr lang="en-US" sz="1800">
+                <a:solidFill>
+                  <a:schemeClr val="lt1"/>
+                </a:solidFill>
+                <a:latin typeface="Calibri"/>
+                <a:ea typeface="Calibri"/>
+                <a:cs typeface="Calibri"/>
+                <a:sym typeface="Calibri"/>
+              </a:rPr>
+            </a:br>
+            <a:r>
+              <a:rPr lang="en-US" sz="1800">
+                <a:solidFill>
+                  <a:schemeClr val="lt1"/>
+                </a:solidFill>
+                <a:latin typeface="Calibri"/>
+                <a:ea typeface="Calibri"/>
+                <a:cs typeface="Calibri"/>
+                <a:sym typeface="Calibri"/>
+              </a:rPr>
+              <a:t>X</a:t>
+            </a:r>
+            <a:endParaRPr/>
+          </a:p>
+          <a:p>
+            <a:pPr marL="0" marR="0" lvl="0" indent="0" algn="ctr" rtl="0">
+              <a:spcBef>
+                <a:spcPts val="0"/>
+              </a:spcBef>
+              <a:spcAft>
+                <a:spcPts val="0"/>
+              </a:spcAft>
+              <a:buNone/>
+            </a:pPr>
+            <a:endParaRPr sz="1800">
+              <a:solidFill>
+                <a:schemeClr val="lt1"/>
+              </a:solidFill>
+              <a:latin typeface="Calibri"/>
+              <a:ea typeface="Calibri"/>
+              <a:cs typeface="Calibri"/>
+              <a:sym typeface="Calibri"/>
+            </a:endParaRPr>
+          </a:p>
+        </p:txBody>
+      </p:sp>
+      <p:cxnSp>
+        <p:nvCxnSpPr>
+          <p:cNvPr id="210" name="Google Shape;210;p9">
+            <a:extLst>
+              <a:ext uri="{FF2B5EF4-FFF2-40B4-BE49-F238E27FC236}">
+                <a16:creationId xmlns:a16="http://schemas.microsoft.com/office/drawing/2014/main" id="{A84B009B-C79C-7E42-99B7-FFB2615527F7}"/>
+              </a:ext>
+            </a:extLst>
+          </p:cNvPr>
+          <p:cNvCxnSpPr>
+            <a:stCxn id="211" idx="1"/>
+            <a:endCxn id="203" idx="3"/>
+          </p:cNvCxnSpPr>
+          <p:nvPr/>
+        </p:nvCxnSpPr>
+        <p:spPr>
+          <a:xfrm flipH="1">
+            <a:off x="7433812" y="1610800"/>
+            <a:ext cx="1404900" cy="7800"/>
+          </a:xfrm>
+          <a:prstGeom prst="straightConnector1">
+            <a:avLst/>
+          </a:prstGeom>
+          <a:noFill/>
+          <a:ln w="38100" cap="flat" cmpd="sng">
+            <a:solidFill>
+              <a:schemeClr val="lt1"/>
+            </a:solidFill>
+            <a:prstDash val="solid"/>
+            <a:miter lim="800000"/>
+            <a:headEnd type="none" w="sm" len="sm"/>
+            <a:tailEnd type="triangle" w="med" len="med"/>
+          </a:ln>
+        </p:spPr>
+      </p:cxnSp>
+      <p:cxnSp>
+        <p:nvCxnSpPr>
+          <p:cNvPr id="212" name="Google Shape;212;p9">
+            <a:extLst>
+              <a:ext uri="{FF2B5EF4-FFF2-40B4-BE49-F238E27FC236}">
+                <a16:creationId xmlns:a16="http://schemas.microsoft.com/office/drawing/2014/main" id="{126D9F92-293F-CE05-E8E2-D8EEF60B03DD}"/>
+              </a:ext>
+            </a:extLst>
+          </p:cNvPr>
+          <p:cNvCxnSpPr>
+            <a:stCxn id="213" idx="1"/>
+            <a:endCxn id="204" idx="3"/>
+          </p:cNvCxnSpPr>
+          <p:nvPr/>
+        </p:nvCxnSpPr>
+        <p:spPr>
+          <a:xfrm flipH="1">
+            <a:off x="7433845" y="3181284"/>
+            <a:ext cx="1049459" cy="11356"/>
+          </a:xfrm>
+          <a:prstGeom prst="straightConnector1">
+            <a:avLst/>
+          </a:prstGeom>
+          <a:noFill/>
+          <a:ln w="38100" cap="flat" cmpd="sng">
+            <a:solidFill>
+              <a:schemeClr val="lt1"/>
+            </a:solidFill>
+            <a:prstDash val="solid"/>
+            <a:miter lim="800000"/>
+            <a:headEnd type="none" w="sm" len="sm"/>
+            <a:tailEnd type="triangle" w="med" len="med"/>
+          </a:ln>
+        </p:spPr>
+      </p:cxnSp>
+      <p:cxnSp>
+        <p:nvCxnSpPr>
+          <p:cNvPr id="217" name="Google Shape;217;p9">
+            <a:extLst>
+              <a:ext uri="{FF2B5EF4-FFF2-40B4-BE49-F238E27FC236}">
+                <a16:creationId xmlns:a16="http://schemas.microsoft.com/office/drawing/2014/main" id="{DB76A52F-D9C3-0971-1F29-75A8EC55A80B}"/>
+              </a:ext>
+            </a:extLst>
+          </p:cNvPr>
+          <p:cNvCxnSpPr>
+            <a:stCxn id="205" idx="2"/>
+            <a:endCxn id="218" idx="3"/>
+          </p:cNvCxnSpPr>
+          <p:nvPr/>
+        </p:nvCxnSpPr>
+        <p:spPr>
+          <a:xfrm flipH="1">
+            <a:off x="9208028" y="4496661"/>
+            <a:ext cx="605100" cy="435300"/>
+          </a:xfrm>
+          <a:prstGeom prst="straightConnector1">
+            <a:avLst/>
+          </a:prstGeom>
+          <a:noFill/>
+          <a:ln w="38100" cap="flat" cmpd="sng">
+            <a:solidFill>
+              <a:schemeClr val="lt1"/>
+            </a:solidFill>
+            <a:prstDash val="solid"/>
+            <a:miter lim="800000"/>
+            <a:headEnd type="triangle" w="med" len="med"/>
+            <a:tailEnd type="triangle" w="med" len="med"/>
+          </a:ln>
+        </p:spPr>
+      </p:cxnSp>
+      <p:sp>
+        <p:nvSpPr>
+          <p:cNvPr id="211" name="Google Shape;211;p9">
+            <a:extLst>
+              <a:ext uri="{FF2B5EF4-FFF2-40B4-BE49-F238E27FC236}">
+                <a16:creationId xmlns:a16="http://schemas.microsoft.com/office/drawing/2014/main" id="{E0470F89-03BE-1F1E-B1DA-04FC7A5B901E}"/>
+              </a:ext>
+            </a:extLst>
+          </p:cNvPr>
+          <p:cNvSpPr/>
+          <p:nvPr/>
+        </p:nvSpPr>
+        <p:spPr>
+          <a:xfrm>
+            <a:off x="8838712" y="1385733"/>
+            <a:ext cx="1439996" cy="450133"/>
+          </a:xfrm>
+          <a:prstGeom prst="roundRect">
+            <a:avLst>
+              <a:gd name="adj" fmla="val 16667"/>
+            </a:avLst>
+          </a:prstGeom>
+          <a:gradFill>
+            <a:gsLst>
+              <a:gs pos="0">
+                <a:srgbClr val="9A9A9A"/>
+              </a:gs>
+              <a:gs pos="50000">
+                <a:srgbClr val="8D8D8D"/>
+              </a:gs>
+              <a:gs pos="100000">
+                <a:srgbClr val="787878"/>
+              </a:gs>
+            </a:gsLst>
+            <a:lin ang="5400000" scaled="0"/>
+          </a:gradFill>
+          <a:ln w="9525" cap="flat" cmpd="sng">
+            <a:solidFill>
+              <a:schemeClr val="dk1"/>
+            </a:solidFill>
+            <a:prstDash val="solid"/>
+            <a:miter lim="800000"/>
+            <a:headEnd type="none" w="sm" len="sm"/>
+            <a:tailEnd type="none" w="sm" len="sm"/>
+          </a:ln>
+        </p:spPr>
+        <p:txBody>
+          <a:bodyPr spcFirstLastPara="1" wrap="square" lIns="91425" tIns="45700" rIns="91425" bIns="45700" anchor="ctr" anchorCtr="0">
+            <a:noAutofit/>
+          </a:bodyPr>
+          <a:lstStyle/>
+          <a:p>
+            <a:pPr marL="0" marR="0" lvl="0" indent="0" algn="ctr" rtl="0">
+              <a:spcBef>
+                <a:spcPts val="0"/>
+              </a:spcBef>
+              <a:spcAft>
+                <a:spcPts val="0"/>
+              </a:spcAft>
+              <a:buNone/>
+            </a:pPr>
+            <a:r>
+              <a:rPr lang="en-US" sz="1800">
+                <a:solidFill>
+                  <a:schemeClr val="dk1"/>
+                </a:solidFill>
+                <a:latin typeface="Calibri"/>
+                <a:ea typeface="Calibri"/>
+                <a:cs typeface="Calibri"/>
+                <a:sym typeface="Calibri"/>
+              </a:rPr>
+              <a:t>urls.py</a:t>
+            </a:r>
+            <a:endParaRPr sz="1800">
+              <a:solidFill>
+                <a:schemeClr val="dk1"/>
+              </a:solidFill>
+              <a:latin typeface="Calibri"/>
+              <a:ea typeface="Calibri"/>
+              <a:cs typeface="Calibri"/>
+              <a:sym typeface="Calibri"/>
+            </a:endParaRPr>
+          </a:p>
+        </p:txBody>
+      </p:sp>
+      <p:sp>
+        <p:nvSpPr>
+          <p:cNvPr id="213" name="Google Shape;213;p9">
+            <a:extLst>
+              <a:ext uri="{FF2B5EF4-FFF2-40B4-BE49-F238E27FC236}">
+                <a16:creationId xmlns:a16="http://schemas.microsoft.com/office/drawing/2014/main" id="{783C4A9A-6C5B-EF64-3D77-DC641E4BB513}"/>
+              </a:ext>
+            </a:extLst>
+          </p:cNvPr>
+          <p:cNvSpPr/>
+          <p:nvPr/>
+        </p:nvSpPr>
+        <p:spPr>
+          <a:xfrm>
+            <a:off x="8483304" y="2922866"/>
+            <a:ext cx="1308844" cy="516836"/>
+          </a:xfrm>
+          <a:prstGeom prst="roundRect">
+            <a:avLst>
+              <a:gd name="adj" fmla="val 16667"/>
+            </a:avLst>
+          </a:prstGeom>
+          <a:gradFill>
+            <a:gsLst>
+              <a:gs pos="0">
+                <a:srgbClr val="9A9A9A"/>
+              </a:gs>
+              <a:gs pos="50000">
+                <a:srgbClr val="8D8D8D"/>
+              </a:gs>
+              <a:gs pos="100000">
+                <a:srgbClr val="787878"/>
+              </a:gs>
+            </a:gsLst>
+            <a:lin ang="5400000" scaled="0"/>
+          </a:gradFill>
+          <a:ln w="9525" cap="flat" cmpd="sng">
+            <a:solidFill>
+              <a:schemeClr val="dk1"/>
+            </a:solidFill>
+            <a:prstDash val="solid"/>
+            <a:miter lim="800000"/>
+            <a:headEnd type="none" w="sm" len="sm"/>
+            <a:tailEnd type="none" w="sm" len="sm"/>
+          </a:ln>
+        </p:spPr>
+        <p:txBody>
+          <a:bodyPr spcFirstLastPara="1" wrap="square" lIns="91425" tIns="45700" rIns="91425" bIns="45700" anchor="ctr" anchorCtr="0">
+            <a:noAutofit/>
+          </a:bodyPr>
+          <a:lstStyle/>
+          <a:p>
+            <a:pPr marL="0" marR="0" lvl="0" indent="0" algn="ctr" rtl="0">
+              <a:spcBef>
+                <a:spcPts val="0"/>
+              </a:spcBef>
+              <a:spcAft>
+                <a:spcPts val="0"/>
+              </a:spcAft>
+              <a:buNone/>
+            </a:pPr>
+            <a:r>
+              <a:rPr lang="en-US" sz="1800" dirty="0" err="1">
+                <a:solidFill>
+                  <a:schemeClr val="dk1"/>
+                </a:solidFill>
+                <a:latin typeface="Calibri"/>
+                <a:ea typeface="Calibri"/>
+                <a:cs typeface="Calibri"/>
+                <a:sym typeface="Calibri"/>
+              </a:rPr>
+              <a:t>views.py</a:t>
+            </a:r>
+            <a:endParaRPr sz="1800" dirty="0">
+              <a:solidFill>
+                <a:schemeClr val="dk1"/>
+              </a:solidFill>
+              <a:latin typeface="Calibri"/>
+              <a:ea typeface="Calibri"/>
+              <a:cs typeface="Calibri"/>
+              <a:sym typeface="Calibri"/>
+            </a:endParaRPr>
+          </a:p>
+        </p:txBody>
+      </p:sp>
+      <p:sp>
+        <p:nvSpPr>
+          <p:cNvPr id="218" name="Google Shape;218;p9">
+            <a:extLst>
+              <a:ext uri="{FF2B5EF4-FFF2-40B4-BE49-F238E27FC236}">
+                <a16:creationId xmlns:a16="http://schemas.microsoft.com/office/drawing/2014/main" id="{4596A867-DD83-23DA-D57C-185CA138EB31}"/>
+              </a:ext>
+            </a:extLst>
+          </p:cNvPr>
+          <p:cNvSpPr/>
+          <p:nvPr/>
+        </p:nvSpPr>
+        <p:spPr>
+          <a:xfrm>
+            <a:off x="8121287" y="4415134"/>
+            <a:ext cx="1086678" cy="1033669"/>
+          </a:xfrm>
+          <a:prstGeom prst="roundRect">
+            <a:avLst>
+              <a:gd name="adj" fmla="val 16667"/>
+            </a:avLst>
+          </a:prstGeom>
+          <a:solidFill>
+            <a:srgbClr val="0070C0"/>
+          </a:solidFill>
+          <a:ln w="9525" cap="flat" cmpd="sng">
+            <a:solidFill>
+              <a:schemeClr val="dk1"/>
+            </a:solidFill>
+            <a:prstDash val="solid"/>
+            <a:miter lim="800000"/>
+            <a:headEnd type="none" w="sm" len="sm"/>
+            <a:tailEnd type="none" w="sm" len="sm"/>
+          </a:ln>
+        </p:spPr>
+        <p:txBody>
+          <a:bodyPr spcFirstLastPara="1" wrap="square" lIns="91425" tIns="45700" rIns="91425" bIns="45700" anchor="ctr" anchorCtr="0">
+            <a:noAutofit/>
+          </a:bodyPr>
+          <a:lstStyle/>
+          <a:p>
+            <a:pPr marL="0" marR="0" lvl="0" indent="0" algn="ctr" rtl="0">
+              <a:spcBef>
+                <a:spcPts val="0"/>
+              </a:spcBef>
+              <a:spcAft>
+                <a:spcPts val="0"/>
+              </a:spcAft>
+              <a:buNone/>
+            </a:pPr>
+            <a:r>
+              <a:rPr lang="en-US" sz="1800">
+                <a:solidFill>
+                  <a:schemeClr val="lt1"/>
+                </a:solidFill>
+                <a:latin typeface="Calibri"/>
+                <a:ea typeface="Calibri"/>
+                <a:cs typeface="Calibri"/>
+                <a:sym typeface="Calibri"/>
+              </a:rPr>
+              <a:t>Models</a:t>
+            </a:r>
+            <a:endParaRPr/>
+          </a:p>
+        </p:txBody>
+      </p:sp>
+      <p:cxnSp>
+        <p:nvCxnSpPr>
+          <p:cNvPr id="219" name="Google Shape;219;p9">
+            <a:extLst>
+              <a:ext uri="{FF2B5EF4-FFF2-40B4-BE49-F238E27FC236}">
+                <a16:creationId xmlns:a16="http://schemas.microsoft.com/office/drawing/2014/main" id="{B08EBF41-3DFB-6FB7-CA27-8E792BCC2FEA}"/>
+              </a:ext>
+            </a:extLst>
+          </p:cNvPr>
+          <p:cNvCxnSpPr>
+            <a:stCxn id="220" idx="1"/>
+            <a:endCxn id="218" idx="3"/>
+          </p:cNvCxnSpPr>
+          <p:nvPr/>
+        </p:nvCxnSpPr>
+        <p:spPr>
+          <a:xfrm rot="10800000">
+            <a:off x="9207828" y="4931903"/>
+            <a:ext cx="682500" cy="516900"/>
+          </a:xfrm>
+          <a:prstGeom prst="straightConnector1">
+            <a:avLst/>
+          </a:prstGeom>
+          <a:noFill/>
+          <a:ln w="38100" cap="flat" cmpd="sng">
+            <a:solidFill>
+              <a:schemeClr val="lt1"/>
+            </a:solidFill>
+            <a:prstDash val="solid"/>
+            <a:miter lim="800000"/>
+            <a:headEnd type="none" w="sm" len="sm"/>
+            <a:tailEnd type="triangle" w="med" len="med"/>
+          </a:ln>
+        </p:spPr>
+      </p:cxnSp>
+      <p:cxnSp>
+        <p:nvCxnSpPr>
+          <p:cNvPr id="221" name="Google Shape;221;p9">
+            <a:extLst>
+              <a:ext uri="{FF2B5EF4-FFF2-40B4-BE49-F238E27FC236}">
+                <a16:creationId xmlns:a16="http://schemas.microsoft.com/office/drawing/2014/main" id="{4D441123-3351-ABB2-0433-85BC8C9D681E}"/>
+              </a:ext>
+            </a:extLst>
+          </p:cNvPr>
+          <p:cNvCxnSpPr>
+            <a:endCxn id="204" idx="0"/>
+          </p:cNvCxnSpPr>
+          <p:nvPr/>
+        </p:nvCxnSpPr>
+        <p:spPr>
+          <a:xfrm>
+            <a:off x="6890506" y="2135505"/>
+            <a:ext cx="0" cy="540300"/>
+          </a:xfrm>
+          <a:prstGeom prst="straightConnector1">
+            <a:avLst/>
+          </a:prstGeom>
+          <a:noFill/>
+          <a:ln w="38100" cap="flat" cmpd="sng">
+            <a:solidFill>
+              <a:srgbClr val="FFFF00"/>
+            </a:solidFill>
+            <a:prstDash val="solid"/>
+            <a:miter lim="800000"/>
+            <a:headEnd type="none" w="sm" len="sm"/>
+            <a:tailEnd type="triangle" w="med" len="med"/>
+          </a:ln>
+        </p:spPr>
+      </p:cxnSp>
+      <p:sp>
+        <p:nvSpPr>
+          <p:cNvPr id="223" name="Google Shape;223;p9">
+            <a:extLst>
+              <a:ext uri="{FF2B5EF4-FFF2-40B4-BE49-F238E27FC236}">
+                <a16:creationId xmlns:a16="http://schemas.microsoft.com/office/drawing/2014/main" id="{168DA159-FAC4-3807-F32F-5040AA80C339}"/>
+              </a:ext>
+            </a:extLst>
+          </p:cNvPr>
+          <p:cNvSpPr/>
+          <p:nvPr/>
+        </p:nvSpPr>
+        <p:spPr>
+          <a:xfrm>
+            <a:off x="3585593" y="2064215"/>
+            <a:ext cx="934720" cy="653442"/>
+          </a:xfrm>
+          <a:prstGeom prst="cloudCallout">
+            <a:avLst>
+              <a:gd name="adj1" fmla="val 906"/>
+              <a:gd name="adj2" fmla="val -1249"/>
+            </a:avLst>
+          </a:prstGeom>
+          <a:solidFill>
+            <a:srgbClr val="FEFEFE"/>
+          </a:solidFill>
+          <a:ln>
+            <a:noFill/>
+          </a:ln>
+        </p:spPr>
+        <p:txBody>
+          <a:bodyPr spcFirstLastPara="1" wrap="square" lIns="91425" tIns="45700" rIns="91425" bIns="45700" anchor="ctr" anchorCtr="0">
+            <a:noAutofit/>
+          </a:bodyPr>
+          <a:lstStyle/>
+          <a:p>
+            <a:pPr marL="0" marR="0" lvl="0" indent="0" algn="ctr" rtl="0">
+              <a:spcBef>
+                <a:spcPts val="0"/>
+              </a:spcBef>
+              <a:spcAft>
+                <a:spcPts val="0"/>
+              </a:spcAft>
+              <a:buNone/>
+            </a:pPr>
+            <a:endParaRPr sz="1800">
+              <a:solidFill>
+                <a:schemeClr val="lt1"/>
+              </a:solidFill>
+              <a:latin typeface="Calibri"/>
+              <a:ea typeface="Calibri"/>
+              <a:cs typeface="Calibri"/>
+              <a:sym typeface="Calibri"/>
+            </a:endParaRPr>
+          </a:p>
+        </p:txBody>
+      </p:sp>
+      <p:sp>
+        <p:nvSpPr>
+          <p:cNvPr id="220" name="Google Shape;220;p9">
+            <a:extLst>
+              <a:ext uri="{FF2B5EF4-FFF2-40B4-BE49-F238E27FC236}">
+                <a16:creationId xmlns:a16="http://schemas.microsoft.com/office/drawing/2014/main" id="{B8A8B7D5-EF18-30BA-362B-595B27F0B1C1}"/>
+              </a:ext>
+            </a:extLst>
+          </p:cNvPr>
+          <p:cNvSpPr/>
+          <p:nvPr/>
+        </p:nvSpPr>
+        <p:spPr>
+          <a:xfrm>
+            <a:off x="9890328" y="5197960"/>
+            <a:ext cx="1357391" cy="501686"/>
+          </a:xfrm>
+          <a:prstGeom prst="roundRect">
+            <a:avLst>
+              <a:gd name="adj" fmla="val 16667"/>
+            </a:avLst>
+          </a:prstGeom>
+          <a:gradFill>
+            <a:gsLst>
+              <a:gs pos="0">
+                <a:srgbClr val="9A9A9A"/>
+              </a:gs>
+              <a:gs pos="50000">
+                <a:srgbClr val="8D8D8D"/>
+              </a:gs>
+              <a:gs pos="100000">
+                <a:srgbClr val="787878"/>
+              </a:gs>
+            </a:gsLst>
+            <a:lin ang="5400000" scaled="0"/>
+          </a:gradFill>
+          <a:ln w="9525" cap="flat" cmpd="sng">
+            <a:solidFill>
+              <a:schemeClr val="dk1"/>
+            </a:solidFill>
+            <a:prstDash val="solid"/>
+            <a:miter lim="800000"/>
+            <a:headEnd type="none" w="sm" len="sm"/>
+            <a:tailEnd type="none" w="sm" len="sm"/>
+          </a:ln>
+        </p:spPr>
+        <p:txBody>
+          <a:bodyPr spcFirstLastPara="1" wrap="square" lIns="91425" tIns="45700" rIns="91425" bIns="45700" anchor="ctr" anchorCtr="0">
+            <a:noAutofit/>
+          </a:bodyPr>
+          <a:lstStyle/>
+          <a:p>
+            <a:pPr marL="0" marR="0" lvl="0" indent="0" algn="ctr" rtl="0">
+              <a:spcBef>
+                <a:spcPts val="0"/>
+              </a:spcBef>
+              <a:spcAft>
+                <a:spcPts val="0"/>
+              </a:spcAft>
+              <a:buNone/>
+            </a:pPr>
+            <a:r>
+              <a:rPr lang="en-US" sz="1800">
+                <a:solidFill>
+                  <a:schemeClr val="dk1"/>
+                </a:solidFill>
+                <a:latin typeface="Calibri"/>
+                <a:ea typeface="Calibri"/>
+                <a:cs typeface="Calibri"/>
+                <a:sym typeface="Calibri"/>
+              </a:rPr>
+              <a:t>models.py</a:t>
+            </a:r>
+            <a:endParaRPr sz="1800">
+              <a:solidFill>
+                <a:schemeClr val="dk1"/>
+              </a:solidFill>
+              <a:latin typeface="Calibri"/>
+              <a:ea typeface="Calibri"/>
+              <a:cs typeface="Calibri"/>
+              <a:sym typeface="Calibri"/>
+            </a:endParaRPr>
+          </a:p>
+        </p:txBody>
+      </p:sp>
+      <p:sp>
+        <p:nvSpPr>
+          <p:cNvPr id="224" name="Google Shape;224;p9">
+            <a:extLst>
+              <a:ext uri="{FF2B5EF4-FFF2-40B4-BE49-F238E27FC236}">
+                <a16:creationId xmlns:a16="http://schemas.microsoft.com/office/drawing/2014/main" id="{79BC669A-8F1D-739E-EB32-F1D9666A313C}"/>
+              </a:ext>
+            </a:extLst>
+          </p:cNvPr>
+          <p:cNvSpPr/>
+          <p:nvPr/>
+        </p:nvSpPr>
+        <p:spPr>
+          <a:xfrm>
+            <a:off x="1078762" y="404637"/>
+            <a:ext cx="516835" cy="6105958"/>
+          </a:xfrm>
+          <a:prstGeom prst="rect">
+            <a:avLst/>
+          </a:prstGeom>
+          <a:solidFill>
+            <a:srgbClr val="002060"/>
+          </a:solidFill>
+          <a:ln w="38100" cap="flat" cmpd="sng">
+            <a:solidFill>
+              <a:schemeClr val="dk1"/>
+            </a:solidFill>
+            <a:prstDash val="solid"/>
+            <a:miter lim="800000"/>
+            <a:headEnd type="none" w="sm" len="sm"/>
+            <a:tailEnd type="none" w="sm" len="sm"/>
+          </a:ln>
+        </p:spPr>
+        <p:txBody>
+          <a:bodyPr spcFirstLastPara="1" wrap="square" lIns="91425" tIns="45700" rIns="91425" bIns="45700" anchor="ctr" anchorCtr="0">
+            <a:noAutofit/>
+          </a:bodyPr>
+          <a:lstStyle/>
+          <a:p>
+            <a:pPr marL="0" marR="0" lvl="0" indent="0" algn="ctr" rtl="0">
+              <a:spcBef>
+                <a:spcPts val="0"/>
+              </a:spcBef>
+              <a:spcAft>
+                <a:spcPts val="0"/>
+              </a:spcAft>
+              <a:buNone/>
+            </a:pPr>
+            <a:r>
+              <a:rPr lang="en-US" sz="1800">
+                <a:solidFill>
+                  <a:schemeClr val="lt1"/>
+                </a:solidFill>
+                <a:latin typeface="Calibri"/>
+                <a:ea typeface="Calibri"/>
+                <a:cs typeface="Calibri"/>
+                <a:sym typeface="Calibri"/>
+              </a:rPr>
+              <a:t>D</a:t>
+            </a:r>
+            <a:endParaRPr/>
+          </a:p>
+          <a:p>
+            <a:pPr marL="0" marR="0" lvl="0" indent="0" algn="ctr" rtl="0">
+              <a:spcBef>
+                <a:spcPts val="0"/>
+              </a:spcBef>
+              <a:spcAft>
+                <a:spcPts val="0"/>
+              </a:spcAft>
+              <a:buNone/>
+            </a:pPr>
+            <a:r>
+              <a:rPr lang="en-US" sz="1800">
+                <a:solidFill>
+                  <a:schemeClr val="lt1"/>
+                </a:solidFill>
+                <a:latin typeface="Calibri"/>
+                <a:ea typeface="Calibri"/>
+                <a:cs typeface="Calibri"/>
+                <a:sym typeface="Calibri"/>
+              </a:rPr>
+              <a:t>O</a:t>
+            </a:r>
+            <a:endParaRPr/>
+          </a:p>
+          <a:p>
+            <a:pPr marL="0" marR="0" lvl="0" indent="0" algn="ctr" rtl="0">
+              <a:spcBef>
+                <a:spcPts val="0"/>
+              </a:spcBef>
+              <a:spcAft>
+                <a:spcPts val="0"/>
+              </a:spcAft>
+              <a:buNone/>
+            </a:pPr>
+            <a:r>
+              <a:rPr lang="en-US" sz="1800">
+                <a:solidFill>
+                  <a:schemeClr val="lt1"/>
+                </a:solidFill>
+                <a:latin typeface="Calibri"/>
+                <a:ea typeface="Calibri"/>
+                <a:cs typeface="Calibri"/>
+                <a:sym typeface="Calibri"/>
+              </a:rPr>
+              <a:t>M</a:t>
+            </a:r>
+            <a:endParaRPr/>
+          </a:p>
+        </p:txBody>
+      </p:sp>
+      <p:sp>
+        <p:nvSpPr>
+          <p:cNvPr id="225" name="Google Shape;225;p9">
+            <a:extLst>
+              <a:ext uri="{FF2B5EF4-FFF2-40B4-BE49-F238E27FC236}">
+                <a16:creationId xmlns:a16="http://schemas.microsoft.com/office/drawing/2014/main" id="{0D686A37-9B03-EF50-0CFF-8D11C4CDAE65}"/>
+              </a:ext>
+            </a:extLst>
+          </p:cNvPr>
+          <p:cNvSpPr/>
+          <p:nvPr/>
+        </p:nvSpPr>
+        <p:spPr>
+          <a:xfrm>
+            <a:off x="2088487" y="2703730"/>
+            <a:ext cx="1230519" cy="947790"/>
+          </a:xfrm>
+          <a:prstGeom prst="roundRect">
+            <a:avLst>
+              <a:gd name="adj" fmla="val 16667"/>
+            </a:avLst>
+          </a:prstGeom>
+          <a:solidFill>
+            <a:srgbClr val="002060"/>
+          </a:solidFill>
+          <a:ln>
+            <a:noFill/>
+          </a:ln>
+        </p:spPr>
+        <p:txBody>
+          <a:bodyPr spcFirstLastPara="1" wrap="square" lIns="91425" tIns="45700" rIns="91425" bIns="45700" anchor="ctr" anchorCtr="0">
+            <a:noAutofit/>
+          </a:bodyPr>
+          <a:lstStyle/>
+          <a:p>
+            <a:pPr marL="0" marR="0" lvl="0" indent="0" algn="ctr" rtl="0">
+              <a:spcBef>
+                <a:spcPts val="0"/>
+              </a:spcBef>
+              <a:spcAft>
+                <a:spcPts val="0"/>
+              </a:spcAft>
+              <a:buNone/>
+            </a:pPr>
+            <a:r>
+              <a:rPr lang="en-US" sz="1800">
+                <a:solidFill>
+                  <a:schemeClr val="lt1"/>
+                </a:solidFill>
+                <a:latin typeface="Calibri"/>
+                <a:ea typeface="Calibri"/>
+                <a:cs typeface="Calibri"/>
+                <a:sym typeface="Calibri"/>
+              </a:rPr>
+              <a:t>Parse</a:t>
+            </a:r>
+            <a:endParaRPr/>
+          </a:p>
+          <a:p>
+            <a:pPr marL="0" marR="0" lvl="0" indent="0" algn="ctr" rtl="0">
+              <a:spcBef>
+                <a:spcPts val="0"/>
+              </a:spcBef>
+              <a:spcAft>
+                <a:spcPts val="0"/>
+              </a:spcAft>
+              <a:buNone/>
+            </a:pPr>
+            <a:r>
+              <a:rPr lang="en-US" sz="1800">
+                <a:solidFill>
+                  <a:schemeClr val="lt1"/>
+                </a:solidFill>
+                <a:latin typeface="Calibri"/>
+                <a:ea typeface="Calibri"/>
+                <a:cs typeface="Calibri"/>
+                <a:sym typeface="Calibri"/>
+              </a:rPr>
+              <a:t>Response</a:t>
+            </a:r>
+            <a:endParaRPr/>
+          </a:p>
+        </p:txBody>
+      </p:sp>
+      <p:sp>
+        <p:nvSpPr>
+          <p:cNvPr id="226" name="Google Shape;226;p9">
+            <a:extLst>
+              <a:ext uri="{FF2B5EF4-FFF2-40B4-BE49-F238E27FC236}">
+                <a16:creationId xmlns:a16="http://schemas.microsoft.com/office/drawing/2014/main" id="{DECA85CE-3DBB-B034-288D-ABD9103D2DD5}"/>
+              </a:ext>
+            </a:extLst>
+          </p:cNvPr>
+          <p:cNvSpPr/>
+          <p:nvPr/>
+        </p:nvSpPr>
+        <p:spPr>
+          <a:xfrm>
+            <a:off x="1908003" y="4073744"/>
+            <a:ext cx="1419280" cy="2345410"/>
+          </a:xfrm>
+          <a:prstGeom prst="rect">
+            <a:avLst/>
+          </a:prstGeom>
+          <a:solidFill>
+            <a:srgbClr val="7F7F7F"/>
+          </a:solidFill>
+          <a:ln w="28575" cap="flat" cmpd="sng">
+            <a:solidFill>
+              <a:schemeClr val="lt1"/>
+            </a:solidFill>
+            <a:prstDash val="solid"/>
+            <a:miter lim="800000"/>
+            <a:headEnd type="none" w="sm" len="sm"/>
+            <a:tailEnd type="none" w="sm" len="sm"/>
+          </a:ln>
+        </p:spPr>
+        <p:txBody>
+          <a:bodyPr spcFirstLastPara="1" wrap="square" lIns="91425" tIns="45700" rIns="91425" bIns="45700" anchor="b" anchorCtr="0">
+            <a:noAutofit/>
+          </a:bodyPr>
+          <a:lstStyle/>
+          <a:p>
+            <a:pPr marL="0" marR="0" lvl="0" indent="0" algn="l" rtl="0">
+              <a:spcBef>
+                <a:spcPts val="0"/>
+              </a:spcBef>
+              <a:spcAft>
+                <a:spcPts val="0"/>
+              </a:spcAft>
+              <a:buNone/>
+            </a:pPr>
+            <a:r>
+              <a:rPr lang="en-US" sz="1800">
+                <a:solidFill>
+                  <a:schemeClr val="lt1"/>
+                </a:solidFill>
+                <a:latin typeface="Calibri"/>
+                <a:ea typeface="Calibri"/>
+                <a:cs typeface="Calibri"/>
+                <a:sym typeface="Calibri"/>
+              </a:rPr>
+              <a:t>Javascript</a:t>
+            </a:r>
+            <a:endParaRPr sz="1800">
+              <a:solidFill>
+                <a:schemeClr val="lt1"/>
+              </a:solidFill>
+              <a:latin typeface="Calibri"/>
+              <a:ea typeface="Calibri"/>
+              <a:cs typeface="Calibri"/>
+              <a:sym typeface="Calibri"/>
+            </a:endParaRPr>
+          </a:p>
+        </p:txBody>
+      </p:sp>
+      <p:pic>
+        <p:nvPicPr>
+          <p:cNvPr id="227" name="Google Shape;227;p9">
+            <a:extLst>
+              <a:ext uri="{FF2B5EF4-FFF2-40B4-BE49-F238E27FC236}">
+                <a16:creationId xmlns:a16="http://schemas.microsoft.com/office/drawing/2014/main" id="{CD3690CB-5D3E-44B2-BAF2-BA44213C1A93}"/>
+              </a:ext>
+            </a:extLst>
+          </p:cNvPr>
+          <p:cNvPicPr preferRelativeResize="0"/>
+          <p:nvPr/>
+        </p:nvPicPr>
+        <p:blipFill rotWithShape="1">
+          <a:blip r:embed="rId3">
+            <a:alphaModFix/>
+          </a:blip>
+          <a:srcRect/>
+          <a:stretch/>
+        </p:blipFill>
+        <p:spPr>
+          <a:xfrm>
+            <a:off x="-412497" y="2609953"/>
+            <a:ext cx="1473755" cy="1105316"/>
+          </a:xfrm>
+          <a:prstGeom prst="rect">
+            <a:avLst/>
+          </a:prstGeom>
+          <a:noFill/>
+          <a:ln>
+            <a:noFill/>
+          </a:ln>
+        </p:spPr>
+      </p:pic>
+      <p:sp>
+        <p:nvSpPr>
+          <p:cNvPr id="228" name="Google Shape;228;p9">
+            <a:extLst>
+              <a:ext uri="{FF2B5EF4-FFF2-40B4-BE49-F238E27FC236}">
+                <a16:creationId xmlns:a16="http://schemas.microsoft.com/office/drawing/2014/main" id="{00D1E5D1-B77C-DD52-F804-98631B81D792}"/>
+              </a:ext>
+            </a:extLst>
+          </p:cNvPr>
+          <p:cNvSpPr/>
+          <p:nvPr/>
+        </p:nvSpPr>
+        <p:spPr>
+          <a:xfrm>
+            <a:off x="8102028" y="5683135"/>
+            <a:ext cx="1319815" cy="501686"/>
+          </a:xfrm>
+          <a:prstGeom prst="roundRect">
+            <a:avLst>
+              <a:gd name="adj" fmla="val 16667"/>
+            </a:avLst>
+          </a:prstGeom>
+          <a:gradFill>
+            <a:gsLst>
+              <a:gs pos="0">
+                <a:srgbClr val="9A9A9A"/>
+              </a:gs>
+              <a:gs pos="50000">
+                <a:srgbClr val="8D8D8D"/>
+              </a:gs>
+              <a:gs pos="100000">
+                <a:srgbClr val="787878"/>
+              </a:gs>
+            </a:gsLst>
+            <a:lin ang="5400000" scaled="0"/>
+          </a:gradFill>
+          <a:ln w="9525" cap="flat" cmpd="sng">
+            <a:solidFill>
+              <a:schemeClr val="dk1"/>
+            </a:solidFill>
+            <a:prstDash val="solid"/>
+            <a:miter lim="800000"/>
+            <a:headEnd type="none" w="sm" len="sm"/>
+            <a:tailEnd type="none" w="sm" len="sm"/>
+          </a:ln>
+        </p:spPr>
+        <p:txBody>
+          <a:bodyPr spcFirstLastPara="1" wrap="square" lIns="91425" tIns="45700" rIns="91425" bIns="45700" anchor="ctr" anchorCtr="0">
+            <a:noAutofit/>
+          </a:bodyPr>
+          <a:lstStyle/>
+          <a:p>
+            <a:pPr marL="0" marR="0" lvl="0" indent="0" algn="ctr" rtl="0">
+              <a:spcBef>
+                <a:spcPts val="0"/>
+              </a:spcBef>
+              <a:spcAft>
+                <a:spcPts val="0"/>
+              </a:spcAft>
+              <a:buNone/>
+            </a:pPr>
+            <a:r>
+              <a:rPr lang="en-US" sz="1800">
+                <a:solidFill>
+                  <a:schemeClr val="dk1"/>
+                </a:solidFill>
+                <a:latin typeface="Calibri"/>
+                <a:ea typeface="Calibri"/>
+                <a:cs typeface="Calibri"/>
+                <a:sym typeface="Calibri"/>
+              </a:rPr>
+              <a:t>admin.py</a:t>
+            </a:r>
+            <a:endParaRPr sz="1800">
+              <a:solidFill>
+                <a:schemeClr val="dk1"/>
+              </a:solidFill>
+              <a:latin typeface="Calibri"/>
+              <a:ea typeface="Calibri"/>
+              <a:cs typeface="Calibri"/>
+              <a:sym typeface="Calibri"/>
+            </a:endParaRPr>
+          </a:p>
+        </p:txBody>
+      </p:sp>
+      <p:sp>
+        <p:nvSpPr>
+          <p:cNvPr id="229" name="Google Shape;229;p9">
+            <a:extLst>
+              <a:ext uri="{FF2B5EF4-FFF2-40B4-BE49-F238E27FC236}">
+                <a16:creationId xmlns:a16="http://schemas.microsoft.com/office/drawing/2014/main" id="{DEDD25B2-918C-4E4C-D341-AF3C7F073AAA}"/>
+              </a:ext>
+            </a:extLst>
+          </p:cNvPr>
+          <p:cNvSpPr/>
+          <p:nvPr/>
+        </p:nvSpPr>
+        <p:spPr>
+          <a:xfrm>
+            <a:off x="6396262" y="4554654"/>
+            <a:ext cx="1086678" cy="592481"/>
+          </a:xfrm>
+          <a:prstGeom prst="roundRect">
+            <a:avLst>
+              <a:gd name="adj" fmla="val 16667"/>
+            </a:avLst>
+          </a:prstGeom>
+          <a:solidFill>
+            <a:srgbClr val="FF7F00"/>
+          </a:solidFill>
+          <a:ln w="9525" cap="flat" cmpd="sng">
+            <a:solidFill>
+              <a:schemeClr val="dk1"/>
+            </a:solidFill>
+            <a:prstDash val="solid"/>
+            <a:miter lim="800000"/>
+            <a:headEnd type="none" w="sm" len="sm"/>
+            <a:tailEnd type="none" w="sm" len="sm"/>
+          </a:ln>
+        </p:spPr>
+        <p:txBody>
+          <a:bodyPr spcFirstLastPara="1" wrap="square" lIns="91425" tIns="45700" rIns="91425" bIns="45700" anchor="ctr" anchorCtr="0">
+            <a:noAutofit/>
+          </a:bodyPr>
+          <a:lstStyle/>
+          <a:p>
+            <a:pPr marL="0" marR="0" lvl="0" indent="0" algn="ctr" rtl="0">
+              <a:spcBef>
+                <a:spcPts val="0"/>
+              </a:spcBef>
+              <a:spcAft>
+                <a:spcPts val="0"/>
+              </a:spcAft>
+              <a:buNone/>
+            </a:pPr>
+            <a:r>
+              <a:rPr lang="en-US" sz="1800">
+                <a:solidFill>
+                  <a:schemeClr val="dk1"/>
+                </a:solidFill>
+                <a:latin typeface="Calibri"/>
+                <a:ea typeface="Calibri"/>
+                <a:cs typeface="Calibri"/>
+                <a:sym typeface="Calibri"/>
+              </a:rPr>
+              <a:t>Shell</a:t>
+            </a:r>
+            <a:endParaRPr/>
+          </a:p>
+        </p:txBody>
+      </p:sp>
+      <p:cxnSp>
+        <p:nvCxnSpPr>
+          <p:cNvPr id="230" name="Google Shape;230;p9">
+            <a:extLst>
+              <a:ext uri="{FF2B5EF4-FFF2-40B4-BE49-F238E27FC236}">
+                <a16:creationId xmlns:a16="http://schemas.microsoft.com/office/drawing/2014/main" id="{3AF4A0C4-B52D-5E5D-C974-DB5E67FBD57F}"/>
+              </a:ext>
+            </a:extLst>
+          </p:cNvPr>
+          <p:cNvCxnSpPr>
+            <a:endCxn id="203" idx="1"/>
+          </p:cNvCxnSpPr>
+          <p:nvPr/>
+        </p:nvCxnSpPr>
+        <p:spPr>
+          <a:xfrm>
+            <a:off x="1337167" y="1543230"/>
+            <a:ext cx="5010000" cy="75300"/>
+          </a:xfrm>
+          <a:prstGeom prst="straightConnector1">
+            <a:avLst/>
+          </a:prstGeom>
+          <a:noFill/>
+          <a:ln w="38100" cap="flat" cmpd="sng">
+            <a:solidFill>
+              <a:srgbClr val="FFFF00"/>
+            </a:solidFill>
+            <a:prstDash val="solid"/>
+            <a:miter lim="800000"/>
+            <a:headEnd type="none" w="sm" len="sm"/>
+            <a:tailEnd type="triangle" w="med" len="med"/>
+          </a:ln>
+        </p:spPr>
+      </p:cxnSp>
+      <p:cxnSp>
+        <p:nvCxnSpPr>
+          <p:cNvPr id="231" name="Google Shape;231;p9">
+            <a:extLst>
+              <a:ext uri="{FF2B5EF4-FFF2-40B4-BE49-F238E27FC236}">
+                <a16:creationId xmlns:a16="http://schemas.microsoft.com/office/drawing/2014/main" id="{4FCB6870-85BE-08E5-E204-19C3E3B04226}"/>
+              </a:ext>
+            </a:extLst>
+          </p:cNvPr>
+          <p:cNvCxnSpPr>
+            <a:cxnSpLocks/>
+            <a:stCxn id="31" idx="1"/>
+            <a:endCxn id="4" idx="3"/>
+          </p:cNvCxnSpPr>
+          <p:nvPr/>
+        </p:nvCxnSpPr>
+        <p:spPr>
+          <a:xfrm flipH="1">
+            <a:off x="3184238" y="4118781"/>
+            <a:ext cx="3193167" cy="997391"/>
+          </a:xfrm>
+          <a:prstGeom prst="straightConnector1">
+            <a:avLst/>
+          </a:prstGeom>
+          <a:noFill/>
+          <a:ln w="38100" cap="flat" cmpd="sng">
+            <a:solidFill>
+              <a:srgbClr val="FFFF00"/>
+            </a:solidFill>
+            <a:prstDash val="solid"/>
+            <a:miter lim="800000"/>
+            <a:headEnd type="none" w="sm" len="sm"/>
+            <a:tailEnd type="triangle" w="med" len="med"/>
+          </a:ln>
+        </p:spPr>
+      </p:cxnSp>
+      <p:cxnSp>
+        <p:nvCxnSpPr>
+          <p:cNvPr id="232" name="Google Shape;232;p9">
+            <a:extLst>
+              <a:ext uri="{FF2B5EF4-FFF2-40B4-BE49-F238E27FC236}">
+                <a16:creationId xmlns:a16="http://schemas.microsoft.com/office/drawing/2014/main" id="{67A0BFEB-6ECA-7DAC-E8E1-0A2A1494E868}"/>
+              </a:ext>
+            </a:extLst>
+          </p:cNvPr>
+          <p:cNvCxnSpPr>
+            <a:stCxn id="225" idx="1"/>
+            <a:endCxn id="224" idx="3"/>
+          </p:cNvCxnSpPr>
+          <p:nvPr/>
+        </p:nvCxnSpPr>
+        <p:spPr>
+          <a:xfrm flipH="1">
+            <a:off x="1595587" y="3177625"/>
+            <a:ext cx="492900" cy="279900"/>
+          </a:xfrm>
+          <a:prstGeom prst="straightConnector1">
+            <a:avLst/>
+          </a:prstGeom>
+          <a:noFill/>
+          <a:ln w="38100" cap="flat" cmpd="sng">
+            <a:solidFill>
+              <a:srgbClr val="FFFF00"/>
+            </a:solidFill>
+            <a:prstDash val="solid"/>
+            <a:miter lim="800000"/>
+            <a:headEnd type="none" w="sm" len="sm"/>
+            <a:tailEnd type="triangle" w="med" len="med"/>
+          </a:ln>
+        </p:spPr>
+      </p:cxnSp>
+      <p:sp>
+        <p:nvSpPr>
+          <p:cNvPr id="233" name="Google Shape;233;p9">
+            <a:extLst>
+              <a:ext uri="{FF2B5EF4-FFF2-40B4-BE49-F238E27FC236}">
+                <a16:creationId xmlns:a16="http://schemas.microsoft.com/office/drawing/2014/main" id="{6E70115C-4263-F208-21EA-097948E3F768}"/>
+              </a:ext>
+            </a:extLst>
+          </p:cNvPr>
+          <p:cNvSpPr/>
+          <p:nvPr/>
+        </p:nvSpPr>
+        <p:spPr>
+          <a:xfrm>
+            <a:off x="6428560" y="5430454"/>
+            <a:ext cx="1086678" cy="592481"/>
+          </a:xfrm>
+          <a:prstGeom prst="roundRect">
+            <a:avLst>
+              <a:gd name="adj" fmla="val 16667"/>
+            </a:avLst>
+          </a:prstGeom>
+          <a:solidFill>
+            <a:srgbClr val="FF7F00"/>
+          </a:solidFill>
+          <a:ln w="9525" cap="flat" cmpd="sng">
+            <a:solidFill>
+              <a:schemeClr val="dk1"/>
+            </a:solidFill>
+            <a:prstDash val="solid"/>
+            <a:miter lim="800000"/>
+            <a:headEnd type="none" w="sm" len="sm"/>
+            <a:tailEnd type="none" w="sm" len="sm"/>
+          </a:ln>
+        </p:spPr>
+        <p:txBody>
+          <a:bodyPr spcFirstLastPara="1" wrap="square" lIns="91425" tIns="45700" rIns="91425" bIns="45700" anchor="ctr" anchorCtr="0">
+            <a:noAutofit/>
+          </a:bodyPr>
+          <a:lstStyle/>
+          <a:p>
+            <a:pPr marL="0" marR="0" lvl="0" indent="0" algn="ctr" rtl="0">
+              <a:spcBef>
+                <a:spcPts val="0"/>
+              </a:spcBef>
+              <a:spcAft>
+                <a:spcPts val="0"/>
+              </a:spcAft>
+              <a:buNone/>
+            </a:pPr>
+            <a:r>
+              <a:rPr lang="en-US" sz="1800">
+                <a:solidFill>
+                  <a:schemeClr val="dk1"/>
+                </a:solidFill>
+                <a:latin typeface="Calibri"/>
+                <a:ea typeface="Calibri"/>
+                <a:cs typeface="Calibri"/>
+                <a:sym typeface="Calibri"/>
+              </a:rPr>
+              <a:t>/admin</a:t>
+            </a:r>
+            <a:endParaRPr/>
+          </a:p>
+        </p:txBody>
+      </p:sp>
+      <p:cxnSp>
+        <p:nvCxnSpPr>
+          <p:cNvPr id="234" name="Google Shape;234;p9">
+            <a:extLst>
+              <a:ext uri="{FF2B5EF4-FFF2-40B4-BE49-F238E27FC236}">
+                <a16:creationId xmlns:a16="http://schemas.microsoft.com/office/drawing/2014/main" id="{0D80C8BA-69AE-8DC4-4D76-D8CE0CB0DC8C}"/>
+              </a:ext>
+            </a:extLst>
+          </p:cNvPr>
+          <p:cNvCxnSpPr>
+            <a:stCxn id="218" idx="1"/>
+            <a:endCxn id="229" idx="3"/>
+          </p:cNvCxnSpPr>
+          <p:nvPr/>
+        </p:nvCxnSpPr>
+        <p:spPr>
+          <a:xfrm flipH="1" flipV="1">
+            <a:off x="7482940" y="4850895"/>
+            <a:ext cx="638347" cy="81074"/>
+          </a:xfrm>
+          <a:prstGeom prst="straightConnector1">
+            <a:avLst/>
+          </a:prstGeom>
+          <a:noFill/>
+          <a:ln w="38100" cap="flat" cmpd="sng">
+            <a:solidFill>
+              <a:schemeClr val="lt1"/>
+            </a:solidFill>
+            <a:prstDash val="solid"/>
+            <a:miter lim="800000"/>
+            <a:headEnd type="none" w="sm" len="sm"/>
+            <a:tailEnd type="triangle" w="med" len="med"/>
+          </a:ln>
+        </p:spPr>
+      </p:cxnSp>
+      <p:cxnSp>
+        <p:nvCxnSpPr>
+          <p:cNvPr id="235" name="Google Shape;235;p9">
+            <a:extLst>
+              <a:ext uri="{FF2B5EF4-FFF2-40B4-BE49-F238E27FC236}">
+                <a16:creationId xmlns:a16="http://schemas.microsoft.com/office/drawing/2014/main" id="{3B471DAB-D0F1-F3DC-C2B4-6E9BA9E05483}"/>
+              </a:ext>
+            </a:extLst>
+          </p:cNvPr>
+          <p:cNvCxnSpPr>
+            <a:stCxn id="218" idx="1"/>
+            <a:endCxn id="233" idx="3"/>
+          </p:cNvCxnSpPr>
+          <p:nvPr/>
+        </p:nvCxnSpPr>
+        <p:spPr>
+          <a:xfrm flipH="1">
+            <a:off x="7515287" y="4931968"/>
+            <a:ext cx="606000" cy="794700"/>
+          </a:xfrm>
+          <a:prstGeom prst="straightConnector1">
+            <a:avLst/>
+          </a:prstGeom>
+          <a:noFill/>
+          <a:ln w="38100" cap="flat" cmpd="sng">
+            <a:solidFill>
+              <a:schemeClr val="lt1"/>
+            </a:solidFill>
+            <a:prstDash val="solid"/>
+            <a:miter lim="800000"/>
+            <a:headEnd type="triangle" w="med" len="med"/>
+            <a:tailEnd type="triangle" w="med" len="med"/>
+          </a:ln>
+        </p:spPr>
+      </p:cxnSp>
+      <p:cxnSp>
+        <p:nvCxnSpPr>
+          <p:cNvPr id="236" name="Google Shape;236;p9">
+            <a:extLst>
+              <a:ext uri="{FF2B5EF4-FFF2-40B4-BE49-F238E27FC236}">
+                <a16:creationId xmlns:a16="http://schemas.microsoft.com/office/drawing/2014/main" id="{FC1FE4F5-C895-AAAE-D3C6-8DAF199BAAE1}"/>
+              </a:ext>
+            </a:extLst>
+          </p:cNvPr>
+          <p:cNvCxnSpPr>
+            <a:stCxn id="228" idx="1"/>
+            <a:endCxn id="233" idx="3"/>
+          </p:cNvCxnSpPr>
+          <p:nvPr/>
+        </p:nvCxnSpPr>
+        <p:spPr>
+          <a:xfrm rot="10800000">
+            <a:off x="7515228" y="5726678"/>
+            <a:ext cx="586800" cy="207300"/>
+          </a:xfrm>
+          <a:prstGeom prst="straightConnector1">
+            <a:avLst/>
+          </a:prstGeom>
+          <a:noFill/>
+          <a:ln w="38100" cap="flat" cmpd="sng">
+            <a:solidFill>
+              <a:schemeClr val="lt1"/>
+            </a:solidFill>
+            <a:prstDash val="solid"/>
+            <a:miter lim="800000"/>
+            <a:headEnd type="none" w="sm" len="sm"/>
+            <a:tailEnd type="triangle" w="med" len="med"/>
+          </a:ln>
+        </p:spPr>
+      </p:cxnSp>
+      <p:cxnSp>
+        <p:nvCxnSpPr>
+          <p:cNvPr id="237" name="Google Shape;237;p9">
+            <a:extLst>
+              <a:ext uri="{FF2B5EF4-FFF2-40B4-BE49-F238E27FC236}">
+                <a16:creationId xmlns:a16="http://schemas.microsoft.com/office/drawing/2014/main" id="{256DBC71-3633-BE20-8963-8657A498ED24}"/>
+              </a:ext>
+            </a:extLst>
+          </p:cNvPr>
+          <p:cNvCxnSpPr>
+            <a:stCxn id="220" idx="1"/>
+            <a:endCxn id="228" idx="3"/>
+          </p:cNvCxnSpPr>
+          <p:nvPr/>
+        </p:nvCxnSpPr>
+        <p:spPr>
+          <a:xfrm flipH="1">
+            <a:off x="9421728" y="5448803"/>
+            <a:ext cx="468600" cy="485100"/>
+          </a:xfrm>
+          <a:prstGeom prst="straightConnector1">
+            <a:avLst/>
+          </a:prstGeom>
+          <a:noFill/>
+          <a:ln w="38100" cap="flat" cmpd="sng">
+            <a:solidFill>
+              <a:schemeClr val="lt1"/>
+            </a:solidFill>
+            <a:prstDash val="solid"/>
+            <a:miter lim="800000"/>
+            <a:headEnd type="none" w="sm" len="sm"/>
+            <a:tailEnd type="triangle" w="med" len="med"/>
+          </a:ln>
+        </p:spPr>
+      </p:cxnSp>
+      <p:cxnSp>
+        <p:nvCxnSpPr>
+          <p:cNvPr id="238" name="Google Shape;238;p9">
+            <a:extLst>
+              <a:ext uri="{FF2B5EF4-FFF2-40B4-BE49-F238E27FC236}">
+                <a16:creationId xmlns:a16="http://schemas.microsoft.com/office/drawing/2014/main" id="{1C382BA3-78D2-037F-35AC-FF097D12AA9F}"/>
+              </a:ext>
+            </a:extLst>
+          </p:cNvPr>
+          <p:cNvCxnSpPr>
+            <a:endCxn id="239" idx="2"/>
+          </p:cNvCxnSpPr>
+          <p:nvPr/>
+        </p:nvCxnSpPr>
+        <p:spPr>
+          <a:xfrm rot="10800000" flipH="1">
+            <a:off x="691331" y="1668102"/>
+            <a:ext cx="345600" cy="1384500"/>
+          </a:xfrm>
+          <a:prstGeom prst="straightConnector1">
+            <a:avLst/>
+          </a:prstGeom>
+          <a:noFill/>
+          <a:ln w="38100" cap="flat" cmpd="sng">
+            <a:solidFill>
+              <a:srgbClr val="FFFF00"/>
+            </a:solidFill>
+            <a:prstDash val="solid"/>
+            <a:miter lim="800000"/>
+            <a:headEnd type="none" w="sm" len="sm"/>
+            <a:tailEnd type="triangle" w="med" len="med"/>
+          </a:ln>
+        </p:spPr>
+      </p:cxnSp>
+      <p:cxnSp>
+        <p:nvCxnSpPr>
+          <p:cNvPr id="240" name="Google Shape;240;p9">
+            <a:extLst>
+              <a:ext uri="{FF2B5EF4-FFF2-40B4-BE49-F238E27FC236}">
+                <a16:creationId xmlns:a16="http://schemas.microsoft.com/office/drawing/2014/main" id="{FF881761-DCC4-D939-48F3-1A1545B48C47}"/>
+              </a:ext>
+            </a:extLst>
+          </p:cNvPr>
+          <p:cNvCxnSpPr>
+            <a:stCxn id="224" idx="1"/>
+          </p:cNvCxnSpPr>
+          <p:nvPr/>
+        </p:nvCxnSpPr>
+        <p:spPr>
+          <a:xfrm rot="10800000">
+            <a:off x="669262" y="3052616"/>
+            <a:ext cx="409500" cy="405000"/>
+          </a:xfrm>
+          <a:prstGeom prst="straightConnector1">
+            <a:avLst/>
+          </a:prstGeom>
+          <a:noFill/>
+          <a:ln w="38100" cap="flat" cmpd="sng">
+            <a:solidFill>
+              <a:srgbClr val="FFFF00"/>
+            </a:solidFill>
+            <a:prstDash val="solid"/>
+            <a:miter lim="800000"/>
+            <a:headEnd type="none" w="sm" len="sm"/>
+            <a:tailEnd type="triangle" w="med" len="med"/>
+          </a:ln>
+        </p:spPr>
+      </p:cxnSp>
+      <p:sp>
+        <p:nvSpPr>
+          <p:cNvPr id="239" name="Google Shape;239;p9">
+            <a:extLst>
+              <a:ext uri="{FF2B5EF4-FFF2-40B4-BE49-F238E27FC236}">
+                <a16:creationId xmlns:a16="http://schemas.microsoft.com/office/drawing/2014/main" id="{B11EECCC-DEA4-C97B-04FD-05AB6274B00F}"/>
+              </a:ext>
+            </a:extLst>
+          </p:cNvPr>
+          <p:cNvSpPr/>
+          <p:nvPr/>
+        </p:nvSpPr>
+        <p:spPr>
+          <a:xfrm>
+            <a:off x="692725" y="1396262"/>
+            <a:ext cx="688412" cy="271840"/>
+          </a:xfrm>
+          <a:prstGeom prst="roundRect">
+            <a:avLst>
+              <a:gd name="adj" fmla="val 16667"/>
+            </a:avLst>
+          </a:prstGeom>
+          <a:gradFill>
+            <a:gsLst>
+              <a:gs pos="0">
+                <a:srgbClr val="9A9A9A"/>
+              </a:gs>
+              <a:gs pos="50000">
+                <a:srgbClr val="8D8D8D"/>
+              </a:gs>
+              <a:gs pos="100000">
+                <a:srgbClr val="787878"/>
+              </a:gs>
+            </a:gsLst>
+            <a:lin ang="5400000" scaled="0"/>
+          </a:gradFill>
+          <a:ln w="9525" cap="flat" cmpd="sng">
+            <a:solidFill>
+              <a:schemeClr val="dk1"/>
+            </a:solidFill>
+            <a:prstDash val="solid"/>
+            <a:miter lim="800000"/>
+            <a:headEnd type="none" w="sm" len="sm"/>
+            <a:tailEnd type="none" w="sm" len="sm"/>
+          </a:ln>
+        </p:spPr>
+        <p:txBody>
+          <a:bodyPr spcFirstLastPara="1" wrap="square" lIns="91425" tIns="45700" rIns="91425" bIns="45700" anchor="ctr" anchorCtr="0">
+            <a:noAutofit/>
+          </a:bodyPr>
+          <a:lstStyle/>
+          <a:p>
+            <a:pPr marL="0" marR="0" lvl="0" indent="0" algn="ctr" rtl="0">
+              <a:spcBef>
+                <a:spcPts val="0"/>
+              </a:spcBef>
+              <a:spcAft>
+                <a:spcPts val="0"/>
+              </a:spcAft>
+              <a:buNone/>
+            </a:pPr>
+            <a:r>
+              <a:rPr lang="en-US" sz="1800">
+                <a:solidFill>
+                  <a:schemeClr val="dk1"/>
+                </a:solidFill>
+                <a:latin typeface="Calibri"/>
+                <a:ea typeface="Calibri"/>
+                <a:cs typeface="Calibri"/>
+                <a:sym typeface="Calibri"/>
+              </a:rPr>
+              <a:t>Click</a:t>
+            </a:r>
+            <a:endParaRPr/>
+          </a:p>
+        </p:txBody>
+      </p:sp>
+      <p:cxnSp>
+        <p:nvCxnSpPr>
+          <p:cNvPr id="241" name="Google Shape;241;p9">
+            <a:extLst>
+              <a:ext uri="{FF2B5EF4-FFF2-40B4-BE49-F238E27FC236}">
+                <a16:creationId xmlns:a16="http://schemas.microsoft.com/office/drawing/2014/main" id="{BFCC065E-EAC2-0266-EACB-FA2F2AA54950}"/>
+              </a:ext>
+            </a:extLst>
+          </p:cNvPr>
+          <p:cNvCxnSpPr/>
+          <p:nvPr/>
+        </p:nvCxnSpPr>
+        <p:spPr>
+          <a:xfrm>
+            <a:off x="6890506" y="2135365"/>
+            <a:ext cx="196094" cy="540440"/>
+          </a:xfrm>
+          <a:prstGeom prst="straightConnector1">
+            <a:avLst/>
+          </a:prstGeom>
+          <a:noFill/>
+          <a:ln w="38100" cap="flat" cmpd="sng">
+            <a:solidFill>
+              <a:srgbClr val="FFFF00"/>
+            </a:solidFill>
+            <a:prstDash val="solid"/>
+            <a:miter lim="800000"/>
+            <a:headEnd type="none" w="sm" len="sm"/>
+            <a:tailEnd type="triangle" w="med" len="med"/>
+          </a:ln>
+        </p:spPr>
+      </p:cxnSp>
+      <p:cxnSp>
+        <p:nvCxnSpPr>
+          <p:cNvPr id="242" name="Google Shape;242;p9">
+            <a:extLst>
+              <a:ext uri="{FF2B5EF4-FFF2-40B4-BE49-F238E27FC236}">
+                <a16:creationId xmlns:a16="http://schemas.microsoft.com/office/drawing/2014/main" id="{E653AF87-169F-2BFB-7874-4F52E35B7FB0}"/>
+              </a:ext>
+            </a:extLst>
+          </p:cNvPr>
+          <p:cNvCxnSpPr/>
+          <p:nvPr/>
+        </p:nvCxnSpPr>
+        <p:spPr>
+          <a:xfrm flipH="1">
+            <a:off x="6629400" y="2135365"/>
+            <a:ext cx="261106" cy="540440"/>
+          </a:xfrm>
+          <a:prstGeom prst="straightConnector1">
+            <a:avLst/>
+          </a:prstGeom>
+          <a:noFill/>
+          <a:ln w="38100" cap="flat" cmpd="sng">
+            <a:solidFill>
+              <a:srgbClr val="FFFF00"/>
+            </a:solidFill>
+            <a:prstDash val="solid"/>
+            <a:miter lim="800000"/>
+            <a:headEnd type="none" w="sm" len="sm"/>
+            <a:tailEnd type="triangle" w="med" len="med"/>
+          </a:ln>
+        </p:spPr>
+      </p:cxnSp>
+      <p:cxnSp>
+        <p:nvCxnSpPr>
+          <p:cNvPr id="244" name="Google Shape;244;p9">
+            <a:extLst>
+              <a:ext uri="{FF2B5EF4-FFF2-40B4-BE49-F238E27FC236}">
+                <a16:creationId xmlns:a16="http://schemas.microsoft.com/office/drawing/2014/main" id="{14EC7663-A841-A427-0A2A-B57908E28E49}"/>
+              </a:ext>
+            </a:extLst>
+          </p:cNvPr>
+          <p:cNvCxnSpPr>
+            <a:cxnSpLocks/>
+            <a:stCxn id="218" idx="0"/>
+            <a:endCxn id="213" idx="2"/>
+          </p:cNvCxnSpPr>
+          <p:nvPr/>
+        </p:nvCxnSpPr>
+        <p:spPr>
+          <a:xfrm flipV="1">
+            <a:off x="8664626" y="3439702"/>
+            <a:ext cx="473100" cy="975432"/>
+          </a:xfrm>
+          <a:prstGeom prst="straightConnector1">
+            <a:avLst/>
+          </a:prstGeom>
+          <a:noFill/>
+          <a:ln w="38100" cap="flat" cmpd="sng">
+            <a:solidFill>
+              <a:schemeClr val="lt1"/>
+            </a:solidFill>
+            <a:prstDash val="solid"/>
+            <a:miter lim="800000"/>
+            <a:headEnd type="none" w="sm" len="sm"/>
+            <a:tailEnd type="triangle" w="med" len="med"/>
+          </a:ln>
+        </p:spPr>
+      </p:cxnSp>
+      <p:sp>
+        <p:nvSpPr>
+          <p:cNvPr id="2" name="Google Shape;206;p9">
+            <a:extLst>
+              <a:ext uri="{FF2B5EF4-FFF2-40B4-BE49-F238E27FC236}">
+                <a16:creationId xmlns:a16="http://schemas.microsoft.com/office/drawing/2014/main" id="{F68D0D4C-135C-8EF9-D13D-3932BDAC0CE9}"/>
+              </a:ext>
+            </a:extLst>
+          </p:cNvPr>
+          <p:cNvSpPr/>
+          <p:nvPr/>
+        </p:nvSpPr>
+        <p:spPr>
+          <a:xfrm>
+            <a:off x="2089929" y="5613930"/>
+            <a:ext cx="1094309" cy="381127"/>
+          </a:xfrm>
+          <a:prstGeom prst="roundRect">
+            <a:avLst>
+              <a:gd name="adj" fmla="val 16667"/>
+            </a:avLst>
+          </a:prstGeom>
+          <a:gradFill>
+            <a:gsLst>
+              <a:gs pos="0">
+                <a:srgbClr val="9A9A9A"/>
+              </a:gs>
+              <a:gs pos="50000">
+                <a:srgbClr val="8D8D8D"/>
+              </a:gs>
+              <a:gs pos="100000">
+                <a:srgbClr val="787878"/>
+              </a:gs>
+            </a:gsLst>
+            <a:lin ang="5400000" scaled="0"/>
+          </a:gradFill>
+          <a:ln w="9525" cap="flat" cmpd="sng">
+            <a:solidFill>
+              <a:schemeClr val="dk1"/>
+            </a:solidFill>
+            <a:prstDash val="solid"/>
+            <a:miter lim="800000"/>
+            <a:headEnd type="none" w="sm" len="sm"/>
+            <a:tailEnd type="none" w="sm" len="sm"/>
+          </a:ln>
+        </p:spPr>
+        <p:txBody>
+          <a:bodyPr spcFirstLastPara="1" wrap="square" lIns="91425" tIns="45700" rIns="91425" bIns="45700" anchor="ctr" anchorCtr="0">
+            <a:noAutofit/>
+          </a:bodyPr>
+          <a:lstStyle/>
+          <a:p>
+            <a:pPr marL="0" marR="0" lvl="0" indent="0" algn="ctr" rtl="0">
+              <a:spcBef>
+                <a:spcPts val="0"/>
+              </a:spcBef>
+              <a:spcAft>
+                <a:spcPts val="0"/>
+              </a:spcAft>
+              <a:buNone/>
+            </a:pPr>
+            <a:r>
+              <a:rPr lang="en-US" sz="1600" dirty="0">
+                <a:solidFill>
+                  <a:schemeClr val="dk1"/>
+                </a:solidFill>
+                <a:latin typeface="Calibri"/>
+                <a:ea typeface="Calibri"/>
+                <a:cs typeface="Calibri"/>
+                <a:sym typeface="Calibri"/>
+              </a:rPr>
+              <a:t>Templates</a:t>
+            </a:r>
+            <a:endParaRPr sz="1600" dirty="0">
+              <a:solidFill>
+                <a:schemeClr val="dk1"/>
+              </a:solidFill>
+              <a:latin typeface="Calibri"/>
+              <a:ea typeface="Calibri"/>
+              <a:cs typeface="Calibri"/>
+              <a:sym typeface="Calibri"/>
+            </a:endParaRPr>
+          </a:p>
+        </p:txBody>
+      </p:sp>
+      <p:sp>
+        <p:nvSpPr>
+          <p:cNvPr id="5" name="Google Shape;206;p9">
+            <a:extLst>
+              <a:ext uri="{FF2B5EF4-FFF2-40B4-BE49-F238E27FC236}">
+                <a16:creationId xmlns:a16="http://schemas.microsoft.com/office/drawing/2014/main" id="{67644341-5427-65D5-A966-309EC1F281AB}"/>
+              </a:ext>
+            </a:extLst>
+          </p:cNvPr>
+          <p:cNvSpPr/>
+          <p:nvPr/>
+        </p:nvSpPr>
+        <p:spPr>
+          <a:xfrm>
+            <a:off x="2089929" y="4282453"/>
+            <a:ext cx="1094309" cy="381127"/>
+          </a:xfrm>
+          <a:prstGeom prst="roundRect">
+            <a:avLst>
+              <a:gd name="adj" fmla="val 16667"/>
+            </a:avLst>
+          </a:prstGeom>
+          <a:gradFill>
+            <a:gsLst>
+              <a:gs pos="0">
+                <a:srgbClr val="9A9A9A"/>
+              </a:gs>
+              <a:gs pos="50000">
+                <a:srgbClr val="8D8D8D"/>
+              </a:gs>
+              <a:gs pos="100000">
+                <a:srgbClr val="787878"/>
+              </a:gs>
+            </a:gsLst>
+            <a:lin ang="5400000" scaled="0"/>
+          </a:gradFill>
+          <a:ln w="9525" cap="flat" cmpd="sng">
+            <a:solidFill>
+              <a:schemeClr val="dk1"/>
+            </a:solidFill>
+            <a:prstDash val="solid"/>
+            <a:miter lim="800000"/>
+            <a:headEnd type="none" w="sm" len="sm"/>
+            <a:tailEnd type="none" w="sm" len="sm"/>
+          </a:ln>
+        </p:spPr>
+        <p:txBody>
+          <a:bodyPr spcFirstLastPara="1" wrap="square" lIns="91425" tIns="45700" rIns="91425" bIns="45700" anchor="ctr" anchorCtr="0">
+            <a:noAutofit/>
+          </a:bodyPr>
+          <a:lstStyle/>
+          <a:p>
+            <a:pPr marL="0" marR="0" lvl="0" indent="0" algn="ctr" rtl="0">
+              <a:spcBef>
+                <a:spcPts val="0"/>
+              </a:spcBef>
+              <a:spcAft>
+                <a:spcPts val="0"/>
+              </a:spcAft>
+              <a:buNone/>
+            </a:pPr>
+            <a:r>
+              <a:rPr lang="en-US" sz="1600" dirty="0">
+                <a:solidFill>
+                  <a:schemeClr val="dk1"/>
+                </a:solidFill>
+                <a:latin typeface="Calibri"/>
+                <a:ea typeface="Calibri"/>
+                <a:cs typeface="Calibri"/>
+                <a:sym typeface="Calibri"/>
+              </a:rPr>
+              <a:t>Router</a:t>
+            </a:r>
+            <a:endParaRPr sz="1600" dirty="0">
+              <a:solidFill>
+                <a:schemeClr val="dk1"/>
+              </a:solidFill>
+              <a:latin typeface="Calibri"/>
+              <a:ea typeface="Calibri"/>
+              <a:cs typeface="Calibri"/>
+              <a:sym typeface="Calibri"/>
+            </a:endParaRPr>
+          </a:p>
+        </p:txBody>
+      </p:sp>
+      <p:cxnSp>
+        <p:nvCxnSpPr>
+          <p:cNvPr id="12" name="Google Shape;231;p9">
+            <a:extLst>
+              <a:ext uri="{FF2B5EF4-FFF2-40B4-BE49-F238E27FC236}">
+                <a16:creationId xmlns:a16="http://schemas.microsoft.com/office/drawing/2014/main" id="{D056B4F8-0946-A5A6-A53F-5E6B7DBDFB6E}"/>
+              </a:ext>
+            </a:extLst>
+          </p:cNvPr>
+          <p:cNvCxnSpPr>
+            <a:cxnSpLocks/>
+            <a:stCxn id="204" idx="1"/>
+          </p:cNvCxnSpPr>
+          <p:nvPr/>
+        </p:nvCxnSpPr>
+        <p:spPr>
+          <a:xfrm flipH="1" flipV="1">
+            <a:off x="3351353" y="3077346"/>
+            <a:ext cx="2995814" cy="115294"/>
+          </a:xfrm>
+          <a:prstGeom prst="straightConnector1">
+            <a:avLst/>
+          </a:prstGeom>
+          <a:noFill/>
+          <a:ln w="38100" cap="flat" cmpd="sng">
+            <a:solidFill>
+              <a:srgbClr val="FFFF00"/>
+            </a:solidFill>
+            <a:prstDash val="solid"/>
+            <a:miter lim="800000"/>
+            <a:headEnd type="none" w="sm" len="sm"/>
+            <a:tailEnd type="triangle" w="med" len="med"/>
+          </a:ln>
+        </p:spPr>
+      </p:cxnSp>
+      <p:cxnSp>
+        <p:nvCxnSpPr>
+          <p:cNvPr id="15" name="Google Shape;232;p9">
+            <a:extLst>
+              <a:ext uri="{FF2B5EF4-FFF2-40B4-BE49-F238E27FC236}">
+                <a16:creationId xmlns:a16="http://schemas.microsoft.com/office/drawing/2014/main" id="{4D64A0AC-4E55-CC15-1A57-02AFB9788A7B}"/>
+              </a:ext>
+            </a:extLst>
+          </p:cNvPr>
+          <p:cNvCxnSpPr>
+            <a:cxnSpLocks/>
+            <a:stCxn id="4" idx="1"/>
+            <a:endCxn id="224" idx="3"/>
+          </p:cNvCxnSpPr>
+          <p:nvPr/>
+        </p:nvCxnSpPr>
+        <p:spPr>
+          <a:xfrm flipH="1" flipV="1">
+            <a:off x="1595597" y="3457616"/>
+            <a:ext cx="494332" cy="1658556"/>
+          </a:xfrm>
+          <a:prstGeom prst="straightConnector1">
+            <a:avLst/>
+          </a:prstGeom>
+          <a:noFill/>
+          <a:ln w="38100" cap="flat" cmpd="sng">
+            <a:solidFill>
+              <a:srgbClr val="FFFF00"/>
+            </a:solidFill>
+            <a:prstDash val="solid"/>
+            <a:miter lim="800000"/>
+            <a:headEnd type="none" w="sm" len="sm"/>
+            <a:tailEnd type="triangle" w="med" len="med"/>
+          </a:ln>
+        </p:spPr>
+      </p:cxnSp>
+      <p:sp>
+        <p:nvSpPr>
+          <p:cNvPr id="4" name="Google Shape;206;p9">
+            <a:extLst>
+              <a:ext uri="{FF2B5EF4-FFF2-40B4-BE49-F238E27FC236}">
+                <a16:creationId xmlns:a16="http://schemas.microsoft.com/office/drawing/2014/main" id="{EC7DD76D-6EF9-DE3A-BE84-70613C0896AD}"/>
+              </a:ext>
+            </a:extLst>
+          </p:cNvPr>
+          <p:cNvSpPr/>
+          <p:nvPr/>
+        </p:nvSpPr>
+        <p:spPr>
+          <a:xfrm>
+            <a:off x="2089929" y="4925608"/>
+            <a:ext cx="1094309" cy="381127"/>
+          </a:xfrm>
+          <a:prstGeom prst="roundRect">
+            <a:avLst>
+              <a:gd name="adj" fmla="val 16667"/>
+            </a:avLst>
+          </a:prstGeom>
+          <a:gradFill>
+            <a:gsLst>
+              <a:gs pos="0">
+                <a:srgbClr val="9A9A9A"/>
+              </a:gs>
+              <a:gs pos="50000">
+                <a:srgbClr val="8D8D8D"/>
+              </a:gs>
+              <a:gs pos="100000">
+                <a:srgbClr val="787878"/>
+              </a:gs>
+            </a:gsLst>
+            <a:lin ang="5400000" scaled="0"/>
+          </a:gradFill>
+          <a:ln w="9525" cap="flat" cmpd="sng">
+            <a:solidFill>
+              <a:schemeClr val="dk1"/>
+            </a:solidFill>
+            <a:prstDash val="solid"/>
+            <a:miter lim="800000"/>
+            <a:headEnd type="none" w="sm" len="sm"/>
+            <a:tailEnd type="none" w="sm" len="sm"/>
+          </a:ln>
+        </p:spPr>
+        <p:txBody>
+          <a:bodyPr spcFirstLastPara="1" wrap="square" lIns="91425" tIns="45700" rIns="91425" bIns="45700" anchor="ctr" anchorCtr="0">
+            <a:noAutofit/>
+          </a:bodyPr>
+          <a:lstStyle/>
+          <a:p>
+            <a:pPr marL="0" marR="0" lvl="0" indent="0" algn="ctr" rtl="0">
+              <a:spcBef>
+                <a:spcPts val="0"/>
+              </a:spcBef>
+              <a:spcAft>
+                <a:spcPts val="0"/>
+              </a:spcAft>
+              <a:buNone/>
+            </a:pPr>
+            <a:r>
+              <a:rPr lang="en-US" sz="1600" dirty="0">
+                <a:solidFill>
+                  <a:schemeClr val="dk1"/>
+                </a:solidFill>
+                <a:latin typeface="Calibri"/>
+                <a:ea typeface="Calibri"/>
+                <a:cs typeface="Calibri"/>
+                <a:sym typeface="Calibri"/>
+              </a:rPr>
+              <a:t>Views</a:t>
+            </a:r>
+            <a:endParaRPr sz="1600" dirty="0">
+              <a:solidFill>
+                <a:schemeClr val="dk1"/>
+              </a:solidFill>
+              <a:latin typeface="Calibri"/>
+              <a:ea typeface="Calibri"/>
+              <a:cs typeface="Calibri"/>
+              <a:sym typeface="Calibri"/>
+            </a:endParaRPr>
+          </a:p>
+        </p:txBody>
+      </p:sp>
+      <p:cxnSp>
+        <p:nvCxnSpPr>
+          <p:cNvPr id="18" name="Google Shape;232;p9">
+            <a:extLst>
+              <a:ext uri="{FF2B5EF4-FFF2-40B4-BE49-F238E27FC236}">
+                <a16:creationId xmlns:a16="http://schemas.microsoft.com/office/drawing/2014/main" id="{A300A345-0897-C511-D05D-A5157EB5FC63}"/>
+              </a:ext>
+            </a:extLst>
+          </p:cNvPr>
+          <p:cNvCxnSpPr>
+            <a:cxnSpLocks/>
+            <a:stCxn id="224" idx="3"/>
+            <a:endCxn id="5" idx="0"/>
+          </p:cNvCxnSpPr>
+          <p:nvPr/>
+        </p:nvCxnSpPr>
+        <p:spPr>
+          <a:xfrm>
+            <a:off x="1595597" y="3457616"/>
+            <a:ext cx="1041487" cy="824837"/>
+          </a:xfrm>
+          <a:prstGeom prst="straightConnector1">
+            <a:avLst/>
+          </a:prstGeom>
+          <a:noFill/>
+          <a:ln w="38100" cap="flat" cmpd="sng">
+            <a:solidFill>
+              <a:srgbClr val="FFFF00"/>
+            </a:solidFill>
+            <a:prstDash val="solid"/>
+            <a:miter lim="800000"/>
+            <a:headEnd type="none" w="sm" len="sm"/>
+            <a:tailEnd type="triangle" w="med" len="med"/>
+          </a:ln>
+        </p:spPr>
+      </p:cxnSp>
+      <p:cxnSp>
+        <p:nvCxnSpPr>
+          <p:cNvPr id="23" name="Google Shape;232;p9">
+            <a:extLst>
+              <a:ext uri="{FF2B5EF4-FFF2-40B4-BE49-F238E27FC236}">
+                <a16:creationId xmlns:a16="http://schemas.microsoft.com/office/drawing/2014/main" id="{AF635937-CA8B-A1ED-2A88-60DB0CDA6087}"/>
+              </a:ext>
+            </a:extLst>
+          </p:cNvPr>
+          <p:cNvCxnSpPr>
+            <a:cxnSpLocks/>
+          </p:cNvCxnSpPr>
+          <p:nvPr/>
+        </p:nvCxnSpPr>
+        <p:spPr>
+          <a:xfrm>
+            <a:off x="2633138" y="4663580"/>
+            <a:ext cx="7891" cy="262028"/>
+          </a:xfrm>
+          <a:prstGeom prst="straightConnector1">
+            <a:avLst/>
+          </a:prstGeom>
+          <a:noFill/>
+          <a:ln w="38100" cap="flat" cmpd="sng">
+            <a:solidFill>
+              <a:srgbClr val="FFFF00"/>
+            </a:solidFill>
+            <a:prstDash val="solid"/>
+            <a:miter lim="800000"/>
+            <a:headEnd type="none" w="sm" len="sm"/>
+            <a:tailEnd type="triangle" w="med" len="med"/>
+          </a:ln>
+        </p:spPr>
+      </p:cxnSp>
+      <p:cxnSp>
+        <p:nvCxnSpPr>
+          <p:cNvPr id="26" name="Google Shape;232;p9">
+            <a:extLst>
+              <a:ext uri="{FF2B5EF4-FFF2-40B4-BE49-F238E27FC236}">
+                <a16:creationId xmlns:a16="http://schemas.microsoft.com/office/drawing/2014/main" id="{311D1B85-3592-BBDF-F9CF-7224EF019116}"/>
+              </a:ext>
+            </a:extLst>
+          </p:cNvPr>
+          <p:cNvCxnSpPr>
+            <a:cxnSpLocks/>
+          </p:cNvCxnSpPr>
+          <p:nvPr/>
+        </p:nvCxnSpPr>
+        <p:spPr>
+          <a:xfrm flipV="1">
+            <a:off x="2637083" y="5306735"/>
+            <a:ext cx="0" cy="262028"/>
+          </a:xfrm>
+          <a:prstGeom prst="straightConnector1">
+            <a:avLst/>
+          </a:prstGeom>
+          <a:noFill/>
+          <a:ln w="38100" cap="flat" cmpd="sng">
+            <a:solidFill>
+              <a:srgbClr val="FFFF00"/>
+            </a:solidFill>
+            <a:prstDash val="solid"/>
+            <a:miter lim="800000"/>
+            <a:headEnd type="none" w="sm" len="sm"/>
+            <a:tailEnd type="triangle" w="med" len="med"/>
+          </a:ln>
+        </p:spPr>
+      </p:cxnSp>
+      <p:sp>
+        <p:nvSpPr>
+          <p:cNvPr id="31" name="Google Shape;229;p9">
+            <a:extLst>
+              <a:ext uri="{FF2B5EF4-FFF2-40B4-BE49-F238E27FC236}">
+                <a16:creationId xmlns:a16="http://schemas.microsoft.com/office/drawing/2014/main" id="{95AEEADE-0784-5961-561B-FEC1E9E9DE34}"/>
+              </a:ext>
+            </a:extLst>
+          </p:cNvPr>
+          <p:cNvSpPr/>
+          <p:nvPr/>
+        </p:nvSpPr>
+        <p:spPr>
+          <a:xfrm>
+            <a:off x="6377405" y="3822540"/>
+            <a:ext cx="1086678" cy="592481"/>
+          </a:xfrm>
+          <a:prstGeom prst="roundRect">
+            <a:avLst>
+              <a:gd name="adj" fmla="val 16667"/>
+            </a:avLst>
+          </a:prstGeom>
+          <a:solidFill>
+            <a:srgbClr val="FF7F00"/>
+          </a:solidFill>
+          <a:ln w="9525" cap="flat" cmpd="sng">
+            <a:solidFill>
+              <a:schemeClr val="dk1"/>
+            </a:solidFill>
+            <a:prstDash val="solid"/>
+            <a:miter lim="800000"/>
+            <a:headEnd type="none" w="sm" len="sm"/>
+            <a:tailEnd type="none" w="sm" len="sm"/>
+          </a:ln>
+        </p:spPr>
+        <p:txBody>
+          <a:bodyPr spcFirstLastPara="1" wrap="square" lIns="91425" tIns="45700" rIns="91425" bIns="45700" anchor="ctr" anchorCtr="0">
+            <a:noAutofit/>
+          </a:bodyPr>
+          <a:lstStyle/>
+          <a:p>
+            <a:pPr marL="0" marR="0" lvl="0" indent="0" algn="ctr" rtl="0">
+              <a:spcBef>
+                <a:spcPts val="0"/>
+              </a:spcBef>
+              <a:spcAft>
+                <a:spcPts val="0"/>
+              </a:spcAft>
+              <a:buNone/>
+            </a:pPr>
+            <a:r>
+              <a:rPr lang="en-US" sz="1800" dirty="0">
+                <a:solidFill>
+                  <a:schemeClr val="dk1"/>
+                </a:solidFill>
+                <a:latin typeface="Calibri"/>
+                <a:ea typeface="Calibri"/>
+                <a:cs typeface="Calibri"/>
+                <a:sym typeface="Calibri"/>
+              </a:rPr>
+              <a:t>REST</a:t>
+            </a:r>
+            <a:endParaRPr dirty="0"/>
+          </a:p>
+        </p:txBody>
+      </p:sp>
+      <p:cxnSp>
+        <p:nvCxnSpPr>
+          <p:cNvPr id="32" name="Google Shape;234;p9">
+            <a:extLst>
+              <a:ext uri="{FF2B5EF4-FFF2-40B4-BE49-F238E27FC236}">
+                <a16:creationId xmlns:a16="http://schemas.microsoft.com/office/drawing/2014/main" id="{45B53CE1-584A-9D69-60E4-1627056C2372}"/>
+              </a:ext>
+            </a:extLst>
+          </p:cNvPr>
+          <p:cNvCxnSpPr>
+            <a:cxnSpLocks/>
+            <a:stCxn id="218" idx="1"/>
+            <a:endCxn id="31" idx="3"/>
+          </p:cNvCxnSpPr>
+          <p:nvPr/>
+        </p:nvCxnSpPr>
+        <p:spPr>
+          <a:xfrm flipH="1" flipV="1">
+            <a:off x="7464083" y="4118781"/>
+            <a:ext cx="657204" cy="813188"/>
+          </a:xfrm>
+          <a:prstGeom prst="straightConnector1">
+            <a:avLst/>
+          </a:prstGeom>
+          <a:noFill/>
+          <a:ln w="38100" cap="flat" cmpd="sng">
+            <a:solidFill>
+              <a:schemeClr val="lt1"/>
+            </a:solidFill>
+            <a:prstDash val="solid"/>
+            <a:miter lim="800000"/>
+            <a:headEnd type="none" w="sm" len="sm"/>
+            <a:tailEnd type="triangle" w="med" len="med"/>
+          </a:ln>
+        </p:spPr>
+      </p:cxnSp>
+    </p:spTree>
+    <p:extLst>
+      <p:ext uri="{BB962C8B-B14F-4D97-AF65-F5344CB8AC3E}">
+        <p14:creationId xmlns:p14="http://schemas.microsoft.com/office/powerpoint/2010/main" val="3566765934"/>
+      </p:ext>
+    </p:extLst>
+  </p:cSld>
+  <p:clrMapOvr>
+    <a:masterClrMapping/>
+  </p:clrMapOvr>
+</p:sld>
+</file>
+
+<file path=ppt/slides/slide48.xml><?xml version="1.0" encoding="utf-8"?>
+<p:sld xmlns:a="http://schemas.openxmlformats.org/drawingml/2006/main" xmlns:r="http://schemas.openxmlformats.org/officeDocument/2006/relationships" xmlns:p="http://schemas.openxmlformats.org/presentationml/2006/main">
+  <p:cSld>
+    <p:spTree>
+      <p:nvGrpSpPr>
+        <p:cNvPr id="1" name=""/>
+        <p:cNvGrpSpPr/>
+        <p:nvPr/>
+      </p:nvGrpSpPr>
+      <p:grpSpPr>
+        <a:xfrm>
+          <a:off x="0" y="0"/>
+          <a:ext cx="0" cy="0"/>
+          <a:chOff x="0" y="0"/>
+          <a:chExt cx="0" cy="0"/>
+        </a:xfrm>
+      </p:grpSpPr>
+      <p:sp>
+        <p:nvSpPr>
           <p:cNvPr id="2" name="Title 1">
             <a:extLst>
               <a:ext uri="{FF2B5EF4-FFF2-40B4-BE49-F238E27FC236}">
@@ -15868,7 +23402,7 @@
           <a:p>
             <a:r>
               <a:rPr lang="en-US"/>
-              <a:t>Creating our own HTML tags</a:t>
+              <a:t>Web Components</a:t>
             </a:r>
             <a:endParaRPr lang="en-US" dirty="0"/>
           </a:p>
@@ -15887,7 +23421,7 @@
 </p:sld>
 </file>
 
-<file path=ppt/slides/slide43.xml><?xml version="1.0" encoding="utf-8"?>
+<file path=ppt/slides/slide49.xml><?xml version="1.0" encoding="utf-8"?>
 <p:sld xmlns:a="http://schemas.openxmlformats.org/drawingml/2006/main" xmlns:r="http://schemas.openxmlformats.org/officeDocument/2006/relationships" xmlns:p="http://schemas.openxmlformats.org/presentationml/2006/main">
   <p:cSld>
     <p:spTree>

--- a/lectures/JS-03-Browser.pptx
+++ b/lectures/JS-03-Browser.pptx
@@ -245,7 +245,7 @@
           <a:p>
             <a:fld id="{F8062002-FE47-E44A-9934-27B168626197}" type="datetimeFigureOut">
               <a:rPr lang="en-US" smtClean="0"/>
-              <a:t>4/7/25</a:t>
+              <a:t>4/8/25</a:t>
             </a:fld>
             <a:endParaRPr lang="en-US"/>
           </a:p>
@@ -1174,7 +1174,7 @@
           <a:p>
             <a:fld id="{34CC170A-699D-BB45-AC18-C528FA229D18}" type="datetimeFigureOut">
               <a:rPr lang="en-US" smtClean="0"/>
-              <a:t>4/7/25</a:t>
+              <a:t>4/8/25</a:t>
             </a:fld>
             <a:endParaRPr lang="en-US"/>
           </a:p>
@@ -1372,7 +1372,7 @@
           <a:p>
             <a:fld id="{34CC170A-699D-BB45-AC18-C528FA229D18}" type="datetimeFigureOut">
               <a:rPr lang="en-US" smtClean="0"/>
-              <a:t>4/7/25</a:t>
+              <a:t>4/8/25</a:t>
             </a:fld>
             <a:endParaRPr lang="en-US"/>
           </a:p>
@@ -1647,7 +1647,7 @@
           <a:p>
             <a:fld id="{34CC170A-699D-BB45-AC18-C528FA229D18}" type="datetimeFigureOut">
               <a:rPr lang="en-US" smtClean="0"/>
-              <a:t>4/7/25</a:t>
+              <a:t>4/8/25</a:t>
             </a:fld>
             <a:endParaRPr lang="en-US"/>
           </a:p>
@@ -1788,7 +1788,7 @@
           <a:p>
             <a:fld id="{34CC170A-699D-BB45-AC18-C528FA229D18}" type="datetimeFigureOut">
               <a:rPr lang="en-US" smtClean="0"/>
-              <a:t>4/7/25</a:t>
+              <a:t>4/8/25</a:t>
             </a:fld>
             <a:endParaRPr lang="en-US"/>
           </a:p>
@@ -1901,7 +1901,7 @@
           <a:p>
             <a:fld id="{34CC170A-699D-BB45-AC18-C528FA229D18}" type="datetimeFigureOut">
               <a:rPr lang="en-US" smtClean="0"/>
-              <a:t>4/7/25</a:t>
+              <a:t>4/8/25</a:t>
             </a:fld>
             <a:endParaRPr lang="en-US"/>
           </a:p>
@@ -2142,7 +2142,7 @@
           <a:p>
             <a:fld id="{34CC170A-699D-BB45-AC18-C528FA229D18}" type="datetimeFigureOut">
               <a:rPr lang="en-US" smtClean="0"/>
-              <a:t>4/7/25</a:t>
+              <a:t>4/8/25</a:t>
             </a:fld>
             <a:endParaRPr lang="en-US"/>
           </a:p>
@@ -19379,7 +19379,7 @@
         <p:spPr>
           <a:xfrm>
             <a:off x="546798" y="622997"/>
-            <a:ext cx="11340402" cy="5262979"/>
+            <a:ext cx="11340402" cy="4832092"/>
           </a:xfrm>
           <a:prstGeom prst="rect">
             <a:avLst/>
@@ -19400,7 +19400,7 @@
                 <a:latin typeface="Courier New" panose="02070309020205020404" pitchFamily="49" charset="0"/>
                 <a:cs typeface="Courier New" panose="02070309020205020404" pitchFamily="49" charset="0"/>
               </a:rPr>
-              <a:t>import {html, </a:t>
+              <a:t>import { html, </a:t>
             </a:r>
             <a:r>
               <a:rPr lang="en-US" sz="1400" b="1" dirty="0" err="1">
@@ -19414,7 +19414,7 @@
                 <a:latin typeface="Courier New" panose="02070309020205020404" pitchFamily="49" charset="0"/>
                 <a:cs typeface="Courier New" panose="02070309020205020404" pitchFamily="49" charset="0"/>
               </a:rPr>
-              <a:t>} from 'https://</a:t>
+              <a:t> } from "https://</a:t>
             </a:r>
             <a:r>
               <a:rPr lang="en-US" sz="1400" b="1" dirty="0" err="1">
@@ -19435,28 +19435,28 @@
                 <a:latin typeface="Courier New" panose="02070309020205020404" pitchFamily="49" charset="0"/>
                 <a:cs typeface="Courier New" panose="02070309020205020404" pitchFamily="49" charset="0"/>
               </a:rPr>
-              <a:t>gh</a:t>
+              <a:t>npm</a:t>
             </a:r>
             <a:r>
               <a:rPr lang="en-US" sz="1400" b="1" dirty="0">
                 <a:latin typeface="Courier New" panose="02070309020205020404" pitchFamily="49" charset="0"/>
                 <a:cs typeface="Courier New" panose="02070309020205020404" pitchFamily="49" charset="0"/>
               </a:rPr>
-              <a:t>/lit/dist@2.4.0/core/lit-</a:t>
+              <a:t>/lit@3.2.1/+</a:t>
             </a:r>
             <a:r>
               <a:rPr lang="en-US" sz="1400" b="1" dirty="0" err="1">
                 <a:latin typeface="Courier New" panose="02070309020205020404" pitchFamily="49" charset="0"/>
                 <a:cs typeface="Courier New" panose="02070309020205020404" pitchFamily="49" charset="0"/>
               </a:rPr>
-              <a:t>core.min.js</a:t>
+              <a:t>esm</a:t>
             </a:r>
             <a:r>
               <a:rPr lang="en-US" sz="1400" b="1" dirty="0">
                 <a:latin typeface="Courier New" panose="02070309020205020404" pitchFamily="49" charset="0"/>
                 <a:cs typeface="Courier New" panose="02070309020205020404" pitchFamily="49" charset="0"/>
               </a:rPr>
-              <a:t>';</a:t>
+              <a:t>";</a:t>
             </a:r>
           </a:p>
           <a:p>
@@ -19531,7 +19531,7 @@
                 <a:latin typeface="Courier New" panose="02070309020205020404" pitchFamily="49" charset="0"/>
                 <a:cs typeface="Courier New" panose="02070309020205020404" pitchFamily="49" charset="0"/>
               </a:rPr>
-              <a:t>  static get properties() {</a:t>
+              <a:t> static properties =  {</a:t>
             </a:r>
           </a:p>
           <a:p>
@@ -19540,16 +19540,7 @@
                 <a:latin typeface="Courier New" panose="02070309020205020404" pitchFamily="49" charset="0"/>
                 <a:cs typeface="Courier New" panose="02070309020205020404" pitchFamily="49" charset="0"/>
               </a:rPr>
-              <a:t>    return {</a:t>
-            </a:r>
-          </a:p>
-          <a:p>
-            <a:r>
-              <a:rPr lang="en-US" sz="1400" b="1" dirty="0">
-                <a:latin typeface="Courier New" panose="02070309020205020404" pitchFamily="49" charset="0"/>
-                <a:cs typeface="Courier New" panose="02070309020205020404" pitchFamily="49" charset="0"/>
-              </a:rPr>
-              <a:t>      </a:t>
+              <a:t>    </a:t>
             </a:r>
             <a:r>
               <a:rPr lang="en-US" sz="1400" b="1" dirty="0">
@@ -19566,7 +19557,7 @@
                 <a:latin typeface="Courier New" panose="02070309020205020404" pitchFamily="49" charset="0"/>
                 <a:cs typeface="Courier New" panose="02070309020205020404" pitchFamily="49" charset="0"/>
               </a:rPr>
-              <a:t>: {type: String}</a:t>
+              <a:t>: { type: String }</a:t>
             </a:r>
           </a:p>
           <a:p>
@@ -19575,16 +19566,7 @@
                 <a:latin typeface="Courier New" panose="02070309020205020404" pitchFamily="49" charset="0"/>
                 <a:cs typeface="Courier New" panose="02070309020205020404" pitchFamily="49" charset="0"/>
               </a:rPr>
-              <a:t>    }</a:t>
-            </a:r>
-          </a:p>
-          <a:p>
-            <a:r>
-              <a:rPr lang="en-US" sz="1400" b="1" dirty="0">
-                <a:latin typeface="Courier New" panose="02070309020205020404" pitchFamily="49" charset="0"/>
-                <a:cs typeface="Courier New" panose="02070309020205020404" pitchFamily="49" charset="0"/>
-              </a:rPr>
-              <a:t>  }</a:t>
+              <a:t>  };</a:t>
             </a:r>
           </a:p>
           <a:p>
@@ -19665,7 +19647,7 @@
                 <a:latin typeface="Courier New" panose="02070309020205020404" pitchFamily="49" charset="0"/>
                 <a:cs typeface="Courier New" panose="02070309020205020404" pitchFamily="49" charset="0"/>
               </a:rPr>
-              <a:t>  // Don't use Shadow-DOM </a:t>
+              <a:t>  // Inherit CSS from enclosing document</a:t>
             </a:r>
           </a:p>
           <a:p>

--- a/lectures/JS-03-Browser.pptx
+++ b/lectures/JS-03-Browser.pptx
@@ -5,7 +5,7 @@
     <p:sldMasterId id="2147483648" r:id="rId1"/>
   </p:sldMasterIdLst>
   <p:notesMasterIdLst>
-    <p:notesMasterId r:id="rId51"/>
+    <p:notesMasterId r:id="rId52"/>
   </p:notesMasterIdLst>
   <p:sldIdLst>
     <p:sldId id="257" r:id="rId2"/>
@@ -48,15 +48,16 @@
     <p:sldId id="376" r:id="rId39"/>
     <p:sldId id="383" r:id="rId40"/>
     <p:sldId id="384" r:id="rId41"/>
-    <p:sldId id="264" r:id="rId42"/>
-    <p:sldId id="386" r:id="rId43"/>
-    <p:sldId id="388" r:id="rId44"/>
-    <p:sldId id="387" r:id="rId45"/>
-    <p:sldId id="385" r:id="rId46"/>
-    <p:sldId id="390" r:id="rId47"/>
-    <p:sldId id="389" r:id="rId48"/>
-    <p:sldId id="381" r:id="rId49"/>
-    <p:sldId id="287" r:id="rId50"/>
+    <p:sldId id="386" r:id="rId42"/>
+    <p:sldId id="264" r:id="rId43"/>
+    <p:sldId id="391" r:id="rId44"/>
+    <p:sldId id="388" r:id="rId45"/>
+    <p:sldId id="387" r:id="rId46"/>
+    <p:sldId id="385" r:id="rId47"/>
+    <p:sldId id="390" r:id="rId48"/>
+    <p:sldId id="389" r:id="rId49"/>
+    <p:sldId id="381" r:id="rId50"/>
+    <p:sldId id="287" r:id="rId51"/>
   </p:sldIdLst>
   <p:sldSz cx="12192000" cy="6858000"/>
   <p:notesSz cx="6858000" cy="9144000"/>
@@ -901,6 +902,133 @@
 </file>
 
 <file path=ppt/notesSlides/notesSlide5.xml><?xml version="1.0" encoding="utf-8"?>
+<p:notes xmlns:a="http://schemas.openxmlformats.org/drawingml/2006/main" xmlns:r="http://schemas.openxmlformats.org/officeDocument/2006/relationships" xmlns:p="http://schemas.openxmlformats.org/presentationml/2006/main" showMasterSp="0" showMasterPhAnim="0">
+  <p:cSld>
+    <p:spTree>
+      <p:nvGrpSpPr>
+        <p:cNvPr id="1" name="Shape 195">
+          <a:extLst>
+            <a:ext uri="{FF2B5EF4-FFF2-40B4-BE49-F238E27FC236}">
+              <a16:creationId xmlns:a16="http://schemas.microsoft.com/office/drawing/2014/main" id="{C16012F7-9BC3-9F40-9721-6C30BC319CCC}"/>
+            </a:ext>
+          </a:extLst>
+        </p:cNvPr>
+        <p:cNvGrpSpPr/>
+        <p:nvPr/>
+      </p:nvGrpSpPr>
+      <p:grpSpPr>
+        <a:xfrm>
+          <a:off x="0" y="0"/>
+          <a:ext cx="0" cy="0"/>
+          <a:chOff x="0" y="0"/>
+          <a:chExt cx="0" cy="0"/>
+        </a:xfrm>
+      </p:grpSpPr>
+      <p:sp>
+        <p:nvSpPr>
+          <p:cNvPr id="196" name="Google Shape;196;p9:notes">
+            <a:extLst>
+              <a:ext uri="{FF2B5EF4-FFF2-40B4-BE49-F238E27FC236}">
+                <a16:creationId xmlns:a16="http://schemas.microsoft.com/office/drawing/2014/main" id="{CAAAFC74-04C6-036C-59DE-6BD7509F589A}"/>
+              </a:ext>
+            </a:extLst>
+          </p:cNvPr>
+          <p:cNvSpPr txBox="1">
+            <a:spLocks noGrp="1"/>
+          </p:cNvSpPr>
+          <p:nvPr>
+            <p:ph type="body" idx="1"/>
+          </p:nvPr>
+        </p:nvSpPr>
+        <p:spPr>
+          <a:xfrm>
+            <a:off x="685800" y="4400550"/>
+            <a:ext cx="5486400" cy="3600450"/>
+          </a:xfrm>
+          <a:prstGeom prst="rect">
+            <a:avLst/>
+          </a:prstGeom>
+        </p:spPr>
+        <p:txBody>
+          <a:bodyPr spcFirstLastPara="1" wrap="square" lIns="91425" tIns="45700" rIns="91425" bIns="45700" anchor="t" anchorCtr="0">
+            <a:noAutofit/>
+          </a:bodyPr>
+          <a:lstStyle/>
+          <a:p>
+            <a:pPr marL="0" lvl="0" indent="0" algn="l" rtl="0">
+              <a:spcBef>
+                <a:spcPts val="0"/>
+              </a:spcBef>
+              <a:spcAft>
+                <a:spcPts val="0"/>
+              </a:spcAft>
+              <a:buNone/>
+            </a:pPr>
+            <a:endParaRPr/>
+          </a:p>
+        </p:txBody>
+      </p:sp>
+      <p:sp>
+        <p:nvSpPr>
+          <p:cNvPr id="197" name="Google Shape;197;p9:notes">
+            <a:extLst>
+              <a:ext uri="{FF2B5EF4-FFF2-40B4-BE49-F238E27FC236}">
+                <a16:creationId xmlns:a16="http://schemas.microsoft.com/office/drawing/2014/main" id="{30CF6DCE-5248-712B-4C22-BF36B44FAFA0}"/>
+              </a:ext>
+            </a:extLst>
+          </p:cNvPr>
+          <p:cNvSpPr>
+            <a:spLocks noGrp="1" noRot="1" noChangeAspect="1"/>
+          </p:cNvSpPr>
+          <p:nvPr>
+            <p:ph type="sldImg" idx="2"/>
+          </p:nvPr>
+        </p:nvSpPr>
+        <p:spPr>
+          <a:xfrm>
+            <a:off x="685800" y="1143000"/>
+            <a:ext cx="5486400" cy="3086100"/>
+          </a:xfrm>
+          <a:custGeom>
+            <a:avLst/>
+            <a:gdLst/>
+            <a:ahLst/>
+            <a:cxnLst/>
+            <a:rect l="l" t="t" r="r" b="b"/>
+            <a:pathLst>
+              <a:path w="120000" h="120000" extrusionOk="0">
+                <a:moveTo>
+                  <a:pt x="0" y="0"/>
+                </a:moveTo>
+                <a:lnTo>
+                  <a:pt x="120000" y="0"/>
+                </a:lnTo>
+                <a:lnTo>
+                  <a:pt x="120000" y="120000"/>
+                </a:lnTo>
+                <a:lnTo>
+                  <a:pt x="0" y="120000"/>
+                </a:lnTo>
+                <a:close/>
+              </a:path>
+            </a:pathLst>
+          </a:custGeom>
+        </p:spPr>
+      </p:sp>
+    </p:spTree>
+    <p:extLst>
+      <p:ext uri="{BB962C8B-B14F-4D97-AF65-F5344CB8AC3E}">
+        <p14:creationId xmlns:p14="http://schemas.microsoft.com/office/powerpoint/2010/main" val="3307186257"/>
+      </p:ext>
+    </p:extLst>
+  </p:cSld>
+  <p:clrMapOvr>
+    <a:masterClrMapping/>
+  </p:clrMapOvr>
+</p:notes>
+</file>
+
+<file path=ppt/notesSlides/notesSlide6.xml><?xml version="1.0" encoding="utf-8"?>
 <p:notes xmlns:a="http://schemas.openxmlformats.org/drawingml/2006/main" xmlns:r="http://schemas.openxmlformats.org/officeDocument/2006/relationships" xmlns:p="http://schemas.openxmlformats.org/presentationml/2006/main" showMasterSp="0" showMasterPhAnim="0">
   <p:cSld>
     <p:spTree>
@@ -15813,7 +15941,9 @@
         </p:nvSpPr>
         <p:spPr/>
         <p:txBody>
-          <a:bodyPr/>
+          <a:bodyPr>
+            <a:normAutofit/>
+          </a:bodyPr>
           <a:lstStyle/>
           <a:p>
             <a:r>
@@ -15837,14 +15967,14 @@
             <a:pPr lvl="1"/>
             <a:r>
               <a:rPr lang="en-US" dirty="0"/>
-              <a:t> Functions</a:t>
+              <a:t> Functions and Parameters</a:t>
             </a:r>
           </a:p>
           <a:p>
             <a:pPr lvl="1"/>
             <a:r>
               <a:rPr lang="en-US" dirty="0"/>
-              <a:t>Object Oriented Approach </a:t>
+              <a:t>Object Oriented Approach with Base Classes</a:t>
             </a:r>
           </a:p>
           <a:p>
@@ -15858,6 +15988,21 @@
             <a:pPr lvl="1"/>
             <a:r>
               <a:rPr lang="en-US" dirty="0"/>
+              <a:t>Base and extended templates {% extends </a:t>
+            </a:r>
+            <a:r>
+              <a:rPr lang="en-US" dirty="0" err="1"/>
+              <a:t>base_bootstrap.html</a:t>
+            </a:r>
+            <a:r>
+              <a:rPr lang="en-US" dirty="0"/>
+              <a:t> %}</a:t>
+            </a:r>
+          </a:p>
+          <a:p>
+            <a:pPr lvl="1"/>
+            <a:r>
+              <a:rPr lang="en-US" dirty="0"/>
               <a:t>{% </a:t>
             </a:r>
             <a:r>
@@ -15866,14 +16011,23 @@
             </a:r>
             <a:r>
               <a:rPr lang="en-US" dirty="0"/>
-              <a:t> </a:t>
-            </a:r>
-          </a:p>
-          <a:p>
-            <a:pPr lvl="1"/>
+              <a:t> .. allows us to change </a:t>
+            </a:r>
+            <a:r>
+              <a:rPr lang="en-US" dirty="0" err="1"/>
+              <a:t>urls</a:t>
+            </a:r>
             <a:r>
               <a:rPr lang="en-US" dirty="0"/>
-              <a:t>Base and extended templates</a:t>
+              <a:t> in </a:t>
+            </a:r>
+            <a:r>
+              <a:rPr lang="en-US" dirty="0" err="1"/>
+              <a:t>urls.py</a:t>
+            </a:r>
+            <a:r>
+              <a:rPr lang="en-US" dirty="0"/>
+              <a:t> and not edit templates</a:t>
             </a:r>
           </a:p>
           <a:p>
@@ -15899,6 +16053,491 @@
 </file>
 
 <file path=ppt/slides/slide41.xml><?xml version="1.0" encoding="utf-8"?>
+<p:sld xmlns:a="http://schemas.openxmlformats.org/drawingml/2006/main" xmlns:r="http://schemas.openxmlformats.org/officeDocument/2006/relationships" xmlns:p="http://schemas.openxmlformats.org/presentationml/2006/main">
+  <p:cSld>
+    <p:spTree>
+      <p:nvGrpSpPr>
+        <p:cNvPr id="1" name=""/>
+        <p:cNvGrpSpPr/>
+        <p:nvPr/>
+      </p:nvGrpSpPr>
+      <p:grpSpPr>
+        <a:xfrm>
+          <a:off x="0" y="0"/>
+          <a:ext cx="0" cy="0"/>
+          <a:chOff x="0" y="0"/>
+          <a:chExt cx="0" cy="0"/>
+        </a:xfrm>
+      </p:grpSpPr>
+      <p:sp>
+        <p:nvSpPr>
+          <p:cNvPr id="4" name="Title 3">
+            <a:extLst>
+              <a:ext uri="{FF2B5EF4-FFF2-40B4-BE49-F238E27FC236}">
+                <a16:creationId xmlns:a16="http://schemas.microsoft.com/office/drawing/2014/main" id="{2FF31D75-4695-84DA-9E3F-58572CE998E8}"/>
+              </a:ext>
+            </a:extLst>
+          </p:cNvPr>
+          <p:cNvSpPr>
+            <a:spLocks noGrp="1"/>
+          </p:cNvSpPr>
+          <p:nvPr>
+            <p:ph type="title"/>
+          </p:nvPr>
+        </p:nvSpPr>
+        <p:spPr/>
+        <p:txBody>
+          <a:bodyPr/>
+          <a:lstStyle/>
+          <a:p>
+            <a:r>
+              <a:rPr lang="en-US" dirty="0"/>
+              <a:t>Templates in the Server (review)</a:t>
+            </a:r>
+          </a:p>
+        </p:txBody>
+      </p:sp>
+      <p:sp>
+        <p:nvSpPr>
+          <p:cNvPr id="5" name="TextBox 4">
+            <a:extLst>
+              <a:ext uri="{FF2B5EF4-FFF2-40B4-BE49-F238E27FC236}">
+                <a16:creationId xmlns:a16="http://schemas.microsoft.com/office/drawing/2014/main" id="{F1A0B6CD-882E-324A-51BA-1F0BA8952B28}"/>
+              </a:ext>
+            </a:extLst>
+          </p:cNvPr>
+          <p:cNvSpPr txBox="1"/>
+          <p:nvPr/>
+        </p:nvSpPr>
+        <p:spPr>
+          <a:xfrm>
+            <a:off x="838200" y="1829862"/>
+            <a:ext cx="7629012" cy="1477328"/>
+          </a:xfrm>
+          <a:prstGeom prst="rect">
+            <a:avLst/>
+          </a:prstGeom>
+          <a:noFill/>
+          <a:ln>
+            <a:solidFill>
+              <a:srgbClr val="FFFF00"/>
+            </a:solidFill>
+          </a:ln>
+        </p:spPr>
+        <p:txBody>
+          <a:bodyPr wrap="none" rtlCol="0">
+            <a:spAutoFit/>
+          </a:bodyPr>
+          <a:lstStyle/>
+          <a:p>
+            <a:r>
+              <a:rPr lang="en-US" b="1" dirty="0">
+                <a:latin typeface="Courier New" panose="02070309020205020404" pitchFamily="49" charset="0"/>
+                <a:cs typeface="Courier New" panose="02070309020205020404" pitchFamily="49" charset="0"/>
+              </a:rPr>
+              <a:t>from </a:t>
+            </a:r>
+            <a:r>
+              <a:rPr lang="en-US" b="1" dirty="0" err="1">
+                <a:latin typeface="Courier New" panose="02070309020205020404" pitchFamily="49" charset="0"/>
+                <a:cs typeface="Courier New" panose="02070309020205020404" pitchFamily="49" charset="0"/>
+              </a:rPr>
+              <a:t>django.shortcuts</a:t>
+            </a:r>
+            <a:r>
+              <a:rPr lang="en-US" b="1" dirty="0">
+                <a:latin typeface="Courier New" panose="02070309020205020404" pitchFamily="49" charset="0"/>
+                <a:cs typeface="Courier New" panose="02070309020205020404" pitchFamily="49" charset="0"/>
+              </a:rPr>
+              <a:t> import render</a:t>
+            </a:r>
+          </a:p>
+          <a:p>
+            <a:endParaRPr lang="en-US" b="1" dirty="0">
+              <a:latin typeface="Courier New" panose="02070309020205020404" pitchFamily="49" charset="0"/>
+              <a:cs typeface="Courier New" panose="02070309020205020404" pitchFamily="49" charset="0"/>
+            </a:endParaRPr>
+          </a:p>
+          <a:p>
+            <a:r>
+              <a:rPr lang="en-US" b="1" dirty="0">
+                <a:latin typeface="Courier New" panose="02070309020205020404" pitchFamily="49" charset="0"/>
+                <a:cs typeface="Courier New" panose="02070309020205020404" pitchFamily="49" charset="0"/>
+              </a:rPr>
+              <a:t>def guess(request) :</a:t>
+            </a:r>
+          </a:p>
+          <a:p>
+            <a:r>
+              <a:rPr lang="en-US" b="1" dirty="0">
+                <a:latin typeface="Courier New" panose="02070309020205020404" pitchFamily="49" charset="0"/>
+                <a:cs typeface="Courier New" panose="02070309020205020404" pitchFamily="49" charset="0"/>
+              </a:rPr>
+              <a:t>    context = {</a:t>
+            </a:r>
+            <a:r>
+              <a:rPr lang="en-US" b="1" dirty="0">
+                <a:solidFill>
+                  <a:srgbClr val="FFC000"/>
+                </a:solidFill>
+                <a:latin typeface="Courier New" panose="02070309020205020404" pitchFamily="49" charset="0"/>
+                <a:cs typeface="Courier New" panose="02070309020205020404" pitchFamily="49" charset="0"/>
+              </a:rPr>
+              <a:t>'zap' : '42' </a:t>
+            </a:r>
+            <a:r>
+              <a:rPr lang="en-US" b="1" dirty="0">
+                <a:latin typeface="Courier New" panose="02070309020205020404" pitchFamily="49" charset="0"/>
+                <a:cs typeface="Courier New" panose="02070309020205020404" pitchFamily="49" charset="0"/>
+              </a:rPr>
+              <a:t>}</a:t>
+            </a:r>
+          </a:p>
+          <a:p>
+            <a:r>
+              <a:rPr lang="en-US" b="1" dirty="0">
+                <a:latin typeface="Courier New" panose="02070309020205020404" pitchFamily="49" charset="0"/>
+                <a:cs typeface="Courier New" panose="02070309020205020404" pitchFamily="49" charset="0"/>
+              </a:rPr>
+              <a:t>    return </a:t>
+            </a:r>
+            <a:r>
+              <a:rPr lang="en-US" b="1" dirty="0">
+                <a:solidFill>
+                  <a:srgbClr val="FFFF00"/>
+                </a:solidFill>
+                <a:latin typeface="Courier New" panose="02070309020205020404" pitchFamily="49" charset="0"/>
+                <a:cs typeface="Courier New" panose="02070309020205020404" pitchFamily="49" charset="0"/>
+              </a:rPr>
+              <a:t>render</a:t>
+            </a:r>
+            <a:r>
+              <a:rPr lang="en-US" b="1" dirty="0">
+                <a:latin typeface="Courier New" panose="02070309020205020404" pitchFamily="49" charset="0"/>
+                <a:cs typeface="Courier New" panose="02070309020205020404" pitchFamily="49" charset="0"/>
+              </a:rPr>
+              <a:t>(request, '</a:t>
+            </a:r>
+            <a:r>
+              <a:rPr lang="en-US" b="1" dirty="0" err="1">
+                <a:latin typeface="Courier New" panose="02070309020205020404" pitchFamily="49" charset="0"/>
+                <a:cs typeface="Courier New" panose="02070309020205020404" pitchFamily="49" charset="0"/>
+              </a:rPr>
+              <a:t>tmpl</a:t>
+            </a:r>
+            <a:r>
+              <a:rPr lang="en-US" b="1" dirty="0">
+                <a:latin typeface="Courier New" panose="02070309020205020404" pitchFamily="49" charset="0"/>
+                <a:cs typeface="Courier New" panose="02070309020205020404" pitchFamily="49" charset="0"/>
+              </a:rPr>
+              <a:t>/</a:t>
+            </a:r>
+            <a:r>
+              <a:rPr lang="en-US" b="1" dirty="0" err="1">
+                <a:latin typeface="Courier New" panose="02070309020205020404" pitchFamily="49" charset="0"/>
+                <a:cs typeface="Courier New" panose="02070309020205020404" pitchFamily="49" charset="0"/>
+              </a:rPr>
+              <a:t>guess.html</a:t>
+            </a:r>
+            <a:r>
+              <a:rPr lang="en-US" b="1" dirty="0">
+                <a:latin typeface="Courier New" panose="02070309020205020404" pitchFamily="49" charset="0"/>
+                <a:cs typeface="Courier New" panose="02070309020205020404" pitchFamily="49" charset="0"/>
+              </a:rPr>
+              <a:t>', context)</a:t>
+            </a:r>
+          </a:p>
+        </p:txBody>
+      </p:sp>
+      <p:sp>
+        <p:nvSpPr>
+          <p:cNvPr id="6" name="TextBox 5">
+            <a:extLst>
+              <a:ext uri="{FF2B5EF4-FFF2-40B4-BE49-F238E27FC236}">
+                <a16:creationId xmlns:a16="http://schemas.microsoft.com/office/drawing/2014/main" id="{454C8DEA-351D-1DED-3AAD-1AB39A09F2D0}"/>
+              </a:ext>
+            </a:extLst>
+          </p:cNvPr>
+          <p:cNvSpPr txBox="1"/>
+          <p:nvPr/>
+        </p:nvSpPr>
+        <p:spPr>
+          <a:xfrm>
+            <a:off x="6702251" y="3848518"/>
+            <a:ext cx="5009705" cy="2308324"/>
+          </a:xfrm>
+          <a:prstGeom prst="rect">
+            <a:avLst/>
+          </a:prstGeom>
+          <a:noFill/>
+          <a:ln>
+            <a:solidFill>
+              <a:srgbClr val="FFFF00"/>
+            </a:solidFill>
+          </a:ln>
+        </p:spPr>
+        <p:txBody>
+          <a:bodyPr wrap="none" rtlCol="0">
+            <a:spAutoFit/>
+          </a:bodyPr>
+          <a:lstStyle/>
+          <a:p>
+            <a:r>
+              <a:rPr lang="en-US" b="1" dirty="0">
+                <a:latin typeface="Courier New" panose="02070309020205020404" pitchFamily="49" charset="0"/>
+                <a:cs typeface="Courier New" panose="02070309020205020404" pitchFamily="49" charset="0"/>
+              </a:rPr>
+              <a:t>&lt;html&gt;</a:t>
+            </a:r>
+          </a:p>
+          <a:p>
+            <a:r>
+              <a:rPr lang="en-US" b="1" dirty="0">
+                <a:latin typeface="Courier New" panose="02070309020205020404" pitchFamily="49" charset="0"/>
+                <a:cs typeface="Courier New" panose="02070309020205020404" pitchFamily="49" charset="0"/>
+              </a:rPr>
+              <a:t>&lt;head&gt;</a:t>
+            </a:r>
+          </a:p>
+          <a:p>
+            <a:r>
+              <a:rPr lang="en-US" b="1" dirty="0">
+                <a:latin typeface="Courier New" panose="02070309020205020404" pitchFamily="49" charset="0"/>
+                <a:cs typeface="Courier New" panose="02070309020205020404" pitchFamily="49" charset="0"/>
+              </a:rPr>
+              <a:t>    &lt;title&gt;A simple page&lt;/title&gt;</a:t>
+            </a:r>
+          </a:p>
+          <a:p>
+            <a:r>
+              <a:rPr lang="en-US" b="1" dirty="0">
+                <a:latin typeface="Courier New" panose="02070309020205020404" pitchFamily="49" charset="0"/>
+                <a:cs typeface="Courier New" panose="02070309020205020404" pitchFamily="49" charset="0"/>
+              </a:rPr>
+              <a:t>&lt;/head&gt;</a:t>
+            </a:r>
+          </a:p>
+          <a:p>
+            <a:r>
+              <a:rPr lang="en-US" b="1" dirty="0">
+                <a:latin typeface="Courier New" panose="02070309020205020404" pitchFamily="49" charset="0"/>
+                <a:cs typeface="Courier New" panose="02070309020205020404" pitchFamily="49" charset="0"/>
+              </a:rPr>
+              <a:t>&lt;body&gt;</a:t>
+            </a:r>
+          </a:p>
+          <a:p>
+            <a:r>
+              <a:rPr lang="en-US" b="1" dirty="0">
+                <a:latin typeface="Courier New" panose="02070309020205020404" pitchFamily="49" charset="0"/>
+                <a:cs typeface="Courier New" panose="02070309020205020404" pitchFamily="49" charset="0"/>
+              </a:rPr>
+              <a:t>    &lt;p&gt;Your guess was </a:t>
+            </a:r>
+            <a:r>
+              <a:rPr lang="en-US" b="1" dirty="0">
+                <a:solidFill>
+                  <a:srgbClr val="FFC000"/>
+                </a:solidFill>
+                <a:latin typeface="Courier New" panose="02070309020205020404" pitchFamily="49" charset="0"/>
+                <a:cs typeface="Courier New" panose="02070309020205020404" pitchFamily="49" charset="0"/>
+              </a:rPr>
+              <a:t>{{ zap }}</a:t>
+            </a:r>
+            <a:r>
+              <a:rPr lang="en-US" b="1" dirty="0">
+                <a:latin typeface="Courier New" panose="02070309020205020404" pitchFamily="49" charset="0"/>
+                <a:cs typeface="Courier New" panose="02070309020205020404" pitchFamily="49" charset="0"/>
+              </a:rPr>
+              <a:t>&lt;/p&gt;</a:t>
+            </a:r>
+          </a:p>
+          <a:p>
+            <a:r>
+              <a:rPr lang="en-US" b="1" dirty="0">
+                <a:latin typeface="Courier New" panose="02070309020205020404" pitchFamily="49" charset="0"/>
+                <a:cs typeface="Courier New" panose="02070309020205020404" pitchFamily="49" charset="0"/>
+              </a:rPr>
+              <a:t>&lt;/body&gt;</a:t>
+            </a:r>
+          </a:p>
+          <a:p>
+            <a:r>
+              <a:rPr lang="en-US" b="1" dirty="0">
+                <a:latin typeface="Courier New" panose="02070309020205020404" pitchFamily="49" charset="0"/>
+                <a:cs typeface="Courier New" panose="02070309020205020404" pitchFamily="49" charset="0"/>
+              </a:rPr>
+              <a:t>&lt;/html&gt;</a:t>
+            </a:r>
+          </a:p>
+        </p:txBody>
+      </p:sp>
+      <p:sp>
+        <p:nvSpPr>
+          <p:cNvPr id="2" name="TextBox 1">
+            <a:extLst>
+              <a:ext uri="{FF2B5EF4-FFF2-40B4-BE49-F238E27FC236}">
+                <a16:creationId xmlns:a16="http://schemas.microsoft.com/office/drawing/2014/main" id="{787997D3-1904-BCEC-3E8C-702EA90F8E0E}"/>
+              </a:ext>
+            </a:extLst>
+          </p:cNvPr>
+          <p:cNvSpPr txBox="1"/>
+          <p:nvPr/>
+        </p:nvSpPr>
+        <p:spPr>
+          <a:xfrm>
+            <a:off x="2002310" y="4818014"/>
+            <a:ext cx="4699941" cy="369332"/>
+          </a:xfrm>
+          <a:prstGeom prst="rect">
+            <a:avLst/>
+          </a:prstGeom>
+          <a:noFill/>
+        </p:spPr>
+        <p:txBody>
+          <a:bodyPr wrap="none" rtlCol="0">
+            <a:spAutoFit/>
+          </a:bodyPr>
+          <a:lstStyle/>
+          <a:p>
+            <a:r>
+              <a:rPr lang="en-US" dirty="0">
+                <a:solidFill>
+                  <a:srgbClr val="00B0F0"/>
+                </a:solidFill>
+              </a:rPr>
+              <a:t>dj4e-samples/</a:t>
+            </a:r>
+            <a:r>
+              <a:rPr lang="en-US" dirty="0" err="1">
+                <a:solidFill>
+                  <a:srgbClr val="00B0F0"/>
+                </a:solidFill>
+              </a:rPr>
+              <a:t>tmpl</a:t>
+            </a:r>
+            <a:r>
+              <a:rPr lang="en-US" dirty="0">
+                <a:solidFill>
+                  <a:srgbClr val="00B0F0"/>
+                </a:solidFill>
+              </a:rPr>
+              <a:t>/templates/</a:t>
+            </a:r>
+            <a:r>
+              <a:rPr lang="en-US" dirty="0" err="1">
+                <a:solidFill>
+                  <a:srgbClr val="00B0F0"/>
+                </a:solidFill>
+              </a:rPr>
+              <a:t>tmpl</a:t>
+            </a:r>
+            <a:r>
+              <a:rPr lang="en-US" dirty="0">
+                <a:solidFill>
+                  <a:srgbClr val="00B0F0"/>
+                </a:solidFill>
+              </a:rPr>
+              <a:t>/</a:t>
+            </a:r>
+            <a:r>
+              <a:rPr lang="en-US" dirty="0" err="1">
+                <a:solidFill>
+                  <a:srgbClr val="00B0F0"/>
+                </a:solidFill>
+              </a:rPr>
+              <a:t>guess.html</a:t>
+            </a:r>
+            <a:endParaRPr lang="en-US" dirty="0">
+              <a:solidFill>
+                <a:srgbClr val="00B0F0"/>
+              </a:solidFill>
+            </a:endParaRPr>
+          </a:p>
+        </p:txBody>
+      </p:sp>
+      <p:sp>
+        <p:nvSpPr>
+          <p:cNvPr id="3" name="TextBox 2">
+            <a:extLst>
+              <a:ext uri="{FF2B5EF4-FFF2-40B4-BE49-F238E27FC236}">
+                <a16:creationId xmlns:a16="http://schemas.microsoft.com/office/drawing/2014/main" id="{05E0BF84-091F-6D4A-F416-21A66F6284F8}"/>
+              </a:ext>
+            </a:extLst>
+          </p:cNvPr>
+          <p:cNvSpPr txBox="1"/>
+          <p:nvPr/>
+        </p:nvSpPr>
+        <p:spPr>
+          <a:xfrm>
+            <a:off x="8599170" y="2161512"/>
+            <a:ext cx="2850909" cy="369332"/>
+          </a:xfrm>
+          <a:prstGeom prst="rect">
+            <a:avLst/>
+          </a:prstGeom>
+          <a:noFill/>
+        </p:spPr>
+        <p:txBody>
+          <a:bodyPr wrap="none" rtlCol="0">
+            <a:spAutoFit/>
+          </a:bodyPr>
+          <a:lstStyle/>
+          <a:p>
+            <a:r>
+              <a:rPr lang="en-US" dirty="0">
+                <a:solidFill>
+                  <a:srgbClr val="00B0F0"/>
+                </a:solidFill>
+              </a:rPr>
+              <a:t>dj4e-samples/</a:t>
+            </a:r>
+            <a:r>
+              <a:rPr lang="en-US" dirty="0" err="1">
+                <a:solidFill>
+                  <a:srgbClr val="00B0F0"/>
+                </a:solidFill>
+              </a:rPr>
+              <a:t>tmpl</a:t>
+            </a:r>
+            <a:r>
+              <a:rPr lang="en-US" dirty="0">
+                <a:solidFill>
+                  <a:srgbClr val="00B0F0"/>
+                </a:solidFill>
+              </a:rPr>
+              <a:t>/</a:t>
+            </a:r>
+            <a:r>
+              <a:rPr lang="en-US" dirty="0" err="1">
+                <a:solidFill>
+                  <a:srgbClr val="00B0F0"/>
+                </a:solidFill>
+              </a:rPr>
+              <a:t>views.py</a:t>
+            </a:r>
+            <a:endParaRPr lang="en-US" dirty="0">
+              <a:solidFill>
+                <a:srgbClr val="00B0F0"/>
+              </a:solidFill>
+            </a:endParaRPr>
+          </a:p>
+        </p:txBody>
+      </p:sp>
+    </p:spTree>
+    <p:extLst>
+      <p:ext uri="{BB962C8B-B14F-4D97-AF65-F5344CB8AC3E}">
+        <p14:creationId xmlns:p14="http://schemas.microsoft.com/office/powerpoint/2010/main" val="3745907647"/>
+      </p:ext>
+    </p:extLst>
+  </p:cSld>
+  <p:clrMapOvr>
+    <a:masterClrMapping/>
+  </p:clrMapOvr>
+</p:sld>
+</file>
+
+<file path=ppt/slides/slide42.xml><?xml version="1.0" encoding="utf-8"?>
 <p:sld xmlns:a="http://schemas.openxmlformats.org/drawingml/2006/main" xmlns:r="http://schemas.openxmlformats.org/officeDocument/2006/relationships" xmlns:p="http://schemas.openxmlformats.org/presentationml/2006/main">
   <p:cSld>
     <p:spTree>
@@ -18267,12 +18906,43 @@
           </a:ln>
         </p:spPr>
       </p:cxnSp>
+    </p:spTree>
+  </p:cSld>
+  <p:clrMapOvr>
+    <a:masterClrMapping/>
+  </p:clrMapOvr>
+</p:sld>
+</file>
+
+<file path=ppt/slides/slide43.xml><?xml version="1.0" encoding="utf-8"?>
+<p:sld xmlns:a="http://schemas.openxmlformats.org/drawingml/2006/main" xmlns:r="http://schemas.openxmlformats.org/officeDocument/2006/relationships" xmlns:p="http://schemas.openxmlformats.org/presentationml/2006/main">
+  <p:cSld>
+    <p:spTree>
+      <p:nvGrpSpPr>
+        <p:cNvPr id="1" name="Shape 198">
+          <a:extLst>
+            <a:ext uri="{FF2B5EF4-FFF2-40B4-BE49-F238E27FC236}">
+              <a16:creationId xmlns:a16="http://schemas.microsoft.com/office/drawing/2014/main" id="{9B15D83B-6867-0D5E-562F-1BAC370112D4}"/>
+            </a:ext>
+          </a:extLst>
+        </p:cNvPr>
+        <p:cNvGrpSpPr/>
+        <p:nvPr/>
+      </p:nvGrpSpPr>
+      <p:grpSpPr>
+        <a:xfrm>
+          <a:off x="0" y="0"/>
+          <a:ext cx="0" cy="0"/>
+          <a:chOff x="0" y="0"/>
+          <a:chExt cx="0" cy="0"/>
+        </a:xfrm>
+      </p:grpSpPr>
       <p:sp>
         <p:nvSpPr>
-          <p:cNvPr id="2" name="Google Shape;206;p9">
-            <a:extLst>
-              <a:ext uri="{FF2B5EF4-FFF2-40B4-BE49-F238E27FC236}">
-                <a16:creationId xmlns:a16="http://schemas.microsoft.com/office/drawing/2014/main" id="{E993F6C9-66C6-ABF5-D930-E083E5C46409}"/>
+          <p:cNvPr id="199" name="Google Shape;199;p9">
+            <a:extLst>
+              <a:ext uri="{FF2B5EF4-FFF2-40B4-BE49-F238E27FC236}">
+                <a16:creationId xmlns:a16="http://schemas.microsoft.com/office/drawing/2014/main" id="{626242BB-BEC5-C7F5-9C83-CD61470C2E84}"/>
               </a:ext>
             </a:extLst>
           </p:cNvPr>
@@ -18281,8 +18951,472 @@
         </p:nvSpPr>
         <p:spPr>
           <a:xfrm>
-            <a:off x="2062024" y="4315641"/>
-            <a:ext cx="1094309" cy="381127"/>
+            <a:off x="4733342" y="278098"/>
+            <a:ext cx="7215642" cy="6347791"/>
+          </a:xfrm>
+          <a:prstGeom prst="rect">
+            <a:avLst/>
+          </a:prstGeom>
+          <a:solidFill>
+            <a:schemeClr val="accent1"/>
+          </a:solidFill>
+          <a:ln w="38100" cap="flat" cmpd="sng">
+            <a:solidFill>
+              <a:schemeClr val="lt1"/>
+            </a:solidFill>
+            <a:prstDash val="solid"/>
+            <a:miter lim="800000"/>
+            <a:headEnd type="none" w="sm" len="sm"/>
+            <a:tailEnd type="none" w="sm" len="sm"/>
+          </a:ln>
+        </p:spPr>
+        <p:txBody>
+          <a:bodyPr spcFirstLastPara="1" wrap="square" lIns="91425" tIns="45700" rIns="91425" bIns="45700" anchor="t" anchorCtr="0">
+            <a:noAutofit/>
+          </a:bodyPr>
+          <a:lstStyle/>
+          <a:p>
+            <a:pPr marL="0" marR="0" lvl="0" indent="0" algn="r" rtl="0">
+              <a:spcBef>
+                <a:spcPts val="0"/>
+              </a:spcBef>
+              <a:spcAft>
+                <a:spcPts val="0"/>
+              </a:spcAft>
+              <a:buNone/>
+            </a:pPr>
+            <a:r>
+              <a:rPr lang="en-US" sz="1800" b="0" i="0" u="none" strike="noStrike" cap="none">
+                <a:solidFill>
+                  <a:schemeClr val="lt1"/>
+                </a:solidFill>
+                <a:latin typeface="Calibri"/>
+                <a:ea typeface="Calibri"/>
+                <a:cs typeface="Calibri"/>
+                <a:sym typeface="Calibri"/>
+              </a:rPr>
+              <a:t>Linux</a:t>
+            </a:r>
+            <a:endParaRPr/>
+          </a:p>
+        </p:txBody>
+      </p:sp>
+      <p:sp>
+        <p:nvSpPr>
+          <p:cNvPr id="200" name="Google Shape;200;p9">
+            <a:extLst>
+              <a:ext uri="{FF2B5EF4-FFF2-40B4-BE49-F238E27FC236}">
+                <a16:creationId xmlns:a16="http://schemas.microsoft.com/office/drawing/2014/main" id="{4B1A485F-A367-9156-4142-0397903D57F0}"/>
+              </a:ext>
+            </a:extLst>
+          </p:cNvPr>
+          <p:cNvSpPr/>
+          <p:nvPr/>
+        </p:nvSpPr>
+        <p:spPr>
+          <a:xfrm>
+            <a:off x="873960" y="278098"/>
+            <a:ext cx="2465935" cy="6347791"/>
+          </a:xfrm>
+          <a:prstGeom prst="rect">
+            <a:avLst/>
+          </a:prstGeom>
+          <a:solidFill>
+            <a:schemeClr val="accent1"/>
+          </a:solidFill>
+          <a:ln w="38100" cap="flat" cmpd="sng">
+            <a:solidFill>
+              <a:schemeClr val="lt1"/>
+            </a:solidFill>
+            <a:prstDash val="solid"/>
+            <a:miter lim="800000"/>
+            <a:headEnd type="none" w="sm" len="sm"/>
+            <a:tailEnd type="none" w="sm" len="sm"/>
+          </a:ln>
+        </p:spPr>
+        <p:txBody>
+          <a:bodyPr spcFirstLastPara="1" wrap="square" lIns="91425" tIns="45700" rIns="91425" bIns="45700" anchor="t" anchorCtr="0">
+            <a:noAutofit/>
+          </a:bodyPr>
+          <a:lstStyle/>
+          <a:p>
+            <a:pPr marL="0" marR="0" lvl="0" indent="0" algn="r" rtl="0">
+              <a:spcBef>
+                <a:spcPts val="0"/>
+              </a:spcBef>
+              <a:spcAft>
+                <a:spcPts val="0"/>
+              </a:spcAft>
+              <a:buNone/>
+            </a:pPr>
+            <a:r>
+              <a:rPr lang="en-US" sz="1800" b="0" i="0" u="none" strike="noStrike" cap="none">
+                <a:solidFill>
+                  <a:schemeClr val="lt1"/>
+                </a:solidFill>
+                <a:latin typeface="Calibri"/>
+                <a:ea typeface="Calibri"/>
+                <a:cs typeface="Calibri"/>
+                <a:sym typeface="Calibri"/>
+              </a:rPr>
+              <a:t>Browser</a:t>
+            </a:r>
+            <a:endParaRPr/>
+          </a:p>
+        </p:txBody>
+      </p:sp>
+      <p:sp>
+        <p:nvSpPr>
+          <p:cNvPr id="201" name="Google Shape;201;p9">
+            <a:extLst>
+              <a:ext uri="{FF2B5EF4-FFF2-40B4-BE49-F238E27FC236}">
+                <a16:creationId xmlns:a16="http://schemas.microsoft.com/office/drawing/2014/main" id="{82A3CE7D-AB07-A581-D20A-3932A01ACF3A}"/>
+              </a:ext>
+            </a:extLst>
+          </p:cNvPr>
+          <p:cNvSpPr/>
+          <p:nvPr/>
+        </p:nvSpPr>
+        <p:spPr>
+          <a:xfrm>
+            <a:off x="5987216" y="870579"/>
+            <a:ext cx="5702276" cy="5548575"/>
+          </a:xfrm>
+          <a:prstGeom prst="rect">
+            <a:avLst/>
+          </a:prstGeom>
+          <a:solidFill>
+            <a:srgbClr val="002060"/>
+          </a:solidFill>
+          <a:ln w="38100" cap="flat" cmpd="sng">
+            <a:solidFill>
+              <a:schemeClr val="dk1"/>
+            </a:solidFill>
+            <a:prstDash val="solid"/>
+            <a:miter lim="800000"/>
+            <a:headEnd type="none" w="sm" len="sm"/>
+            <a:tailEnd type="none" w="sm" len="sm"/>
+          </a:ln>
+        </p:spPr>
+        <p:txBody>
+          <a:bodyPr spcFirstLastPara="1" wrap="square" lIns="91425" tIns="45700" rIns="91425" bIns="45700" anchor="t" anchorCtr="0">
+            <a:noAutofit/>
+          </a:bodyPr>
+          <a:lstStyle/>
+          <a:p>
+            <a:pPr marL="0" marR="0" lvl="0" indent="0" algn="r" rtl="0">
+              <a:spcBef>
+                <a:spcPts val="0"/>
+              </a:spcBef>
+              <a:spcAft>
+                <a:spcPts val="0"/>
+              </a:spcAft>
+              <a:buNone/>
+            </a:pPr>
+            <a:r>
+              <a:rPr lang="en-US" sz="1800" b="0" i="0" u="none" strike="noStrike" cap="none">
+                <a:solidFill>
+                  <a:schemeClr val="lt1"/>
+                </a:solidFill>
+                <a:latin typeface="Calibri"/>
+                <a:ea typeface="Calibri"/>
+                <a:cs typeface="Calibri"/>
+                <a:sym typeface="Calibri"/>
+              </a:rPr>
+              <a:t>Django</a:t>
+            </a:r>
+            <a:endParaRPr sz="1800" b="0" i="0" u="none" strike="noStrike" cap="none">
+              <a:solidFill>
+                <a:schemeClr val="lt1"/>
+              </a:solidFill>
+              <a:latin typeface="Calibri"/>
+              <a:ea typeface="Calibri"/>
+              <a:cs typeface="Calibri"/>
+              <a:sym typeface="Calibri"/>
+            </a:endParaRPr>
+          </a:p>
+        </p:txBody>
+      </p:sp>
+      <p:sp>
+        <p:nvSpPr>
+          <p:cNvPr id="202" name="Google Shape;202;p9">
+            <a:extLst>
+              <a:ext uri="{FF2B5EF4-FFF2-40B4-BE49-F238E27FC236}">
+                <a16:creationId xmlns:a16="http://schemas.microsoft.com/office/drawing/2014/main" id="{502E7157-AB1B-89C5-8D52-C408B1A04283}"/>
+              </a:ext>
+            </a:extLst>
+          </p:cNvPr>
+          <p:cNvSpPr txBox="1"/>
+          <p:nvPr/>
+        </p:nvSpPr>
+        <p:spPr>
+          <a:xfrm>
+            <a:off x="5987216" y="404858"/>
+            <a:ext cx="1295291" cy="369332"/>
+          </a:xfrm>
+          <a:prstGeom prst="rect">
+            <a:avLst/>
+          </a:prstGeom>
+          <a:solidFill>
+            <a:schemeClr val="dk1"/>
+          </a:solidFill>
+          <a:ln>
+            <a:noFill/>
+          </a:ln>
+        </p:spPr>
+        <p:txBody>
+          <a:bodyPr spcFirstLastPara="1" wrap="square" lIns="91425" tIns="45700" rIns="91425" bIns="45700" anchor="t" anchorCtr="0">
+            <a:spAutoFit/>
+          </a:bodyPr>
+          <a:lstStyle/>
+          <a:p>
+            <a:pPr marL="0" marR="0" lvl="0" indent="0" algn="l" rtl="0">
+              <a:spcBef>
+                <a:spcPts val="0"/>
+              </a:spcBef>
+              <a:spcAft>
+                <a:spcPts val="0"/>
+              </a:spcAft>
+              <a:buNone/>
+            </a:pPr>
+            <a:r>
+              <a:rPr lang="en-US" sz="1800" b="0" i="0" u="none" strike="noStrike" cap="none">
+                <a:solidFill>
+                  <a:schemeClr val="lt1"/>
+                </a:solidFill>
+                <a:latin typeface="Calibri"/>
+                <a:ea typeface="Calibri"/>
+                <a:cs typeface="Calibri"/>
+                <a:sym typeface="Calibri"/>
+              </a:rPr>
+              <a:t>WGSIConfig</a:t>
+            </a:r>
+            <a:endParaRPr sz="1800">
+              <a:solidFill>
+                <a:schemeClr val="lt1"/>
+              </a:solidFill>
+              <a:latin typeface="Calibri"/>
+              <a:ea typeface="Calibri"/>
+              <a:cs typeface="Calibri"/>
+              <a:sym typeface="Calibri"/>
+            </a:endParaRPr>
+          </a:p>
+        </p:txBody>
+      </p:sp>
+      <p:sp>
+        <p:nvSpPr>
+          <p:cNvPr id="203" name="Google Shape;203;p9">
+            <a:extLst>
+              <a:ext uri="{FF2B5EF4-FFF2-40B4-BE49-F238E27FC236}">
+                <a16:creationId xmlns:a16="http://schemas.microsoft.com/office/drawing/2014/main" id="{38ABEFBC-6901-1594-670F-3D83C40748A3}"/>
+              </a:ext>
+            </a:extLst>
+          </p:cNvPr>
+          <p:cNvSpPr/>
+          <p:nvPr/>
+        </p:nvSpPr>
+        <p:spPr>
+          <a:xfrm>
+            <a:off x="6347167" y="1101696"/>
+            <a:ext cx="1086678" cy="1033669"/>
+          </a:xfrm>
+          <a:prstGeom prst="roundRect">
+            <a:avLst>
+              <a:gd name="adj" fmla="val 16667"/>
+            </a:avLst>
+          </a:prstGeom>
+          <a:solidFill>
+            <a:srgbClr val="0070C0"/>
+          </a:solidFill>
+          <a:ln w="9525" cap="flat" cmpd="sng">
+            <a:solidFill>
+              <a:schemeClr val="dk1"/>
+            </a:solidFill>
+            <a:prstDash val="solid"/>
+            <a:miter lim="800000"/>
+            <a:headEnd type="none" w="sm" len="sm"/>
+            <a:tailEnd type="none" w="sm" len="sm"/>
+          </a:ln>
+        </p:spPr>
+        <p:txBody>
+          <a:bodyPr spcFirstLastPara="1" wrap="square" lIns="91425" tIns="45700" rIns="91425" bIns="45700" anchor="ctr" anchorCtr="0">
+            <a:noAutofit/>
+          </a:bodyPr>
+          <a:lstStyle/>
+          <a:p>
+            <a:pPr marL="0" marR="0" lvl="0" indent="0" algn="ctr" rtl="0">
+              <a:spcBef>
+                <a:spcPts val="0"/>
+              </a:spcBef>
+              <a:spcAft>
+                <a:spcPts val="0"/>
+              </a:spcAft>
+              <a:buNone/>
+            </a:pPr>
+            <a:r>
+              <a:rPr lang="en-US" sz="1800">
+                <a:solidFill>
+                  <a:schemeClr val="lt1"/>
+                </a:solidFill>
+                <a:latin typeface="Calibri"/>
+                <a:ea typeface="Calibri"/>
+                <a:cs typeface="Calibri"/>
+                <a:sym typeface="Calibri"/>
+              </a:rPr>
+              <a:t>Routing</a:t>
+            </a:r>
+            <a:endParaRPr/>
+          </a:p>
+        </p:txBody>
+      </p:sp>
+      <p:sp>
+        <p:nvSpPr>
+          <p:cNvPr id="204" name="Google Shape;204;p9">
+            <a:extLst>
+              <a:ext uri="{FF2B5EF4-FFF2-40B4-BE49-F238E27FC236}">
+                <a16:creationId xmlns:a16="http://schemas.microsoft.com/office/drawing/2014/main" id="{E5EDDC3C-D60E-2D3F-BF48-14DFCE806372}"/>
+              </a:ext>
+            </a:extLst>
+          </p:cNvPr>
+          <p:cNvSpPr/>
+          <p:nvPr/>
+        </p:nvSpPr>
+        <p:spPr>
+          <a:xfrm>
+            <a:off x="6347167" y="2675805"/>
+            <a:ext cx="1086678" cy="1033669"/>
+          </a:xfrm>
+          <a:prstGeom prst="roundRect">
+            <a:avLst>
+              <a:gd name="adj" fmla="val 16667"/>
+            </a:avLst>
+          </a:prstGeom>
+          <a:solidFill>
+            <a:srgbClr val="FF7F00"/>
+          </a:solidFill>
+          <a:ln w="9525" cap="flat" cmpd="sng">
+            <a:solidFill>
+              <a:schemeClr val="dk1"/>
+            </a:solidFill>
+            <a:prstDash val="solid"/>
+            <a:miter lim="800000"/>
+            <a:headEnd type="none" w="sm" len="sm"/>
+            <a:tailEnd type="none" w="sm" len="sm"/>
+          </a:ln>
+        </p:spPr>
+        <p:txBody>
+          <a:bodyPr spcFirstLastPara="1" wrap="square" lIns="91425" tIns="45700" rIns="91425" bIns="45700" anchor="ctr" anchorCtr="0">
+            <a:noAutofit/>
+          </a:bodyPr>
+          <a:lstStyle/>
+          <a:p>
+            <a:pPr marL="0" marR="0" lvl="0" indent="0" algn="ctr" rtl="0">
+              <a:spcBef>
+                <a:spcPts val="0"/>
+              </a:spcBef>
+              <a:spcAft>
+                <a:spcPts val="0"/>
+              </a:spcAft>
+              <a:buNone/>
+            </a:pPr>
+            <a:r>
+              <a:rPr lang="en-US" sz="1800">
+                <a:solidFill>
+                  <a:schemeClr val="dk1"/>
+                </a:solidFill>
+                <a:latin typeface="Calibri"/>
+                <a:ea typeface="Calibri"/>
+                <a:cs typeface="Calibri"/>
+                <a:sym typeface="Calibri"/>
+              </a:rPr>
+              <a:t>Views</a:t>
+            </a:r>
+            <a:endParaRPr/>
+          </a:p>
+        </p:txBody>
+      </p:sp>
+      <p:sp>
+        <p:nvSpPr>
+          <p:cNvPr id="205" name="Google Shape;205;p9">
+            <a:extLst>
+              <a:ext uri="{FF2B5EF4-FFF2-40B4-BE49-F238E27FC236}">
+                <a16:creationId xmlns:a16="http://schemas.microsoft.com/office/drawing/2014/main" id="{0D08254E-9958-D0CA-0425-6BC48ECDC282}"/>
+              </a:ext>
+            </a:extLst>
+          </p:cNvPr>
+          <p:cNvSpPr/>
+          <p:nvPr/>
+        </p:nvSpPr>
+        <p:spPr>
+          <a:xfrm>
+            <a:off x="9813128" y="4173528"/>
+            <a:ext cx="1577009" cy="646266"/>
+          </a:xfrm>
+          <a:prstGeom prst="can">
+            <a:avLst>
+              <a:gd name="adj" fmla="val 25000"/>
+            </a:avLst>
+          </a:prstGeom>
+          <a:solidFill>
+            <a:srgbClr val="0070C0"/>
+          </a:solidFill>
+          <a:ln w="12700" cap="flat" cmpd="sng">
+            <a:solidFill>
+              <a:srgbClr val="1D7F66"/>
+            </a:solidFill>
+            <a:prstDash val="solid"/>
+            <a:miter lim="800000"/>
+            <a:headEnd type="none" w="sm" len="sm"/>
+            <a:tailEnd type="none" w="sm" len="sm"/>
+          </a:ln>
+        </p:spPr>
+        <p:txBody>
+          <a:bodyPr spcFirstLastPara="1" wrap="square" lIns="91425" tIns="45700" rIns="91425" bIns="45700" anchor="ctr" anchorCtr="0">
+            <a:noAutofit/>
+          </a:bodyPr>
+          <a:lstStyle/>
+          <a:p>
+            <a:pPr marL="0" marR="0" lvl="0" indent="0" algn="ctr" rtl="0">
+              <a:spcBef>
+                <a:spcPts val="0"/>
+              </a:spcBef>
+              <a:spcAft>
+                <a:spcPts val="0"/>
+              </a:spcAft>
+              <a:buNone/>
+            </a:pPr>
+            <a:r>
+              <a:rPr lang="en-US" sz="1800">
+                <a:solidFill>
+                  <a:schemeClr val="lt1"/>
+                </a:solidFill>
+                <a:latin typeface="Calibri"/>
+                <a:ea typeface="Calibri"/>
+                <a:cs typeface="Calibri"/>
+                <a:sym typeface="Calibri"/>
+              </a:rPr>
+              <a:t>Database</a:t>
+            </a:r>
+            <a:endParaRPr/>
+          </a:p>
+        </p:txBody>
+      </p:sp>
+      <p:sp>
+        <p:nvSpPr>
+          <p:cNvPr id="206" name="Google Shape;206;p9">
+            <a:extLst>
+              <a:ext uri="{FF2B5EF4-FFF2-40B4-BE49-F238E27FC236}">
+                <a16:creationId xmlns:a16="http://schemas.microsoft.com/office/drawing/2014/main" id="{B72A3EC1-2A31-2ADE-EF9C-88A61AE06EC3}"/>
+              </a:ext>
+            </a:extLst>
+          </p:cNvPr>
+          <p:cNvSpPr/>
+          <p:nvPr/>
+        </p:nvSpPr>
+        <p:spPr>
+          <a:xfrm>
+            <a:off x="10090027" y="2904193"/>
+            <a:ext cx="1367113" cy="516836"/>
           </a:xfrm>
           <a:prstGeom prst="roundRect">
             <a:avLst>
@@ -18329,7 +19463,7 @@
               <a:buNone/>
             </a:pPr>
             <a:r>
-              <a:rPr lang="en-US" sz="1600" dirty="0">
+              <a:rPr lang="en-US" sz="1800" dirty="0">
                 <a:solidFill>
                   <a:schemeClr val="dk1"/>
                 </a:solidFill>
@@ -18340,7 +19474,7 @@
               </a:rPr>
               <a:t>Templates</a:t>
             </a:r>
-            <a:endParaRPr sz="1600" dirty="0">
+            <a:endParaRPr sz="1800" dirty="0">
               <a:solidFill>
                 <a:schemeClr val="dk1"/>
               </a:solidFill>
@@ -18352,26 +19486,851 @@
           </a:p>
         </p:txBody>
       </p:sp>
+      <p:sp>
+        <p:nvSpPr>
+          <p:cNvPr id="207" name="Google Shape;207;p9">
+            <a:extLst>
+              <a:ext uri="{FF2B5EF4-FFF2-40B4-BE49-F238E27FC236}">
+                <a16:creationId xmlns:a16="http://schemas.microsoft.com/office/drawing/2014/main" id="{4171A45D-BDF4-6411-C05F-ABACBA52A133}"/>
+              </a:ext>
+            </a:extLst>
+          </p:cNvPr>
+          <p:cNvSpPr/>
+          <p:nvPr/>
+        </p:nvSpPr>
+        <p:spPr>
+          <a:xfrm>
+            <a:off x="7933975" y="404637"/>
+            <a:ext cx="1603514" cy="369554"/>
+          </a:xfrm>
+          <a:prstGeom prst="roundRect">
+            <a:avLst>
+              <a:gd name="adj" fmla="val 16667"/>
+            </a:avLst>
+          </a:prstGeom>
+          <a:gradFill>
+            <a:gsLst>
+              <a:gs pos="0">
+                <a:srgbClr val="9A9A9A"/>
+              </a:gs>
+              <a:gs pos="50000">
+                <a:srgbClr val="8D8D8D"/>
+              </a:gs>
+              <a:gs pos="100000">
+                <a:srgbClr val="787878"/>
+              </a:gs>
+            </a:gsLst>
+            <a:lin ang="5400000" scaled="0"/>
+          </a:gradFill>
+          <a:ln w="9525" cap="flat" cmpd="sng">
+            <a:solidFill>
+              <a:schemeClr val="dk1"/>
+            </a:solidFill>
+            <a:prstDash val="solid"/>
+            <a:miter lim="800000"/>
+            <a:headEnd type="none" w="sm" len="sm"/>
+            <a:tailEnd type="none" w="sm" len="sm"/>
+          </a:ln>
+        </p:spPr>
+        <p:txBody>
+          <a:bodyPr spcFirstLastPara="1" wrap="square" lIns="91425" tIns="45700" rIns="91425" bIns="45700" anchor="ctr" anchorCtr="0">
+            <a:noAutofit/>
+          </a:bodyPr>
+          <a:lstStyle/>
+          <a:p>
+            <a:pPr marL="0" marR="0" lvl="0" indent="0" algn="ctr" rtl="0">
+              <a:spcBef>
+                <a:spcPts val="0"/>
+              </a:spcBef>
+              <a:spcAft>
+                <a:spcPts val="0"/>
+              </a:spcAft>
+              <a:buNone/>
+            </a:pPr>
+            <a:r>
+              <a:rPr lang="en-US" sz="1800">
+                <a:solidFill>
+                  <a:schemeClr val="dk1"/>
+                </a:solidFill>
+                <a:latin typeface="Calibri"/>
+                <a:ea typeface="Calibri"/>
+                <a:cs typeface="Calibri"/>
+                <a:sym typeface="Calibri"/>
+              </a:rPr>
+              <a:t>settings.py</a:t>
+            </a:r>
+            <a:endParaRPr sz="1800">
+              <a:solidFill>
+                <a:schemeClr val="dk1"/>
+              </a:solidFill>
+              <a:latin typeface="Calibri"/>
+              <a:ea typeface="Calibri"/>
+              <a:cs typeface="Calibri"/>
+              <a:sym typeface="Calibri"/>
+            </a:endParaRPr>
+          </a:p>
+        </p:txBody>
+      </p:sp>
       <p:cxnSp>
         <p:nvCxnSpPr>
-          <p:cNvPr id="3" name="Google Shape;232;p9">
-            <a:extLst>
-              <a:ext uri="{FF2B5EF4-FFF2-40B4-BE49-F238E27FC236}">
-                <a16:creationId xmlns:a16="http://schemas.microsoft.com/office/drawing/2014/main" id="{AD5BC718-FCF3-1764-9074-2687CA254352}"/>
+          <p:cNvPr id="208" name="Google Shape;208;p9">
+            <a:extLst>
+              <a:ext uri="{FF2B5EF4-FFF2-40B4-BE49-F238E27FC236}">
+                <a16:creationId xmlns:a16="http://schemas.microsoft.com/office/drawing/2014/main" id="{0B6660C3-401C-CDCF-EE42-578AB6B1B35C}"/>
+              </a:ext>
+            </a:extLst>
+          </p:cNvPr>
+          <p:cNvCxnSpPr/>
+          <p:nvPr/>
+        </p:nvCxnSpPr>
+        <p:spPr>
+          <a:xfrm flipH="1">
+            <a:off x="7208365" y="589414"/>
+            <a:ext cx="725611" cy="110"/>
+          </a:xfrm>
+          <a:prstGeom prst="straightConnector1">
+            <a:avLst/>
+          </a:prstGeom>
+          <a:noFill/>
+          <a:ln w="38100" cap="flat" cmpd="sng">
+            <a:solidFill>
+              <a:schemeClr val="lt1"/>
+            </a:solidFill>
+            <a:prstDash val="solid"/>
+            <a:miter lim="800000"/>
+            <a:headEnd type="none" w="sm" len="sm"/>
+            <a:tailEnd type="triangle" w="med" len="med"/>
+          </a:ln>
+        </p:spPr>
+      </p:cxnSp>
+      <p:sp>
+        <p:nvSpPr>
+          <p:cNvPr id="209" name="Google Shape;209;p9">
+            <a:extLst>
+              <a:ext uri="{FF2B5EF4-FFF2-40B4-BE49-F238E27FC236}">
+                <a16:creationId xmlns:a16="http://schemas.microsoft.com/office/drawing/2014/main" id="{2BEFAADB-5180-A299-5080-9EAD05E43973}"/>
+              </a:ext>
+            </a:extLst>
+          </p:cNvPr>
+          <p:cNvSpPr/>
+          <p:nvPr/>
+        </p:nvSpPr>
+        <p:spPr>
+          <a:xfrm>
+            <a:off x="4999929" y="404637"/>
+            <a:ext cx="516835" cy="6105958"/>
+          </a:xfrm>
+          <a:prstGeom prst="rect">
+            <a:avLst/>
+          </a:prstGeom>
+          <a:solidFill>
+            <a:srgbClr val="002060"/>
+          </a:solidFill>
+          <a:ln w="38100" cap="flat" cmpd="sng">
+            <a:solidFill>
+              <a:schemeClr val="dk1"/>
+            </a:solidFill>
+            <a:prstDash val="solid"/>
+            <a:miter lim="800000"/>
+            <a:headEnd type="none" w="sm" len="sm"/>
+            <a:tailEnd type="none" w="sm" len="sm"/>
+          </a:ln>
+        </p:spPr>
+        <p:txBody>
+          <a:bodyPr spcFirstLastPara="1" wrap="square" lIns="91425" tIns="45700" rIns="91425" bIns="45700" anchor="b" anchorCtr="0">
+            <a:noAutofit/>
+          </a:bodyPr>
+          <a:lstStyle/>
+          <a:p>
+            <a:pPr marL="0" marR="0" lvl="0" indent="0" algn="ctr" rtl="0">
+              <a:spcBef>
+                <a:spcPts val="0"/>
+              </a:spcBef>
+              <a:spcAft>
+                <a:spcPts val="0"/>
+              </a:spcAft>
+              <a:buNone/>
+            </a:pPr>
+            <a:r>
+              <a:rPr lang="en-US" sz="1800">
+                <a:solidFill>
+                  <a:schemeClr val="lt1"/>
+                </a:solidFill>
+                <a:latin typeface="Calibri"/>
+                <a:ea typeface="Calibri"/>
+                <a:cs typeface="Calibri"/>
+                <a:sym typeface="Calibri"/>
+              </a:rPr>
+              <a:t>N</a:t>
+            </a:r>
+            <a:endParaRPr/>
+          </a:p>
+          <a:p>
+            <a:pPr marL="0" marR="0" lvl="0" indent="0" algn="ctr" rtl="0">
+              <a:spcBef>
+                <a:spcPts val="0"/>
+              </a:spcBef>
+              <a:spcAft>
+                <a:spcPts val="0"/>
+              </a:spcAft>
+              <a:buNone/>
+            </a:pPr>
+            <a:r>
+              <a:rPr lang="en-US" sz="1800">
+                <a:solidFill>
+                  <a:schemeClr val="lt1"/>
+                </a:solidFill>
+                <a:latin typeface="Calibri"/>
+                <a:ea typeface="Calibri"/>
+                <a:cs typeface="Calibri"/>
+                <a:sym typeface="Calibri"/>
+              </a:rPr>
+              <a:t>G</a:t>
+            </a:r>
+            <a:endParaRPr/>
+          </a:p>
+          <a:p>
+            <a:pPr marL="0" marR="0" lvl="0" indent="0" algn="ctr" rtl="0">
+              <a:spcBef>
+                <a:spcPts val="0"/>
+              </a:spcBef>
+              <a:spcAft>
+                <a:spcPts val="0"/>
+              </a:spcAft>
+              <a:buNone/>
+            </a:pPr>
+            <a:r>
+              <a:rPr lang="en-US" sz="1800">
+                <a:solidFill>
+                  <a:schemeClr val="lt1"/>
+                </a:solidFill>
+                <a:latin typeface="Calibri"/>
+                <a:ea typeface="Calibri"/>
+                <a:cs typeface="Calibri"/>
+                <a:sym typeface="Calibri"/>
+              </a:rPr>
+              <a:t>I</a:t>
+            </a:r>
+            <a:endParaRPr/>
+          </a:p>
+          <a:p>
+            <a:pPr marL="0" marR="0" lvl="0" indent="0" algn="ctr" rtl="0">
+              <a:spcBef>
+                <a:spcPts val="0"/>
+              </a:spcBef>
+              <a:spcAft>
+                <a:spcPts val="0"/>
+              </a:spcAft>
+              <a:buNone/>
+            </a:pPr>
+            <a:r>
+              <a:rPr lang="en-US" sz="1800">
+                <a:solidFill>
+                  <a:schemeClr val="lt1"/>
+                </a:solidFill>
+                <a:latin typeface="Calibri"/>
+                <a:ea typeface="Calibri"/>
+                <a:cs typeface="Calibri"/>
+                <a:sym typeface="Calibri"/>
+              </a:rPr>
+              <a:t>N</a:t>
+            </a:r>
+            <a:br>
+              <a:rPr lang="en-US" sz="1800">
+                <a:solidFill>
+                  <a:schemeClr val="lt1"/>
+                </a:solidFill>
+                <a:latin typeface="Calibri"/>
+                <a:ea typeface="Calibri"/>
+                <a:cs typeface="Calibri"/>
+                <a:sym typeface="Calibri"/>
+              </a:rPr>
+            </a:br>
+            <a:r>
+              <a:rPr lang="en-US" sz="1800">
+                <a:solidFill>
+                  <a:schemeClr val="lt1"/>
+                </a:solidFill>
+                <a:latin typeface="Calibri"/>
+                <a:ea typeface="Calibri"/>
+                <a:cs typeface="Calibri"/>
+                <a:sym typeface="Calibri"/>
+              </a:rPr>
+              <a:t>X</a:t>
+            </a:r>
+            <a:endParaRPr/>
+          </a:p>
+          <a:p>
+            <a:pPr marL="0" marR="0" lvl="0" indent="0" algn="ctr" rtl="0">
+              <a:spcBef>
+                <a:spcPts val="0"/>
+              </a:spcBef>
+              <a:spcAft>
+                <a:spcPts val="0"/>
+              </a:spcAft>
+              <a:buNone/>
+            </a:pPr>
+            <a:endParaRPr sz="1800">
+              <a:solidFill>
+                <a:schemeClr val="lt1"/>
+              </a:solidFill>
+              <a:latin typeface="Calibri"/>
+              <a:ea typeface="Calibri"/>
+              <a:cs typeface="Calibri"/>
+              <a:sym typeface="Calibri"/>
+            </a:endParaRPr>
+          </a:p>
+        </p:txBody>
+      </p:sp>
+      <p:cxnSp>
+        <p:nvCxnSpPr>
+          <p:cNvPr id="210" name="Google Shape;210;p9">
+            <a:extLst>
+              <a:ext uri="{FF2B5EF4-FFF2-40B4-BE49-F238E27FC236}">
+                <a16:creationId xmlns:a16="http://schemas.microsoft.com/office/drawing/2014/main" id="{D22406C6-60EE-560C-F861-15D137174888}"/>
               </a:ext>
             </a:extLst>
           </p:cNvPr>
           <p:cNvCxnSpPr>
-            <a:cxnSpLocks/>
-            <a:stCxn id="2" idx="1"/>
-            <a:endCxn id="224" idx="3"/>
+            <a:stCxn id="211" idx="1"/>
+            <a:endCxn id="203" idx="3"/>
           </p:cNvCxnSpPr>
           <p:nvPr/>
         </p:nvCxnSpPr>
         <p:spPr>
-          <a:xfrm flipH="1" flipV="1">
-            <a:off x="1595597" y="3457616"/>
-            <a:ext cx="466427" cy="1048589"/>
+          <a:xfrm flipH="1">
+            <a:off x="7433812" y="1610800"/>
+            <a:ext cx="1404900" cy="7800"/>
+          </a:xfrm>
+          <a:prstGeom prst="straightConnector1">
+            <a:avLst/>
+          </a:prstGeom>
+          <a:noFill/>
+          <a:ln w="38100" cap="flat" cmpd="sng">
+            <a:solidFill>
+              <a:schemeClr val="lt1"/>
+            </a:solidFill>
+            <a:prstDash val="solid"/>
+            <a:miter lim="800000"/>
+            <a:headEnd type="none" w="sm" len="sm"/>
+            <a:tailEnd type="triangle" w="med" len="med"/>
+          </a:ln>
+        </p:spPr>
+      </p:cxnSp>
+      <p:cxnSp>
+        <p:nvCxnSpPr>
+          <p:cNvPr id="212" name="Google Shape;212;p9">
+            <a:extLst>
+              <a:ext uri="{FF2B5EF4-FFF2-40B4-BE49-F238E27FC236}">
+                <a16:creationId xmlns:a16="http://schemas.microsoft.com/office/drawing/2014/main" id="{2737A23B-29D6-8647-C1F0-E20D7A1172D1}"/>
+              </a:ext>
+            </a:extLst>
+          </p:cNvPr>
+          <p:cNvCxnSpPr>
+            <a:stCxn id="213" idx="1"/>
+            <a:endCxn id="204" idx="3"/>
+          </p:cNvCxnSpPr>
+          <p:nvPr/>
+        </p:nvCxnSpPr>
+        <p:spPr>
+          <a:xfrm flipH="1">
+            <a:off x="7433824" y="2574964"/>
+            <a:ext cx="1026000" cy="617700"/>
+          </a:xfrm>
+          <a:prstGeom prst="straightConnector1">
+            <a:avLst/>
+          </a:prstGeom>
+          <a:noFill/>
+          <a:ln w="38100" cap="flat" cmpd="sng">
+            <a:solidFill>
+              <a:schemeClr val="lt1"/>
+            </a:solidFill>
+            <a:prstDash val="solid"/>
+            <a:miter lim="800000"/>
+            <a:headEnd type="none" w="sm" len="sm"/>
+            <a:tailEnd type="triangle" w="med" len="med"/>
+          </a:ln>
+        </p:spPr>
+      </p:cxnSp>
+      <p:cxnSp>
+        <p:nvCxnSpPr>
+          <p:cNvPr id="214" name="Google Shape;214;p9">
+            <a:extLst>
+              <a:ext uri="{FF2B5EF4-FFF2-40B4-BE49-F238E27FC236}">
+                <a16:creationId xmlns:a16="http://schemas.microsoft.com/office/drawing/2014/main" id="{A4D432F1-D985-08B9-4E5E-0658A7357605}"/>
+              </a:ext>
+            </a:extLst>
+          </p:cNvPr>
+          <p:cNvCxnSpPr>
+            <a:stCxn id="206" idx="1"/>
+            <a:endCxn id="204" idx="3"/>
+          </p:cNvCxnSpPr>
+          <p:nvPr/>
+        </p:nvCxnSpPr>
+        <p:spPr>
+          <a:xfrm flipH="1">
+            <a:off x="7433827" y="3162611"/>
+            <a:ext cx="2656200" cy="30000"/>
+          </a:xfrm>
+          <a:prstGeom prst="straightConnector1">
+            <a:avLst/>
+          </a:prstGeom>
+          <a:noFill/>
+          <a:ln w="38100" cap="flat" cmpd="sng">
+            <a:solidFill>
+              <a:schemeClr val="lt1"/>
+            </a:solidFill>
+            <a:prstDash val="solid"/>
+            <a:miter lim="800000"/>
+            <a:headEnd type="none" w="sm" len="sm"/>
+            <a:tailEnd type="triangle" w="med" len="med"/>
+          </a:ln>
+        </p:spPr>
+      </p:cxnSp>
+      <p:cxnSp>
+        <p:nvCxnSpPr>
+          <p:cNvPr id="215" name="Google Shape;215;p9">
+            <a:extLst>
+              <a:ext uri="{FF2B5EF4-FFF2-40B4-BE49-F238E27FC236}">
+                <a16:creationId xmlns:a16="http://schemas.microsoft.com/office/drawing/2014/main" id="{F0F8F8BD-6E16-AA07-9EF0-59F09138C6CC}"/>
+              </a:ext>
+            </a:extLst>
+          </p:cNvPr>
+          <p:cNvCxnSpPr>
+            <a:stCxn id="216" idx="1"/>
+            <a:endCxn id="204" idx="3"/>
+          </p:cNvCxnSpPr>
+          <p:nvPr/>
+        </p:nvCxnSpPr>
+        <p:spPr>
+          <a:xfrm rot="10800000">
+            <a:off x="7433824" y="3192750"/>
+            <a:ext cx="1026000" cy="523200"/>
+          </a:xfrm>
+          <a:prstGeom prst="straightConnector1">
+            <a:avLst/>
+          </a:prstGeom>
+          <a:noFill/>
+          <a:ln w="38100" cap="flat" cmpd="sng">
+            <a:solidFill>
+              <a:schemeClr val="lt1"/>
+            </a:solidFill>
+            <a:prstDash val="solid"/>
+            <a:miter lim="800000"/>
+            <a:headEnd type="none" w="sm" len="sm"/>
+            <a:tailEnd type="triangle" w="med" len="med"/>
+          </a:ln>
+        </p:spPr>
+      </p:cxnSp>
+      <p:cxnSp>
+        <p:nvCxnSpPr>
+          <p:cNvPr id="217" name="Google Shape;217;p9">
+            <a:extLst>
+              <a:ext uri="{FF2B5EF4-FFF2-40B4-BE49-F238E27FC236}">
+                <a16:creationId xmlns:a16="http://schemas.microsoft.com/office/drawing/2014/main" id="{E9D0E702-0309-F0D9-9AAF-5443765FB55F}"/>
+              </a:ext>
+            </a:extLst>
+          </p:cNvPr>
+          <p:cNvCxnSpPr>
+            <a:stCxn id="205" idx="2"/>
+            <a:endCxn id="218" idx="3"/>
+          </p:cNvCxnSpPr>
+          <p:nvPr/>
+        </p:nvCxnSpPr>
+        <p:spPr>
+          <a:xfrm flipH="1">
+            <a:off x="9208028" y="4496661"/>
+            <a:ext cx="605100" cy="435300"/>
+          </a:xfrm>
+          <a:prstGeom prst="straightConnector1">
+            <a:avLst/>
+          </a:prstGeom>
+          <a:noFill/>
+          <a:ln w="38100" cap="flat" cmpd="sng">
+            <a:solidFill>
+              <a:schemeClr val="lt1"/>
+            </a:solidFill>
+            <a:prstDash val="solid"/>
+            <a:miter lim="800000"/>
+            <a:headEnd type="triangle" w="med" len="med"/>
+            <a:tailEnd type="triangle" w="med" len="med"/>
+          </a:ln>
+        </p:spPr>
+      </p:cxnSp>
+      <p:sp>
+        <p:nvSpPr>
+          <p:cNvPr id="211" name="Google Shape;211;p9">
+            <a:extLst>
+              <a:ext uri="{FF2B5EF4-FFF2-40B4-BE49-F238E27FC236}">
+                <a16:creationId xmlns:a16="http://schemas.microsoft.com/office/drawing/2014/main" id="{3C7CEAF0-72C2-F8D7-7409-924E2C7439BA}"/>
+              </a:ext>
+            </a:extLst>
+          </p:cNvPr>
+          <p:cNvSpPr/>
+          <p:nvPr/>
+        </p:nvSpPr>
+        <p:spPr>
+          <a:xfrm>
+            <a:off x="8838712" y="1385733"/>
+            <a:ext cx="1439996" cy="450133"/>
+          </a:xfrm>
+          <a:prstGeom prst="roundRect">
+            <a:avLst>
+              <a:gd name="adj" fmla="val 16667"/>
+            </a:avLst>
+          </a:prstGeom>
+          <a:gradFill>
+            <a:gsLst>
+              <a:gs pos="0">
+                <a:srgbClr val="9A9A9A"/>
+              </a:gs>
+              <a:gs pos="50000">
+                <a:srgbClr val="8D8D8D"/>
+              </a:gs>
+              <a:gs pos="100000">
+                <a:srgbClr val="787878"/>
+              </a:gs>
+            </a:gsLst>
+            <a:lin ang="5400000" scaled="0"/>
+          </a:gradFill>
+          <a:ln w="9525" cap="flat" cmpd="sng">
+            <a:solidFill>
+              <a:schemeClr val="dk1"/>
+            </a:solidFill>
+            <a:prstDash val="solid"/>
+            <a:miter lim="800000"/>
+            <a:headEnd type="none" w="sm" len="sm"/>
+            <a:tailEnd type="none" w="sm" len="sm"/>
+          </a:ln>
+        </p:spPr>
+        <p:txBody>
+          <a:bodyPr spcFirstLastPara="1" wrap="square" lIns="91425" tIns="45700" rIns="91425" bIns="45700" anchor="ctr" anchorCtr="0">
+            <a:noAutofit/>
+          </a:bodyPr>
+          <a:lstStyle/>
+          <a:p>
+            <a:pPr marL="0" marR="0" lvl="0" indent="0" algn="ctr" rtl="0">
+              <a:spcBef>
+                <a:spcPts val="0"/>
+              </a:spcBef>
+              <a:spcAft>
+                <a:spcPts val="0"/>
+              </a:spcAft>
+              <a:buNone/>
+            </a:pPr>
+            <a:r>
+              <a:rPr lang="en-US" sz="1800">
+                <a:solidFill>
+                  <a:schemeClr val="dk1"/>
+                </a:solidFill>
+                <a:latin typeface="Calibri"/>
+                <a:ea typeface="Calibri"/>
+                <a:cs typeface="Calibri"/>
+                <a:sym typeface="Calibri"/>
+              </a:rPr>
+              <a:t>urls.py</a:t>
+            </a:r>
+            <a:endParaRPr sz="1800">
+              <a:solidFill>
+                <a:schemeClr val="dk1"/>
+              </a:solidFill>
+              <a:latin typeface="Calibri"/>
+              <a:ea typeface="Calibri"/>
+              <a:cs typeface="Calibri"/>
+              <a:sym typeface="Calibri"/>
+            </a:endParaRPr>
+          </a:p>
+        </p:txBody>
+      </p:sp>
+      <p:sp>
+        <p:nvSpPr>
+          <p:cNvPr id="213" name="Google Shape;213;p9">
+            <a:extLst>
+              <a:ext uri="{FF2B5EF4-FFF2-40B4-BE49-F238E27FC236}">
+                <a16:creationId xmlns:a16="http://schemas.microsoft.com/office/drawing/2014/main" id="{95F2000A-2F50-52B2-3914-A6DB557B6690}"/>
+              </a:ext>
+            </a:extLst>
+          </p:cNvPr>
+          <p:cNvSpPr/>
+          <p:nvPr/>
+        </p:nvSpPr>
+        <p:spPr>
+          <a:xfrm>
+            <a:off x="8459824" y="2316546"/>
+            <a:ext cx="1308844" cy="516836"/>
+          </a:xfrm>
+          <a:prstGeom prst="roundRect">
+            <a:avLst>
+              <a:gd name="adj" fmla="val 16667"/>
+            </a:avLst>
+          </a:prstGeom>
+          <a:gradFill>
+            <a:gsLst>
+              <a:gs pos="0">
+                <a:srgbClr val="9A9A9A"/>
+              </a:gs>
+              <a:gs pos="50000">
+                <a:srgbClr val="8D8D8D"/>
+              </a:gs>
+              <a:gs pos="100000">
+                <a:srgbClr val="787878"/>
+              </a:gs>
+            </a:gsLst>
+            <a:lin ang="5400000" scaled="0"/>
+          </a:gradFill>
+          <a:ln w="9525" cap="flat" cmpd="sng">
+            <a:solidFill>
+              <a:schemeClr val="dk1"/>
+            </a:solidFill>
+            <a:prstDash val="solid"/>
+            <a:miter lim="800000"/>
+            <a:headEnd type="none" w="sm" len="sm"/>
+            <a:tailEnd type="none" w="sm" len="sm"/>
+          </a:ln>
+        </p:spPr>
+        <p:txBody>
+          <a:bodyPr spcFirstLastPara="1" wrap="square" lIns="91425" tIns="45700" rIns="91425" bIns="45700" anchor="ctr" anchorCtr="0">
+            <a:noAutofit/>
+          </a:bodyPr>
+          <a:lstStyle/>
+          <a:p>
+            <a:pPr marL="0" marR="0" lvl="0" indent="0" algn="ctr" rtl="0">
+              <a:spcBef>
+                <a:spcPts val="0"/>
+              </a:spcBef>
+              <a:spcAft>
+                <a:spcPts val="0"/>
+              </a:spcAft>
+              <a:buNone/>
+            </a:pPr>
+            <a:r>
+              <a:rPr lang="en-US" sz="1800">
+                <a:solidFill>
+                  <a:schemeClr val="dk1"/>
+                </a:solidFill>
+                <a:latin typeface="Calibri"/>
+                <a:ea typeface="Calibri"/>
+                <a:cs typeface="Calibri"/>
+                <a:sym typeface="Calibri"/>
+              </a:rPr>
+              <a:t>views.py</a:t>
+            </a:r>
+            <a:endParaRPr sz="1800">
+              <a:solidFill>
+                <a:schemeClr val="dk1"/>
+              </a:solidFill>
+              <a:latin typeface="Calibri"/>
+              <a:ea typeface="Calibri"/>
+              <a:cs typeface="Calibri"/>
+              <a:sym typeface="Calibri"/>
+            </a:endParaRPr>
+          </a:p>
+        </p:txBody>
+      </p:sp>
+      <p:sp>
+        <p:nvSpPr>
+          <p:cNvPr id="216" name="Google Shape;216;p9">
+            <a:extLst>
+              <a:ext uri="{FF2B5EF4-FFF2-40B4-BE49-F238E27FC236}">
+                <a16:creationId xmlns:a16="http://schemas.microsoft.com/office/drawing/2014/main" id="{4823F282-A2D2-7B8D-6869-5DDB728D150C}"/>
+              </a:ext>
+            </a:extLst>
+          </p:cNvPr>
+          <p:cNvSpPr/>
+          <p:nvPr/>
+        </p:nvSpPr>
+        <p:spPr>
+          <a:xfrm>
+            <a:off x="8459824" y="3465107"/>
+            <a:ext cx="1355820" cy="501686"/>
+          </a:xfrm>
+          <a:prstGeom prst="roundRect">
+            <a:avLst>
+              <a:gd name="adj" fmla="val 16667"/>
+            </a:avLst>
+          </a:prstGeom>
+          <a:gradFill>
+            <a:gsLst>
+              <a:gs pos="0">
+                <a:srgbClr val="9A9A9A"/>
+              </a:gs>
+              <a:gs pos="50000">
+                <a:srgbClr val="8D8D8D"/>
+              </a:gs>
+              <a:gs pos="100000">
+                <a:srgbClr val="787878"/>
+              </a:gs>
+            </a:gsLst>
+            <a:lin ang="5400000" scaled="0"/>
+          </a:gradFill>
+          <a:ln w="9525" cap="flat" cmpd="sng">
+            <a:solidFill>
+              <a:schemeClr val="dk1"/>
+            </a:solidFill>
+            <a:prstDash val="solid"/>
+            <a:miter lim="800000"/>
+            <a:headEnd type="none" w="sm" len="sm"/>
+            <a:tailEnd type="none" w="sm" len="sm"/>
+          </a:ln>
+        </p:spPr>
+        <p:txBody>
+          <a:bodyPr spcFirstLastPara="1" wrap="square" lIns="91425" tIns="45700" rIns="91425" bIns="45700" anchor="ctr" anchorCtr="0">
+            <a:noAutofit/>
+          </a:bodyPr>
+          <a:lstStyle/>
+          <a:p>
+            <a:pPr marL="0" marR="0" lvl="0" indent="0" algn="ctr" rtl="0">
+              <a:spcBef>
+                <a:spcPts val="0"/>
+              </a:spcBef>
+              <a:spcAft>
+                <a:spcPts val="0"/>
+              </a:spcAft>
+              <a:buNone/>
+            </a:pPr>
+            <a:r>
+              <a:rPr lang="en-US" sz="1800">
+                <a:solidFill>
+                  <a:schemeClr val="dk1"/>
+                </a:solidFill>
+                <a:latin typeface="Calibri"/>
+                <a:ea typeface="Calibri"/>
+                <a:cs typeface="Calibri"/>
+                <a:sym typeface="Calibri"/>
+              </a:rPr>
+              <a:t>forms.py</a:t>
+            </a:r>
+            <a:endParaRPr sz="1800">
+              <a:solidFill>
+                <a:schemeClr val="dk1"/>
+              </a:solidFill>
+              <a:latin typeface="Calibri"/>
+              <a:ea typeface="Calibri"/>
+              <a:cs typeface="Calibri"/>
+              <a:sym typeface="Calibri"/>
+            </a:endParaRPr>
+          </a:p>
+        </p:txBody>
+      </p:sp>
+      <p:sp>
+        <p:nvSpPr>
+          <p:cNvPr id="218" name="Google Shape;218;p9">
+            <a:extLst>
+              <a:ext uri="{FF2B5EF4-FFF2-40B4-BE49-F238E27FC236}">
+                <a16:creationId xmlns:a16="http://schemas.microsoft.com/office/drawing/2014/main" id="{BEAF1EB3-123A-2C47-F014-22F2A0AE3016}"/>
+              </a:ext>
+            </a:extLst>
+          </p:cNvPr>
+          <p:cNvSpPr/>
+          <p:nvPr/>
+        </p:nvSpPr>
+        <p:spPr>
+          <a:xfrm>
+            <a:off x="8121287" y="4415134"/>
+            <a:ext cx="1086678" cy="1033669"/>
+          </a:xfrm>
+          <a:prstGeom prst="roundRect">
+            <a:avLst>
+              <a:gd name="adj" fmla="val 16667"/>
+            </a:avLst>
+          </a:prstGeom>
+          <a:solidFill>
+            <a:srgbClr val="0070C0"/>
+          </a:solidFill>
+          <a:ln w="9525" cap="flat" cmpd="sng">
+            <a:solidFill>
+              <a:schemeClr val="dk1"/>
+            </a:solidFill>
+            <a:prstDash val="solid"/>
+            <a:miter lim="800000"/>
+            <a:headEnd type="none" w="sm" len="sm"/>
+            <a:tailEnd type="none" w="sm" len="sm"/>
+          </a:ln>
+        </p:spPr>
+        <p:txBody>
+          <a:bodyPr spcFirstLastPara="1" wrap="square" lIns="91425" tIns="45700" rIns="91425" bIns="45700" anchor="ctr" anchorCtr="0">
+            <a:noAutofit/>
+          </a:bodyPr>
+          <a:lstStyle/>
+          <a:p>
+            <a:pPr marL="0" marR="0" lvl="0" indent="0" algn="ctr" rtl="0">
+              <a:spcBef>
+                <a:spcPts val="0"/>
+              </a:spcBef>
+              <a:spcAft>
+                <a:spcPts val="0"/>
+              </a:spcAft>
+              <a:buNone/>
+            </a:pPr>
+            <a:r>
+              <a:rPr lang="en-US" sz="1800">
+                <a:solidFill>
+                  <a:schemeClr val="lt1"/>
+                </a:solidFill>
+                <a:latin typeface="Calibri"/>
+                <a:ea typeface="Calibri"/>
+                <a:cs typeface="Calibri"/>
+                <a:sym typeface="Calibri"/>
+              </a:rPr>
+              <a:t>Models</a:t>
+            </a:r>
+            <a:endParaRPr/>
+          </a:p>
+        </p:txBody>
+      </p:sp>
+      <p:cxnSp>
+        <p:nvCxnSpPr>
+          <p:cNvPr id="219" name="Google Shape;219;p9">
+            <a:extLst>
+              <a:ext uri="{FF2B5EF4-FFF2-40B4-BE49-F238E27FC236}">
+                <a16:creationId xmlns:a16="http://schemas.microsoft.com/office/drawing/2014/main" id="{804EF447-CED1-EB6E-D4E9-AEFA07F26F93}"/>
+              </a:ext>
+            </a:extLst>
+          </p:cNvPr>
+          <p:cNvCxnSpPr>
+            <a:stCxn id="220" idx="1"/>
+            <a:endCxn id="218" idx="3"/>
+          </p:cNvCxnSpPr>
+          <p:nvPr/>
+        </p:nvCxnSpPr>
+        <p:spPr>
+          <a:xfrm rot="10800000">
+            <a:off x="9207828" y="4931903"/>
+            <a:ext cx="682500" cy="516900"/>
+          </a:xfrm>
+          <a:prstGeom prst="straightConnector1">
+            <a:avLst/>
+          </a:prstGeom>
+          <a:noFill/>
+          <a:ln w="38100" cap="flat" cmpd="sng">
+            <a:solidFill>
+              <a:schemeClr val="lt1"/>
+            </a:solidFill>
+            <a:prstDash val="solid"/>
+            <a:miter lim="800000"/>
+            <a:headEnd type="none" w="sm" len="sm"/>
+            <a:tailEnd type="triangle" w="med" len="med"/>
+          </a:ln>
+        </p:spPr>
+      </p:cxnSp>
+      <p:cxnSp>
+        <p:nvCxnSpPr>
+          <p:cNvPr id="221" name="Google Shape;221;p9">
+            <a:extLst>
+              <a:ext uri="{FF2B5EF4-FFF2-40B4-BE49-F238E27FC236}">
+                <a16:creationId xmlns:a16="http://schemas.microsoft.com/office/drawing/2014/main" id="{EDAD8B1C-36C5-AA8D-49E8-9AC30429FD7E}"/>
+              </a:ext>
+            </a:extLst>
+          </p:cNvPr>
+          <p:cNvCxnSpPr>
+            <a:endCxn id="204" idx="0"/>
+          </p:cNvCxnSpPr>
+          <p:nvPr/>
+        </p:nvCxnSpPr>
+        <p:spPr>
+          <a:xfrm>
+            <a:off x="6890506" y="2135505"/>
+            <a:ext cx="0" cy="540300"/>
           </a:xfrm>
           <a:prstGeom prst="straightConnector1">
             <a:avLst/>
@@ -18390,24 +20349,651 @@
       </p:cxnSp>
       <p:cxnSp>
         <p:nvCxnSpPr>
-          <p:cNvPr id="6" name="Google Shape;232;p9">
-            <a:extLst>
-              <a:ext uri="{FF2B5EF4-FFF2-40B4-BE49-F238E27FC236}">
-                <a16:creationId xmlns:a16="http://schemas.microsoft.com/office/drawing/2014/main" id="{968B53DE-8E76-6CFB-6659-9F6CF195D853}"/>
+          <p:cNvPr id="222" name="Google Shape;222;p9">
+            <a:extLst>
+              <a:ext uri="{FF2B5EF4-FFF2-40B4-BE49-F238E27FC236}">
+                <a16:creationId xmlns:a16="http://schemas.microsoft.com/office/drawing/2014/main" id="{B41AFC25-CD82-D358-81FB-C96AFBD4BE51}"/>
               </a:ext>
             </a:extLst>
           </p:cNvPr>
           <p:cNvCxnSpPr>
-            <a:cxnSpLocks/>
-            <a:stCxn id="225" idx="2"/>
-            <a:endCxn id="2" idx="0"/>
+            <a:stCxn id="218" idx="0"/>
+            <a:endCxn id="204" idx="2"/>
           </p:cNvCxnSpPr>
           <p:nvPr/>
         </p:nvCxnSpPr>
         <p:spPr>
-          <a:xfrm flipH="1">
-            <a:off x="2609179" y="3651520"/>
-            <a:ext cx="94568" cy="664121"/>
+          <a:xfrm rot="10800000">
+            <a:off x="6890426" y="3709534"/>
+            <a:ext cx="1774200" cy="705600"/>
+          </a:xfrm>
+          <a:prstGeom prst="straightConnector1">
+            <a:avLst/>
+          </a:prstGeom>
+          <a:noFill/>
+          <a:ln w="38100" cap="flat" cmpd="sng">
+            <a:solidFill>
+              <a:schemeClr val="lt1"/>
+            </a:solidFill>
+            <a:prstDash val="solid"/>
+            <a:miter lim="800000"/>
+            <a:headEnd type="triangle" w="med" len="med"/>
+            <a:tailEnd type="triangle" w="med" len="med"/>
+          </a:ln>
+        </p:spPr>
+      </p:cxnSp>
+      <p:sp>
+        <p:nvSpPr>
+          <p:cNvPr id="223" name="Google Shape;223;p9">
+            <a:extLst>
+              <a:ext uri="{FF2B5EF4-FFF2-40B4-BE49-F238E27FC236}">
+                <a16:creationId xmlns:a16="http://schemas.microsoft.com/office/drawing/2014/main" id="{6B9BC0CC-C770-46DF-14FA-96F5CAEAC8D5}"/>
+              </a:ext>
+            </a:extLst>
+          </p:cNvPr>
+          <p:cNvSpPr/>
+          <p:nvPr/>
+        </p:nvSpPr>
+        <p:spPr>
+          <a:xfrm>
+            <a:off x="3585593" y="2064215"/>
+            <a:ext cx="934720" cy="653442"/>
+          </a:xfrm>
+          <a:prstGeom prst="cloudCallout">
+            <a:avLst>
+              <a:gd name="adj1" fmla="val 906"/>
+              <a:gd name="adj2" fmla="val -1249"/>
+            </a:avLst>
+          </a:prstGeom>
+          <a:solidFill>
+            <a:srgbClr val="FEFEFE"/>
+          </a:solidFill>
+          <a:ln>
+            <a:noFill/>
+          </a:ln>
+        </p:spPr>
+        <p:txBody>
+          <a:bodyPr spcFirstLastPara="1" wrap="square" lIns="91425" tIns="45700" rIns="91425" bIns="45700" anchor="ctr" anchorCtr="0">
+            <a:noAutofit/>
+          </a:bodyPr>
+          <a:lstStyle/>
+          <a:p>
+            <a:pPr marL="0" marR="0" lvl="0" indent="0" algn="ctr" rtl="0">
+              <a:spcBef>
+                <a:spcPts val="0"/>
+              </a:spcBef>
+              <a:spcAft>
+                <a:spcPts val="0"/>
+              </a:spcAft>
+              <a:buNone/>
+            </a:pPr>
+            <a:endParaRPr sz="1800">
+              <a:solidFill>
+                <a:schemeClr val="lt1"/>
+              </a:solidFill>
+              <a:latin typeface="Calibri"/>
+              <a:ea typeface="Calibri"/>
+              <a:cs typeface="Calibri"/>
+              <a:sym typeface="Calibri"/>
+            </a:endParaRPr>
+          </a:p>
+        </p:txBody>
+      </p:sp>
+      <p:sp>
+        <p:nvSpPr>
+          <p:cNvPr id="220" name="Google Shape;220;p9">
+            <a:extLst>
+              <a:ext uri="{FF2B5EF4-FFF2-40B4-BE49-F238E27FC236}">
+                <a16:creationId xmlns:a16="http://schemas.microsoft.com/office/drawing/2014/main" id="{2D4EE46E-2A87-799D-5950-519D9913D79F}"/>
+              </a:ext>
+            </a:extLst>
+          </p:cNvPr>
+          <p:cNvSpPr/>
+          <p:nvPr/>
+        </p:nvSpPr>
+        <p:spPr>
+          <a:xfrm>
+            <a:off x="9890328" y="5197960"/>
+            <a:ext cx="1357391" cy="501686"/>
+          </a:xfrm>
+          <a:prstGeom prst="roundRect">
+            <a:avLst>
+              <a:gd name="adj" fmla="val 16667"/>
+            </a:avLst>
+          </a:prstGeom>
+          <a:gradFill>
+            <a:gsLst>
+              <a:gs pos="0">
+                <a:srgbClr val="9A9A9A"/>
+              </a:gs>
+              <a:gs pos="50000">
+                <a:srgbClr val="8D8D8D"/>
+              </a:gs>
+              <a:gs pos="100000">
+                <a:srgbClr val="787878"/>
+              </a:gs>
+            </a:gsLst>
+            <a:lin ang="5400000" scaled="0"/>
+          </a:gradFill>
+          <a:ln w="9525" cap="flat" cmpd="sng">
+            <a:solidFill>
+              <a:schemeClr val="dk1"/>
+            </a:solidFill>
+            <a:prstDash val="solid"/>
+            <a:miter lim="800000"/>
+            <a:headEnd type="none" w="sm" len="sm"/>
+            <a:tailEnd type="none" w="sm" len="sm"/>
+          </a:ln>
+        </p:spPr>
+        <p:txBody>
+          <a:bodyPr spcFirstLastPara="1" wrap="square" lIns="91425" tIns="45700" rIns="91425" bIns="45700" anchor="ctr" anchorCtr="0">
+            <a:noAutofit/>
+          </a:bodyPr>
+          <a:lstStyle/>
+          <a:p>
+            <a:pPr marL="0" marR="0" lvl="0" indent="0" algn="ctr" rtl="0">
+              <a:spcBef>
+                <a:spcPts val="0"/>
+              </a:spcBef>
+              <a:spcAft>
+                <a:spcPts val="0"/>
+              </a:spcAft>
+              <a:buNone/>
+            </a:pPr>
+            <a:r>
+              <a:rPr lang="en-US" sz="1800">
+                <a:solidFill>
+                  <a:schemeClr val="dk1"/>
+                </a:solidFill>
+                <a:latin typeface="Calibri"/>
+                <a:ea typeface="Calibri"/>
+                <a:cs typeface="Calibri"/>
+                <a:sym typeface="Calibri"/>
+              </a:rPr>
+              <a:t>models.py</a:t>
+            </a:r>
+            <a:endParaRPr sz="1800">
+              <a:solidFill>
+                <a:schemeClr val="dk1"/>
+              </a:solidFill>
+              <a:latin typeface="Calibri"/>
+              <a:ea typeface="Calibri"/>
+              <a:cs typeface="Calibri"/>
+              <a:sym typeface="Calibri"/>
+            </a:endParaRPr>
+          </a:p>
+        </p:txBody>
+      </p:sp>
+      <p:sp>
+        <p:nvSpPr>
+          <p:cNvPr id="224" name="Google Shape;224;p9">
+            <a:extLst>
+              <a:ext uri="{FF2B5EF4-FFF2-40B4-BE49-F238E27FC236}">
+                <a16:creationId xmlns:a16="http://schemas.microsoft.com/office/drawing/2014/main" id="{938842DD-0C6B-6E1F-5BDA-801A52F1915C}"/>
+              </a:ext>
+            </a:extLst>
+          </p:cNvPr>
+          <p:cNvSpPr/>
+          <p:nvPr/>
+        </p:nvSpPr>
+        <p:spPr>
+          <a:xfrm>
+            <a:off x="1078762" y="404637"/>
+            <a:ext cx="516835" cy="6105958"/>
+          </a:xfrm>
+          <a:prstGeom prst="rect">
+            <a:avLst/>
+          </a:prstGeom>
+          <a:solidFill>
+            <a:srgbClr val="002060"/>
+          </a:solidFill>
+          <a:ln w="38100" cap="flat" cmpd="sng">
+            <a:solidFill>
+              <a:schemeClr val="dk1"/>
+            </a:solidFill>
+            <a:prstDash val="solid"/>
+            <a:miter lim="800000"/>
+            <a:headEnd type="none" w="sm" len="sm"/>
+            <a:tailEnd type="none" w="sm" len="sm"/>
+          </a:ln>
+        </p:spPr>
+        <p:txBody>
+          <a:bodyPr spcFirstLastPara="1" wrap="square" lIns="91425" tIns="45700" rIns="91425" bIns="45700" anchor="ctr" anchorCtr="0">
+            <a:noAutofit/>
+          </a:bodyPr>
+          <a:lstStyle/>
+          <a:p>
+            <a:pPr marL="0" marR="0" lvl="0" indent="0" algn="ctr" rtl="0">
+              <a:spcBef>
+                <a:spcPts val="0"/>
+              </a:spcBef>
+              <a:spcAft>
+                <a:spcPts val="0"/>
+              </a:spcAft>
+              <a:buNone/>
+            </a:pPr>
+            <a:r>
+              <a:rPr lang="en-US" sz="1800">
+                <a:solidFill>
+                  <a:schemeClr val="lt1"/>
+                </a:solidFill>
+                <a:latin typeface="Calibri"/>
+                <a:ea typeface="Calibri"/>
+                <a:cs typeface="Calibri"/>
+                <a:sym typeface="Calibri"/>
+              </a:rPr>
+              <a:t>D</a:t>
+            </a:r>
+            <a:endParaRPr/>
+          </a:p>
+          <a:p>
+            <a:pPr marL="0" marR="0" lvl="0" indent="0" algn="ctr" rtl="0">
+              <a:spcBef>
+                <a:spcPts val="0"/>
+              </a:spcBef>
+              <a:spcAft>
+                <a:spcPts val="0"/>
+              </a:spcAft>
+              <a:buNone/>
+            </a:pPr>
+            <a:r>
+              <a:rPr lang="en-US" sz="1800">
+                <a:solidFill>
+                  <a:schemeClr val="lt1"/>
+                </a:solidFill>
+                <a:latin typeface="Calibri"/>
+                <a:ea typeface="Calibri"/>
+                <a:cs typeface="Calibri"/>
+                <a:sym typeface="Calibri"/>
+              </a:rPr>
+              <a:t>O</a:t>
+            </a:r>
+            <a:endParaRPr/>
+          </a:p>
+          <a:p>
+            <a:pPr marL="0" marR="0" lvl="0" indent="0" algn="ctr" rtl="0">
+              <a:spcBef>
+                <a:spcPts val="0"/>
+              </a:spcBef>
+              <a:spcAft>
+                <a:spcPts val="0"/>
+              </a:spcAft>
+              <a:buNone/>
+            </a:pPr>
+            <a:r>
+              <a:rPr lang="en-US" sz="1800">
+                <a:solidFill>
+                  <a:schemeClr val="lt1"/>
+                </a:solidFill>
+                <a:latin typeface="Calibri"/>
+                <a:ea typeface="Calibri"/>
+                <a:cs typeface="Calibri"/>
+                <a:sym typeface="Calibri"/>
+              </a:rPr>
+              <a:t>M</a:t>
+            </a:r>
+            <a:endParaRPr/>
+          </a:p>
+        </p:txBody>
+      </p:sp>
+      <p:sp>
+        <p:nvSpPr>
+          <p:cNvPr id="225" name="Google Shape;225;p9">
+            <a:extLst>
+              <a:ext uri="{FF2B5EF4-FFF2-40B4-BE49-F238E27FC236}">
+                <a16:creationId xmlns:a16="http://schemas.microsoft.com/office/drawing/2014/main" id="{4341B4EB-A9D3-3769-C0FA-A850C1C11332}"/>
+              </a:ext>
+            </a:extLst>
+          </p:cNvPr>
+          <p:cNvSpPr/>
+          <p:nvPr/>
+        </p:nvSpPr>
+        <p:spPr>
+          <a:xfrm>
+            <a:off x="2088487" y="2703730"/>
+            <a:ext cx="1230519" cy="947790"/>
+          </a:xfrm>
+          <a:prstGeom prst="roundRect">
+            <a:avLst>
+              <a:gd name="adj" fmla="val 16667"/>
+            </a:avLst>
+          </a:prstGeom>
+          <a:solidFill>
+            <a:srgbClr val="002060"/>
+          </a:solidFill>
+          <a:ln>
+            <a:noFill/>
+          </a:ln>
+        </p:spPr>
+        <p:txBody>
+          <a:bodyPr spcFirstLastPara="1" wrap="square" lIns="91425" tIns="45700" rIns="91425" bIns="45700" anchor="ctr" anchorCtr="0">
+            <a:noAutofit/>
+          </a:bodyPr>
+          <a:lstStyle/>
+          <a:p>
+            <a:pPr marL="0" marR="0" lvl="0" indent="0" algn="ctr" rtl="0">
+              <a:spcBef>
+                <a:spcPts val="0"/>
+              </a:spcBef>
+              <a:spcAft>
+                <a:spcPts val="0"/>
+              </a:spcAft>
+              <a:buNone/>
+            </a:pPr>
+            <a:r>
+              <a:rPr lang="en-US" sz="1800">
+                <a:solidFill>
+                  <a:schemeClr val="lt1"/>
+                </a:solidFill>
+                <a:latin typeface="Calibri"/>
+                <a:ea typeface="Calibri"/>
+                <a:cs typeface="Calibri"/>
+                <a:sym typeface="Calibri"/>
+              </a:rPr>
+              <a:t>Parse</a:t>
+            </a:r>
+            <a:endParaRPr/>
+          </a:p>
+          <a:p>
+            <a:pPr marL="0" marR="0" lvl="0" indent="0" algn="ctr" rtl="0">
+              <a:spcBef>
+                <a:spcPts val="0"/>
+              </a:spcBef>
+              <a:spcAft>
+                <a:spcPts val="0"/>
+              </a:spcAft>
+              <a:buNone/>
+            </a:pPr>
+            <a:r>
+              <a:rPr lang="en-US" sz="1800">
+                <a:solidFill>
+                  <a:schemeClr val="lt1"/>
+                </a:solidFill>
+                <a:latin typeface="Calibri"/>
+                <a:ea typeface="Calibri"/>
+                <a:cs typeface="Calibri"/>
+                <a:sym typeface="Calibri"/>
+              </a:rPr>
+              <a:t>Response</a:t>
+            </a:r>
+            <a:endParaRPr/>
+          </a:p>
+        </p:txBody>
+      </p:sp>
+      <p:sp>
+        <p:nvSpPr>
+          <p:cNvPr id="226" name="Google Shape;226;p9">
+            <a:extLst>
+              <a:ext uri="{FF2B5EF4-FFF2-40B4-BE49-F238E27FC236}">
+                <a16:creationId xmlns:a16="http://schemas.microsoft.com/office/drawing/2014/main" id="{AF338936-EA85-8B7A-471A-B3E8B36CD4E9}"/>
+              </a:ext>
+            </a:extLst>
+          </p:cNvPr>
+          <p:cNvSpPr/>
+          <p:nvPr/>
+        </p:nvSpPr>
+        <p:spPr>
+          <a:xfrm>
+            <a:off x="1908003" y="4073744"/>
+            <a:ext cx="1419280" cy="2345410"/>
+          </a:xfrm>
+          <a:prstGeom prst="rect">
+            <a:avLst/>
+          </a:prstGeom>
+          <a:solidFill>
+            <a:srgbClr val="7F7F7F"/>
+          </a:solidFill>
+          <a:ln w="28575" cap="flat" cmpd="sng">
+            <a:solidFill>
+              <a:schemeClr val="lt1"/>
+            </a:solidFill>
+            <a:prstDash val="solid"/>
+            <a:miter lim="800000"/>
+            <a:headEnd type="none" w="sm" len="sm"/>
+            <a:tailEnd type="none" w="sm" len="sm"/>
+          </a:ln>
+        </p:spPr>
+        <p:txBody>
+          <a:bodyPr spcFirstLastPara="1" wrap="square" lIns="91425" tIns="45700" rIns="91425" bIns="45700" anchor="b" anchorCtr="0">
+            <a:noAutofit/>
+          </a:bodyPr>
+          <a:lstStyle/>
+          <a:p>
+            <a:pPr marL="0" marR="0" lvl="0" indent="0" algn="l" rtl="0">
+              <a:spcBef>
+                <a:spcPts val="0"/>
+              </a:spcBef>
+              <a:spcAft>
+                <a:spcPts val="0"/>
+              </a:spcAft>
+              <a:buNone/>
+            </a:pPr>
+            <a:r>
+              <a:rPr lang="en-US" sz="1800">
+                <a:solidFill>
+                  <a:schemeClr val="lt1"/>
+                </a:solidFill>
+                <a:latin typeface="Calibri"/>
+                <a:ea typeface="Calibri"/>
+                <a:cs typeface="Calibri"/>
+                <a:sym typeface="Calibri"/>
+              </a:rPr>
+              <a:t>Javascript</a:t>
+            </a:r>
+            <a:endParaRPr sz="1800">
+              <a:solidFill>
+                <a:schemeClr val="lt1"/>
+              </a:solidFill>
+              <a:latin typeface="Calibri"/>
+              <a:ea typeface="Calibri"/>
+              <a:cs typeface="Calibri"/>
+              <a:sym typeface="Calibri"/>
+            </a:endParaRPr>
+          </a:p>
+        </p:txBody>
+      </p:sp>
+      <p:pic>
+        <p:nvPicPr>
+          <p:cNvPr id="227" name="Google Shape;227;p9">
+            <a:extLst>
+              <a:ext uri="{FF2B5EF4-FFF2-40B4-BE49-F238E27FC236}">
+                <a16:creationId xmlns:a16="http://schemas.microsoft.com/office/drawing/2014/main" id="{800EDECA-2C0E-84E6-241B-C3A6A49A96D7}"/>
+              </a:ext>
+            </a:extLst>
+          </p:cNvPr>
+          <p:cNvPicPr preferRelativeResize="0"/>
+          <p:nvPr/>
+        </p:nvPicPr>
+        <p:blipFill rotWithShape="1">
+          <a:blip r:embed="rId3">
+            <a:alphaModFix/>
+          </a:blip>
+          <a:srcRect/>
+          <a:stretch/>
+        </p:blipFill>
+        <p:spPr>
+          <a:xfrm>
+            <a:off x="-412497" y="2609953"/>
+            <a:ext cx="1473755" cy="1105316"/>
+          </a:xfrm>
+          <a:prstGeom prst="rect">
+            <a:avLst/>
+          </a:prstGeom>
+          <a:noFill/>
+          <a:ln>
+            <a:noFill/>
+          </a:ln>
+        </p:spPr>
+      </p:pic>
+      <p:sp>
+        <p:nvSpPr>
+          <p:cNvPr id="228" name="Google Shape;228;p9">
+            <a:extLst>
+              <a:ext uri="{FF2B5EF4-FFF2-40B4-BE49-F238E27FC236}">
+                <a16:creationId xmlns:a16="http://schemas.microsoft.com/office/drawing/2014/main" id="{105DB5DF-9E4C-2E59-819F-5553A61E0BE0}"/>
+              </a:ext>
+            </a:extLst>
+          </p:cNvPr>
+          <p:cNvSpPr/>
+          <p:nvPr/>
+        </p:nvSpPr>
+        <p:spPr>
+          <a:xfrm>
+            <a:off x="8102028" y="5683135"/>
+            <a:ext cx="1319815" cy="501686"/>
+          </a:xfrm>
+          <a:prstGeom prst="roundRect">
+            <a:avLst>
+              <a:gd name="adj" fmla="val 16667"/>
+            </a:avLst>
+          </a:prstGeom>
+          <a:gradFill>
+            <a:gsLst>
+              <a:gs pos="0">
+                <a:srgbClr val="9A9A9A"/>
+              </a:gs>
+              <a:gs pos="50000">
+                <a:srgbClr val="8D8D8D"/>
+              </a:gs>
+              <a:gs pos="100000">
+                <a:srgbClr val="787878"/>
+              </a:gs>
+            </a:gsLst>
+            <a:lin ang="5400000" scaled="0"/>
+          </a:gradFill>
+          <a:ln w="9525" cap="flat" cmpd="sng">
+            <a:solidFill>
+              <a:schemeClr val="dk1"/>
+            </a:solidFill>
+            <a:prstDash val="solid"/>
+            <a:miter lim="800000"/>
+            <a:headEnd type="none" w="sm" len="sm"/>
+            <a:tailEnd type="none" w="sm" len="sm"/>
+          </a:ln>
+        </p:spPr>
+        <p:txBody>
+          <a:bodyPr spcFirstLastPara="1" wrap="square" lIns="91425" tIns="45700" rIns="91425" bIns="45700" anchor="ctr" anchorCtr="0">
+            <a:noAutofit/>
+          </a:bodyPr>
+          <a:lstStyle/>
+          <a:p>
+            <a:pPr marL="0" marR="0" lvl="0" indent="0" algn="ctr" rtl="0">
+              <a:spcBef>
+                <a:spcPts val="0"/>
+              </a:spcBef>
+              <a:spcAft>
+                <a:spcPts val="0"/>
+              </a:spcAft>
+              <a:buNone/>
+            </a:pPr>
+            <a:r>
+              <a:rPr lang="en-US" sz="1800">
+                <a:solidFill>
+                  <a:schemeClr val="dk1"/>
+                </a:solidFill>
+                <a:latin typeface="Calibri"/>
+                <a:ea typeface="Calibri"/>
+                <a:cs typeface="Calibri"/>
+                <a:sym typeface="Calibri"/>
+              </a:rPr>
+              <a:t>admin.py</a:t>
+            </a:r>
+            <a:endParaRPr sz="1800">
+              <a:solidFill>
+                <a:schemeClr val="dk1"/>
+              </a:solidFill>
+              <a:latin typeface="Calibri"/>
+              <a:ea typeface="Calibri"/>
+              <a:cs typeface="Calibri"/>
+              <a:sym typeface="Calibri"/>
+            </a:endParaRPr>
+          </a:p>
+        </p:txBody>
+      </p:sp>
+      <p:sp>
+        <p:nvSpPr>
+          <p:cNvPr id="229" name="Google Shape;229;p9">
+            <a:extLst>
+              <a:ext uri="{FF2B5EF4-FFF2-40B4-BE49-F238E27FC236}">
+                <a16:creationId xmlns:a16="http://schemas.microsoft.com/office/drawing/2014/main" id="{79A2007D-436C-61B5-9A83-69835626CA2D}"/>
+              </a:ext>
+            </a:extLst>
+          </p:cNvPr>
+          <p:cNvSpPr/>
+          <p:nvPr/>
+        </p:nvSpPr>
+        <p:spPr>
+          <a:xfrm>
+            <a:off x="6396262" y="4400416"/>
+            <a:ext cx="1086678" cy="592481"/>
+          </a:xfrm>
+          <a:prstGeom prst="roundRect">
+            <a:avLst>
+              <a:gd name="adj" fmla="val 16667"/>
+            </a:avLst>
+          </a:prstGeom>
+          <a:solidFill>
+            <a:srgbClr val="FF7F00"/>
+          </a:solidFill>
+          <a:ln w="9525" cap="flat" cmpd="sng">
+            <a:solidFill>
+              <a:schemeClr val="dk1"/>
+            </a:solidFill>
+            <a:prstDash val="solid"/>
+            <a:miter lim="800000"/>
+            <a:headEnd type="none" w="sm" len="sm"/>
+            <a:tailEnd type="none" w="sm" len="sm"/>
+          </a:ln>
+        </p:spPr>
+        <p:txBody>
+          <a:bodyPr spcFirstLastPara="1" wrap="square" lIns="91425" tIns="45700" rIns="91425" bIns="45700" anchor="ctr" anchorCtr="0">
+            <a:noAutofit/>
+          </a:bodyPr>
+          <a:lstStyle/>
+          <a:p>
+            <a:pPr marL="0" marR="0" lvl="0" indent="0" algn="ctr" rtl="0">
+              <a:spcBef>
+                <a:spcPts val="0"/>
+              </a:spcBef>
+              <a:spcAft>
+                <a:spcPts val="0"/>
+              </a:spcAft>
+              <a:buNone/>
+            </a:pPr>
+            <a:r>
+              <a:rPr lang="en-US" sz="1800">
+                <a:solidFill>
+                  <a:schemeClr val="dk1"/>
+                </a:solidFill>
+                <a:latin typeface="Calibri"/>
+                <a:ea typeface="Calibri"/>
+                <a:cs typeface="Calibri"/>
+                <a:sym typeface="Calibri"/>
+              </a:rPr>
+              <a:t>Shell</a:t>
+            </a:r>
+            <a:endParaRPr/>
+          </a:p>
+        </p:txBody>
+      </p:sp>
+      <p:cxnSp>
+        <p:nvCxnSpPr>
+          <p:cNvPr id="230" name="Google Shape;230;p9">
+            <a:extLst>
+              <a:ext uri="{FF2B5EF4-FFF2-40B4-BE49-F238E27FC236}">
+                <a16:creationId xmlns:a16="http://schemas.microsoft.com/office/drawing/2014/main" id="{E57660DD-9A97-B80D-06EE-F4402A904360}"/>
+              </a:ext>
+            </a:extLst>
+          </p:cNvPr>
+          <p:cNvCxnSpPr>
+            <a:endCxn id="203" idx="1"/>
+          </p:cNvCxnSpPr>
+          <p:nvPr/>
+        </p:nvCxnSpPr>
+        <p:spPr>
+          <a:xfrm>
+            <a:off x="1337167" y="1543230"/>
+            <a:ext cx="5010000" cy="75300"/>
           </a:xfrm>
           <a:prstGeom prst="straightConnector1">
             <a:avLst/>
@@ -18424,338 +21010,722 @@
           </a:ln>
         </p:spPr>
       </p:cxnSp>
-    </p:spTree>
-  </p:cSld>
-  <p:clrMapOvr>
-    <a:masterClrMapping/>
-  </p:clrMapOvr>
-</p:sld>
-</file>
-
-<file path=ppt/slides/slide42.xml><?xml version="1.0" encoding="utf-8"?>
-<p:sld xmlns:a="http://schemas.openxmlformats.org/drawingml/2006/main" xmlns:r="http://schemas.openxmlformats.org/officeDocument/2006/relationships" xmlns:p="http://schemas.openxmlformats.org/presentationml/2006/main">
-  <p:cSld>
-    <p:spTree>
-      <p:nvGrpSpPr>
-        <p:cNvPr id="1" name=""/>
-        <p:cNvGrpSpPr/>
-        <p:nvPr/>
-      </p:nvGrpSpPr>
-      <p:grpSpPr>
-        <a:xfrm>
-          <a:off x="0" y="0"/>
-          <a:ext cx="0" cy="0"/>
-          <a:chOff x="0" y="0"/>
-          <a:chExt cx="0" cy="0"/>
-        </a:xfrm>
-      </p:grpSpPr>
-      <p:sp>
-        <p:nvSpPr>
-          <p:cNvPr id="4" name="Title 3">
-            <a:extLst>
-              <a:ext uri="{FF2B5EF4-FFF2-40B4-BE49-F238E27FC236}">
-                <a16:creationId xmlns:a16="http://schemas.microsoft.com/office/drawing/2014/main" id="{2FF31D75-4695-84DA-9E3F-58572CE998E8}"/>
-              </a:ext>
-            </a:extLst>
-          </p:cNvPr>
-          <p:cNvSpPr>
-            <a:spLocks noGrp="1"/>
-          </p:cNvSpPr>
-          <p:nvPr>
-            <p:ph type="title"/>
-          </p:nvPr>
-        </p:nvSpPr>
-        <p:spPr/>
-        <p:txBody>
-          <a:bodyPr/>
-          <a:lstStyle/>
-          <a:p>
-            <a:r>
-              <a:rPr lang="en-US" dirty="0"/>
-              <a:t>Templates in the Server</a:t>
-            </a:r>
-          </a:p>
-        </p:txBody>
-      </p:sp>
-      <p:sp>
-        <p:nvSpPr>
-          <p:cNvPr id="5" name="TextBox 4">
-            <a:extLst>
-              <a:ext uri="{FF2B5EF4-FFF2-40B4-BE49-F238E27FC236}">
-                <a16:creationId xmlns:a16="http://schemas.microsoft.com/office/drawing/2014/main" id="{F1A0B6CD-882E-324A-51BA-1F0BA8952B28}"/>
-              </a:ext>
-            </a:extLst>
-          </p:cNvPr>
-          <p:cNvSpPr txBox="1"/>
-          <p:nvPr/>
-        </p:nvSpPr>
-        <p:spPr>
-          <a:xfrm>
-            <a:off x="838200" y="1829862"/>
-            <a:ext cx="7629012" cy="1477328"/>
-          </a:xfrm>
-          <a:prstGeom prst="rect">
+      <p:cxnSp>
+        <p:nvCxnSpPr>
+          <p:cNvPr id="231" name="Google Shape;231;p9">
+            <a:extLst>
+              <a:ext uri="{FF2B5EF4-FFF2-40B4-BE49-F238E27FC236}">
+                <a16:creationId xmlns:a16="http://schemas.microsoft.com/office/drawing/2014/main" id="{31923902-9C56-5789-C747-AE0769900995}"/>
+              </a:ext>
+            </a:extLst>
+          </p:cNvPr>
+          <p:cNvCxnSpPr>
+            <a:stCxn id="204" idx="1"/>
+            <a:endCxn id="225" idx="3"/>
+          </p:cNvCxnSpPr>
+          <p:nvPr/>
+        </p:nvCxnSpPr>
+        <p:spPr>
+          <a:xfrm rot="10800000">
+            <a:off x="3318967" y="3177640"/>
+            <a:ext cx="3028200" cy="15000"/>
+          </a:xfrm>
+          <a:prstGeom prst="straightConnector1">
             <a:avLst/>
           </a:prstGeom>
           <a:noFill/>
-          <a:ln>
+          <a:ln w="38100" cap="flat" cmpd="sng">
             <a:solidFill>
               <a:srgbClr val="FFFF00"/>
             </a:solidFill>
+            <a:prstDash val="solid"/>
+            <a:miter lim="800000"/>
+            <a:headEnd type="none" w="sm" len="sm"/>
+            <a:tailEnd type="triangle" w="med" len="med"/>
           </a:ln>
         </p:spPr>
-        <p:txBody>
-          <a:bodyPr wrap="none" rtlCol="0">
-            <a:spAutoFit/>
-          </a:bodyPr>
-          <a:lstStyle/>
-          <a:p>
-            <a:r>
-              <a:rPr lang="en-US" b="1" dirty="0">
-                <a:latin typeface="Courier New" panose="02070309020205020404" pitchFamily="49" charset="0"/>
-                <a:cs typeface="Courier New" panose="02070309020205020404" pitchFamily="49" charset="0"/>
-              </a:rPr>
-              <a:t>from </a:t>
-            </a:r>
-            <a:r>
-              <a:rPr lang="en-US" b="1" dirty="0" err="1">
-                <a:latin typeface="Courier New" panose="02070309020205020404" pitchFamily="49" charset="0"/>
-                <a:cs typeface="Courier New" panose="02070309020205020404" pitchFamily="49" charset="0"/>
-              </a:rPr>
-              <a:t>django.shortcuts</a:t>
-            </a:r>
-            <a:r>
-              <a:rPr lang="en-US" b="1" dirty="0">
-                <a:latin typeface="Courier New" panose="02070309020205020404" pitchFamily="49" charset="0"/>
-                <a:cs typeface="Courier New" panose="02070309020205020404" pitchFamily="49" charset="0"/>
-              </a:rPr>
-              <a:t> import render</a:t>
-            </a:r>
-          </a:p>
-          <a:p>
-            <a:endParaRPr lang="en-US" b="1" dirty="0">
-              <a:latin typeface="Courier New" panose="02070309020205020404" pitchFamily="49" charset="0"/>
-              <a:cs typeface="Courier New" panose="02070309020205020404" pitchFamily="49" charset="0"/>
-            </a:endParaRPr>
-          </a:p>
-          <a:p>
-            <a:r>
-              <a:rPr lang="en-US" b="1" dirty="0">
-                <a:latin typeface="Courier New" panose="02070309020205020404" pitchFamily="49" charset="0"/>
-                <a:cs typeface="Courier New" panose="02070309020205020404" pitchFamily="49" charset="0"/>
-              </a:rPr>
-              <a:t>def guess(request) :</a:t>
-            </a:r>
-          </a:p>
-          <a:p>
-            <a:r>
-              <a:rPr lang="en-US" b="1" dirty="0">
-                <a:latin typeface="Courier New" panose="02070309020205020404" pitchFamily="49" charset="0"/>
-                <a:cs typeface="Courier New" panose="02070309020205020404" pitchFamily="49" charset="0"/>
-              </a:rPr>
-              <a:t>    context = {</a:t>
-            </a:r>
-            <a:r>
-              <a:rPr lang="en-US" b="1" dirty="0">
-                <a:solidFill>
-                  <a:srgbClr val="FFC000"/>
-                </a:solidFill>
-                <a:latin typeface="Courier New" panose="02070309020205020404" pitchFamily="49" charset="0"/>
-                <a:cs typeface="Courier New" panose="02070309020205020404" pitchFamily="49" charset="0"/>
-              </a:rPr>
-              <a:t>'zap' : '42' </a:t>
-            </a:r>
-            <a:r>
-              <a:rPr lang="en-US" b="1" dirty="0">
-                <a:latin typeface="Courier New" panose="02070309020205020404" pitchFamily="49" charset="0"/>
-                <a:cs typeface="Courier New" panose="02070309020205020404" pitchFamily="49" charset="0"/>
-              </a:rPr>
-              <a:t>}</a:t>
-            </a:r>
-          </a:p>
-          <a:p>
-            <a:r>
-              <a:rPr lang="en-US" b="1" dirty="0">
-                <a:latin typeface="Courier New" panose="02070309020205020404" pitchFamily="49" charset="0"/>
-                <a:cs typeface="Courier New" panose="02070309020205020404" pitchFamily="49" charset="0"/>
-              </a:rPr>
-              <a:t>    return </a:t>
-            </a:r>
-            <a:r>
-              <a:rPr lang="en-US" b="1" dirty="0">
-                <a:solidFill>
-                  <a:srgbClr val="FFFF00"/>
-                </a:solidFill>
-                <a:latin typeface="Courier New" panose="02070309020205020404" pitchFamily="49" charset="0"/>
-                <a:cs typeface="Courier New" panose="02070309020205020404" pitchFamily="49" charset="0"/>
-              </a:rPr>
-              <a:t>render</a:t>
-            </a:r>
-            <a:r>
-              <a:rPr lang="en-US" b="1" dirty="0">
-                <a:latin typeface="Courier New" panose="02070309020205020404" pitchFamily="49" charset="0"/>
-                <a:cs typeface="Courier New" panose="02070309020205020404" pitchFamily="49" charset="0"/>
-              </a:rPr>
-              <a:t>(request, '</a:t>
-            </a:r>
-            <a:r>
-              <a:rPr lang="en-US" b="1" dirty="0" err="1">
-                <a:latin typeface="Courier New" panose="02070309020205020404" pitchFamily="49" charset="0"/>
-                <a:cs typeface="Courier New" panose="02070309020205020404" pitchFamily="49" charset="0"/>
-              </a:rPr>
-              <a:t>tmpl</a:t>
-            </a:r>
-            <a:r>
-              <a:rPr lang="en-US" b="1" dirty="0">
-                <a:latin typeface="Courier New" panose="02070309020205020404" pitchFamily="49" charset="0"/>
-                <a:cs typeface="Courier New" panose="02070309020205020404" pitchFamily="49" charset="0"/>
-              </a:rPr>
-              <a:t>/</a:t>
-            </a:r>
-            <a:r>
-              <a:rPr lang="en-US" b="1" dirty="0" err="1">
-                <a:latin typeface="Courier New" panose="02070309020205020404" pitchFamily="49" charset="0"/>
-                <a:cs typeface="Courier New" panose="02070309020205020404" pitchFamily="49" charset="0"/>
-              </a:rPr>
-              <a:t>guess.html</a:t>
-            </a:r>
-            <a:r>
-              <a:rPr lang="en-US" b="1" dirty="0">
-                <a:latin typeface="Courier New" panose="02070309020205020404" pitchFamily="49" charset="0"/>
-                <a:cs typeface="Courier New" panose="02070309020205020404" pitchFamily="49" charset="0"/>
-              </a:rPr>
-              <a:t>', context)</a:t>
-            </a:r>
-          </a:p>
-        </p:txBody>
-      </p:sp>
-      <p:sp>
-        <p:nvSpPr>
-          <p:cNvPr id="6" name="TextBox 5">
-            <a:extLst>
-              <a:ext uri="{FF2B5EF4-FFF2-40B4-BE49-F238E27FC236}">
-                <a16:creationId xmlns:a16="http://schemas.microsoft.com/office/drawing/2014/main" id="{454C8DEA-351D-1DED-3AAD-1AB39A09F2D0}"/>
-              </a:ext>
-            </a:extLst>
-          </p:cNvPr>
-          <p:cNvSpPr txBox="1"/>
-          <p:nvPr/>
-        </p:nvSpPr>
-        <p:spPr>
-          <a:xfrm>
-            <a:off x="6702251" y="3848518"/>
-            <a:ext cx="5009705" cy="2308324"/>
-          </a:xfrm>
-          <a:prstGeom prst="rect">
+      </p:cxnSp>
+      <p:cxnSp>
+        <p:nvCxnSpPr>
+          <p:cNvPr id="232" name="Google Shape;232;p9">
+            <a:extLst>
+              <a:ext uri="{FF2B5EF4-FFF2-40B4-BE49-F238E27FC236}">
+                <a16:creationId xmlns:a16="http://schemas.microsoft.com/office/drawing/2014/main" id="{DC121FE1-2FE8-9913-C4FC-D9B6A0A9A49D}"/>
+              </a:ext>
+            </a:extLst>
+          </p:cNvPr>
+          <p:cNvCxnSpPr>
+            <a:stCxn id="225" idx="1"/>
+            <a:endCxn id="224" idx="3"/>
+          </p:cNvCxnSpPr>
+          <p:nvPr/>
+        </p:nvCxnSpPr>
+        <p:spPr>
+          <a:xfrm flipH="1">
+            <a:off x="1595587" y="3177625"/>
+            <a:ext cx="492900" cy="279900"/>
+          </a:xfrm>
+          <a:prstGeom prst="straightConnector1">
             <a:avLst/>
           </a:prstGeom>
           <a:noFill/>
-          <a:ln>
+          <a:ln w="38100" cap="flat" cmpd="sng">
             <a:solidFill>
               <a:srgbClr val="FFFF00"/>
             </a:solidFill>
+            <a:prstDash val="solid"/>
+            <a:miter lim="800000"/>
+            <a:headEnd type="none" w="sm" len="sm"/>
+            <a:tailEnd type="triangle" w="med" len="med"/>
           </a:ln>
         </p:spPr>
+      </p:cxnSp>
+      <p:sp>
+        <p:nvSpPr>
+          <p:cNvPr id="233" name="Google Shape;233;p9">
+            <a:extLst>
+              <a:ext uri="{FF2B5EF4-FFF2-40B4-BE49-F238E27FC236}">
+                <a16:creationId xmlns:a16="http://schemas.microsoft.com/office/drawing/2014/main" id="{12528BBC-5912-0382-BAF2-0CE64F3177CA}"/>
+              </a:ext>
+            </a:extLst>
+          </p:cNvPr>
+          <p:cNvSpPr/>
+          <p:nvPr/>
+        </p:nvSpPr>
+        <p:spPr>
+          <a:xfrm>
+            <a:off x="6428560" y="5430454"/>
+            <a:ext cx="1086678" cy="592481"/>
+          </a:xfrm>
+          <a:prstGeom prst="roundRect">
+            <a:avLst>
+              <a:gd name="adj" fmla="val 16667"/>
+            </a:avLst>
+          </a:prstGeom>
+          <a:solidFill>
+            <a:srgbClr val="FF7F00"/>
+          </a:solidFill>
+          <a:ln w="9525" cap="flat" cmpd="sng">
+            <a:solidFill>
+              <a:schemeClr val="dk1"/>
+            </a:solidFill>
+            <a:prstDash val="solid"/>
+            <a:miter lim="800000"/>
+            <a:headEnd type="none" w="sm" len="sm"/>
+            <a:tailEnd type="none" w="sm" len="sm"/>
+          </a:ln>
+        </p:spPr>
         <p:txBody>
-          <a:bodyPr wrap="none" rtlCol="0">
-            <a:spAutoFit/>
+          <a:bodyPr spcFirstLastPara="1" wrap="square" lIns="91425" tIns="45700" rIns="91425" bIns="45700" anchor="ctr" anchorCtr="0">
+            <a:noAutofit/>
           </a:bodyPr>
           <a:lstStyle/>
           <a:p>
-            <a:r>
-              <a:rPr lang="en-US" b="1" dirty="0">
-                <a:latin typeface="Courier New" panose="02070309020205020404" pitchFamily="49" charset="0"/>
-                <a:cs typeface="Courier New" panose="02070309020205020404" pitchFamily="49" charset="0"/>
-              </a:rPr>
-              <a:t>&lt;html&gt;</a:t>
-            </a:r>
-          </a:p>
-          <a:p>
-            <a:r>
-              <a:rPr lang="en-US" b="1" dirty="0">
-                <a:latin typeface="Courier New" panose="02070309020205020404" pitchFamily="49" charset="0"/>
-                <a:cs typeface="Courier New" panose="02070309020205020404" pitchFamily="49" charset="0"/>
-              </a:rPr>
-              <a:t>&lt;head&gt;</a:t>
-            </a:r>
-          </a:p>
-          <a:p>
-            <a:r>
-              <a:rPr lang="en-US" b="1" dirty="0">
-                <a:latin typeface="Courier New" panose="02070309020205020404" pitchFamily="49" charset="0"/>
-                <a:cs typeface="Courier New" panose="02070309020205020404" pitchFamily="49" charset="0"/>
-              </a:rPr>
-              <a:t>    &lt;title&gt;A simple page&lt;/title&gt;</a:t>
-            </a:r>
-          </a:p>
-          <a:p>
-            <a:r>
-              <a:rPr lang="en-US" b="1" dirty="0">
-                <a:latin typeface="Courier New" panose="02070309020205020404" pitchFamily="49" charset="0"/>
-                <a:cs typeface="Courier New" panose="02070309020205020404" pitchFamily="49" charset="0"/>
-              </a:rPr>
-              <a:t>&lt;/head&gt;</a:t>
-            </a:r>
-          </a:p>
-          <a:p>
-            <a:r>
-              <a:rPr lang="en-US" b="1" dirty="0">
-                <a:latin typeface="Courier New" panose="02070309020205020404" pitchFamily="49" charset="0"/>
-                <a:cs typeface="Courier New" panose="02070309020205020404" pitchFamily="49" charset="0"/>
-              </a:rPr>
-              <a:t>&lt;body&gt;</a:t>
-            </a:r>
-          </a:p>
-          <a:p>
-            <a:r>
-              <a:rPr lang="en-US" b="1" dirty="0">
-                <a:latin typeface="Courier New" panose="02070309020205020404" pitchFamily="49" charset="0"/>
-                <a:cs typeface="Courier New" panose="02070309020205020404" pitchFamily="49" charset="0"/>
-              </a:rPr>
-              <a:t>    &lt;p&gt;Your guess was </a:t>
-            </a:r>
-            <a:r>
-              <a:rPr lang="en-US" b="1" dirty="0">
-                <a:solidFill>
-                  <a:srgbClr val="FFC000"/>
-                </a:solidFill>
-                <a:latin typeface="Courier New" panose="02070309020205020404" pitchFamily="49" charset="0"/>
-                <a:cs typeface="Courier New" panose="02070309020205020404" pitchFamily="49" charset="0"/>
-              </a:rPr>
-              <a:t>{{ zap }}</a:t>
-            </a:r>
-            <a:r>
-              <a:rPr lang="en-US" b="1" dirty="0">
-                <a:latin typeface="Courier New" panose="02070309020205020404" pitchFamily="49" charset="0"/>
-                <a:cs typeface="Courier New" panose="02070309020205020404" pitchFamily="49" charset="0"/>
-              </a:rPr>
-              <a:t>&lt;/p&gt;</a:t>
-            </a:r>
-          </a:p>
-          <a:p>
-            <a:r>
-              <a:rPr lang="en-US" b="1" dirty="0">
-                <a:latin typeface="Courier New" panose="02070309020205020404" pitchFamily="49" charset="0"/>
-                <a:cs typeface="Courier New" panose="02070309020205020404" pitchFamily="49" charset="0"/>
-              </a:rPr>
-              <a:t>&lt;/body&gt;</a:t>
-            </a:r>
-          </a:p>
-          <a:p>
-            <a:r>
-              <a:rPr lang="en-US" b="1" dirty="0">
-                <a:latin typeface="Courier New" panose="02070309020205020404" pitchFamily="49" charset="0"/>
-                <a:cs typeface="Courier New" panose="02070309020205020404" pitchFamily="49" charset="0"/>
-              </a:rPr>
-              <a:t>&lt;/html&gt;</a:t>
-            </a:r>
+            <a:pPr marL="0" marR="0" lvl="0" indent="0" algn="ctr" rtl="0">
+              <a:spcBef>
+                <a:spcPts val="0"/>
+              </a:spcBef>
+              <a:spcAft>
+                <a:spcPts val="0"/>
+              </a:spcAft>
+              <a:buNone/>
+            </a:pPr>
+            <a:r>
+              <a:rPr lang="en-US" sz="1800">
+                <a:solidFill>
+                  <a:schemeClr val="dk1"/>
+                </a:solidFill>
+                <a:latin typeface="Calibri"/>
+                <a:ea typeface="Calibri"/>
+                <a:cs typeface="Calibri"/>
+                <a:sym typeface="Calibri"/>
+              </a:rPr>
+              <a:t>/admin</a:t>
+            </a:r>
+            <a:endParaRPr/>
           </a:p>
         </p:txBody>
       </p:sp>
+      <p:cxnSp>
+        <p:nvCxnSpPr>
+          <p:cNvPr id="234" name="Google Shape;234;p9">
+            <a:extLst>
+              <a:ext uri="{FF2B5EF4-FFF2-40B4-BE49-F238E27FC236}">
+                <a16:creationId xmlns:a16="http://schemas.microsoft.com/office/drawing/2014/main" id="{59DB4126-E361-D556-B788-E293222E4AEC}"/>
+              </a:ext>
+            </a:extLst>
+          </p:cNvPr>
+          <p:cNvCxnSpPr>
+            <a:stCxn id="218" idx="1"/>
+            <a:endCxn id="229" idx="3"/>
+          </p:cNvCxnSpPr>
+          <p:nvPr/>
+        </p:nvCxnSpPr>
+        <p:spPr>
+          <a:xfrm rot="10800000">
+            <a:off x="7482887" y="4696768"/>
+            <a:ext cx="638400" cy="235200"/>
+          </a:xfrm>
+          <a:prstGeom prst="straightConnector1">
+            <a:avLst/>
+          </a:prstGeom>
+          <a:noFill/>
+          <a:ln w="38100" cap="flat" cmpd="sng">
+            <a:solidFill>
+              <a:schemeClr val="lt1"/>
+            </a:solidFill>
+            <a:prstDash val="solid"/>
+            <a:miter lim="800000"/>
+            <a:headEnd type="none" w="sm" len="sm"/>
+            <a:tailEnd type="triangle" w="med" len="med"/>
+          </a:ln>
+        </p:spPr>
+      </p:cxnSp>
+      <p:cxnSp>
+        <p:nvCxnSpPr>
+          <p:cNvPr id="235" name="Google Shape;235;p9">
+            <a:extLst>
+              <a:ext uri="{FF2B5EF4-FFF2-40B4-BE49-F238E27FC236}">
+                <a16:creationId xmlns:a16="http://schemas.microsoft.com/office/drawing/2014/main" id="{CF13079B-ED15-4E6B-54F5-E53389E2CD2C}"/>
+              </a:ext>
+            </a:extLst>
+          </p:cNvPr>
+          <p:cNvCxnSpPr>
+            <a:stCxn id="218" idx="1"/>
+            <a:endCxn id="233" idx="3"/>
+          </p:cNvCxnSpPr>
+          <p:nvPr/>
+        </p:nvCxnSpPr>
+        <p:spPr>
+          <a:xfrm flipH="1">
+            <a:off x="7515287" y="4931968"/>
+            <a:ext cx="606000" cy="794700"/>
+          </a:xfrm>
+          <a:prstGeom prst="straightConnector1">
+            <a:avLst/>
+          </a:prstGeom>
+          <a:noFill/>
+          <a:ln w="38100" cap="flat" cmpd="sng">
+            <a:solidFill>
+              <a:schemeClr val="lt1"/>
+            </a:solidFill>
+            <a:prstDash val="solid"/>
+            <a:miter lim="800000"/>
+            <a:headEnd type="triangle" w="med" len="med"/>
+            <a:tailEnd type="triangle" w="med" len="med"/>
+          </a:ln>
+        </p:spPr>
+      </p:cxnSp>
+      <p:cxnSp>
+        <p:nvCxnSpPr>
+          <p:cNvPr id="236" name="Google Shape;236;p9">
+            <a:extLst>
+              <a:ext uri="{FF2B5EF4-FFF2-40B4-BE49-F238E27FC236}">
+                <a16:creationId xmlns:a16="http://schemas.microsoft.com/office/drawing/2014/main" id="{4D958D74-8FA6-CDA2-DFB3-AD70E85294CB}"/>
+              </a:ext>
+            </a:extLst>
+          </p:cNvPr>
+          <p:cNvCxnSpPr>
+            <a:stCxn id="228" idx="1"/>
+            <a:endCxn id="233" idx="3"/>
+          </p:cNvCxnSpPr>
+          <p:nvPr/>
+        </p:nvCxnSpPr>
+        <p:spPr>
+          <a:xfrm rot="10800000">
+            <a:off x="7515228" y="5726678"/>
+            <a:ext cx="586800" cy="207300"/>
+          </a:xfrm>
+          <a:prstGeom prst="straightConnector1">
+            <a:avLst/>
+          </a:prstGeom>
+          <a:noFill/>
+          <a:ln w="38100" cap="flat" cmpd="sng">
+            <a:solidFill>
+              <a:schemeClr val="lt1"/>
+            </a:solidFill>
+            <a:prstDash val="solid"/>
+            <a:miter lim="800000"/>
+            <a:headEnd type="none" w="sm" len="sm"/>
+            <a:tailEnd type="triangle" w="med" len="med"/>
+          </a:ln>
+        </p:spPr>
+      </p:cxnSp>
+      <p:cxnSp>
+        <p:nvCxnSpPr>
+          <p:cNvPr id="237" name="Google Shape;237;p9">
+            <a:extLst>
+              <a:ext uri="{FF2B5EF4-FFF2-40B4-BE49-F238E27FC236}">
+                <a16:creationId xmlns:a16="http://schemas.microsoft.com/office/drawing/2014/main" id="{DF2D629B-4F09-69B7-4E31-60FDF1FCCE30}"/>
+              </a:ext>
+            </a:extLst>
+          </p:cNvPr>
+          <p:cNvCxnSpPr>
+            <a:stCxn id="220" idx="1"/>
+            <a:endCxn id="228" idx="3"/>
+          </p:cNvCxnSpPr>
+          <p:nvPr/>
+        </p:nvCxnSpPr>
+        <p:spPr>
+          <a:xfrm flipH="1">
+            <a:off x="9421728" y="5448803"/>
+            <a:ext cx="468600" cy="485100"/>
+          </a:xfrm>
+          <a:prstGeom prst="straightConnector1">
+            <a:avLst/>
+          </a:prstGeom>
+          <a:noFill/>
+          <a:ln w="38100" cap="flat" cmpd="sng">
+            <a:solidFill>
+              <a:schemeClr val="lt1"/>
+            </a:solidFill>
+            <a:prstDash val="solid"/>
+            <a:miter lim="800000"/>
+            <a:headEnd type="none" w="sm" len="sm"/>
+            <a:tailEnd type="triangle" w="med" len="med"/>
+          </a:ln>
+        </p:spPr>
+      </p:cxnSp>
+      <p:cxnSp>
+        <p:nvCxnSpPr>
+          <p:cNvPr id="238" name="Google Shape;238;p9">
+            <a:extLst>
+              <a:ext uri="{FF2B5EF4-FFF2-40B4-BE49-F238E27FC236}">
+                <a16:creationId xmlns:a16="http://schemas.microsoft.com/office/drawing/2014/main" id="{77A29CB7-D037-08BD-53F3-730AAD32A8D3}"/>
+              </a:ext>
+            </a:extLst>
+          </p:cNvPr>
+          <p:cNvCxnSpPr>
+            <a:endCxn id="239" idx="2"/>
+          </p:cNvCxnSpPr>
+          <p:nvPr/>
+        </p:nvCxnSpPr>
+        <p:spPr>
+          <a:xfrm rot="10800000" flipH="1">
+            <a:off x="691331" y="1668102"/>
+            <a:ext cx="345600" cy="1384500"/>
+          </a:xfrm>
+          <a:prstGeom prst="straightConnector1">
+            <a:avLst/>
+          </a:prstGeom>
+          <a:noFill/>
+          <a:ln w="38100" cap="flat" cmpd="sng">
+            <a:solidFill>
+              <a:srgbClr val="FFFF00"/>
+            </a:solidFill>
+            <a:prstDash val="solid"/>
+            <a:miter lim="800000"/>
+            <a:headEnd type="none" w="sm" len="sm"/>
+            <a:tailEnd type="triangle" w="med" len="med"/>
+          </a:ln>
+        </p:spPr>
+      </p:cxnSp>
+      <p:cxnSp>
+        <p:nvCxnSpPr>
+          <p:cNvPr id="240" name="Google Shape;240;p9">
+            <a:extLst>
+              <a:ext uri="{FF2B5EF4-FFF2-40B4-BE49-F238E27FC236}">
+                <a16:creationId xmlns:a16="http://schemas.microsoft.com/office/drawing/2014/main" id="{A7DD6A54-42E7-3AD9-F578-A0216316B4C7}"/>
+              </a:ext>
+            </a:extLst>
+          </p:cNvPr>
+          <p:cNvCxnSpPr>
+            <a:stCxn id="224" idx="1"/>
+          </p:cNvCxnSpPr>
+          <p:nvPr/>
+        </p:nvCxnSpPr>
+        <p:spPr>
+          <a:xfrm rot="10800000">
+            <a:off x="669262" y="3052616"/>
+            <a:ext cx="409500" cy="405000"/>
+          </a:xfrm>
+          <a:prstGeom prst="straightConnector1">
+            <a:avLst/>
+          </a:prstGeom>
+          <a:noFill/>
+          <a:ln w="38100" cap="flat" cmpd="sng">
+            <a:solidFill>
+              <a:srgbClr val="FFFF00"/>
+            </a:solidFill>
+            <a:prstDash val="solid"/>
+            <a:miter lim="800000"/>
+            <a:headEnd type="none" w="sm" len="sm"/>
+            <a:tailEnd type="triangle" w="med" len="med"/>
+          </a:ln>
+        </p:spPr>
+      </p:cxnSp>
+      <p:sp>
+        <p:nvSpPr>
+          <p:cNvPr id="239" name="Google Shape;239;p9">
+            <a:extLst>
+              <a:ext uri="{FF2B5EF4-FFF2-40B4-BE49-F238E27FC236}">
+                <a16:creationId xmlns:a16="http://schemas.microsoft.com/office/drawing/2014/main" id="{27B1DB04-97B7-EF92-55CE-D9942848CCB5}"/>
+              </a:ext>
+            </a:extLst>
+          </p:cNvPr>
+          <p:cNvSpPr/>
+          <p:nvPr/>
+        </p:nvSpPr>
+        <p:spPr>
+          <a:xfrm>
+            <a:off x="692725" y="1396262"/>
+            <a:ext cx="688412" cy="271840"/>
+          </a:xfrm>
+          <a:prstGeom prst="roundRect">
+            <a:avLst>
+              <a:gd name="adj" fmla="val 16667"/>
+            </a:avLst>
+          </a:prstGeom>
+          <a:gradFill>
+            <a:gsLst>
+              <a:gs pos="0">
+                <a:srgbClr val="9A9A9A"/>
+              </a:gs>
+              <a:gs pos="50000">
+                <a:srgbClr val="8D8D8D"/>
+              </a:gs>
+              <a:gs pos="100000">
+                <a:srgbClr val="787878"/>
+              </a:gs>
+            </a:gsLst>
+            <a:lin ang="5400000" scaled="0"/>
+          </a:gradFill>
+          <a:ln w="9525" cap="flat" cmpd="sng">
+            <a:solidFill>
+              <a:schemeClr val="dk1"/>
+            </a:solidFill>
+            <a:prstDash val="solid"/>
+            <a:miter lim="800000"/>
+            <a:headEnd type="none" w="sm" len="sm"/>
+            <a:tailEnd type="none" w="sm" len="sm"/>
+          </a:ln>
+        </p:spPr>
+        <p:txBody>
+          <a:bodyPr spcFirstLastPara="1" wrap="square" lIns="91425" tIns="45700" rIns="91425" bIns="45700" anchor="ctr" anchorCtr="0">
+            <a:noAutofit/>
+          </a:bodyPr>
+          <a:lstStyle/>
+          <a:p>
+            <a:pPr marL="0" marR="0" lvl="0" indent="0" algn="ctr" rtl="0">
+              <a:spcBef>
+                <a:spcPts val="0"/>
+              </a:spcBef>
+              <a:spcAft>
+                <a:spcPts val="0"/>
+              </a:spcAft>
+              <a:buNone/>
+            </a:pPr>
+            <a:r>
+              <a:rPr lang="en-US" sz="1800">
+                <a:solidFill>
+                  <a:schemeClr val="dk1"/>
+                </a:solidFill>
+                <a:latin typeface="Calibri"/>
+                <a:ea typeface="Calibri"/>
+                <a:cs typeface="Calibri"/>
+                <a:sym typeface="Calibri"/>
+              </a:rPr>
+              <a:t>Click</a:t>
+            </a:r>
+            <a:endParaRPr/>
+          </a:p>
+        </p:txBody>
+      </p:sp>
+      <p:cxnSp>
+        <p:nvCxnSpPr>
+          <p:cNvPr id="241" name="Google Shape;241;p9">
+            <a:extLst>
+              <a:ext uri="{FF2B5EF4-FFF2-40B4-BE49-F238E27FC236}">
+                <a16:creationId xmlns:a16="http://schemas.microsoft.com/office/drawing/2014/main" id="{20C6F4AF-BA05-1FC2-D468-E6E62C7979CB}"/>
+              </a:ext>
+            </a:extLst>
+          </p:cNvPr>
+          <p:cNvCxnSpPr/>
+          <p:nvPr/>
+        </p:nvCxnSpPr>
+        <p:spPr>
+          <a:xfrm>
+            <a:off x="6890506" y="2135365"/>
+            <a:ext cx="196094" cy="540440"/>
+          </a:xfrm>
+          <a:prstGeom prst="straightConnector1">
+            <a:avLst/>
+          </a:prstGeom>
+          <a:noFill/>
+          <a:ln w="38100" cap="flat" cmpd="sng">
+            <a:solidFill>
+              <a:srgbClr val="FFFF00"/>
+            </a:solidFill>
+            <a:prstDash val="solid"/>
+            <a:miter lim="800000"/>
+            <a:headEnd type="none" w="sm" len="sm"/>
+            <a:tailEnd type="triangle" w="med" len="med"/>
+          </a:ln>
+        </p:spPr>
+      </p:cxnSp>
+      <p:cxnSp>
+        <p:nvCxnSpPr>
+          <p:cNvPr id="242" name="Google Shape;242;p9">
+            <a:extLst>
+              <a:ext uri="{FF2B5EF4-FFF2-40B4-BE49-F238E27FC236}">
+                <a16:creationId xmlns:a16="http://schemas.microsoft.com/office/drawing/2014/main" id="{97386AF4-E8E4-8E7E-734A-566DAAFB210A}"/>
+              </a:ext>
+            </a:extLst>
+          </p:cNvPr>
+          <p:cNvCxnSpPr/>
+          <p:nvPr/>
+        </p:nvCxnSpPr>
+        <p:spPr>
+          <a:xfrm flipH="1">
+            <a:off x="6629400" y="2135365"/>
+            <a:ext cx="261106" cy="540440"/>
+          </a:xfrm>
+          <a:prstGeom prst="straightConnector1">
+            <a:avLst/>
+          </a:prstGeom>
+          <a:noFill/>
+          <a:ln w="38100" cap="flat" cmpd="sng">
+            <a:solidFill>
+              <a:srgbClr val="FFFF00"/>
+            </a:solidFill>
+            <a:prstDash val="solid"/>
+            <a:miter lim="800000"/>
+            <a:headEnd type="none" w="sm" len="sm"/>
+            <a:tailEnd type="triangle" w="med" len="med"/>
+          </a:ln>
+        </p:spPr>
+      </p:cxnSp>
+      <p:cxnSp>
+        <p:nvCxnSpPr>
+          <p:cNvPr id="243" name="Google Shape;243;p9">
+            <a:extLst>
+              <a:ext uri="{FF2B5EF4-FFF2-40B4-BE49-F238E27FC236}">
+                <a16:creationId xmlns:a16="http://schemas.microsoft.com/office/drawing/2014/main" id="{0A54CA8D-8700-A7D7-0190-4372BEF3DFCA}"/>
+              </a:ext>
+            </a:extLst>
+          </p:cNvPr>
+          <p:cNvCxnSpPr>
+            <a:stCxn id="216" idx="3"/>
+            <a:endCxn id="206" idx="2"/>
+          </p:cNvCxnSpPr>
+          <p:nvPr/>
+        </p:nvCxnSpPr>
+        <p:spPr>
+          <a:xfrm rot="10800000" flipH="1">
+            <a:off x="9815644" y="3421050"/>
+            <a:ext cx="957900" cy="294900"/>
+          </a:xfrm>
+          <a:prstGeom prst="straightConnector1">
+            <a:avLst/>
+          </a:prstGeom>
+          <a:noFill/>
+          <a:ln w="38100" cap="flat" cmpd="sng">
+            <a:solidFill>
+              <a:schemeClr val="lt1"/>
+            </a:solidFill>
+            <a:prstDash val="solid"/>
+            <a:miter lim="800000"/>
+            <a:headEnd type="none" w="sm" len="sm"/>
+            <a:tailEnd type="triangle" w="med" len="med"/>
+          </a:ln>
+        </p:spPr>
+      </p:cxnSp>
+      <p:cxnSp>
+        <p:nvCxnSpPr>
+          <p:cNvPr id="244" name="Google Shape;244;p9">
+            <a:extLst>
+              <a:ext uri="{FF2B5EF4-FFF2-40B4-BE49-F238E27FC236}">
+                <a16:creationId xmlns:a16="http://schemas.microsoft.com/office/drawing/2014/main" id="{34FE5570-AF03-73F3-DAB0-47EA83A75379}"/>
+              </a:ext>
+            </a:extLst>
+          </p:cNvPr>
+          <p:cNvCxnSpPr>
+            <a:stCxn id="218" idx="0"/>
+            <a:endCxn id="216" idx="2"/>
+          </p:cNvCxnSpPr>
+          <p:nvPr/>
+        </p:nvCxnSpPr>
+        <p:spPr>
+          <a:xfrm rot="10800000" flipH="1">
+            <a:off x="8664626" y="3966934"/>
+            <a:ext cx="473100" cy="448200"/>
+          </a:xfrm>
+          <a:prstGeom prst="straightConnector1">
+            <a:avLst/>
+          </a:prstGeom>
+          <a:noFill/>
+          <a:ln w="38100" cap="flat" cmpd="sng">
+            <a:solidFill>
+              <a:schemeClr val="lt1"/>
+            </a:solidFill>
+            <a:prstDash val="solid"/>
+            <a:miter lim="800000"/>
+            <a:headEnd type="none" w="sm" len="sm"/>
+            <a:tailEnd type="triangle" w="med" len="med"/>
+          </a:ln>
+        </p:spPr>
+      </p:cxnSp>
+      <p:sp>
+        <p:nvSpPr>
+          <p:cNvPr id="2" name="Google Shape;206;p9">
+            <a:extLst>
+              <a:ext uri="{FF2B5EF4-FFF2-40B4-BE49-F238E27FC236}">
+                <a16:creationId xmlns:a16="http://schemas.microsoft.com/office/drawing/2014/main" id="{6EA84A97-F9B1-29BC-4D6D-4E048C3EC5AA}"/>
+              </a:ext>
+            </a:extLst>
+          </p:cNvPr>
+          <p:cNvSpPr/>
+          <p:nvPr/>
+        </p:nvSpPr>
+        <p:spPr>
+          <a:xfrm>
+            <a:off x="2062024" y="4315641"/>
+            <a:ext cx="1094309" cy="381127"/>
+          </a:xfrm>
+          <a:prstGeom prst="roundRect">
+            <a:avLst>
+              <a:gd name="adj" fmla="val 16667"/>
+            </a:avLst>
+          </a:prstGeom>
+          <a:gradFill>
+            <a:gsLst>
+              <a:gs pos="0">
+                <a:srgbClr val="9A9A9A"/>
+              </a:gs>
+              <a:gs pos="50000">
+                <a:srgbClr val="8D8D8D"/>
+              </a:gs>
+              <a:gs pos="100000">
+                <a:srgbClr val="787878"/>
+              </a:gs>
+            </a:gsLst>
+            <a:lin ang="5400000" scaled="0"/>
+          </a:gradFill>
+          <a:ln w="9525" cap="flat" cmpd="sng">
+            <a:solidFill>
+              <a:schemeClr val="dk1"/>
+            </a:solidFill>
+            <a:prstDash val="solid"/>
+            <a:miter lim="800000"/>
+            <a:headEnd type="none" w="sm" len="sm"/>
+            <a:tailEnd type="none" w="sm" len="sm"/>
+          </a:ln>
+        </p:spPr>
+        <p:txBody>
+          <a:bodyPr spcFirstLastPara="1" wrap="square" lIns="91425" tIns="45700" rIns="91425" bIns="45700" anchor="ctr" anchorCtr="0">
+            <a:noAutofit/>
+          </a:bodyPr>
+          <a:lstStyle/>
+          <a:p>
+            <a:pPr marL="0" marR="0" lvl="0" indent="0" algn="ctr" rtl="0">
+              <a:spcBef>
+                <a:spcPts val="0"/>
+              </a:spcBef>
+              <a:spcAft>
+                <a:spcPts val="0"/>
+              </a:spcAft>
+              <a:buNone/>
+            </a:pPr>
+            <a:r>
+              <a:rPr lang="en-US" sz="1600" dirty="0">
+                <a:solidFill>
+                  <a:schemeClr val="dk1"/>
+                </a:solidFill>
+                <a:latin typeface="Calibri"/>
+                <a:ea typeface="Calibri"/>
+                <a:cs typeface="Calibri"/>
+                <a:sym typeface="Calibri"/>
+              </a:rPr>
+              <a:t>Templates</a:t>
+            </a:r>
+            <a:endParaRPr sz="1600" dirty="0">
+              <a:solidFill>
+                <a:schemeClr val="dk1"/>
+              </a:solidFill>
+              <a:latin typeface="Calibri"/>
+              <a:ea typeface="Calibri"/>
+              <a:cs typeface="Calibri"/>
+              <a:sym typeface="Calibri"/>
+            </a:endParaRPr>
+          </a:p>
+        </p:txBody>
+      </p:sp>
+      <p:cxnSp>
+        <p:nvCxnSpPr>
+          <p:cNvPr id="3" name="Google Shape;232;p9">
+            <a:extLst>
+              <a:ext uri="{FF2B5EF4-FFF2-40B4-BE49-F238E27FC236}">
+                <a16:creationId xmlns:a16="http://schemas.microsoft.com/office/drawing/2014/main" id="{12CD5A8A-1AB5-95A5-D07C-20137ECEBD78}"/>
+              </a:ext>
+            </a:extLst>
+          </p:cNvPr>
+          <p:cNvCxnSpPr>
+            <a:cxnSpLocks/>
+            <a:stCxn id="2" idx="1"/>
+            <a:endCxn id="224" idx="3"/>
+          </p:cNvCxnSpPr>
+          <p:nvPr/>
+        </p:nvCxnSpPr>
+        <p:spPr>
+          <a:xfrm flipH="1" flipV="1">
+            <a:off x="1595597" y="3457616"/>
+            <a:ext cx="466427" cy="1048589"/>
+          </a:xfrm>
+          <a:prstGeom prst="straightConnector1">
+            <a:avLst/>
+          </a:prstGeom>
+          <a:noFill/>
+          <a:ln w="38100" cap="flat" cmpd="sng">
+            <a:solidFill>
+              <a:srgbClr val="FFFF00"/>
+            </a:solidFill>
+            <a:prstDash val="solid"/>
+            <a:miter lim="800000"/>
+            <a:headEnd type="none" w="sm" len="sm"/>
+            <a:tailEnd type="triangle" w="med" len="med"/>
+          </a:ln>
+        </p:spPr>
+      </p:cxnSp>
+      <p:cxnSp>
+        <p:nvCxnSpPr>
+          <p:cNvPr id="6" name="Google Shape;232;p9">
+            <a:extLst>
+              <a:ext uri="{FF2B5EF4-FFF2-40B4-BE49-F238E27FC236}">
+                <a16:creationId xmlns:a16="http://schemas.microsoft.com/office/drawing/2014/main" id="{0806372D-2B8C-18EF-06DA-F8144D42B8C9}"/>
+              </a:ext>
+            </a:extLst>
+          </p:cNvPr>
+          <p:cNvCxnSpPr>
+            <a:cxnSpLocks/>
+            <a:stCxn id="225" idx="2"/>
+            <a:endCxn id="2" idx="0"/>
+          </p:cNvCxnSpPr>
+          <p:nvPr/>
+        </p:nvCxnSpPr>
+        <p:spPr>
+          <a:xfrm flipH="1">
+            <a:off x="2609179" y="3651520"/>
+            <a:ext cx="94568" cy="664121"/>
+          </a:xfrm>
+          <a:prstGeom prst="straightConnector1">
+            <a:avLst/>
+          </a:prstGeom>
+          <a:noFill/>
+          <a:ln w="38100" cap="flat" cmpd="sng">
+            <a:solidFill>
+              <a:srgbClr val="FFFF00"/>
+            </a:solidFill>
+            <a:prstDash val="solid"/>
+            <a:miter lim="800000"/>
+            <a:headEnd type="none" w="sm" len="sm"/>
+            <a:tailEnd type="triangle" w="med" len="med"/>
+          </a:ln>
+        </p:spPr>
+      </p:cxnSp>
     </p:spTree>
     <p:extLst>
       <p:ext uri="{BB962C8B-B14F-4D97-AF65-F5344CB8AC3E}">
-        <p14:creationId xmlns:p14="http://schemas.microsoft.com/office/powerpoint/2010/main" val="3745907647"/>
+        <p14:creationId xmlns:p14="http://schemas.microsoft.com/office/powerpoint/2010/main" val="2380013872"/>
       </p:ext>
     </p:extLst>
   </p:cSld>
@@ -18765,7 +21735,7 @@
 </p:sld>
 </file>
 
-<file path=ppt/slides/slide43.xml><?xml version="1.0" encoding="utf-8"?>
+<file path=ppt/slides/slide44.xml><?xml version="1.0" encoding="utf-8"?>
 <p:sld xmlns:a="http://schemas.openxmlformats.org/drawingml/2006/main" xmlns:r="http://schemas.openxmlformats.org/officeDocument/2006/relationships" xmlns:p="http://schemas.openxmlformats.org/presentationml/2006/main">
   <p:cSld>
     <p:spTree>
@@ -19071,6 +22041,9 @@
             </a:r>
             <a:r>
               <a:rPr lang="en-US" sz="1600" b="1" dirty="0" err="1">
+                <a:solidFill>
+                  <a:srgbClr val="00B0F0"/>
+                </a:solidFill>
                 <a:latin typeface="Courier New" panose="02070309020205020404" pitchFamily="49" charset="0"/>
                 <a:cs typeface="Courier New" panose="02070309020205020404" pitchFamily="49" charset="0"/>
               </a:rPr>
@@ -19078,10 +22051,20 @@
             </a:r>
             <a:r>
               <a:rPr lang="en-US" sz="1600" b="1" dirty="0">
-                <a:latin typeface="Courier New" panose="02070309020205020404" pitchFamily="49" charset="0"/>
-                <a:cs typeface="Courier New" panose="02070309020205020404" pitchFamily="49" charset="0"/>
-              </a:rPr>
-              <a:t>();"&gt;Click Me&lt;/button&gt;</a:t>
+                <a:solidFill>
+                  <a:srgbClr val="00B0F0"/>
+                </a:solidFill>
+                <a:latin typeface="Courier New" panose="02070309020205020404" pitchFamily="49" charset="0"/>
+                <a:cs typeface="Courier New" panose="02070309020205020404" pitchFamily="49" charset="0"/>
+              </a:rPr>
+              <a:t>()</a:t>
+            </a:r>
+            <a:r>
+              <a:rPr lang="en-US" sz="1600" b="1" dirty="0">
+                <a:latin typeface="Courier New" panose="02070309020205020404" pitchFamily="49" charset="0"/>
+                <a:cs typeface="Courier New" panose="02070309020205020404" pitchFamily="49" charset="0"/>
+              </a:rPr>
+              <a:t>;"&gt;Click Me&lt;/button&gt;</a:t>
             </a:r>
           </a:p>
           <a:p>
@@ -19155,6 +22138,9 @@
             </a:r>
             <a:r>
               <a:rPr lang="en-US" sz="1600" b="1" dirty="0" err="1">
+                <a:solidFill>
+                  <a:srgbClr val="00B0F0"/>
+                </a:solidFill>
                 <a:latin typeface="Courier New" panose="02070309020205020404" pitchFamily="49" charset="0"/>
                 <a:cs typeface="Courier New" panose="02070309020205020404" pitchFamily="49" charset="0"/>
               </a:rPr>
@@ -19162,10 +22148,20 @@
             </a:r>
             <a:r>
               <a:rPr lang="en-US" sz="1600" b="1" dirty="0">
-                <a:latin typeface="Courier New" panose="02070309020205020404" pitchFamily="49" charset="0"/>
-                <a:cs typeface="Courier New" panose="02070309020205020404" pitchFamily="49" charset="0"/>
-              </a:rPr>
-              <a:t>() {</a:t>
+                <a:solidFill>
+                  <a:srgbClr val="00B0F0"/>
+                </a:solidFill>
+                <a:latin typeface="Courier New" panose="02070309020205020404" pitchFamily="49" charset="0"/>
+                <a:cs typeface="Courier New" panose="02070309020205020404" pitchFamily="49" charset="0"/>
+              </a:rPr>
+              <a:t>()</a:t>
+            </a:r>
+            <a:r>
+              <a:rPr lang="en-US" sz="1600" b="1" dirty="0">
+                <a:latin typeface="Courier New" panose="02070309020205020404" pitchFamily="49" charset="0"/>
+                <a:cs typeface="Courier New" panose="02070309020205020404" pitchFamily="49" charset="0"/>
+              </a:rPr>
+              <a:t> {</a:t>
             </a:r>
           </a:p>
           <a:p>
@@ -19341,7 +22337,7 @@
 </p:sld>
 </file>
 
-<file path=ppt/slides/slide44.xml><?xml version="1.0" encoding="utf-8"?>
+<file path=ppt/slides/slide45.xml><?xml version="1.0" encoding="utf-8"?>
 <p:sld xmlns:a="http://schemas.openxmlformats.org/drawingml/2006/main" xmlns:r="http://schemas.openxmlformats.org/officeDocument/2006/relationships" xmlns:p="http://schemas.openxmlformats.org/presentationml/2006/main">
   <p:cSld>
     <p:spTree>
@@ -19842,7 +22838,7 @@
         </p:nvSpPr>
         <p:spPr>
           <a:xfrm>
-            <a:off x="7581899" y="1489668"/>
+            <a:off x="7616535" y="1863382"/>
             <a:ext cx="4008455" cy="1325563"/>
           </a:xfrm>
         </p:spPr>
@@ -19887,166 +22883,27 @@
           </a:prstGeom>
         </p:spPr>
       </p:pic>
-    </p:spTree>
-    <p:extLst>
-      <p:ext uri="{BB962C8B-B14F-4D97-AF65-F5344CB8AC3E}">
-        <p14:creationId xmlns:p14="http://schemas.microsoft.com/office/powerpoint/2010/main" val="1868513849"/>
-      </p:ext>
-    </p:extLst>
-  </p:cSld>
-  <p:clrMapOvr>
-    <a:masterClrMapping/>
-  </p:clrMapOvr>
-</p:sld>
-</file>
-
-<file path=ppt/slides/slide45.xml><?xml version="1.0" encoding="utf-8"?>
-<p:sld xmlns:a="http://schemas.openxmlformats.org/drawingml/2006/main" xmlns:r="http://schemas.openxmlformats.org/officeDocument/2006/relationships" xmlns:p="http://schemas.openxmlformats.org/presentationml/2006/main">
-  <p:cSld>
-    <p:spTree>
-      <p:nvGrpSpPr>
-        <p:cNvPr id="1" name=""/>
-        <p:cNvGrpSpPr/>
-        <p:nvPr/>
-      </p:nvGrpSpPr>
-      <p:grpSpPr>
-        <a:xfrm>
-          <a:off x="0" y="0"/>
-          <a:ext cx="0" cy="0"/>
-          <a:chOff x="0" y="0"/>
-          <a:chExt cx="0" cy="0"/>
-        </a:xfrm>
-      </p:grpSpPr>
       <p:sp>
         <p:nvSpPr>
-          <p:cNvPr id="2" name="Title 1">
-            <a:extLst>
-              <a:ext uri="{FF2B5EF4-FFF2-40B4-BE49-F238E27FC236}">
-                <a16:creationId xmlns:a16="http://schemas.microsoft.com/office/drawing/2014/main" id="{BA017366-9C60-59B0-22E9-C74108CB7790}"/>
-              </a:ext>
-            </a:extLst>
-          </p:cNvPr>
-          <p:cNvSpPr>
-            <a:spLocks noGrp="1"/>
-          </p:cNvSpPr>
-          <p:nvPr>
-            <p:ph type="title"/>
-          </p:nvPr>
+          <p:cNvPr id="2" name="TextBox 1">
+            <a:extLst>
+              <a:ext uri="{FF2B5EF4-FFF2-40B4-BE49-F238E27FC236}">
+                <a16:creationId xmlns:a16="http://schemas.microsoft.com/office/drawing/2014/main" id="{0F7CA083-7E1E-0289-46DA-7712E83DEB67}"/>
+              </a:ext>
+            </a:extLst>
+          </p:cNvPr>
+          <p:cNvSpPr txBox="1"/>
+          <p:nvPr/>
         </p:nvSpPr>
-        <p:spPr/>
-        <p:txBody>
-          <a:bodyPr/>
-          <a:lstStyle/>
-          <a:p>
-            <a:r>
-              <a:rPr lang="en-US" dirty="0"/>
-              <a:t>Custom Component Ecosystems</a:t>
-            </a:r>
-          </a:p>
-        </p:txBody>
-      </p:sp>
-      <p:sp>
-        <p:nvSpPr>
-          <p:cNvPr id="3" name="Content Placeholder 2">
-            <a:extLst>
-              <a:ext uri="{FF2B5EF4-FFF2-40B4-BE49-F238E27FC236}">
-                <a16:creationId xmlns:a16="http://schemas.microsoft.com/office/drawing/2014/main" id="{6F2EFD27-959A-B7F6-E0CD-5B906F8762C9}"/>
-              </a:ext>
-            </a:extLst>
-          </p:cNvPr>
-          <p:cNvSpPr>
-            <a:spLocks noGrp="1"/>
-          </p:cNvSpPr>
-          <p:nvPr>
-            <p:ph idx="1"/>
-          </p:nvPr>
-        </p:nvSpPr>
-        <p:spPr/>
-        <p:txBody>
-          <a:bodyPr/>
-          <a:lstStyle/>
-          <a:p>
-            <a:r>
-              <a:rPr lang="en-US" dirty="0"/>
-              <a:t>There are many frameworks that lets us create virtual html tags and use them throughout our markup</a:t>
-            </a:r>
-          </a:p>
-          <a:p>
-            <a:pPr lvl="1"/>
-            <a:r>
-              <a:rPr lang="en-US" dirty="0"/>
-              <a:t>React</a:t>
-            </a:r>
-          </a:p>
-          <a:p>
-            <a:pPr lvl="1"/>
-            <a:r>
-              <a:rPr lang="en-US" dirty="0"/>
-              <a:t>Vue</a:t>
-            </a:r>
-          </a:p>
-          <a:p>
-            <a:pPr lvl="1"/>
-            <a:r>
-              <a:rPr lang="en-US" dirty="0"/>
-              <a:t>Svelte</a:t>
-            </a:r>
-          </a:p>
-          <a:p>
-            <a:pPr lvl="1"/>
-            <a:r>
-              <a:rPr lang="en-US" dirty="0"/>
-              <a:t>…</a:t>
-            </a:r>
-          </a:p>
-          <a:p>
-            <a:pPr lvl="1"/>
-            <a:endParaRPr lang="en-US" dirty="0"/>
-          </a:p>
-          <a:p>
-            <a:r>
-              <a:rPr lang="en-US" dirty="0"/>
-              <a:t>LIT is one of the simpler of these</a:t>
-            </a:r>
-            <a:br>
-              <a:rPr lang="en-US" dirty="0"/>
-            </a:br>
-            <a:r>
-              <a:rPr lang="en-US" dirty="0"/>
-              <a:t>"tag" frameworks</a:t>
-            </a:r>
-          </a:p>
-          <a:p>
-            <a:endParaRPr lang="en-US" dirty="0"/>
-          </a:p>
-        </p:txBody>
-      </p:sp>
-      <p:sp>
-        <p:nvSpPr>
-          <p:cNvPr id="4" name="TextBox 3">
-            <a:extLst>
-              <a:ext uri="{FF2B5EF4-FFF2-40B4-BE49-F238E27FC236}">
-                <a16:creationId xmlns:a16="http://schemas.microsoft.com/office/drawing/2014/main" id="{55E7FFF5-CB0F-4A44-F0BF-F8DBBF43AED5}"/>
-              </a:ext>
-            </a:extLst>
-          </p:cNvPr>
-          <p:cNvSpPr txBox="1"/>
-          <p:nvPr/>
-        </p:nvSpPr>
         <p:spPr>
           <a:xfrm>
-            <a:off x="7231100" y="2654751"/>
-            <a:ext cx="3836307" cy="3323987"/>
+            <a:off x="6394205" y="1120336"/>
+            <a:ext cx="5461816" cy="369332"/>
           </a:xfrm>
           <a:prstGeom prst="rect">
             <a:avLst/>
           </a:prstGeom>
           <a:noFill/>
-          <a:ln>
-            <a:solidFill>
-              <a:srgbClr val="FFFF00"/>
-            </a:solidFill>
-          </a:ln>
         </p:spPr>
         <p:txBody>
           <a:bodyPr wrap="none" rtlCol="0">
@@ -20055,198 +22912,12 @@
           <a:lstStyle/>
           <a:p>
             <a:r>
-              <a:rPr lang="en-US" sz="1400" b="1" dirty="0">
-                <a:latin typeface="Courier New" panose="02070309020205020404" pitchFamily="49" charset="0"/>
-                <a:cs typeface="Courier New" panose="02070309020205020404" pitchFamily="49" charset="0"/>
-              </a:rPr>
-              <a:t>import React from 'react';</a:t>
-            </a:r>
-          </a:p>
-          <a:p>
-            <a:endParaRPr lang="en-US" sz="1400" b="1" dirty="0">
-              <a:latin typeface="Courier New" panose="02070309020205020404" pitchFamily="49" charset="0"/>
-              <a:cs typeface="Courier New" panose="02070309020205020404" pitchFamily="49" charset="0"/>
-            </a:endParaRPr>
-          </a:p>
-          <a:p>
-            <a:r>
-              <a:rPr lang="en-US" sz="1400" b="1" dirty="0">
-                <a:latin typeface="Courier New" panose="02070309020205020404" pitchFamily="49" charset="0"/>
-                <a:cs typeface="Courier New" panose="02070309020205020404" pitchFamily="49" charset="0"/>
-              </a:rPr>
-              <a:t>function </a:t>
-            </a:r>
-            <a:r>
-              <a:rPr lang="en-US" sz="1400" b="1" dirty="0" err="1">
-                <a:latin typeface="Courier New" panose="02070309020205020404" pitchFamily="49" charset="0"/>
-                <a:cs typeface="Courier New" panose="02070309020205020404" pitchFamily="49" charset="0"/>
-              </a:rPr>
-              <a:t>MyButton</a:t>
-            </a:r>
-            <a:r>
-              <a:rPr lang="en-US" sz="1400" b="1" dirty="0">
-                <a:latin typeface="Courier New" panose="02070309020205020404" pitchFamily="49" charset="0"/>
-                <a:cs typeface="Courier New" panose="02070309020205020404" pitchFamily="49" charset="0"/>
-              </a:rPr>
-              <a:t>() {</a:t>
-            </a:r>
-          </a:p>
-          <a:p>
-            <a:r>
-              <a:rPr lang="en-US" sz="1400" b="1" dirty="0">
-                <a:latin typeface="Courier New" panose="02070309020205020404" pitchFamily="49" charset="0"/>
-                <a:cs typeface="Courier New" panose="02070309020205020404" pitchFamily="49" charset="0"/>
-              </a:rPr>
-              <a:t>  const </a:t>
-            </a:r>
-            <a:r>
-              <a:rPr lang="en-US" sz="1400" b="1" dirty="0" err="1">
-                <a:latin typeface="Courier New" panose="02070309020205020404" pitchFamily="49" charset="0"/>
-                <a:cs typeface="Courier New" panose="02070309020205020404" pitchFamily="49" charset="0"/>
-              </a:rPr>
-              <a:t>handleClick</a:t>
-            </a:r>
-            <a:r>
-              <a:rPr lang="en-US" sz="1400" b="1" dirty="0">
-                <a:latin typeface="Courier New" panose="02070309020205020404" pitchFamily="49" charset="0"/>
-                <a:cs typeface="Courier New" panose="02070309020205020404" pitchFamily="49" charset="0"/>
-              </a:rPr>
-              <a:t> = () =&gt; {</a:t>
-            </a:r>
-          </a:p>
-          <a:p>
-            <a:r>
-              <a:rPr lang="en-US" sz="1400" b="1" dirty="0">
-                <a:latin typeface="Courier New" panose="02070309020205020404" pitchFamily="49" charset="0"/>
-                <a:cs typeface="Courier New" panose="02070309020205020404" pitchFamily="49" charset="0"/>
-              </a:rPr>
-              <a:t>    alert('Button clicked!');</a:t>
-            </a:r>
-          </a:p>
-          <a:p>
-            <a:r>
-              <a:rPr lang="en-US" sz="1400" b="1" dirty="0">
-                <a:latin typeface="Courier New" panose="02070309020205020404" pitchFamily="49" charset="0"/>
-                <a:cs typeface="Courier New" panose="02070309020205020404" pitchFamily="49" charset="0"/>
-              </a:rPr>
-              <a:t>  };</a:t>
-            </a:r>
-          </a:p>
-          <a:p>
-            <a:endParaRPr lang="en-US" sz="1400" b="1" dirty="0">
-              <a:latin typeface="Courier New" panose="02070309020205020404" pitchFamily="49" charset="0"/>
-              <a:cs typeface="Courier New" panose="02070309020205020404" pitchFamily="49" charset="0"/>
-            </a:endParaRPr>
-          </a:p>
-          <a:p>
-            <a:r>
-              <a:rPr lang="en-US" sz="1400" b="1" dirty="0">
-                <a:latin typeface="Courier New" panose="02070309020205020404" pitchFamily="49" charset="0"/>
-                <a:cs typeface="Courier New" panose="02070309020205020404" pitchFamily="49" charset="0"/>
-              </a:rPr>
-              <a:t>  return (</a:t>
-            </a:r>
-          </a:p>
-          <a:p>
-            <a:r>
-              <a:rPr lang="en-US" sz="1400" b="1" dirty="0">
-                <a:latin typeface="Courier New" panose="02070309020205020404" pitchFamily="49" charset="0"/>
-                <a:cs typeface="Courier New" panose="02070309020205020404" pitchFamily="49" charset="0"/>
-              </a:rPr>
-              <a:t>    &lt;button </a:t>
-            </a:r>
-            <a:r>
-              <a:rPr lang="en-US" sz="1400" b="1" dirty="0" err="1">
-                <a:latin typeface="Courier New" panose="02070309020205020404" pitchFamily="49" charset="0"/>
-                <a:cs typeface="Courier New" panose="02070309020205020404" pitchFamily="49" charset="0"/>
-              </a:rPr>
-              <a:t>onClick</a:t>
-            </a:r>
-            <a:r>
-              <a:rPr lang="en-US" sz="1400" b="1" dirty="0">
-                <a:latin typeface="Courier New" panose="02070309020205020404" pitchFamily="49" charset="0"/>
-                <a:cs typeface="Courier New" panose="02070309020205020404" pitchFamily="49" charset="0"/>
-              </a:rPr>
-              <a:t>={</a:t>
-            </a:r>
-            <a:r>
-              <a:rPr lang="en-US" sz="1400" b="1" dirty="0" err="1">
-                <a:latin typeface="Courier New" panose="02070309020205020404" pitchFamily="49" charset="0"/>
-                <a:cs typeface="Courier New" panose="02070309020205020404" pitchFamily="49" charset="0"/>
-              </a:rPr>
-              <a:t>handleClick</a:t>
-            </a:r>
-            <a:r>
-              <a:rPr lang="en-US" sz="1400" b="1" dirty="0">
-                <a:latin typeface="Courier New" panose="02070309020205020404" pitchFamily="49" charset="0"/>
-                <a:cs typeface="Courier New" panose="02070309020205020404" pitchFamily="49" charset="0"/>
-              </a:rPr>
-              <a:t>}&gt;</a:t>
-            </a:r>
-          </a:p>
-          <a:p>
-            <a:r>
-              <a:rPr lang="en-US" sz="1400" b="1" dirty="0">
-                <a:latin typeface="Courier New" panose="02070309020205020404" pitchFamily="49" charset="0"/>
-                <a:cs typeface="Courier New" panose="02070309020205020404" pitchFamily="49" charset="0"/>
-              </a:rPr>
-              <a:t>      Click Me</a:t>
-            </a:r>
-          </a:p>
-          <a:p>
-            <a:r>
-              <a:rPr lang="en-US" sz="1400" b="1" dirty="0">
-                <a:latin typeface="Courier New" panose="02070309020205020404" pitchFamily="49" charset="0"/>
-                <a:cs typeface="Courier New" panose="02070309020205020404" pitchFamily="49" charset="0"/>
-              </a:rPr>
-              <a:t>    &lt;/button&gt;</a:t>
-            </a:r>
-          </a:p>
-          <a:p>
-            <a:r>
-              <a:rPr lang="en-US" sz="1400" b="1" dirty="0">
-                <a:latin typeface="Courier New" panose="02070309020205020404" pitchFamily="49" charset="0"/>
-                <a:cs typeface="Courier New" panose="02070309020205020404" pitchFamily="49" charset="0"/>
-              </a:rPr>
-              <a:t>  );</a:t>
-            </a:r>
-          </a:p>
-          <a:p>
-            <a:r>
-              <a:rPr lang="en-US" sz="1400" b="1" dirty="0">
-                <a:latin typeface="Courier New" panose="02070309020205020404" pitchFamily="49" charset="0"/>
-                <a:cs typeface="Courier New" panose="02070309020205020404" pitchFamily="49" charset="0"/>
-              </a:rPr>
-              <a:t>}</a:t>
-            </a:r>
-          </a:p>
-          <a:p>
-            <a:endParaRPr lang="en-US" sz="1400" b="1" dirty="0">
-              <a:latin typeface="Courier New" panose="02070309020205020404" pitchFamily="49" charset="0"/>
-              <a:cs typeface="Courier New" panose="02070309020205020404" pitchFamily="49" charset="0"/>
-            </a:endParaRPr>
-          </a:p>
-          <a:p>
-            <a:r>
-              <a:rPr lang="en-US" sz="1400" b="1" dirty="0">
-                <a:latin typeface="Courier New" panose="02070309020205020404" pitchFamily="49" charset="0"/>
-                <a:cs typeface="Courier New" panose="02070309020205020404" pitchFamily="49" charset="0"/>
-              </a:rPr>
-              <a:t>export default </a:t>
-            </a:r>
-            <a:r>
-              <a:rPr lang="en-US" sz="1400" b="1" dirty="0" err="1">
-                <a:latin typeface="Courier New" panose="02070309020205020404" pitchFamily="49" charset="0"/>
-                <a:cs typeface="Courier New" panose="02070309020205020404" pitchFamily="49" charset="0"/>
-              </a:rPr>
-              <a:t>MyButton</a:t>
-            </a:r>
-            <a:r>
-              <a:rPr lang="en-US" sz="1400" b="1" dirty="0">
-                <a:latin typeface="Courier New" panose="02070309020205020404" pitchFamily="49" charset="0"/>
-                <a:cs typeface="Courier New" panose="02070309020205020404" pitchFamily="49" charset="0"/>
-              </a:rPr>
-              <a:t>;</a:t>
+              <a:rPr lang="en-US" dirty="0">
+                <a:solidFill>
+                  <a:srgbClr val="92D050"/>
+                </a:solidFill>
+              </a:rPr>
+              <a:t>https://www.dj4e.com/code/browser/16-dj4e-greet.js</a:t>
             </a:r>
           </a:p>
         </p:txBody>
@@ -20254,7 +22925,7 @@
     </p:spTree>
     <p:extLst>
       <p:ext uri="{BB962C8B-B14F-4D97-AF65-F5344CB8AC3E}">
-        <p14:creationId xmlns:p14="http://schemas.microsoft.com/office/powerpoint/2010/main" val="4235659435"/>
+        <p14:creationId xmlns:p14="http://schemas.microsoft.com/office/powerpoint/2010/main" val="1868513849"/>
       </p:ext>
     </p:extLst>
   </p:cSld>
@@ -20286,7 +22957,7 @@
           <p:cNvPr id="2" name="Title 1">
             <a:extLst>
               <a:ext uri="{FF2B5EF4-FFF2-40B4-BE49-F238E27FC236}">
-                <a16:creationId xmlns:a16="http://schemas.microsoft.com/office/drawing/2014/main" id="{977CE5AA-E8DC-384B-187C-676891C9D0B7}"/>
+                <a16:creationId xmlns:a16="http://schemas.microsoft.com/office/drawing/2014/main" id="{BA017366-9C60-59B0-22E9-C74108CB7790}"/>
               </a:ext>
             </a:extLst>
           </p:cNvPr>
@@ -20304,7 +22975,7 @@
           <a:p>
             <a:r>
               <a:rPr lang="en-US" dirty="0"/>
-              <a:t>Evolving Architecture of Web Applications</a:t>
+              <a:t>Custom Component Ecosystems</a:t>
             </a:r>
           </a:p>
         </p:txBody>
@@ -20314,7 +22985,7 @@
           <p:cNvPr id="3" name="Content Placeholder 2">
             <a:extLst>
               <a:ext uri="{FF2B5EF4-FFF2-40B4-BE49-F238E27FC236}">
-                <a16:creationId xmlns:a16="http://schemas.microsoft.com/office/drawing/2014/main" id="{B2ADC658-C255-CF4E-C07B-753EC3BB0B6E}"/>
+                <a16:creationId xmlns:a16="http://schemas.microsoft.com/office/drawing/2014/main" id="{6F2EFD27-959A-B7F6-E0CD-5B906F8762C9}"/>
               </a:ext>
             </a:extLst>
           </p:cNvPr>
@@ -20332,13 +23003,385 @@
           <a:p>
             <a:r>
               <a:rPr lang="en-US" dirty="0"/>
+              <a:t>There are many frameworks that lets us create virtual html tags and use them throughout our markup</a:t>
+            </a:r>
+          </a:p>
+          <a:p>
+            <a:pPr lvl="1"/>
+            <a:r>
+              <a:rPr lang="en-US" dirty="0"/>
+              <a:t>React</a:t>
+            </a:r>
+          </a:p>
+          <a:p>
+            <a:pPr lvl="1"/>
+            <a:r>
+              <a:rPr lang="en-US" dirty="0"/>
+              <a:t>Vue</a:t>
+            </a:r>
+          </a:p>
+          <a:p>
+            <a:pPr lvl="1"/>
+            <a:r>
+              <a:rPr lang="en-US" dirty="0"/>
+              <a:t>Svelte</a:t>
+            </a:r>
+          </a:p>
+          <a:p>
+            <a:pPr lvl="1"/>
+            <a:r>
+              <a:rPr lang="en-US" dirty="0"/>
+              <a:t>…</a:t>
+            </a:r>
+          </a:p>
+          <a:p>
+            <a:pPr lvl="1"/>
+            <a:endParaRPr lang="en-US" dirty="0"/>
+          </a:p>
+          <a:p>
+            <a:r>
+              <a:rPr lang="en-US" dirty="0"/>
+              <a:t>LIT is one of the smaller/simpler of</a:t>
+            </a:r>
+            <a:br>
+              <a:rPr lang="en-US" dirty="0"/>
+            </a:br>
+            <a:r>
+              <a:rPr lang="en-US" dirty="0"/>
+              <a:t>these "tag" frameworks</a:t>
+            </a:r>
+          </a:p>
+          <a:p>
+            <a:endParaRPr lang="en-US" dirty="0"/>
+          </a:p>
+        </p:txBody>
+      </p:sp>
+      <p:sp>
+        <p:nvSpPr>
+          <p:cNvPr id="4" name="TextBox 3">
+            <a:extLst>
+              <a:ext uri="{FF2B5EF4-FFF2-40B4-BE49-F238E27FC236}">
+                <a16:creationId xmlns:a16="http://schemas.microsoft.com/office/drawing/2014/main" id="{55E7FFF5-CB0F-4A44-F0BF-F8DBBF43AED5}"/>
+              </a:ext>
+            </a:extLst>
+          </p:cNvPr>
+          <p:cNvSpPr txBox="1"/>
+          <p:nvPr/>
+        </p:nvSpPr>
+        <p:spPr>
+          <a:xfrm>
+            <a:off x="7231100" y="2654751"/>
+            <a:ext cx="3836307" cy="3323987"/>
+          </a:xfrm>
+          <a:prstGeom prst="rect">
+            <a:avLst/>
+          </a:prstGeom>
+          <a:noFill/>
+          <a:ln>
+            <a:solidFill>
+              <a:srgbClr val="FFFF00"/>
+            </a:solidFill>
+          </a:ln>
+        </p:spPr>
+        <p:txBody>
+          <a:bodyPr wrap="none" rtlCol="0">
+            <a:spAutoFit/>
+          </a:bodyPr>
+          <a:lstStyle/>
+          <a:p>
+            <a:r>
+              <a:rPr lang="en-US" sz="1400" b="1" dirty="0">
+                <a:latin typeface="Courier New" panose="02070309020205020404" pitchFamily="49" charset="0"/>
+                <a:cs typeface="Courier New" panose="02070309020205020404" pitchFamily="49" charset="0"/>
+              </a:rPr>
+              <a:t>import React from 'react';</a:t>
+            </a:r>
+          </a:p>
+          <a:p>
+            <a:endParaRPr lang="en-US" sz="1400" b="1" dirty="0">
+              <a:latin typeface="Courier New" panose="02070309020205020404" pitchFamily="49" charset="0"/>
+              <a:cs typeface="Courier New" panose="02070309020205020404" pitchFamily="49" charset="0"/>
+            </a:endParaRPr>
+          </a:p>
+          <a:p>
+            <a:r>
+              <a:rPr lang="en-US" sz="1400" b="1" dirty="0">
+                <a:latin typeface="Courier New" panose="02070309020205020404" pitchFamily="49" charset="0"/>
+                <a:cs typeface="Courier New" panose="02070309020205020404" pitchFamily="49" charset="0"/>
+              </a:rPr>
+              <a:t>function </a:t>
+            </a:r>
+            <a:r>
+              <a:rPr lang="en-US" sz="1400" b="1" dirty="0" err="1">
+                <a:latin typeface="Courier New" panose="02070309020205020404" pitchFamily="49" charset="0"/>
+                <a:cs typeface="Courier New" panose="02070309020205020404" pitchFamily="49" charset="0"/>
+              </a:rPr>
+              <a:t>MyButton</a:t>
+            </a:r>
+            <a:r>
+              <a:rPr lang="en-US" sz="1400" b="1" dirty="0">
+                <a:latin typeface="Courier New" panose="02070309020205020404" pitchFamily="49" charset="0"/>
+                <a:cs typeface="Courier New" panose="02070309020205020404" pitchFamily="49" charset="0"/>
+              </a:rPr>
+              <a:t>() {</a:t>
+            </a:r>
+          </a:p>
+          <a:p>
+            <a:r>
+              <a:rPr lang="en-US" sz="1400" b="1" dirty="0">
+                <a:latin typeface="Courier New" panose="02070309020205020404" pitchFamily="49" charset="0"/>
+                <a:cs typeface="Courier New" panose="02070309020205020404" pitchFamily="49" charset="0"/>
+              </a:rPr>
+              <a:t>  const </a:t>
+            </a:r>
+            <a:r>
+              <a:rPr lang="en-US" sz="1400" b="1" dirty="0" err="1">
+                <a:latin typeface="Courier New" panose="02070309020205020404" pitchFamily="49" charset="0"/>
+                <a:cs typeface="Courier New" panose="02070309020205020404" pitchFamily="49" charset="0"/>
+              </a:rPr>
+              <a:t>handleClick</a:t>
+            </a:r>
+            <a:r>
+              <a:rPr lang="en-US" sz="1400" b="1" dirty="0">
+                <a:latin typeface="Courier New" panose="02070309020205020404" pitchFamily="49" charset="0"/>
+                <a:cs typeface="Courier New" panose="02070309020205020404" pitchFamily="49" charset="0"/>
+              </a:rPr>
+              <a:t> = () =&gt; {</a:t>
+            </a:r>
+          </a:p>
+          <a:p>
+            <a:r>
+              <a:rPr lang="en-US" sz="1400" b="1" dirty="0">
+                <a:latin typeface="Courier New" panose="02070309020205020404" pitchFamily="49" charset="0"/>
+                <a:cs typeface="Courier New" panose="02070309020205020404" pitchFamily="49" charset="0"/>
+              </a:rPr>
+              <a:t>    alert('Button clicked!');</a:t>
+            </a:r>
+          </a:p>
+          <a:p>
+            <a:r>
+              <a:rPr lang="en-US" sz="1400" b="1" dirty="0">
+                <a:latin typeface="Courier New" panose="02070309020205020404" pitchFamily="49" charset="0"/>
+                <a:cs typeface="Courier New" panose="02070309020205020404" pitchFamily="49" charset="0"/>
+              </a:rPr>
+              <a:t>  };</a:t>
+            </a:r>
+          </a:p>
+          <a:p>
+            <a:endParaRPr lang="en-US" sz="1400" b="1" dirty="0">
+              <a:latin typeface="Courier New" panose="02070309020205020404" pitchFamily="49" charset="0"/>
+              <a:cs typeface="Courier New" panose="02070309020205020404" pitchFamily="49" charset="0"/>
+            </a:endParaRPr>
+          </a:p>
+          <a:p>
+            <a:r>
+              <a:rPr lang="en-US" sz="1400" b="1" dirty="0">
+                <a:latin typeface="Courier New" panose="02070309020205020404" pitchFamily="49" charset="0"/>
+                <a:cs typeface="Courier New" panose="02070309020205020404" pitchFamily="49" charset="0"/>
+              </a:rPr>
+              <a:t>  return (</a:t>
+            </a:r>
+          </a:p>
+          <a:p>
+            <a:r>
+              <a:rPr lang="en-US" sz="1400" b="1" dirty="0">
+                <a:latin typeface="Courier New" panose="02070309020205020404" pitchFamily="49" charset="0"/>
+                <a:cs typeface="Courier New" panose="02070309020205020404" pitchFamily="49" charset="0"/>
+              </a:rPr>
+              <a:t>    &lt;button </a:t>
+            </a:r>
+            <a:r>
+              <a:rPr lang="en-US" sz="1400" b="1" dirty="0" err="1">
+                <a:latin typeface="Courier New" panose="02070309020205020404" pitchFamily="49" charset="0"/>
+                <a:cs typeface="Courier New" panose="02070309020205020404" pitchFamily="49" charset="0"/>
+              </a:rPr>
+              <a:t>onClick</a:t>
+            </a:r>
+            <a:r>
+              <a:rPr lang="en-US" sz="1400" b="1" dirty="0">
+                <a:latin typeface="Courier New" panose="02070309020205020404" pitchFamily="49" charset="0"/>
+                <a:cs typeface="Courier New" panose="02070309020205020404" pitchFamily="49" charset="0"/>
+              </a:rPr>
+              <a:t>={</a:t>
+            </a:r>
+            <a:r>
+              <a:rPr lang="en-US" sz="1400" b="1" dirty="0" err="1">
+                <a:latin typeface="Courier New" panose="02070309020205020404" pitchFamily="49" charset="0"/>
+                <a:cs typeface="Courier New" panose="02070309020205020404" pitchFamily="49" charset="0"/>
+              </a:rPr>
+              <a:t>handleClick</a:t>
+            </a:r>
+            <a:r>
+              <a:rPr lang="en-US" sz="1400" b="1" dirty="0">
+                <a:latin typeface="Courier New" panose="02070309020205020404" pitchFamily="49" charset="0"/>
+                <a:cs typeface="Courier New" panose="02070309020205020404" pitchFamily="49" charset="0"/>
+              </a:rPr>
+              <a:t>}&gt;</a:t>
+            </a:r>
+          </a:p>
+          <a:p>
+            <a:r>
+              <a:rPr lang="en-US" sz="1400" b="1" dirty="0">
+                <a:latin typeface="Courier New" panose="02070309020205020404" pitchFamily="49" charset="0"/>
+                <a:cs typeface="Courier New" panose="02070309020205020404" pitchFamily="49" charset="0"/>
+              </a:rPr>
+              <a:t>      Click Me</a:t>
+            </a:r>
+          </a:p>
+          <a:p>
+            <a:r>
+              <a:rPr lang="en-US" sz="1400" b="1" dirty="0">
+                <a:latin typeface="Courier New" panose="02070309020205020404" pitchFamily="49" charset="0"/>
+                <a:cs typeface="Courier New" panose="02070309020205020404" pitchFamily="49" charset="0"/>
+              </a:rPr>
+              <a:t>    &lt;/button&gt;</a:t>
+            </a:r>
+          </a:p>
+          <a:p>
+            <a:r>
+              <a:rPr lang="en-US" sz="1400" b="1" dirty="0">
+                <a:latin typeface="Courier New" panose="02070309020205020404" pitchFamily="49" charset="0"/>
+                <a:cs typeface="Courier New" panose="02070309020205020404" pitchFamily="49" charset="0"/>
+              </a:rPr>
+              <a:t>  );</a:t>
+            </a:r>
+          </a:p>
+          <a:p>
+            <a:r>
+              <a:rPr lang="en-US" sz="1400" b="1" dirty="0">
+                <a:latin typeface="Courier New" panose="02070309020205020404" pitchFamily="49" charset="0"/>
+                <a:cs typeface="Courier New" panose="02070309020205020404" pitchFamily="49" charset="0"/>
+              </a:rPr>
+              <a:t>}</a:t>
+            </a:r>
+          </a:p>
+          <a:p>
+            <a:endParaRPr lang="en-US" sz="1400" b="1" dirty="0">
+              <a:latin typeface="Courier New" panose="02070309020205020404" pitchFamily="49" charset="0"/>
+              <a:cs typeface="Courier New" panose="02070309020205020404" pitchFamily="49" charset="0"/>
+            </a:endParaRPr>
+          </a:p>
+          <a:p>
+            <a:r>
+              <a:rPr lang="en-US" sz="1400" b="1" dirty="0">
+                <a:latin typeface="Courier New" panose="02070309020205020404" pitchFamily="49" charset="0"/>
+                <a:cs typeface="Courier New" panose="02070309020205020404" pitchFamily="49" charset="0"/>
+              </a:rPr>
+              <a:t>export default </a:t>
+            </a:r>
+            <a:r>
+              <a:rPr lang="en-US" sz="1400" b="1" dirty="0" err="1">
+                <a:latin typeface="Courier New" panose="02070309020205020404" pitchFamily="49" charset="0"/>
+                <a:cs typeface="Courier New" panose="02070309020205020404" pitchFamily="49" charset="0"/>
+              </a:rPr>
+              <a:t>MyButton</a:t>
+            </a:r>
+            <a:r>
+              <a:rPr lang="en-US" sz="1400" b="1" dirty="0">
+                <a:latin typeface="Courier New" panose="02070309020205020404" pitchFamily="49" charset="0"/>
+                <a:cs typeface="Courier New" panose="02070309020205020404" pitchFamily="49" charset="0"/>
+              </a:rPr>
+              <a:t>;</a:t>
+            </a:r>
+          </a:p>
+        </p:txBody>
+      </p:sp>
+    </p:spTree>
+    <p:extLst>
+      <p:ext uri="{BB962C8B-B14F-4D97-AF65-F5344CB8AC3E}">
+        <p14:creationId xmlns:p14="http://schemas.microsoft.com/office/powerpoint/2010/main" val="4235659435"/>
+      </p:ext>
+    </p:extLst>
+  </p:cSld>
+  <p:clrMapOvr>
+    <a:masterClrMapping/>
+  </p:clrMapOvr>
+</p:sld>
+</file>
+
+<file path=ppt/slides/slide47.xml><?xml version="1.0" encoding="utf-8"?>
+<p:sld xmlns:a="http://schemas.openxmlformats.org/drawingml/2006/main" xmlns:r="http://schemas.openxmlformats.org/officeDocument/2006/relationships" xmlns:p="http://schemas.openxmlformats.org/presentationml/2006/main">
+  <p:cSld>
+    <p:spTree>
+      <p:nvGrpSpPr>
+        <p:cNvPr id="1" name=""/>
+        <p:cNvGrpSpPr/>
+        <p:nvPr/>
+      </p:nvGrpSpPr>
+      <p:grpSpPr>
+        <a:xfrm>
+          <a:off x="0" y="0"/>
+          <a:ext cx="0" cy="0"/>
+          <a:chOff x="0" y="0"/>
+          <a:chExt cx="0" cy="0"/>
+        </a:xfrm>
+      </p:grpSpPr>
+      <p:sp>
+        <p:nvSpPr>
+          <p:cNvPr id="2" name="Title 1">
+            <a:extLst>
+              <a:ext uri="{FF2B5EF4-FFF2-40B4-BE49-F238E27FC236}">
+                <a16:creationId xmlns:a16="http://schemas.microsoft.com/office/drawing/2014/main" id="{977CE5AA-E8DC-384B-187C-676891C9D0B7}"/>
+              </a:ext>
+            </a:extLst>
+          </p:cNvPr>
+          <p:cNvSpPr>
+            <a:spLocks noGrp="1"/>
+          </p:cNvSpPr>
+          <p:nvPr>
+            <p:ph type="title"/>
+          </p:nvPr>
+        </p:nvSpPr>
+        <p:spPr/>
+        <p:txBody>
+          <a:bodyPr/>
+          <a:lstStyle/>
+          <a:p>
+            <a:r>
+              <a:rPr lang="en-US" dirty="0"/>
+              <a:t>Evolving Architecture of Web Applications</a:t>
+            </a:r>
+          </a:p>
+        </p:txBody>
+      </p:sp>
+      <p:sp>
+        <p:nvSpPr>
+          <p:cNvPr id="3" name="Content Placeholder 2">
+            <a:extLst>
+              <a:ext uri="{FF2B5EF4-FFF2-40B4-BE49-F238E27FC236}">
+                <a16:creationId xmlns:a16="http://schemas.microsoft.com/office/drawing/2014/main" id="{B2ADC658-C255-CF4E-C07B-753EC3BB0B6E}"/>
+              </a:ext>
+            </a:extLst>
+          </p:cNvPr>
+          <p:cNvSpPr>
+            <a:spLocks noGrp="1"/>
+          </p:cNvSpPr>
+          <p:nvPr>
+            <p:ph idx="1"/>
+          </p:nvPr>
+        </p:nvSpPr>
+        <p:spPr/>
+        <p:txBody>
+          <a:bodyPr/>
+          <a:lstStyle/>
+          <a:p>
+            <a:r>
+              <a:rPr lang="en-US" dirty="0"/>
               <a:t>As the capabilities in the browser become increasingly powerful and easier to use, there is a trend towards moving portions of MVC into the browser</a:t>
             </a:r>
           </a:p>
           <a:p>
             <a:r>
               <a:rPr lang="en-US" dirty="0"/>
-              <a:t>At the extreme the Controller and View move into the browser and the Model is written from the View code running in the browser using web services</a:t>
+              <a:t>At the extreme the Controller and View move into the browser and the Model is written from the View code running in the browser using </a:t>
+            </a:r>
+            <a:r>
+              <a:rPr lang="en-US"/>
+              <a:t>JSON and web </a:t>
+            </a:r>
+            <a:r>
+              <a:rPr lang="en-US" dirty="0"/>
+              <a:t>services</a:t>
             </a:r>
           </a:p>
           <a:p>
@@ -20372,7 +23415,7 @@
 </p:sld>
 </file>
 
-<file path=ppt/slides/slide47.xml><?xml version="1.0" encoding="utf-8"?>
+<file path=ppt/slides/slide48.xml><?xml version="1.0" encoding="utf-8"?>
 <p:sld xmlns:a="http://schemas.openxmlformats.org/drawingml/2006/main" xmlns:r="http://schemas.openxmlformats.org/officeDocument/2006/relationships" xmlns:p="http://schemas.openxmlformats.org/presentationml/2006/main">
   <p:cSld>
     <p:spTree>
@@ -23251,149 +26294,6 @@
     <p:extLst>
       <p:ext uri="{BB962C8B-B14F-4D97-AF65-F5344CB8AC3E}">
         <p14:creationId xmlns:p14="http://schemas.microsoft.com/office/powerpoint/2010/main" val="3566765934"/>
-      </p:ext>
-    </p:extLst>
-  </p:cSld>
-  <p:clrMapOvr>
-    <a:masterClrMapping/>
-  </p:clrMapOvr>
-</p:sld>
-</file>
-
-<file path=ppt/slides/slide48.xml><?xml version="1.0" encoding="utf-8"?>
-<p:sld xmlns:a="http://schemas.openxmlformats.org/drawingml/2006/main" xmlns:r="http://schemas.openxmlformats.org/officeDocument/2006/relationships" xmlns:p="http://schemas.openxmlformats.org/presentationml/2006/main">
-  <p:cSld>
-    <p:spTree>
-      <p:nvGrpSpPr>
-        <p:cNvPr id="1" name=""/>
-        <p:cNvGrpSpPr/>
-        <p:nvPr/>
-      </p:nvGrpSpPr>
-      <p:grpSpPr>
-        <a:xfrm>
-          <a:off x="0" y="0"/>
-          <a:ext cx="0" cy="0"/>
-          <a:chOff x="0" y="0"/>
-          <a:chExt cx="0" cy="0"/>
-        </a:xfrm>
-      </p:grpSpPr>
-      <p:sp>
-        <p:nvSpPr>
-          <p:cNvPr id="2" name="Title 1">
-            <a:extLst>
-              <a:ext uri="{FF2B5EF4-FFF2-40B4-BE49-F238E27FC236}">
-                <a16:creationId xmlns:a16="http://schemas.microsoft.com/office/drawing/2014/main" id="{C5350CC9-AA59-7810-C29C-FD041C61030F}"/>
-              </a:ext>
-            </a:extLst>
-          </p:cNvPr>
-          <p:cNvSpPr>
-            <a:spLocks noGrp="1"/>
-          </p:cNvSpPr>
-          <p:nvPr>
-            <p:ph type="title"/>
-          </p:nvPr>
-        </p:nvSpPr>
-        <p:spPr/>
-        <p:txBody>
-          <a:bodyPr/>
-          <a:lstStyle/>
-          <a:p>
-            <a:r>
-              <a:rPr lang="en-US" dirty="0"/>
-              <a:t>Summary</a:t>
-            </a:r>
-          </a:p>
-        </p:txBody>
-      </p:sp>
-      <p:sp>
-        <p:nvSpPr>
-          <p:cNvPr id="3" name="Content Placeholder 2">
-            <a:extLst>
-              <a:ext uri="{FF2B5EF4-FFF2-40B4-BE49-F238E27FC236}">
-                <a16:creationId xmlns:a16="http://schemas.microsoft.com/office/drawing/2014/main" id="{55D16943-FA1E-031F-D641-E929A1EF050F}"/>
-              </a:ext>
-            </a:extLst>
-          </p:cNvPr>
-          <p:cNvSpPr>
-            <a:spLocks noGrp="1"/>
-          </p:cNvSpPr>
-          <p:nvPr>
-            <p:ph idx="1"/>
-          </p:nvPr>
-        </p:nvSpPr>
-        <p:spPr/>
-        <p:txBody>
-          <a:bodyPr>
-            <a:normAutofit fontScale="92500" lnSpcReduction="20000"/>
-          </a:bodyPr>
-          <a:lstStyle/>
-          <a:p>
-            <a:r>
-              <a:rPr lang="en-US" dirty="0"/>
-              <a:t>Document Object Model (DOM)</a:t>
-            </a:r>
-          </a:p>
-          <a:p>
-            <a:r>
-              <a:rPr lang="en-US" dirty="0"/>
-              <a:t>Browser Window</a:t>
-            </a:r>
-          </a:p>
-          <a:p>
-            <a:r>
-              <a:rPr lang="en-US" dirty="0"/>
-              <a:t>UI Event Handlers</a:t>
-            </a:r>
-          </a:p>
-          <a:p>
-            <a:r>
-              <a:rPr lang="en-US" dirty="0"/>
-              <a:t>DOM Event Handlers</a:t>
-            </a:r>
-          </a:p>
-          <a:p>
-            <a:r>
-              <a:rPr lang="en-US" dirty="0"/>
-              <a:t>Window Event Handlers</a:t>
-            </a:r>
-          </a:p>
-          <a:p>
-            <a:r>
-              <a:rPr lang="en-US" dirty="0"/>
-              <a:t>Selecting and changing an element / tag</a:t>
-            </a:r>
-          </a:p>
-          <a:p>
-            <a:r>
-              <a:rPr lang="en-US" dirty="0"/>
-              <a:t>Adding an element/tag to the DOM</a:t>
-            </a:r>
-          </a:p>
-          <a:p>
-            <a:r>
-              <a:rPr lang="en-US" dirty="0"/>
-              <a:t>Changing the CSS of an element</a:t>
-            </a:r>
-          </a:p>
-          <a:p>
-            <a:r>
-              <a:rPr lang="en-US" dirty="0"/>
-              <a:t>Making network requests from JavaScript</a:t>
-            </a:r>
-          </a:p>
-          <a:p>
-            <a:r>
-              <a:rPr lang="en-US"/>
-              <a:t>Web Components</a:t>
-            </a:r>
-            <a:endParaRPr lang="en-US" dirty="0"/>
-          </a:p>
-        </p:txBody>
-      </p:sp>
-    </p:spTree>
-    <p:extLst>
-      <p:ext uri="{BB962C8B-B14F-4D97-AF65-F5344CB8AC3E}">
-        <p14:creationId xmlns:p14="http://schemas.microsoft.com/office/powerpoint/2010/main" val="1251442569"/>
       </p:ext>
     </p:extLst>
   </p:cSld>
@@ -23422,10 +26322,10 @@
       </p:grpSpPr>
       <p:sp>
         <p:nvSpPr>
-          <p:cNvPr id="35841" name="Title 1">
-            <a:extLst>
-              <a:ext uri="{FF2B5EF4-FFF2-40B4-BE49-F238E27FC236}">
-                <a16:creationId xmlns:a16="http://schemas.microsoft.com/office/drawing/2014/main" id="{648E4DB9-5D6F-66B6-2EDA-60AEB44533DA}"/>
+          <p:cNvPr id="2" name="Title 1">
+            <a:extLst>
+              <a:ext uri="{FF2B5EF4-FFF2-40B4-BE49-F238E27FC236}">
+                <a16:creationId xmlns:a16="http://schemas.microsoft.com/office/drawing/2014/main" id="{C5350CC9-AA59-7810-C29C-FD041C61030F}"/>
               </a:ext>
             </a:extLst>
           </p:cNvPr>
@@ -23436,33 +26336,24 @@
             <p:ph type="title"/>
           </p:nvPr>
         </p:nvSpPr>
-        <p:spPr>
-          <a:xfrm>
-            <a:off x="1132418" y="482600"/>
-            <a:ext cx="9927167" cy="711200"/>
-          </a:xfrm>
-        </p:spPr>
+        <p:spPr/>
         <p:txBody>
           <a:bodyPr/>
           <a:lstStyle/>
           <a:p>
             <a:r>
-              <a:rPr lang="en-US" altLang="en-US">
-                <a:solidFill>
-                  <a:srgbClr val="FFCC66"/>
-                </a:solidFill>
-              </a:rPr>
-              <a:t>Additional Source Information</a:t>
+              <a:rPr lang="en-US" dirty="0"/>
+              <a:t>Summary</a:t>
             </a:r>
           </a:p>
         </p:txBody>
       </p:sp>
       <p:sp>
         <p:nvSpPr>
-          <p:cNvPr id="35842" name="Content Placeholder 2">
-            <a:extLst>
-              <a:ext uri="{FF2B5EF4-FFF2-40B4-BE49-F238E27FC236}">
-                <a16:creationId xmlns:a16="http://schemas.microsoft.com/office/drawing/2014/main" id="{A952151C-FB10-03A9-1C8B-3BB5F998E785}"/>
+          <p:cNvPr id="3" name="Content Placeholder 2">
+            <a:extLst>
+              <a:ext uri="{FF2B5EF4-FFF2-40B4-BE49-F238E27FC236}">
+                <a16:creationId xmlns:a16="http://schemas.microsoft.com/office/drawing/2014/main" id="{55D16943-FA1E-031F-D641-E929A1EF050F}"/>
               </a:ext>
             </a:extLst>
           </p:cNvPr>
@@ -23473,72 +26364,85 @@
             <p:ph idx="1"/>
           </p:nvPr>
         </p:nvSpPr>
-        <p:spPr>
-          <a:xfrm>
-            <a:off x="1132418" y="1498600"/>
-            <a:ext cx="9927167" cy="4464051"/>
-          </a:xfrm>
-        </p:spPr>
+        <p:spPr/>
         <p:txBody>
-          <a:bodyPr anchor="t"/>
+          <a:bodyPr>
+            <a:normAutofit fontScale="92500" lnSpcReduction="20000"/>
+          </a:bodyPr>
           <a:lstStyle/>
           <a:p>
-            <a:pPr algn="l">
-              <a:buFontTx/>
-              <a:buChar char="•"/>
-            </a:pPr>
-            <a:r>
-              <a:rPr lang="en-US" altLang="en-US" sz="1467" dirty="0"/>
-              <a:t>https://</a:t>
-            </a:r>
-            <a:r>
-              <a:rPr lang="en-US" altLang="en-US" sz="1467" dirty="0" err="1"/>
-              <a:t>commons.wikimedia.org</a:t>
-            </a:r>
-            <a:r>
-              <a:rPr lang="en-US" altLang="en-US" sz="1467" dirty="0"/>
-              <a:t>/wiki/</a:t>
-            </a:r>
-            <a:r>
-              <a:rPr lang="en-US" altLang="en-US" sz="1467" dirty="0" err="1"/>
-              <a:t>File:Mouse_pointer_or_cursor.png</a:t>
-            </a:r>
-            <a:endParaRPr lang="en-US" altLang="en-US" sz="1467" dirty="0"/>
-          </a:p>
-          <a:p>
-            <a:pPr algn="l">
-              <a:buFontTx/>
-              <a:buChar char="•"/>
-            </a:pPr>
-            <a:r>
-              <a:rPr lang="en-US" altLang="en-US" sz="1467" dirty="0"/>
-              <a:t>https://</a:t>
-            </a:r>
-            <a:r>
-              <a:rPr lang="en-US" altLang="en-US" sz="1467" dirty="0" err="1"/>
-              <a:t>en.wikipedia.org</a:t>
-            </a:r>
-            <a:r>
-              <a:rPr lang="en-US" altLang="en-US" sz="1467" dirty="0"/>
-              <a:t>/wiki/</a:t>
-            </a:r>
-            <a:r>
-              <a:rPr lang="en-US" altLang="en-US" sz="1467" dirty="0" err="1"/>
-              <a:t>Spinning_pinwheel</a:t>
-            </a:r>
-            <a:r>
-              <a:rPr lang="en-US" altLang="en-US" sz="1467" dirty="0"/>
-              <a:t>#/media/File:OS_X_10.11_Beta_Beach_Ball.jpg</a:t>
-            </a:r>
+            <a:r>
+              <a:rPr lang="en-US" dirty="0"/>
+              <a:t>Document Object Model (DOM)</a:t>
+            </a:r>
+          </a:p>
+          <a:p>
+            <a:r>
+              <a:rPr lang="en-US" dirty="0"/>
+              <a:t>Browser Window</a:t>
+            </a:r>
+          </a:p>
+          <a:p>
+            <a:r>
+              <a:rPr lang="en-US" dirty="0"/>
+              <a:t>UI Event Handlers</a:t>
+            </a:r>
+          </a:p>
+          <a:p>
+            <a:r>
+              <a:rPr lang="en-US" dirty="0"/>
+              <a:t>DOM Event Handlers</a:t>
+            </a:r>
+          </a:p>
+          <a:p>
+            <a:r>
+              <a:rPr lang="en-US" dirty="0"/>
+              <a:t>Window Event Handlers</a:t>
+            </a:r>
+          </a:p>
+          <a:p>
+            <a:r>
+              <a:rPr lang="en-US" dirty="0"/>
+              <a:t>Selecting and changing an element / tag</a:t>
+            </a:r>
+          </a:p>
+          <a:p>
+            <a:r>
+              <a:rPr lang="en-US" dirty="0"/>
+              <a:t>Adding an element/tag to the DOM</a:t>
+            </a:r>
+          </a:p>
+          <a:p>
+            <a:r>
+              <a:rPr lang="en-US" dirty="0"/>
+              <a:t>Changing the CSS of an element</a:t>
+            </a:r>
+          </a:p>
+          <a:p>
+            <a:r>
+              <a:rPr lang="en-US" dirty="0"/>
+              <a:t>Making network requests from JavaScript</a:t>
+            </a:r>
+          </a:p>
+          <a:p>
+            <a:r>
+              <a:rPr lang="en-US"/>
+              <a:t>Web Components</a:t>
+            </a:r>
+            <a:endParaRPr lang="en-US" dirty="0"/>
           </a:p>
         </p:txBody>
       </p:sp>
     </p:spTree>
+    <p:extLst>
+      <p:ext uri="{BB962C8B-B14F-4D97-AF65-F5344CB8AC3E}">
+        <p14:creationId xmlns:p14="http://schemas.microsoft.com/office/powerpoint/2010/main" val="1251442569"/>
+      </p:ext>
+    </p:extLst>
   </p:cSld>
   <p:clrMapOvr>
     <a:masterClrMapping/>
   </p:clrMapOvr>
-  <p:transition spd="slow"/>
 </p:sld>
 </file>
 
@@ -24539,6 +27443,145 @@
   <p:clrMapOvr>
     <a:masterClrMapping/>
   </p:clrMapOvr>
+</p:sld>
+</file>
+
+<file path=ppt/slides/slide50.xml><?xml version="1.0" encoding="utf-8"?>
+<p:sld xmlns:a="http://schemas.openxmlformats.org/drawingml/2006/main" xmlns:r="http://schemas.openxmlformats.org/officeDocument/2006/relationships" xmlns:p="http://schemas.openxmlformats.org/presentationml/2006/main">
+  <p:cSld>
+    <p:spTree>
+      <p:nvGrpSpPr>
+        <p:cNvPr id="1" name=""/>
+        <p:cNvGrpSpPr/>
+        <p:nvPr/>
+      </p:nvGrpSpPr>
+      <p:grpSpPr>
+        <a:xfrm>
+          <a:off x="0" y="0"/>
+          <a:ext cx="0" cy="0"/>
+          <a:chOff x="0" y="0"/>
+          <a:chExt cx="0" cy="0"/>
+        </a:xfrm>
+      </p:grpSpPr>
+      <p:sp>
+        <p:nvSpPr>
+          <p:cNvPr id="35841" name="Title 1">
+            <a:extLst>
+              <a:ext uri="{FF2B5EF4-FFF2-40B4-BE49-F238E27FC236}">
+                <a16:creationId xmlns:a16="http://schemas.microsoft.com/office/drawing/2014/main" id="{648E4DB9-5D6F-66B6-2EDA-60AEB44533DA}"/>
+              </a:ext>
+            </a:extLst>
+          </p:cNvPr>
+          <p:cNvSpPr>
+            <a:spLocks noGrp="1"/>
+          </p:cNvSpPr>
+          <p:nvPr>
+            <p:ph type="title"/>
+          </p:nvPr>
+        </p:nvSpPr>
+        <p:spPr>
+          <a:xfrm>
+            <a:off x="1132418" y="482600"/>
+            <a:ext cx="9927167" cy="711200"/>
+          </a:xfrm>
+        </p:spPr>
+        <p:txBody>
+          <a:bodyPr/>
+          <a:lstStyle/>
+          <a:p>
+            <a:r>
+              <a:rPr lang="en-US" altLang="en-US">
+                <a:solidFill>
+                  <a:srgbClr val="FFCC66"/>
+                </a:solidFill>
+              </a:rPr>
+              <a:t>Additional Source Information</a:t>
+            </a:r>
+          </a:p>
+        </p:txBody>
+      </p:sp>
+      <p:sp>
+        <p:nvSpPr>
+          <p:cNvPr id="35842" name="Content Placeholder 2">
+            <a:extLst>
+              <a:ext uri="{FF2B5EF4-FFF2-40B4-BE49-F238E27FC236}">
+                <a16:creationId xmlns:a16="http://schemas.microsoft.com/office/drawing/2014/main" id="{A952151C-FB10-03A9-1C8B-3BB5F998E785}"/>
+              </a:ext>
+            </a:extLst>
+          </p:cNvPr>
+          <p:cNvSpPr>
+            <a:spLocks noGrp="1"/>
+          </p:cNvSpPr>
+          <p:nvPr>
+            <p:ph idx="1"/>
+          </p:nvPr>
+        </p:nvSpPr>
+        <p:spPr>
+          <a:xfrm>
+            <a:off x="1132418" y="1498600"/>
+            <a:ext cx="9927167" cy="4464051"/>
+          </a:xfrm>
+        </p:spPr>
+        <p:txBody>
+          <a:bodyPr anchor="t"/>
+          <a:lstStyle/>
+          <a:p>
+            <a:pPr algn="l">
+              <a:buFontTx/>
+              <a:buChar char="•"/>
+            </a:pPr>
+            <a:r>
+              <a:rPr lang="en-US" altLang="en-US" sz="1467" dirty="0"/>
+              <a:t>https://</a:t>
+            </a:r>
+            <a:r>
+              <a:rPr lang="en-US" altLang="en-US" sz="1467" dirty="0" err="1"/>
+              <a:t>commons.wikimedia.org</a:t>
+            </a:r>
+            <a:r>
+              <a:rPr lang="en-US" altLang="en-US" sz="1467" dirty="0"/>
+              <a:t>/wiki/</a:t>
+            </a:r>
+            <a:r>
+              <a:rPr lang="en-US" altLang="en-US" sz="1467" dirty="0" err="1"/>
+              <a:t>File:Mouse_pointer_or_cursor.png</a:t>
+            </a:r>
+            <a:endParaRPr lang="en-US" altLang="en-US" sz="1467" dirty="0"/>
+          </a:p>
+          <a:p>
+            <a:pPr algn="l">
+              <a:buFontTx/>
+              <a:buChar char="•"/>
+            </a:pPr>
+            <a:r>
+              <a:rPr lang="en-US" altLang="en-US" sz="1467" dirty="0"/>
+              <a:t>https://</a:t>
+            </a:r>
+            <a:r>
+              <a:rPr lang="en-US" altLang="en-US" sz="1467" dirty="0" err="1"/>
+              <a:t>en.wikipedia.org</a:t>
+            </a:r>
+            <a:r>
+              <a:rPr lang="en-US" altLang="en-US" sz="1467" dirty="0"/>
+              <a:t>/wiki/</a:t>
+            </a:r>
+            <a:r>
+              <a:rPr lang="en-US" altLang="en-US" sz="1467" dirty="0" err="1"/>
+              <a:t>Spinning_pinwheel</a:t>
+            </a:r>
+            <a:r>
+              <a:rPr lang="en-US" altLang="en-US" sz="1467" dirty="0"/>
+              <a:t>#/media/File:OS_X_10.11_Beta_Beach_Ball.jpg</a:t>
+            </a:r>
+          </a:p>
+        </p:txBody>
+      </p:sp>
+    </p:spTree>
+  </p:cSld>
+  <p:clrMapOvr>
+    <a:masterClrMapping/>
+  </p:clrMapOvr>
+  <p:transition spd="slow"/>
 </p:sld>
 </file>
 
